--- a/huawei/日志记录.pptx
+++ b/huawei/日志记录.pptx
@@ -29931,6 +29931,134 @@
             <a:endParaRPr lang="en-US" altLang="zh-CN" dirty="0"/>
           </a:p>
           <a:p>
+            <a:pPr lvl="1"/>
+            <a:r>
+              <a:rPr lang="zh-CN" altLang="en-US" dirty="0"/>
+              <a:t>（</a:t>
+            </a:r>
+            <a:r>
+              <a:rPr lang="en-US" altLang="zh-CN" dirty="0"/>
+              <a:t>1</a:t>
+            </a:r>
+            <a:r>
+              <a:rPr lang="zh-CN" altLang="en-US" dirty="0"/>
+              <a:t>）</a:t>
+            </a:r>
+            <a:r>
+              <a:rPr lang="en-US" altLang="zh-CN" dirty="0"/>
+              <a:t>main7_map_input.txt</a:t>
+            </a:r>
+            <a:r>
+              <a:rPr lang="zh-CN" altLang="en-US" dirty="0"/>
+              <a:t>：输入文件</a:t>
+            </a:r>
+            <a:endParaRPr lang="en-US" altLang="zh-CN" dirty="0"/>
+          </a:p>
+          <a:p>
+            <a:pPr lvl="1"/>
+            <a:r>
+              <a:rPr lang="zh-CN" altLang="en-US" dirty="0"/>
+              <a:t>（</a:t>
+            </a:r>
+            <a:r>
+              <a:rPr lang="en-US" altLang="zh-CN" dirty="0"/>
+              <a:t>2</a:t>
+            </a:r>
+            <a:r>
+              <a:rPr lang="zh-CN" altLang="en-US" dirty="0"/>
+              <a:t>）</a:t>
+            </a:r>
+            <a:r>
+              <a:rPr lang="en-US" altLang="zh-CN" dirty="0"/>
+              <a:t>main7_map.py</a:t>
+            </a:r>
+            <a:r>
+              <a:rPr lang="zh-CN" altLang="en-US" dirty="0"/>
+              <a:t>：</a:t>
+            </a:r>
+            <a:r>
+              <a:rPr lang="en-US" altLang="zh-CN" dirty="0"/>
+              <a:t>main</a:t>
+            </a:r>
+            <a:r>
+              <a:rPr lang="zh-CN" altLang="en-US" dirty="0"/>
+              <a:t>函数添加了从文件中读取输入。</a:t>
+            </a:r>
+            <a:endParaRPr lang="en-US" altLang="zh-CN" dirty="0"/>
+          </a:p>
+          <a:p>
+            <a:pPr lvl="1"/>
+            <a:r>
+              <a:rPr lang="zh-CN" altLang="en-US" dirty="0"/>
+              <a:t>（</a:t>
+            </a:r>
+            <a:r>
+              <a:rPr lang="en-US" altLang="zh-CN" dirty="0"/>
+              <a:t>3</a:t>
+            </a:r>
+            <a:r>
+              <a:rPr lang="zh-CN" altLang="en-US" dirty="0"/>
+              <a:t>）</a:t>
+            </a:r>
+            <a:r>
+              <a:rPr lang="en-US" altLang="zh-CN" dirty="0"/>
+              <a:t>main7_map_visualization.ipynb</a:t>
+            </a:r>
+            <a:r>
+              <a:rPr lang="zh-CN" altLang="en-US" dirty="0"/>
+              <a:t>，构建可视化代码</a:t>
+            </a:r>
+            <a:endParaRPr lang="en-US" altLang="zh-CN" dirty="0"/>
+          </a:p>
+          <a:p>
+            <a:pPr lvl="1"/>
+            <a:r>
+              <a:rPr lang="zh-CN" altLang="en-US" dirty="0"/>
+              <a:t>（</a:t>
+            </a:r>
+            <a:r>
+              <a:rPr lang="en-US" altLang="zh-CN" dirty="0"/>
+              <a:t>4</a:t>
+            </a:r>
+            <a:r>
+              <a:rPr lang="zh-CN" altLang="en-US" dirty="0"/>
+              <a:t>）</a:t>
+            </a:r>
+            <a:r>
+              <a:rPr lang="en-US" altLang="zh-CN" dirty="0"/>
+              <a:t>main7_map_visualization.py</a:t>
+            </a:r>
+            <a:r>
+              <a:rPr lang="zh-CN" altLang="en-US" dirty="0"/>
+              <a:t>：封装可视化代码</a:t>
+            </a:r>
+            <a:endParaRPr lang="en-US" altLang="zh-CN" dirty="0"/>
+          </a:p>
+          <a:p>
+            <a:pPr lvl="1"/>
+            <a:r>
+              <a:rPr lang="zh-CN" altLang="en-US" dirty="0"/>
+              <a:t>（</a:t>
+            </a:r>
+            <a:r>
+              <a:rPr lang="en-US" altLang="zh-CN" dirty="0"/>
+              <a:t>5</a:t>
+            </a:r>
+            <a:r>
+              <a:rPr lang="zh-CN" altLang="en-US" dirty="0"/>
+              <a:t>）</a:t>
+            </a:r>
+            <a:r>
+              <a:rPr lang="en-US" altLang="zh-CN" dirty="0"/>
+              <a:t>main7_map_visualization_test.ipynb</a:t>
+            </a:r>
+            <a:r>
+              <a:rPr lang="zh-CN" altLang="en-US" dirty="0"/>
+              <a:t>：测试最后的输入</a:t>
+            </a:r>
+            <a:endParaRPr lang="en-US" altLang="zh-CN" dirty="0"/>
+          </a:p>
+          <a:p>
             <a:r>
               <a:rPr lang="en-US" altLang="zh-CN" dirty="0"/>
               <a:t>2. </a:t>
@@ -29955,6 +30083,409 @@
               <a:rPr lang="zh-CN" altLang="en-US" dirty="0"/>
               <a:t>代码上。</a:t>
             </a:r>
+          </a:p>
+        </p:txBody>
+      </p:sp>
+      <p:sp>
+        <p:nvSpPr>
+          <p:cNvPr id="6" name="文本框 5">
+            <a:extLst>
+              <a:ext uri="{FF2B5EF4-FFF2-40B4-BE49-F238E27FC236}">
+                <a16:creationId xmlns:a16="http://schemas.microsoft.com/office/drawing/2014/main" id="{A2318C07-7E27-447D-8DDB-A906AF497B2E}"/>
+              </a:ext>
+            </a:extLst>
+          </p:cNvPr>
+          <p:cNvSpPr txBox="1"/>
+          <p:nvPr/>
+        </p:nvSpPr>
+        <p:spPr>
+          <a:xfrm>
+            <a:off x="2501900" y="-4207"/>
+            <a:ext cx="4597400" cy="369332"/>
+          </a:xfrm>
+          <a:prstGeom prst="rect">
+            <a:avLst/>
+          </a:prstGeom>
+          <a:noFill/>
+        </p:spPr>
+        <p:txBody>
+          <a:bodyPr wrap="square">
+            <a:spAutoFit/>
+          </a:bodyPr>
+          <a:lstStyle/>
+          <a:p>
+            <a:r>
+              <a:rPr lang="zh-CN" altLang="en-US" b="1" dirty="0">
+                <a:solidFill>
+                  <a:srgbClr val="FF0000"/>
+                </a:solidFill>
+              </a:rPr>
+              <a:t>23_12_22路径优化文件夹下</a:t>
+            </a:r>
+          </a:p>
+        </p:txBody>
+      </p:sp>
+      <p:pic>
+        <p:nvPicPr>
+          <p:cNvPr id="7" name="图片 6">
+            <a:extLst>
+              <a:ext uri="{FF2B5EF4-FFF2-40B4-BE49-F238E27FC236}">
+                <a16:creationId xmlns:a16="http://schemas.microsoft.com/office/drawing/2014/main" id="{45BC5B59-4268-4B61-BDC0-ACFFBA6B6370}"/>
+              </a:ext>
+            </a:extLst>
+          </p:cNvPr>
+          <p:cNvPicPr>
+            <a:picLocks noChangeAspect="1"/>
+          </p:cNvPicPr>
+          <p:nvPr/>
+        </p:nvPicPr>
+        <p:blipFill>
+          <a:blip r:embed="rId2"/>
+          <a:stretch>
+            <a:fillRect/>
+          </a:stretch>
+        </p:blipFill>
+        <p:spPr>
+          <a:xfrm>
+            <a:off x="9359821" y="760412"/>
+            <a:ext cx="2664539" cy="2668588"/>
+          </a:xfrm>
+          <a:prstGeom prst="rect">
+            <a:avLst/>
+          </a:prstGeom>
+        </p:spPr>
+      </p:pic>
+      <p:grpSp>
+        <p:nvGrpSpPr>
+          <p:cNvPr id="14" name="组合 13">
+            <a:extLst>
+              <a:ext uri="{FF2B5EF4-FFF2-40B4-BE49-F238E27FC236}">
+                <a16:creationId xmlns:a16="http://schemas.microsoft.com/office/drawing/2014/main" id="{29105E12-C0CA-44DA-B789-5C812D7D0908}"/>
+              </a:ext>
+            </a:extLst>
+          </p:cNvPr>
+          <p:cNvGrpSpPr/>
+          <p:nvPr/>
+        </p:nvGrpSpPr>
+        <p:grpSpPr>
+          <a:xfrm>
+            <a:off x="1917700" y="5327650"/>
+            <a:ext cx="9918700" cy="3060700"/>
+            <a:chOff x="1981200" y="4800600"/>
+            <a:chExt cx="9918700" cy="3060700"/>
+          </a:xfrm>
+        </p:grpSpPr>
+        <p:grpSp>
+          <p:nvGrpSpPr>
+            <p:cNvPr id="12" name="组合 11">
+              <a:extLst>
+                <a:ext uri="{FF2B5EF4-FFF2-40B4-BE49-F238E27FC236}">
+                  <a16:creationId xmlns:a16="http://schemas.microsoft.com/office/drawing/2014/main" id="{A899A0DD-2BF8-4224-A86A-7E4FD94C5538}"/>
+                </a:ext>
+              </a:extLst>
+            </p:cNvPr>
+            <p:cNvGrpSpPr/>
+            <p:nvPr/>
+          </p:nvGrpSpPr>
+          <p:grpSpPr>
+            <a:xfrm>
+              <a:off x="2120424" y="4991100"/>
+              <a:ext cx="9697969" cy="2792427"/>
+              <a:chOff x="2120424" y="4991100"/>
+              <a:chExt cx="9697969" cy="2792427"/>
+            </a:xfrm>
+          </p:grpSpPr>
+          <p:pic>
+            <p:nvPicPr>
+              <p:cNvPr id="8" name="图片 7">
+                <a:extLst>
+                  <a:ext uri="{FF2B5EF4-FFF2-40B4-BE49-F238E27FC236}">
+                    <a16:creationId xmlns:a16="http://schemas.microsoft.com/office/drawing/2014/main" id="{1A0FB5FD-1301-4C46-873F-1E33188F1E96}"/>
+                  </a:ext>
+                </a:extLst>
+              </p:cNvPr>
+              <p:cNvPicPr>
+                <a:picLocks noChangeAspect="1"/>
+              </p:cNvPicPr>
+              <p:nvPr/>
+            </p:nvPicPr>
+            <p:blipFill>
+              <a:blip r:embed="rId3"/>
+              <a:stretch>
+                <a:fillRect/>
+              </a:stretch>
+            </p:blipFill>
+            <p:spPr>
+              <a:xfrm>
+                <a:off x="6358821" y="5510270"/>
+                <a:ext cx="2874690" cy="2273257"/>
+              </a:xfrm>
+              <a:prstGeom prst="rect">
+                <a:avLst/>
+              </a:prstGeom>
+            </p:spPr>
+          </p:pic>
+          <p:pic>
+            <p:nvPicPr>
+              <p:cNvPr id="9" name="图片 8">
+                <a:extLst>
+                  <a:ext uri="{FF2B5EF4-FFF2-40B4-BE49-F238E27FC236}">
+                    <a16:creationId xmlns:a16="http://schemas.microsoft.com/office/drawing/2014/main" id="{0EE12FF8-1D3A-41AB-89AF-45BF20F62718}"/>
+                  </a:ext>
+                </a:extLst>
+              </p:cNvPr>
+              <p:cNvPicPr>
+                <a:picLocks noChangeAspect="1"/>
+              </p:cNvPicPr>
+              <p:nvPr/>
+            </p:nvPicPr>
+            <p:blipFill>
+              <a:blip r:embed="rId4"/>
+              <a:stretch>
+                <a:fillRect/>
+              </a:stretch>
+            </p:blipFill>
+            <p:spPr>
+              <a:xfrm>
+                <a:off x="2128375" y="5510270"/>
+                <a:ext cx="3594641" cy="1333385"/>
+              </a:xfrm>
+              <a:prstGeom prst="rect">
+                <a:avLst/>
+              </a:prstGeom>
+            </p:spPr>
+          </p:pic>
+          <p:sp>
+            <p:nvSpPr>
+              <p:cNvPr id="10" name="文本框 9">
+                <a:extLst>
+                  <a:ext uri="{FF2B5EF4-FFF2-40B4-BE49-F238E27FC236}">
+                    <a16:creationId xmlns:a16="http://schemas.microsoft.com/office/drawing/2014/main" id="{2EC2DD35-41A6-4D36-B22D-061A7DB6545A}"/>
+                  </a:ext>
+                </a:extLst>
+              </p:cNvPr>
+              <p:cNvSpPr txBox="1"/>
+              <p:nvPr/>
+            </p:nvSpPr>
+            <p:spPr>
+              <a:xfrm>
+                <a:off x="6654800" y="4991100"/>
+                <a:ext cx="5163593" cy="369332"/>
+              </a:xfrm>
+              <a:prstGeom prst="rect">
+                <a:avLst/>
+              </a:prstGeom>
+              <a:noFill/>
+            </p:spPr>
+            <p:txBody>
+              <a:bodyPr wrap="none" rtlCol="0">
+                <a:spAutoFit/>
+              </a:bodyPr>
+              <a:lstStyle/>
+              <a:p>
+                <a:r>
+                  <a:rPr lang="en-US" altLang="zh-CN" dirty="0"/>
+                  <a:t>DFS</a:t>
+                </a:r>
+                <a:r>
+                  <a:rPr lang="zh-CN" altLang="en-US" dirty="0"/>
+                  <a:t>时，</a:t>
+                </a:r>
+                <a:r>
+                  <a:rPr lang="en-US" altLang="zh-CN" dirty="0"/>
+                  <a:t>transmitter</a:t>
+                </a:r>
+                <a:r>
+                  <a:rPr lang="zh-CN" altLang="en-US" dirty="0"/>
+                  <a:t>创建后没有修改对应</a:t>
+                </a:r>
+                <a:r>
+                  <a:rPr lang="en-US" altLang="zh-CN" dirty="0"/>
+                  <a:t>Node</a:t>
+                </a:r>
+                <a:r>
+                  <a:rPr lang="zh-CN" altLang="en-US" dirty="0"/>
+                  <a:t>对象</a:t>
+                </a:r>
+              </a:p>
+            </p:txBody>
+          </p:sp>
+          <p:sp>
+            <p:nvSpPr>
+              <p:cNvPr id="11" name="文本框 10">
+                <a:extLst>
+                  <a:ext uri="{FF2B5EF4-FFF2-40B4-BE49-F238E27FC236}">
+                    <a16:creationId xmlns:a16="http://schemas.microsoft.com/office/drawing/2014/main" id="{17C54A1B-CDAA-4F9C-9618-94048DE1342A}"/>
+                  </a:ext>
+                </a:extLst>
+              </p:cNvPr>
+              <p:cNvSpPr txBox="1"/>
+              <p:nvPr/>
+            </p:nvSpPr>
+            <p:spPr>
+              <a:xfrm>
+                <a:off x="2120424" y="5048766"/>
+                <a:ext cx="1519968" cy="369332"/>
+              </a:xfrm>
+              <a:prstGeom prst="rect">
+                <a:avLst/>
+              </a:prstGeom>
+              <a:noFill/>
+            </p:spPr>
+            <p:txBody>
+              <a:bodyPr wrap="none" rtlCol="0">
+                <a:spAutoFit/>
+              </a:bodyPr>
+              <a:lstStyle/>
+              <a:p>
+                <a:r>
+                  <a:rPr lang="en-US" altLang="zh-CN" dirty="0"/>
+                  <a:t>MAP</a:t>
+                </a:r>
+                <a:r>
+                  <a:rPr lang="zh-CN" altLang="en-US" dirty="0"/>
+                  <a:t>构建时</a:t>
+                </a:r>
+                <a:r>
+                  <a:rPr lang="en-US" altLang="zh-CN" dirty="0"/>
+                  <a:t>N</a:t>
+                </a:r>
+                <a:endParaRPr lang="zh-CN" altLang="en-US" dirty="0"/>
+              </a:p>
+            </p:txBody>
+          </p:sp>
+        </p:grpSp>
+        <p:sp>
+          <p:nvSpPr>
+            <p:cNvPr id="13" name="矩形 12">
+              <a:extLst>
+                <a:ext uri="{FF2B5EF4-FFF2-40B4-BE49-F238E27FC236}">
+                  <a16:creationId xmlns:a16="http://schemas.microsoft.com/office/drawing/2014/main" id="{73F86F22-C7F4-42B6-9527-0C9FF808DE69}"/>
+                </a:ext>
+              </a:extLst>
+            </p:cNvPr>
+            <p:cNvSpPr/>
+            <p:nvPr/>
+          </p:nvSpPr>
+          <p:spPr>
+            <a:xfrm>
+              <a:off x="1981200" y="4800600"/>
+              <a:ext cx="9918700" cy="3060700"/>
+            </a:xfrm>
+            <a:prstGeom prst="rect">
+              <a:avLst/>
+            </a:prstGeom>
+            <a:noFill/>
+            <a:ln w="19050">
+              <a:solidFill>
+                <a:schemeClr val="tx1"/>
+              </a:solidFill>
+            </a:ln>
+          </p:spPr>
+          <p:style>
+            <a:lnRef idx="2">
+              <a:schemeClr val="accent1">
+                <a:shade val="50000"/>
+              </a:schemeClr>
+            </a:lnRef>
+            <a:fillRef idx="1">
+              <a:schemeClr val="accent1"/>
+            </a:fillRef>
+            <a:effectRef idx="0">
+              <a:schemeClr val="accent1"/>
+            </a:effectRef>
+            <a:fontRef idx="minor">
+              <a:schemeClr val="lt1"/>
+            </a:fontRef>
+          </p:style>
+          <p:txBody>
+            <a:bodyPr rtlCol="0" anchor="ctr"/>
+            <a:lstStyle/>
+            <a:p>
+              <a:pPr algn="ctr"/>
+              <a:endParaRPr lang="zh-CN" altLang="en-US"/>
+            </a:p>
+          </p:txBody>
+        </p:sp>
+      </p:grpSp>
+      <p:cxnSp>
+        <p:nvCxnSpPr>
+          <p:cNvPr id="16" name="直接箭头连接符 15">
+            <a:extLst>
+              <a:ext uri="{FF2B5EF4-FFF2-40B4-BE49-F238E27FC236}">
+                <a16:creationId xmlns:a16="http://schemas.microsoft.com/office/drawing/2014/main" id="{FE699251-218B-4164-978C-E046D22E16E4}"/>
+              </a:ext>
+            </a:extLst>
+          </p:cNvPr>
+          <p:cNvCxnSpPr>
+            <a:endCxn id="13" idx="0"/>
+          </p:cNvCxnSpPr>
+          <p:nvPr/>
+        </p:nvCxnSpPr>
+        <p:spPr>
+          <a:xfrm>
+            <a:off x="6350000" y="2997200"/>
+            <a:ext cx="527050" cy="2330450"/>
+          </a:xfrm>
+          <a:prstGeom prst="straightConnector1">
+            <a:avLst/>
+          </a:prstGeom>
+          <a:ln>
+            <a:tailEnd type="triangle"/>
+          </a:ln>
+        </p:spPr>
+        <p:style>
+          <a:lnRef idx="1">
+            <a:schemeClr val="accent1"/>
+          </a:lnRef>
+          <a:fillRef idx="0">
+            <a:schemeClr val="accent1"/>
+          </a:fillRef>
+          <a:effectRef idx="0">
+            <a:schemeClr val="accent1"/>
+          </a:effectRef>
+          <a:fontRef idx="minor">
+            <a:schemeClr val="tx1"/>
+          </a:fontRef>
+        </p:style>
+      </p:cxnSp>
+      <p:sp>
+        <p:nvSpPr>
+          <p:cNvPr id="17" name="文本框 16">
+            <a:extLst>
+              <a:ext uri="{FF2B5EF4-FFF2-40B4-BE49-F238E27FC236}">
+                <a16:creationId xmlns:a16="http://schemas.microsoft.com/office/drawing/2014/main" id="{2A188A94-1866-4E27-B17C-4AD7F66AA2CD}"/>
+              </a:ext>
+            </a:extLst>
+          </p:cNvPr>
+          <p:cNvSpPr txBox="1"/>
+          <p:nvPr/>
+        </p:nvSpPr>
+        <p:spPr>
+          <a:xfrm>
+            <a:off x="6877050" y="4953000"/>
+            <a:ext cx="2013693" cy="369332"/>
+          </a:xfrm>
+          <a:prstGeom prst="rect">
+            <a:avLst/>
+          </a:prstGeom>
+          <a:noFill/>
+        </p:spPr>
+        <p:txBody>
+          <a:bodyPr wrap="none" rtlCol="0">
+            <a:spAutoFit/>
+          </a:bodyPr>
+          <a:lstStyle/>
+          <a:p>
+            <a:r>
+              <a:rPr lang="zh-CN" altLang="en-US" dirty="0"/>
+              <a:t>修改之前的小</a:t>
+            </a:r>
+            <a:r>
+              <a:rPr lang="en-US" altLang="zh-CN"/>
+              <a:t>bug</a:t>
+            </a:r>
+            <a:endParaRPr lang="zh-CN" altLang="en-US"/>
           </a:p>
         </p:txBody>
       </p:sp>
@@ -30237,7 +30768,7 @@
           <a:graphicData uri="http://schemas.openxmlformats.org/presentationml/2006/ole">
             <mc:AlternateContent xmlns:mc="http://schemas.openxmlformats.org/markup-compatibility/2006">
               <mc:Choice xmlns:v="urn:schemas-microsoft-com:vml" Requires="v">
-                <p:oleObj spid="_x0000_s2147" name="Equation" r:id="rId4" imgW="104546400" imgH="9448800" progId="Equation.DSMT4">
+                <p:oleObj spid="_x0000_s2167" name="Equation" r:id="rId4" imgW="104546400" imgH="9448800" progId="Equation.DSMT4">
                   <p:embed/>
                 </p:oleObj>
               </mc:Choice>
@@ -30294,7 +30825,7 @@
           <a:graphicData uri="http://schemas.openxmlformats.org/presentationml/2006/ole">
             <mc:AlternateContent xmlns:mc="http://schemas.openxmlformats.org/markup-compatibility/2006">
               <mc:Choice xmlns:v="urn:schemas-microsoft-com:vml" Requires="v">
-                <p:oleObj spid="_x0000_s2148" name="Equation" r:id="rId6" imgW="3403440" imgH="787320" progId="Equation.DSMT4">
+                <p:oleObj spid="_x0000_s2168" name="Equation" r:id="rId6" imgW="3403440" imgH="787320" progId="Equation.DSMT4">
                   <p:embed/>
                 </p:oleObj>
               </mc:Choice>
@@ -32039,7 +32570,7 @@
             <a:graphicData uri="http://schemas.openxmlformats.org/presentationml/2006/ole">
               <mc:AlternateContent xmlns:mc="http://schemas.openxmlformats.org/markup-compatibility/2006">
                 <mc:Choice xmlns:v="urn:schemas-microsoft-com:vml" Requires="v">
-                  <p:oleObj spid="_x0000_s2149" name="Equation" r:id="rId8" imgW="8839200" imgH="5181600" progId="Equation.DSMT4">
+                  <p:oleObj spid="_x0000_s2169" name="Equation" r:id="rId8" imgW="8839200" imgH="5181600" progId="Equation.DSMT4">
                     <p:embed/>
                   </p:oleObj>
                 </mc:Choice>
@@ -32974,7 +33505,7 @@
           <a:graphicData uri="http://schemas.openxmlformats.org/presentationml/2006/ole">
             <mc:AlternateContent xmlns:mc="http://schemas.openxmlformats.org/markup-compatibility/2006">
               <mc:Choice xmlns:v="urn:schemas-microsoft-com:vml" Requires="v">
-                <p:oleObj spid="_x0000_s2150" name="Equation" r:id="rId11" imgW="2108160" imgH="164880" progId="Equation.DSMT4">
+                <p:oleObj spid="_x0000_s2170" name="Equation" r:id="rId11" imgW="2108160" imgH="164880" progId="Equation.DSMT4">
                   <p:embed/>
                 </p:oleObj>
               </mc:Choice>

--- a/huawei/日志记录.pptx
+++ b/huawei/日志记录.pptx
@@ -5,7 +5,7 @@
     <p:sldMasterId id="2147483648" r:id="rId1"/>
   </p:sldMasterIdLst>
   <p:notesMasterIdLst>
-    <p:notesMasterId r:id="rId27"/>
+    <p:notesMasterId r:id="rId29"/>
   </p:notesMasterIdLst>
   <p:sldIdLst>
     <p:sldId id="256" r:id="rId2"/>
@@ -31,13 +31,15 @@
     <p:sldId id="279" r:id="rId22"/>
     <p:sldId id="281" r:id="rId23"/>
     <p:sldId id="282" r:id="rId24"/>
-    <p:sldId id="280" r:id="rId25"/>
-    <p:sldId id="275" r:id="rId26"/>
+    <p:sldId id="283" r:id="rId25"/>
+    <p:sldId id="280" r:id="rId26"/>
+    <p:sldId id="275" r:id="rId27"/>
+    <p:sldId id="284" r:id="rId28"/>
   </p:sldIdLst>
   <p:sldSz cx="12192000" cy="6858000"/>
   <p:notesSz cx="6858000" cy="9144000"/>
   <p:custDataLst>
-    <p:tags r:id="rId28"/>
+    <p:tags r:id="rId30"/>
   </p:custDataLst>
   <p:defaultTextStyle>
     <a:defPPr>
@@ -30155,12 +30157,54 @@
           </a:prstGeom>
         </p:spPr>
       </p:pic>
+      <p:cxnSp>
+        <p:nvCxnSpPr>
+          <p:cNvPr id="16" name="直接箭头连接符 15">
+            <a:extLst>
+              <a:ext uri="{FF2B5EF4-FFF2-40B4-BE49-F238E27FC236}">
+                <a16:creationId xmlns:a16="http://schemas.microsoft.com/office/drawing/2014/main" id="{FE699251-218B-4164-978C-E046D22E16E4}"/>
+              </a:ext>
+            </a:extLst>
+          </p:cNvPr>
+          <p:cNvCxnSpPr>
+            <a:cxnSpLocks/>
+            <a:endCxn id="13" idx="0"/>
+          </p:cNvCxnSpPr>
+          <p:nvPr/>
+        </p:nvCxnSpPr>
+        <p:spPr>
+          <a:xfrm>
+            <a:off x="5795818" y="2401454"/>
+            <a:ext cx="1809750" cy="2330450"/>
+          </a:xfrm>
+          <a:prstGeom prst="straightConnector1">
+            <a:avLst/>
+          </a:prstGeom>
+          <a:ln>
+            <a:tailEnd type="triangle"/>
+          </a:ln>
+        </p:spPr>
+        <p:style>
+          <a:lnRef idx="1">
+            <a:schemeClr val="accent1"/>
+          </a:lnRef>
+          <a:fillRef idx="0">
+            <a:schemeClr val="accent1"/>
+          </a:fillRef>
+          <a:effectRef idx="0">
+            <a:schemeClr val="accent1"/>
+          </a:effectRef>
+          <a:fontRef idx="minor">
+            <a:schemeClr val="tx1"/>
+          </a:fontRef>
+        </p:style>
+      </p:cxnSp>
       <p:grpSp>
         <p:nvGrpSpPr>
-          <p:cNvPr id="14" name="组合 13">
+          <p:cNvPr id="24" name="组合 23">
             <a:extLst>
               <a:ext uri="{FF2B5EF4-FFF2-40B4-BE49-F238E27FC236}">
-                <a16:creationId xmlns:a16="http://schemas.microsoft.com/office/drawing/2014/main" id="{29105E12-C0CA-44DA-B789-5C812D7D0908}"/>
+                <a16:creationId xmlns:a16="http://schemas.microsoft.com/office/drawing/2014/main" id="{D56F3EA5-BE64-490F-AF32-D269E0C638DF}"/>
               </a:ext>
             </a:extLst>
           </p:cNvPr>
@@ -30169,18 +30213,18 @@
         </p:nvGrpSpPr>
         <p:grpSpPr>
           <a:xfrm>
-            <a:off x="1917700" y="5327650"/>
-            <a:ext cx="9918700" cy="3060700"/>
-            <a:chOff x="1981200" y="4800600"/>
-            <a:chExt cx="9918700" cy="3060700"/>
+            <a:off x="-92296" y="4728916"/>
+            <a:ext cx="13939914" cy="4354326"/>
+            <a:chOff x="-92296" y="4728916"/>
+            <a:chExt cx="13939914" cy="4354326"/>
           </a:xfrm>
         </p:grpSpPr>
         <p:grpSp>
           <p:nvGrpSpPr>
-            <p:cNvPr id="12" name="组合 11">
+            <p:cNvPr id="20" name="组合 19">
               <a:extLst>
                 <a:ext uri="{FF2B5EF4-FFF2-40B4-BE49-F238E27FC236}">
-                  <a16:creationId xmlns:a16="http://schemas.microsoft.com/office/drawing/2014/main" id="{A899A0DD-2BF8-4224-A86A-7E4FD94C5538}"/>
+                  <a16:creationId xmlns:a16="http://schemas.microsoft.com/office/drawing/2014/main" id="{1C382CFA-C827-4A19-B509-95F3EE51DC74}"/>
                 </a:ext>
               </a:extLst>
             </p:cNvPr>
@@ -30189,10 +30233,10 @@
           </p:nvGrpSpPr>
           <p:grpSpPr>
             <a:xfrm>
-              <a:off x="2120424" y="4991100"/>
-              <a:ext cx="9697969" cy="2792427"/>
-              <a:chOff x="2120424" y="4991100"/>
-              <a:chExt cx="9697969" cy="2792427"/>
+              <a:off x="5332797" y="4854188"/>
+              <a:ext cx="3594641" cy="2922763"/>
+              <a:chOff x="5332797" y="4854188"/>
+              <a:chExt cx="3594641" cy="2922763"/>
             </a:xfrm>
           </p:grpSpPr>
           <p:pic>
@@ -30217,38 +30261,8 @@
             </p:blipFill>
             <p:spPr>
               <a:xfrm>
-                <a:off x="6358821" y="5510270"/>
+                <a:off x="5388876" y="5503694"/>
                 <a:ext cx="2874690" cy="2273257"/>
-              </a:xfrm>
-              <a:prstGeom prst="rect">
-                <a:avLst/>
-              </a:prstGeom>
-            </p:spPr>
-          </p:pic>
-          <p:pic>
-            <p:nvPicPr>
-              <p:cNvPr id="9" name="图片 8">
-                <a:extLst>
-                  <a:ext uri="{FF2B5EF4-FFF2-40B4-BE49-F238E27FC236}">
-                    <a16:creationId xmlns:a16="http://schemas.microsoft.com/office/drawing/2014/main" id="{0EE12FF8-1D3A-41AB-89AF-45BF20F62718}"/>
-                  </a:ext>
-                </a:extLst>
-              </p:cNvPr>
-              <p:cNvPicPr>
-                <a:picLocks noChangeAspect="1"/>
-              </p:cNvPicPr>
-              <p:nvPr/>
-            </p:nvPicPr>
-            <p:blipFill>
-              <a:blip r:embed="rId4"/>
-              <a:stretch>
-                <a:fillRect/>
-              </a:stretch>
-            </p:blipFill>
-            <p:spPr>
-              <a:xfrm>
-                <a:off x="2128375" y="5510270"/>
-                <a:ext cx="3594641" cy="1333385"/>
               </a:xfrm>
               <a:prstGeom prst="rect">
                 <a:avLst/>
@@ -30269,8 +30283,8 @@
             </p:nvSpPr>
             <p:spPr>
               <a:xfrm>
-                <a:off x="6654800" y="4991100"/>
-                <a:ext cx="5163593" cy="369332"/>
+                <a:off x="5332797" y="4854188"/>
+                <a:ext cx="3594641" cy="646331"/>
               </a:xfrm>
               <a:prstGeom prst="rect">
                 <a:avLst/>
@@ -30278,7 +30292,7 @@
               <a:noFill/>
             </p:spPr>
             <p:txBody>
-              <a:bodyPr wrap="none" rtlCol="0">
+              <a:bodyPr wrap="square" rtlCol="0">
                 <a:spAutoFit/>
               </a:bodyPr>
               <a:lstStyle/>
@@ -30310,51 +30324,81 @@
               </a:p>
             </p:txBody>
           </p:sp>
-          <p:sp>
-            <p:nvSpPr>
-              <p:cNvPr id="11" name="文本框 10">
-                <a:extLst>
-                  <a:ext uri="{FF2B5EF4-FFF2-40B4-BE49-F238E27FC236}">
-                    <a16:creationId xmlns:a16="http://schemas.microsoft.com/office/drawing/2014/main" id="{17C54A1B-CDAA-4F9C-9618-94048DE1342A}"/>
-                  </a:ext>
-                </a:extLst>
-              </p:cNvPr>
-              <p:cNvSpPr txBox="1"/>
-              <p:nvPr/>
-            </p:nvSpPr>
-            <p:spPr>
-              <a:xfrm>
-                <a:off x="2120424" y="5048766"/>
-                <a:ext cx="1519968" cy="369332"/>
-              </a:xfrm>
-              <a:prstGeom prst="rect">
-                <a:avLst/>
-              </a:prstGeom>
-              <a:noFill/>
-            </p:spPr>
-            <p:txBody>
-              <a:bodyPr wrap="none" rtlCol="0">
-                <a:spAutoFit/>
-              </a:bodyPr>
-              <a:lstStyle/>
-              <a:p>
-                <a:r>
-                  <a:rPr lang="en-US" altLang="zh-CN" dirty="0"/>
-                  <a:t>MAP</a:t>
-                </a:r>
-                <a:r>
-                  <a:rPr lang="zh-CN" altLang="en-US" dirty="0"/>
-                  <a:t>构建时</a:t>
-                </a:r>
-                <a:r>
-                  <a:rPr lang="en-US" altLang="zh-CN" dirty="0"/>
-                  <a:t>N</a:t>
-                </a:r>
-                <a:endParaRPr lang="zh-CN" altLang="en-US" dirty="0"/>
-              </a:p>
-            </p:txBody>
-          </p:sp>
         </p:grpSp>
+        <p:pic>
+          <p:nvPicPr>
+            <p:cNvPr id="9" name="图片 8">
+              <a:extLst>
+                <a:ext uri="{FF2B5EF4-FFF2-40B4-BE49-F238E27FC236}">
+                  <a16:creationId xmlns:a16="http://schemas.microsoft.com/office/drawing/2014/main" id="{0EE12FF8-1D3A-41AB-89AF-45BF20F62718}"/>
+                </a:ext>
+              </a:extLst>
+            </p:cNvPr>
+            <p:cNvPicPr>
+              <a:picLocks noChangeAspect="1"/>
+            </p:cNvPicPr>
+            <p:nvPr/>
+          </p:nvPicPr>
+          <p:blipFill>
+            <a:blip r:embed="rId4"/>
+            <a:stretch>
+              <a:fillRect/>
+            </a:stretch>
+          </p:blipFill>
+          <p:spPr>
+            <a:xfrm>
+              <a:off x="1487007" y="5375247"/>
+              <a:ext cx="3594641" cy="1333385"/>
+            </a:xfrm>
+            <a:prstGeom prst="rect">
+              <a:avLst/>
+            </a:prstGeom>
+          </p:spPr>
+        </p:pic>
+        <p:sp>
+          <p:nvSpPr>
+            <p:cNvPr id="11" name="文本框 10">
+              <a:extLst>
+                <a:ext uri="{FF2B5EF4-FFF2-40B4-BE49-F238E27FC236}">
+                  <a16:creationId xmlns:a16="http://schemas.microsoft.com/office/drawing/2014/main" id="{17C54A1B-CDAA-4F9C-9618-94048DE1342A}"/>
+                </a:ext>
+              </a:extLst>
+            </p:cNvPr>
+            <p:cNvSpPr txBox="1"/>
+            <p:nvPr/>
+          </p:nvSpPr>
+          <p:spPr>
+            <a:xfrm>
+              <a:off x="1479056" y="4913743"/>
+              <a:ext cx="1519968" cy="369332"/>
+            </a:xfrm>
+            <a:prstGeom prst="rect">
+              <a:avLst/>
+            </a:prstGeom>
+            <a:noFill/>
+          </p:spPr>
+          <p:txBody>
+            <a:bodyPr wrap="none" rtlCol="0">
+              <a:spAutoFit/>
+            </a:bodyPr>
+            <a:lstStyle/>
+            <a:p>
+              <a:r>
+                <a:rPr lang="en-US" altLang="zh-CN" dirty="0"/>
+                <a:t>MAP</a:t>
+              </a:r>
+              <a:r>
+                <a:rPr lang="zh-CN" altLang="en-US" dirty="0"/>
+                <a:t>构建时</a:t>
+              </a:r>
+              <a:r>
+                <a:rPr lang="en-US" altLang="zh-CN" dirty="0"/>
+                <a:t>N</a:t>
+              </a:r>
+              <a:endParaRPr lang="zh-CN" altLang="en-US" dirty="0"/>
+            </a:p>
+          </p:txBody>
+        </p:sp>
         <p:sp>
           <p:nvSpPr>
             <p:cNvPr id="13" name="矩形 12">
@@ -30369,8 +30413,8 @@
           </p:nvSpPr>
           <p:spPr>
             <a:xfrm>
-              <a:off x="1981200" y="4800600"/>
-              <a:ext cx="9918700" cy="3060700"/>
+              <a:off x="1363518" y="4731904"/>
+              <a:ext cx="12484100" cy="4351338"/>
             </a:xfrm>
             <a:prstGeom prst="rect">
               <a:avLst/>
@@ -30407,88 +30451,191 @@
             </a:p>
           </p:txBody>
         </p:sp>
+        <p:sp>
+          <p:nvSpPr>
+            <p:cNvPr id="17" name="文本框 16">
+              <a:extLst>
+                <a:ext uri="{FF2B5EF4-FFF2-40B4-BE49-F238E27FC236}">
+                  <a16:creationId xmlns:a16="http://schemas.microsoft.com/office/drawing/2014/main" id="{2A188A94-1866-4E27-B17C-4AD7F66AA2CD}"/>
+                </a:ext>
+              </a:extLst>
+            </p:cNvPr>
+            <p:cNvSpPr txBox="1"/>
+            <p:nvPr/>
+          </p:nvSpPr>
+          <p:spPr>
+            <a:xfrm>
+              <a:off x="-92296" y="4913743"/>
+              <a:ext cx="1455814" cy="646331"/>
+            </a:xfrm>
+            <a:prstGeom prst="rect">
+              <a:avLst/>
+            </a:prstGeom>
+            <a:noFill/>
+          </p:spPr>
+          <p:txBody>
+            <a:bodyPr wrap="square" rtlCol="0">
+              <a:spAutoFit/>
+            </a:bodyPr>
+            <a:lstStyle/>
+            <a:p>
+              <a:r>
+                <a:rPr lang="zh-CN" altLang="en-US" dirty="0"/>
+                <a:t>修改之前的小</a:t>
+              </a:r>
+              <a:r>
+                <a:rPr lang="en-US" altLang="zh-CN" dirty="0"/>
+                <a:t>bug</a:t>
+              </a:r>
+              <a:endParaRPr lang="zh-CN" altLang="en-US" dirty="0"/>
+            </a:p>
+          </p:txBody>
+        </p:sp>
+        <p:grpSp>
+          <p:nvGrpSpPr>
+            <p:cNvPr id="22" name="组合 21">
+              <a:extLst>
+                <a:ext uri="{FF2B5EF4-FFF2-40B4-BE49-F238E27FC236}">
+                  <a16:creationId xmlns:a16="http://schemas.microsoft.com/office/drawing/2014/main" id="{35F825FB-0029-4161-B956-8F84FEF9398A}"/>
+                </a:ext>
+              </a:extLst>
+            </p:cNvPr>
+            <p:cNvGrpSpPr/>
+            <p:nvPr/>
+          </p:nvGrpSpPr>
+          <p:grpSpPr>
+            <a:xfrm>
+              <a:off x="9419953" y="5350570"/>
+              <a:ext cx="3271278" cy="3693102"/>
+              <a:chOff x="9415948" y="5133766"/>
+              <a:chExt cx="3271278" cy="3693102"/>
+            </a:xfrm>
+          </p:grpSpPr>
+          <p:pic>
+            <p:nvPicPr>
+              <p:cNvPr id="18" name="图片 17">
+                <a:extLst>
+                  <a:ext uri="{FF2B5EF4-FFF2-40B4-BE49-F238E27FC236}">
+                    <a16:creationId xmlns:a16="http://schemas.microsoft.com/office/drawing/2014/main" id="{23272DDE-1E5A-4572-A21C-5CE1F6A85147}"/>
+                  </a:ext>
+                </a:extLst>
+              </p:cNvPr>
+              <p:cNvPicPr>
+                <a:picLocks noChangeAspect="1"/>
+              </p:cNvPicPr>
+              <p:nvPr/>
+            </p:nvPicPr>
+            <p:blipFill>
+              <a:blip r:embed="rId5"/>
+              <a:stretch>
+                <a:fillRect/>
+              </a:stretch>
+            </p:blipFill>
+            <p:spPr>
+              <a:xfrm>
+                <a:off x="9415948" y="5133766"/>
+                <a:ext cx="3271278" cy="1055544"/>
+              </a:xfrm>
+              <a:prstGeom prst="rect">
+                <a:avLst/>
+              </a:prstGeom>
+            </p:spPr>
+          </p:pic>
+          <p:pic>
+            <p:nvPicPr>
+              <p:cNvPr id="19" name="图片 18">
+                <a:extLst>
+                  <a:ext uri="{FF2B5EF4-FFF2-40B4-BE49-F238E27FC236}">
+                    <a16:creationId xmlns:a16="http://schemas.microsoft.com/office/drawing/2014/main" id="{AE00D8B3-6BB3-4A3D-AA94-7560C166C2BC}"/>
+                  </a:ext>
+                </a:extLst>
+              </p:cNvPr>
+              <p:cNvPicPr>
+                <a:picLocks noChangeAspect="1"/>
+              </p:cNvPicPr>
+              <p:nvPr/>
+            </p:nvPicPr>
+            <p:blipFill>
+              <a:blip r:embed="rId6"/>
+              <a:stretch>
+                <a:fillRect/>
+              </a:stretch>
+            </p:blipFill>
+            <p:spPr>
+              <a:xfrm>
+                <a:off x="9423958" y="6217018"/>
+                <a:ext cx="3263268" cy="2609850"/>
+              </a:xfrm>
+              <a:prstGeom prst="rect">
+                <a:avLst/>
+              </a:prstGeom>
+            </p:spPr>
+          </p:pic>
+        </p:grpSp>
+        <p:sp>
+          <p:nvSpPr>
+            <p:cNvPr id="23" name="文本框 22">
+              <a:extLst>
+                <a:ext uri="{FF2B5EF4-FFF2-40B4-BE49-F238E27FC236}">
+                  <a16:creationId xmlns:a16="http://schemas.microsoft.com/office/drawing/2014/main" id="{66A6CB77-0E05-4435-BDD3-AF074F808649}"/>
+                </a:ext>
+              </a:extLst>
+            </p:cNvPr>
+            <p:cNvSpPr txBox="1"/>
+            <p:nvPr/>
+          </p:nvSpPr>
+          <p:spPr>
+            <a:xfrm>
+              <a:off x="9302076" y="4728916"/>
+              <a:ext cx="4330797" cy="646331"/>
+            </a:xfrm>
+            <a:prstGeom prst="rect">
+              <a:avLst/>
+            </a:prstGeom>
+            <a:noFill/>
+          </p:spPr>
+          <p:txBody>
+            <a:bodyPr wrap="square" rtlCol="0">
+              <a:spAutoFit/>
+            </a:bodyPr>
+            <a:lstStyle/>
+            <a:p>
+              <a:r>
+                <a:rPr lang="en-US" altLang="zh-CN" dirty="0"/>
+                <a:t>Consumer</a:t>
+              </a:r>
+              <a:r>
+                <a:rPr lang="zh-CN" altLang="en-US" dirty="0"/>
+                <a:t>的</a:t>
+              </a:r>
+              <a:r>
+                <a:rPr lang="en-US" altLang="zh-CN" dirty="0"/>
+                <a:t>id</a:t>
+              </a:r>
+              <a:r>
+                <a:rPr lang="zh-CN" altLang="en-US" dirty="0"/>
+                <a:t>创建和</a:t>
+              </a:r>
+              <a:r>
+                <a:rPr lang="en-US" altLang="zh-CN" dirty="0"/>
+                <a:t>DFS</a:t>
+              </a:r>
+              <a:r>
+                <a:rPr lang="zh-CN" altLang="en-US" dirty="0"/>
+                <a:t>的</a:t>
+              </a:r>
+              <a:r>
+                <a:rPr lang="en-US" altLang="zh-CN" dirty="0"/>
+                <a:t>id</a:t>
+              </a:r>
+              <a:r>
+                <a:rPr lang="zh-CN" altLang="en-US" dirty="0"/>
+                <a:t>读取问题，对最后的影响不大</a:t>
+              </a:r>
+            </a:p>
+          </p:txBody>
+        </p:sp>
       </p:grpSp>
-      <p:cxnSp>
-        <p:nvCxnSpPr>
-          <p:cNvPr id="16" name="直接箭头连接符 15">
-            <a:extLst>
-              <a:ext uri="{FF2B5EF4-FFF2-40B4-BE49-F238E27FC236}">
-                <a16:creationId xmlns:a16="http://schemas.microsoft.com/office/drawing/2014/main" id="{FE699251-218B-4164-978C-E046D22E16E4}"/>
-              </a:ext>
-            </a:extLst>
-          </p:cNvPr>
-          <p:cNvCxnSpPr>
-            <a:endCxn id="13" idx="0"/>
-          </p:cNvCxnSpPr>
-          <p:nvPr/>
-        </p:nvCxnSpPr>
-        <p:spPr>
-          <a:xfrm>
-            <a:off x="6350000" y="2997200"/>
-            <a:ext cx="527050" cy="2330450"/>
-          </a:xfrm>
-          <a:prstGeom prst="straightConnector1">
-            <a:avLst/>
-          </a:prstGeom>
-          <a:ln>
-            <a:tailEnd type="triangle"/>
-          </a:ln>
-        </p:spPr>
-        <p:style>
-          <a:lnRef idx="1">
-            <a:schemeClr val="accent1"/>
-          </a:lnRef>
-          <a:fillRef idx="0">
-            <a:schemeClr val="accent1"/>
-          </a:fillRef>
-          <a:effectRef idx="0">
-            <a:schemeClr val="accent1"/>
-          </a:effectRef>
-          <a:fontRef idx="minor">
-            <a:schemeClr val="tx1"/>
-          </a:fontRef>
-        </p:style>
-      </p:cxnSp>
-      <p:sp>
-        <p:nvSpPr>
-          <p:cNvPr id="17" name="文本框 16">
-            <a:extLst>
-              <a:ext uri="{FF2B5EF4-FFF2-40B4-BE49-F238E27FC236}">
-                <a16:creationId xmlns:a16="http://schemas.microsoft.com/office/drawing/2014/main" id="{2A188A94-1866-4E27-B17C-4AD7F66AA2CD}"/>
-              </a:ext>
-            </a:extLst>
-          </p:cNvPr>
-          <p:cNvSpPr txBox="1"/>
-          <p:nvPr/>
-        </p:nvSpPr>
-        <p:spPr>
-          <a:xfrm>
-            <a:off x="6877050" y="4953000"/>
-            <a:ext cx="2013693" cy="369332"/>
-          </a:xfrm>
-          <a:prstGeom prst="rect">
-            <a:avLst/>
-          </a:prstGeom>
-          <a:noFill/>
-        </p:spPr>
-        <p:txBody>
-          <a:bodyPr wrap="none" rtlCol="0">
-            <a:spAutoFit/>
-          </a:bodyPr>
-          <a:lstStyle/>
-          <a:p>
-            <a:r>
-              <a:rPr lang="zh-CN" altLang="en-US" dirty="0"/>
-              <a:t>修改之前的小</a:t>
-            </a:r>
-            <a:r>
-              <a:rPr lang="en-US" altLang="zh-CN"/>
-              <a:t>bug</a:t>
-            </a:r>
-            <a:endParaRPr lang="zh-CN" altLang="en-US"/>
-          </a:p>
-        </p:txBody>
-      </p:sp>
     </p:spTree>
     <p:extLst>
       <p:ext uri="{BB962C8B-B14F-4D97-AF65-F5344CB8AC3E}">
@@ -30521,6 +30668,286 @@
       </p:grpSpPr>
       <p:sp>
         <p:nvSpPr>
+          <p:cNvPr id="2" name="标题 1">
+            <a:extLst>
+              <a:ext uri="{FF2B5EF4-FFF2-40B4-BE49-F238E27FC236}">
+                <a16:creationId xmlns:a16="http://schemas.microsoft.com/office/drawing/2014/main" id="{3167E3CD-DA81-460D-BC8E-D9E656A3ECE9}"/>
+              </a:ext>
+            </a:extLst>
+          </p:cNvPr>
+          <p:cNvSpPr>
+            <a:spLocks noGrp="1"/>
+          </p:cNvSpPr>
+          <p:nvPr>
+            <p:ph type="title"/>
+          </p:nvPr>
+        </p:nvSpPr>
+        <p:spPr/>
+        <p:txBody>
+          <a:bodyPr/>
+          <a:lstStyle/>
+          <a:p>
+            <a:r>
+              <a:rPr lang="zh-CN" altLang="en-US" dirty="0"/>
+              <a:t>错误现象</a:t>
+            </a:r>
+          </a:p>
+        </p:txBody>
+      </p:sp>
+      <p:pic>
+        <p:nvPicPr>
+          <p:cNvPr id="8" name="图片 7">
+            <a:extLst>
+              <a:ext uri="{FF2B5EF4-FFF2-40B4-BE49-F238E27FC236}">
+                <a16:creationId xmlns:a16="http://schemas.microsoft.com/office/drawing/2014/main" id="{E0064984-80F0-4301-8DFD-8573429771F8}"/>
+              </a:ext>
+            </a:extLst>
+          </p:cNvPr>
+          <p:cNvPicPr>
+            <a:picLocks/>
+          </p:cNvPicPr>
+          <p:nvPr/>
+        </p:nvPicPr>
+        <p:blipFill>
+          <a:blip r:embed="rId2"/>
+          <a:stretch>
+            <a:fillRect/>
+          </a:stretch>
+        </p:blipFill>
+        <p:spPr>
+          <a:xfrm>
+            <a:off x="1238250" y="1825625"/>
+            <a:ext cx="4320000" cy="4320000"/>
+          </a:xfrm>
+          <a:prstGeom prst="rect">
+            <a:avLst/>
+          </a:prstGeom>
+        </p:spPr>
+      </p:pic>
+      <p:pic>
+        <p:nvPicPr>
+          <p:cNvPr id="9" name="图片 8">
+            <a:extLst>
+              <a:ext uri="{FF2B5EF4-FFF2-40B4-BE49-F238E27FC236}">
+                <a16:creationId xmlns:a16="http://schemas.microsoft.com/office/drawing/2014/main" id="{374B2516-9B3D-44E5-9D34-1B34FBA8ADB3}"/>
+              </a:ext>
+            </a:extLst>
+          </p:cNvPr>
+          <p:cNvPicPr>
+            <a:picLocks/>
+          </p:cNvPicPr>
+          <p:nvPr/>
+        </p:nvPicPr>
+        <p:blipFill>
+          <a:blip r:embed="rId3"/>
+          <a:stretch>
+            <a:fillRect/>
+          </a:stretch>
+        </p:blipFill>
+        <p:spPr>
+          <a:xfrm>
+            <a:off x="6272985" y="1825625"/>
+            <a:ext cx="4320000" cy="4320000"/>
+          </a:xfrm>
+          <a:prstGeom prst="rect">
+            <a:avLst/>
+          </a:prstGeom>
+        </p:spPr>
+      </p:pic>
+      <p:sp>
+        <p:nvSpPr>
+          <p:cNvPr id="10" name="文本框 9">
+            <a:extLst>
+              <a:ext uri="{FF2B5EF4-FFF2-40B4-BE49-F238E27FC236}">
+                <a16:creationId xmlns:a16="http://schemas.microsoft.com/office/drawing/2014/main" id="{7CB3CA61-7E71-430F-8229-C859D0198356}"/>
+              </a:ext>
+            </a:extLst>
+          </p:cNvPr>
+          <p:cNvSpPr txBox="1"/>
+          <p:nvPr/>
+        </p:nvSpPr>
+        <p:spPr>
+          <a:xfrm>
+            <a:off x="2181410" y="1388825"/>
+            <a:ext cx="2433680" cy="369332"/>
+          </a:xfrm>
+          <a:prstGeom prst="rect">
+            <a:avLst/>
+          </a:prstGeom>
+          <a:noFill/>
+        </p:spPr>
+        <p:txBody>
+          <a:bodyPr wrap="none" rtlCol="0">
+            <a:spAutoFit/>
+          </a:bodyPr>
+          <a:lstStyle/>
+          <a:p>
+            <a:r>
+              <a:rPr lang="zh-CN" altLang="en-US" dirty="0"/>
+              <a:t>在（</a:t>
+            </a:r>
+            <a:r>
+              <a:rPr lang="en-US" altLang="zh-CN" dirty="0"/>
+              <a:t> 1</a:t>
+            </a:r>
+            <a:r>
+              <a:rPr lang="zh-CN" altLang="en-US" dirty="0"/>
+              <a:t>，</a:t>
+            </a:r>
+            <a:r>
+              <a:rPr lang="en-US" altLang="zh-CN" dirty="0"/>
+              <a:t>1 </a:t>
+            </a:r>
+            <a:r>
+              <a:rPr lang="zh-CN" altLang="en-US" dirty="0"/>
+              <a:t>）处放置</a:t>
+            </a:r>
+            <a:r>
+              <a:rPr lang="en-US" altLang="zh-CN" dirty="0"/>
+              <a:t>C4</a:t>
+            </a:r>
+          </a:p>
+        </p:txBody>
+      </p:sp>
+      <p:sp>
+        <p:nvSpPr>
+          <p:cNvPr id="11" name="文本框 10">
+            <a:extLst>
+              <a:ext uri="{FF2B5EF4-FFF2-40B4-BE49-F238E27FC236}">
+                <a16:creationId xmlns:a16="http://schemas.microsoft.com/office/drawing/2014/main" id="{C4C0FE8E-6F0B-4DD2-8FF8-C15C2A52D2C5}"/>
+              </a:ext>
+            </a:extLst>
+          </p:cNvPr>
+          <p:cNvSpPr txBox="1"/>
+          <p:nvPr/>
+        </p:nvSpPr>
+        <p:spPr>
+          <a:xfrm>
+            <a:off x="6634255" y="1424955"/>
+            <a:ext cx="5123518" cy="369332"/>
+          </a:xfrm>
+          <a:prstGeom prst="rect">
+            <a:avLst/>
+          </a:prstGeom>
+          <a:noFill/>
+        </p:spPr>
+        <p:txBody>
+          <a:bodyPr wrap="none" rtlCol="0">
+            <a:spAutoFit/>
+          </a:bodyPr>
+          <a:lstStyle/>
+          <a:p>
+            <a:r>
+              <a:rPr lang="zh-CN" altLang="en-US" dirty="0"/>
+              <a:t>在（</a:t>
+            </a:r>
+            <a:r>
+              <a:rPr lang="en-US" altLang="zh-CN" dirty="0"/>
+              <a:t> 2</a:t>
+            </a:r>
+            <a:r>
+              <a:rPr lang="zh-CN" altLang="en-US" dirty="0"/>
+              <a:t>，</a:t>
+            </a:r>
+            <a:r>
+              <a:rPr lang="en-US" altLang="zh-CN" dirty="0"/>
+              <a:t>2 </a:t>
+            </a:r>
+            <a:r>
+              <a:rPr lang="zh-CN" altLang="en-US" dirty="0"/>
+              <a:t>）处放置</a:t>
+            </a:r>
+            <a:r>
+              <a:rPr lang="en-US" altLang="zh-CN" dirty="0"/>
+              <a:t>C4</a:t>
+            </a:r>
+            <a:r>
+              <a:rPr lang="zh-CN" altLang="en-US" dirty="0"/>
+              <a:t>（被</a:t>
+            </a:r>
+            <a:r>
+              <a:rPr lang="en-US" altLang="zh-CN" dirty="0"/>
+              <a:t>T3</a:t>
+            </a:r>
+            <a:r>
+              <a:rPr lang="zh-CN" altLang="en-US" dirty="0"/>
+              <a:t>掩盖了），对应</a:t>
+            </a:r>
+            <a:r>
+              <a:rPr lang="en-US" altLang="zh-CN" dirty="0"/>
+              <a:t>P19</a:t>
+            </a:r>
+          </a:p>
+        </p:txBody>
+      </p:sp>
+      <p:sp>
+        <p:nvSpPr>
+          <p:cNvPr id="14" name="文本框 13">
+            <a:extLst>
+              <a:ext uri="{FF2B5EF4-FFF2-40B4-BE49-F238E27FC236}">
+                <a16:creationId xmlns:a16="http://schemas.microsoft.com/office/drawing/2014/main" id="{633DA906-656B-4DAF-B5B9-B8DF8C3E938B}"/>
+              </a:ext>
+            </a:extLst>
+          </p:cNvPr>
+          <p:cNvSpPr txBox="1"/>
+          <p:nvPr/>
+        </p:nvSpPr>
+        <p:spPr>
+          <a:xfrm>
+            <a:off x="6272985" y="525708"/>
+            <a:ext cx="1107996" cy="369332"/>
+          </a:xfrm>
+          <a:prstGeom prst="rect">
+            <a:avLst/>
+          </a:prstGeom>
+          <a:noFill/>
+        </p:spPr>
+        <p:txBody>
+          <a:bodyPr wrap="none" rtlCol="0">
+            <a:spAutoFit/>
+          </a:bodyPr>
+          <a:lstStyle/>
+          <a:p>
+            <a:r>
+              <a:rPr lang="zh-CN" altLang="en-US" dirty="0"/>
+              <a:t>穿透问题</a:t>
+            </a:r>
+            <a:endParaRPr lang="en-US" altLang="zh-CN" dirty="0"/>
+          </a:p>
+        </p:txBody>
+      </p:sp>
+    </p:spTree>
+    <p:extLst>
+      <p:ext uri="{BB962C8B-B14F-4D97-AF65-F5344CB8AC3E}">
+        <p14:creationId xmlns:p14="http://schemas.microsoft.com/office/powerpoint/2010/main" val="2837809250"/>
+      </p:ext>
+    </p:extLst>
+  </p:cSld>
+  <p:clrMapOvr>
+    <a:masterClrMapping/>
+  </p:clrMapOvr>
+</p:sld>
+</file>
+
+<file path=ppt/slides/slide25.xml><?xml version="1.0" encoding="utf-8"?>
+<p:sld xmlns:a="http://schemas.openxmlformats.org/drawingml/2006/main" xmlns:r="http://schemas.openxmlformats.org/officeDocument/2006/relationships" xmlns:p="http://schemas.openxmlformats.org/presentationml/2006/main">
+  <p:cSld>
+    <p:spTree>
+      <p:nvGrpSpPr>
+        <p:cNvPr id="1" name=""/>
+        <p:cNvGrpSpPr/>
+        <p:nvPr/>
+      </p:nvGrpSpPr>
+      <p:grpSpPr>
+        <a:xfrm>
+          <a:off x="0" y="0"/>
+          <a:ext cx="0" cy="0"/>
+          <a:chOff x="0" y="0"/>
+          <a:chExt cx="0" cy="0"/>
+        </a:xfrm>
+      </p:grpSpPr>
+      <p:sp>
+        <p:nvSpPr>
           <p:cNvPr id="2" name="标题 1"/>
           <p:cNvSpPr>
             <a:spLocks noGrp="1"/>
@@ -30584,7 +31011,7 @@
 </p:sld>
 </file>
 
-<file path=ppt/slides/slide25.xml><?xml version="1.0" encoding="utf-8"?>
+<file path=ppt/slides/slide26.xml><?xml version="1.0" encoding="utf-8"?>
 <p:sld xmlns:a="http://schemas.openxmlformats.org/drawingml/2006/main" xmlns:r="http://schemas.openxmlformats.org/officeDocument/2006/relationships" xmlns:p="http://schemas.openxmlformats.org/presentationml/2006/main">
   <p:cSld>
     <p:spTree>
@@ -30628,17 +31055,4323 @@
             </a:r>
             <a:r>
               <a:rPr lang="zh-CN" altLang="en-US" dirty="0"/>
-              <a:t>思路</a:t>
-            </a:r>
+              <a:t>预期结果与实现思路</a:t>
+            </a:r>
+          </a:p>
+        </p:txBody>
+      </p:sp>
+      <p:grpSp>
+        <p:nvGrpSpPr>
+          <p:cNvPr id="94" name="组合 93">
+            <a:extLst>
+              <a:ext uri="{FF2B5EF4-FFF2-40B4-BE49-F238E27FC236}">
+                <a16:creationId xmlns:a16="http://schemas.microsoft.com/office/drawing/2014/main" id="{EEFFED4E-A10D-4B06-9B1B-83B2D3FF3761}"/>
+              </a:ext>
+            </a:extLst>
+          </p:cNvPr>
+          <p:cNvGrpSpPr/>
+          <p:nvPr/>
+        </p:nvGrpSpPr>
+        <p:grpSpPr>
+          <a:xfrm>
+            <a:off x="68826" y="1051143"/>
+            <a:ext cx="5793937" cy="5608823"/>
+            <a:chOff x="5398770" y="-97023"/>
+            <a:chExt cx="5793937" cy="5608823"/>
+          </a:xfrm>
+        </p:grpSpPr>
+        <p:sp>
+          <p:nvSpPr>
+            <p:cNvPr id="5" name="文本框 4">
+              <a:extLst>
+                <a:ext uri="{FF2B5EF4-FFF2-40B4-BE49-F238E27FC236}">
+                  <a16:creationId xmlns:a16="http://schemas.microsoft.com/office/drawing/2014/main" id="{6D34E630-6349-48A7-A5E5-08791160D121}"/>
+                </a:ext>
+              </a:extLst>
+            </p:cNvPr>
+            <p:cNvSpPr txBox="1"/>
+            <p:nvPr/>
+          </p:nvSpPr>
+          <p:spPr>
+            <a:xfrm>
+              <a:off x="6100777" y="1401686"/>
+              <a:ext cx="285656" cy="369332"/>
+            </a:xfrm>
+            <a:prstGeom prst="rect">
+              <a:avLst/>
+            </a:prstGeom>
+            <a:noFill/>
+          </p:spPr>
+          <p:txBody>
+            <a:bodyPr wrap="none" rtlCol="0">
+              <a:spAutoFit/>
+            </a:bodyPr>
+            <a:lstStyle/>
+            <a:p>
+              <a:r>
+                <a:rPr lang="en-US" altLang="zh-CN" dirty="0">
+                  <a:solidFill>
+                    <a:schemeClr val="accent3">
+                      <a:lumMod val="40000"/>
+                      <a:lumOff val="60000"/>
+                    </a:schemeClr>
+                  </a:solidFill>
+                </a:rPr>
+                <a:t>x</a:t>
+              </a:r>
+              <a:endParaRPr lang="zh-CN" altLang="en-US" dirty="0">
+                <a:solidFill>
+                  <a:schemeClr val="accent3">
+                    <a:lumMod val="40000"/>
+                    <a:lumOff val="60000"/>
+                  </a:schemeClr>
+                </a:solidFill>
+              </a:endParaRPr>
+            </a:p>
+          </p:txBody>
+        </p:sp>
+        <p:sp>
+          <p:nvSpPr>
+            <p:cNvPr id="24" name="矩形 23">
+              <a:extLst>
+                <a:ext uri="{FF2B5EF4-FFF2-40B4-BE49-F238E27FC236}">
+                  <a16:creationId xmlns:a16="http://schemas.microsoft.com/office/drawing/2014/main" id="{BAA0CC16-ED90-4A78-98D3-5C3B60730EEE}"/>
+                </a:ext>
+              </a:extLst>
+            </p:cNvPr>
+            <p:cNvSpPr/>
+            <p:nvPr/>
+          </p:nvSpPr>
+          <p:spPr>
+            <a:xfrm>
+              <a:off x="6620707" y="939800"/>
+              <a:ext cx="914400" cy="914400"/>
+            </a:xfrm>
+            <a:prstGeom prst="rect">
+              <a:avLst/>
+            </a:prstGeom>
+            <a:noFill/>
+            <a:ln w="12700">
+              <a:solidFill>
+                <a:srgbClr val="A5A5A5"/>
+              </a:solidFill>
+            </a:ln>
+          </p:spPr>
+          <p:style>
+            <a:lnRef idx="2">
+              <a:schemeClr val="accent1">
+                <a:shade val="50000"/>
+              </a:schemeClr>
+            </a:lnRef>
+            <a:fillRef idx="1">
+              <a:schemeClr val="accent1"/>
+            </a:fillRef>
+            <a:effectRef idx="0">
+              <a:schemeClr val="accent1"/>
+            </a:effectRef>
+            <a:fontRef idx="minor">
+              <a:schemeClr val="lt1"/>
+            </a:fontRef>
+          </p:style>
+          <p:txBody>
+            <a:bodyPr rtlCol="0" anchor="ctr"/>
+            <a:lstStyle/>
+            <a:p>
+              <a:pPr algn="ctr"/>
+              <a:r>
+                <a:rPr lang="en-US" altLang="zh-CN" b="1" dirty="0">
+                  <a:solidFill>
+                    <a:srgbClr val="FF0000"/>
+                  </a:solidFill>
+                </a:rPr>
+                <a:t>C1(5)</a:t>
+              </a:r>
+              <a:endParaRPr lang="zh-CN" altLang="en-US" b="1" dirty="0">
+                <a:solidFill>
+                  <a:srgbClr val="FF0000"/>
+                </a:solidFill>
+              </a:endParaRPr>
+            </a:p>
+          </p:txBody>
+        </p:sp>
+        <p:sp>
+          <p:nvSpPr>
+            <p:cNvPr id="25" name="矩形 24">
+              <a:extLst>
+                <a:ext uri="{FF2B5EF4-FFF2-40B4-BE49-F238E27FC236}">
+                  <a16:creationId xmlns:a16="http://schemas.microsoft.com/office/drawing/2014/main" id="{F00B461F-CBC5-4989-8411-9B8D2E5AF1A5}"/>
+                </a:ext>
+              </a:extLst>
+            </p:cNvPr>
+            <p:cNvSpPr/>
+            <p:nvPr/>
+          </p:nvSpPr>
+          <p:spPr>
+            <a:xfrm>
+              <a:off x="7535107" y="939800"/>
+              <a:ext cx="914400" cy="914400"/>
+            </a:xfrm>
+            <a:prstGeom prst="rect">
+              <a:avLst/>
+            </a:prstGeom>
+            <a:noFill/>
+            <a:ln w="12700">
+              <a:solidFill>
+                <a:srgbClr val="A5A5A5"/>
+              </a:solidFill>
+            </a:ln>
+          </p:spPr>
+          <p:style>
+            <a:lnRef idx="2">
+              <a:schemeClr val="accent1">
+                <a:shade val="50000"/>
+              </a:schemeClr>
+            </a:lnRef>
+            <a:fillRef idx="1">
+              <a:schemeClr val="accent1"/>
+            </a:fillRef>
+            <a:effectRef idx="0">
+              <a:schemeClr val="accent1"/>
+            </a:effectRef>
+            <a:fontRef idx="minor">
+              <a:schemeClr val="lt1"/>
+            </a:fontRef>
+          </p:style>
+          <p:txBody>
+            <a:bodyPr rtlCol="0" anchor="ctr"/>
+            <a:lstStyle/>
+            <a:p>
+              <a:pPr algn="ctr"/>
+              <a:r>
+                <a:rPr lang="en-US" altLang="zh-CN" dirty="0">
+                  <a:solidFill>
+                    <a:schemeClr val="tx1"/>
+                  </a:solidFill>
+                </a:rPr>
+                <a:t>4</a:t>
+              </a:r>
+              <a:endParaRPr lang="zh-CN" altLang="en-US" dirty="0">
+                <a:solidFill>
+                  <a:schemeClr val="tx1"/>
+                </a:solidFill>
+              </a:endParaRPr>
+            </a:p>
+          </p:txBody>
+        </p:sp>
+        <p:sp>
+          <p:nvSpPr>
+            <p:cNvPr id="26" name="矩形 25">
+              <a:extLst>
+                <a:ext uri="{FF2B5EF4-FFF2-40B4-BE49-F238E27FC236}">
+                  <a16:creationId xmlns:a16="http://schemas.microsoft.com/office/drawing/2014/main" id="{32032CD9-D5AF-473D-8289-37C6BFD22715}"/>
+                </a:ext>
+              </a:extLst>
+            </p:cNvPr>
+            <p:cNvSpPr/>
+            <p:nvPr/>
+          </p:nvSpPr>
+          <p:spPr>
+            <a:xfrm>
+              <a:off x="9363907" y="939800"/>
+              <a:ext cx="914400" cy="914400"/>
+            </a:xfrm>
+            <a:prstGeom prst="rect">
+              <a:avLst/>
+            </a:prstGeom>
+            <a:noFill/>
+            <a:ln w="12700">
+              <a:solidFill>
+                <a:srgbClr val="A5A5A5"/>
+              </a:solidFill>
+            </a:ln>
+          </p:spPr>
+          <p:style>
+            <a:lnRef idx="2">
+              <a:schemeClr val="accent1">
+                <a:shade val="50000"/>
+              </a:schemeClr>
+            </a:lnRef>
+            <a:fillRef idx="1">
+              <a:schemeClr val="accent1"/>
+            </a:fillRef>
+            <a:effectRef idx="0">
+              <a:schemeClr val="accent1"/>
+            </a:effectRef>
+            <a:fontRef idx="minor">
+              <a:schemeClr val="lt1"/>
+            </a:fontRef>
+          </p:style>
+          <p:txBody>
+            <a:bodyPr rtlCol="0" anchor="ctr"/>
+            <a:lstStyle/>
+            <a:p>
+              <a:pPr algn="ctr"/>
+              <a:r>
+                <a:rPr lang="en-US" altLang="zh-CN" dirty="0">
+                  <a:solidFill>
+                    <a:schemeClr val="tx1"/>
+                  </a:solidFill>
+                </a:rPr>
+                <a:t>4</a:t>
+              </a:r>
+              <a:endParaRPr lang="zh-CN" altLang="en-US" dirty="0">
+                <a:solidFill>
+                  <a:schemeClr val="tx1"/>
+                </a:solidFill>
+              </a:endParaRPr>
+            </a:p>
+          </p:txBody>
+        </p:sp>
+        <p:sp>
+          <p:nvSpPr>
+            <p:cNvPr id="27" name="矩形 26">
+              <a:extLst>
+                <a:ext uri="{FF2B5EF4-FFF2-40B4-BE49-F238E27FC236}">
+                  <a16:creationId xmlns:a16="http://schemas.microsoft.com/office/drawing/2014/main" id="{4FC7CD5B-4BB3-426C-8366-83068CF56E86}"/>
+                </a:ext>
+              </a:extLst>
+            </p:cNvPr>
+            <p:cNvSpPr/>
+            <p:nvPr/>
+          </p:nvSpPr>
+          <p:spPr>
+            <a:xfrm>
+              <a:off x="8449507" y="939800"/>
+              <a:ext cx="914400" cy="914400"/>
+            </a:xfrm>
+            <a:prstGeom prst="rect">
+              <a:avLst/>
+            </a:prstGeom>
+            <a:noFill/>
+            <a:ln w="12700">
+              <a:solidFill>
+                <a:srgbClr val="A5A5A5"/>
+              </a:solidFill>
+            </a:ln>
+          </p:spPr>
+          <p:style>
+            <a:lnRef idx="2">
+              <a:schemeClr val="accent1">
+                <a:shade val="50000"/>
+              </a:schemeClr>
+            </a:lnRef>
+            <a:fillRef idx="1">
+              <a:schemeClr val="accent1"/>
+            </a:fillRef>
+            <a:effectRef idx="0">
+              <a:schemeClr val="accent1"/>
+            </a:effectRef>
+            <a:fontRef idx="minor">
+              <a:schemeClr val="lt1"/>
+            </a:fontRef>
+          </p:style>
+          <p:txBody>
+            <a:bodyPr rtlCol="0" anchor="ctr"/>
+            <a:lstStyle/>
+            <a:p>
+              <a:pPr algn="ctr"/>
+              <a:r>
+                <a:rPr lang="en-US" altLang="zh-CN" b="1" dirty="0">
+                  <a:solidFill>
+                    <a:srgbClr val="FF0000"/>
+                  </a:solidFill>
+                </a:rPr>
+                <a:t>T2</a:t>
+              </a:r>
+              <a:r>
+                <a:rPr lang="en-US" altLang="zh-CN" dirty="0">
+                  <a:solidFill>
+                    <a:schemeClr val="tx1"/>
+                  </a:solidFill>
+                </a:rPr>
+                <a:t>(3)</a:t>
+              </a:r>
+              <a:endParaRPr lang="zh-CN" altLang="en-US" dirty="0">
+                <a:solidFill>
+                  <a:schemeClr val="tx1"/>
+                </a:solidFill>
+              </a:endParaRPr>
+            </a:p>
+          </p:txBody>
+        </p:sp>
+        <p:sp>
+          <p:nvSpPr>
+            <p:cNvPr id="28" name="矩形 27">
+              <a:extLst>
+                <a:ext uri="{FF2B5EF4-FFF2-40B4-BE49-F238E27FC236}">
+                  <a16:creationId xmlns:a16="http://schemas.microsoft.com/office/drawing/2014/main" id="{EADF6A37-4203-436A-925F-599E646C6E46}"/>
+                </a:ext>
+              </a:extLst>
+            </p:cNvPr>
+            <p:cNvSpPr/>
+            <p:nvPr/>
+          </p:nvSpPr>
+          <p:spPr>
+            <a:xfrm>
+              <a:off x="10278307" y="939800"/>
+              <a:ext cx="914400" cy="914400"/>
+            </a:xfrm>
+            <a:prstGeom prst="rect">
+              <a:avLst/>
+            </a:prstGeom>
+            <a:noFill/>
+            <a:ln w="12700">
+              <a:solidFill>
+                <a:srgbClr val="A5A5A5"/>
+              </a:solidFill>
+            </a:ln>
+          </p:spPr>
+          <p:style>
+            <a:lnRef idx="2">
+              <a:schemeClr val="accent1">
+                <a:shade val="50000"/>
+              </a:schemeClr>
+            </a:lnRef>
+            <a:fillRef idx="1">
+              <a:schemeClr val="accent1"/>
+            </a:fillRef>
+            <a:effectRef idx="0">
+              <a:schemeClr val="accent1"/>
+            </a:effectRef>
+            <a:fontRef idx="minor">
+              <a:schemeClr val="lt1"/>
+            </a:fontRef>
+          </p:style>
+          <p:txBody>
+            <a:bodyPr rtlCol="0" anchor="ctr"/>
+            <a:lstStyle/>
+            <a:p>
+              <a:pPr algn="ctr"/>
+              <a:r>
+                <a:rPr lang="en-US" altLang="zh-CN" dirty="0">
+                  <a:solidFill>
+                    <a:schemeClr val="tx1"/>
+                  </a:solidFill>
+                </a:rPr>
+                <a:t>3</a:t>
+              </a:r>
+              <a:endParaRPr lang="zh-CN" altLang="en-US" dirty="0">
+                <a:solidFill>
+                  <a:schemeClr val="tx1"/>
+                </a:solidFill>
+              </a:endParaRPr>
+            </a:p>
+          </p:txBody>
+        </p:sp>
+        <p:sp>
+          <p:nvSpPr>
+            <p:cNvPr id="29" name="矩形 28">
+              <a:extLst>
+                <a:ext uri="{FF2B5EF4-FFF2-40B4-BE49-F238E27FC236}">
+                  <a16:creationId xmlns:a16="http://schemas.microsoft.com/office/drawing/2014/main" id="{77615F2D-551B-4142-89DE-6ED0E8417106}"/>
+                </a:ext>
+              </a:extLst>
+            </p:cNvPr>
+            <p:cNvSpPr/>
+            <p:nvPr/>
+          </p:nvSpPr>
+          <p:spPr>
+            <a:xfrm>
+              <a:off x="6620707" y="1854200"/>
+              <a:ext cx="914400" cy="914400"/>
+            </a:xfrm>
+            <a:prstGeom prst="rect">
+              <a:avLst/>
+            </a:prstGeom>
+            <a:noFill/>
+            <a:ln w="12700">
+              <a:solidFill>
+                <a:srgbClr val="A5A5A5"/>
+              </a:solidFill>
+            </a:ln>
+          </p:spPr>
+          <p:style>
+            <a:lnRef idx="2">
+              <a:schemeClr val="accent1">
+                <a:shade val="50000"/>
+              </a:schemeClr>
+            </a:lnRef>
+            <a:fillRef idx="1">
+              <a:schemeClr val="accent1"/>
+            </a:fillRef>
+            <a:effectRef idx="0">
+              <a:schemeClr val="accent1"/>
+            </a:effectRef>
+            <a:fontRef idx="minor">
+              <a:schemeClr val="lt1"/>
+            </a:fontRef>
+          </p:style>
+          <p:txBody>
+            <a:bodyPr rtlCol="0" anchor="ctr"/>
+            <a:lstStyle/>
+            <a:p>
+              <a:pPr algn="ctr"/>
+              <a:r>
+                <a:rPr lang="en-US" altLang="zh-CN" dirty="0">
+                  <a:solidFill>
+                    <a:schemeClr val="tx1"/>
+                  </a:solidFill>
+                </a:rPr>
+                <a:t>4</a:t>
+              </a:r>
+              <a:endParaRPr lang="zh-CN" altLang="en-US" dirty="0">
+                <a:solidFill>
+                  <a:schemeClr val="tx1"/>
+                </a:solidFill>
+              </a:endParaRPr>
+            </a:p>
+          </p:txBody>
+        </p:sp>
+        <p:sp>
+          <p:nvSpPr>
+            <p:cNvPr id="30" name="矩形 29">
+              <a:extLst>
+                <a:ext uri="{FF2B5EF4-FFF2-40B4-BE49-F238E27FC236}">
+                  <a16:creationId xmlns:a16="http://schemas.microsoft.com/office/drawing/2014/main" id="{CF5FC982-E03A-4C9F-B38C-86F8B8D5D3EE}"/>
+                </a:ext>
+              </a:extLst>
+            </p:cNvPr>
+            <p:cNvSpPr/>
+            <p:nvPr/>
+          </p:nvSpPr>
+          <p:spPr>
+            <a:xfrm>
+              <a:off x="7535107" y="1854200"/>
+              <a:ext cx="914400" cy="914400"/>
+            </a:xfrm>
+            <a:prstGeom prst="rect">
+              <a:avLst/>
+            </a:prstGeom>
+            <a:noFill/>
+            <a:ln w="12700">
+              <a:solidFill>
+                <a:srgbClr val="A5A5A5"/>
+              </a:solidFill>
+            </a:ln>
+          </p:spPr>
+          <p:style>
+            <a:lnRef idx="2">
+              <a:schemeClr val="accent1">
+                <a:shade val="50000"/>
+              </a:schemeClr>
+            </a:lnRef>
+            <a:fillRef idx="1">
+              <a:schemeClr val="accent1"/>
+            </a:fillRef>
+            <a:effectRef idx="0">
+              <a:schemeClr val="accent1"/>
+            </a:effectRef>
+            <a:fontRef idx="minor">
+              <a:schemeClr val="lt1"/>
+            </a:fontRef>
+          </p:style>
+          <p:txBody>
+            <a:bodyPr rtlCol="0" anchor="ctr"/>
+            <a:lstStyle/>
+            <a:p>
+              <a:pPr algn="ctr"/>
+              <a:r>
+                <a:rPr lang="en-US" altLang="zh-CN" dirty="0">
+                  <a:solidFill>
+                    <a:schemeClr val="tx1"/>
+                  </a:solidFill>
+                </a:rPr>
+                <a:t>3</a:t>
+              </a:r>
+              <a:endParaRPr lang="zh-CN" altLang="en-US" dirty="0">
+                <a:solidFill>
+                  <a:schemeClr val="tx1"/>
+                </a:solidFill>
+              </a:endParaRPr>
+            </a:p>
+          </p:txBody>
+        </p:sp>
+        <p:sp>
+          <p:nvSpPr>
+            <p:cNvPr id="31" name="矩形 30">
+              <a:extLst>
+                <a:ext uri="{FF2B5EF4-FFF2-40B4-BE49-F238E27FC236}">
+                  <a16:creationId xmlns:a16="http://schemas.microsoft.com/office/drawing/2014/main" id="{FBA001EF-396A-4D12-B7C2-59C060EA16B6}"/>
+                </a:ext>
+              </a:extLst>
+            </p:cNvPr>
+            <p:cNvSpPr/>
+            <p:nvPr/>
+          </p:nvSpPr>
+          <p:spPr>
+            <a:xfrm>
+              <a:off x="9363907" y="1854200"/>
+              <a:ext cx="914400" cy="914400"/>
+            </a:xfrm>
+            <a:prstGeom prst="rect">
+              <a:avLst/>
+            </a:prstGeom>
+            <a:noFill/>
+            <a:ln w="12700">
+              <a:solidFill>
+                <a:srgbClr val="A5A5A5"/>
+              </a:solidFill>
+            </a:ln>
+          </p:spPr>
+          <p:style>
+            <a:lnRef idx="2">
+              <a:schemeClr val="accent1">
+                <a:shade val="50000"/>
+              </a:schemeClr>
+            </a:lnRef>
+            <a:fillRef idx="1">
+              <a:schemeClr val="accent1"/>
+            </a:fillRef>
+            <a:effectRef idx="0">
+              <a:schemeClr val="accent1"/>
+            </a:effectRef>
+            <a:fontRef idx="minor">
+              <a:schemeClr val="lt1"/>
+            </a:fontRef>
+          </p:style>
+          <p:txBody>
+            <a:bodyPr rtlCol="0" anchor="ctr"/>
+            <a:lstStyle/>
+            <a:p>
+              <a:pPr algn="ctr"/>
+              <a:r>
+                <a:rPr lang="en-US" altLang="zh-CN" b="1" dirty="0">
+                  <a:solidFill>
+                    <a:srgbClr val="FF0000"/>
+                  </a:solidFill>
+                </a:rPr>
+                <a:t>C3(1)</a:t>
+              </a:r>
+              <a:endParaRPr lang="zh-CN" altLang="en-US" b="1" dirty="0">
+                <a:solidFill>
+                  <a:srgbClr val="FF0000"/>
+                </a:solidFill>
+              </a:endParaRPr>
+            </a:p>
+          </p:txBody>
+        </p:sp>
+        <p:sp>
+          <p:nvSpPr>
+            <p:cNvPr id="32" name="矩形 31">
+              <a:extLst>
+                <a:ext uri="{FF2B5EF4-FFF2-40B4-BE49-F238E27FC236}">
+                  <a16:creationId xmlns:a16="http://schemas.microsoft.com/office/drawing/2014/main" id="{BE015C15-E5F5-4A33-9B98-CB50D575B893}"/>
+                </a:ext>
+              </a:extLst>
+            </p:cNvPr>
+            <p:cNvSpPr/>
+            <p:nvPr/>
+          </p:nvSpPr>
+          <p:spPr>
+            <a:xfrm>
+              <a:off x="8449507" y="1854200"/>
+              <a:ext cx="914400" cy="914400"/>
+            </a:xfrm>
+            <a:prstGeom prst="rect">
+              <a:avLst/>
+            </a:prstGeom>
+            <a:noFill/>
+            <a:ln w="12700">
+              <a:solidFill>
+                <a:srgbClr val="A5A5A5"/>
+              </a:solidFill>
+            </a:ln>
+          </p:spPr>
+          <p:style>
+            <a:lnRef idx="2">
+              <a:schemeClr val="accent1">
+                <a:shade val="50000"/>
+              </a:schemeClr>
+            </a:lnRef>
+            <a:fillRef idx="1">
+              <a:schemeClr val="accent1"/>
+            </a:fillRef>
+            <a:effectRef idx="0">
+              <a:schemeClr val="accent1"/>
+            </a:effectRef>
+            <a:fontRef idx="minor">
+              <a:schemeClr val="lt1"/>
+            </a:fontRef>
+          </p:style>
+          <p:txBody>
+            <a:bodyPr rtlCol="0" anchor="ctr"/>
+            <a:lstStyle/>
+            <a:p>
+              <a:pPr algn="ctr"/>
+              <a:r>
+                <a:rPr lang="en-US" altLang="zh-CN" dirty="0">
+                  <a:solidFill>
+                    <a:schemeClr val="tx1"/>
+                  </a:solidFill>
+                </a:rPr>
+                <a:t>2</a:t>
+              </a:r>
+              <a:endParaRPr lang="zh-CN" altLang="en-US" dirty="0">
+                <a:solidFill>
+                  <a:schemeClr val="tx1"/>
+                </a:solidFill>
+              </a:endParaRPr>
+            </a:p>
+          </p:txBody>
+        </p:sp>
+        <p:sp>
+          <p:nvSpPr>
+            <p:cNvPr id="33" name="矩形 32">
+              <a:extLst>
+                <a:ext uri="{FF2B5EF4-FFF2-40B4-BE49-F238E27FC236}">
+                  <a16:creationId xmlns:a16="http://schemas.microsoft.com/office/drawing/2014/main" id="{B46B8E31-3A6B-4C4D-8CAF-CEF74EADED84}"/>
+                </a:ext>
+              </a:extLst>
+            </p:cNvPr>
+            <p:cNvSpPr/>
+            <p:nvPr/>
+          </p:nvSpPr>
+          <p:spPr>
+            <a:xfrm>
+              <a:off x="10278307" y="1854200"/>
+              <a:ext cx="914400" cy="914400"/>
+            </a:xfrm>
+            <a:prstGeom prst="rect">
+              <a:avLst/>
+            </a:prstGeom>
+            <a:noFill/>
+            <a:ln w="12700">
+              <a:solidFill>
+                <a:srgbClr val="A5A5A5"/>
+              </a:solidFill>
+            </a:ln>
+          </p:spPr>
+          <p:style>
+            <a:lnRef idx="2">
+              <a:schemeClr val="accent1">
+                <a:shade val="50000"/>
+              </a:schemeClr>
+            </a:lnRef>
+            <a:fillRef idx="1">
+              <a:schemeClr val="accent1"/>
+            </a:fillRef>
+            <a:effectRef idx="0">
+              <a:schemeClr val="accent1"/>
+            </a:effectRef>
+            <a:fontRef idx="minor">
+              <a:schemeClr val="lt1"/>
+            </a:fontRef>
+          </p:style>
+          <p:txBody>
+            <a:bodyPr rtlCol="0" anchor="ctr"/>
+            <a:lstStyle/>
+            <a:p>
+              <a:pPr algn="ctr"/>
+              <a:r>
+                <a:rPr lang="en-US" altLang="zh-CN" dirty="0">
+                  <a:solidFill>
+                    <a:schemeClr val="tx1"/>
+                  </a:solidFill>
+                </a:rPr>
+                <a:t>2</a:t>
+              </a:r>
+              <a:endParaRPr lang="zh-CN" altLang="en-US" dirty="0">
+                <a:solidFill>
+                  <a:schemeClr val="tx1"/>
+                </a:solidFill>
+              </a:endParaRPr>
+            </a:p>
+          </p:txBody>
+        </p:sp>
+        <p:sp>
+          <p:nvSpPr>
+            <p:cNvPr id="34" name="矩形 33">
+              <a:extLst>
+                <a:ext uri="{FF2B5EF4-FFF2-40B4-BE49-F238E27FC236}">
+                  <a16:creationId xmlns:a16="http://schemas.microsoft.com/office/drawing/2014/main" id="{FE865885-13DC-4739-BFAF-56DE328EE31D}"/>
+                </a:ext>
+              </a:extLst>
+            </p:cNvPr>
+            <p:cNvSpPr/>
+            <p:nvPr/>
+          </p:nvSpPr>
+          <p:spPr>
+            <a:xfrm>
+              <a:off x="6620707" y="2768600"/>
+              <a:ext cx="914400" cy="914400"/>
+            </a:xfrm>
+            <a:prstGeom prst="rect">
+              <a:avLst/>
+            </a:prstGeom>
+            <a:noFill/>
+            <a:ln w="12700">
+              <a:solidFill>
+                <a:srgbClr val="A5A5A5"/>
+              </a:solidFill>
+            </a:ln>
+          </p:spPr>
+          <p:style>
+            <a:lnRef idx="2">
+              <a:schemeClr val="accent1">
+                <a:shade val="50000"/>
+              </a:schemeClr>
+            </a:lnRef>
+            <a:fillRef idx="1">
+              <a:schemeClr val="accent1"/>
+            </a:fillRef>
+            <a:effectRef idx="0">
+              <a:schemeClr val="accent1"/>
+            </a:effectRef>
+            <a:fontRef idx="minor">
+              <a:schemeClr val="lt1"/>
+            </a:fontRef>
+          </p:style>
+          <p:txBody>
+            <a:bodyPr rtlCol="0" anchor="ctr"/>
+            <a:lstStyle/>
+            <a:p>
+              <a:pPr algn="ctr"/>
+              <a:r>
+                <a:rPr lang="en-US" altLang="zh-CN" dirty="0">
+                  <a:solidFill>
+                    <a:schemeClr val="tx1"/>
+                  </a:solidFill>
+                </a:rPr>
+                <a:t>3</a:t>
+              </a:r>
+              <a:endParaRPr lang="zh-CN" altLang="en-US" dirty="0">
+                <a:solidFill>
+                  <a:schemeClr val="tx1"/>
+                </a:solidFill>
+              </a:endParaRPr>
+            </a:p>
+          </p:txBody>
+        </p:sp>
+        <p:sp>
+          <p:nvSpPr>
+            <p:cNvPr id="35" name="矩形 34">
+              <a:extLst>
+                <a:ext uri="{FF2B5EF4-FFF2-40B4-BE49-F238E27FC236}">
+                  <a16:creationId xmlns:a16="http://schemas.microsoft.com/office/drawing/2014/main" id="{3CC58CF8-7D75-47B6-B45C-8E4AB7B38A66}"/>
+                </a:ext>
+              </a:extLst>
+            </p:cNvPr>
+            <p:cNvSpPr/>
+            <p:nvPr/>
+          </p:nvSpPr>
+          <p:spPr>
+            <a:xfrm>
+              <a:off x="7535107" y="2768600"/>
+              <a:ext cx="914400" cy="914400"/>
+            </a:xfrm>
+            <a:prstGeom prst="rect">
+              <a:avLst/>
+            </a:prstGeom>
+            <a:noFill/>
+            <a:ln w="12700">
+              <a:solidFill>
+                <a:srgbClr val="A5A5A5"/>
+              </a:solidFill>
+            </a:ln>
+          </p:spPr>
+          <p:style>
+            <a:lnRef idx="2">
+              <a:schemeClr val="accent1">
+                <a:shade val="50000"/>
+              </a:schemeClr>
+            </a:lnRef>
+            <a:fillRef idx="1">
+              <a:schemeClr val="accent1"/>
+            </a:fillRef>
+            <a:effectRef idx="0">
+              <a:schemeClr val="accent1"/>
+            </a:effectRef>
+            <a:fontRef idx="minor">
+              <a:schemeClr val="lt1"/>
+            </a:fontRef>
+          </p:style>
+          <p:txBody>
+            <a:bodyPr rtlCol="0" anchor="ctr"/>
+            <a:lstStyle/>
+            <a:p>
+              <a:pPr algn="ctr"/>
+              <a:r>
+                <a:rPr lang="en-US" altLang="zh-CN" b="1" dirty="0">
+                  <a:solidFill>
+                    <a:srgbClr val="FF0000"/>
+                  </a:solidFill>
+                </a:rPr>
+                <a:t>T3</a:t>
+              </a:r>
+              <a:r>
+                <a:rPr lang="en-US" altLang="zh-CN" dirty="0">
+                  <a:solidFill>
+                    <a:schemeClr val="tx1"/>
+                  </a:solidFill>
+                </a:rPr>
+                <a:t>(2)</a:t>
+              </a:r>
+              <a:endParaRPr lang="zh-CN" altLang="en-US" dirty="0">
+                <a:solidFill>
+                  <a:schemeClr val="tx1"/>
+                </a:solidFill>
+              </a:endParaRPr>
+            </a:p>
+          </p:txBody>
+        </p:sp>
+        <p:sp>
+          <p:nvSpPr>
+            <p:cNvPr id="36" name="矩形 35">
+              <a:extLst>
+                <a:ext uri="{FF2B5EF4-FFF2-40B4-BE49-F238E27FC236}">
+                  <a16:creationId xmlns:a16="http://schemas.microsoft.com/office/drawing/2014/main" id="{95AB00F0-47E2-4131-A426-E23BA1E01E5B}"/>
+                </a:ext>
+              </a:extLst>
+            </p:cNvPr>
+            <p:cNvSpPr/>
+            <p:nvPr/>
+          </p:nvSpPr>
+          <p:spPr>
+            <a:xfrm>
+              <a:off x="9363907" y="2768600"/>
+              <a:ext cx="914400" cy="914400"/>
+            </a:xfrm>
+            <a:prstGeom prst="rect">
+              <a:avLst/>
+            </a:prstGeom>
+            <a:noFill/>
+            <a:ln w="12700">
+              <a:solidFill>
+                <a:srgbClr val="A5A5A5"/>
+              </a:solidFill>
+            </a:ln>
+          </p:spPr>
+          <p:style>
+            <a:lnRef idx="2">
+              <a:schemeClr val="accent1">
+                <a:shade val="50000"/>
+              </a:schemeClr>
+            </a:lnRef>
+            <a:fillRef idx="1">
+              <a:schemeClr val="accent1"/>
+            </a:fillRef>
+            <a:effectRef idx="0">
+              <a:schemeClr val="accent1"/>
+            </a:effectRef>
+            <a:fontRef idx="minor">
+              <a:schemeClr val="lt1"/>
+            </a:fontRef>
+          </p:style>
+          <p:txBody>
+            <a:bodyPr rtlCol="0" anchor="ctr"/>
+            <a:lstStyle/>
+            <a:p>
+              <a:pPr algn="ctr"/>
+              <a:r>
+                <a:rPr lang="en-US" altLang="zh-CN" b="1" dirty="0">
+                  <a:solidFill>
+                    <a:srgbClr val="FF0000"/>
+                  </a:solidFill>
+                </a:rPr>
+                <a:t>P</a:t>
+              </a:r>
+              <a:endParaRPr lang="zh-CN" altLang="en-US" b="1" dirty="0">
+                <a:solidFill>
+                  <a:srgbClr val="FF0000"/>
+                </a:solidFill>
+              </a:endParaRPr>
+            </a:p>
+          </p:txBody>
+        </p:sp>
+        <p:sp>
+          <p:nvSpPr>
+            <p:cNvPr id="37" name="矩形 36">
+              <a:extLst>
+                <a:ext uri="{FF2B5EF4-FFF2-40B4-BE49-F238E27FC236}">
+                  <a16:creationId xmlns:a16="http://schemas.microsoft.com/office/drawing/2014/main" id="{CC374BB9-BBD9-4D21-8769-4F0F37CF962E}"/>
+                </a:ext>
+              </a:extLst>
+            </p:cNvPr>
+            <p:cNvSpPr/>
+            <p:nvPr/>
+          </p:nvSpPr>
+          <p:spPr>
+            <a:xfrm>
+              <a:off x="8449507" y="2768600"/>
+              <a:ext cx="914400" cy="914400"/>
+            </a:xfrm>
+            <a:prstGeom prst="rect">
+              <a:avLst/>
+            </a:prstGeom>
+            <a:noFill/>
+            <a:ln w="12700">
+              <a:solidFill>
+                <a:srgbClr val="A5A5A5"/>
+              </a:solidFill>
+            </a:ln>
+          </p:spPr>
+          <p:style>
+            <a:lnRef idx="2">
+              <a:schemeClr val="accent1">
+                <a:shade val="50000"/>
+              </a:schemeClr>
+            </a:lnRef>
+            <a:fillRef idx="1">
+              <a:schemeClr val="accent1"/>
+            </a:fillRef>
+            <a:effectRef idx="0">
+              <a:schemeClr val="accent1"/>
+            </a:effectRef>
+            <a:fontRef idx="minor">
+              <a:schemeClr val="lt1"/>
+            </a:fontRef>
+          </p:style>
+          <p:txBody>
+            <a:bodyPr rtlCol="0" anchor="ctr"/>
+            <a:lstStyle/>
+            <a:p>
+              <a:pPr algn="ctr"/>
+              <a:r>
+                <a:rPr lang="en-US" altLang="zh-CN" b="1" dirty="0">
+                  <a:solidFill>
+                    <a:srgbClr val="FF0000"/>
+                  </a:solidFill>
+                </a:rPr>
+                <a:t>T1</a:t>
+              </a:r>
+              <a:r>
+                <a:rPr lang="en-US" altLang="zh-CN" dirty="0">
+                  <a:solidFill>
+                    <a:schemeClr val="tx1"/>
+                  </a:solidFill>
+                </a:rPr>
+                <a:t>(1)</a:t>
+              </a:r>
+              <a:endParaRPr lang="zh-CN" altLang="en-US" dirty="0">
+                <a:solidFill>
+                  <a:schemeClr val="tx1"/>
+                </a:solidFill>
+              </a:endParaRPr>
+            </a:p>
+          </p:txBody>
+        </p:sp>
+        <p:sp>
+          <p:nvSpPr>
+            <p:cNvPr id="38" name="矩形 37">
+              <a:extLst>
+                <a:ext uri="{FF2B5EF4-FFF2-40B4-BE49-F238E27FC236}">
+                  <a16:creationId xmlns:a16="http://schemas.microsoft.com/office/drawing/2014/main" id="{F1968805-F48F-4AF3-ADA3-867772B548B4}"/>
+                </a:ext>
+              </a:extLst>
+            </p:cNvPr>
+            <p:cNvSpPr/>
+            <p:nvPr/>
+          </p:nvSpPr>
+          <p:spPr>
+            <a:xfrm>
+              <a:off x="10278307" y="2768600"/>
+              <a:ext cx="914400" cy="914400"/>
+            </a:xfrm>
+            <a:prstGeom prst="rect">
+              <a:avLst/>
+            </a:prstGeom>
+            <a:noFill/>
+            <a:ln w="12700">
+              <a:solidFill>
+                <a:srgbClr val="A5A5A5"/>
+              </a:solidFill>
+            </a:ln>
+          </p:spPr>
+          <p:style>
+            <a:lnRef idx="2">
+              <a:schemeClr val="accent1">
+                <a:shade val="50000"/>
+              </a:schemeClr>
+            </a:lnRef>
+            <a:fillRef idx="1">
+              <a:schemeClr val="accent1"/>
+            </a:fillRef>
+            <a:effectRef idx="0">
+              <a:schemeClr val="accent1"/>
+            </a:effectRef>
+            <a:fontRef idx="minor">
+              <a:schemeClr val="lt1"/>
+            </a:fontRef>
+          </p:style>
+          <p:txBody>
+            <a:bodyPr rtlCol="0" anchor="ctr"/>
+            <a:lstStyle/>
+            <a:p>
+              <a:pPr algn="ctr"/>
+              <a:r>
+                <a:rPr lang="en-US" altLang="zh-CN" dirty="0">
+                  <a:solidFill>
+                    <a:schemeClr val="tx1"/>
+                  </a:solidFill>
+                </a:rPr>
+                <a:t>1</a:t>
+              </a:r>
+              <a:endParaRPr lang="zh-CN" altLang="en-US" dirty="0">
+                <a:solidFill>
+                  <a:schemeClr val="tx1"/>
+                </a:solidFill>
+              </a:endParaRPr>
+            </a:p>
+          </p:txBody>
+        </p:sp>
+        <p:sp>
+          <p:nvSpPr>
+            <p:cNvPr id="39" name="矩形 38">
+              <a:extLst>
+                <a:ext uri="{FF2B5EF4-FFF2-40B4-BE49-F238E27FC236}">
+                  <a16:creationId xmlns:a16="http://schemas.microsoft.com/office/drawing/2014/main" id="{CC64D241-5AA6-4A76-8A1E-7D70E329ED81}"/>
+                </a:ext>
+              </a:extLst>
+            </p:cNvPr>
+            <p:cNvSpPr/>
+            <p:nvPr/>
+          </p:nvSpPr>
+          <p:spPr>
+            <a:xfrm>
+              <a:off x="6620707" y="3683000"/>
+              <a:ext cx="914400" cy="914400"/>
+            </a:xfrm>
+            <a:prstGeom prst="rect">
+              <a:avLst/>
+            </a:prstGeom>
+            <a:noFill/>
+            <a:ln w="12700">
+              <a:solidFill>
+                <a:srgbClr val="A5A5A5"/>
+              </a:solidFill>
+            </a:ln>
+          </p:spPr>
+          <p:style>
+            <a:lnRef idx="2">
+              <a:schemeClr val="accent1">
+                <a:shade val="50000"/>
+              </a:schemeClr>
+            </a:lnRef>
+            <a:fillRef idx="1">
+              <a:schemeClr val="accent1"/>
+            </a:fillRef>
+            <a:effectRef idx="0">
+              <a:schemeClr val="accent1"/>
+            </a:effectRef>
+            <a:fontRef idx="minor">
+              <a:schemeClr val="lt1"/>
+            </a:fontRef>
+          </p:style>
+          <p:txBody>
+            <a:bodyPr rtlCol="0" anchor="ctr"/>
+            <a:lstStyle/>
+            <a:p>
+              <a:pPr algn="ctr"/>
+              <a:r>
+                <a:rPr lang="en-US" altLang="zh-CN" dirty="0">
+                  <a:solidFill>
+                    <a:schemeClr val="tx1"/>
+                  </a:solidFill>
+                </a:rPr>
+                <a:t>4</a:t>
+              </a:r>
+              <a:endParaRPr lang="zh-CN" altLang="en-US" dirty="0">
+                <a:solidFill>
+                  <a:schemeClr val="tx1"/>
+                </a:solidFill>
+              </a:endParaRPr>
+            </a:p>
+          </p:txBody>
+        </p:sp>
+        <p:sp>
+          <p:nvSpPr>
+            <p:cNvPr id="40" name="矩形 39">
+              <a:extLst>
+                <a:ext uri="{FF2B5EF4-FFF2-40B4-BE49-F238E27FC236}">
+                  <a16:creationId xmlns:a16="http://schemas.microsoft.com/office/drawing/2014/main" id="{98B20792-717A-460C-B177-AE4F129470BE}"/>
+                </a:ext>
+              </a:extLst>
+            </p:cNvPr>
+            <p:cNvSpPr/>
+            <p:nvPr/>
+          </p:nvSpPr>
+          <p:spPr>
+            <a:xfrm>
+              <a:off x="7535107" y="3683000"/>
+              <a:ext cx="914400" cy="914400"/>
+            </a:xfrm>
+            <a:prstGeom prst="rect">
+              <a:avLst/>
+            </a:prstGeom>
+            <a:noFill/>
+            <a:ln w="12700">
+              <a:solidFill>
+                <a:srgbClr val="A5A5A5"/>
+              </a:solidFill>
+            </a:ln>
+          </p:spPr>
+          <p:style>
+            <a:lnRef idx="2">
+              <a:schemeClr val="accent1">
+                <a:shade val="50000"/>
+              </a:schemeClr>
+            </a:lnRef>
+            <a:fillRef idx="1">
+              <a:schemeClr val="accent1"/>
+            </a:fillRef>
+            <a:effectRef idx="0">
+              <a:schemeClr val="accent1"/>
+            </a:effectRef>
+            <a:fontRef idx="minor">
+              <a:schemeClr val="lt1"/>
+            </a:fontRef>
+          </p:style>
+          <p:txBody>
+            <a:bodyPr rtlCol="0" anchor="ctr"/>
+            <a:lstStyle/>
+            <a:p>
+              <a:pPr algn="ctr"/>
+              <a:r>
+                <a:rPr lang="en-US" altLang="zh-CN" b="1" dirty="0">
+                  <a:solidFill>
+                    <a:srgbClr val="FF0000"/>
+                  </a:solidFill>
+                </a:rPr>
+                <a:t>C2(3)</a:t>
+              </a:r>
+              <a:endParaRPr lang="zh-CN" altLang="en-US" b="1" dirty="0">
+                <a:solidFill>
+                  <a:srgbClr val="FF0000"/>
+                </a:solidFill>
+              </a:endParaRPr>
+            </a:p>
+          </p:txBody>
+        </p:sp>
+        <p:sp>
+          <p:nvSpPr>
+            <p:cNvPr id="41" name="矩形 40">
+              <a:extLst>
+                <a:ext uri="{FF2B5EF4-FFF2-40B4-BE49-F238E27FC236}">
+                  <a16:creationId xmlns:a16="http://schemas.microsoft.com/office/drawing/2014/main" id="{0B7DCF31-EA71-4657-AAEE-867F22727DEC}"/>
+                </a:ext>
+              </a:extLst>
+            </p:cNvPr>
+            <p:cNvSpPr/>
+            <p:nvPr/>
+          </p:nvSpPr>
+          <p:spPr>
+            <a:xfrm>
+              <a:off x="9363907" y="3683000"/>
+              <a:ext cx="914400" cy="914400"/>
+            </a:xfrm>
+            <a:prstGeom prst="rect">
+              <a:avLst/>
+            </a:prstGeom>
+            <a:noFill/>
+            <a:ln w="12700">
+              <a:solidFill>
+                <a:srgbClr val="A5A5A5"/>
+              </a:solidFill>
+            </a:ln>
+          </p:spPr>
+          <p:style>
+            <a:lnRef idx="2">
+              <a:schemeClr val="accent1">
+                <a:shade val="50000"/>
+              </a:schemeClr>
+            </a:lnRef>
+            <a:fillRef idx="1">
+              <a:schemeClr val="accent1"/>
+            </a:fillRef>
+            <a:effectRef idx="0">
+              <a:schemeClr val="accent1"/>
+            </a:effectRef>
+            <a:fontRef idx="minor">
+              <a:schemeClr val="lt1"/>
+            </a:fontRef>
+          </p:style>
+          <p:txBody>
+            <a:bodyPr rtlCol="0" anchor="ctr"/>
+            <a:lstStyle/>
+            <a:p>
+              <a:pPr algn="ctr"/>
+              <a:r>
+                <a:rPr lang="en-US" altLang="zh-CN" dirty="0">
+                  <a:solidFill>
+                    <a:schemeClr val="tx1"/>
+                  </a:solidFill>
+                </a:rPr>
+                <a:t>1</a:t>
+              </a:r>
+              <a:endParaRPr lang="zh-CN" altLang="en-US" dirty="0">
+                <a:solidFill>
+                  <a:schemeClr val="tx1"/>
+                </a:solidFill>
+              </a:endParaRPr>
+            </a:p>
+          </p:txBody>
+        </p:sp>
+        <p:sp>
+          <p:nvSpPr>
+            <p:cNvPr id="42" name="矩形 41">
+              <a:extLst>
+                <a:ext uri="{FF2B5EF4-FFF2-40B4-BE49-F238E27FC236}">
+                  <a16:creationId xmlns:a16="http://schemas.microsoft.com/office/drawing/2014/main" id="{B6B6EA33-BE63-42A9-92FC-67C0DFE3284C}"/>
+                </a:ext>
+              </a:extLst>
+            </p:cNvPr>
+            <p:cNvSpPr/>
+            <p:nvPr/>
+          </p:nvSpPr>
+          <p:spPr>
+            <a:xfrm>
+              <a:off x="8449507" y="3683000"/>
+              <a:ext cx="914400" cy="914400"/>
+            </a:xfrm>
+            <a:prstGeom prst="rect">
+              <a:avLst/>
+            </a:prstGeom>
+            <a:noFill/>
+            <a:ln w="12700">
+              <a:solidFill>
+                <a:srgbClr val="A5A5A5"/>
+              </a:solidFill>
+            </a:ln>
+          </p:spPr>
+          <p:style>
+            <a:lnRef idx="2">
+              <a:schemeClr val="accent1">
+                <a:shade val="50000"/>
+              </a:schemeClr>
+            </a:lnRef>
+            <a:fillRef idx="1">
+              <a:schemeClr val="accent1"/>
+            </a:fillRef>
+            <a:effectRef idx="0">
+              <a:schemeClr val="accent1"/>
+            </a:effectRef>
+            <a:fontRef idx="minor">
+              <a:schemeClr val="lt1"/>
+            </a:fontRef>
+          </p:style>
+          <p:txBody>
+            <a:bodyPr rtlCol="0" anchor="ctr"/>
+            <a:lstStyle/>
+            <a:p>
+              <a:pPr algn="ctr"/>
+              <a:r>
+                <a:rPr lang="en-US" altLang="zh-CN" dirty="0">
+                  <a:solidFill>
+                    <a:schemeClr val="tx1"/>
+                  </a:solidFill>
+                </a:rPr>
+                <a:t>2</a:t>
+              </a:r>
+              <a:endParaRPr lang="zh-CN" altLang="en-US" dirty="0">
+                <a:solidFill>
+                  <a:schemeClr val="tx1"/>
+                </a:solidFill>
+              </a:endParaRPr>
+            </a:p>
+          </p:txBody>
+        </p:sp>
+        <p:sp>
+          <p:nvSpPr>
+            <p:cNvPr id="43" name="矩形 42">
+              <a:extLst>
+                <a:ext uri="{FF2B5EF4-FFF2-40B4-BE49-F238E27FC236}">
+                  <a16:creationId xmlns:a16="http://schemas.microsoft.com/office/drawing/2014/main" id="{6DBFEC6B-5A2E-43C3-81FE-AE910896C979}"/>
+                </a:ext>
+              </a:extLst>
+            </p:cNvPr>
+            <p:cNvSpPr/>
+            <p:nvPr/>
+          </p:nvSpPr>
+          <p:spPr>
+            <a:xfrm>
+              <a:off x="10278307" y="3683000"/>
+              <a:ext cx="914400" cy="914400"/>
+            </a:xfrm>
+            <a:prstGeom prst="rect">
+              <a:avLst/>
+            </a:prstGeom>
+            <a:noFill/>
+            <a:ln w="12700">
+              <a:solidFill>
+                <a:srgbClr val="A5A5A5"/>
+              </a:solidFill>
+            </a:ln>
+          </p:spPr>
+          <p:style>
+            <a:lnRef idx="2">
+              <a:schemeClr val="accent1">
+                <a:shade val="50000"/>
+              </a:schemeClr>
+            </a:lnRef>
+            <a:fillRef idx="1">
+              <a:schemeClr val="accent1"/>
+            </a:fillRef>
+            <a:effectRef idx="0">
+              <a:schemeClr val="accent1"/>
+            </a:effectRef>
+            <a:fontRef idx="minor">
+              <a:schemeClr val="lt1"/>
+            </a:fontRef>
+          </p:style>
+          <p:txBody>
+            <a:bodyPr rtlCol="0" anchor="ctr"/>
+            <a:lstStyle/>
+            <a:p>
+              <a:pPr algn="ctr"/>
+              <a:r>
+                <a:rPr lang="en-US" altLang="zh-CN" dirty="0">
+                  <a:solidFill>
+                    <a:schemeClr val="tx1"/>
+                  </a:solidFill>
+                </a:rPr>
+                <a:t>2</a:t>
+              </a:r>
+              <a:endParaRPr lang="zh-CN" altLang="en-US" dirty="0">
+                <a:solidFill>
+                  <a:schemeClr val="tx1"/>
+                </a:solidFill>
+              </a:endParaRPr>
+            </a:p>
+          </p:txBody>
+        </p:sp>
+        <p:sp>
+          <p:nvSpPr>
+            <p:cNvPr id="44" name="矩形 43">
+              <a:extLst>
+                <a:ext uri="{FF2B5EF4-FFF2-40B4-BE49-F238E27FC236}">
+                  <a16:creationId xmlns:a16="http://schemas.microsoft.com/office/drawing/2014/main" id="{75A79E37-0D07-4121-B5B7-29F552099D1D}"/>
+                </a:ext>
+              </a:extLst>
+            </p:cNvPr>
+            <p:cNvSpPr/>
+            <p:nvPr/>
+          </p:nvSpPr>
+          <p:spPr>
+            <a:xfrm>
+              <a:off x="6620707" y="4597400"/>
+              <a:ext cx="914400" cy="914400"/>
+            </a:xfrm>
+            <a:prstGeom prst="rect">
+              <a:avLst/>
+            </a:prstGeom>
+            <a:noFill/>
+            <a:ln w="12700">
+              <a:solidFill>
+                <a:srgbClr val="A5A5A5"/>
+              </a:solidFill>
+            </a:ln>
+          </p:spPr>
+          <p:style>
+            <a:lnRef idx="2">
+              <a:schemeClr val="accent1">
+                <a:shade val="50000"/>
+              </a:schemeClr>
+            </a:lnRef>
+            <a:fillRef idx="1">
+              <a:schemeClr val="accent1"/>
+            </a:fillRef>
+            <a:effectRef idx="0">
+              <a:schemeClr val="accent1"/>
+            </a:effectRef>
+            <a:fontRef idx="minor">
+              <a:schemeClr val="lt1"/>
+            </a:fontRef>
+          </p:style>
+          <p:txBody>
+            <a:bodyPr rtlCol="0" anchor="ctr"/>
+            <a:lstStyle/>
+            <a:p>
+              <a:pPr algn="ctr"/>
+              <a:r>
+                <a:rPr lang="en-US" altLang="zh-CN" dirty="0">
+                  <a:solidFill>
+                    <a:schemeClr val="tx1"/>
+                  </a:solidFill>
+                </a:rPr>
+                <a:t>5</a:t>
+              </a:r>
+              <a:endParaRPr lang="zh-CN" altLang="en-US" dirty="0">
+                <a:solidFill>
+                  <a:schemeClr val="tx1"/>
+                </a:solidFill>
+              </a:endParaRPr>
+            </a:p>
+          </p:txBody>
+        </p:sp>
+        <p:sp>
+          <p:nvSpPr>
+            <p:cNvPr id="45" name="矩形 44">
+              <a:extLst>
+                <a:ext uri="{FF2B5EF4-FFF2-40B4-BE49-F238E27FC236}">
+                  <a16:creationId xmlns:a16="http://schemas.microsoft.com/office/drawing/2014/main" id="{05BC668A-4F8C-4A56-9D49-FC8279DB625E}"/>
+                </a:ext>
+              </a:extLst>
+            </p:cNvPr>
+            <p:cNvSpPr/>
+            <p:nvPr/>
+          </p:nvSpPr>
+          <p:spPr>
+            <a:xfrm>
+              <a:off x="7535107" y="4597400"/>
+              <a:ext cx="914400" cy="914400"/>
+            </a:xfrm>
+            <a:prstGeom prst="rect">
+              <a:avLst/>
+            </a:prstGeom>
+            <a:noFill/>
+            <a:ln w="12700">
+              <a:solidFill>
+                <a:srgbClr val="A5A5A5"/>
+              </a:solidFill>
+            </a:ln>
+          </p:spPr>
+          <p:style>
+            <a:lnRef idx="2">
+              <a:schemeClr val="accent1">
+                <a:shade val="50000"/>
+              </a:schemeClr>
+            </a:lnRef>
+            <a:fillRef idx="1">
+              <a:schemeClr val="accent1"/>
+            </a:fillRef>
+            <a:effectRef idx="0">
+              <a:schemeClr val="accent1"/>
+            </a:effectRef>
+            <a:fontRef idx="minor">
+              <a:schemeClr val="lt1"/>
+            </a:fontRef>
+          </p:style>
+          <p:txBody>
+            <a:bodyPr rtlCol="0" anchor="ctr"/>
+            <a:lstStyle/>
+            <a:p>
+              <a:pPr algn="ctr"/>
+              <a:r>
+                <a:rPr lang="en-US" altLang="zh-CN" dirty="0">
+                  <a:solidFill>
+                    <a:schemeClr val="tx1"/>
+                  </a:solidFill>
+                </a:rPr>
+                <a:t>4</a:t>
+              </a:r>
+              <a:endParaRPr lang="zh-CN" altLang="en-US" dirty="0">
+                <a:solidFill>
+                  <a:schemeClr val="tx1"/>
+                </a:solidFill>
+              </a:endParaRPr>
+            </a:p>
+          </p:txBody>
+        </p:sp>
+        <p:sp>
+          <p:nvSpPr>
+            <p:cNvPr id="46" name="矩形 45">
+              <a:extLst>
+                <a:ext uri="{FF2B5EF4-FFF2-40B4-BE49-F238E27FC236}">
+                  <a16:creationId xmlns:a16="http://schemas.microsoft.com/office/drawing/2014/main" id="{98909883-8746-45DF-9B22-A230C794D2B6}"/>
+                </a:ext>
+              </a:extLst>
+            </p:cNvPr>
+            <p:cNvSpPr/>
+            <p:nvPr/>
+          </p:nvSpPr>
+          <p:spPr>
+            <a:xfrm>
+              <a:off x="9363907" y="4597400"/>
+              <a:ext cx="914400" cy="914400"/>
+            </a:xfrm>
+            <a:prstGeom prst="rect">
+              <a:avLst/>
+            </a:prstGeom>
+            <a:noFill/>
+            <a:ln w="12700">
+              <a:solidFill>
+                <a:srgbClr val="A5A5A5"/>
+              </a:solidFill>
+            </a:ln>
+          </p:spPr>
+          <p:style>
+            <a:lnRef idx="2">
+              <a:schemeClr val="accent1">
+                <a:shade val="50000"/>
+              </a:schemeClr>
+            </a:lnRef>
+            <a:fillRef idx="1">
+              <a:schemeClr val="accent1"/>
+            </a:fillRef>
+            <a:effectRef idx="0">
+              <a:schemeClr val="accent1"/>
+            </a:effectRef>
+            <a:fontRef idx="minor">
+              <a:schemeClr val="lt1"/>
+            </a:fontRef>
+          </p:style>
+          <p:txBody>
+            <a:bodyPr rtlCol="0" anchor="ctr"/>
+            <a:lstStyle/>
+            <a:p>
+              <a:pPr algn="ctr"/>
+              <a:r>
+                <a:rPr lang="en-US" altLang="zh-CN" dirty="0">
+                  <a:solidFill>
+                    <a:schemeClr val="tx1"/>
+                  </a:solidFill>
+                </a:rPr>
+                <a:t>2</a:t>
+              </a:r>
+              <a:endParaRPr lang="zh-CN" altLang="en-US" dirty="0">
+                <a:solidFill>
+                  <a:schemeClr val="tx1"/>
+                </a:solidFill>
+              </a:endParaRPr>
+            </a:p>
+          </p:txBody>
+        </p:sp>
+        <p:sp>
+          <p:nvSpPr>
+            <p:cNvPr id="47" name="矩形 46">
+              <a:extLst>
+                <a:ext uri="{FF2B5EF4-FFF2-40B4-BE49-F238E27FC236}">
+                  <a16:creationId xmlns:a16="http://schemas.microsoft.com/office/drawing/2014/main" id="{5D852819-2FCD-4F0B-9CED-6612AEBE63F7}"/>
+                </a:ext>
+              </a:extLst>
+            </p:cNvPr>
+            <p:cNvSpPr/>
+            <p:nvPr/>
+          </p:nvSpPr>
+          <p:spPr>
+            <a:xfrm>
+              <a:off x="8449507" y="4597400"/>
+              <a:ext cx="914400" cy="914400"/>
+            </a:xfrm>
+            <a:prstGeom prst="rect">
+              <a:avLst/>
+            </a:prstGeom>
+            <a:noFill/>
+            <a:ln w="12700">
+              <a:solidFill>
+                <a:srgbClr val="A5A5A5"/>
+              </a:solidFill>
+            </a:ln>
+          </p:spPr>
+          <p:style>
+            <a:lnRef idx="2">
+              <a:schemeClr val="accent1">
+                <a:shade val="50000"/>
+              </a:schemeClr>
+            </a:lnRef>
+            <a:fillRef idx="1">
+              <a:schemeClr val="accent1"/>
+            </a:fillRef>
+            <a:effectRef idx="0">
+              <a:schemeClr val="accent1"/>
+            </a:effectRef>
+            <a:fontRef idx="minor">
+              <a:schemeClr val="lt1"/>
+            </a:fontRef>
+          </p:style>
+          <p:txBody>
+            <a:bodyPr rtlCol="0" anchor="ctr"/>
+            <a:lstStyle/>
+            <a:p>
+              <a:pPr algn="ctr"/>
+              <a:r>
+                <a:rPr lang="en-US" altLang="zh-CN" dirty="0">
+                  <a:solidFill>
+                    <a:schemeClr val="tx1"/>
+                  </a:solidFill>
+                </a:rPr>
+                <a:t>3</a:t>
+              </a:r>
+              <a:endParaRPr lang="zh-CN" altLang="en-US" dirty="0">
+                <a:solidFill>
+                  <a:schemeClr val="tx1"/>
+                </a:solidFill>
+              </a:endParaRPr>
+            </a:p>
+          </p:txBody>
+        </p:sp>
+        <p:sp>
+          <p:nvSpPr>
+            <p:cNvPr id="48" name="矩形 47">
+              <a:extLst>
+                <a:ext uri="{FF2B5EF4-FFF2-40B4-BE49-F238E27FC236}">
+                  <a16:creationId xmlns:a16="http://schemas.microsoft.com/office/drawing/2014/main" id="{BB9536E7-F87A-41E9-831C-3C98B25A3DE3}"/>
+                </a:ext>
+              </a:extLst>
+            </p:cNvPr>
+            <p:cNvSpPr/>
+            <p:nvPr/>
+          </p:nvSpPr>
+          <p:spPr>
+            <a:xfrm>
+              <a:off x="10278307" y="4597400"/>
+              <a:ext cx="914400" cy="914400"/>
+            </a:xfrm>
+            <a:prstGeom prst="rect">
+              <a:avLst/>
+            </a:prstGeom>
+            <a:noFill/>
+            <a:ln w="12700">
+              <a:solidFill>
+                <a:srgbClr val="A5A5A5"/>
+              </a:solidFill>
+            </a:ln>
+          </p:spPr>
+          <p:style>
+            <a:lnRef idx="2">
+              <a:schemeClr val="accent1">
+                <a:shade val="50000"/>
+              </a:schemeClr>
+            </a:lnRef>
+            <a:fillRef idx="1">
+              <a:schemeClr val="accent1"/>
+            </a:fillRef>
+            <a:effectRef idx="0">
+              <a:schemeClr val="accent1"/>
+            </a:effectRef>
+            <a:fontRef idx="minor">
+              <a:schemeClr val="lt1"/>
+            </a:fontRef>
+          </p:style>
+          <p:txBody>
+            <a:bodyPr rtlCol="0" anchor="ctr"/>
+            <a:lstStyle/>
+            <a:p>
+              <a:pPr algn="ctr"/>
+              <a:r>
+                <a:rPr lang="en-US" altLang="zh-CN" dirty="0">
+                  <a:solidFill>
+                    <a:schemeClr val="tx1"/>
+                  </a:solidFill>
+                </a:rPr>
+                <a:t>3</a:t>
+              </a:r>
+              <a:endParaRPr lang="zh-CN" altLang="en-US" dirty="0">
+                <a:solidFill>
+                  <a:schemeClr val="tx1"/>
+                </a:solidFill>
+              </a:endParaRPr>
+            </a:p>
+          </p:txBody>
+        </p:sp>
+        <p:sp>
+          <p:nvSpPr>
+            <p:cNvPr id="49" name="文本框 48">
+              <a:extLst>
+                <a:ext uri="{FF2B5EF4-FFF2-40B4-BE49-F238E27FC236}">
+                  <a16:creationId xmlns:a16="http://schemas.microsoft.com/office/drawing/2014/main" id="{65893725-C344-40C1-8FEB-46F1B813D9DA}"/>
+                </a:ext>
+              </a:extLst>
+            </p:cNvPr>
+            <p:cNvSpPr txBox="1"/>
+            <p:nvPr/>
+          </p:nvSpPr>
+          <p:spPr>
+            <a:xfrm>
+              <a:off x="6013869" y="1195968"/>
+              <a:ext cx="306494" cy="369332"/>
+            </a:xfrm>
+            <a:prstGeom prst="rect">
+              <a:avLst/>
+            </a:prstGeom>
+            <a:noFill/>
+          </p:spPr>
+          <p:txBody>
+            <a:bodyPr wrap="none" rtlCol="0">
+              <a:spAutoFit/>
+            </a:bodyPr>
+            <a:lstStyle/>
+            <a:p>
+              <a:r>
+                <a:rPr lang="en-US" altLang="zh-CN" dirty="0">
+                  <a:solidFill>
+                    <a:schemeClr val="accent3">
+                      <a:lumMod val="40000"/>
+                      <a:lumOff val="60000"/>
+                    </a:schemeClr>
+                  </a:solidFill>
+                </a:rPr>
+                <a:t>0</a:t>
+              </a:r>
+              <a:endParaRPr lang="zh-CN" altLang="en-US" dirty="0">
+                <a:solidFill>
+                  <a:schemeClr val="accent3">
+                    <a:lumMod val="40000"/>
+                    <a:lumOff val="60000"/>
+                  </a:schemeClr>
+                </a:solidFill>
+              </a:endParaRPr>
+            </a:p>
+          </p:txBody>
+        </p:sp>
+        <p:sp>
+          <p:nvSpPr>
+            <p:cNvPr id="50" name="文本框 49">
+              <a:extLst>
+                <a:ext uri="{FF2B5EF4-FFF2-40B4-BE49-F238E27FC236}">
+                  <a16:creationId xmlns:a16="http://schemas.microsoft.com/office/drawing/2014/main" id="{090FCB8A-85E2-49E4-80E9-09EBB0DB5B4A}"/>
+                </a:ext>
+              </a:extLst>
+            </p:cNvPr>
+            <p:cNvSpPr txBox="1"/>
+            <p:nvPr/>
+          </p:nvSpPr>
+          <p:spPr>
+            <a:xfrm>
+              <a:off x="6013869" y="2114460"/>
+              <a:ext cx="306494" cy="369332"/>
+            </a:xfrm>
+            <a:prstGeom prst="rect">
+              <a:avLst/>
+            </a:prstGeom>
+            <a:noFill/>
+          </p:spPr>
+          <p:txBody>
+            <a:bodyPr wrap="none" rtlCol="0">
+              <a:spAutoFit/>
+            </a:bodyPr>
+            <a:lstStyle/>
+            <a:p>
+              <a:r>
+                <a:rPr lang="en-US" altLang="zh-CN" dirty="0">
+                  <a:solidFill>
+                    <a:schemeClr val="accent3">
+                      <a:lumMod val="40000"/>
+                      <a:lumOff val="60000"/>
+                    </a:schemeClr>
+                  </a:solidFill>
+                </a:rPr>
+                <a:t>1</a:t>
+              </a:r>
+              <a:endParaRPr lang="zh-CN" altLang="en-US" dirty="0">
+                <a:solidFill>
+                  <a:schemeClr val="accent3">
+                    <a:lumMod val="40000"/>
+                    <a:lumOff val="60000"/>
+                  </a:schemeClr>
+                </a:solidFill>
+              </a:endParaRPr>
+            </a:p>
+          </p:txBody>
+        </p:sp>
+        <p:sp>
+          <p:nvSpPr>
+            <p:cNvPr id="51" name="文本框 50">
+              <a:extLst>
+                <a:ext uri="{FF2B5EF4-FFF2-40B4-BE49-F238E27FC236}">
+                  <a16:creationId xmlns:a16="http://schemas.microsoft.com/office/drawing/2014/main" id="{8152A02A-955C-4919-81AE-52444F2FD734}"/>
+                </a:ext>
+              </a:extLst>
+            </p:cNvPr>
+            <p:cNvSpPr txBox="1"/>
+            <p:nvPr/>
+          </p:nvSpPr>
+          <p:spPr>
+            <a:xfrm>
+              <a:off x="6013869" y="3032951"/>
+              <a:ext cx="306494" cy="369332"/>
+            </a:xfrm>
+            <a:prstGeom prst="rect">
+              <a:avLst/>
+            </a:prstGeom>
+            <a:noFill/>
+          </p:spPr>
+          <p:txBody>
+            <a:bodyPr wrap="none" rtlCol="0">
+              <a:spAutoFit/>
+            </a:bodyPr>
+            <a:lstStyle/>
+            <a:p>
+              <a:r>
+                <a:rPr lang="en-US" altLang="zh-CN" dirty="0">
+                  <a:solidFill>
+                    <a:schemeClr val="accent3">
+                      <a:lumMod val="40000"/>
+                      <a:lumOff val="60000"/>
+                    </a:schemeClr>
+                  </a:solidFill>
+                </a:rPr>
+                <a:t>2</a:t>
+              </a:r>
+              <a:endParaRPr lang="zh-CN" altLang="en-US" dirty="0">
+                <a:solidFill>
+                  <a:schemeClr val="accent3">
+                    <a:lumMod val="40000"/>
+                    <a:lumOff val="60000"/>
+                  </a:schemeClr>
+                </a:solidFill>
+              </a:endParaRPr>
+            </a:p>
+          </p:txBody>
+        </p:sp>
+        <p:sp>
+          <p:nvSpPr>
+            <p:cNvPr id="52" name="文本框 51">
+              <a:extLst>
+                <a:ext uri="{FF2B5EF4-FFF2-40B4-BE49-F238E27FC236}">
+                  <a16:creationId xmlns:a16="http://schemas.microsoft.com/office/drawing/2014/main" id="{38A114BD-ECCC-4D2A-A60E-9CF23557CDC7}"/>
+                </a:ext>
+              </a:extLst>
+            </p:cNvPr>
+            <p:cNvSpPr txBox="1"/>
+            <p:nvPr/>
+          </p:nvSpPr>
+          <p:spPr>
+            <a:xfrm>
+              <a:off x="6013869" y="3951443"/>
+              <a:ext cx="306494" cy="369332"/>
+            </a:xfrm>
+            <a:prstGeom prst="rect">
+              <a:avLst/>
+            </a:prstGeom>
+            <a:noFill/>
+          </p:spPr>
+          <p:txBody>
+            <a:bodyPr wrap="none" rtlCol="0">
+              <a:spAutoFit/>
+            </a:bodyPr>
+            <a:lstStyle/>
+            <a:p>
+              <a:r>
+                <a:rPr lang="en-US" altLang="zh-CN" dirty="0">
+                  <a:solidFill>
+                    <a:schemeClr val="accent3">
+                      <a:lumMod val="40000"/>
+                      <a:lumOff val="60000"/>
+                    </a:schemeClr>
+                  </a:solidFill>
+                </a:rPr>
+                <a:t>3</a:t>
+              </a:r>
+              <a:endParaRPr lang="zh-CN" altLang="en-US" dirty="0">
+                <a:solidFill>
+                  <a:schemeClr val="accent3">
+                    <a:lumMod val="40000"/>
+                    <a:lumOff val="60000"/>
+                  </a:schemeClr>
+                </a:solidFill>
+              </a:endParaRPr>
+            </a:p>
+          </p:txBody>
+        </p:sp>
+        <p:sp>
+          <p:nvSpPr>
+            <p:cNvPr id="53" name="文本框 52">
+              <a:extLst>
+                <a:ext uri="{FF2B5EF4-FFF2-40B4-BE49-F238E27FC236}">
+                  <a16:creationId xmlns:a16="http://schemas.microsoft.com/office/drawing/2014/main" id="{11B7C97B-DED0-4D52-BE16-213B1C6A9D3D}"/>
+                </a:ext>
+              </a:extLst>
+            </p:cNvPr>
+            <p:cNvSpPr txBox="1"/>
+            <p:nvPr/>
+          </p:nvSpPr>
+          <p:spPr>
+            <a:xfrm>
+              <a:off x="6013869" y="4869934"/>
+              <a:ext cx="306494" cy="369332"/>
+            </a:xfrm>
+            <a:prstGeom prst="rect">
+              <a:avLst/>
+            </a:prstGeom>
+            <a:noFill/>
+          </p:spPr>
+          <p:txBody>
+            <a:bodyPr wrap="none" rtlCol="0">
+              <a:spAutoFit/>
+            </a:bodyPr>
+            <a:lstStyle/>
+            <a:p>
+              <a:r>
+                <a:rPr lang="en-US" altLang="zh-CN" dirty="0">
+                  <a:solidFill>
+                    <a:schemeClr val="accent3">
+                      <a:lumMod val="40000"/>
+                      <a:lumOff val="60000"/>
+                    </a:schemeClr>
+                  </a:solidFill>
+                </a:rPr>
+                <a:t>4</a:t>
+              </a:r>
+              <a:endParaRPr lang="zh-CN" altLang="en-US" dirty="0">
+                <a:solidFill>
+                  <a:schemeClr val="accent3">
+                    <a:lumMod val="40000"/>
+                    <a:lumOff val="60000"/>
+                  </a:schemeClr>
+                </a:solidFill>
+              </a:endParaRPr>
+            </a:p>
+          </p:txBody>
+        </p:sp>
+        <p:sp>
+          <p:nvSpPr>
+            <p:cNvPr id="54" name="文本框 53">
+              <a:extLst>
+                <a:ext uri="{FF2B5EF4-FFF2-40B4-BE49-F238E27FC236}">
+                  <a16:creationId xmlns:a16="http://schemas.microsoft.com/office/drawing/2014/main" id="{B01EE21C-D280-4695-A6A0-505EF69FC7BD}"/>
+                </a:ext>
+              </a:extLst>
+            </p:cNvPr>
+            <p:cNvSpPr txBox="1"/>
+            <p:nvPr/>
+          </p:nvSpPr>
+          <p:spPr>
+            <a:xfrm>
+              <a:off x="6937613" y="396250"/>
+              <a:ext cx="306494" cy="369332"/>
+            </a:xfrm>
+            <a:prstGeom prst="rect">
+              <a:avLst/>
+            </a:prstGeom>
+            <a:noFill/>
+          </p:spPr>
+          <p:txBody>
+            <a:bodyPr wrap="none" rtlCol="0">
+              <a:spAutoFit/>
+            </a:bodyPr>
+            <a:lstStyle/>
+            <a:p>
+              <a:r>
+                <a:rPr lang="en-US" altLang="zh-CN" dirty="0">
+                  <a:solidFill>
+                    <a:schemeClr val="accent3">
+                      <a:lumMod val="40000"/>
+                      <a:lumOff val="60000"/>
+                    </a:schemeClr>
+                  </a:solidFill>
+                </a:rPr>
+                <a:t>0</a:t>
+              </a:r>
+              <a:endParaRPr lang="zh-CN" altLang="en-US" dirty="0">
+                <a:solidFill>
+                  <a:schemeClr val="accent3">
+                    <a:lumMod val="40000"/>
+                    <a:lumOff val="60000"/>
+                  </a:schemeClr>
+                </a:solidFill>
+              </a:endParaRPr>
+            </a:p>
+          </p:txBody>
+        </p:sp>
+        <p:sp>
+          <p:nvSpPr>
+            <p:cNvPr id="55" name="文本框 54">
+              <a:extLst>
+                <a:ext uri="{FF2B5EF4-FFF2-40B4-BE49-F238E27FC236}">
+                  <a16:creationId xmlns:a16="http://schemas.microsoft.com/office/drawing/2014/main" id="{AFC2BE59-771C-41DE-B2FA-7863DC3934A8}"/>
+                </a:ext>
+              </a:extLst>
+            </p:cNvPr>
+            <p:cNvSpPr txBox="1"/>
+            <p:nvPr/>
+          </p:nvSpPr>
+          <p:spPr>
+            <a:xfrm>
+              <a:off x="7834919" y="396250"/>
+              <a:ext cx="306494" cy="369332"/>
+            </a:xfrm>
+            <a:prstGeom prst="rect">
+              <a:avLst/>
+            </a:prstGeom>
+            <a:noFill/>
+          </p:spPr>
+          <p:txBody>
+            <a:bodyPr wrap="none" rtlCol="0">
+              <a:spAutoFit/>
+            </a:bodyPr>
+            <a:lstStyle/>
+            <a:p>
+              <a:r>
+                <a:rPr lang="en-US" altLang="zh-CN" dirty="0">
+                  <a:solidFill>
+                    <a:schemeClr val="accent3">
+                      <a:lumMod val="40000"/>
+                      <a:lumOff val="60000"/>
+                    </a:schemeClr>
+                  </a:solidFill>
+                </a:rPr>
+                <a:t>1</a:t>
+              </a:r>
+              <a:endParaRPr lang="zh-CN" altLang="en-US" dirty="0">
+                <a:solidFill>
+                  <a:schemeClr val="accent3">
+                    <a:lumMod val="40000"/>
+                    <a:lumOff val="60000"/>
+                  </a:schemeClr>
+                </a:solidFill>
+              </a:endParaRPr>
+            </a:p>
+          </p:txBody>
+        </p:sp>
+        <p:sp>
+          <p:nvSpPr>
+            <p:cNvPr id="56" name="文本框 55">
+              <a:extLst>
+                <a:ext uri="{FF2B5EF4-FFF2-40B4-BE49-F238E27FC236}">
+                  <a16:creationId xmlns:a16="http://schemas.microsoft.com/office/drawing/2014/main" id="{9EF3C474-AFB2-4B12-851C-B9D1133EE45C}"/>
+                </a:ext>
+              </a:extLst>
+            </p:cNvPr>
+            <p:cNvSpPr txBox="1"/>
+            <p:nvPr/>
+          </p:nvSpPr>
+          <p:spPr>
+            <a:xfrm>
+              <a:off x="8732225" y="396250"/>
+              <a:ext cx="306494" cy="369332"/>
+            </a:xfrm>
+            <a:prstGeom prst="rect">
+              <a:avLst/>
+            </a:prstGeom>
+            <a:noFill/>
+          </p:spPr>
+          <p:txBody>
+            <a:bodyPr wrap="square" rtlCol="0">
+              <a:spAutoFit/>
+            </a:bodyPr>
+            <a:lstStyle/>
+            <a:p>
+              <a:r>
+                <a:rPr lang="en-US" altLang="zh-CN" dirty="0">
+                  <a:solidFill>
+                    <a:schemeClr val="accent3">
+                      <a:lumMod val="40000"/>
+                      <a:lumOff val="60000"/>
+                    </a:schemeClr>
+                  </a:solidFill>
+                </a:rPr>
+                <a:t>2</a:t>
+              </a:r>
+              <a:endParaRPr lang="zh-CN" altLang="en-US" dirty="0">
+                <a:solidFill>
+                  <a:schemeClr val="accent3">
+                    <a:lumMod val="40000"/>
+                    <a:lumOff val="60000"/>
+                  </a:schemeClr>
+                </a:solidFill>
+              </a:endParaRPr>
+            </a:p>
+          </p:txBody>
+        </p:sp>
+        <p:sp>
+          <p:nvSpPr>
+            <p:cNvPr id="57" name="文本框 56">
+              <a:extLst>
+                <a:ext uri="{FF2B5EF4-FFF2-40B4-BE49-F238E27FC236}">
+                  <a16:creationId xmlns:a16="http://schemas.microsoft.com/office/drawing/2014/main" id="{7B156F49-A18B-429C-9528-0A77E34FECC6}"/>
+                </a:ext>
+              </a:extLst>
+            </p:cNvPr>
+            <p:cNvSpPr txBox="1"/>
+            <p:nvPr/>
+          </p:nvSpPr>
+          <p:spPr>
+            <a:xfrm>
+              <a:off x="9629531" y="396250"/>
+              <a:ext cx="306494" cy="369332"/>
+            </a:xfrm>
+            <a:prstGeom prst="rect">
+              <a:avLst/>
+            </a:prstGeom>
+            <a:noFill/>
+          </p:spPr>
+          <p:txBody>
+            <a:bodyPr wrap="square" rtlCol="0">
+              <a:spAutoFit/>
+            </a:bodyPr>
+            <a:lstStyle/>
+            <a:p>
+              <a:r>
+                <a:rPr lang="en-US" altLang="zh-CN" dirty="0">
+                  <a:solidFill>
+                    <a:schemeClr val="accent3">
+                      <a:lumMod val="40000"/>
+                      <a:lumOff val="60000"/>
+                    </a:schemeClr>
+                  </a:solidFill>
+                </a:rPr>
+                <a:t>3</a:t>
+              </a:r>
+              <a:endParaRPr lang="zh-CN" altLang="en-US" dirty="0">
+                <a:solidFill>
+                  <a:schemeClr val="accent3">
+                    <a:lumMod val="40000"/>
+                    <a:lumOff val="60000"/>
+                  </a:schemeClr>
+                </a:solidFill>
+              </a:endParaRPr>
+            </a:p>
+          </p:txBody>
+        </p:sp>
+        <p:sp>
+          <p:nvSpPr>
+            <p:cNvPr id="58" name="文本框 57">
+              <a:extLst>
+                <a:ext uri="{FF2B5EF4-FFF2-40B4-BE49-F238E27FC236}">
+                  <a16:creationId xmlns:a16="http://schemas.microsoft.com/office/drawing/2014/main" id="{220C4B00-F707-4415-AC06-87E555B5FF9A}"/>
+                </a:ext>
+              </a:extLst>
+            </p:cNvPr>
+            <p:cNvSpPr txBox="1"/>
+            <p:nvPr/>
+          </p:nvSpPr>
+          <p:spPr>
+            <a:xfrm>
+              <a:off x="10526836" y="396250"/>
+              <a:ext cx="306494" cy="369332"/>
+            </a:xfrm>
+            <a:prstGeom prst="rect">
+              <a:avLst/>
+            </a:prstGeom>
+            <a:noFill/>
+          </p:spPr>
+          <p:txBody>
+            <a:bodyPr wrap="square" rtlCol="0">
+              <a:spAutoFit/>
+            </a:bodyPr>
+            <a:lstStyle/>
+            <a:p>
+              <a:r>
+                <a:rPr lang="en-US" altLang="zh-CN" dirty="0">
+                  <a:solidFill>
+                    <a:schemeClr val="accent3">
+                      <a:lumMod val="40000"/>
+                      <a:lumOff val="60000"/>
+                    </a:schemeClr>
+                  </a:solidFill>
+                </a:rPr>
+                <a:t>4</a:t>
+              </a:r>
+              <a:endParaRPr lang="zh-CN" altLang="en-US" dirty="0">
+                <a:solidFill>
+                  <a:schemeClr val="accent3">
+                    <a:lumMod val="40000"/>
+                    <a:lumOff val="60000"/>
+                  </a:schemeClr>
+                </a:solidFill>
+              </a:endParaRPr>
+            </a:p>
+          </p:txBody>
+        </p:sp>
+        <p:cxnSp>
+          <p:nvCxnSpPr>
+            <p:cNvPr id="59" name="直接箭头连接符 58">
+              <a:extLst>
+                <a:ext uri="{FF2B5EF4-FFF2-40B4-BE49-F238E27FC236}">
+                  <a16:creationId xmlns:a16="http://schemas.microsoft.com/office/drawing/2014/main" id="{EFA9323D-D7B4-4AFF-9144-9C9F68F3494F}"/>
+                </a:ext>
+              </a:extLst>
+            </p:cNvPr>
+            <p:cNvCxnSpPr/>
+            <p:nvPr/>
+          </p:nvCxnSpPr>
+          <p:spPr>
+            <a:xfrm>
+              <a:off x="5643154" y="274946"/>
+              <a:ext cx="0" cy="1290354"/>
+            </a:xfrm>
+            <a:prstGeom prst="straightConnector1">
+              <a:avLst/>
+            </a:prstGeom>
+            <a:ln>
+              <a:solidFill>
+                <a:schemeClr val="accent3"/>
+              </a:solidFill>
+              <a:tailEnd type="triangle"/>
+            </a:ln>
+          </p:spPr>
+          <p:style>
+            <a:lnRef idx="1">
+              <a:schemeClr val="accent1"/>
+            </a:lnRef>
+            <a:fillRef idx="0">
+              <a:schemeClr val="accent1"/>
+            </a:fillRef>
+            <a:effectRef idx="0">
+              <a:schemeClr val="accent1"/>
+            </a:effectRef>
+            <a:fontRef idx="minor">
+              <a:schemeClr val="tx1"/>
+            </a:fontRef>
+          </p:style>
+        </p:cxnSp>
+        <p:cxnSp>
+          <p:nvCxnSpPr>
+            <p:cNvPr id="60" name="直接箭头连接符 59">
+              <a:extLst>
+                <a:ext uri="{FF2B5EF4-FFF2-40B4-BE49-F238E27FC236}">
+                  <a16:creationId xmlns:a16="http://schemas.microsoft.com/office/drawing/2014/main" id="{CFB79B91-318A-4B10-910F-919372723853}"/>
+                </a:ext>
+              </a:extLst>
+            </p:cNvPr>
+            <p:cNvCxnSpPr>
+              <a:cxnSpLocks/>
+            </p:cNvCxnSpPr>
+            <p:nvPr/>
+          </p:nvCxnSpPr>
+          <p:spPr>
+            <a:xfrm rot="16200000">
+              <a:off x="6292436" y="-370231"/>
+              <a:ext cx="0" cy="1290354"/>
+            </a:xfrm>
+            <a:prstGeom prst="straightConnector1">
+              <a:avLst/>
+            </a:prstGeom>
+            <a:ln>
+              <a:solidFill>
+                <a:schemeClr val="accent3"/>
+              </a:solidFill>
+              <a:tailEnd type="triangle"/>
+            </a:ln>
+          </p:spPr>
+          <p:style>
+            <a:lnRef idx="1">
+              <a:schemeClr val="accent1"/>
+            </a:lnRef>
+            <a:fillRef idx="0">
+              <a:schemeClr val="accent1"/>
+            </a:fillRef>
+            <a:effectRef idx="0">
+              <a:schemeClr val="accent1"/>
+            </a:effectRef>
+            <a:fontRef idx="minor">
+              <a:schemeClr val="tx1"/>
+            </a:fontRef>
+          </p:style>
+        </p:cxnSp>
+        <p:sp>
+          <p:nvSpPr>
+            <p:cNvPr id="61" name="文本框 60">
+              <a:extLst>
+                <a:ext uri="{FF2B5EF4-FFF2-40B4-BE49-F238E27FC236}">
+                  <a16:creationId xmlns:a16="http://schemas.microsoft.com/office/drawing/2014/main" id="{380402E2-BF85-434E-8068-5B60328978B8}"/>
+                </a:ext>
+              </a:extLst>
+            </p:cNvPr>
+            <p:cNvSpPr txBox="1"/>
+            <p:nvPr/>
+          </p:nvSpPr>
+          <p:spPr>
+            <a:xfrm>
+              <a:off x="6846889" y="-97023"/>
+              <a:ext cx="292068" cy="369332"/>
+            </a:xfrm>
+            <a:prstGeom prst="rect">
+              <a:avLst/>
+            </a:prstGeom>
+            <a:noFill/>
+          </p:spPr>
+          <p:txBody>
+            <a:bodyPr wrap="none" rtlCol="0">
+              <a:spAutoFit/>
+            </a:bodyPr>
+            <a:lstStyle/>
+            <a:p>
+              <a:r>
+                <a:rPr lang="en-US" altLang="zh-CN" dirty="0">
+                  <a:solidFill>
+                    <a:schemeClr val="accent3">
+                      <a:lumMod val="40000"/>
+                      <a:lumOff val="60000"/>
+                    </a:schemeClr>
+                  </a:solidFill>
+                </a:rPr>
+                <a:t>y</a:t>
+              </a:r>
+              <a:endParaRPr lang="zh-CN" altLang="en-US" dirty="0">
+                <a:solidFill>
+                  <a:schemeClr val="accent3">
+                    <a:lumMod val="40000"/>
+                    <a:lumOff val="60000"/>
+                  </a:schemeClr>
+                </a:solidFill>
+              </a:endParaRPr>
+            </a:p>
+          </p:txBody>
+        </p:sp>
+        <p:sp>
+          <p:nvSpPr>
+            <p:cNvPr id="65" name="文本框 64">
+              <a:extLst>
+                <a:ext uri="{FF2B5EF4-FFF2-40B4-BE49-F238E27FC236}">
+                  <a16:creationId xmlns:a16="http://schemas.microsoft.com/office/drawing/2014/main" id="{8CF83B70-F735-4C28-983F-F09762970E09}"/>
+                </a:ext>
+              </a:extLst>
+            </p:cNvPr>
+            <p:cNvSpPr txBox="1"/>
+            <p:nvPr/>
+          </p:nvSpPr>
+          <p:spPr>
+            <a:xfrm>
+              <a:off x="5740333" y="363227"/>
+              <a:ext cx="344966" cy="369332"/>
+            </a:xfrm>
+            <a:prstGeom prst="rect">
+              <a:avLst/>
+            </a:prstGeom>
+            <a:noFill/>
+          </p:spPr>
+          <p:txBody>
+            <a:bodyPr wrap="none" rtlCol="0">
+              <a:spAutoFit/>
+            </a:bodyPr>
+            <a:lstStyle/>
+            <a:p>
+              <a:r>
+                <a:rPr lang="en-US" altLang="zh-CN" b="1" dirty="0"/>
+                <a:t>G</a:t>
+              </a:r>
+              <a:endParaRPr lang="zh-CN" altLang="en-US" b="1" dirty="0"/>
+            </a:p>
+          </p:txBody>
+        </p:sp>
+        <p:cxnSp>
+          <p:nvCxnSpPr>
+            <p:cNvPr id="12" name="直接箭头连接符 11">
+              <a:extLst>
+                <a:ext uri="{FF2B5EF4-FFF2-40B4-BE49-F238E27FC236}">
+                  <a16:creationId xmlns:a16="http://schemas.microsoft.com/office/drawing/2014/main" id="{1A645F43-752F-4942-A256-EA445AAA894E}"/>
+                </a:ext>
+              </a:extLst>
+            </p:cNvPr>
+            <p:cNvCxnSpPr/>
+            <p:nvPr/>
+          </p:nvCxnSpPr>
+          <p:spPr>
+            <a:xfrm>
+              <a:off x="10735507" y="2483791"/>
+              <a:ext cx="0" cy="454851"/>
+            </a:xfrm>
+            <a:prstGeom prst="straightConnector1">
+              <a:avLst/>
+            </a:prstGeom>
+            <a:ln w="12700">
+              <a:solidFill>
+                <a:schemeClr val="tx1"/>
+              </a:solidFill>
+              <a:tailEnd type="triangle"/>
+            </a:ln>
+          </p:spPr>
+          <p:style>
+            <a:lnRef idx="1">
+              <a:schemeClr val="accent1"/>
+            </a:lnRef>
+            <a:fillRef idx="0">
+              <a:schemeClr val="accent1"/>
+            </a:fillRef>
+            <a:effectRef idx="0">
+              <a:schemeClr val="accent1"/>
+            </a:effectRef>
+            <a:fontRef idx="minor">
+              <a:schemeClr val="tx1"/>
+            </a:fontRef>
+          </p:style>
+        </p:cxnSp>
+        <p:cxnSp>
+          <p:nvCxnSpPr>
+            <p:cNvPr id="13" name="直接箭头连接符 12">
+              <a:extLst>
+                <a:ext uri="{FF2B5EF4-FFF2-40B4-BE49-F238E27FC236}">
+                  <a16:creationId xmlns:a16="http://schemas.microsoft.com/office/drawing/2014/main" id="{376A7505-5348-43A2-99B0-AAC9966E520C}"/>
+                </a:ext>
+              </a:extLst>
+            </p:cNvPr>
+            <p:cNvCxnSpPr/>
+            <p:nvPr/>
+          </p:nvCxnSpPr>
+          <p:spPr>
+            <a:xfrm>
+              <a:off x="5398770" y="2256366"/>
+              <a:ext cx="0" cy="454851"/>
+            </a:xfrm>
+            <a:prstGeom prst="straightConnector1">
+              <a:avLst/>
+            </a:prstGeom>
+            <a:ln w="12700">
+              <a:solidFill>
+                <a:schemeClr val="tx1"/>
+              </a:solidFill>
+              <a:tailEnd type="triangle"/>
+            </a:ln>
+          </p:spPr>
+          <p:style>
+            <a:lnRef idx="1">
+              <a:schemeClr val="accent1"/>
+            </a:lnRef>
+            <a:fillRef idx="0">
+              <a:schemeClr val="accent1"/>
+            </a:fillRef>
+            <a:effectRef idx="0">
+              <a:schemeClr val="accent1"/>
+            </a:effectRef>
+            <a:fontRef idx="minor">
+              <a:schemeClr val="tx1"/>
+            </a:fontRef>
+          </p:style>
+        </p:cxnSp>
+        <p:cxnSp>
+          <p:nvCxnSpPr>
+            <p:cNvPr id="14" name="直接箭头连接符 13">
+              <a:extLst>
+                <a:ext uri="{FF2B5EF4-FFF2-40B4-BE49-F238E27FC236}">
+                  <a16:creationId xmlns:a16="http://schemas.microsoft.com/office/drawing/2014/main" id="{A0F8DFA4-4248-4B8E-83FE-908249B2BE38}"/>
+                </a:ext>
+              </a:extLst>
+            </p:cNvPr>
+            <p:cNvCxnSpPr>
+              <a:cxnSpLocks/>
+            </p:cNvCxnSpPr>
+            <p:nvPr/>
+          </p:nvCxnSpPr>
+          <p:spPr>
+            <a:xfrm flipH="1">
+              <a:off x="10074653" y="3246120"/>
+              <a:ext cx="590812" cy="0"/>
+            </a:xfrm>
+            <a:prstGeom prst="straightConnector1">
+              <a:avLst/>
+            </a:prstGeom>
+            <a:ln w="12700">
+              <a:solidFill>
+                <a:schemeClr val="tx1"/>
+              </a:solidFill>
+              <a:tailEnd type="triangle"/>
+            </a:ln>
+          </p:spPr>
+          <p:style>
+            <a:lnRef idx="1">
+              <a:schemeClr val="accent1"/>
+            </a:lnRef>
+            <a:fillRef idx="0">
+              <a:schemeClr val="accent1"/>
+            </a:fillRef>
+            <a:effectRef idx="0">
+              <a:schemeClr val="accent1"/>
+            </a:effectRef>
+            <a:fontRef idx="minor">
+              <a:schemeClr val="tx1"/>
+            </a:fontRef>
+          </p:style>
+        </p:cxnSp>
+        <p:cxnSp>
+          <p:nvCxnSpPr>
+            <p:cNvPr id="18" name="直接箭头连接符 17">
+              <a:extLst>
+                <a:ext uri="{FF2B5EF4-FFF2-40B4-BE49-F238E27FC236}">
+                  <a16:creationId xmlns:a16="http://schemas.microsoft.com/office/drawing/2014/main" id="{BAD45980-DD80-4125-901E-927FD5C6646D}"/>
+                </a:ext>
+              </a:extLst>
+            </p:cNvPr>
+            <p:cNvCxnSpPr>
+              <a:cxnSpLocks/>
+            </p:cNvCxnSpPr>
+            <p:nvPr/>
+          </p:nvCxnSpPr>
+          <p:spPr>
+            <a:xfrm flipV="1">
+              <a:off x="9819640" y="3496592"/>
+              <a:ext cx="0" cy="454851"/>
+            </a:xfrm>
+            <a:prstGeom prst="straightConnector1">
+              <a:avLst/>
+            </a:prstGeom>
+            <a:ln w="12700">
+              <a:solidFill>
+                <a:schemeClr val="tx1"/>
+              </a:solidFill>
+              <a:tailEnd type="triangle"/>
+            </a:ln>
+          </p:spPr>
+          <p:style>
+            <a:lnRef idx="1">
+              <a:schemeClr val="accent1"/>
+            </a:lnRef>
+            <a:fillRef idx="0">
+              <a:schemeClr val="accent1"/>
+            </a:fillRef>
+            <a:effectRef idx="0">
+              <a:schemeClr val="accent1"/>
+            </a:effectRef>
+            <a:fontRef idx="minor">
+              <a:schemeClr val="tx1"/>
+            </a:fontRef>
+          </p:style>
+        </p:cxnSp>
+        <p:cxnSp>
+          <p:nvCxnSpPr>
+            <p:cNvPr id="21" name="直接箭头连接符 20">
+              <a:extLst>
+                <a:ext uri="{FF2B5EF4-FFF2-40B4-BE49-F238E27FC236}">
+                  <a16:creationId xmlns:a16="http://schemas.microsoft.com/office/drawing/2014/main" id="{CC146153-3FB0-4716-8062-8AE43F8A73A9}"/>
+                </a:ext>
+              </a:extLst>
+            </p:cNvPr>
+            <p:cNvCxnSpPr/>
+            <p:nvPr/>
+          </p:nvCxnSpPr>
+          <p:spPr>
+            <a:xfrm>
+              <a:off x="9153019" y="3246120"/>
+              <a:ext cx="530191" cy="0"/>
+            </a:xfrm>
+            <a:prstGeom prst="straightConnector1">
+              <a:avLst/>
+            </a:prstGeom>
+            <a:ln w="12700">
+              <a:solidFill>
+                <a:srgbClr val="FF0000"/>
+              </a:solidFill>
+              <a:tailEnd type="triangle"/>
+            </a:ln>
+          </p:spPr>
+          <p:style>
+            <a:lnRef idx="1">
+              <a:schemeClr val="accent1"/>
+            </a:lnRef>
+            <a:fillRef idx="0">
+              <a:schemeClr val="accent1"/>
+            </a:fillRef>
+            <a:effectRef idx="0">
+              <a:schemeClr val="accent1"/>
+            </a:effectRef>
+            <a:fontRef idx="minor">
+              <a:schemeClr val="tx1"/>
+            </a:fontRef>
+          </p:style>
+        </p:cxnSp>
+        <p:cxnSp>
+          <p:nvCxnSpPr>
+            <p:cNvPr id="22" name="直接箭头连接符 21">
+              <a:extLst>
+                <a:ext uri="{FF2B5EF4-FFF2-40B4-BE49-F238E27FC236}">
+                  <a16:creationId xmlns:a16="http://schemas.microsoft.com/office/drawing/2014/main" id="{8B16CB95-D874-41BF-B945-4E7D9D187F9F}"/>
+                </a:ext>
+              </a:extLst>
+            </p:cNvPr>
+            <p:cNvCxnSpPr/>
+            <p:nvPr/>
+          </p:nvCxnSpPr>
+          <p:spPr>
+            <a:xfrm>
+              <a:off x="9982901" y="1416338"/>
+              <a:ext cx="590812" cy="0"/>
+            </a:xfrm>
+            <a:prstGeom prst="straightConnector1">
+              <a:avLst/>
+            </a:prstGeom>
+            <a:ln w="12700">
+              <a:solidFill>
+                <a:schemeClr val="tx1"/>
+              </a:solidFill>
+              <a:tailEnd type="triangle"/>
+            </a:ln>
+          </p:spPr>
+          <p:style>
+            <a:lnRef idx="1">
+              <a:schemeClr val="accent1"/>
+            </a:lnRef>
+            <a:fillRef idx="0">
+              <a:schemeClr val="accent1"/>
+            </a:fillRef>
+            <a:effectRef idx="0">
+              <a:schemeClr val="accent1"/>
+            </a:effectRef>
+            <a:fontRef idx="minor">
+              <a:schemeClr val="tx1"/>
+            </a:fontRef>
+          </p:style>
+        </p:cxnSp>
+        <p:cxnSp>
+          <p:nvCxnSpPr>
+            <p:cNvPr id="66" name="直接箭头连接符 65">
+              <a:extLst>
+                <a:ext uri="{FF2B5EF4-FFF2-40B4-BE49-F238E27FC236}">
+                  <a16:creationId xmlns:a16="http://schemas.microsoft.com/office/drawing/2014/main" id="{215D2A10-E075-45D9-AAB3-1D86F40DF892}"/>
+                </a:ext>
+              </a:extLst>
+            </p:cNvPr>
+            <p:cNvCxnSpPr>
+              <a:cxnSpLocks/>
+            </p:cNvCxnSpPr>
+            <p:nvPr/>
+          </p:nvCxnSpPr>
+          <p:spPr>
+            <a:xfrm flipV="1">
+              <a:off x="10735507" y="3471569"/>
+              <a:ext cx="0" cy="454851"/>
+            </a:xfrm>
+            <a:prstGeom prst="straightConnector1">
+              <a:avLst/>
+            </a:prstGeom>
+            <a:ln w="12700">
+              <a:solidFill>
+                <a:schemeClr val="tx1"/>
+              </a:solidFill>
+              <a:tailEnd type="triangle"/>
+            </a:ln>
+          </p:spPr>
+          <p:style>
+            <a:lnRef idx="1">
+              <a:schemeClr val="accent1"/>
+            </a:lnRef>
+            <a:fillRef idx="0">
+              <a:schemeClr val="accent1"/>
+            </a:fillRef>
+            <a:effectRef idx="0">
+              <a:schemeClr val="accent1"/>
+            </a:effectRef>
+            <a:fontRef idx="minor">
+              <a:schemeClr val="tx1"/>
+            </a:fontRef>
+          </p:style>
+        </p:cxnSp>
+        <p:cxnSp>
+          <p:nvCxnSpPr>
+            <p:cNvPr id="67" name="直接箭头连接符 66">
+              <a:extLst>
+                <a:ext uri="{FF2B5EF4-FFF2-40B4-BE49-F238E27FC236}">
+                  <a16:creationId xmlns:a16="http://schemas.microsoft.com/office/drawing/2014/main" id="{451D5A46-AA2F-43D3-9A49-18ABB4586A6C}"/>
+                </a:ext>
+              </a:extLst>
+            </p:cNvPr>
+            <p:cNvCxnSpPr>
+              <a:cxnSpLocks/>
+            </p:cNvCxnSpPr>
+            <p:nvPr/>
+          </p:nvCxnSpPr>
+          <p:spPr>
+            <a:xfrm flipV="1">
+              <a:off x="9817100" y="4375432"/>
+              <a:ext cx="0" cy="454851"/>
+            </a:xfrm>
+            <a:prstGeom prst="straightConnector1">
+              <a:avLst/>
+            </a:prstGeom>
+            <a:ln w="12700">
+              <a:solidFill>
+                <a:schemeClr val="tx1"/>
+              </a:solidFill>
+              <a:tailEnd type="triangle"/>
+            </a:ln>
+          </p:spPr>
+          <p:style>
+            <a:lnRef idx="1">
+              <a:schemeClr val="accent1"/>
+            </a:lnRef>
+            <a:fillRef idx="0">
+              <a:schemeClr val="accent1"/>
+            </a:fillRef>
+            <a:effectRef idx="0">
+              <a:schemeClr val="accent1"/>
+            </a:effectRef>
+            <a:fontRef idx="minor">
+              <a:schemeClr val="tx1"/>
+            </a:fontRef>
+          </p:style>
+        </p:cxnSp>
+        <p:cxnSp>
+          <p:nvCxnSpPr>
+            <p:cNvPr id="69" name="直接箭头连接符 68">
+              <a:extLst>
+                <a:ext uri="{FF2B5EF4-FFF2-40B4-BE49-F238E27FC236}">
+                  <a16:creationId xmlns:a16="http://schemas.microsoft.com/office/drawing/2014/main" id="{ABBEBC26-225A-4F89-B9DC-C9B77C6783B5}"/>
+                </a:ext>
+              </a:extLst>
+            </p:cNvPr>
+            <p:cNvCxnSpPr/>
+            <p:nvPr/>
+          </p:nvCxnSpPr>
+          <p:spPr>
+            <a:xfrm>
+              <a:off x="9098811" y="4153889"/>
+              <a:ext cx="530191" cy="0"/>
+            </a:xfrm>
+            <a:prstGeom prst="straightConnector1">
+              <a:avLst/>
+            </a:prstGeom>
+            <a:ln w="12700">
+              <a:solidFill>
+                <a:schemeClr val="tx1"/>
+              </a:solidFill>
+              <a:tailEnd type="triangle"/>
+            </a:ln>
+          </p:spPr>
+          <p:style>
+            <a:lnRef idx="1">
+              <a:schemeClr val="accent1"/>
+            </a:lnRef>
+            <a:fillRef idx="0">
+              <a:schemeClr val="accent1"/>
+            </a:fillRef>
+            <a:effectRef idx="0">
+              <a:schemeClr val="accent1"/>
+            </a:effectRef>
+            <a:fontRef idx="minor">
+              <a:schemeClr val="tx1"/>
+            </a:fontRef>
+          </p:style>
+        </p:cxnSp>
+        <p:cxnSp>
+          <p:nvCxnSpPr>
+            <p:cNvPr id="70" name="直接箭头连接符 69">
+              <a:extLst>
+                <a:ext uri="{FF2B5EF4-FFF2-40B4-BE49-F238E27FC236}">
+                  <a16:creationId xmlns:a16="http://schemas.microsoft.com/office/drawing/2014/main" id="{0E61A207-A00B-4E35-B08C-0AE25E810340}"/>
+                </a:ext>
+              </a:extLst>
+            </p:cNvPr>
+            <p:cNvCxnSpPr/>
+            <p:nvPr/>
+          </p:nvCxnSpPr>
+          <p:spPr>
+            <a:xfrm>
+              <a:off x="8162459" y="3225800"/>
+              <a:ext cx="530191" cy="0"/>
+            </a:xfrm>
+            <a:prstGeom prst="straightConnector1">
+              <a:avLst/>
+            </a:prstGeom>
+            <a:ln w="12700">
+              <a:solidFill>
+                <a:srgbClr val="FF0000"/>
+              </a:solidFill>
+              <a:tailEnd type="triangle"/>
+            </a:ln>
+          </p:spPr>
+          <p:style>
+            <a:lnRef idx="1">
+              <a:schemeClr val="accent1"/>
+            </a:lnRef>
+            <a:fillRef idx="0">
+              <a:schemeClr val="accent1"/>
+            </a:fillRef>
+            <a:effectRef idx="0">
+              <a:schemeClr val="accent1"/>
+            </a:effectRef>
+            <a:fontRef idx="minor">
+              <a:schemeClr val="tx1"/>
+            </a:fontRef>
+          </p:style>
+        </p:cxnSp>
+        <p:cxnSp>
+          <p:nvCxnSpPr>
+            <p:cNvPr id="73" name="直接箭头连接符 72">
+              <a:extLst>
+                <a:ext uri="{FF2B5EF4-FFF2-40B4-BE49-F238E27FC236}">
+                  <a16:creationId xmlns:a16="http://schemas.microsoft.com/office/drawing/2014/main" id="{9EBFB29F-1394-407B-A907-A99AB1C3DD58}"/>
+                </a:ext>
+              </a:extLst>
+            </p:cNvPr>
+            <p:cNvCxnSpPr/>
+            <p:nvPr/>
+          </p:nvCxnSpPr>
+          <p:spPr>
+            <a:xfrm>
+              <a:off x="10709490" y="1587171"/>
+              <a:ext cx="0" cy="454851"/>
+            </a:xfrm>
+            <a:prstGeom prst="straightConnector1">
+              <a:avLst/>
+            </a:prstGeom>
+            <a:ln w="12700">
+              <a:solidFill>
+                <a:schemeClr val="tx1"/>
+              </a:solidFill>
+              <a:tailEnd type="triangle"/>
+            </a:ln>
+          </p:spPr>
+          <p:style>
+            <a:lnRef idx="1">
+              <a:schemeClr val="accent1"/>
+            </a:lnRef>
+            <a:fillRef idx="0">
+              <a:schemeClr val="accent1"/>
+            </a:fillRef>
+            <a:effectRef idx="0">
+              <a:schemeClr val="accent1"/>
+            </a:effectRef>
+            <a:fontRef idx="minor">
+              <a:schemeClr val="tx1"/>
+            </a:fontRef>
+          </p:style>
+        </p:cxnSp>
+        <p:cxnSp>
+          <p:nvCxnSpPr>
+            <p:cNvPr id="74" name="直接箭头连接符 73">
+              <a:extLst>
+                <a:ext uri="{FF2B5EF4-FFF2-40B4-BE49-F238E27FC236}">
+                  <a16:creationId xmlns:a16="http://schemas.microsoft.com/office/drawing/2014/main" id="{8CBA5B8B-5D42-40BB-A17E-4A03FB644F3F}"/>
+                </a:ext>
+              </a:extLst>
+            </p:cNvPr>
+            <p:cNvCxnSpPr>
+              <a:cxnSpLocks/>
+            </p:cNvCxnSpPr>
+            <p:nvPr/>
+          </p:nvCxnSpPr>
+          <p:spPr>
+            <a:xfrm flipV="1">
+              <a:off x="10757294" y="4369974"/>
+              <a:ext cx="0" cy="454851"/>
+            </a:xfrm>
+            <a:prstGeom prst="straightConnector1">
+              <a:avLst/>
+            </a:prstGeom>
+            <a:ln w="12700">
+              <a:solidFill>
+                <a:schemeClr val="tx1"/>
+              </a:solidFill>
+              <a:tailEnd type="triangle"/>
+            </a:ln>
+          </p:spPr>
+          <p:style>
+            <a:lnRef idx="1">
+              <a:schemeClr val="accent1"/>
+            </a:lnRef>
+            <a:fillRef idx="0">
+              <a:schemeClr val="accent1"/>
+            </a:fillRef>
+            <a:effectRef idx="0">
+              <a:schemeClr val="accent1"/>
+            </a:effectRef>
+            <a:fontRef idx="minor">
+              <a:schemeClr val="tx1"/>
+            </a:fontRef>
+          </p:style>
+        </p:cxnSp>
+        <p:cxnSp>
+          <p:nvCxnSpPr>
+            <p:cNvPr id="76" name="直接箭头连接符 75">
+              <a:extLst>
+                <a:ext uri="{FF2B5EF4-FFF2-40B4-BE49-F238E27FC236}">
+                  <a16:creationId xmlns:a16="http://schemas.microsoft.com/office/drawing/2014/main" id="{CCE56D42-1D13-4A3A-BC8C-190542B1FB5F}"/>
+                </a:ext>
+              </a:extLst>
+            </p:cNvPr>
+            <p:cNvCxnSpPr/>
+            <p:nvPr/>
+          </p:nvCxnSpPr>
+          <p:spPr>
+            <a:xfrm>
+              <a:off x="9098810" y="5049520"/>
+              <a:ext cx="530191" cy="0"/>
+            </a:xfrm>
+            <a:prstGeom prst="straightConnector1">
+              <a:avLst/>
+            </a:prstGeom>
+            <a:ln w="12700">
+              <a:solidFill>
+                <a:schemeClr val="tx1"/>
+              </a:solidFill>
+              <a:tailEnd type="triangle"/>
+            </a:ln>
+          </p:spPr>
+          <p:style>
+            <a:lnRef idx="1">
+              <a:schemeClr val="accent1"/>
+            </a:lnRef>
+            <a:fillRef idx="0">
+              <a:schemeClr val="accent1"/>
+            </a:fillRef>
+            <a:effectRef idx="0">
+              <a:schemeClr val="accent1"/>
+            </a:effectRef>
+            <a:fontRef idx="minor">
+              <a:schemeClr val="tx1"/>
+            </a:fontRef>
+          </p:style>
+        </p:cxnSp>
+        <p:cxnSp>
+          <p:nvCxnSpPr>
+            <p:cNvPr id="77" name="直接箭头连接符 76">
+              <a:extLst>
+                <a:ext uri="{FF2B5EF4-FFF2-40B4-BE49-F238E27FC236}">
+                  <a16:creationId xmlns:a16="http://schemas.microsoft.com/office/drawing/2014/main" id="{A7840F02-D633-46D1-8CC3-BB55EB475392}"/>
+                </a:ext>
+              </a:extLst>
+            </p:cNvPr>
+            <p:cNvCxnSpPr/>
+            <p:nvPr/>
+          </p:nvCxnSpPr>
+          <p:spPr>
+            <a:xfrm>
+              <a:off x="7244107" y="3217617"/>
+              <a:ext cx="530191" cy="0"/>
+            </a:xfrm>
+            <a:prstGeom prst="straightConnector1">
+              <a:avLst/>
+            </a:prstGeom>
+            <a:ln w="12700">
+              <a:solidFill>
+                <a:schemeClr val="tx1"/>
+              </a:solidFill>
+              <a:tailEnd type="triangle"/>
+            </a:ln>
+          </p:spPr>
+          <p:style>
+            <a:lnRef idx="1">
+              <a:schemeClr val="accent1"/>
+            </a:lnRef>
+            <a:fillRef idx="0">
+              <a:schemeClr val="accent1"/>
+            </a:fillRef>
+            <a:effectRef idx="0">
+              <a:schemeClr val="accent1"/>
+            </a:effectRef>
+            <a:fontRef idx="minor">
+              <a:schemeClr val="tx1"/>
+            </a:fontRef>
+          </p:style>
+        </p:cxnSp>
+        <p:cxnSp>
+          <p:nvCxnSpPr>
+            <p:cNvPr id="78" name="直接箭头连接符 77">
+              <a:extLst>
+                <a:ext uri="{FF2B5EF4-FFF2-40B4-BE49-F238E27FC236}">
+                  <a16:creationId xmlns:a16="http://schemas.microsoft.com/office/drawing/2014/main" id="{83F40B39-B6F3-44B1-873C-D3F221317AE5}"/>
+                </a:ext>
+              </a:extLst>
+            </p:cNvPr>
+            <p:cNvCxnSpPr/>
+            <p:nvPr/>
+          </p:nvCxnSpPr>
+          <p:spPr>
+            <a:xfrm>
+              <a:off x="8919139" y="1632891"/>
+              <a:ext cx="0" cy="454851"/>
+            </a:xfrm>
+            <a:prstGeom prst="straightConnector1">
+              <a:avLst/>
+            </a:prstGeom>
+            <a:ln w="12700">
+              <a:solidFill>
+                <a:srgbClr val="FF0000"/>
+              </a:solidFill>
+              <a:tailEnd type="triangle"/>
+            </a:ln>
+          </p:spPr>
+          <p:style>
+            <a:lnRef idx="1">
+              <a:schemeClr val="accent1"/>
+            </a:lnRef>
+            <a:fillRef idx="0">
+              <a:schemeClr val="accent1"/>
+            </a:fillRef>
+            <a:effectRef idx="0">
+              <a:schemeClr val="accent1"/>
+            </a:effectRef>
+            <a:fontRef idx="minor">
+              <a:schemeClr val="tx1"/>
+            </a:fontRef>
+          </p:style>
+        </p:cxnSp>
+        <p:cxnSp>
+          <p:nvCxnSpPr>
+            <p:cNvPr id="79" name="直接箭头连接符 78">
+              <a:extLst>
+                <a:ext uri="{FF2B5EF4-FFF2-40B4-BE49-F238E27FC236}">
+                  <a16:creationId xmlns:a16="http://schemas.microsoft.com/office/drawing/2014/main" id="{8D2210C8-26EC-477B-91AF-432F855993E6}"/>
+                </a:ext>
+              </a:extLst>
+            </p:cNvPr>
+            <p:cNvCxnSpPr/>
+            <p:nvPr/>
+          </p:nvCxnSpPr>
+          <p:spPr>
+            <a:xfrm>
+              <a:off x="8162459" y="5025678"/>
+              <a:ext cx="590812" cy="0"/>
+            </a:xfrm>
+            <a:prstGeom prst="straightConnector1">
+              <a:avLst/>
+            </a:prstGeom>
+            <a:ln w="12700">
+              <a:solidFill>
+                <a:schemeClr val="tx1"/>
+              </a:solidFill>
+              <a:tailEnd type="triangle"/>
+            </a:ln>
+          </p:spPr>
+          <p:style>
+            <a:lnRef idx="1">
+              <a:schemeClr val="accent1"/>
+            </a:lnRef>
+            <a:fillRef idx="0">
+              <a:schemeClr val="accent1"/>
+            </a:fillRef>
+            <a:effectRef idx="0">
+              <a:schemeClr val="accent1"/>
+            </a:effectRef>
+            <a:fontRef idx="minor">
+              <a:schemeClr val="tx1"/>
+            </a:fontRef>
+          </p:style>
+        </p:cxnSp>
+        <p:cxnSp>
+          <p:nvCxnSpPr>
+            <p:cNvPr id="81" name="直接箭头连接符 80">
+              <a:extLst>
+                <a:ext uri="{FF2B5EF4-FFF2-40B4-BE49-F238E27FC236}">
+                  <a16:creationId xmlns:a16="http://schemas.microsoft.com/office/drawing/2014/main" id="{483E9B03-2FE7-4832-BB09-DC73B7D119AC}"/>
+                </a:ext>
+              </a:extLst>
+            </p:cNvPr>
+            <p:cNvCxnSpPr/>
+            <p:nvPr/>
+          </p:nvCxnSpPr>
+          <p:spPr>
+            <a:xfrm>
+              <a:off x="8162459" y="1380634"/>
+              <a:ext cx="590812" cy="0"/>
+            </a:xfrm>
+            <a:prstGeom prst="straightConnector1">
+              <a:avLst/>
+            </a:prstGeom>
+            <a:ln w="12700">
+              <a:solidFill>
+                <a:srgbClr val="FF0000"/>
+              </a:solidFill>
+              <a:tailEnd type="triangle"/>
+            </a:ln>
+          </p:spPr>
+          <p:style>
+            <a:lnRef idx="1">
+              <a:schemeClr val="accent1"/>
+            </a:lnRef>
+            <a:fillRef idx="0">
+              <a:schemeClr val="accent1"/>
+            </a:fillRef>
+            <a:effectRef idx="0">
+              <a:schemeClr val="accent1"/>
+            </a:effectRef>
+            <a:fontRef idx="minor">
+              <a:schemeClr val="tx1"/>
+            </a:fontRef>
+          </p:style>
+        </p:cxnSp>
+        <p:cxnSp>
+          <p:nvCxnSpPr>
+            <p:cNvPr id="82" name="直接箭头连接符 81">
+              <a:extLst>
+                <a:ext uri="{FF2B5EF4-FFF2-40B4-BE49-F238E27FC236}">
+                  <a16:creationId xmlns:a16="http://schemas.microsoft.com/office/drawing/2014/main" id="{8439483A-F510-4EE3-BDBC-6DFEFAECA4C3}"/>
+                </a:ext>
+              </a:extLst>
+            </p:cNvPr>
+            <p:cNvCxnSpPr/>
+            <p:nvPr/>
+          </p:nvCxnSpPr>
+          <p:spPr>
+            <a:xfrm>
+              <a:off x="7239701" y="2323400"/>
+              <a:ext cx="590812" cy="0"/>
+            </a:xfrm>
+            <a:prstGeom prst="straightConnector1">
+              <a:avLst/>
+            </a:prstGeom>
+            <a:ln w="12700">
+              <a:solidFill>
+                <a:schemeClr val="tx1"/>
+              </a:solidFill>
+              <a:tailEnd type="triangle"/>
+            </a:ln>
+          </p:spPr>
+          <p:style>
+            <a:lnRef idx="1">
+              <a:schemeClr val="accent1"/>
+            </a:lnRef>
+            <a:fillRef idx="0">
+              <a:schemeClr val="accent1"/>
+            </a:fillRef>
+            <a:effectRef idx="0">
+              <a:schemeClr val="accent1"/>
+            </a:effectRef>
+            <a:fontRef idx="minor">
+              <a:schemeClr val="tx1"/>
+            </a:fontRef>
+          </p:style>
+        </p:cxnSp>
+        <p:cxnSp>
+          <p:nvCxnSpPr>
+            <p:cNvPr id="83" name="直接箭头连接符 82">
+              <a:extLst>
+                <a:ext uri="{FF2B5EF4-FFF2-40B4-BE49-F238E27FC236}">
+                  <a16:creationId xmlns:a16="http://schemas.microsoft.com/office/drawing/2014/main" id="{58C4FC84-8B32-4881-AE24-0B6A158F1055}"/>
+                </a:ext>
+              </a:extLst>
+            </p:cNvPr>
+            <p:cNvCxnSpPr>
+              <a:cxnSpLocks/>
+            </p:cNvCxnSpPr>
+            <p:nvPr/>
+          </p:nvCxnSpPr>
+          <p:spPr>
+            <a:xfrm flipV="1">
+              <a:off x="7077907" y="3434457"/>
+              <a:ext cx="0" cy="454851"/>
+            </a:xfrm>
+            <a:prstGeom prst="straightConnector1">
+              <a:avLst/>
+            </a:prstGeom>
+            <a:ln w="12700">
+              <a:solidFill>
+                <a:schemeClr val="tx1"/>
+              </a:solidFill>
+              <a:tailEnd type="triangle"/>
+            </a:ln>
+          </p:spPr>
+          <p:style>
+            <a:lnRef idx="1">
+              <a:schemeClr val="accent1"/>
+            </a:lnRef>
+            <a:fillRef idx="0">
+              <a:schemeClr val="accent1"/>
+            </a:fillRef>
+            <a:effectRef idx="0">
+              <a:schemeClr val="accent1"/>
+            </a:effectRef>
+            <a:fontRef idx="minor">
+              <a:schemeClr val="tx1"/>
+            </a:fontRef>
+          </p:style>
+        </p:cxnSp>
+        <p:cxnSp>
+          <p:nvCxnSpPr>
+            <p:cNvPr id="84" name="直接箭头连接符 83">
+              <a:extLst>
+                <a:ext uri="{FF2B5EF4-FFF2-40B4-BE49-F238E27FC236}">
+                  <a16:creationId xmlns:a16="http://schemas.microsoft.com/office/drawing/2014/main" id="{3540D6FA-D6FD-485E-BDDE-EEB3FA26F213}"/>
+                </a:ext>
+              </a:extLst>
+            </p:cNvPr>
+            <p:cNvCxnSpPr/>
+            <p:nvPr/>
+          </p:nvCxnSpPr>
+          <p:spPr>
+            <a:xfrm>
+              <a:off x="7244107" y="5107377"/>
+              <a:ext cx="530191" cy="0"/>
+            </a:xfrm>
+            <a:prstGeom prst="straightConnector1">
+              <a:avLst/>
+            </a:prstGeom>
+            <a:ln w="12700">
+              <a:solidFill>
+                <a:schemeClr val="tx1"/>
+              </a:solidFill>
+              <a:tailEnd type="triangle"/>
+            </a:ln>
+          </p:spPr>
+          <p:style>
+            <a:lnRef idx="1">
+              <a:schemeClr val="accent1"/>
+            </a:lnRef>
+            <a:fillRef idx="0">
+              <a:schemeClr val="accent1"/>
+            </a:fillRef>
+            <a:effectRef idx="0">
+              <a:schemeClr val="accent1"/>
+            </a:effectRef>
+            <a:fontRef idx="minor">
+              <a:schemeClr val="tx1"/>
+            </a:fontRef>
+          </p:style>
+        </p:cxnSp>
+        <p:cxnSp>
+          <p:nvCxnSpPr>
+            <p:cNvPr id="85" name="直接箭头连接符 84">
+              <a:extLst>
+                <a:ext uri="{FF2B5EF4-FFF2-40B4-BE49-F238E27FC236}">
+                  <a16:creationId xmlns:a16="http://schemas.microsoft.com/office/drawing/2014/main" id="{8034E878-6037-45AD-BE7D-3C634EFA9325}"/>
+                </a:ext>
+              </a:extLst>
+            </p:cNvPr>
+            <p:cNvCxnSpPr/>
+            <p:nvPr/>
+          </p:nvCxnSpPr>
+          <p:spPr>
+            <a:xfrm>
+              <a:off x="7239701" y="1417752"/>
+              <a:ext cx="590812" cy="0"/>
+            </a:xfrm>
+            <a:prstGeom prst="straightConnector1">
+              <a:avLst/>
+            </a:prstGeom>
+            <a:ln w="12700">
+              <a:solidFill>
+                <a:srgbClr val="FF0000"/>
+              </a:solidFill>
+              <a:tailEnd type="triangle"/>
+            </a:ln>
+          </p:spPr>
+          <p:style>
+            <a:lnRef idx="1">
+              <a:schemeClr val="accent1"/>
+            </a:lnRef>
+            <a:fillRef idx="0">
+              <a:schemeClr val="accent1"/>
+            </a:fillRef>
+            <a:effectRef idx="0">
+              <a:schemeClr val="accent1"/>
+            </a:effectRef>
+            <a:fontRef idx="minor">
+              <a:schemeClr val="tx1"/>
+            </a:fontRef>
+          </p:style>
+        </p:cxnSp>
+        <p:cxnSp>
+          <p:nvCxnSpPr>
+            <p:cNvPr id="86" name="直接箭头连接符 85">
+              <a:extLst>
+                <a:ext uri="{FF2B5EF4-FFF2-40B4-BE49-F238E27FC236}">
+                  <a16:creationId xmlns:a16="http://schemas.microsoft.com/office/drawing/2014/main" id="{6A7F07A0-9743-4AF1-B3BB-54B56EBB8D23}"/>
+                </a:ext>
+              </a:extLst>
+            </p:cNvPr>
+            <p:cNvCxnSpPr/>
+            <p:nvPr/>
+          </p:nvCxnSpPr>
+          <p:spPr>
+            <a:xfrm>
+              <a:off x="8223080" y="4136109"/>
+              <a:ext cx="530191" cy="0"/>
+            </a:xfrm>
+            <a:prstGeom prst="straightConnector1">
+              <a:avLst/>
+            </a:prstGeom>
+            <a:ln w="12700">
+              <a:solidFill>
+                <a:schemeClr val="tx1"/>
+              </a:solidFill>
+              <a:tailEnd type="triangle"/>
+            </a:ln>
+          </p:spPr>
+          <p:style>
+            <a:lnRef idx="1">
+              <a:schemeClr val="accent1"/>
+            </a:lnRef>
+            <a:fillRef idx="0">
+              <a:schemeClr val="accent1"/>
+            </a:fillRef>
+            <a:effectRef idx="0">
+              <a:schemeClr val="accent1"/>
+            </a:effectRef>
+            <a:fontRef idx="minor">
+              <a:schemeClr val="tx1"/>
+            </a:fontRef>
+          </p:style>
+        </p:cxnSp>
+        <p:cxnSp>
+          <p:nvCxnSpPr>
+            <p:cNvPr id="88" name="直接箭头连接符 87">
+              <a:extLst>
+                <a:ext uri="{FF2B5EF4-FFF2-40B4-BE49-F238E27FC236}">
+                  <a16:creationId xmlns:a16="http://schemas.microsoft.com/office/drawing/2014/main" id="{7D8FDF24-30C5-474E-9985-9635FC1DEF62}"/>
+                </a:ext>
+              </a:extLst>
+            </p:cNvPr>
+            <p:cNvCxnSpPr/>
+            <p:nvPr/>
+          </p:nvCxnSpPr>
+          <p:spPr>
+            <a:xfrm>
+              <a:off x="9817100" y="2539670"/>
+              <a:ext cx="0" cy="454851"/>
+            </a:xfrm>
+            <a:prstGeom prst="straightConnector1">
+              <a:avLst/>
+            </a:prstGeom>
+            <a:ln w="12700">
+              <a:solidFill>
+                <a:srgbClr val="FF0000"/>
+              </a:solidFill>
+              <a:tailEnd type="triangle"/>
+            </a:ln>
+          </p:spPr>
+          <p:style>
+            <a:lnRef idx="1">
+              <a:schemeClr val="accent1"/>
+            </a:lnRef>
+            <a:fillRef idx="0">
+              <a:schemeClr val="accent1"/>
+            </a:fillRef>
+            <a:effectRef idx="0">
+              <a:schemeClr val="accent1"/>
+            </a:effectRef>
+            <a:fontRef idx="minor">
+              <a:schemeClr val="tx1"/>
+            </a:fontRef>
+          </p:style>
+        </p:cxnSp>
+        <p:cxnSp>
+          <p:nvCxnSpPr>
+            <p:cNvPr id="89" name="直接箭头连接符 88">
+              <a:extLst>
+                <a:ext uri="{FF2B5EF4-FFF2-40B4-BE49-F238E27FC236}">
+                  <a16:creationId xmlns:a16="http://schemas.microsoft.com/office/drawing/2014/main" id="{B7D5DFFE-548B-4831-8F40-B878325CCFC9}"/>
+                </a:ext>
+              </a:extLst>
+            </p:cNvPr>
+            <p:cNvCxnSpPr/>
+            <p:nvPr/>
+          </p:nvCxnSpPr>
+          <p:spPr>
+            <a:xfrm>
+              <a:off x="8896279" y="2483790"/>
+              <a:ext cx="0" cy="454851"/>
+            </a:xfrm>
+            <a:prstGeom prst="straightConnector1">
+              <a:avLst/>
+            </a:prstGeom>
+            <a:ln w="12700">
+              <a:solidFill>
+                <a:srgbClr val="FF0000"/>
+              </a:solidFill>
+              <a:tailEnd type="triangle"/>
+            </a:ln>
+          </p:spPr>
+          <p:style>
+            <a:lnRef idx="1">
+              <a:schemeClr val="accent1"/>
+            </a:lnRef>
+            <a:fillRef idx="0">
+              <a:schemeClr val="accent1"/>
+            </a:fillRef>
+            <a:effectRef idx="0">
+              <a:schemeClr val="accent1"/>
+            </a:effectRef>
+            <a:fontRef idx="minor">
+              <a:schemeClr val="tx1"/>
+            </a:fontRef>
+          </p:style>
+        </p:cxnSp>
+        <p:cxnSp>
+          <p:nvCxnSpPr>
+            <p:cNvPr id="92" name="直接箭头连接符 91">
+              <a:extLst>
+                <a:ext uri="{FF2B5EF4-FFF2-40B4-BE49-F238E27FC236}">
+                  <a16:creationId xmlns:a16="http://schemas.microsoft.com/office/drawing/2014/main" id="{E7874A02-A64E-46A4-8686-42639C85270F}"/>
+                </a:ext>
+              </a:extLst>
+            </p:cNvPr>
+            <p:cNvCxnSpPr/>
+            <p:nvPr/>
+          </p:nvCxnSpPr>
+          <p:spPr>
+            <a:xfrm>
+              <a:off x="8162459" y="2316906"/>
+              <a:ext cx="530191" cy="0"/>
+            </a:xfrm>
+            <a:prstGeom prst="straightConnector1">
+              <a:avLst/>
+            </a:prstGeom>
+            <a:ln w="12700">
+              <a:solidFill>
+                <a:schemeClr val="tx1"/>
+              </a:solidFill>
+              <a:tailEnd type="triangle"/>
+            </a:ln>
+          </p:spPr>
+          <p:style>
+            <a:lnRef idx="1">
+              <a:schemeClr val="accent1"/>
+            </a:lnRef>
+            <a:fillRef idx="0">
+              <a:schemeClr val="accent1"/>
+            </a:fillRef>
+            <a:effectRef idx="0">
+              <a:schemeClr val="accent1"/>
+            </a:effectRef>
+            <a:fontRef idx="minor">
+              <a:schemeClr val="tx1"/>
+            </a:fontRef>
+          </p:style>
+        </p:cxnSp>
+        <p:cxnSp>
+          <p:nvCxnSpPr>
+            <p:cNvPr id="93" name="直接箭头连接符 92">
+              <a:extLst>
+                <a:ext uri="{FF2B5EF4-FFF2-40B4-BE49-F238E27FC236}">
+                  <a16:creationId xmlns:a16="http://schemas.microsoft.com/office/drawing/2014/main" id="{03E12BBC-8E79-48A6-AD0F-B5C104BE9748}"/>
+                </a:ext>
+              </a:extLst>
+            </p:cNvPr>
+            <p:cNvCxnSpPr>
+              <a:cxnSpLocks/>
+            </p:cNvCxnSpPr>
+            <p:nvPr/>
+          </p:nvCxnSpPr>
+          <p:spPr>
+            <a:xfrm flipV="1">
+              <a:off x="7993246" y="3386574"/>
+              <a:ext cx="0" cy="454851"/>
+            </a:xfrm>
+            <a:prstGeom prst="straightConnector1">
+              <a:avLst/>
+            </a:prstGeom>
+            <a:ln w="12700">
+              <a:solidFill>
+                <a:srgbClr val="FF0000"/>
+              </a:solidFill>
+              <a:tailEnd type="triangle"/>
+            </a:ln>
+          </p:spPr>
+          <p:style>
+            <a:lnRef idx="1">
+              <a:schemeClr val="accent1"/>
+            </a:lnRef>
+            <a:fillRef idx="0">
+              <a:schemeClr val="accent1"/>
+            </a:fillRef>
+            <a:effectRef idx="0">
+              <a:schemeClr val="accent1"/>
+            </a:effectRef>
+            <a:fontRef idx="minor">
+              <a:schemeClr val="tx1"/>
+            </a:fontRef>
+          </p:style>
+        </p:cxnSp>
+      </p:grpSp>
+      <p:sp>
+        <p:nvSpPr>
+          <p:cNvPr id="96" name="文本框 95">
+            <a:extLst>
+              <a:ext uri="{FF2B5EF4-FFF2-40B4-BE49-F238E27FC236}">
+                <a16:creationId xmlns:a16="http://schemas.microsoft.com/office/drawing/2014/main" id="{45B65A2E-1503-4E53-97C0-FEA3D97CD5B6}"/>
+              </a:ext>
+            </a:extLst>
+          </p:cNvPr>
+          <p:cNvSpPr txBox="1"/>
+          <p:nvPr/>
+        </p:nvSpPr>
+        <p:spPr>
+          <a:xfrm>
+            <a:off x="7344697" y="599768"/>
+            <a:ext cx="5676554" cy="1477328"/>
+          </a:xfrm>
+          <a:prstGeom prst="rect">
+            <a:avLst/>
+          </a:prstGeom>
+          <a:noFill/>
+        </p:spPr>
+        <p:txBody>
+          <a:bodyPr wrap="none" rtlCol="0">
+            <a:spAutoFit/>
+          </a:bodyPr>
+          <a:lstStyle/>
+          <a:p>
+            <a:pPr marL="342900" indent="-342900">
+              <a:buAutoNum type="arabicPeriod"/>
+            </a:pPr>
+            <a:r>
+              <a:rPr lang="en-US" altLang="zh-CN" dirty="0"/>
+              <a:t>BFS</a:t>
+            </a:r>
+            <a:r>
+              <a:rPr lang="zh-CN" altLang="en-US" dirty="0"/>
+              <a:t>整张图，所有的</a:t>
+            </a:r>
+            <a:r>
+              <a:rPr lang="en-US" altLang="zh-CN" dirty="0"/>
+              <a:t>Customer</a:t>
+            </a:r>
+            <a:r>
+              <a:rPr lang="zh-CN" altLang="en-US" dirty="0"/>
+              <a:t>当作障碍</a:t>
+            </a:r>
+            <a:endParaRPr lang="en-US" altLang="zh-CN" dirty="0"/>
+          </a:p>
+          <a:p>
+            <a:r>
+              <a:rPr lang="zh-CN" altLang="en-US" dirty="0"/>
+              <a:t>（</a:t>
+            </a:r>
+            <a:r>
+              <a:rPr lang="en-US" altLang="zh-CN" dirty="0"/>
+              <a:t>1</a:t>
+            </a:r>
+            <a:r>
+              <a:rPr lang="zh-CN" altLang="en-US" dirty="0"/>
+              <a:t>）</a:t>
+            </a:r>
+            <a:r>
+              <a:rPr lang="en-US" altLang="zh-CN" dirty="0"/>
+              <a:t>map</a:t>
+            </a:r>
+            <a:r>
+              <a:rPr lang="zh-CN" altLang="en-US" dirty="0"/>
+              <a:t>中添加对于特定坐标获得邻居的函数</a:t>
+            </a:r>
+            <a:endParaRPr lang="en-US" altLang="zh-CN" dirty="0"/>
+          </a:p>
+          <a:p>
+            <a:r>
+              <a:rPr lang="zh-CN" altLang="en-US" dirty="0"/>
+              <a:t>（</a:t>
+            </a:r>
+            <a:r>
+              <a:rPr lang="en-US" altLang="zh-CN" dirty="0"/>
+              <a:t>2</a:t>
+            </a:r>
+            <a:r>
+              <a:rPr lang="zh-CN" altLang="en-US" dirty="0"/>
+              <a:t>）</a:t>
+            </a:r>
+            <a:r>
+              <a:rPr lang="en-US" altLang="zh-CN" dirty="0"/>
+              <a:t>BFS</a:t>
+            </a:r>
+            <a:r>
+              <a:rPr lang="zh-CN" altLang="en-US" dirty="0"/>
+              <a:t>取结点并参考伪代码遍历</a:t>
+            </a:r>
+            <a:endParaRPr lang="en-US" altLang="zh-CN" dirty="0"/>
+          </a:p>
+          <a:p>
+            <a:r>
+              <a:rPr lang="en-US" altLang="zh-CN" dirty="0"/>
+              <a:t>2. </a:t>
+            </a:r>
+            <a:r>
+              <a:rPr lang="zh-CN" altLang="en-US" dirty="0"/>
+              <a:t>刷新所有的</a:t>
+            </a:r>
+            <a:r>
+              <a:rPr lang="en-US" altLang="zh-CN" dirty="0"/>
+              <a:t>Consumer</a:t>
+            </a:r>
+            <a:r>
+              <a:rPr lang="zh-CN" altLang="en-US" dirty="0"/>
+              <a:t>结点</a:t>
+            </a:r>
+            <a:endParaRPr lang="en-US" altLang="zh-CN" dirty="0"/>
+          </a:p>
+          <a:p>
+            <a:r>
+              <a:rPr lang="en-US" altLang="zh-CN" dirty="0"/>
+              <a:t>3.</a:t>
+            </a:r>
+            <a:r>
+              <a:rPr lang="zh-CN" altLang="en-US" dirty="0"/>
+              <a:t> 调试的时候查看距离和方向的代码</a:t>
+            </a:r>
+            <a:r>
+              <a:rPr lang="en-US" altLang="zh-CN" dirty="0"/>
+              <a:t>test/show_map.py</a:t>
+            </a:r>
+            <a:endParaRPr lang="zh-CN" altLang="en-US" dirty="0"/>
+          </a:p>
+        </p:txBody>
+      </p:sp>
+      <p:grpSp>
+        <p:nvGrpSpPr>
+          <p:cNvPr id="109" name="组合 108">
+            <a:extLst>
+              <a:ext uri="{FF2B5EF4-FFF2-40B4-BE49-F238E27FC236}">
+                <a16:creationId xmlns:a16="http://schemas.microsoft.com/office/drawing/2014/main" id="{E79B112B-A8B6-40E3-84A6-18395652AF1D}"/>
+              </a:ext>
+            </a:extLst>
+          </p:cNvPr>
+          <p:cNvGrpSpPr/>
+          <p:nvPr/>
+        </p:nvGrpSpPr>
+        <p:grpSpPr>
+          <a:xfrm>
+            <a:off x="9724781" y="4624894"/>
+            <a:ext cx="4877623" cy="2377788"/>
+            <a:chOff x="9812107" y="4492136"/>
+            <a:chExt cx="4877623" cy="2377788"/>
+          </a:xfrm>
+        </p:grpSpPr>
+        <p:pic>
+          <p:nvPicPr>
+            <p:cNvPr id="95" name="图片 94">
+              <a:extLst>
+                <a:ext uri="{FF2B5EF4-FFF2-40B4-BE49-F238E27FC236}">
+                  <a16:creationId xmlns:a16="http://schemas.microsoft.com/office/drawing/2014/main" id="{54F0D9BA-3F0B-475E-B42E-15AB101E28E9}"/>
+                </a:ext>
+              </a:extLst>
+            </p:cNvPr>
+            <p:cNvPicPr>
+              <a:picLocks noChangeAspect="1"/>
+            </p:cNvPicPr>
+            <p:nvPr/>
+          </p:nvPicPr>
+          <p:blipFill>
+            <a:blip r:embed="rId2"/>
+            <a:stretch>
+              <a:fillRect/>
+            </a:stretch>
+          </p:blipFill>
+          <p:spPr>
+            <a:xfrm>
+              <a:off x="9812107" y="4844356"/>
+              <a:ext cx="4877623" cy="2025568"/>
+            </a:xfrm>
+            <a:prstGeom prst="rect">
+              <a:avLst/>
+            </a:prstGeom>
+          </p:spPr>
+        </p:pic>
+        <p:sp>
+          <p:nvSpPr>
+            <p:cNvPr id="99" name="文本框 98">
+              <a:extLst>
+                <a:ext uri="{FF2B5EF4-FFF2-40B4-BE49-F238E27FC236}">
+                  <a16:creationId xmlns:a16="http://schemas.microsoft.com/office/drawing/2014/main" id="{BDD257C8-1EC4-4B44-B4B3-483FF6C835F7}"/>
+                </a:ext>
+              </a:extLst>
+            </p:cNvPr>
+            <p:cNvSpPr txBox="1"/>
+            <p:nvPr/>
+          </p:nvSpPr>
+          <p:spPr>
+            <a:xfrm>
+              <a:off x="11134978" y="4492136"/>
+              <a:ext cx="2629298" cy="369332"/>
+            </a:xfrm>
+            <a:prstGeom prst="rect">
+              <a:avLst/>
+            </a:prstGeom>
+            <a:noFill/>
+          </p:spPr>
+          <p:txBody>
+            <a:bodyPr wrap="square">
+              <a:spAutoFit/>
+            </a:bodyPr>
+            <a:lstStyle/>
+            <a:p>
+              <a:r>
+                <a:rPr lang="en-US" altLang="zh-CN" b="1" dirty="0"/>
+                <a:t>Red Blob Games</a:t>
+              </a:r>
+              <a:r>
+                <a:rPr lang="zh-CN" altLang="en-US" b="1" dirty="0"/>
+                <a:t>伪代码</a:t>
+              </a:r>
+              <a:endParaRPr lang="zh-CN" altLang="en-US" dirty="0"/>
+            </a:p>
+          </p:txBody>
+        </p:sp>
+      </p:grpSp>
+      <p:grpSp>
+        <p:nvGrpSpPr>
+          <p:cNvPr id="111" name="组合 110">
+            <a:extLst>
+              <a:ext uri="{FF2B5EF4-FFF2-40B4-BE49-F238E27FC236}">
+                <a16:creationId xmlns:a16="http://schemas.microsoft.com/office/drawing/2014/main" id="{0AFE9B73-627D-41AC-BA75-08C59B5B8305}"/>
+              </a:ext>
+            </a:extLst>
+          </p:cNvPr>
+          <p:cNvGrpSpPr/>
+          <p:nvPr/>
+        </p:nvGrpSpPr>
+        <p:grpSpPr>
+          <a:xfrm>
+            <a:off x="5901037" y="3219061"/>
+            <a:ext cx="2040160" cy="3593410"/>
+            <a:chOff x="5900340" y="3262626"/>
+            <a:chExt cx="2040160" cy="3593410"/>
+          </a:xfrm>
+        </p:grpSpPr>
+        <p:pic>
+          <p:nvPicPr>
+            <p:cNvPr id="90" name="图片 89">
+              <a:extLst>
+                <a:ext uri="{FF2B5EF4-FFF2-40B4-BE49-F238E27FC236}">
+                  <a16:creationId xmlns:a16="http://schemas.microsoft.com/office/drawing/2014/main" id="{3DB2A122-EF16-4F8B-949E-0B26AD953BD0}"/>
+                </a:ext>
+              </a:extLst>
+            </p:cNvPr>
+            <p:cNvPicPr>
+              <a:picLocks noChangeAspect="1"/>
+            </p:cNvPicPr>
+            <p:nvPr/>
+          </p:nvPicPr>
+          <p:blipFill>
+            <a:blip r:embed="rId3"/>
+            <a:stretch>
+              <a:fillRect/>
+            </a:stretch>
+          </p:blipFill>
+          <p:spPr>
+            <a:xfrm>
+              <a:off x="6154507" y="5416036"/>
+              <a:ext cx="1449730" cy="1440000"/>
+            </a:xfrm>
+            <a:prstGeom prst="rect">
+              <a:avLst/>
+            </a:prstGeom>
+          </p:spPr>
+        </p:pic>
+        <p:sp>
+          <p:nvSpPr>
+            <p:cNvPr id="98" name="文本框 97">
+              <a:extLst>
+                <a:ext uri="{FF2B5EF4-FFF2-40B4-BE49-F238E27FC236}">
+                  <a16:creationId xmlns:a16="http://schemas.microsoft.com/office/drawing/2014/main" id="{DA5E30F0-8FF9-4D6B-A151-C9E1B977C554}"/>
+                </a:ext>
+              </a:extLst>
+            </p:cNvPr>
+            <p:cNvSpPr txBox="1"/>
+            <p:nvPr/>
+          </p:nvSpPr>
+          <p:spPr>
+            <a:xfrm>
+              <a:off x="5900340" y="3262626"/>
+              <a:ext cx="2040160" cy="646331"/>
+            </a:xfrm>
+            <a:prstGeom prst="rect">
+              <a:avLst/>
+            </a:prstGeom>
+            <a:noFill/>
+          </p:spPr>
+          <p:txBody>
+            <a:bodyPr wrap="square">
+              <a:spAutoFit/>
+            </a:bodyPr>
+            <a:lstStyle/>
+            <a:p>
+              <a:pPr algn="ctr"/>
+              <a:r>
+                <a:rPr lang="en-US" altLang="zh-CN" b="1" dirty="0"/>
+                <a:t>Red Blob Games</a:t>
+              </a:r>
+              <a:r>
+                <a:rPr lang="zh-CN" altLang="en-US" b="1" dirty="0"/>
+                <a:t>示例</a:t>
+              </a:r>
+              <a:endParaRPr lang="zh-CN" altLang="en-US" dirty="0"/>
+            </a:p>
+          </p:txBody>
+        </p:sp>
+        <p:pic>
+          <p:nvPicPr>
+            <p:cNvPr id="101" name="图片 100">
+              <a:extLst>
+                <a:ext uri="{FF2B5EF4-FFF2-40B4-BE49-F238E27FC236}">
+                  <a16:creationId xmlns:a16="http://schemas.microsoft.com/office/drawing/2014/main" id="{B17ED42B-EF2F-478C-AA8B-2130ADA6A21F}"/>
+                </a:ext>
+              </a:extLst>
+            </p:cNvPr>
+            <p:cNvPicPr>
+              <a:picLocks noChangeAspect="1"/>
+            </p:cNvPicPr>
+            <p:nvPr/>
+          </p:nvPicPr>
+          <p:blipFill>
+            <a:blip r:embed="rId4"/>
+            <a:stretch>
+              <a:fillRect/>
+            </a:stretch>
+          </p:blipFill>
+          <p:spPr>
+            <a:xfrm>
+              <a:off x="6154507" y="3893658"/>
+              <a:ext cx="1481891" cy="1440000"/>
+            </a:xfrm>
+            <a:prstGeom prst="rect">
+              <a:avLst/>
+            </a:prstGeom>
+          </p:spPr>
+        </p:pic>
+      </p:grpSp>
+      <p:grpSp>
+        <p:nvGrpSpPr>
+          <p:cNvPr id="110" name="组合 109">
+            <a:extLst>
+              <a:ext uri="{FF2B5EF4-FFF2-40B4-BE49-F238E27FC236}">
+                <a16:creationId xmlns:a16="http://schemas.microsoft.com/office/drawing/2014/main" id="{C6A11947-B02B-43D6-AB45-4006D14FDBD2}"/>
+              </a:ext>
+            </a:extLst>
+          </p:cNvPr>
+          <p:cNvGrpSpPr/>
+          <p:nvPr/>
+        </p:nvGrpSpPr>
+        <p:grpSpPr>
+          <a:xfrm>
+            <a:off x="7771947" y="3247327"/>
+            <a:ext cx="2040160" cy="3755355"/>
+            <a:chOff x="7771947" y="3247327"/>
+            <a:chExt cx="2040160" cy="3755355"/>
+          </a:xfrm>
+        </p:grpSpPr>
+        <p:pic>
+          <p:nvPicPr>
+            <p:cNvPr id="102" name="图片 101">
+              <a:extLst>
+                <a:ext uri="{FF2B5EF4-FFF2-40B4-BE49-F238E27FC236}">
+                  <a16:creationId xmlns:a16="http://schemas.microsoft.com/office/drawing/2014/main" id="{7D33E2FC-4CBF-4618-97E3-EBDFEE00C5EC}"/>
+                </a:ext>
+              </a:extLst>
+            </p:cNvPr>
+            <p:cNvPicPr>
+              <a:picLocks noChangeAspect="1"/>
+            </p:cNvPicPr>
+            <p:nvPr/>
+          </p:nvPicPr>
+          <p:blipFill>
+            <a:blip r:embed="rId5"/>
+            <a:stretch>
+              <a:fillRect/>
+            </a:stretch>
+          </p:blipFill>
+          <p:spPr>
+            <a:xfrm>
+              <a:off x="8137280" y="3916766"/>
+              <a:ext cx="1391418" cy="3085916"/>
+            </a:xfrm>
+            <a:prstGeom prst="rect">
+              <a:avLst/>
+            </a:prstGeom>
+          </p:spPr>
+        </p:pic>
+        <p:sp>
+          <p:nvSpPr>
+            <p:cNvPr id="103" name="文本框 102">
+              <a:extLst>
+                <a:ext uri="{FF2B5EF4-FFF2-40B4-BE49-F238E27FC236}">
+                  <a16:creationId xmlns:a16="http://schemas.microsoft.com/office/drawing/2014/main" id="{67B32318-5040-49B7-9219-D1B6C6478689}"/>
+                </a:ext>
+              </a:extLst>
+            </p:cNvPr>
+            <p:cNvSpPr txBox="1"/>
+            <p:nvPr/>
+          </p:nvSpPr>
+          <p:spPr>
+            <a:xfrm>
+              <a:off x="7771947" y="3247327"/>
+              <a:ext cx="2040160" cy="369332"/>
+            </a:xfrm>
+            <a:prstGeom prst="rect">
+              <a:avLst/>
+            </a:prstGeom>
+            <a:noFill/>
+          </p:spPr>
+          <p:txBody>
+            <a:bodyPr wrap="square">
+              <a:spAutoFit/>
+            </a:bodyPr>
+            <a:lstStyle/>
+            <a:p>
+              <a:pPr algn="ctr"/>
+              <a:r>
+                <a:rPr lang="zh-CN" altLang="en-US" b="1" dirty="0"/>
+                <a:t>我的调试输出</a:t>
+              </a:r>
+              <a:endParaRPr lang="zh-CN" altLang="en-US" dirty="0"/>
+            </a:p>
+          </p:txBody>
+        </p:sp>
+      </p:grpSp>
+      <p:cxnSp>
+        <p:nvCxnSpPr>
+          <p:cNvPr id="105" name="直接箭头连接符 104">
+            <a:extLst>
+              <a:ext uri="{FF2B5EF4-FFF2-40B4-BE49-F238E27FC236}">
+                <a16:creationId xmlns:a16="http://schemas.microsoft.com/office/drawing/2014/main" id="{DDB78992-C8B7-416B-8658-7D03AF7AF375}"/>
+              </a:ext>
+            </a:extLst>
+          </p:cNvPr>
+          <p:cNvCxnSpPr>
+            <a:endCxn id="103" idx="0"/>
+          </p:cNvCxnSpPr>
+          <p:nvPr/>
+        </p:nvCxnSpPr>
+        <p:spPr>
+          <a:xfrm flipH="1">
+            <a:off x="8792027" y="2068289"/>
+            <a:ext cx="932998" cy="1179038"/>
+          </a:xfrm>
+          <a:prstGeom prst="straightConnector1">
+            <a:avLst/>
+          </a:prstGeom>
+          <a:ln>
+            <a:tailEnd type="triangle"/>
+          </a:ln>
+        </p:spPr>
+        <p:style>
+          <a:lnRef idx="1">
+            <a:schemeClr val="accent1"/>
+          </a:lnRef>
+          <a:fillRef idx="0">
+            <a:schemeClr val="accent1"/>
+          </a:fillRef>
+          <a:effectRef idx="0">
+            <a:schemeClr val="accent1"/>
+          </a:effectRef>
+          <a:fontRef idx="minor">
+            <a:schemeClr val="tx1"/>
+          </a:fontRef>
+        </p:style>
+      </p:cxnSp>
+      <p:cxnSp>
+        <p:nvCxnSpPr>
+          <p:cNvPr id="107" name="直接箭头连接符 106">
+            <a:extLst>
+              <a:ext uri="{FF2B5EF4-FFF2-40B4-BE49-F238E27FC236}">
+                <a16:creationId xmlns:a16="http://schemas.microsoft.com/office/drawing/2014/main" id="{94965CCE-743C-49CE-B62C-438D3BED9943}"/>
+              </a:ext>
+            </a:extLst>
+          </p:cNvPr>
+          <p:cNvCxnSpPr>
+            <a:cxnSpLocks/>
+            <a:endCxn id="99" idx="0"/>
+          </p:cNvCxnSpPr>
+          <p:nvPr/>
+        </p:nvCxnSpPr>
+        <p:spPr>
+          <a:xfrm>
+            <a:off x="10853922" y="1553233"/>
+            <a:ext cx="1508379" cy="3071661"/>
+          </a:xfrm>
+          <a:prstGeom prst="straightConnector1">
+            <a:avLst/>
+          </a:prstGeom>
+          <a:ln>
+            <a:tailEnd type="triangle"/>
+          </a:ln>
+        </p:spPr>
+        <p:style>
+          <a:lnRef idx="1">
+            <a:schemeClr val="accent1"/>
+          </a:lnRef>
+          <a:fillRef idx="0">
+            <a:schemeClr val="accent1"/>
+          </a:fillRef>
+          <a:effectRef idx="0">
+            <a:schemeClr val="accent1"/>
+          </a:effectRef>
+          <a:fontRef idx="minor">
+            <a:schemeClr val="tx1"/>
+          </a:fontRef>
+        </p:style>
+      </p:cxnSp>
+      <p:sp>
+        <p:nvSpPr>
+          <p:cNvPr id="112" name="矩形 111">
+            <a:extLst>
+              <a:ext uri="{FF2B5EF4-FFF2-40B4-BE49-F238E27FC236}">
+                <a16:creationId xmlns:a16="http://schemas.microsoft.com/office/drawing/2014/main" id="{B36177A6-6C84-415E-8D03-8E09034E5A6A}"/>
+              </a:ext>
+            </a:extLst>
+          </p:cNvPr>
+          <p:cNvSpPr/>
+          <p:nvPr/>
+        </p:nvSpPr>
+        <p:spPr>
+          <a:xfrm>
+            <a:off x="2076569" y="1720135"/>
+            <a:ext cx="2092522" cy="2167710"/>
+          </a:xfrm>
+          <a:prstGeom prst="rect">
+            <a:avLst/>
+          </a:prstGeom>
+          <a:noFill/>
+          <a:ln w="38100">
+            <a:solidFill>
+              <a:schemeClr val="accent6">
+                <a:lumMod val="75000"/>
+              </a:schemeClr>
+            </a:solidFill>
+          </a:ln>
+        </p:spPr>
+        <p:style>
+          <a:lnRef idx="2">
+            <a:schemeClr val="accent1">
+              <a:shade val="50000"/>
+            </a:schemeClr>
+          </a:lnRef>
+          <a:fillRef idx="1">
+            <a:schemeClr val="accent1"/>
+          </a:fillRef>
+          <a:effectRef idx="0">
+            <a:schemeClr val="accent1"/>
+          </a:effectRef>
+          <a:fontRef idx="minor">
+            <a:schemeClr val="lt1"/>
+          </a:fontRef>
+        </p:style>
+        <p:txBody>
+          <a:bodyPr rtlCol="0" anchor="ctr"/>
+          <a:lstStyle/>
+          <a:p>
+            <a:pPr algn="ctr"/>
+            <a:endParaRPr lang="zh-CN" altLang="en-US"/>
           </a:p>
         </p:txBody>
       </p:sp>
       <p:sp>
         <p:nvSpPr>
-          <p:cNvPr id="3" name="内容占位符 2">
+          <p:cNvPr id="114" name="矩形 113">
             <a:extLst>
               <a:ext uri="{FF2B5EF4-FFF2-40B4-BE49-F238E27FC236}">
-                <a16:creationId xmlns:a16="http://schemas.microsoft.com/office/drawing/2014/main" id="{4E1531DA-2E36-4922-B815-B25F45327A2B}"/>
+                <a16:creationId xmlns:a16="http://schemas.microsoft.com/office/drawing/2014/main" id="{D7852C78-237B-41D6-9EE6-983446E88B2F}"/>
+              </a:ext>
+            </a:extLst>
+          </p:cNvPr>
+          <p:cNvSpPr/>
+          <p:nvPr/>
+        </p:nvSpPr>
+        <p:spPr>
+          <a:xfrm>
+            <a:off x="6419601" y="5380937"/>
+            <a:ext cx="649306" cy="672636"/>
+          </a:xfrm>
+          <a:prstGeom prst="rect">
+            <a:avLst/>
+          </a:prstGeom>
+          <a:noFill/>
+          <a:ln w="38100">
+            <a:solidFill>
+              <a:schemeClr val="accent6">
+                <a:lumMod val="75000"/>
+              </a:schemeClr>
+            </a:solidFill>
+          </a:ln>
+        </p:spPr>
+        <p:style>
+          <a:lnRef idx="2">
+            <a:schemeClr val="accent1">
+              <a:shade val="50000"/>
+            </a:schemeClr>
+          </a:lnRef>
+          <a:fillRef idx="1">
+            <a:schemeClr val="accent1"/>
+          </a:fillRef>
+          <a:effectRef idx="0">
+            <a:schemeClr val="accent1"/>
+          </a:effectRef>
+          <a:fontRef idx="minor">
+            <a:schemeClr val="lt1"/>
+          </a:fontRef>
+        </p:style>
+        <p:txBody>
+          <a:bodyPr rtlCol="0" anchor="ctr"/>
+          <a:lstStyle/>
+          <a:p>
+            <a:pPr algn="ctr"/>
+            <a:endParaRPr lang="zh-CN" altLang="en-US"/>
+          </a:p>
+        </p:txBody>
+      </p:sp>
+      <p:cxnSp>
+        <p:nvCxnSpPr>
+          <p:cNvPr id="116" name="直接箭头连接符 115">
+            <a:extLst>
+              <a:ext uri="{FF2B5EF4-FFF2-40B4-BE49-F238E27FC236}">
+                <a16:creationId xmlns:a16="http://schemas.microsoft.com/office/drawing/2014/main" id="{EFF5B078-F40A-42CE-ABEB-314DF5EFCFE1}"/>
+              </a:ext>
+            </a:extLst>
+          </p:cNvPr>
+          <p:cNvCxnSpPr>
+            <a:cxnSpLocks/>
+            <a:stCxn id="112" idx="3"/>
+            <a:endCxn id="121" idx="1"/>
+          </p:cNvCxnSpPr>
+          <p:nvPr/>
+        </p:nvCxnSpPr>
+        <p:spPr>
+          <a:xfrm flipH="1">
+            <a:off x="1391971" y="2803990"/>
+            <a:ext cx="2777120" cy="4501933"/>
+          </a:xfrm>
+          <a:prstGeom prst="straightConnector1">
+            <a:avLst/>
+          </a:prstGeom>
+          <a:noFill/>
+          <a:ln w="38100">
+            <a:solidFill>
+              <a:schemeClr val="accent6">
+                <a:lumMod val="75000"/>
+              </a:schemeClr>
+            </a:solidFill>
+          </a:ln>
+        </p:spPr>
+        <p:style>
+          <a:lnRef idx="2">
+            <a:schemeClr val="accent1">
+              <a:shade val="50000"/>
+            </a:schemeClr>
+          </a:lnRef>
+          <a:fillRef idx="1">
+            <a:schemeClr val="accent1"/>
+          </a:fillRef>
+          <a:effectRef idx="0">
+            <a:schemeClr val="accent1"/>
+          </a:effectRef>
+          <a:fontRef idx="minor">
+            <a:schemeClr val="lt1"/>
+          </a:fontRef>
+        </p:style>
+      </p:cxnSp>
+      <p:cxnSp>
+        <p:nvCxnSpPr>
+          <p:cNvPr id="117" name="直接箭头连接符 116">
+            <a:extLst>
+              <a:ext uri="{FF2B5EF4-FFF2-40B4-BE49-F238E27FC236}">
+                <a16:creationId xmlns:a16="http://schemas.microsoft.com/office/drawing/2014/main" id="{8C361912-E577-4FC4-94B3-E4CB8373B9E5}"/>
+              </a:ext>
+            </a:extLst>
+          </p:cNvPr>
+          <p:cNvCxnSpPr>
+            <a:cxnSpLocks/>
+            <a:stCxn id="114" idx="0"/>
+            <a:endCxn id="121" idx="3"/>
+          </p:cNvCxnSpPr>
+          <p:nvPr/>
+        </p:nvCxnSpPr>
+        <p:spPr>
+          <a:xfrm flipH="1">
+            <a:off x="5761555" y="5380937"/>
+            <a:ext cx="982699" cy="1924986"/>
+          </a:xfrm>
+          <a:prstGeom prst="straightConnector1">
+            <a:avLst/>
+          </a:prstGeom>
+          <a:noFill/>
+          <a:ln w="38100">
+            <a:solidFill>
+              <a:schemeClr val="accent6">
+                <a:lumMod val="75000"/>
+              </a:schemeClr>
+            </a:solidFill>
+          </a:ln>
+        </p:spPr>
+        <p:style>
+          <a:lnRef idx="2">
+            <a:schemeClr val="accent1">
+              <a:shade val="50000"/>
+            </a:schemeClr>
+          </a:lnRef>
+          <a:fillRef idx="1">
+            <a:schemeClr val="accent1"/>
+          </a:fillRef>
+          <a:effectRef idx="0">
+            <a:schemeClr val="accent1"/>
+          </a:effectRef>
+          <a:fontRef idx="minor">
+            <a:schemeClr val="lt1"/>
+          </a:fontRef>
+        </p:style>
+      </p:cxnSp>
+      <p:sp>
+        <p:nvSpPr>
+          <p:cNvPr id="121" name="文本框 120">
+            <a:extLst>
+              <a:ext uri="{FF2B5EF4-FFF2-40B4-BE49-F238E27FC236}">
+                <a16:creationId xmlns:a16="http://schemas.microsoft.com/office/drawing/2014/main" id="{CEEA2F36-DB4D-49D6-AD20-4AD58CFA5B08}"/>
+              </a:ext>
+            </a:extLst>
+          </p:cNvPr>
+          <p:cNvSpPr txBox="1"/>
+          <p:nvPr/>
+        </p:nvSpPr>
+        <p:spPr>
+          <a:xfrm>
+            <a:off x="1391971" y="6982757"/>
+            <a:ext cx="4369584" cy="646331"/>
+          </a:xfrm>
+          <a:prstGeom prst="rect">
+            <a:avLst/>
+          </a:prstGeom>
+          <a:noFill/>
+          <a:ln w="19050">
+            <a:solidFill>
+              <a:schemeClr val="accent6">
+                <a:lumMod val="75000"/>
+              </a:schemeClr>
+            </a:solidFill>
+          </a:ln>
+        </p:spPr>
+        <p:txBody>
+          <a:bodyPr wrap="square" rtlCol="0">
+            <a:spAutoFit/>
+          </a:bodyPr>
+          <a:lstStyle/>
+          <a:p>
+            <a:r>
+              <a:rPr lang="zh-CN" altLang="en-US" sz="1200" dirty="0"/>
+              <a:t>这里取值方向稍有差异的原因在于邻居遍历顺序不同，</a:t>
+            </a:r>
+            <a:endParaRPr lang="en-US" altLang="zh-CN" sz="1200"/>
+          </a:p>
+          <a:p>
+            <a:r>
+              <a:rPr lang="zh-CN" altLang="en-US" sz="1200"/>
+              <a:t>（</a:t>
+            </a:r>
+            <a:r>
+              <a:rPr lang="en-US" altLang="zh-CN" sz="1200"/>
+              <a:t>1</a:t>
+            </a:r>
+            <a:r>
+              <a:rPr lang="zh-CN" altLang="en-US" sz="1200"/>
+              <a:t>）</a:t>
+            </a:r>
+            <a:r>
+              <a:rPr lang="zh-CN" altLang="en-US" sz="1200" dirty="0"/>
+              <a:t>我这里，上右下左。</a:t>
+            </a:r>
+            <a:endParaRPr lang="en-US" altLang="zh-CN" sz="1200"/>
+          </a:p>
+          <a:p>
+            <a:r>
+              <a:rPr lang="zh-CN" altLang="en-US" sz="1200"/>
+              <a:t>（</a:t>
+            </a:r>
+            <a:r>
+              <a:rPr lang="en-US" altLang="zh-CN" sz="1200"/>
+              <a:t>2</a:t>
+            </a:r>
+            <a:r>
+              <a:rPr lang="zh-CN" altLang="en-US" sz="1200"/>
+              <a:t>）</a:t>
+            </a:r>
+            <a:r>
+              <a:rPr lang="zh-CN" altLang="en-US" sz="1200" dirty="0"/>
+              <a:t>网站示例中，左在上之前，可能是左上右下。</a:t>
+            </a:r>
+          </a:p>
+        </p:txBody>
+      </p:sp>
+    </p:spTree>
+    <p:extLst>
+      <p:ext uri="{BB962C8B-B14F-4D97-AF65-F5344CB8AC3E}">
+        <p14:creationId xmlns:p14="http://schemas.microsoft.com/office/powerpoint/2010/main" val="1163939520"/>
+      </p:ext>
+    </p:extLst>
+  </p:cSld>
+  <p:clrMapOvr>
+    <a:masterClrMapping/>
+  </p:clrMapOvr>
+</p:sld>
+</file>
+
+<file path=ppt/slides/slide27.xml><?xml version="1.0" encoding="utf-8"?>
+<p:sld xmlns:a="http://schemas.openxmlformats.org/drawingml/2006/main" xmlns:r="http://schemas.openxmlformats.org/officeDocument/2006/relationships" xmlns:p="http://schemas.openxmlformats.org/presentationml/2006/main">
+  <p:cSld>
+    <p:spTree>
+      <p:nvGrpSpPr>
+        <p:cNvPr id="1" name=""/>
+        <p:cNvGrpSpPr/>
+        <p:nvPr/>
+      </p:nvGrpSpPr>
+      <p:grpSpPr>
+        <a:xfrm>
+          <a:off x="0" y="0"/>
+          <a:ext cx="0" cy="0"/>
+          <a:chOff x="0" y="0"/>
+          <a:chExt cx="0" cy="0"/>
+        </a:xfrm>
+      </p:grpSpPr>
+      <p:sp>
+        <p:nvSpPr>
+          <p:cNvPr id="2" name="标题 1">
+            <a:extLst>
+              <a:ext uri="{FF2B5EF4-FFF2-40B4-BE49-F238E27FC236}">
+                <a16:creationId xmlns:a16="http://schemas.microsoft.com/office/drawing/2014/main" id="{C814DE94-7300-4142-8A8F-750BDEFC669C}"/>
               </a:ext>
             </a:extLst>
           </p:cNvPr>
@@ -30646,7 +35379,7 @@
             <a:spLocks noGrp="1"/>
           </p:cNvSpPr>
           <p:nvPr>
-            <p:ph idx="1"/>
+            <p:ph type="title"/>
           </p:nvPr>
         </p:nvSpPr>
         <p:spPr/>
@@ -30654,14 +35387,803 @@
           <a:bodyPr/>
           <a:lstStyle/>
           <a:p>
+            <a:r>
+              <a:rPr lang="zh-CN" altLang="en-US" dirty="0"/>
+              <a:t>可视化结果对比</a:t>
+            </a:r>
+          </a:p>
+        </p:txBody>
+      </p:sp>
+      <p:grpSp>
+        <p:nvGrpSpPr>
+          <p:cNvPr id="21" name="组合 20">
+            <a:extLst>
+              <a:ext uri="{FF2B5EF4-FFF2-40B4-BE49-F238E27FC236}">
+                <a16:creationId xmlns:a16="http://schemas.microsoft.com/office/drawing/2014/main" id="{C0BF3188-11CE-44D0-881B-370F38D0D8BF}"/>
+              </a:ext>
+            </a:extLst>
+          </p:cNvPr>
+          <p:cNvGrpSpPr/>
+          <p:nvPr/>
+        </p:nvGrpSpPr>
+        <p:grpSpPr>
+          <a:xfrm>
+            <a:off x="-95745" y="1248866"/>
+            <a:ext cx="12287745" cy="5096331"/>
+            <a:chOff x="-107911" y="1515566"/>
+            <a:chExt cx="12287745" cy="5096331"/>
+          </a:xfrm>
+        </p:grpSpPr>
+        <p:grpSp>
+          <p:nvGrpSpPr>
+            <p:cNvPr id="19" name="组合 18">
+              <a:extLst>
+                <a:ext uri="{FF2B5EF4-FFF2-40B4-BE49-F238E27FC236}">
+                  <a16:creationId xmlns:a16="http://schemas.microsoft.com/office/drawing/2014/main" id="{29F1D482-C523-40C1-A7D2-C07BEAF096B4}"/>
+                </a:ext>
+              </a:extLst>
+            </p:cNvPr>
+            <p:cNvGrpSpPr/>
+            <p:nvPr/>
+          </p:nvGrpSpPr>
+          <p:grpSpPr>
+            <a:xfrm>
+              <a:off x="1187656" y="1515566"/>
+              <a:ext cx="3594537" cy="5096331"/>
+              <a:chOff x="1035256" y="1515566"/>
+              <a:chExt cx="3594537" cy="5096331"/>
+            </a:xfrm>
+          </p:grpSpPr>
+          <p:pic>
+            <p:nvPicPr>
+              <p:cNvPr id="4" name="图片 3">
+                <a:extLst>
+                  <a:ext uri="{FF2B5EF4-FFF2-40B4-BE49-F238E27FC236}">
+                    <a16:creationId xmlns:a16="http://schemas.microsoft.com/office/drawing/2014/main" id="{5DF3EAA5-D8DF-4FBF-B397-EE4011025F35}"/>
+                  </a:ext>
+                </a:extLst>
+              </p:cNvPr>
+              <p:cNvPicPr>
+                <a:picLocks noChangeAspect="1"/>
+              </p:cNvPicPr>
+              <p:nvPr/>
+            </p:nvPicPr>
+            <p:blipFill>
+              <a:blip r:embed="rId2"/>
+              <a:stretch>
+                <a:fillRect/>
+              </a:stretch>
+            </p:blipFill>
+            <p:spPr>
+              <a:xfrm>
+                <a:off x="1035256" y="3011897"/>
+                <a:ext cx="3594537" cy="3600000"/>
+              </a:xfrm>
+              <a:prstGeom prst="rect">
+                <a:avLst/>
+              </a:prstGeom>
+            </p:spPr>
+          </p:pic>
+          <p:pic>
+            <p:nvPicPr>
+              <p:cNvPr id="7" name="图片 6">
+                <a:extLst>
+                  <a:ext uri="{FF2B5EF4-FFF2-40B4-BE49-F238E27FC236}">
+                    <a16:creationId xmlns:a16="http://schemas.microsoft.com/office/drawing/2014/main" id="{407E3333-E0E4-428D-A632-D94B9A5D9747}"/>
+                  </a:ext>
+                </a:extLst>
+              </p:cNvPr>
+              <p:cNvPicPr>
+                <a:picLocks/>
+              </p:cNvPicPr>
+              <p:nvPr/>
+            </p:nvPicPr>
+            <p:blipFill>
+              <a:blip r:embed="rId3"/>
+              <a:stretch>
+                <a:fillRect/>
+              </a:stretch>
+            </p:blipFill>
+            <p:spPr>
+              <a:xfrm>
+                <a:off x="2585734" y="1525295"/>
+                <a:ext cx="1260000" cy="1260000"/>
+              </a:xfrm>
+              <a:prstGeom prst="rect">
+                <a:avLst/>
+              </a:prstGeom>
+            </p:spPr>
+          </p:pic>
+          <p:pic>
+            <p:nvPicPr>
+              <p:cNvPr id="8" name="图片 7">
+                <a:extLst>
+                  <a:ext uri="{FF2B5EF4-FFF2-40B4-BE49-F238E27FC236}">
+                    <a16:creationId xmlns:a16="http://schemas.microsoft.com/office/drawing/2014/main" id="{E278E38D-1012-45FF-9223-75BA9E34889E}"/>
+                  </a:ext>
+                </a:extLst>
+              </p:cNvPr>
+              <p:cNvPicPr>
+                <a:picLocks/>
+              </p:cNvPicPr>
+              <p:nvPr/>
+            </p:nvPicPr>
+            <p:blipFill>
+              <a:blip r:embed="rId4"/>
+              <a:stretch>
+                <a:fillRect/>
+              </a:stretch>
+            </p:blipFill>
+            <p:spPr>
+              <a:xfrm>
+                <a:off x="1226793" y="1525295"/>
+                <a:ext cx="1260000" cy="1260000"/>
+              </a:xfrm>
+              <a:prstGeom prst="rect">
+                <a:avLst/>
+              </a:prstGeom>
+            </p:spPr>
+          </p:pic>
+          <p:pic>
+            <p:nvPicPr>
+              <p:cNvPr id="13" name="图片 12">
+                <a:extLst>
+                  <a:ext uri="{FF2B5EF4-FFF2-40B4-BE49-F238E27FC236}">
+                    <a16:creationId xmlns:a16="http://schemas.microsoft.com/office/drawing/2014/main" id="{EED33B4F-62D6-433A-9A33-DD7E87871374}"/>
+                  </a:ext>
+                </a:extLst>
+              </p:cNvPr>
+              <p:cNvPicPr>
+                <a:picLocks noChangeAspect="1"/>
+              </p:cNvPicPr>
+              <p:nvPr/>
+            </p:nvPicPr>
+            <p:blipFill>
+              <a:blip r:embed="rId5"/>
+              <a:stretch>
+                <a:fillRect/>
+              </a:stretch>
+            </p:blipFill>
+            <p:spPr>
+              <a:xfrm>
+                <a:off x="3986830" y="1515566"/>
+                <a:ext cx="509832" cy="1325563"/>
+              </a:xfrm>
+              <a:prstGeom prst="rect">
+                <a:avLst/>
+              </a:prstGeom>
+            </p:spPr>
+          </p:pic>
+        </p:grpSp>
+        <p:grpSp>
+          <p:nvGrpSpPr>
+            <p:cNvPr id="18" name="组合 17">
+              <a:extLst>
+                <a:ext uri="{FF2B5EF4-FFF2-40B4-BE49-F238E27FC236}">
+                  <a16:creationId xmlns:a16="http://schemas.microsoft.com/office/drawing/2014/main" id="{A317F106-F82A-44C8-A737-8E2B022A8F15}"/>
+                </a:ext>
+              </a:extLst>
+            </p:cNvPr>
+            <p:cNvGrpSpPr/>
+            <p:nvPr/>
+          </p:nvGrpSpPr>
+          <p:grpSpPr>
+            <a:xfrm>
+              <a:off x="4899177" y="1525295"/>
+              <a:ext cx="3594537" cy="5086602"/>
+              <a:chOff x="4810277" y="1525295"/>
+              <a:chExt cx="3594537" cy="5086602"/>
+            </a:xfrm>
+          </p:grpSpPr>
+          <p:pic>
+            <p:nvPicPr>
+              <p:cNvPr id="5" name="图片 4">
+                <a:extLst>
+                  <a:ext uri="{FF2B5EF4-FFF2-40B4-BE49-F238E27FC236}">
+                    <a16:creationId xmlns:a16="http://schemas.microsoft.com/office/drawing/2014/main" id="{2F1C6C8A-19CB-400A-AA7F-79E8A6805A1A}"/>
+                  </a:ext>
+                </a:extLst>
+              </p:cNvPr>
+              <p:cNvPicPr>
+                <a:picLocks noChangeAspect="1"/>
+              </p:cNvPicPr>
+              <p:nvPr/>
+            </p:nvPicPr>
+            <p:blipFill>
+              <a:blip r:embed="rId6"/>
+              <a:stretch>
+                <a:fillRect/>
+              </a:stretch>
+            </p:blipFill>
+            <p:spPr>
+              <a:xfrm>
+                <a:off x="4810277" y="3011897"/>
+                <a:ext cx="3594537" cy="3600000"/>
+              </a:xfrm>
+              <a:prstGeom prst="rect">
+                <a:avLst/>
+              </a:prstGeom>
+            </p:spPr>
+          </p:pic>
+          <p:pic>
+            <p:nvPicPr>
+              <p:cNvPr id="11" name="图片 10">
+                <a:extLst>
+                  <a:ext uri="{FF2B5EF4-FFF2-40B4-BE49-F238E27FC236}">
+                    <a16:creationId xmlns:a16="http://schemas.microsoft.com/office/drawing/2014/main" id="{852AB432-657E-4833-BAD3-7DFC449D7CDB}"/>
+                  </a:ext>
+                </a:extLst>
+              </p:cNvPr>
+              <p:cNvPicPr>
+                <a:picLocks/>
+              </p:cNvPicPr>
+              <p:nvPr/>
+            </p:nvPicPr>
+            <p:blipFill>
+              <a:blip r:embed="rId7"/>
+              <a:stretch>
+                <a:fillRect/>
+              </a:stretch>
+            </p:blipFill>
+            <p:spPr>
+              <a:xfrm>
+                <a:off x="5026229" y="1525295"/>
+                <a:ext cx="1260000" cy="1260000"/>
+              </a:xfrm>
+              <a:prstGeom prst="rect">
+                <a:avLst/>
+              </a:prstGeom>
+            </p:spPr>
+          </p:pic>
+          <p:pic>
+            <p:nvPicPr>
+              <p:cNvPr id="12" name="图片 11">
+                <a:extLst>
+                  <a:ext uri="{FF2B5EF4-FFF2-40B4-BE49-F238E27FC236}">
+                    <a16:creationId xmlns:a16="http://schemas.microsoft.com/office/drawing/2014/main" id="{59C2715A-CD57-4385-9219-F1D0ADF1A9D1}"/>
+                  </a:ext>
+                </a:extLst>
+              </p:cNvPr>
+              <p:cNvPicPr>
+                <a:picLocks/>
+              </p:cNvPicPr>
+              <p:nvPr/>
+            </p:nvPicPr>
+            <p:blipFill>
+              <a:blip r:embed="rId8"/>
+              <a:stretch>
+                <a:fillRect/>
+              </a:stretch>
+            </p:blipFill>
+            <p:spPr>
+              <a:xfrm>
+                <a:off x="6385170" y="1525295"/>
+                <a:ext cx="1260000" cy="1260000"/>
+              </a:xfrm>
+              <a:prstGeom prst="rect">
+                <a:avLst/>
+              </a:prstGeom>
+            </p:spPr>
+          </p:pic>
+          <p:pic>
+            <p:nvPicPr>
+              <p:cNvPr id="14" name="图片 13">
+                <a:extLst>
+                  <a:ext uri="{FF2B5EF4-FFF2-40B4-BE49-F238E27FC236}">
+                    <a16:creationId xmlns:a16="http://schemas.microsoft.com/office/drawing/2014/main" id="{69AEA70E-93DF-4225-B7AC-3C47787FD182}"/>
+                  </a:ext>
+                </a:extLst>
+              </p:cNvPr>
+              <p:cNvPicPr>
+                <a:picLocks noChangeAspect="1"/>
+              </p:cNvPicPr>
+              <p:nvPr/>
+            </p:nvPicPr>
+            <p:blipFill>
+              <a:blip r:embed="rId9"/>
+              <a:stretch>
+                <a:fillRect/>
+              </a:stretch>
+            </p:blipFill>
+            <p:spPr>
+              <a:xfrm>
+                <a:off x="7733279" y="1550988"/>
+                <a:ext cx="519814" cy="1290141"/>
+              </a:xfrm>
+              <a:prstGeom prst="rect">
+                <a:avLst/>
+              </a:prstGeom>
+            </p:spPr>
+          </p:pic>
+        </p:grpSp>
+        <p:grpSp>
+          <p:nvGrpSpPr>
+            <p:cNvPr id="17" name="组合 16">
+              <a:extLst>
+                <a:ext uri="{FF2B5EF4-FFF2-40B4-BE49-F238E27FC236}">
+                  <a16:creationId xmlns:a16="http://schemas.microsoft.com/office/drawing/2014/main" id="{6E278162-AECE-4592-AC91-CD73DFF0CF1A}"/>
+                </a:ext>
+              </a:extLst>
+            </p:cNvPr>
+            <p:cNvGrpSpPr/>
+            <p:nvPr/>
+          </p:nvGrpSpPr>
+          <p:grpSpPr>
+            <a:xfrm>
+              <a:off x="8585297" y="1515566"/>
+              <a:ext cx="3594537" cy="5096331"/>
+              <a:chOff x="8585297" y="1515566"/>
+              <a:chExt cx="3594537" cy="5096331"/>
+            </a:xfrm>
+          </p:grpSpPr>
+          <p:pic>
+            <p:nvPicPr>
+              <p:cNvPr id="6" name="图片 5">
+                <a:extLst>
+                  <a:ext uri="{FF2B5EF4-FFF2-40B4-BE49-F238E27FC236}">
+                    <a16:creationId xmlns:a16="http://schemas.microsoft.com/office/drawing/2014/main" id="{66D8A217-2B21-491A-A63A-26696AB22A1F}"/>
+                  </a:ext>
+                </a:extLst>
+              </p:cNvPr>
+              <p:cNvPicPr>
+                <a:picLocks noChangeAspect="1"/>
+              </p:cNvPicPr>
+              <p:nvPr/>
+            </p:nvPicPr>
+            <p:blipFill>
+              <a:blip r:embed="rId10"/>
+              <a:stretch>
+                <a:fillRect/>
+              </a:stretch>
+            </p:blipFill>
+            <p:spPr>
+              <a:xfrm>
+                <a:off x="8585297" y="3011897"/>
+                <a:ext cx="3594537" cy="3600000"/>
+              </a:xfrm>
+              <a:prstGeom prst="rect">
+                <a:avLst/>
+              </a:prstGeom>
+            </p:spPr>
+          </p:pic>
+          <p:pic>
+            <p:nvPicPr>
+              <p:cNvPr id="9" name="图片 8">
+                <a:extLst>
+                  <a:ext uri="{FF2B5EF4-FFF2-40B4-BE49-F238E27FC236}">
+                    <a16:creationId xmlns:a16="http://schemas.microsoft.com/office/drawing/2014/main" id="{7C1EAD81-3D8E-4864-BF4B-774B603E7232}"/>
+                  </a:ext>
+                </a:extLst>
+              </p:cNvPr>
+              <p:cNvPicPr>
+                <a:picLocks/>
+              </p:cNvPicPr>
+              <p:nvPr/>
+            </p:nvPicPr>
+            <p:blipFill>
+              <a:blip r:embed="rId11"/>
+              <a:stretch>
+                <a:fillRect/>
+              </a:stretch>
+            </p:blipFill>
+            <p:spPr>
+              <a:xfrm>
+                <a:off x="8825665" y="1525295"/>
+                <a:ext cx="1260000" cy="1260000"/>
+              </a:xfrm>
+              <a:prstGeom prst="rect">
+                <a:avLst/>
+              </a:prstGeom>
+            </p:spPr>
+          </p:pic>
+          <p:pic>
+            <p:nvPicPr>
+              <p:cNvPr id="10" name="图片 9">
+                <a:extLst>
+                  <a:ext uri="{FF2B5EF4-FFF2-40B4-BE49-F238E27FC236}">
+                    <a16:creationId xmlns:a16="http://schemas.microsoft.com/office/drawing/2014/main" id="{1C80F9C5-A206-4D99-8AC8-03D01ECAB989}"/>
+                  </a:ext>
+                </a:extLst>
+              </p:cNvPr>
+              <p:cNvPicPr>
+                <a:picLocks/>
+              </p:cNvPicPr>
+              <p:nvPr/>
+            </p:nvPicPr>
+            <p:blipFill>
+              <a:blip r:embed="rId12"/>
+              <a:stretch>
+                <a:fillRect/>
+              </a:stretch>
+            </p:blipFill>
+            <p:spPr>
+              <a:xfrm>
+                <a:off x="10151532" y="1515566"/>
+                <a:ext cx="1260000" cy="1260000"/>
+              </a:xfrm>
+              <a:prstGeom prst="rect">
+                <a:avLst/>
+              </a:prstGeom>
+            </p:spPr>
+          </p:pic>
+          <p:pic>
+            <p:nvPicPr>
+              <p:cNvPr id="15" name="图片 14">
+                <a:extLst>
+                  <a:ext uri="{FF2B5EF4-FFF2-40B4-BE49-F238E27FC236}">
+                    <a16:creationId xmlns:a16="http://schemas.microsoft.com/office/drawing/2014/main" id="{7453C402-19ED-4E37-BD1B-CD6916D24973}"/>
+                  </a:ext>
+                </a:extLst>
+              </p:cNvPr>
+              <p:cNvPicPr>
+                <a:picLocks noChangeAspect="1"/>
+              </p:cNvPicPr>
+              <p:nvPr/>
+            </p:nvPicPr>
+            <p:blipFill>
+              <a:blip r:embed="rId13"/>
+              <a:stretch>
+                <a:fillRect/>
+              </a:stretch>
+            </p:blipFill>
+            <p:spPr>
+              <a:xfrm>
+                <a:off x="11586165" y="1550987"/>
+                <a:ext cx="547287" cy="1234308"/>
+              </a:xfrm>
+              <a:prstGeom prst="rect">
+                <a:avLst/>
+              </a:prstGeom>
+            </p:spPr>
+          </p:pic>
+        </p:grpSp>
+        <p:sp>
+          <p:nvSpPr>
+            <p:cNvPr id="16" name="文本框 15">
+              <a:extLst>
+                <a:ext uri="{FF2B5EF4-FFF2-40B4-BE49-F238E27FC236}">
+                  <a16:creationId xmlns:a16="http://schemas.microsoft.com/office/drawing/2014/main" id="{903B865D-B3A4-424C-BC77-2B5CAD09FC41}"/>
+                </a:ext>
+              </a:extLst>
+            </p:cNvPr>
+            <p:cNvSpPr txBox="1"/>
+            <p:nvPr/>
+          </p:nvSpPr>
+          <p:spPr>
+            <a:xfrm>
+              <a:off x="-107911" y="1909961"/>
+              <a:ext cx="2121073" cy="646331"/>
+            </a:xfrm>
+            <a:prstGeom prst="rect">
+              <a:avLst/>
+            </a:prstGeom>
+            <a:noFill/>
+          </p:spPr>
+          <p:txBody>
+            <a:bodyPr wrap="square" rtlCol="0">
+              <a:spAutoFit/>
+            </a:bodyPr>
+            <a:lstStyle/>
+            <a:p>
+              <a:r>
+                <a:rPr lang="zh-CN" altLang="en-US" dirty="0"/>
+                <a:t>网站示例</a:t>
+              </a:r>
+              <a:r>
+                <a:rPr lang="en-US" altLang="zh-CN" dirty="0"/>
+                <a:t>/</a:t>
+              </a:r>
+            </a:p>
+            <a:p>
+              <a:r>
+                <a:rPr lang="zh-CN" altLang="en-US" dirty="0"/>
+                <a:t>输出</a:t>
+              </a:r>
+              <a:r>
+                <a:rPr lang="en-US" altLang="zh-CN" dirty="0"/>
+                <a:t>map</a:t>
+              </a:r>
+              <a:r>
+                <a:rPr lang="zh-CN" altLang="en-US" dirty="0"/>
+                <a:t>示例</a:t>
+              </a:r>
+            </a:p>
+          </p:txBody>
+        </p:sp>
+        <p:sp>
+          <p:nvSpPr>
+            <p:cNvPr id="20" name="文本框 19">
+              <a:extLst>
+                <a:ext uri="{FF2B5EF4-FFF2-40B4-BE49-F238E27FC236}">
+                  <a16:creationId xmlns:a16="http://schemas.microsoft.com/office/drawing/2014/main" id="{F953DA6B-B3C2-46E9-9DAB-1167056E69A0}"/>
+                </a:ext>
+              </a:extLst>
+            </p:cNvPr>
+            <p:cNvSpPr txBox="1"/>
+            <p:nvPr/>
+          </p:nvSpPr>
+          <p:spPr>
+            <a:xfrm>
+              <a:off x="-107911" y="4255870"/>
+              <a:ext cx="2121073" cy="369332"/>
+            </a:xfrm>
+            <a:prstGeom prst="rect">
+              <a:avLst/>
+            </a:prstGeom>
+            <a:noFill/>
+          </p:spPr>
+          <p:txBody>
+            <a:bodyPr wrap="square" rtlCol="0">
+              <a:spAutoFit/>
+            </a:bodyPr>
+            <a:lstStyle/>
+            <a:p>
+              <a:r>
+                <a:rPr lang="zh-CN" altLang="en-US" dirty="0"/>
+                <a:t>结果可视化</a:t>
+              </a:r>
+            </a:p>
+          </p:txBody>
+        </p:sp>
+      </p:grpSp>
+      <p:sp>
+        <p:nvSpPr>
+          <p:cNvPr id="22" name="文本框 21">
+            <a:extLst>
+              <a:ext uri="{FF2B5EF4-FFF2-40B4-BE49-F238E27FC236}">
+                <a16:creationId xmlns:a16="http://schemas.microsoft.com/office/drawing/2014/main" id="{0DE2D004-0D02-4C9C-B8F3-D7936A09C4C9}"/>
+              </a:ext>
+            </a:extLst>
+          </p:cNvPr>
+          <p:cNvSpPr txBox="1"/>
+          <p:nvPr/>
+        </p:nvSpPr>
+        <p:spPr>
+          <a:xfrm>
+            <a:off x="2285239" y="6345197"/>
+            <a:ext cx="1309299" cy="369332"/>
+          </a:xfrm>
+          <a:prstGeom prst="rect">
+            <a:avLst/>
+          </a:prstGeom>
+          <a:noFill/>
+        </p:spPr>
+        <p:txBody>
+          <a:bodyPr wrap="square" rtlCol="0">
+            <a:spAutoFit/>
+          </a:bodyPr>
+          <a:lstStyle/>
+          <a:p>
+            <a:r>
+              <a:rPr lang="zh-CN" altLang="en-US" dirty="0"/>
+              <a:t>示例输入</a:t>
+            </a:r>
+          </a:p>
+        </p:txBody>
+      </p:sp>
+      <p:sp>
+        <p:nvSpPr>
+          <p:cNvPr id="23" name="文本框 22">
+            <a:extLst>
+              <a:ext uri="{FF2B5EF4-FFF2-40B4-BE49-F238E27FC236}">
+                <a16:creationId xmlns:a16="http://schemas.microsoft.com/office/drawing/2014/main" id="{501CF682-6BD6-409F-B110-EA52D47147B8}"/>
+              </a:ext>
+            </a:extLst>
+          </p:cNvPr>
+          <p:cNvSpPr txBox="1"/>
+          <p:nvPr/>
+        </p:nvSpPr>
+        <p:spPr>
+          <a:xfrm>
+            <a:off x="5465810" y="6345197"/>
+            <a:ext cx="2454659" cy="369332"/>
+          </a:xfrm>
+          <a:prstGeom prst="rect">
+            <a:avLst/>
+          </a:prstGeom>
+          <a:noFill/>
+        </p:spPr>
+        <p:txBody>
+          <a:bodyPr wrap="square" rtlCol="0">
+            <a:spAutoFit/>
+          </a:bodyPr>
+          <a:lstStyle/>
+          <a:p>
+            <a:r>
+              <a:rPr lang="zh-CN" altLang="en-US" dirty="0"/>
+              <a:t>原本错误现象</a:t>
+            </a:r>
+            <a:r>
+              <a:rPr lang="en-US" altLang="zh-CN" dirty="0"/>
+              <a:t>1</a:t>
+            </a:r>
+            <a:r>
+              <a:rPr lang="zh-CN" altLang="en-US" dirty="0"/>
+              <a:t>，</a:t>
+            </a:r>
+            <a:r>
+              <a:rPr lang="en-US" altLang="zh-CN" dirty="0"/>
+              <a:t>P24</a:t>
+            </a:r>
             <a:endParaRPr lang="zh-CN" altLang="en-US" dirty="0"/>
+          </a:p>
+        </p:txBody>
+      </p:sp>
+      <p:sp>
+        <p:nvSpPr>
+          <p:cNvPr id="24" name="文本框 23">
+            <a:extLst>
+              <a:ext uri="{FF2B5EF4-FFF2-40B4-BE49-F238E27FC236}">
+                <a16:creationId xmlns:a16="http://schemas.microsoft.com/office/drawing/2014/main" id="{54D50034-F759-4ACD-A464-BF513F19ED5D}"/>
+              </a:ext>
+            </a:extLst>
+          </p:cNvPr>
+          <p:cNvSpPr txBox="1"/>
+          <p:nvPr/>
+        </p:nvSpPr>
+        <p:spPr>
+          <a:xfrm>
+            <a:off x="9143672" y="6345197"/>
+            <a:ext cx="2454659" cy="369332"/>
+          </a:xfrm>
+          <a:prstGeom prst="rect">
+            <a:avLst/>
+          </a:prstGeom>
+          <a:noFill/>
+        </p:spPr>
+        <p:txBody>
+          <a:bodyPr wrap="square" rtlCol="0">
+            <a:spAutoFit/>
+          </a:bodyPr>
+          <a:lstStyle/>
+          <a:p>
+            <a:r>
+              <a:rPr lang="zh-CN" altLang="en-US" dirty="0"/>
+              <a:t>原本错误现象</a:t>
+            </a:r>
+            <a:r>
+              <a:rPr lang="en-US" altLang="zh-CN" dirty="0"/>
+              <a:t>2</a:t>
+            </a:r>
+            <a:r>
+              <a:rPr lang="zh-CN" altLang="en-US" dirty="0"/>
+              <a:t> ，</a:t>
+            </a:r>
+            <a:r>
+              <a:rPr lang="en-US" altLang="zh-CN" dirty="0"/>
+              <a:t>P24</a:t>
+            </a:r>
+            <a:endParaRPr lang="zh-CN" altLang="en-US" dirty="0"/>
+          </a:p>
+        </p:txBody>
+      </p:sp>
+      <p:sp>
+        <p:nvSpPr>
+          <p:cNvPr id="25" name="右大括号 24">
+            <a:extLst>
+              <a:ext uri="{FF2B5EF4-FFF2-40B4-BE49-F238E27FC236}">
+                <a16:creationId xmlns:a16="http://schemas.microsoft.com/office/drawing/2014/main" id="{AF9914D2-40EE-41F2-9295-9D914C8C462A}"/>
+              </a:ext>
+            </a:extLst>
+          </p:cNvPr>
+          <p:cNvSpPr/>
+          <p:nvPr/>
+        </p:nvSpPr>
+        <p:spPr>
+          <a:xfrm rot="16200000">
+            <a:off x="8695062" y="-1615119"/>
+            <a:ext cx="519814" cy="4937464"/>
+          </a:xfrm>
+          <a:prstGeom prst="rightBrace">
+            <a:avLst/>
+          </a:prstGeom>
+          <a:ln>
+            <a:solidFill>
+              <a:srgbClr val="FF0000"/>
+            </a:solidFill>
+          </a:ln>
+        </p:spPr>
+        <p:style>
+          <a:lnRef idx="1">
+            <a:schemeClr val="accent1"/>
+          </a:lnRef>
+          <a:fillRef idx="0">
+            <a:schemeClr val="accent1"/>
+          </a:fillRef>
+          <a:effectRef idx="0">
+            <a:schemeClr val="accent1"/>
+          </a:effectRef>
+          <a:fontRef idx="minor">
+            <a:schemeClr val="tx1"/>
+          </a:fontRef>
+        </p:style>
+        <p:txBody>
+          <a:bodyPr rtlCol="0" anchor="ctr"/>
+          <a:lstStyle/>
+          <a:p>
+            <a:pPr algn="ctr"/>
+            <a:endParaRPr lang="zh-CN" altLang="en-US"/>
+          </a:p>
+        </p:txBody>
+      </p:sp>
+      <p:sp>
+        <p:nvSpPr>
+          <p:cNvPr id="26" name="文本框 25">
+            <a:extLst>
+              <a:ext uri="{FF2B5EF4-FFF2-40B4-BE49-F238E27FC236}">
+                <a16:creationId xmlns:a16="http://schemas.microsoft.com/office/drawing/2014/main" id="{87E3886E-82CA-49C8-B5FB-2DD352A70F14}"/>
+              </a:ext>
+            </a:extLst>
+          </p:cNvPr>
+          <p:cNvSpPr txBox="1"/>
+          <p:nvPr/>
+        </p:nvSpPr>
+        <p:spPr>
+          <a:xfrm>
+            <a:off x="6728559" y="365125"/>
+            <a:ext cx="4732386" cy="369332"/>
+          </a:xfrm>
+          <a:prstGeom prst="rect">
+            <a:avLst/>
+          </a:prstGeom>
+          <a:noFill/>
+          <a:ln>
+            <a:noFill/>
+          </a:ln>
+        </p:spPr>
+        <p:txBody>
+          <a:bodyPr wrap="none" rtlCol="0">
+            <a:spAutoFit/>
+          </a:bodyPr>
+          <a:lstStyle/>
+          <a:p>
+            <a:r>
+              <a:rPr lang="zh-CN" altLang="en-US" b="1" dirty="0">
+                <a:solidFill>
+                  <a:srgbClr val="FF0000"/>
+                </a:solidFill>
+              </a:rPr>
+              <a:t>能够解决之前</a:t>
+            </a:r>
+            <a:r>
+              <a:rPr lang="en-US" altLang="zh-CN" b="1" dirty="0">
+                <a:solidFill>
+                  <a:srgbClr val="FF0000"/>
+                </a:solidFill>
+              </a:rPr>
+              <a:t>P24</a:t>
+            </a:r>
+            <a:r>
+              <a:rPr lang="zh-CN" altLang="en-US" b="1" dirty="0">
+                <a:solidFill>
+                  <a:srgbClr val="FF0000"/>
+                </a:solidFill>
+              </a:rPr>
+              <a:t>的穿透问题，往</a:t>
+            </a:r>
+            <a:r>
+              <a:rPr lang="en-US" altLang="zh-CN" b="1" dirty="0">
+                <a:solidFill>
+                  <a:srgbClr val="FF0000"/>
+                </a:solidFill>
+              </a:rPr>
+              <a:t>C++</a:t>
+            </a:r>
+            <a:r>
+              <a:rPr lang="zh-CN" altLang="en-US" b="1" dirty="0">
+                <a:solidFill>
+                  <a:srgbClr val="FF0000"/>
+                </a:solidFill>
+              </a:rPr>
+              <a:t>移植吧</a:t>
+            </a:r>
           </a:p>
         </p:txBody>
       </p:sp>
     </p:spTree>
     <p:extLst>
       <p:ext uri="{BB962C8B-B14F-4D97-AF65-F5344CB8AC3E}">
-        <p14:creationId xmlns:p14="http://schemas.microsoft.com/office/powerpoint/2010/main" val="1163939520"/>
+        <p14:creationId xmlns:p14="http://schemas.microsoft.com/office/powerpoint/2010/main" val="86149978"/>
       </p:ext>
     </p:extLst>
   </p:cSld>
@@ -30768,7 +36290,7 @@
           <a:graphicData uri="http://schemas.openxmlformats.org/presentationml/2006/ole">
             <mc:AlternateContent xmlns:mc="http://schemas.openxmlformats.org/markup-compatibility/2006">
               <mc:Choice xmlns:v="urn:schemas-microsoft-com:vml" Requires="v">
-                <p:oleObj spid="_x0000_s2167" name="Equation" r:id="rId4" imgW="104546400" imgH="9448800" progId="Equation.DSMT4">
+                <p:oleObj spid="_x0000_s2315" name="Equation" r:id="rId4" imgW="104546400" imgH="9448800" progId="Equation.DSMT4">
                   <p:embed/>
                 </p:oleObj>
               </mc:Choice>
@@ -30825,7 +36347,7 @@
           <a:graphicData uri="http://schemas.openxmlformats.org/presentationml/2006/ole">
             <mc:AlternateContent xmlns:mc="http://schemas.openxmlformats.org/markup-compatibility/2006">
               <mc:Choice xmlns:v="urn:schemas-microsoft-com:vml" Requires="v">
-                <p:oleObj spid="_x0000_s2168" name="Equation" r:id="rId6" imgW="3403440" imgH="787320" progId="Equation.DSMT4">
+                <p:oleObj spid="_x0000_s2316" name="Equation" r:id="rId6" imgW="3403440" imgH="787320" progId="Equation.DSMT4">
                   <p:embed/>
                 </p:oleObj>
               </mc:Choice>
@@ -32570,7 +38092,7 @@
             <a:graphicData uri="http://schemas.openxmlformats.org/presentationml/2006/ole">
               <mc:AlternateContent xmlns:mc="http://schemas.openxmlformats.org/markup-compatibility/2006">
                 <mc:Choice xmlns:v="urn:schemas-microsoft-com:vml" Requires="v">
-                  <p:oleObj spid="_x0000_s2169" name="Equation" r:id="rId8" imgW="8839200" imgH="5181600" progId="Equation.DSMT4">
+                  <p:oleObj spid="_x0000_s2317" name="Equation" r:id="rId8" imgW="8839200" imgH="5181600" progId="Equation.DSMT4">
                     <p:embed/>
                   </p:oleObj>
                 </mc:Choice>
@@ -33505,7 +39027,7 @@
           <a:graphicData uri="http://schemas.openxmlformats.org/presentationml/2006/ole">
             <mc:AlternateContent xmlns:mc="http://schemas.openxmlformats.org/markup-compatibility/2006">
               <mc:Choice xmlns:v="urn:schemas-microsoft-com:vml" Requires="v">
-                <p:oleObj spid="_x0000_s2170" name="Equation" r:id="rId11" imgW="2108160" imgH="164880" progId="Equation.DSMT4">
+                <p:oleObj spid="_x0000_s2318" name="Equation" r:id="rId11" imgW="2108160" imgH="164880" progId="Equation.DSMT4">
                   <p:embed/>
                 </p:oleObj>
               </mc:Choice>

--- a/huawei/日志记录.pptx
+++ b/huawei/日志记录.pptx
@@ -5,7 +5,7 @@
     <p:sldMasterId id="2147483648" r:id="rId1"/>
   </p:sldMasterIdLst>
   <p:notesMasterIdLst>
-    <p:notesMasterId r:id="rId29"/>
+    <p:notesMasterId r:id="rId30"/>
   </p:notesMasterIdLst>
   <p:sldIdLst>
     <p:sldId id="256" r:id="rId2"/>
@@ -35,11 +35,12 @@
     <p:sldId id="280" r:id="rId26"/>
     <p:sldId id="275" r:id="rId27"/>
     <p:sldId id="284" r:id="rId28"/>
+    <p:sldId id="285" r:id="rId29"/>
   </p:sldIdLst>
   <p:sldSz cx="12192000" cy="6858000"/>
   <p:notesSz cx="6858000" cy="9144000"/>
   <p:custDataLst>
-    <p:tags r:id="rId30"/>
+    <p:tags r:id="rId31"/>
   </p:custDataLst>
   <p:defaultTextStyle>
     <a:defPPr>
@@ -226,7 +227,7 @@
           <a:p>
             <a:fld id="{07A1DCD4-BB14-438E-8CE0-FC12E2A73F1B}" type="datetimeFigureOut">
               <a:rPr lang="zh-CN" altLang="en-US" smtClean="0"/>
-              <a:t>2023/12/24</a:t>
+              <a:t>2023/12/25</a:t>
             </a:fld>
             <a:endParaRPr lang="zh-CN" altLang="en-US"/>
           </a:p>
@@ -1087,7 +1088,7 @@
           <a:p>
             <a:fld id="{0CCCBCAA-DE24-4869-907B-21FA432ED4EA}" type="datetimeFigureOut">
               <a:rPr lang="zh-CN" altLang="en-US" smtClean="0"/>
-              <a:t>2023/12/24</a:t>
+              <a:t>2023/12/25</a:t>
             </a:fld>
             <a:endParaRPr lang="zh-CN" altLang="en-US"/>
           </a:p>
@@ -1250,7 +1251,7 @@
           <a:p>
             <a:fld id="{0CCCBCAA-DE24-4869-907B-21FA432ED4EA}" type="datetimeFigureOut">
               <a:rPr lang="zh-CN" altLang="en-US" smtClean="0"/>
-              <a:t>2023/12/24</a:t>
+              <a:t>2023/12/25</a:t>
             </a:fld>
             <a:endParaRPr lang="zh-CN" altLang="en-US"/>
           </a:p>
@@ -1423,7 +1424,7 @@
           <a:p>
             <a:fld id="{0CCCBCAA-DE24-4869-907B-21FA432ED4EA}" type="datetimeFigureOut">
               <a:rPr lang="zh-CN" altLang="en-US" smtClean="0"/>
-              <a:t>2023/12/24</a:t>
+              <a:t>2023/12/25</a:t>
             </a:fld>
             <a:endParaRPr lang="zh-CN" altLang="en-US"/>
           </a:p>
@@ -1586,7 +1587,7 @@
           <a:p>
             <a:fld id="{0CCCBCAA-DE24-4869-907B-21FA432ED4EA}" type="datetimeFigureOut">
               <a:rPr lang="zh-CN" altLang="en-US" smtClean="0"/>
-              <a:t>2023/12/24</a:t>
+              <a:t>2023/12/25</a:t>
             </a:fld>
             <a:endParaRPr lang="zh-CN" altLang="en-US"/>
           </a:p>
@@ -1826,7 +1827,7 @@
           <a:p>
             <a:fld id="{0CCCBCAA-DE24-4869-907B-21FA432ED4EA}" type="datetimeFigureOut">
               <a:rPr lang="zh-CN" altLang="en-US" smtClean="0"/>
-              <a:t>2023/12/24</a:t>
+              <a:t>2023/12/25</a:t>
             </a:fld>
             <a:endParaRPr lang="zh-CN" altLang="en-US"/>
           </a:p>
@@ -2050,7 +2051,7 @@
           <a:p>
             <a:fld id="{0CCCBCAA-DE24-4869-907B-21FA432ED4EA}" type="datetimeFigureOut">
               <a:rPr lang="zh-CN" altLang="en-US" smtClean="0"/>
-              <a:t>2023/12/24</a:t>
+              <a:t>2023/12/25</a:t>
             </a:fld>
             <a:endParaRPr lang="zh-CN" altLang="en-US"/>
           </a:p>
@@ -2409,7 +2410,7 @@
           <a:p>
             <a:fld id="{0CCCBCAA-DE24-4869-907B-21FA432ED4EA}" type="datetimeFigureOut">
               <a:rPr lang="zh-CN" altLang="en-US" smtClean="0"/>
-              <a:t>2023/12/24</a:t>
+              <a:t>2023/12/25</a:t>
             </a:fld>
             <a:endParaRPr lang="zh-CN" altLang="en-US"/>
           </a:p>
@@ -2521,7 +2522,7 @@
           <a:p>
             <a:fld id="{0CCCBCAA-DE24-4869-907B-21FA432ED4EA}" type="datetimeFigureOut">
               <a:rPr lang="zh-CN" altLang="en-US" smtClean="0"/>
-              <a:t>2023/12/24</a:t>
+              <a:t>2023/12/25</a:t>
             </a:fld>
             <a:endParaRPr lang="zh-CN" altLang="en-US"/>
           </a:p>
@@ -2611,7 +2612,7 @@
           <a:p>
             <a:fld id="{0CCCBCAA-DE24-4869-907B-21FA432ED4EA}" type="datetimeFigureOut">
               <a:rPr lang="zh-CN" altLang="en-US" smtClean="0"/>
-              <a:t>2023/12/24</a:t>
+              <a:t>2023/12/25</a:t>
             </a:fld>
             <a:endParaRPr lang="zh-CN" altLang="en-US"/>
           </a:p>
@@ -2881,7 +2882,7 @@
           <a:p>
             <a:fld id="{0CCCBCAA-DE24-4869-907B-21FA432ED4EA}" type="datetimeFigureOut">
               <a:rPr lang="zh-CN" altLang="en-US" smtClean="0"/>
-              <a:t>2023/12/24</a:t>
+              <a:t>2023/12/25</a:t>
             </a:fld>
             <a:endParaRPr lang="zh-CN" altLang="en-US"/>
           </a:p>
@@ -3128,7 +3129,7 @@
           <a:p>
             <a:fld id="{0CCCBCAA-DE24-4869-907B-21FA432ED4EA}" type="datetimeFigureOut">
               <a:rPr lang="zh-CN" altLang="en-US" smtClean="0"/>
-              <a:t>2023/12/24</a:t>
+              <a:t>2023/12/25</a:t>
             </a:fld>
             <a:endParaRPr lang="zh-CN" altLang="en-US"/>
           </a:p>
@@ -3334,7 +3335,7 @@
           <a:p>
             <a:fld id="{0CCCBCAA-DE24-4869-907B-21FA432ED4EA}" type="datetimeFigureOut">
               <a:rPr lang="zh-CN" altLang="en-US" smtClean="0"/>
-              <a:t>2023/12/24</a:t>
+              <a:t>2023/12/25</a:t>
             </a:fld>
             <a:endParaRPr lang="zh-CN" altLang="en-US"/>
           </a:p>
@@ -36121,7 +36122,7 @@
         <p:spPr>
           <a:xfrm>
             <a:off x="6728559" y="365125"/>
-            <a:ext cx="4732386" cy="369332"/>
+            <a:ext cx="7503977" cy="369332"/>
           </a:xfrm>
           <a:prstGeom prst="rect">
             <a:avLst/>
@@ -36175,8 +36176,100 @@
                   <a:srgbClr val="FF0000"/>
                 </a:solidFill>
               </a:rPr>
-              <a:t>移植吧</a:t>
-            </a:r>
+              <a:t>移植吧！太恶心了，不灵活的</a:t>
+            </a:r>
+            <a:r>
+              <a:rPr lang="en-US" altLang="zh-CN" b="1" dirty="0">
+                <a:solidFill>
+                  <a:srgbClr val="FF0000"/>
+                </a:solidFill>
+              </a:rPr>
+              <a:t>C++</a:t>
+            </a:r>
+            <a:endParaRPr lang="zh-CN" altLang="en-US" b="1" dirty="0">
+              <a:solidFill>
+                <a:srgbClr val="FF0000"/>
+              </a:solidFill>
+            </a:endParaRPr>
+          </a:p>
+        </p:txBody>
+      </p:sp>
+      <p:sp>
+        <p:nvSpPr>
+          <p:cNvPr id="27" name="文本框 26">
+            <a:extLst>
+              <a:ext uri="{FF2B5EF4-FFF2-40B4-BE49-F238E27FC236}">
+                <a16:creationId xmlns:a16="http://schemas.microsoft.com/office/drawing/2014/main" id="{CBABD2E0-EAC6-4FC3-A3FC-134602BC2309}"/>
+              </a:ext>
+            </a:extLst>
+          </p:cNvPr>
+          <p:cNvSpPr txBox="1"/>
+          <p:nvPr/>
+        </p:nvSpPr>
+        <p:spPr>
+          <a:xfrm>
+            <a:off x="4858921" y="6752472"/>
+            <a:ext cx="3449943" cy="646331"/>
+          </a:xfrm>
+          <a:prstGeom prst="rect">
+            <a:avLst/>
+          </a:prstGeom>
+          <a:noFill/>
+          <a:ln>
+            <a:noFill/>
+          </a:ln>
+        </p:spPr>
+        <p:txBody>
+          <a:bodyPr wrap="square" rtlCol="0">
+            <a:spAutoFit/>
+          </a:bodyPr>
+          <a:lstStyle/>
+          <a:p>
+            <a:r>
+              <a:rPr lang="zh-CN" altLang="en-US" b="1" dirty="0">
+                <a:solidFill>
+                  <a:srgbClr val="FF0000"/>
+                </a:solidFill>
+              </a:rPr>
+              <a:t>这个用例暂时通过不了，</a:t>
+            </a:r>
+            <a:r>
+              <a:rPr lang="en-US" altLang="zh-CN" b="1" dirty="0">
+                <a:solidFill>
+                  <a:srgbClr val="FF0000"/>
+                </a:solidFill>
+              </a:rPr>
+              <a:t>C3</a:t>
+            </a:r>
+            <a:r>
+              <a:rPr lang="zh-CN" altLang="en-US" b="1" dirty="0">
+                <a:solidFill>
+                  <a:srgbClr val="FF0000"/>
+                </a:solidFill>
+              </a:rPr>
+              <a:t>附近的单元格</a:t>
+            </a:r>
+            <a:r>
+              <a:rPr lang="en-US" altLang="zh-CN" b="1" dirty="0" err="1">
+                <a:solidFill>
+                  <a:srgbClr val="FF0000"/>
+                </a:solidFill>
+              </a:rPr>
+              <a:t>node_type</a:t>
+            </a:r>
+            <a:r>
+              <a:rPr lang="en-US" altLang="zh-CN" b="1" dirty="0">
+                <a:solidFill>
+                  <a:srgbClr val="FF0000"/>
+                </a:solidFill>
+              </a:rPr>
+              <a:t>=Provider</a:t>
+            </a:r>
+            <a:endParaRPr lang="zh-CN" altLang="en-US" b="1" dirty="0">
+              <a:solidFill>
+                <a:srgbClr val="FF0000"/>
+              </a:solidFill>
+            </a:endParaRPr>
           </a:p>
         </p:txBody>
       </p:sp>
@@ -36184,6 +36277,93 @@
     <p:extLst>
       <p:ext uri="{BB962C8B-B14F-4D97-AF65-F5344CB8AC3E}">
         <p14:creationId xmlns:p14="http://schemas.microsoft.com/office/powerpoint/2010/main" val="86149978"/>
+      </p:ext>
+    </p:extLst>
+  </p:cSld>
+  <p:clrMapOvr>
+    <a:masterClrMapping/>
+  </p:clrMapOvr>
+</p:sld>
+</file>
+
+<file path=ppt/slides/slide28.xml><?xml version="1.0" encoding="utf-8"?>
+<p:sld xmlns:a="http://schemas.openxmlformats.org/drawingml/2006/main" xmlns:r="http://schemas.openxmlformats.org/officeDocument/2006/relationships" xmlns:p="http://schemas.openxmlformats.org/presentationml/2006/main">
+  <p:cSld>
+    <p:spTree>
+      <p:nvGrpSpPr>
+        <p:cNvPr id="1" name=""/>
+        <p:cNvGrpSpPr/>
+        <p:nvPr/>
+      </p:nvGrpSpPr>
+      <p:grpSpPr>
+        <a:xfrm>
+          <a:off x="0" y="0"/>
+          <a:ext cx="0" cy="0"/>
+          <a:chOff x="0" y="0"/>
+          <a:chExt cx="0" cy="0"/>
+        </a:xfrm>
+      </p:grpSpPr>
+      <p:sp>
+        <p:nvSpPr>
+          <p:cNvPr id="2" name="标题 1">
+            <a:extLst>
+              <a:ext uri="{FF2B5EF4-FFF2-40B4-BE49-F238E27FC236}">
+                <a16:creationId xmlns:a16="http://schemas.microsoft.com/office/drawing/2014/main" id="{519CA919-8B4C-403B-ACD2-A56E699A9377}"/>
+              </a:ext>
+            </a:extLst>
+          </p:cNvPr>
+          <p:cNvSpPr>
+            <a:spLocks noGrp="1"/>
+          </p:cNvSpPr>
+          <p:nvPr>
+            <p:ph type="title"/>
+          </p:nvPr>
+        </p:nvSpPr>
+        <p:spPr/>
+        <p:txBody>
+          <a:bodyPr/>
+          <a:lstStyle/>
+          <a:p>
+            <a:r>
+              <a:rPr lang="en-US" altLang="zh-CN" dirty="0"/>
+              <a:t>C++</a:t>
+            </a:r>
+            <a:r>
+              <a:rPr lang="zh-CN" altLang="en-US" dirty="0"/>
+              <a:t>版本</a:t>
+            </a:r>
+          </a:p>
+        </p:txBody>
+      </p:sp>
+      <p:sp>
+        <p:nvSpPr>
+          <p:cNvPr id="3" name="内容占位符 2">
+            <a:extLst>
+              <a:ext uri="{FF2B5EF4-FFF2-40B4-BE49-F238E27FC236}">
+                <a16:creationId xmlns:a16="http://schemas.microsoft.com/office/drawing/2014/main" id="{50DBF20E-EE2E-416E-9B01-EC6D7A2982C3}"/>
+              </a:ext>
+            </a:extLst>
+          </p:cNvPr>
+          <p:cNvSpPr>
+            <a:spLocks noGrp="1"/>
+          </p:cNvSpPr>
+          <p:nvPr>
+            <p:ph idx="1"/>
+          </p:nvPr>
+        </p:nvSpPr>
+        <p:spPr/>
+        <p:txBody>
+          <a:bodyPr/>
+          <a:lstStyle/>
+          <a:p>
+            <a:endParaRPr lang="zh-CN" altLang="en-US"/>
+          </a:p>
+        </p:txBody>
+      </p:sp>
+    </p:spTree>
+    <p:extLst>
+      <p:ext uri="{BB962C8B-B14F-4D97-AF65-F5344CB8AC3E}">
+        <p14:creationId xmlns:p14="http://schemas.microsoft.com/office/powerpoint/2010/main" val="2813888621"/>
       </p:ext>
     </p:extLst>
   </p:cSld>
@@ -36290,7 +36470,7 @@
           <a:graphicData uri="http://schemas.openxmlformats.org/presentationml/2006/ole">
             <mc:AlternateContent xmlns:mc="http://schemas.openxmlformats.org/markup-compatibility/2006">
               <mc:Choice xmlns:v="urn:schemas-microsoft-com:vml" Requires="v">
-                <p:oleObj spid="_x0000_s2315" name="Equation" r:id="rId4" imgW="104546400" imgH="9448800" progId="Equation.DSMT4">
+                <p:oleObj spid="_x0000_s2343" name="Equation" r:id="rId4" imgW="104546400" imgH="9448800" progId="Equation.DSMT4">
                   <p:embed/>
                 </p:oleObj>
               </mc:Choice>
@@ -36347,7 +36527,7 @@
           <a:graphicData uri="http://schemas.openxmlformats.org/presentationml/2006/ole">
             <mc:AlternateContent xmlns:mc="http://schemas.openxmlformats.org/markup-compatibility/2006">
               <mc:Choice xmlns:v="urn:schemas-microsoft-com:vml" Requires="v">
-                <p:oleObj spid="_x0000_s2316" name="Equation" r:id="rId6" imgW="3403440" imgH="787320" progId="Equation.DSMT4">
+                <p:oleObj spid="_x0000_s2344" name="Equation" r:id="rId6" imgW="3403440" imgH="787320" progId="Equation.DSMT4">
                   <p:embed/>
                 </p:oleObj>
               </mc:Choice>
@@ -38092,7 +38272,7 @@
             <a:graphicData uri="http://schemas.openxmlformats.org/presentationml/2006/ole">
               <mc:AlternateContent xmlns:mc="http://schemas.openxmlformats.org/markup-compatibility/2006">
                 <mc:Choice xmlns:v="urn:schemas-microsoft-com:vml" Requires="v">
-                  <p:oleObj spid="_x0000_s2317" name="Equation" r:id="rId8" imgW="8839200" imgH="5181600" progId="Equation.DSMT4">
+                  <p:oleObj spid="_x0000_s2345" name="Equation" r:id="rId8" imgW="8839200" imgH="5181600" progId="Equation.DSMT4">
                     <p:embed/>
                   </p:oleObj>
                 </mc:Choice>
@@ -39027,7 +39207,7 @@
           <a:graphicData uri="http://schemas.openxmlformats.org/presentationml/2006/ole">
             <mc:AlternateContent xmlns:mc="http://schemas.openxmlformats.org/markup-compatibility/2006">
               <mc:Choice xmlns:v="urn:schemas-microsoft-com:vml" Requires="v">
-                <p:oleObj spid="_x0000_s2318" name="Equation" r:id="rId11" imgW="2108160" imgH="164880" progId="Equation.DSMT4">
+                <p:oleObj spid="_x0000_s2346" name="Equation" r:id="rId11" imgW="2108160" imgH="164880" progId="Equation.DSMT4">
                   <p:embed/>
                 </p:oleObj>
               </mc:Choice>

--- a/huawei/日志记录.pptx
+++ b/huawei/日志记录.pptx
@@ -5,7 +5,7 @@
     <p:sldMasterId id="2147483648" r:id="rId1"/>
   </p:sldMasterIdLst>
   <p:notesMasterIdLst>
-    <p:notesMasterId r:id="rId30"/>
+    <p:notesMasterId r:id="rId33"/>
   </p:notesMasterIdLst>
   <p:sldIdLst>
     <p:sldId id="256" r:id="rId2"/>
@@ -36,11 +36,14 @@
     <p:sldId id="275" r:id="rId27"/>
     <p:sldId id="284" r:id="rId28"/>
     <p:sldId id="285" r:id="rId29"/>
+    <p:sldId id="287" r:id="rId30"/>
+    <p:sldId id="286" r:id="rId31"/>
+    <p:sldId id="288" r:id="rId32"/>
   </p:sldIdLst>
   <p:sldSz cx="12192000" cy="6858000"/>
   <p:notesSz cx="6858000" cy="9144000"/>
   <p:custDataLst>
-    <p:tags r:id="rId31"/>
+    <p:tags r:id="rId34"/>
   </p:custDataLst>
   <p:defaultTextStyle>
     <a:defPPr>
@@ -227,7 +230,7 @@
           <a:p>
             <a:fld id="{07A1DCD4-BB14-438E-8CE0-FC12E2A73F1B}" type="datetimeFigureOut">
               <a:rPr lang="zh-CN" altLang="en-US" smtClean="0"/>
-              <a:t>2023/12/25</a:t>
+              <a:t>2023/12/29</a:t>
             </a:fld>
             <a:endParaRPr lang="zh-CN" altLang="en-US"/>
           </a:p>
@@ -959,6 +962,90 @@
 </p:notes>
 </file>
 
+<file path=ppt/notesSlides/notesSlide6.xml><?xml version="1.0" encoding="utf-8"?>
+<p:notes xmlns:a="http://schemas.openxmlformats.org/drawingml/2006/main" xmlns:r="http://schemas.openxmlformats.org/officeDocument/2006/relationships" xmlns:p="http://schemas.openxmlformats.org/presentationml/2006/main">
+  <p:cSld>
+    <p:spTree>
+      <p:nvGrpSpPr>
+        <p:cNvPr id="1" name=""/>
+        <p:cNvGrpSpPr/>
+        <p:nvPr/>
+      </p:nvGrpSpPr>
+      <p:grpSpPr>
+        <a:xfrm>
+          <a:off x="0" y="0"/>
+          <a:ext cx="0" cy="0"/>
+          <a:chOff x="0" y="0"/>
+          <a:chExt cx="0" cy="0"/>
+        </a:xfrm>
+      </p:grpSpPr>
+      <p:sp>
+        <p:nvSpPr>
+          <p:cNvPr id="2" name="幻灯片图像占位符 1"/>
+          <p:cNvSpPr>
+            <a:spLocks noGrp="1" noRot="1" noChangeAspect="1"/>
+          </p:cNvSpPr>
+          <p:nvPr>
+            <p:ph type="sldImg"/>
+          </p:nvPr>
+        </p:nvSpPr>
+        <p:spPr/>
+      </p:sp>
+      <p:sp>
+        <p:nvSpPr>
+          <p:cNvPr id="3" name="备注占位符 2"/>
+          <p:cNvSpPr>
+            <a:spLocks noGrp="1"/>
+          </p:cNvSpPr>
+          <p:nvPr>
+            <p:ph type="body" idx="1"/>
+          </p:nvPr>
+        </p:nvSpPr>
+        <p:spPr/>
+        <p:txBody>
+          <a:bodyPr/>
+          <a:lstStyle/>
+          <a:p>
+            <a:endParaRPr lang="zh-CN" altLang="en-US" dirty="0"/>
+          </a:p>
+        </p:txBody>
+      </p:sp>
+      <p:sp>
+        <p:nvSpPr>
+          <p:cNvPr id="4" name="灯片编号占位符 3"/>
+          <p:cNvSpPr>
+            <a:spLocks noGrp="1"/>
+          </p:cNvSpPr>
+          <p:nvPr>
+            <p:ph type="sldNum" sz="quarter" idx="5"/>
+          </p:nvPr>
+        </p:nvSpPr>
+        <p:spPr/>
+        <p:txBody>
+          <a:bodyPr/>
+          <a:lstStyle/>
+          <a:p>
+            <a:fld id="{F229329F-0271-46D7-A5B8-63D7D7F0093C}" type="slidenum">
+              <a:rPr lang="zh-CN" altLang="en-US" smtClean="0"/>
+              <a:t>27</a:t>
+            </a:fld>
+            <a:endParaRPr lang="zh-CN" altLang="en-US"/>
+          </a:p>
+        </p:txBody>
+      </p:sp>
+    </p:spTree>
+    <p:extLst>
+      <p:ext uri="{BB962C8B-B14F-4D97-AF65-F5344CB8AC3E}">
+        <p14:creationId xmlns:p14="http://schemas.microsoft.com/office/powerpoint/2010/main" val="3258294386"/>
+      </p:ext>
+    </p:extLst>
+  </p:cSld>
+  <p:clrMapOvr>
+    <a:masterClrMapping/>
+  </p:clrMapOvr>
+</p:notes>
+</file>
+
 <file path=ppt/slideLayouts/slideLayout1.xml><?xml version="1.0" encoding="utf-8"?>
 <p:sldLayout xmlns:a="http://schemas.openxmlformats.org/drawingml/2006/main" xmlns:r="http://schemas.openxmlformats.org/officeDocument/2006/relationships" xmlns:p="http://schemas.openxmlformats.org/presentationml/2006/main" type="title" preserve="1">
   <p:cSld name="标题幻灯片">
@@ -1088,7 +1175,7 @@
           <a:p>
             <a:fld id="{0CCCBCAA-DE24-4869-907B-21FA432ED4EA}" type="datetimeFigureOut">
               <a:rPr lang="zh-CN" altLang="en-US" smtClean="0"/>
-              <a:t>2023/12/25</a:t>
+              <a:t>2023/12/29</a:t>
             </a:fld>
             <a:endParaRPr lang="zh-CN" altLang="en-US"/>
           </a:p>
@@ -1251,7 +1338,7 @@
           <a:p>
             <a:fld id="{0CCCBCAA-DE24-4869-907B-21FA432ED4EA}" type="datetimeFigureOut">
               <a:rPr lang="zh-CN" altLang="en-US" smtClean="0"/>
-              <a:t>2023/12/25</a:t>
+              <a:t>2023/12/29</a:t>
             </a:fld>
             <a:endParaRPr lang="zh-CN" altLang="en-US"/>
           </a:p>
@@ -1424,7 +1511,7 @@
           <a:p>
             <a:fld id="{0CCCBCAA-DE24-4869-907B-21FA432ED4EA}" type="datetimeFigureOut">
               <a:rPr lang="zh-CN" altLang="en-US" smtClean="0"/>
-              <a:t>2023/12/25</a:t>
+              <a:t>2023/12/29</a:t>
             </a:fld>
             <a:endParaRPr lang="zh-CN" altLang="en-US"/>
           </a:p>
@@ -1587,7 +1674,7 @@
           <a:p>
             <a:fld id="{0CCCBCAA-DE24-4869-907B-21FA432ED4EA}" type="datetimeFigureOut">
               <a:rPr lang="zh-CN" altLang="en-US" smtClean="0"/>
-              <a:t>2023/12/25</a:t>
+              <a:t>2023/12/29</a:t>
             </a:fld>
             <a:endParaRPr lang="zh-CN" altLang="en-US"/>
           </a:p>
@@ -1827,7 +1914,7 @@
           <a:p>
             <a:fld id="{0CCCBCAA-DE24-4869-907B-21FA432ED4EA}" type="datetimeFigureOut">
               <a:rPr lang="zh-CN" altLang="en-US" smtClean="0"/>
-              <a:t>2023/12/25</a:t>
+              <a:t>2023/12/29</a:t>
             </a:fld>
             <a:endParaRPr lang="zh-CN" altLang="en-US"/>
           </a:p>
@@ -2051,7 +2138,7 @@
           <a:p>
             <a:fld id="{0CCCBCAA-DE24-4869-907B-21FA432ED4EA}" type="datetimeFigureOut">
               <a:rPr lang="zh-CN" altLang="en-US" smtClean="0"/>
-              <a:t>2023/12/25</a:t>
+              <a:t>2023/12/29</a:t>
             </a:fld>
             <a:endParaRPr lang="zh-CN" altLang="en-US"/>
           </a:p>
@@ -2410,7 +2497,7 @@
           <a:p>
             <a:fld id="{0CCCBCAA-DE24-4869-907B-21FA432ED4EA}" type="datetimeFigureOut">
               <a:rPr lang="zh-CN" altLang="en-US" smtClean="0"/>
-              <a:t>2023/12/25</a:t>
+              <a:t>2023/12/29</a:t>
             </a:fld>
             <a:endParaRPr lang="zh-CN" altLang="en-US"/>
           </a:p>
@@ -2522,7 +2609,7 @@
           <a:p>
             <a:fld id="{0CCCBCAA-DE24-4869-907B-21FA432ED4EA}" type="datetimeFigureOut">
               <a:rPr lang="zh-CN" altLang="en-US" smtClean="0"/>
-              <a:t>2023/12/25</a:t>
+              <a:t>2023/12/29</a:t>
             </a:fld>
             <a:endParaRPr lang="zh-CN" altLang="en-US"/>
           </a:p>
@@ -2612,7 +2699,7 @@
           <a:p>
             <a:fld id="{0CCCBCAA-DE24-4869-907B-21FA432ED4EA}" type="datetimeFigureOut">
               <a:rPr lang="zh-CN" altLang="en-US" smtClean="0"/>
-              <a:t>2023/12/25</a:t>
+              <a:t>2023/12/29</a:t>
             </a:fld>
             <a:endParaRPr lang="zh-CN" altLang="en-US"/>
           </a:p>
@@ -2882,7 +2969,7 @@
           <a:p>
             <a:fld id="{0CCCBCAA-DE24-4869-907B-21FA432ED4EA}" type="datetimeFigureOut">
               <a:rPr lang="zh-CN" altLang="en-US" smtClean="0"/>
-              <a:t>2023/12/25</a:t>
+              <a:t>2023/12/29</a:t>
             </a:fld>
             <a:endParaRPr lang="zh-CN" altLang="en-US"/>
           </a:p>
@@ -3129,7 +3216,7 @@
           <a:p>
             <a:fld id="{0CCCBCAA-DE24-4869-907B-21FA432ED4EA}" type="datetimeFigureOut">
               <a:rPr lang="zh-CN" altLang="en-US" smtClean="0"/>
-              <a:t>2023/12/25</a:t>
+              <a:t>2023/12/29</a:t>
             </a:fld>
             <a:endParaRPr lang="zh-CN" altLang="en-US"/>
           </a:p>
@@ -3335,7 +3422,7 @@
           <a:p>
             <a:fld id="{0CCCBCAA-DE24-4869-907B-21FA432ED4EA}" type="datetimeFigureOut">
               <a:rPr lang="zh-CN" altLang="en-US" smtClean="0"/>
-              <a:t>2023/12/25</a:t>
+              <a:t>2023/12/29</a:t>
             </a:fld>
             <a:endParaRPr lang="zh-CN" altLang="en-US"/>
           </a:p>
@@ -35450,7 +35537,7 @@
               <p:nvPr/>
             </p:nvPicPr>
             <p:blipFill>
-              <a:blip r:embed="rId2"/>
+              <a:blip r:embed="rId3"/>
               <a:stretch>
                 <a:fillRect/>
               </a:stretch>
@@ -35480,7 +35567,7 @@
               <p:nvPr/>
             </p:nvPicPr>
             <p:blipFill>
-              <a:blip r:embed="rId3"/>
+              <a:blip r:embed="rId4"/>
               <a:stretch>
                 <a:fillRect/>
               </a:stretch>
@@ -35510,7 +35597,7 @@
               <p:nvPr/>
             </p:nvPicPr>
             <p:blipFill>
-              <a:blip r:embed="rId4"/>
+              <a:blip r:embed="rId5"/>
               <a:stretch>
                 <a:fillRect/>
               </a:stretch>
@@ -35540,7 +35627,7 @@
               <p:nvPr/>
             </p:nvPicPr>
             <p:blipFill>
-              <a:blip r:embed="rId5"/>
+              <a:blip r:embed="rId6"/>
               <a:stretch>
                 <a:fillRect/>
               </a:stretch>
@@ -35591,7 +35678,7 @@
               <p:nvPr/>
             </p:nvPicPr>
             <p:blipFill>
-              <a:blip r:embed="rId6"/>
+              <a:blip r:embed="rId7"/>
               <a:stretch>
                 <a:fillRect/>
               </a:stretch>
@@ -35621,7 +35708,7 @@
               <p:nvPr/>
             </p:nvPicPr>
             <p:blipFill>
-              <a:blip r:embed="rId7"/>
+              <a:blip r:embed="rId8"/>
               <a:stretch>
                 <a:fillRect/>
               </a:stretch>
@@ -35651,7 +35738,7 @@
               <p:nvPr/>
             </p:nvPicPr>
             <p:blipFill>
-              <a:blip r:embed="rId8"/>
+              <a:blip r:embed="rId9"/>
               <a:stretch>
                 <a:fillRect/>
               </a:stretch>
@@ -35681,7 +35768,7 @@
               <p:nvPr/>
             </p:nvPicPr>
             <p:blipFill>
-              <a:blip r:embed="rId9"/>
+              <a:blip r:embed="rId10"/>
               <a:stretch>
                 <a:fillRect/>
               </a:stretch>
@@ -35732,7 +35819,7 @@
               <p:nvPr/>
             </p:nvPicPr>
             <p:blipFill>
-              <a:blip r:embed="rId10"/>
+              <a:blip r:embed="rId11"/>
               <a:stretch>
                 <a:fillRect/>
               </a:stretch>
@@ -35762,7 +35849,7 @@
               <p:nvPr/>
             </p:nvPicPr>
             <p:blipFill>
-              <a:blip r:embed="rId11"/>
+              <a:blip r:embed="rId12"/>
               <a:stretch>
                 <a:fillRect/>
               </a:stretch>
@@ -35792,7 +35879,7 @@
               <p:nvPr/>
             </p:nvPicPr>
             <p:blipFill>
-              <a:blip r:embed="rId12"/>
+              <a:blip r:embed="rId13"/>
               <a:stretch>
                 <a:fillRect/>
               </a:stretch>
@@ -35822,7 +35909,7 @@
               <p:nvPr/>
             </p:nvPicPr>
             <p:blipFill>
-              <a:blip r:embed="rId13"/>
+              <a:blip r:embed="rId14"/>
               <a:stretch>
                 <a:fillRect/>
               </a:stretch>
@@ -36194,85 +36281,236 @@
           </a:p>
         </p:txBody>
       </p:sp>
-      <p:sp>
-        <p:nvSpPr>
-          <p:cNvPr id="27" name="文本框 26">
+      <p:grpSp>
+        <p:nvGrpSpPr>
+          <p:cNvPr id="28" name="组合 27">
             <a:extLst>
               <a:ext uri="{FF2B5EF4-FFF2-40B4-BE49-F238E27FC236}">
-                <a16:creationId xmlns:a16="http://schemas.microsoft.com/office/drawing/2014/main" id="{CBABD2E0-EAC6-4FC3-A3FC-134602BC2309}"/>
+                <a16:creationId xmlns:a16="http://schemas.microsoft.com/office/drawing/2014/main" id="{4CFB23DF-B237-431F-885A-85D9D911C54F}"/>
               </a:ext>
             </a:extLst>
           </p:cNvPr>
-          <p:cNvSpPr txBox="1"/>
+          <p:cNvGrpSpPr/>
           <p:nvPr/>
-        </p:nvSpPr>
-        <p:spPr>
+        </p:nvGrpSpPr>
+        <p:grpSpPr>
           <a:xfrm>
-            <a:off x="4858921" y="6752472"/>
-            <a:ext cx="3449943" cy="646331"/>
+            <a:off x="4911343" y="7177636"/>
+            <a:ext cx="10248551" cy="3136893"/>
+            <a:chOff x="4301382" y="7099711"/>
+            <a:chExt cx="10248551" cy="3136893"/>
           </a:xfrm>
-          <a:prstGeom prst="rect">
-            <a:avLst/>
-          </a:prstGeom>
-          <a:noFill/>
-          <a:ln>
+        </p:grpSpPr>
+        <p:sp>
+          <p:nvSpPr>
+            <p:cNvPr id="27" name="文本框 26">
+              <a:extLst>
+                <a:ext uri="{FF2B5EF4-FFF2-40B4-BE49-F238E27FC236}">
+                  <a16:creationId xmlns:a16="http://schemas.microsoft.com/office/drawing/2014/main" id="{CBABD2E0-EAC6-4FC3-A3FC-134602BC2309}"/>
+                </a:ext>
+              </a:extLst>
+            </p:cNvPr>
+            <p:cNvSpPr txBox="1"/>
+            <p:nvPr/>
+          </p:nvSpPr>
+          <p:spPr>
+            <a:xfrm>
+              <a:off x="4301382" y="7099711"/>
+              <a:ext cx="4783514" cy="2308324"/>
+            </a:xfrm>
+            <a:prstGeom prst="rect">
+              <a:avLst/>
+            </a:prstGeom>
             <a:noFill/>
-          </a:ln>
-        </p:spPr>
-        <p:txBody>
-          <a:bodyPr wrap="square" rtlCol="0">
-            <a:spAutoFit/>
-          </a:bodyPr>
-          <a:lstStyle/>
-          <a:p>
-            <a:r>
-              <a:rPr lang="zh-CN" altLang="en-US" b="1" dirty="0">
+            <a:ln>
+              <a:noFill/>
+            </a:ln>
+          </p:spPr>
+          <p:txBody>
+            <a:bodyPr wrap="square" rtlCol="0">
+              <a:spAutoFit/>
+            </a:bodyPr>
+            <a:lstStyle/>
+            <a:p>
+              <a:r>
+                <a:rPr lang="zh-CN" altLang="en-US" b="1" dirty="0">
+                  <a:solidFill>
+                    <a:srgbClr val="FF0000"/>
+                  </a:solidFill>
+                </a:rPr>
+                <a:t>这个用例暂时通过不了，</a:t>
+              </a:r>
+              <a:r>
+                <a:rPr lang="en-US" altLang="zh-CN" b="1" dirty="0">
+                  <a:solidFill>
+                    <a:srgbClr val="FF0000"/>
+                  </a:solidFill>
+                </a:rPr>
+                <a:t>C3</a:t>
+              </a:r>
+              <a:r>
+                <a:rPr lang="zh-CN" altLang="en-US" b="1" dirty="0">
+                  <a:solidFill>
+                    <a:srgbClr val="FF0000"/>
+                  </a:solidFill>
+                </a:rPr>
+                <a:t>附近的单元格</a:t>
+              </a:r>
+              <a:r>
+                <a:rPr lang="en-US" altLang="zh-CN" b="1" dirty="0" err="1">
+                  <a:solidFill>
+                    <a:srgbClr val="FF0000"/>
+                  </a:solidFill>
+                </a:rPr>
+                <a:t>node_type</a:t>
+              </a:r>
+              <a:r>
+                <a:rPr lang="en-US" altLang="zh-CN" b="1" dirty="0">
+                  <a:solidFill>
+                    <a:srgbClr val="FF0000"/>
+                  </a:solidFill>
+                </a:rPr>
+                <a:t>=Provider</a:t>
+              </a:r>
+              <a:r>
+                <a:rPr lang="zh-CN" altLang="en-US" b="1" dirty="0">
+                  <a:solidFill>
+                    <a:srgbClr val="FF0000"/>
+                  </a:solidFill>
+                </a:rPr>
+                <a:t>，找找问题。</a:t>
+              </a:r>
+              <a:endParaRPr lang="en-US" altLang="zh-CN" b="1" dirty="0">
                 <a:solidFill>
                   <a:srgbClr val="FF0000"/>
                 </a:solidFill>
-              </a:rPr>
-              <a:t>这个用例暂时通过不了，</a:t>
-            </a:r>
-            <a:r>
-              <a:rPr lang="en-US" altLang="zh-CN" b="1" dirty="0">
+              </a:endParaRPr>
+            </a:p>
+            <a:p>
+              <a:endParaRPr lang="en-US" altLang="zh-CN" b="1" dirty="0">
                 <a:solidFill>
                   <a:srgbClr val="FF0000"/>
                 </a:solidFill>
-              </a:rPr>
-              <a:t>C3</a:t>
-            </a:r>
-            <a:r>
-              <a:rPr lang="zh-CN" altLang="en-US" b="1" dirty="0">
+              </a:endParaRPr>
+            </a:p>
+            <a:p>
+              <a:r>
+                <a:rPr lang="en-US" altLang="zh-CN" b="1" dirty="0">
+                  <a:solidFill>
+                    <a:srgbClr val="FF0000"/>
+                  </a:solidFill>
+                </a:rPr>
+                <a:t>C++</a:t>
+              </a:r>
+              <a:r>
+                <a:rPr lang="zh-CN" altLang="en-US" b="1" dirty="0">
+                  <a:solidFill>
+                    <a:srgbClr val="FF0000"/>
+                  </a:solidFill>
+                </a:rPr>
+                <a:t>调试除了问题，有了</a:t>
+              </a:r>
+              <a:r>
+                <a:rPr lang="en-US" altLang="zh-CN" b="1" dirty="0">
+                  <a:solidFill>
+                    <a:srgbClr val="FF0000"/>
+                  </a:solidFill>
+                </a:rPr>
+                <a:t>vector</a:t>
+              </a:r>
+              <a:r>
+                <a:rPr lang="zh-CN" altLang="en-US" b="1" dirty="0">
+                  <a:solidFill>
+                    <a:srgbClr val="FF0000"/>
+                  </a:solidFill>
+                </a:rPr>
+                <a:t>输入之后就报错了。原来是调试时，</a:t>
+              </a:r>
+              <a:r>
+                <a:rPr lang="en-US" altLang="zh-CN" b="1" dirty="0">
+                  <a:solidFill>
+                    <a:srgbClr val="FF0000"/>
+                  </a:solidFill>
+                </a:rPr>
+                <a:t>C++</a:t>
+              </a:r>
+              <a:r>
+                <a:rPr lang="zh-CN" altLang="en-US" b="1" dirty="0">
+                  <a:solidFill>
+                    <a:srgbClr val="FF0000"/>
+                  </a:solidFill>
+                </a:rPr>
+                <a:t>监视器窗口不能对</a:t>
+              </a:r>
+              <a:r>
+                <a:rPr lang="en-US" altLang="zh-CN" b="1" dirty="0">
+                  <a:solidFill>
+                    <a:srgbClr val="FF0000"/>
+                  </a:solidFill>
+                </a:rPr>
+                <a:t>vector</a:t>
+              </a:r>
+              <a:r>
+                <a:rPr lang="zh-CN" altLang="en-US" b="1" dirty="0">
+                  <a:solidFill>
+                    <a:srgbClr val="FF0000"/>
+                  </a:solidFill>
+                </a:rPr>
+                <a:t>进行查看，要不然会自动退出。</a:t>
+              </a:r>
+              <a:endParaRPr lang="en-US" altLang="zh-CN" b="1" dirty="0">
                 <a:solidFill>
                   <a:srgbClr val="FF0000"/>
                 </a:solidFill>
-              </a:rPr>
-              <a:t>附近的单元格</a:t>
-            </a:r>
-            <a:r>
-              <a:rPr lang="en-US" altLang="zh-CN" b="1" dirty="0" err="1">
+              </a:endParaRPr>
+            </a:p>
+            <a:p>
+              <a:endParaRPr lang="en-US" altLang="zh-CN" b="1" dirty="0">
                 <a:solidFill>
                   <a:srgbClr val="FF0000"/>
                 </a:solidFill>
-              </a:rPr>
-              <a:t>node_type</a:t>
-            </a:r>
-            <a:r>
-              <a:rPr lang="en-US" altLang="zh-CN" b="1" dirty="0">
+              </a:endParaRPr>
+            </a:p>
+            <a:p>
+              <a:endParaRPr lang="zh-CN" altLang="en-US" b="1" dirty="0">
                 <a:solidFill>
                   <a:srgbClr val="FF0000"/>
                 </a:solidFill>
-              </a:rPr>
-              <a:t>=Provider</a:t>
-            </a:r>
-            <a:endParaRPr lang="zh-CN" altLang="en-US" b="1" dirty="0">
-              <a:solidFill>
-                <a:srgbClr val="FF0000"/>
-              </a:solidFill>
-            </a:endParaRPr>
-          </a:p>
-        </p:txBody>
-      </p:sp>
+              </a:endParaRPr>
+            </a:p>
+          </p:txBody>
+        </p:sp>
+        <p:pic>
+          <p:nvPicPr>
+            <p:cNvPr id="3" name="图片 2">
+              <a:extLst>
+                <a:ext uri="{FF2B5EF4-FFF2-40B4-BE49-F238E27FC236}">
+                  <a16:creationId xmlns:a16="http://schemas.microsoft.com/office/drawing/2014/main" id="{CAB826F8-9BDA-4D95-9266-317C81D3D327}"/>
+                </a:ext>
+              </a:extLst>
+            </p:cNvPr>
+            <p:cNvPicPr>
+              <a:picLocks noChangeAspect="1"/>
+            </p:cNvPicPr>
+            <p:nvPr/>
+          </p:nvPicPr>
+          <p:blipFill>
+            <a:blip r:embed="rId15"/>
+            <a:stretch>
+              <a:fillRect/>
+            </a:stretch>
+          </p:blipFill>
+          <p:spPr>
+            <a:xfrm>
+              <a:off x="9194015" y="7099711"/>
+              <a:ext cx="5355918" cy="3136893"/>
+            </a:xfrm>
+            <a:prstGeom prst="rect">
+              <a:avLst/>
+            </a:prstGeom>
+          </p:spPr>
+        </p:pic>
+      </p:grpSp>
     </p:spTree>
     <p:extLst>
       <p:ext uri="{BB962C8B-B14F-4D97-AF65-F5344CB8AC3E}">
@@ -36325,12 +36563,8 @@
           <a:lstStyle/>
           <a:p>
             <a:r>
-              <a:rPr lang="en-US" altLang="zh-CN" dirty="0"/>
-              <a:t>C++</a:t>
-            </a:r>
-            <a:r>
               <a:rPr lang="zh-CN" altLang="en-US" dirty="0"/>
-              <a:t>版本</a:t>
+              <a:t>论文学习与阅读</a:t>
             </a:r>
           </a:p>
         </p:txBody>
@@ -36356,7 +36590,22 @@
           <a:bodyPr/>
           <a:lstStyle/>
           <a:p>
-            <a:endParaRPr lang="zh-CN" altLang="en-US"/>
+            <a:r>
+              <a:rPr lang="en-US" altLang="zh-CN" dirty="0"/>
+              <a:t>CDN</a:t>
+            </a:r>
+            <a:r>
+              <a:rPr lang="zh-CN" altLang="en-US" dirty="0"/>
+              <a:t>内容分发网络优化方法的研究</a:t>
+            </a:r>
+            <a:r>
+              <a:rPr lang="en-US" altLang="zh-CN" dirty="0"/>
+              <a:t>_</a:t>
+            </a:r>
+            <a:r>
+              <a:rPr lang="zh-CN" altLang="en-US" dirty="0"/>
+              <a:t>王玮</a:t>
+            </a:r>
           </a:p>
         </p:txBody>
       </p:sp>
@@ -36364,6 +36613,88 @@
     <p:extLst>
       <p:ext uri="{BB962C8B-B14F-4D97-AF65-F5344CB8AC3E}">
         <p14:creationId xmlns:p14="http://schemas.microsoft.com/office/powerpoint/2010/main" val="2813888621"/>
+      </p:ext>
+    </p:extLst>
+  </p:cSld>
+  <p:clrMapOvr>
+    <a:masterClrMapping/>
+  </p:clrMapOvr>
+</p:sld>
+</file>
+
+<file path=ppt/slides/slide29.xml><?xml version="1.0" encoding="utf-8"?>
+<p:sld xmlns:a="http://schemas.openxmlformats.org/drawingml/2006/main" xmlns:r="http://schemas.openxmlformats.org/officeDocument/2006/relationships" xmlns:p="http://schemas.openxmlformats.org/presentationml/2006/main">
+  <p:cSld>
+    <p:spTree>
+      <p:nvGrpSpPr>
+        <p:cNvPr id="1" name=""/>
+        <p:cNvGrpSpPr/>
+        <p:nvPr/>
+      </p:nvGrpSpPr>
+      <p:grpSpPr>
+        <a:xfrm>
+          <a:off x="0" y="0"/>
+          <a:ext cx="0" cy="0"/>
+          <a:chOff x="0" y="0"/>
+          <a:chExt cx="0" cy="0"/>
+        </a:xfrm>
+      </p:grpSpPr>
+      <p:sp>
+        <p:nvSpPr>
+          <p:cNvPr id="2" name="标题 1"/>
+          <p:cNvSpPr>
+            <a:spLocks noGrp="1"/>
+          </p:cNvSpPr>
+          <p:nvPr>
+            <p:ph type="ctrTitle"/>
+          </p:nvPr>
+        </p:nvSpPr>
+        <p:spPr/>
+        <p:txBody>
+          <a:bodyPr/>
+          <a:lstStyle/>
+          <a:p>
+            <a:r>
+              <a:rPr lang="en-US" altLang="zh-CN" dirty="0"/>
+              <a:t>Python</a:t>
+            </a:r>
+            <a:r>
+              <a:rPr lang="zh-CN" altLang="en-US" dirty="0"/>
+              <a:t>路径优化</a:t>
+            </a:r>
+          </a:p>
+        </p:txBody>
+      </p:sp>
+      <p:sp>
+        <p:nvSpPr>
+          <p:cNvPr id="3" name="副标题 2"/>
+          <p:cNvSpPr>
+            <a:spLocks noGrp="1"/>
+          </p:cNvSpPr>
+          <p:nvPr>
+            <p:ph type="subTitle" idx="1"/>
+          </p:nvPr>
+        </p:nvSpPr>
+        <p:spPr/>
+        <p:txBody>
+          <a:bodyPr/>
+          <a:lstStyle/>
+          <a:p>
+            <a:r>
+              <a:rPr lang="en-US" altLang="zh-CN" dirty="0"/>
+              <a:t>23_12_29</a:t>
+            </a:r>
+            <a:r>
+              <a:rPr lang="zh-CN" altLang="en-US" dirty="0"/>
+              <a:t>路径优化</a:t>
+            </a:r>
+          </a:p>
+        </p:txBody>
+      </p:sp>
+    </p:spTree>
+    <p:extLst>
+      <p:ext uri="{BB962C8B-B14F-4D97-AF65-F5344CB8AC3E}">
+        <p14:creationId xmlns:p14="http://schemas.microsoft.com/office/powerpoint/2010/main" val="3233413026"/>
       </p:ext>
     </p:extLst>
   </p:cSld>
@@ -36470,7 +36801,7 @@
           <a:graphicData uri="http://schemas.openxmlformats.org/presentationml/2006/ole">
             <mc:AlternateContent xmlns:mc="http://schemas.openxmlformats.org/markup-compatibility/2006">
               <mc:Choice xmlns:v="urn:schemas-microsoft-com:vml" Requires="v">
-                <p:oleObj spid="_x0000_s2343" name="Equation" r:id="rId4" imgW="104546400" imgH="9448800" progId="Equation.DSMT4">
+                <p:oleObj spid="_x0000_s2399" name="Equation" r:id="rId4" imgW="104546400" imgH="9448800" progId="Equation.DSMT4">
                   <p:embed/>
                 </p:oleObj>
               </mc:Choice>
@@ -36527,7 +36858,7 @@
           <a:graphicData uri="http://schemas.openxmlformats.org/presentationml/2006/ole">
             <mc:AlternateContent xmlns:mc="http://schemas.openxmlformats.org/markup-compatibility/2006">
               <mc:Choice xmlns:v="urn:schemas-microsoft-com:vml" Requires="v">
-                <p:oleObj spid="_x0000_s2344" name="Equation" r:id="rId6" imgW="3403440" imgH="787320" progId="Equation.DSMT4">
+                <p:oleObj spid="_x0000_s2400" name="Equation" r:id="rId6" imgW="3403440" imgH="787320" progId="Equation.DSMT4">
                   <p:embed/>
                 </p:oleObj>
               </mc:Choice>
@@ -38272,7 +38603,7 @@
             <a:graphicData uri="http://schemas.openxmlformats.org/presentationml/2006/ole">
               <mc:AlternateContent xmlns:mc="http://schemas.openxmlformats.org/markup-compatibility/2006">
                 <mc:Choice xmlns:v="urn:schemas-microsoft-com:vml" Requires="v">
-                  <p:oleObj spid="_x0000_s2345" name="Equation" r:id="rId8" imgW="8839200" imgH="5181600" progId="Equation.DSMT4">
+                  <p:oleObj spid="_x0000_s2401" name="Equation" r:id="rId8" imgW="8839200" imgH="5181600" progId="Equation.DSMT4">
                     <p:embed/>
                   </p:oleObj>
                 </mc:Choice>
@@ -39207,7 +39538,7 @@
           <a:graphicData uri="http://schemas.openxmlformats.org/presentationml/2006/ole">
             <mc:AlternateContent xmlns:mc="http://schemas.openxmlformats.org/markup-compatibility/2006">
               <mc:Choice xmlns:v="urn:schemas-microsoft-com:vml" Requires="v">
-                <p:oleObj spid="_x0000_s2346" name="Equation" r:id="rId11" imgW="2108160" imgH="164880" progId="Equation.DSMT4">
+                <p:oleObj spid="_x0000_s2402" name="Equation" r:id="rId11" imgW="2108160" imgH="164880" progId="Equation.DSMT4">
                   <p:embed/>
                 </p:oleObj>
               </mc:Choice>
@@ -39243,6 +39574,176 @@
         </a:graphic>
       </p:graphicFrame>
     </p:spTree>
+  </p:cSld>
+  <p:clrMapOvr>
+    <a:masterClrMapping/>
+  </p:clrMapOvr>
+</p:sld>
+</file>
+
+<file path=ppt/slides/slide30.xml><?xml version="1.0" encoding="utf-8"?>
+<p:sld xmlns:a="http://schemas.openxmlformats.org/drawingml/2006/main" xmlns:r="http://schemas.openxmlformats.org/officeDocument/2006/relationships" xmlns:p="http://schemas.openxmlformats.org/presentationml/2006/main">
+  <p:cSld>
+    <p:spTree>
+      <p:nvGrpSpPr>
+        <p:cNvPr id="1" name=""/>
+        <p:cNvGrpSpPr/>
+        <p:nvPr/>
+      </p:nvGrpSpPr>
+      <p:grpSpPr>
+        <a:xfrm>
+          <a:off x="0" y="0"/>
+          <a:ext cx="0" cy="0"/>
+          <a:chOff x="0" y="0"/>
+          <a:chExt cx="0" cy="0"/>
+        </a:xfrm>
+      </p:grpSpPr>
+      <p:sp>
+        <p:nvSpPr>
+          <p:cNvPr id="2" name="标题 1">
+            <a:extLst>
+              <a:ext uri="{FF2B5EF4-FFF2-40B4-BE49-F238E27FC236}">
+                <a16:creationId xmlns:a16="http://schemas.microsoft.com/office/drawing/2014/main" id="{353FBBE9-5F58-496D-9795-86697E238D2D}"/>
+              </a:ext>
+            </a:extLst>
+          </p:cNvPr>
+          <p:cNvSpPr>
+            <a:spLocks noGrp="1"/>
+          </p:cNvSpPr>
+          <p:nvPr>
+            <p:ph type="title"/>
+          </p:nvPr>
+        </p:nvSpPr>
+        <p:spPr/>
+        <p:txBody>
+          <a:bodyPr/>
+          <a:lstStyle/>
+          <a:p>
+            <a:r>
+              <a:rPr lang="zh-CN" altLang="en-US" dirty="0"/>
+              <a:t>最短路径</a:t>
+            </a:r>
+          </a:p>
+        </p:txBody>
+      </p:sp>
+      <p:sp>
+        <p:nvSpPr>
+          <p:cNvPr id="3" name="内容占位符 2">
+            <a:extLst>
+              <a:ext uri="{FF2B5EF4-FFF2-40B4-BE49-F238E27FC236}">
+                <a16:creationId xmlns:a16="http://schemas.microsoft.com/office/drawing/2014/main" id="{33DDD0E8-B477-4F04-A04F-3555296B947D}"/>
+              </a:ext>
+            </a:extLst>
+          </p:cNvPr>
+          <p:cNvSpPr>
+            <a:spLocks noGrp="1"/>
+          </p:cNvSpPr>
+          <p:nvPr>
+            <p:ph idx="1"/>
+          </p:nvPr>
+        </p:nvSpPr>
+        <p:spPr/>
+        <p:txBody>
+          <a:bodyPr/>
+          <a:lstStyle/>
+          <a:p>
+            <a:endParaRPr lang="zh-CN" altLang="en-US"/>
+          </a:p>
+        </p:txBody>
+      </p:sp>
+    </p:spTree>
+    <p:extLst>
+      <p:ext uri="{BB962C8B-B14F-4D97-AF65-F5344CB8AC3E}">
+        <p14:creationId xmlns:p14="http://schemas.microsoft.com/office/powerpoint/2010/main" val="683179349"/>
+      </p:ext>
+    </p:extLst>
+  </p:cSld>
+  <p:clrMapOvr>
+    <a:masterClrMapping/>
+  </p:clrMapOvr>
+</p:sld>
+</file>
+
+<file path=ppt/slides/slide31.xml><?xml version="1.0" encoding="utf-8"?>
+<p:sld xmlns:a="http://schemas.openxmlformats.org/drawingml/2006/main" xmlns:r="http://schemas.openxmlformats.org/officeDocument/2006/relationships" xmlns:p="http://schemas.openxmlformats.org/presentationml/2006/main">
+  <p:cSld>
+    <p:spTree>
+      <p:nvGrpSpPr>
+        <p:cNvPr id="1" name=""/>
+        <p:cNvGrpSpPr/>
+        <p:nvPr/>
+      </p:nvGrpSpPr>
+      <p:grpSpPr>
+        <a:xfrm>
+          <a:off x="0" y="0"/>
+          <a:ext cx="0" cy="0"/>
+          <a:chOff x="0" y="0"/>
+          <a:chExt cx="0" cy="0"/>
+        </a:xfrm>
+      </p:grpSpPr>
+      <p:sp>
+        <p:nvSpPr>
+          <p:cNvPr id="2" name="标题 1">
+            <a:extLst>
+              <a:ext uri="{FF2B5EF4-FFF2-40B4-BE49-F238E27FC236}">
+                <a16:creationId xmlns:a16="http://schemas.microsoft.com/office/drawing/2014/main" id="{353FBBE9-5F58-496D-9795-86697E238D2D}"/>
+              </a:ext>
+            </a:extLst>
+          </p:cNvPr>
+          <p:cNvSpPr>
+            <a:spLocks noGrp="1"/>
+          </p:cNvSpPr>
+          <p:nvPr>
+            <p:ph type="title"/>
+          </p:nvPr>
+        </p:nvSpPr>
+        <p:spPr/>
+        <p:txBody>
+          <a:bodyPr/>
+          <a:lstStyle/>
+          <a:p>
+            <a:r>
+              <a:rPr lang="en-US" altLang="zh-CN" dirty="0"/>
+              <a:t>A*</a:t>
+            </a:r>
+            <a:r>
+              <a:rPr lang="zh-CN" altLang="en-US" dirty="0"/>
+              <a:t>算法</a:t>
+            </a:r>
+          </a:p>
+        </p:txBody>
+      </p:sp>
+      <p:sp>
+        <p:nvSpPr>
+          <p:cNvPr id="3" name="内容占位符 2">
+            <a:extLst>
+              <a:ext uri="{FF2B5EF4-FFF2-40B4-BE49-F238E27FC236}">
+                <a16:creationId xmlns:a16="http://schemas.microsoft.com/office/drawing/2014/main" id="{33DDD0E8-B477-4F04-A04F-3555296B947D}"/>
+              </a:ext>
+            </a:extLst>
+          </p:cNvPr>
+          <p:cNvSpPr>
+            <a:spLocks noGrp="1"/>
+          </p:cNvSpPr>
+          <p:nvPr>
+            <p:ph idx="1"/>
+          </p:nvPr>
+        </p:nvSpPr>
+        <p:spPr/>
+        <p:txBody>
+          <a:bodyPr/>
+          <a:lstStyle/>
+          <a:p>
+            <a:endParaRPr lang="zh-CN" altLang="en-US"/>
+          </a:p>
+        </p:txBody>
+      </p:sp>
+    </p:spTree>
+    <p:extLst>
+      <p:ext uri="{BB962C8B-B14F-4D97-AF65-F5344CB8AC3E}">
+        <p14:creationId xmlns:p14="http://schemas.microsoft.com/office/powerpoint/2010/main" val="3062490977"/>
+      </p:ext>
+    </p:extLst>
   </p:cSld>
   <p:clrMapOvr>
     <a:masterClrMapping/>

--- a/huawei/日志记录.pptx
+++ b/huawei/日志记录.pptx
@@ -5,7 +5,7 @@
     <p:sldMasterId id="2147483648" r:id="rId1"/>
   </p:sldMasterIdLst>
   <p:notesMasterIdLst>
-    <p:notesMasterId r:id="rId33"/>
+    <p:notesMasterId r:id="rId36"/>
   </p:notesMasterIdLst>
   <p:sldIdLst>
     <p:sldId id="256" r:id="rId2"/>
@@ -38,12 +38,15 @@
     <p:sldId id="285" r:id="rId29"/>
     <p:sldId id="287" r:id="rId30"/>
     <p:sldId id="286" r:id="rId31"/>
-    <p:sldId id="288" r:id="rId32"/>
+    <p:sldId id="289" r:id="rId32"/>
+    <p:sldId id="290" r:id="rId33"/>
+    <p:sldId id="288" r:id="rId34"/>
+    <p:sldId id="291" r:id="rId35"/>
   </p:sldIdLst>
   <p:sldSz cx="12192000" cy="6858000"/>
   <p:notesSz cx="6858000" cy="9144000"/>
   <p:custDataLst>
-    <p:tags r:id="rId34"/>
+    <p:tags r:id="rId37"/>
   </p:custDataLst>
   <p:defaultTextStyle>
     <a:defPPr>
@@ -1006,7 +1009,79 @@
           <a:bodyPr/>
           <a:lstStyle/>
           <a:p>
-            <a:endParaRPr lang="zh-CN" altLang="en-US" dirty="0"/>
+            <a:r>
+              <a:rPr lang="en-US" altLang="zh-CN" dirty="0"/>
+              <a:t>Python: 23_12_22</a:t>
+            </a:r>
+            <a:r>
+              <a:rPr lang="zh-CN" altLang="en-US" dirty="0"/>
+              <a:t>路径优化</a:t>
+            </a:r>
+            <a:r>
+              <a:rPr lang="en-US" altLang="zh-CN" dirty="0"/>
+              <a:t>/main8_map_BFS.py</a:t>
+            </a:r>
+          </a:p>
+          <a:p>
+            <a:r>
+              <a:rPr lang="en-US" altLang="zh-CN" dirty="0"/>
+              <a:t>Notebook: 23_12_22</a:t>
+            </a:r>
+            <a:r>
+              <a:rPr lang="zh-CN" altLang="en-US" dirty="0"/>
+              <a:t>路径优化</a:t>
+            </a:r>
+            <a:r>
+              <a:rPr lang="en-US" altLang="zh-CN" dirty="0"/>
+              <a:t>/main8_map_BFS_visualization_test.ipynb</a:t>
+            </a:r>
+          </a:p>
+          <a:p>
+            <a:pPr marL="0" marR="0" lvl="0" indent="0" algn="l" defTabSz="914400" rtl="0" eaLnBrk="1" fontAlgn="auto" latinLnBrk="0" hangingPunct="1">
+              <a:lnSpc>
+                <a:spcPct val="100000"/>
+              </a:lnSpc>
+              <a:spcBef>
+                <a:spcPts val="0"/>
+              </a:spcBef>
+              <a:spcAft>
+                <a:spcPts val="0"/>
+              </a:spcAft>
+              <a:buClrTx/>
+              <a:buSzTx/>
+              <a:buFontTx/>
+              <a:buNone/>
+              <a:tabLst/>
+              <a:defRPr/>
+            </a:pPr>
+            <a:r>
+              <a:rPr lang="en-US" altLang="zh-CN" dirty="0"/>
+              <a:t>C++: 23_12_22</a:t>
+            </a:r>
+            <a:r>
+              <a:rPr lang="zh-CN" altLang="en-US" dirty="0"/>
+              <a:t>路径优化</a:t>
+            </a:r>
+            <a:r>
+              <a:rPr lang="en-US" altLang="zh-CN" dirty="0"/>
+              <a:t>/main8_map_BFS.cpp -&gt; 23_12_22</a:t>
+            </a:r>
+            <a:r>
+              <a:rPr lang="zh-CN" altLang="en-US" dirty="0"/>
+              <a:t>路径优化</a:t>
+            </a:r>
+            <a:r>
+              <a:rPr lang="en-US" altLang="zh-CN" dirty="0"/>
+              <a:t>/main9_map_BFS.cpp </a:t>
+            </a:r>
+            <a:r>
+              <a:rPr lang="zh-CN" altLang="en-US" dirty="0"/>
+              <a:t>第二个测试样例通过了</a:t>
+            </a:r>
+            <a:endParaRPr lang="en-US" altLang="zh-CN" dirty="0"/>
+          </a:p>
+          <a:p>
+            <a:endParaRPr lang="en-US" altLang="zh-CN" dirty="0"/>
           </a:p>
         </p:txBody>
       </p:sp>
@@ -1037,6 +1112,122 @@
     <p:extLst>
       <p:ext uri="{BB962C8B-B14F-4D97-AF65-F5344CB8AC3E}">
         <p14:creationId xmlns:p14="http://schemas.microsoft.com/office/powerpoint/2010/main" val="3258294386"/>
+      </p:ext>
+    </p:extLst>
+  </p:cSld>
+  <p:clrMapOvr>
+    <a:masterClrMapping/>
+  </p:clrMapOvr>
+</p:notes>
+</file>
+
+<file path=ppt/notesSlides/notesSlide7.xml><?xml version="1.0" encoding="utf-8"?>
+<p:notes xmlns:a="http://schemas.openxmlformats.org/drawingml/2006/main" xmlns:r="http://schemas.openxmlformats.org/officeDocument/2006/relationships" xmlns:p="http://schemas.openxmlformats.org/presentationml/2006/main">
+  <p:cSld>
+    <p:spTree>
+      <p:nvGrpSpPr>
+        <p:cNvPr id="1" name=""/>
+        <p:cNvGrpSpPr/>
+        <p:nvPr/>
+      </p:nvGrpSpPr>
+      <p:grpSpPr>
+        <a:xfrm>
+          <a:off x="0" y="0"/>
+          <a:ext cx="0" cy="0"/>
+          <a:chOff x="0" y="0"/>
+          <a:chExt cx="0" cy="0"/>
+        </a:xfrm>
+      </p:grpSpPr>
+      <p:sp>
+        <p:nvSpPr>
+          <p:cNvPr id="2" name="幻灯片图像占位符 1"/>
+          <p:cNvSpPr>
+            <a:spLocks noGrp="1" noRot="1" noChangeAspect="1"/>
+          </p:cNvSpPr>
+          <p:nvPr>
+            <p:ph type="sldImg"/>
+          </p:nvPr>
+        </p:nvSpPr>
+        <p:spPr/>
+      </p:sp>
+      <p:sp>
+        <p:nvSpPr>
+          <p:cNvPr id="3" name="备注占位符 2"/>
+          <p:cNvSpPr>
+            <a:spLocks noGrp="1"/>
+          </p:cNvSpPr>
+          <p:nvPr>
+            <p:ph type="body" idx="1"/>
+          </p:nvPr>
+        </p:nvSpPr>
+        <p:spPr/>
+        <p:txBody>
+          <a:bodyPr/>
+          <a:lstStyle/>
+          <a:p>
+            <a:r>
+              <a:rPr lang="en-US" altLang="zh-CN" dirty="0"/>
+              <a:t>Python : 23_12_29Dijkstra+A</a:t>
+            </a:r>
+            <a:r>
+              <a:rPr lang="zh-CN" altLang="en-US" dirty="0"/>
+              <a:t>星</a:t>
+            </a:r>
+            <a:r>
+              <a:rPr lang="en-US" altLang="zh-CN" dirty="0"/>
+              <a:t>/main10_map_dijkstra.py</a:t>
+            </a:r>
+          </a:p>
+          <a:p>
+            <a:r>
+              <a:rPr lang="en-US" altLang="zh-CN" dirty="0"/>
+              <a:t>Notebook : main10_map_dijkstra_visualization_test.ipynb</a:t>
+            </a:r>
+          </a:p>
+          <a:p>
+            <a:r>
+              <a:rPr lang="en-US" altLang="zh-CN" dirty="0"/>
+              <a:t>C++:</a:t>
+            </a:r>
+            <a:r>
+              <a:rPr lang="zh-CN" altLang="en-US" dirty="0"/>
+              <a:t> </a:t>
+            </a:r>
+            <a:r>
+              <a:rPr lang="en-US" altLang="zh-CN" dirty="0"/>
+              <a:t>main10_map_dijkstra.cpp</a:t>
+            </a:r>
+            <a:endParaRPr lang="zh-CN" altLang="en-US" dirty="0"/>
+          </a:p>
+        </p:txBody>
+      </p:sp>
+      <p:sp>
+        <p:nvSpPr>
+          <p:cNvPr id="4" name="灯片编号占位符 3"/>
+          <p:cNvSpPr>
+            <a:spLocks noGrp="1"/>
+          </p:cNvSpPr>
+          <p:nvPr>
+            <p:ph type="sldNum" sz="quarter" idx="5"/>
+          </p:nvPr>
+        </p:nvSpPr>
+        <p:spPr/>
+        <p:txBody>
+          <a:bodyPr/>
+          <a:lstStyle/>
+          <a:p>
+            <a:fld id="{F229329F-0271-46D7-A5B8-63D7D7F0093C}" type="slidenum">
+              <a:rPr lang="zh-CN" altLang="en-US" smtClean="0"/>
+              <a:t>30</a:t>
+            </a:fld>
+            <a:endParaRPr lang="zh-CN" altLang="en-US"/>
+          </a:p>
+        </p:txBody>
+      </p:sp>
+    </p:spTree>
+    <p:extLst>
+      <p:ext uri="{BB962C8B-B14F-4D97-AF65-F5344CB8AC3E}">
+        <p14:creationId xmlns:p14="http://schemas.microsoft.com/office/powerpoint/2010/main" val="4219161729"/>
       </p:ext>
     </p:extLst>
   </p:cSld>
@@ -23363,7 +23554,7 @@
               <a:t>Customer</a:t>
             </a:r>
             <a:r>
-              <a:rPr lang="zh-CN" altLang="en-US"/>
+              <a:rPr lang="zh-CN" altLang="en-US" dirty="0"/>
               <a:t>的数量，路径的长度。</a:t>
             </a:r>
             <a:endParaRPr lang="en-US" altLang="zh-CN" dirty="0"/>
@@ -36295,7 +36486,7 @@
         </p:nvGrpSpPr>
         <p:grpSpPr>
           <a:xfrm>
-            <a:off x="4911343" y="7177636"/>
+            <a:off x="4973555" y="6856749"/>
             <a:ext cx="10248551" cy="3136893"/>
             <a:chOff x="4301382" y="7099711"/>
             <a:chExt cx="10248551" cy="3136893"/>
@@ -36316,7 +36507,7 @@
           <p:spPr>
             <a:xfrm>
               <a:off x="4301382" y="7099711"/>
-              <a:ext cx="4783514" cy="2308324"/>
+              <a:ext cx="4783514" cy="2862322"/>
             </a:xfrm>
             <a:prstGeom prst="rect">
               <a:avLst/>
@@ -36472,6 +36663,28 @@
               </a:endParaRPr>
             </a:p>
             <a:p>
+              <a:r>
+                <a:rPr lang="zh-CN" altLang="en-US" b="1" dirty="0">
+                  <a:solidFill>
+                    <a:srgbClr val="FF0000"/>
+                  </a:solidFill>
+                </a:rPr>
+                <a:t>注意引用类型的对象直接赋值会改变原本对象</a:t>
+              </a:r>
+              <a:endParaRPr lang="en-US" altLang="zh-CN" b="1" dirty="0">
+                <a:solidFill>
+                  <a:srgbClr val="FF0000"/>
+                </a:solidFill>
+              </a:endParaRPr>
+            </a:p>
+            <a:p>
+              <a:endParaRPr lang="en-US" altLang="zh-CN" b="1" dirty="0">
+                <a:solidFill>
+                  <a:srgbClr val="FF0000"/>
+                </a:solidFill>
+              </a:endParaRPr>
+            </a:p>
+            <a:p>
               <a:endParaRPr lang="zh-CN" altLang="en-US" b="1" dirty="0">
                 <a:solidFill>
                   <a:srgbClr val="FF0000"/>
@@ -36511,6 +36724,66 @@
           </p:spPr>
         </p:pic>
       </p:grpSp>
+      <p:pic>
+        <p:nvPicPr>
+          <p:cNvPr id="29" name="图片 28">
+            <a:extLst>
+              <a:ext uri="{FF2B5EF4-FFF2-40B4-BE49-F238E27FC236}">
+                <a16:creationId xmlns:a16="http://schemas.microsoft.com/office/drawing/2014/main" id="{ACD6481E-04B1-4812-BC24-2E9CC256FF0E}"/>
+              </a:ext>
+            </a:extLst>
+          </p:cNvPr>
+          <p:cNvPicPr>
+            <a:picLocks noChangeAspect="1"/>
+          </p:cNvPicPr>
+          <p:nvPr/>
+        </p:nvPicPr>
+        <p:blipFill>
+          <a:blip r:embed="rId16"/>
+          <a:stretch>
+            <a:fillRect/>
+          </a:stretch>
+        </p:blipFill>
+        <p:spPr>
+          <a:xfrm>
+            <a:off x="4911343" y="10137991"/>
+            <a:ext cx="8714286" cy="742857"/>
+          </a:xfrm>
+          <a:prstGeom prst="rect">
+            <a:avLst/>
+          </a:prstGeom>
+        </p:spPr>
+      </p:pic>
+      <p:pic>
+        <p:nvPicPr>
+          <p:cNvPr id="30" name="图片 29">
+            <a:extLst>
+              <a:ext uri="{FF2B5EF4-FFF2-40B4-BE49-F238E27FC236}">
+                <a16:creationId xmlns:a16="http://schemas.microsoft.com/office/drawing/2014/main" id="{C3494269-E23D-460B-8157-8F97CD36F227}"/>
+              </a:ext>
+            </a:extLst>
+          </p:cNvPr>
+          <p:cNvPicPr>
+            <a:picLocks noChangeAspect="1"/>
+          </p:cNvPicPr>
+          <p:nvPr/>
+        </p:nvPicPr>
+        <p:blipFill>
+          <a:blip r:embed="rId17"/>
+          <a:stretch>
+            <a:fillRect/>
+          </a:stretch>
+        </p:blipFill>
+        <p:spPr>
+          <a:xfrm>
+            <a:off x="16766901" y="4451230"/>
+            <a:ext cx="7680918" cy="6058189"/>
+          </a:xfrm>
+          <a:prstGeom prst="rect">
+            <a:avLst/>
+          </a:prstGeom>
+        </p:spPr>
+      </p:pic>
     </p:spTree>
     <p:extLst>
       <p:ext uri="{BB962C8B-B14F-4D97-AF65-F5344CB8AC3E}">
@@ -36801,7 +37074,7 @@
           <a:graphicData uri="http://schemas.openxmlformats.org/presentationml/2006/ole">
             <mc:AlternateContent xmlns:mc="http://schemas.openxmlformats.org/markup-compatibility/2006">
               <mc:Choice xmlns:v="urn:schemas-microsoft-com:vml" Requires="v">
-                <p:oleObj spid="_x0000_s2399" name="Equation" r:id="rId4" imgW="104546400" imgH="9448800" progId="Equation.DSMT4">
+                <p:oleObj spid="_x0000_s2519" name="Equation" r:id="rId4" imgW="104546400" imgH="9448800" progId="Equation.DSMT4">
                   <p:embed/>
                 </p:oleObj>
               </mc:Choice>
@@ -36858,7 +37131,7 @@
           <a:graphicData uri="http://schemas.openxmlformats.org/presentationml/2006/ole">
             <mc:AlternateContent xmlns:mc="http://schemas.openxmlformats.org/markup-compatibility/2006">
               <mc:Choice xmlns:v="urn:schemas-microsoft-com:vml" Requires="v">
-                <p:oleObj spid="_x0000_s2400" name="Equation" r:id="rId6" imgW="3403440" imgH="787320" progId="Equation.DSMT4">
+                <p:oleObj spid="_x0000_s2520" name="Equation" r:id="rId6" imgW="3403440" imgH="787320" progId="Equation.DSMT4">
                   <p:embed/>
                 </p:oleObj>
               </mc:Choice>
@@ -38603,7 +38876,7 @@
             <a:graphicData uri="http://schemas.openxmlformats.org/presentationml/2006/ole">
               <mc:AlternateContent xmlns:mc="http://schemas.openxmlformats.org/markup-compatibility/2006">
                 <mc:Choice xmlns:v="urn:schemas-microsoft-com:vml" Requires="v">
-                  <p:oleObj spid="_x0000_s2401" name="Equation" r:id="rId8" imgW="8839200" imgH="5181600" progId="Equation.DSMT4">
+                  <p:oleObj spid="_x0000_s2521" name="Equation" r:id="rId8" imgW="8839200" imgH="5181600" progId="Equation.DSMT4">
                     <p:embed/>
                   </p:oleObj>
                 </mc:Choice>
@@ -39538,7 +39811,7 @@
           <a:graphicData uri="http://schemas.openxmlformats.org/presentationml/2006/ole">
             <mc:AlternateContent xmlns:mc="http://schemas.openxmlformats.org/markup-compatibility/2006">
               <mc:Choice xmlns:v="urn:schemas-microsoft-com:vml" Requires="v">
-                <p:oleObj spid="_x0000_s2402" name="Equation" r:id="rId11" imgW="2108160" imgH="164880" progId="Equation.DSMT4">
+                <p:oleObj spid="_x0000_s2522" name="Equation" r:id="rId11" imgW="2108160" imgH="164880" progId="Equation.DSMT4">
                   <p:embed/>
                 </p:oleObj>
               </mc:Choice>
@@ -39623,6 +39896,635 @@
               <a:rPr lang="zh-CN" altLang="en-US" dirty="0"/>
               <a:t>最短路径</a:t>
             </a:r>
+            <a:r>
+              <a:rPr lang="en-US" altLang="zh-CN" dirty="0"/>
+              <a:t>Dijkstra</a:t>
+            </a:r>
+            <a:endParaRPr lang="zh-CN" altLang="en-US" dirty="0"/>
+          </a:p>
+        </p:txBody>
+      </p:sp>
+      <p:pic>
+        <p:nvPicPr>
+          <p:cNvPr id="4" name="图片 3">
+            <a:extLst>
+              <a:ext uri="{FF2B5EF4-FFF2-40B4-BE49-F238E27FC236}">
+                <a16:creationId xmlns:a16="http://schemas.microsoft.com/office/drawing/2014/main" id="{53DB2EC9-740F-49B6-B309-2E7778B1DF81}"/>
+              </a:ext>
+            </a:extLst>
+          </p:cNvPr>
+          <p:cNvPicPr>
+            <a:picLocks noChangeAspect="1"/>
+          </p:cNvPicPr>
+          <p:nvPr/>
+        </p:nvPicPr>
+        <p:blipFill>
+          <a:blip r:embed="rId3"/>
+          <a:stretch>
+            <a:fillRect/>
+          </a:stretch>
+        </p:blipFill>
+        <p:spPr>
+          <a:xfrm>
+            <a:off x="1031876" y="2452688"/>
+            <a:ext cx="3594538" cy="3600000"/>
+          </a:xfrm>
+          <a:prstGeom prst="rect">
+            <a:avLst/>
+          </a:prstGeom>
+        </p:spPr>
+      </p:pic>
+      <p:pic>
+        <p:nvPicPr>
+          <p:cNvPr id="5" name="图片 4">
+            <a:extLst>
+              <a:ext uri="{FF2B5EF4-FFF2-40B4-BE49-F238E27FC236}">
+                <a16:creationId xmlns:a16="http://schemas.microsoft.com/office/drawing/2014/main" id="{4FFE49C1-546F-4CB3-BD38-9C97B795AE06}"/>
+              </a:ext>
+            </a:extLst>
+          </p:cNvPr>
+          <p:cNvPicPr>
+            <a:picLocks noChangeAspect="1"/>
+          </p:cNvPicPr>
+          <p:nvPr/>
+        </p:nvPicPr>
+        <p:blipFill>
+          <a:blip r:embed="rId4"/>
+          <a:stretch>
+            <a:fillRect/>
+          </a:stretch>
+        </p:blipFill>
+        <p:spPr>
+          <a:xfrm>
+            <a:off x="4702176" y="2452688"/>
+            <a:ext cx="3594538" cy="3600000"/>
+          </a:xfrm>
+          <a:prstGeom prst="rect">
+            <a:avLst/>
+          </a:prstGeom>
+        </p:spPr>
+      </p:pic>
+      <p:pic>
+        <p:nvPicPr>
+          <p:cNvPr id="6" name="图片 5">
+            <a:extLst>
+              <a:ext uri="{FF2B5EF4-FFF2-40B4-BE49-F238E27FC236}">
+                <a16:creationId xmlns:a16="http://schemas.microsoft.com/office/drawing/2014/main" id="{3924A855-451E-40CA-ADE8-BE7DFB0690FF}"/>
+              </a:ext>
+            </a:extLst>
+          </p:cNvPr>
+          <p:cNvPicPr>
+            <a:picLocks noChangeAspect="1"/>
+          </p:cNvPicPr>
+          <p:nvPr/>
+        </p:nvPicPr>
+        <p:blipFill>
+          <a:blip r:embed="rId5"/>
+          <a:stretch>
+            <a:fillRect/>
+          </a:stretch>
+        </p:blipFill>
+        <p:spPr>
+          <a:xfrm>
+            <a:off x="8372476" y="2452688"/>
+            <a:ext cx="3594538" cy="3600000"/>
+          </a:xfrm>
+          <a:prstGeom prst="rect">
+            <a:avLst/>
+          </a:prstGeom>
+        </p:spPr>
+      </p:pic>
+      <p:sp>
+        <p:nvSpPr>
+          <p:cNvPr id="7" name="文本框 6">
+            <a:extLst>
+              <a:ext uri="{FF2B5EF4-FFF2-40B4-BE49-F238E27FC236}">
+                <a16:creationId xmlns:a16="http://schemas.microsoft.com/office/drawing/2014/main" id="{657BA0E1-7860-4589-90D6-3E817279CAF0}"/>
+              </a:ext>
+            </a:extLst>
+          </p:cNvPr>
+          <p:cNvSpPr txBox="1"/>
+          <p:nvPr/>
+        </p:nvSpPr>
+        <p:spPr>
+          <a:xfrm>
+            <a:off x="-108445" y="3883356"/>
+            <a:ext cx="1556245" cy="369332"/>
+          </a:xfrm>
+          <a:prstGeom prst="rect">
+            <a:avLst/>
+          </a:prstGeom>
+          <a:noFill/>
+        </p:spPr>
+        <p:txBody>
+          <a:bodyPr wrap="square" rtlCol="0">
+            <a:spAutoFit/>
+          </a:bodyPr>
+          <a:lstStyle/>
+          <a:p>
+            <a:r>
+              <a:rPr lang="zh-CN" altLang="en-US" dirty="0"/>
+              <a:t>结果可视化</a:t>
+            </a:r>
+          </a:p>
+        </p:txBody>
+      </p:sp>
+      <p:sp>
+        <p:nvSpPr>
+          <p:cNvPr id="8" name="文本框 7">
+            <a:extLst>
+              <a:ext uri="{FF2B5EF4-FFF2-40B4-BE49-F238E27FC236}">
+                <a16:creationId xmlns:a16="http://schemas.microsoft.com/office/drawing/2014/main" id="{03793406-1F1B-49CD-9DE0-68AF32C52EEF}"/>
+              </a:ext>
+            </a:extLst>
+          </p:cNvPr>
+          <p:cNvSpPr txBox="1"/>
+          <p:nvPr/>
+        </p:nvSpPr>
+        <p:spPr>
+          <a:xfrm>
+            <a:off x="2196339" y="6123543"/>
+            <a:ext cx="1309299" cy="369332"/>
+          </a:xfrm>
+          <a:prstGeom prst="rect">
+            <a:avLst/>
+          </a:prstGeom>
+          <a:noFill/>
+        </p:spPr>
+        <p:txBody>
+          <a:bodyPr wrap="square" rtlCol="0">
+            <a:spAutoFit/>
+          </a:bodyPr>
+          <a:lstStyle/>
+          <a:p>
+            <a:r>
+              <a:rPr lang="zh-CN" altLang="en-US" dirty="0"/>
+              <a:t>示例输入</a:t>
+            </a:r>
+          </a:p>
+        </p:txBody>
+      </p:sp>
+      <p:sp>
+        <p:nvSpPr>
+          <p:cNvPr id="9" name="文本框 8">
+            <a:extLst>
+              <a:ext uri="{FF2B5EF4-FFF2-40B4-BE49-F238E27FC236}">
+                <a16:creationId xmlns:a16="http://schemas.microsoft.com/office/drawing/2014/main" id="{6C02BB5F-B379-4CF1-B85B-68176C2DD004}"/>
+              </a:ext>
+            </a:extLst>
+          </p:cNvPr>
+          <p:cNvSpPr txBox="1"/>
+          <p:nvPr/>
+        </p:nvSpPr>
+        <p:spPr>
+          <a:xfrm>
+            <a:off x="5376910" y="6123543"/>
+            <a:ext cx="2454659" cy="369332"/>
+          </a:xfrm>
+          <a:prstGeom prst="rect">
+            <a:avLst/>
+          </a:prstGeom>
+          <a:noFill/>
+        </p:spPr>
+        <p:txBody>
+          <a:bodyPr wrap="square" rtlCol="0">
+            <a:spAutoFit/>
+          </a:bodyPr>
+          <a:lstStyle/>
+          <a:p>
+            <a:r>
+              <a:rPr lang="zh-CN" altLang="en-US" dirty="0"/>
+              <a:t>原本错误现象</a:t>
+            </a:r>
+            <a:r>
+              <a:rPr lang="en-US" altLang="zh-CN" dirty="0"/>
+              <a:t>1</a:t>
+            </a:r>
+            <a:r>
+              <a:rPr lang="zh-CN" altLang="en-US" dirty="0"/>
+              <a:t>，</a:t>
+            </a:r>
+            <a:r>
+              <a:rPr lang="en-US" altLang="zh-CN" dirty="0"/>
+              <a:t>P24</a:t>
+            </a:r>
+            <a:endParaRPr lang="zh-CN" altLang="en-US" dirty="0"/>
+          </a:p>
+        </p:txBody>
+      </p:sp>
+      <p:sp>
+        <p:nvSpPr>
+          <p:cNvPr id="10" name="文本框 9">
+            <a:extLst>
+              <a:ext uri="{FF2B5EF4-FFF2-40B4-BE49-F238E27FC236}">
+                <a16:creationId xmlns:a16="http://schemas.microsoft.com/office/drawing/2014/main" id="{EE06FB98-77E9-4614-8C2F-6E25833632A2}"/>
+              </a:ext>
+            </a:extLst>
+          </p:cNvPr>
+          <p:cNvSpPr txBox="1"/>
+          <p:nvPr/>
+        </p:nvSpPr>
+        <p:spPr>
+          <a:xfrm>
+            <a:off x="9054772" y="6123543"/>
+            <a:ext cx="2454659" cy="369332"/>
+          </a:xfrm>
+          <a:prstGeom prst="rect">
+            <a:avLst/>
+          </a:prstGeom>
+          <a:noFill/>
+        </p:spPr>
+        <p:txBody>
+          <a:bodyPr wrap="square" rtlCol="0">
+            <a:spAutoFit/>
+          </a:bodyPr>
+          <a:lstStyle/>
+          <a:p>
+            <a:r>
+              <a:rPr lang="zh-CN" altLang="en-US" dirty="0"/>
+              <a:t>原本错误现象</a:t>
+            </a:r>
+            <a:r>
+              <a:rPr lang="en-US" altLang="zh-CN" dirty="0"/>
+              <a:t>2</a:t>
+            </a:r>
+            <a:r>
+              <a:rPr lang="zh-CN" altLang="en-US" dirty="0"/>
+              <a:t> ，</a:t>
+            </a:r>
+            <a:r>
+              <a:rPr lang="en-US" altLang="zh-CN" dirty="0"/>
+              <a:t>P24</a:t>
+            </a:r>
+            <a:endParaRPr lang="zh-CN" altLang="en-US" dirty="0"/>
+          </a:p>
+        </p:txBody>
+      </p:sp>
+      <p:pic>
+        <p:nvPicPr>
+          <p:cNvPr id="11" name="图片 10">
+            <a:extLst>
+              <a:ext uri="{FF2B5EF4-FFF2-40B4-BE49-F238E27FC236}">
+                <a16:creationId xmlns:a16="http://schemas.microsoft.com/office/drawing/2014/main" id="{2C2EACD4-D867-43BD-BE9D-7D32B8D1E3D5}"/>
+              </a:ext>
+            </a:extLst>
+          </p:cNvPr>
+          <p:cNvPicPr>
+            <a:picLocks noChangeAspect="1"/>
+          </p:cNvPicPr>
+          <p:nvPr/>
+        </p:nvPicPr>
+        <p:blipFill>
+          <a:blip r:embed="rId6"/>
+          <a:stretch>
+            <a:fillRect/>
+          </a:stretch>
+        </p:blipFill>
+        <p:spPr>
+          <a:xfrm>
+            <a:off x="1031876" y="1301833"/>
+            <a:ext cx="1678862" cy="1080000"/>
+          </a:xfrm>
+          <a:prstGeom prst="rect">
+            <a:avLst/>
+          </a:prstGeom>
+        </p:spPr>
+      </p:pic>
+      <p:pic>
+        <p:nvPicPr>
+          <p:cNvPr id="12" name="图片 11">
+            <a:extLst>
+              <a:ext uri="{FF2B5EF4-FFF2-40B4-BE49-F238E27FC236}">
+                <a16:creationId xmlns:a16="http://schemas.microsoft.com/office/drawing/2014/main" id="{DC181113-B9D8-4F59-A88D-8DB988427FA4}"/>
+              </a:ext>
+            </a:extLst>
+          </p:cNvPr>
+          <p:cNvPicPr>
+            <a:picLocks noChangeAspect="1"/>
+          </p:cNvPicPr>
+          <p:nvPr/>
+        </p:nvPicPr>
+        <p:blipFill>
+          <a:blip r:embed="rId7"/>
+          <a:stretch>
+            <a:fillRect/>
+          </a:stretch>
+        </p:blipFill>
+        <p:spPr>
+          <a:xfrm>
+            <a:off x="4850035" y="1301833"/>
+            <a:ext cx="1584629" cy="1080000"/>
+          </a:xfrm>
+          <a:prstGeom prst="rect">
+            <a:avLst/>
+          </a:prstGeom>
+        </p:spPr>
+      </p:pic>
+      <p:pic>
+        <p:nvPicPr>
+          <p:cNvPr id="13" name="图片 12">
+            <a:extLst>
+              <a:ext uri="{FF2B5EF4-FFF2-40B4-BE49-F238E27FC236}">
+                <a16:creationId xmlns:a16="http://schemas.microsoft.com/office/drawing/2014/main" id="{BA3CAFF9-75E2-48DE-8FD2-DE7A4E0233DF}"/>
+              </a:ext>
+            </a:extLst>
+          </p:cNvPr>
+          <p:cNvPicPr>
+            <a:picLocks noChangeAspect="1"/>
+          </p:cNvPicPr>
+          <p:nvPr/>
+        </p:nvPicPr>
+        <p:blipFill>
+          <a:blip r:embed="rId8"/>
+          <a:stretch>
+            <a:fillRect/>
+          </a:stretch>
+        </p:blipFill>
+        <p:spPr>
+          <a:xfrm>
+            <a:off x="8543281" y="1337261"/>
+            <a:ext cx="1656000" cy="1080000"/>
+          </a:xfrm>
+          <a:prstGeom prst="rect">
+            <a:avLst/>
+          </a:prstGeom>
+        </p:spPr>
+      </p:pic>
+      <p:pic>
+        <p:nvPicPr>
+          <p:cNvPr id="14" name="图片 13">
+            <a:extLst>
+              <a:ext uri="{FF2B5EF4-FFF2-40B4-BE49-F238E27FC236}">
+                <a16:creationId xmlns:a16="http://schemas.microsoft.com/office/drawing/2014/main" id="{DD4E959C-719E-402B-B645-80822D8DB3E8}"/>
+              </a:ext>
+            </a:extLst>
+          </p:cNvPr>
+          <p:cNvPicPr>
+            <a:picLocks noChangeAspect="1"/>
+          </p:cNvPicPr>
+          <p:nvPr/>
+        </p:nvPicPr>
+        <p:blipFill>
+          <a:blip r:embed="rId9"/>
+          <a:stretch>
+            <a:fillRect/>
+          </a:stretch>
+        </p:blipFill>
+        <p:spPr>
+          <a:xfrm>
+            <a:off x="10351316" y="1337261"/>
+            <a:ext cx="681843" cy="1080000"/>
+          </a:xfrm>
+          <a:prstGeom prst="rect">
+            <a:avLst/>
+          </a:prstGeom>
+        </p:spPr>
+      </p:pic>
+      <p:pic>
+        <p:nvPicPr>
+          <p:cNvPr id="15" name="图片 14">
+            <a:extLst>
+              <a:ext uri="{FF2B5EF4-FFF2-40B4-BE49-F238E27FC236}">
+                <a16:creationId xmlns:a16="http://schemas.microsoft.com/office/drawing/2014/main" id="{1E075A2F-9CBD-453A-876B-8BEC143B3417}"/>
+              </a:ext>
+            </a:extLst>
+          </p:cNvPr>
+          <p:cNvPicPr>
+            <a:picLocks noChangeAspect="1"/>
+          </p:cNvPicPr>
+          <p:nvPr/>
+        </p:nvPicPr>
+        <p:blipFill>
+          <a:blip r:embed="rId10"/>
+          <a:stretch>
+            <a:fillRect/>
+          </a:stretch>
+        </p:blipFill>
+        <p:spPr>
+          <a:xfrm>
+            <a:off x="6615504" y="1301833"/>
+            <a:ext cx="646981" cy="1080000"/>
+          </a:xfrm>
+          <a:prstGeom prst="rect">
+            <a:avLst/>
+          </a:prstGeom>
+        </p:spPr>
+      </p:pic>
+      <p:pic>
+        <p:nvPicPr>
+          <p:cNvPr id="16" name="图片 15">
+            <a:extLst>
+              <a:ext uri="{FF2B5EF4-FFF2-40B4-BE49-F238E27FC236}">
+                <a16:creationId xmlns:a16="http://schemas.microsoft.com/office/drawing/2014/main" id="{0447B257-5529-470B-A72F-3F96749448FC}"/>
+              </a:ext>
+            </a:extLst>
+          </p:cNvPr>
+          <p:cNvPicPr>
+            <a:picLocks noChangeAspect="1"/>
+          </p:cNvPicPr>
+          <p:nvPr/>
+        </p:nvPicPr>
+        <p:blipFill>
+          <a:blip r:embed="rId11"/>
+          <a:stretch>
+            <a:fillRect/>
+          </a:stretch>
+        </p:blipFill>
+        <p:spPr>
+          <a:xfrm>
+            <a:off x="2904414" y="1301833"/>
+            <a:ext cx="610655" cy="1080000"/>
+          </a:xfrm>
+          <a:prstGeom prst="rect">
+            <a:avLst/>
+          </a:prstGeom>
+        </p:spPr>
+      </p:pic>
+      <p:sp>
+        <p:nvSpPr>
+          <p:cNvPr id="17" name="文本框 16">
+            <a:extLst>
+              <a:ext uri="{FF2B5EF4-FFF2-40B4-BE49-F238E27FC236}">
+                <a16:creationId xmlns:a16="http://schemas.microsoft.com/office/drawing/2014/main" id="{5A780039-FA15-47A1-BA80-23557A59F752}"/>
+              </a:ext>
+            </a:extLst>
+          </p:cNvPr>
+          <p:cNvSpPr txBox="1"/>
+          <p:nvPr/>
+        </p:nvSpPr>
+        <p:spPr>
+          <a:xfrm>
+            <a:off x="6178550" y="365125"/>
+            <a:ext cx="1016625" cy="369332"/>
+          </a:xfrm>
+          <a:prstGeom prst="rect">
+            <a:avLst/>
+          </a:prstGeom>
+          <a:noFill/>
+        </p:spPr>
+        <p:txBody>
+          <a:bodyPr wrap="none" rtlCol="0">
+            <a:spAutoFit/>
+          </a:bodyPr>
+          <a:lstStyle/>
+          <a:p>
+            <a:r>
+              <a:rPr lang="zh-CN" altLang="en-US" dirty="0"/>
+              <a:t>对应</a:t>
+            </a:r>
+            <a:r>
+              <a:rPr lang="en-US" altLang="zh-CN" dirty="0"/>
+              <a:t>P26</a:t>
+            </a:r>
+            <a:endParaRPr lang="zh-CN" altLang="en-US" dirty="0"/>
+          </a:p>
+        </p:txBody>
+      </p:sp>
+      <p:grpSp>
+        <p:nvGrpSpPr>
+          <p:cNvPr id="20" name="组合 19">
+            <a:extLst>
+              <a:ext uri="{FF2B5EF4-FFF2-40B4-BE49-F238E27FC236}">
+                <a16:creationId xmlns:a16="http://schemas.microsoft.com/office/drawing/2014/main" id="{43524423-974F-482C-A8AA-820040B03EC1}"/>
+              </a:ext>
+            </a:extLst>
+          </p:cNvPr>
+          <p:cNvGrpSpPr/>
+          <p:nvPr/>
+        </p:nvGrpSpPr>
+        <p:grpSpPr>
+          <a:xfrm>
+            <a:off x="5207334" y="6563730"/>
+            <a:ext cx="2454659" cy="3658412"/>
+            <a:chOff x="5053612" y="6937864"/>
+            <a:chExt cx="2454659" cy="3658412"/>
+          </a:xfrm>
+        </p:grpSpPr>
+        <p:pic>
+          <p:nvPicPr>
+            <p:cNvPr id="18" name="图片 17">
+              <a:extLst>
+                <a:ext uri="{FF2B5EF4-FFF2-40B4-BE49-F238E27FC236}">
+                  <a16:creationId xmlns:a16="http://schemas.microsoft.com/office/drawing/2014/main" id="{2F03CC7C-A668-4ADF-8A9C-D456F4902DCC}"/>
+                </a:ext>
+              </a:extLst>
+            </p:cNvPr>
+            <p:cNvPicPr>
+              <a:picLocks noChangeAspect="1"/>
+            </p:cNvPicPr>
+            <p:nvPr/>
+          </p:nvPicPr>
+          <p:blipFill>
+            <a:blip r:embed="rId12"/>
+            <a:stretch>
+              <a:fillRect/>
+            </a:stretch>
+          </p:blipFill>
+          <p:spPr>
+            <a:xfrm>
+              <a:off x="5139334" y="7932049"/>
+              <a:ext cx="1902119" cy="2664227"/>
+            </a:xfrm>
+            <a:prstGeom prst="rect">
+              <a:avLst/>
+            </a:prstGeom>
+          </p:spPr>
+        </p:pic>
+        <p:sp>
+          <p:nvSpPr>
+            <p:cNvPr id="19" name="文本框 18">
+              <a:extLst>
+                <a:ext uri="{FF2B5EF4-FFF2-40B4-BE49-F238E27FC236}">
+                  <a16:creationId xmlns:a16="http://schemas.microsoft.com/office/drawing/2014/main" id="{8830F8E8-B143-4265-ABF9-B6D032E176A0}"/>
+                </a:ext>
+              </a:extLst>
+            </p:cNvPr>
+            <p:cNvSpPr txBox="1"/>
+            <p:nvPr/>
+          </p:nvSpPr>
+          <p:spPr>
+            <a:xfrm>
+              <a:off x="5053612" y="6937864"/>
+              <a:ext cx="2454659" cy="923330"/>
+            </a:xfrm>
+            <a:prstGeom prst="rect">
+              <a:avLst/>
+            </a:prstGeom>
+            <a:noFill/>
+          </p:spPr>
+          <p:txBody>
+            <a:bodyPr wrap="square" rtlCol="0">
+              <a:spAutoFit/>
+            </a:bodyPr>
+            <a:lstStyle/>
+            <a:p>
+              <a:r>
+                <a:rPr lang="en-US" altLang="zh-CN" dirty="0"/>
+                <a:t>C++</a:t>
+              </a:r>
+              <a:r>
+                <a:rPr lang="zh-CN" altLang="en-US" dirty="0"/>
+                <a:t>这个稍有差异，但是总体路径代价是一样</a:t>
+              </a:r>
+            </a:p>
+          </p:txBody>
+        </p:sp>
+      </p:grpSp>
+    </p:spTree>
+    <p:extLst>
+      <p:ext uri="{BB962C8B-B14F-4D97-AF65-F5344CB8AC3E}">
+        <p14:creationId xmlns:p14="http://schemas.microsoft.com/office/powerpoint/2010/main" val="683179349"/>
+      </p:ext>
+    </p:extLst>
+  </p:cSld>
+  <p:clrMapOvr>
+    <a:masterClrMapping/>
+  </p:clrMapOvr>
+</p:sld>
+</file>
+
+<file path=ppt/slides/slide31.xml><?xml version="1.0" encoding="utf-8"?>
+<p:sld xmlns:a="http://schemas.openxmlformats.org/drawingml/2006/main" xmlns:r="http://schemas.openxmlformats.org/officeDocument/2006/relationships" xmlns:p="http://schemas.openxmlformats.org/presentationml/2006/main">
+  <p:cSld>
+    <p:spTree>
+      <p:nvGrpSpPr>
+        <p:cNvPr id="1" name=""/>
+        <p:cNvGrpSpPr/>
+        <p:nvPr/>
+      </p:nvGrpSpPr>
+      <p:grpSpPr>
+        <a:xfrm>
+          <a:off x="0" y="0"/>
+          <a:ext cx="0" cy="0"/>
+          <a:chOff x="0" y="0"/>
+          <a:chExt cx="0" cy="0"/>
+        </a:xfrm>
+      </p:grpSpPr>
+      <p:sp>
+        <p:nvSpPr>
+          <p:cNvPr id="2" name="标题 1">
+            <a:extLst>
+              <a:ext uri="{FF2B5EF4-FFF2-40B4-BE49-F238E27FC236}">
+                <a16:creationId xmlns:a16="http://schemas.microsoft.com/office/drawing/2014/main" id="{411A3171-04A5-40CC-8964-E283F20D29B4}"/>
+              </a:ext>
+            </a:extLst>
+          </p:cNvPr>
+          <p:cNvSpPr>
+            <a:spLocks noGrp="1"/>
+          </p:cNvSpPr>
+          <p:nvPr>
+            <p:ph type="title"/>
+          </p:nvPr>
+        </p:nvSpPr>
+        <p:spPr/>
+        <p:txBody>
+          <a:bodyPr/>
+          <a:lstStyle/>
+          <a:p>
+            <a:r>
+              <a:rPr lang="zh-CN" altLang="en-US" dirty="0"/>
+              <a:t>现象分析</a:t>
+            </a:r>
           </a:p>
         </p:txBody>
       </p:sp>
@@ -39631,7 +40533,223 @@
           <p:cNvPr id="3" name="内容占位符 2">
             <a:extLst>
               <a:ext uri="{FF2B5EF4-FFF2-40B4-BE49-F238E27FC236}">
-                <a16:creationId xmlns:a16="http://schemas.microsoft.com/office/drawing/2014/main" id="{33DDD0E8-B477-4F04-A04F-3555296B947D}"/>
+                <a16:creationId xmlns:a16="http://schemas.microsoft.com/office/drawing/2014/main" id="{28714A32-B371-447F-B988-C5821932A5C7}"/>
+              </a:ext>
+            </a:extLst>
+          </p:cNvPr>
+          <p:cNvSpPr>
+            <a:spLocks noGrp="1"/>
+          </p:cNvSpPr>
+          <p:nvPr>
+            <p:ph idx="1"/>
+          </p:nvPr>
+        </p:nvSpPr>
+        <p:spPr/>
+        <p:txBody>
+          <a:bodyPr>
+            <a:normAutofit lnSpcReduction="10000"/>
+          </a:bodyPr>
+          <a:lstStyle/>
+          <a:p>
+            <a:r>
+              <a:rPr lang="zh-CN" altLang="en-US" dirty="0"/>
+              <a:t>现象：</a:t>
+            </a:r>
+            <a:r>
+              <a:rPr lang="en-US" altLang="zh-CN" dirty="0"/>
+              <a:t>Dijkstra</a:t>
+            </a:r>
+            <a:r>
+              <a:rPr lang="zh-CN" altLang="en-US" dirty="0"/>
+              <a:t>还没有</a:t>
+            </a:r>
+            <a:r>
+              <a:rPr lang="en-US" altLang="zh-CN" dirty="0"/>
+              <a:t>BFS</a:t>
+            </a:r>
+            <a:r>
+              <a:rPr lang="zh-CN" altLang="en-US" dirty="0"/>
+              <a:t>得分高</a:t>
+            </a:r>
+            <a:endParaRPr lang="en-US" altLang="zh-CN" dirty="0"/>
+          </a:p>
+          <a:p>
+            <a:endParaRPr lang="en-US" altLang="zh-CN" dirty="0"/>
+          </a:p>
+          <a:p>
+            <a:endParaRPr lang="en-US" altLang="zh-CN" dirty="0"/>
+          </a:p>
+          <a:p>
+            <a:endParaRPr lang="en-US" altLang="zh-CN" dirty="0"/>
+          </a:p>
+          <a:p>
+            <a:r>
+              <a:rPr lang="zh-CN" altLang="en-US" dirty="0"/>
+              <a:t>分析：</a:t>
+            </a:r>
+            <a:endParaRPr lang="en-US" altLang="zh-CN" dirty="0"/>
+          </a:p>
+          <a:p>
+            <a:r>
+              <a:rPr lang="zh-CN" altLang="en-US" dirty="0"/>
+              <a:t>（</a:t>
+            </a:r>
+            <a:r>
+              <a:rPr lang="en-US" altLang="zh-CN" dirty="0"/>
+              <a:t>1</a:t>
+            </a:r>
+            <a:r>
+              <a:rPr lang="zh-CN" altLang="en-US" dirty="0"/>
+              <a:t>）改进之后分数更低，过分追求最短路径产生了很多的拐弯</a:t>
+            </a:r>
+            <a:endParaRPr lang="en-US" altLang="zh-CN" dirty="0"/>
+          </a:p>
+          <a:p>
+            <a:r>
+              <a:rPr lang="zh-CN" altLang="en-US" dirty="0"/>
+              <a:t>（</a:t>
+            </a:r>
+            <a:r>
+              <a:rPr lang="en-US" altLang="zh-CN" dirty="0"/>
+              <a:t>2</a:t>
+            </a:r>
+            <a:r>
+              <a:rPr lang="zh-CN" altLang="en-US" dirty="0"/>
+              <a:t>）还是比最高的分数低</a:t>
+            </a:r>
+            <a:endParaRPr lang="en-US" altLang="zh-CN" dirty="0"/>
+          </a:p>
+          <a:p>
+            <a:pPr lvl="1"/>
+            <a:r>
+              <a:rPr lang="en-US" altLang="zh-CN" dirty="0"/>
+              <a:t>&lt;1&gt; </a:t>
+            </a:r>
+            <a:r>
+              <a:rPr lang="zh-CN" altLang="en-US" dirty="0"/>
+              <a:t>可能对于大用例，跑不完：及时停止策略。</a:t>
+            </a:r>
+            <a:endParaRPr lang="en-US" altLang="zh-CN" dirty="0"/>
+          </a:p>
+          <a:p>
+            <a:pPr lvl="1"/>
+            <a:r>
+              <a:rPr lang="en-US" altLang="zh-CN" dirty="0"/>
+              <a:t>&lt;2&gt; </a:t>
+            </a:r>
+            <a:r>
+              <a:rPr lang="zh-CN" altLang="en-US" dirty="0"/>
+              <a:t>路径方面：把拐弯的思路考虑进去。</a:t>
+            </a:r>
+            <a:endParaRPr lang="en-US" altLang="zh-CN" dirty="0"/>
+          </a:p>
+          <a:p>
+            <a:pPr lvl="1"/>
+            <a:r>
+              <a:rPr lang="en-US" altLang="zh-CN" dirty="0"/>
+              <a:t>&lt;3&gt;</a:t>
+            </a:r>
+            <a:r>
+              <a:rPr lang="zh-CN" altLang="en-US" dirty="0"/>
+              <a:t>消息方面：优化消息格式的选择</a:t>
+            </a:r>
+          </a:p>
+        </p:txBody>
+      </p:sp>
+      <p:pic>
+        <p:nvPicPr>
+          <p:cNvPr id="5" name="图片 4">
+            <a:extLst>
+              <a:ext uri="{FF2B5EF4-FFF2-40B4-BE49-F238E27FC236}">
+                <a16:creationId xmlns:a16="http://schemas.microsoft.com/office/drawing/2014/main" id="{0838816A-BD3F-4ACF-9C0A-284F0392FB45}"/>
+              </a:ext>
+            </a:extLst>
+          </p:cNvPr>
+          <p:cNvPicPr>
+            <a:picLocks noChangeAspect="1"/>
+          </p:cNvPicPr>
+          <p:nvPr/>
+        </p:nvPicPr>
+        <p:blipFill>
+          <a:blip r:embed="rId2"/>
+          <a:stretch>
+            <a:fillRect/>
+          </a:stretch>
+        </p:blipFill>
+        <p:spPr>
+          <a:xfrm>
+            <a:off x="1218196" y="2482955"/>
+            <a:ext cx="9005304" cy="1221410"/>
+          </a:xfrm>
+          <a:prstGeom prst="rect">
+            <a:avLst/>
+          </a:prstGeom>
+        </p:spPr>
+      </p:pic>
+    </p:spTree>
+    <p:extLst>
+      <p:ext uri="{BB962C8B-B14F-4D97-AF65-F5344CB8AC3E}">
+        <p14:creationId xmlns:p14="http://schemas.microsoft.com/office/powerpoint/2010/main" val="1640883739"/>
+      </p:ext>
+    </p:extLst>
+  </p:cSld>
+  <p:clrMapOvr>
+    <a:masterClrMapping/>
+  </p:clrMapOvr>
+</p:sld>
+</file>
+
+<file path=ppt/slides/slide32.xml><?xml version="1.0" encoding="utf-8"?>
+<p:sld xmlns:a="http://schemas.openxmlformats.org/drawingml/2006/main" xmlns:r="http://schemas.openxmlformats.org/officeDocument/2006/relationships" xmlns:p="http://schemas.openxmlformats.org/presentationml/2006/main">
+  <p:cSld>
+    <p:spTree>
+      <p:nvGrpSpPr>
+        <p:cNvPr id="1" name=""/>
+        <p:cNvGrpSpPr/>
+        <p:nvPr/>
+      </p:nvGrpSpPr>
+      <p:grpSpPr>
+        <a:xfrm>
+          <a:off x="0" y="0"/>
+          <a:ext cx="0" cy="0"/>
+          <a:chOff x="0" y="0"/>
+          <a:chExt cx="0" cy="0"/>
+        </a:xfrm>
+      </p:grpSpPr>
+      <p:sp>
+        <p:nvSpPr>
+          <p:cNvPr id="2" name="标题 1">
+            <a:extLst>
+              <a:ext uri="{FF2B5EF4-FFF2-40B4-BE49-F238E27FC236}">
+                <a16:creationId xmlns:a16="http://schemas.microsoft.com/office/drawing/2014/main" id="{562AB0FC-2C94-4002-9BB8-0141A667348D}"/>
+              </a:ext>
+            </a:extLst>
+          </p:cNvPr>
+          <p:cNvSpPr>
+            <a:spLocks noGrp="1"/>
+          </p:cNvSpPr>
+          <p:nvPr>
+            <p:ph type="title"/>
+          </p:nvPr>
+        </p:nvSpPr>
+        <p:spPr/>
+        <p:txBody>
+          <a:bodyPr/>
+          <a:lstStyle/>
+          <a:p>
+            <a:r>
+              <a:rPr lang="zh-CN" altLang="en-US" dirty="0"/>
+              <a:t>及时停止策略：能够减少时间复杂度</a:t>
+            </a:r>
+          </a:p>
+        </p:txBody>
+      </p:sp>
+      <p:sp>
+        <p:nvSpPr>
+          <p:cNvPr id="3" name="内容占位符 2">
+            <a:extLst>
+              <a:ext uri="{FF2B5EF4-FFF2-40B4-BE49-F238E27FC236}">
+                <a16:creationId xmlns:a16="http://schemas.microsoft.com/office/drawing/2014/main" id="{47A2E437-8ED7-4F75-828C-45E69AEEA377}"/>
               </a:ext>
             </a:extLst>
           </p:cNvPr>
@@ -39647,14 +40765,246 @@
           <a:bodyPr/>
           <a:lstStyle/>
           <a:p>
-            <a:endParaRPr lang="zh-CN" altLang="en-US"/>
+            <a:r>
+              <a:rPr lang="zh-CN" altLang="en-US" dirty="0"/>
+              <a:t>（</a:t>
+            </a:r>
+            <a:r>
+              <a:rPr lang="en-US" altLang="zh-CN" dirty="0"/>
+              <a:t>1</a:t>
+            </a:r>
+            <a:r>
+              <a:rPr lang="zh-CN" altLang="en-US" dirty="0"/>
+              <a:t>）实现及时停止策略：</a:t>
+            </a:r>
+            <a:endParaRPr lang="en-US" altLang="zh-CN" dirty="0"/>
+          </a:p>
+          <a:p>
+            <a:pPr lvl="1"/>
+            <a:r>
+              <a:rPr lang="en-US" altLang="zh-CN" dirty="0"/>
+              <a:t>&lt;1&gt; </a:t>
+            </a:r>
+            <a:r>
+              <a:rPr lang="zh-CN" altLang="en-US" dirty="0"/>
+              <a:t>改变先所有</a:t>
+            </a:r>
+            <a:r>
+              <a:rPr lang="en-US" altLang="zh-CN" dirty="0"/>
+              <a:t>Customer</a:t>
+            </a:r>
+            <a:r>
+              <a:rPr lang="zh-CN" altLang="en-US" dirty="0"/>
+              <a:t>当作障碍</a:t>
+            </a:r>
+            <a:r>
+              <a:rPr lang="en-US" altLang="zh-CN" dirty="0"/>
+              <a:t>BFS</a:t>
+            </a:r>
+            <a:r>
+              <a:rPr lang="zh-CN" altLang="en-US" dirty="0"/>
+              <a:t>后在</a:t>
+            </a:r>
+            <a:r>
+              <a:rPr lang="en-US" altLang="zh-CN" dirty="0"/>
+              <a:t>Customer</a:t>
+            </a:r>
+            <a:r>
+              <a:rPr lang="zh-CN" altLang="en-US" dirty="0"/>
+              <a:t>寻找最近的策略。</a:t>
+            </a:r>
+            <a:endParaRPr lang="en-US" altLang="zh-CN" dirty="0"/>
+          </a:p>
+          <a:p>
+            <a:pPr lvl="2"/>
+            <a:r>
+              <a:rPr lang="en-US" altLang="zh-CN" dirty="0"/>
+              <a:t>Neighbor</a:t>
+            </a:r>
+            <a:r>
+              <a:rPr lang="zh-CN" altLang="en-US" dirty="0"/>
+              <a:t>可以返回</a:t>
+            </a:r>
+            <a:r>
+              <a:rPr lang="en-US" altLang="zh-CN" dirty="0"/>
+              <a:t>Customer</a:t>
+            </a:r>
+            <a:r>
+              <a:rPr lang="zh-CN" altLang="en-US" dirty="0"/>
+              <a:t>，但是</a:t>
+            </a:r>
+            <a:r>
+              <a:rPr lang="en-US" altLang="zh-CN" dirty="0"/>
+              <a:t>Customer</a:t>
+            </a:r>
+            <a:r>
+              <a:rPr lang="zh-CN" altLang="en-US" dirty="0"/>
+              <a:t>当作中心时</a:t>
+            </a:r>
+            <a:r>
+              <a:rPr lang="en-US" altLang="zh-CN" dirty="0"/>
+              <a:t>Neighbor</a:t>
+            </a:r>
+            <a:r>
+              <a:rPr lang="zh-CN" altLang="en-US" dirty="0"/>
+              <a:t>为空</a:t>
+            </a:r>
+            <a:endParaRPr lang="en-US" altLang="zh-CN" dirty="0"/>
+          </a:p>
+          <a:p>
+            <a:pPr lvl="2"/>
+            <a:r>
+              <a:rPr lang="zh-CN" altLang="en-US" dirty="0"/>
+              <a:t>直接</a:t>
+            </a:r>
+            <a:r>
+              <a:rPr lang="en-US" altLang="zh-CN" dirty="0"/>
+              <a:t>BFS</a:t>
+            </a:r>
+            <a:r>
+              <a:rPr lang="zh-CN" altLang="en-US" dirty="0"/>
+              <a:t>完成即可</a:t>
+            </a:r>
+            <a:endParaRPr lang="en-US" altLang="zh-CN" dirty="0"/>
+          </a:p>
+          <a:p>
+            <a:pPr lvl="1"/>
+            <a:r>
+              <a:rPr lang="en-US" altLang="zh-CN" dirty="0"/>
+              <a:t>&lt;2&gt; </a:t>
+            </a:r>
+            <a:r>
+              <a:rPr lang="zh-CN" altLang="en-US" dirty="0"/>
+              <a:t>记录未遍历到的</a:t>
+            </a:r>
+            <a:r>
+              <a:rPr lang="en-US" altLang="zh-CN" dirty="0"/>
+              <a:t>Customer</a:t>
+            </a:r>
+            <a:r>
+              <a:rPr lang="zh-CN" altLang="en-US" dirty="0"/>
+              <a:t>个数，完成时则停止，实现及时停止。</a:t>
+            </a:r>
+            <a:endParaRPr lang="en-US" altLang="zh-CN" dirty="0"/>
+          </a:p>
+          <a:p>
+            <a:r>
+              <a:rPr lang="zh-CN" altLang="en-US" dirty="0"/>
+              <a:t>（</a:t>
+            </a:r>
+            <a:r>
+              <a:rPr lang="en-US" altLang="zh-CN" dirty="0"/>
+              <a:t>2</a:t>
+            </a:r>
+            <a:r>
+              <a:rPr lang="zh-CN" altLang="en-US" dirty="0"/>
+              <a:t>）结果</a:t>
+            </a:r>
+            <a:endParaRPr lang="en-US" altLang="zh-CN" dirty="0"/>
+          </a:p>
+          <a:p>
+            <a:pPr lvl="1"/>
+            <a:r>
+              <a:rPr lang="en-US" altLang="zh-CN" dirty="0"/>
+              <a:t>&lt;1&gt;BFS</a:t>
+            </a:r>
+          </a:p>
+          <a:p>
+            <a:pPr lvl="1"/>
+            <a:r>
+              <a:rPr lang="en-US" altLang="zh-CN" dirty="0"/>
+              <a:t>&lt;2&gt;Dijkstra</a:t>
+            </a:r>
+            <a:endParaRPr lang="zh-CN" altLang="en-US" dirty="0"/>
+          </a:p>
+        </p:txBody>
+      </p:sp>
+      <p:sp>
+        <p:nvSpPr>
+          <p:cNvPr id="6" name="文本框 5">
+            <a:extLst>
+              <a:ext uri="{FF2B5EF4-FFF2-40B4-BE49-F238E27FC236}">
+                <a16:creationId xmlns:a16="http://schemas.microsoft.com/office/drawing/2014/main" id="{B485380E-83DF-4DB5-BB2B-F196E9F16455}"/>
+              </a:ext>
+            </a:extLst>
+          </p:cNvPr>
+          <p:cNvSpPr txBox="1"/>
+          <p:nvPr/>
+        </p:nvSpPr>
+        <p:spPr>
+          <a:xfrm>
+            <a:off x="13525500" y="698500"/>
+            <a:ext cx="4758034" cy="923330"/>
+          </a:xfrm>
+          <a:prstGeom prst="rect">
+            <a:avLst/>
+          </a:prstGeom>
+          <a:noFill/>
+        </p:spPr>
+        <p:txBody>
+          <a:bodyPr wrap="none" rtlCol="0">
+            <a:spAutoFit/>
+          </a:bodyPr>
+          <a:lstStyle/>
+          <a:p>
+            <a:pPr marL="342900" indent="-342900">
+              <a:buAutoNum type="arabicPeriod"/>
+            </a:pPr>
+            <a:r>
+              <a:rPr lang="zh-CN" altLang="en-US" dirty="0"/>
+              <a:t>修改</a:t>
+            </a:r>
+            <a:r>
+              <a:rPr lang="en-US" altLang="zh-CN" dirty="0"/>
+              <a:t>neighbor</a:t>
+            </a:r>
+            <a:r>
+              <a:rPr lang="zh-CN" altLang="en-US" dirty="0"/>
+              <a:t>策略</a:t>
+            </a:r>
+            <a:endParaRPr lang="en-US" altLang="zh-CN" dirty="0"/>
+          </a:p>
+          <a:p>
+            <a:pPr marL="342900" indent="-342900">
+              <a:buAutoNum type="arabicPeriod"/>
+            </a:pPr>
+            <a:r>
+              <a:rPr lang="zh-CN" altLang="en-US" dirty="0"/>
+              <a:t>修改</a:t>
+            </a:r>
+            <a:r>
+              <a:rPr lang="en-US" altLang="zh-CN" dirty="0"/>
+              <a:t>visited</a:t>
+            </a:r>
+            <a:r>
+              <a:rPr lang="zh-CN" altLang="en-US" dirty="0"/>
+              <a:t>位置</a:t>
+            </a:r>
+            <a:endParaRPr lang="en-US" altLang="zh-CN" dirty="0"/>
+          </a:p>
+          <a:p>
+            <a:pPr marL="342900" indent="-342900">
+              <a:buAutoNum type="arabicPeriod"/>
+            </a:pPr>
+            <a:r>
+              <a:rPr lang="zh-CN" altLang="en-US" dirty="0"/>
+              <a:t>添加</a:t>
+            </a:r>
+            <a:r>
+              <a:rPr lang="en-US" altLang="zh-CN" dirty="0" err="1"/>
+              <a:t>consumer_vector</a:t>
+            </a:r>
+            <a:r>
+              <a:rPr lang="zh-CN" altLang="en-US" dirty="0"/>
+              <a:t>的计数和及时停止。</a:t>
+            </a:r>
           </a:p>
         </p:txBody>
       </p:sp>
     </p:spTree>
     <p:extLst>
       <p:ext uri="{BB962C8B-B14F-4D97-AF65-F5344CB8AC3E}">
-        <p14:creationId xmlns:p14="http://schemas.microsoft.com/office/powerpoint/2010/main" val="683179349"/>
+        <p14:creationId xmlns:p14="http://schemas.microsoft.com/office/powerpoint/2010/main" val="3780963480"/>
       </p:ext>
     </p:extLst>
   </p:cSld>
@@ -39664,7 +41014,7 @@
 </p:sld>
 </file>
 
-<file path=ppt/slides/slide31.xml><?xml version="1.0" encoding="utf-8"?>
+<file path=ppt/slides/slide33.xml><?xml version="1.0" encoding="utf-8"?>
 <p:sld xmlns:a="http://schemas.openxmlformats.org/drawingml/2006/main" xmlns:r="http://schemas.openxmlformats.org/officeDocument/2006/relationships" xmlns:p="http://schemas.openxmlformats.org/presentationml/2006/main">
   <p:cSld>
     <p:spTree>
@@ -39704,11 +41054,11 @@
           <a:p>
             <a:r>
               <a:rPr lang="en-US" altLang="zh-CN" dirty="0"/>
-              <a:t>A*</a:t>
+              <a:t>BFS</a:t>
             </a:r>
             <a:r>
               <a:rPr lang="zh-CN" altLang="en-US" dirty="0"/>
-              <a:t>算法</a:t>
+              <a:t>贪婪策略</a:t>
             </a:r>
           </a:p>
         </p:txBody>
@@ -39734,7 +41084,14 @@
           <a:bodyPr/>
           <a:lstStyle/>
           <a:p>
-            <a:endParaRPr lang="zh-CN" altLang="en-US"/>
+            <a:r>
+              <a:rPr lang="en-US" altLang="zh-CN" dirty="0"/>
+              <a:t>1. </a:t>
+            </a:r>
+            <a:r>
+              <a:rPr lang="zh-CN" altLang="en-US" dirty="0"/>
+              <a:t>实现</a:t>
+            </a:r>
           </a:p>
         </p:txBody>
       </p:sp>
@@ -39742,6 +41099,100 @@
     <p:extLst>
       <p:ext uri="{BB962C8B-B14F-4D97-AF65-F5344CB8AC3E}">
         <p14:creationId xmlns:p14="http://schemas.microsoft.com/office/powerpoint/2010/main" val="3062490977"/>
+      </p:ext>
+    </p:extLst>
+  </p:cSld>
+  <p:clrMapOvr>
+    <a:masterClrMapping/>
+  </p:clrMapOvr>
+</p:sld>
+</file>
+
+<file path=ppt/slides/slide34.xml><?xml version="1.0" encoding="utf-8"?>
+<p:sld xmlns:a="http://schemas.openxmlformats.org/drawingml/2006/main" xmlns:r="http://schemas.openxmlformats.org/officeDocument/2006/relationships" xmlns:p="http://schemas.openxmlformats.org/presentationml/2006/main">
+  <p:cSld>
+    <p:spTree>
+      <p:nvGrpSpPr>
+        <p:cNvPr id="1" name=""/>
+        <p:cNvGrpSpPr/>
+        <p:nvPr/>
+      </p:nvGrpSpPr>
+      <p:grpSpPr>
+        <a:xfrm>
+          <a:off x="0" y="0"/>
+          <a:ext cx="0" cy="0"/>
+          <a:chOff x="0" y="0"/>
+          <a:chExt cx="0" cy="0"/>
+        </a:xfrm>
+      </p:grpSpPr>
+      <p:sp>
+        <p:nvSpPr>
+          <p:cNvPr id="2" name="标题 1">
+            <a:extLst>
+              <a:ext uri="{FF2B5EF4-FFF2-40B4-BE49-F238E27FC236}">
+                <a16:creationId xmlns:a16="http://schemas.microsoft.com/office/drawing/2014/main" id="{353FBBE9-5F58-496D-9795-86697E238D2D}"/>
+              </a:ext>
+            </a:extLst>
+          </p:cNvPr>
+          <p:cNvSpPr>
+            <a:spLocks noGrp="1"/>
+          </p:cNvSpPr>
+          <p:nvPr>
+            <p:ph type="title"/>
+          </p:nvPr>
+        </p:nvSpPr>
+        <p:spPr/>
+        <p:txBody>
+          <a:bodyPr/>
+          <a:lstStyle/>
+          <a:p>
+            <a:r>
+              <a:rPr lang="en-US" altLang="zh-CN" dirty="0"/>
+              <a:t>A*</a:t>
+            </a:r>
+            <a:r>
+              <a:rPr lang="zh-CN" altLang="en-US" dirty="0"/>
+              <a:t>算法</a:t>
+            </a:r>
+          </a:p>
+        </p:txBody>
+      </p:sp>
+      <p:sp>
+        <p:nvSpPr>
+          <p:cNvPr id="3" name="内容占位符 2">
+            <a:extLst>
+              <a:ext uri="{FF2B5EF4-FFF2-40B4-BE49-F238E27FC236}">
+                <a16:creationId xmlns:a16="http://schemas.microsoft.com/office/drawing/2014/main" id="{33DDD0E8-B477-4F04-A04F-3555296B947D}"/>
+              </a:ext>
+            </a:extLst>
+          </p:cNvPr>
+          <p:cNvSpPr>
+            <a:spLocks noGrp="1"/>
+          </p:cNvSpPr>
+          <p:nvPr>
+            <p:ph idx="1"/>
+          </p:nvPr>
+        </p:nvSpPr>
+        <p:spPr/>
+        <p:txBody>
+          <a:bodyPr/>
+          <a:lstStyle/>
+          <a:p>
+            <a:r>
+              <a:rPr lang="en-US" altLang="zh-CN" dirty="0"/>
+              <a:t>1. </a:t>
+            </a:r>
+            <a:r>
+              <a:rPr lang="zh-CN" altLang="en-US" dirty="0"/>
+              <a:t>实现</a:t>
+            </a:r>
+          </a:p>
+        </p:txBody>
+      </p:sp>
+    </p:spTree>
+    <p:extLst>
+      <p:ext uri="{BB962C8B-B14F-4D97-AF65-F5344CB8AC3E}">
+        <p14:creationId xmlns:p14="http://schemas.microsoft.com/office/powerpoint/2010/main" val="846800158"/>
       </p:ext>
     </p:extLst>
   </p:cSld>

--- a/huawei/日志记录.pptx
+++ b/huawei/日志记录.pptx
@@ -36403,7 +36403,7 @@
       </p:pic>
       <p:pic>
         <p:nvPicPr>
-          <p:cNvPr id="14" name="图片 13"/>
+          <p:cNvPr id="15" name="图片 14"/>
           <p:cNvPicPr>
             <a:picLocks noChangeAspect="1"/>
           </p:cNvPicPr>
@@ -36411,30 +36411,6 @@
         </p:nvPicPr>
         <p:blipFill>
           <a:blip r:embed="rId7"/>
-          <a:stretch>
-            <a:fillRect/>
-          </a:stretch>
-        </p:blipFill>
-        <p:spPr>
-          <a:xfrm>
-            <a:off x="10351316" y="1337261"/>
-            <a:ext cx="681843" cy="1080000"/>
-          </a:xfrm>
-          <a:prstGeom prst="rect">
-            <a:avLst/>
-          </a:prstGeom>
-        </p:spPr>
-      </p:pic>
-      <p:pic>
-        <p:nvPicPr>
-          <p:cNvPr id="15" name="图片 14"/>
-          <p:cNvPicPr>
-            <a:picLocks noChangeAspect="1"/>
-          </p:cNvPicPr>
-          <p:nvPr/>
-        </p:nvPicPr>
-        <p:blipFill>
-          <a:blip r:embed="rId8"/>
           <a:stretch>
             <a:fillRect/>
           </a:stretch>
@@ -36458,7 +36434,7 @@
           <p:nvPr/>
         </p:nvPicPr>
         <p:blipFill>
-          <a:blip r:embed="rId9"/>
+          <a:blip r:embed="rId8"/>
           <a:stretch>
             <a:fillRect/>
           </a:stretch>
@@ -36530,7 +36506,7 @@
             <p:nvPr/>
           </p:nvPicPr>
           <p:blipFill>
-            <a:blip r:embed="rId10"/>
+            <a:blip r:embed="rId9"/>
             <a:stretch>
               <a:fillRect/>
             </a:stretch>
@@ -36580,6 +36556,34 @@
           </p:txBody>
         </p:sp>
       </p:grpSp>
+      <p:pic>
+        <p:nvPicPr>
+          <p:cNvPr id="3" name="图片 2"/>
+          <p:cNvPicPr>
+            <a:picLocks noChangeAspect="1"/>
+          </p:cNvPicPr>
+          <p:nvPr>
+            <p:custDataLst>
+              <p:tags r:id="rId10"/>
+            </p:custDataLst>
+          </p:nvPr>
+        </p:nvPicPr>
+        <p:blipFill>
+          <a:blip r:embed="rId11"/>
+          <a:stretch>
+            <a:fillRect/>
+          </a:stretch>
+        </p:blipFill>
+        <p:spPr>
+          <a:xfrm>
+            <a:off x="10362565" y="1337310"/>
+            <a:ext cx="616585" cy="1116330"/>
+          </a:xfrm>
+          <a:prstGeom prst="rect">
+            <a:avLst/>
+          </a:prstGeom>
+        </p:spPr>
+      </p:pic>
     </p:spTree>
   </p:cSld>
   <p:clrMapOvr>
@@ -37539,7 +37543,7 @@
         <p:spPr>
           <a:xfrm>
             <a:off x="10992485" y="5503545"/>
-            <a:ext cx="1943100" cy="1198880"/>
+            <a:ext cx="1943100" cy="368300"/>
           </a:xfrm>
           <a:prstGeom prst="rect">
             <a:avLst/>
@@ -37558,14 +37562,6 @@
             <a:r>
               <a:rPr lang="en-US" altLang="zh-CN"/>
               <a:t>P30</a:t>
-            </a:r>
-            <a:r>
-              <a:rPr lang="zh-CN" altLang="en-US"/>
-              <a:t>，当时没注意其他节点的距离有问题，现在</a:t>
-            </a:r>
-            <a:r>
-              <a:rPr lang="zh-CN" altLang="en-US"/>
-              <a:t>修正了。</a:t>
             </a:r>
             <a:endParaRPr lang="zh-CN" altLang="en-US"/>
           </a:p>
@@ -37827,6 +37823,183 @@
           </p:spPr>
         </p:pic>
       </p:grpSp>
+      <p:pic>
+        <p:nvPicPr>
+          <p:cNvPr id="3" name="图片 2"/>
+          <p:cNvPicPr>
+            <a:picLocks noChangeAspect="1"/>
+          </p:cNvPicPr>
+          <p:nvPr>
+            <p:custDataLst>
+              <p:tags r:id="rId35"/>
+            </p:custDataLst>
+          </p:nvPr>
+        </p:nvPicPr>
+        <p:blipFill>
+          <a:blip r:embed="rId36"/>
+          <a:stretch>
+            <a:fillRect/>
+          </a:stretch>
+        </p:blipFill>
+        <p:spPr>
+          <a:xfrm>
+            <a:off x="14091285" y="4061460"/>
+            <a:ext cx="8625840" cy="1143000"/>
+          </a:xfrm>
+          <a:prstGeom prst="rect">
+            <a:avLst/>
+          </a:prstGeom>
+        </p:spPr>
+      </p:pic>
+      <p:cxnSp>
+        <p:nvCxnSpPr>
+          <p:cNvPr id="11" name="直接箭头连接符 10"/>
+          <p:cNvCxnSpPr>
+            <a:stCxn id="23" idx="3"/>
+          </p:cNvCxnSpPr>
+          <p:nvPr/>
+        </p:nvCxnSpPr>
+        <p:spPr>
+          <a:xfrm>
+            <a:off x="13410565" y="3291205"/>
+            <a:ext cx="680720" cy="1667510"/>
+          </a:xfrm>
+          <a:prstGeom prst="straightConnector1">
+            <a:avLst/>
+          </a:prstGeom>
+          <a:ln>
+            <a:tailEnd type="arrow"/>
+          </a:ln>
+        </p:spPr>
+        <p:style>
+          <a:lnRef idx="2">
+            <a:schemeClr val="accent1"/>
+          </a:lnRef>
+          <a:fillRef idx="0">
+            <a:srgbClr val="FFFFFF"/>
+          </a:fillRef>
+          <a:effectRef idx="0">
+            <a:srgbClr val="FFFFFF"/>
+          </a:effectRef>
+          <a:fontRef idx="minor">
+            <a:schemeClr val="tx1"/>
+          </a:fontRef>
+        </p:style>
+      </p:cxnSp>
+      <p:cxnSp>
+        <p:nvCxnSpPr>
+          <p:cNvPr id="12" name="直接箭头连接符 11"/>
+          <p:cNvCxnSpPr>
+            <a:stCxn id="24" idx="3"/>
+            <a:endCxn id="3" idx="1"/>
+          </p:cNvCxnSpPr>
+          <p:nvPr/>
+        </p:nvCxnSpPr>
+        <p:spPr>
+          <a:xfrm flipV="1">
+            <a:off x="12935585" y="4632960"/>
+            <a:ext cx="1155700" cy="1054735"/>
+          </a:xfrm>
+          <a:prstGeom prst="straightConnector1">
+            <a:avLst/>
+          </a:prstGeom>
+          <a:ln>
+            <a:tailEnd type="arrow"/>
+          </a:ln>
+        </p:spPr>
+        <p:style>
+          <a:lnRef idx="2">
+            <a:schemeClr val="accent1"/>
+          </a:lnRef>
+          <a:fillRef idx="0">
+            <a:srgbClr val="FFFFFF"/>
+          </a:fillRef>
+          <a:effectRef idx="0">
+            <a:srgbClr val="FFFFFF"/>
+          </a:effectRef>
+          <a:fontRef idx="minor">
+            <a:schemeClr val="tx1"/>
+          </a:fontRef>
+        </p:style>
+      </p:cxnSp>
+      <p:sp>
+        <p:nvSpPr>
+          <p:cNvPr id="18" name="文本框 17"/>
+          <p:cNvSpPr txBox="1"/>
+          <p:nvPr>
+            <p:custDataLst>
+              <p:tags r:id="rId37"/>
+            </p:custDataLst>
+          </p:nvPr>
+        </p:nvSpPr>
+        <p:spPr>
+          <a:xfrm>
+            <a:off x="13521690" y="5375275"/>
+            <a:ext cx="1943100" cy="368300"/>
+          </a:xfrm>
+          <a:prstGeom prst="rect">
+            <a:avLst/>
+          </a:prstGeom>
+          <a:noFill/>
+        </p:spPr>
+        <p:txBody>
+          <a:bodyPr wrap="square" rtlCol="0">
+            <a:spAutoFit/>
+          </a:bodyPr>
+          <a:p>
+            <a:r>
+              <a:rPr lang="zh-CN" altLang="en-US"/>
+              <a:t>提升到</a:t>
+            </a:r>
+            <a:r>
+              <a:rPr lang="en-US" altLang="zh-CN"/>
+              <a:t>1.9</a:t>
+            </a:r>
+            <a:r>
+              <a:rPr lang="zh-CN" altLang="en-US"/>
+              <a:t>亿</a:t>
+            </a:r>
+            <a:endParaRPr lang="zh-CN" altLang="en-US"/>
+          </a:p>
+        </p:txBody>
+      </p:sp>
+      <p:sp>
+        <p:nvSpPr>
+          <p:cNvPr id="28" name="文本框 27"/>
+          <p:cNvSpPr txBox="1"/>
+          <p:nvPr>
+            <p:custDataLst>
+              <p:tags r:id="rId38"/>
+            </p:custDataLst>
+          </p:nvPr>
+        </p:nvSpPr>
+        <p:spPr>
+          <a:xfrm>
+            <a:off x="13695045" y="3395345"/>
+            <a:ext cx="1943100" cy="645160"/>
+          </a:xfrm>
+          <a:prstGeom prst="rect">
+            <a:avLst/>
+          </a:prstGeom>
+          <a:noFill/>
+        </p:spPr>
+        <p:txBody>
+          <a:bodyPr wrap="square" rtlCol="0">
+            <a:spAutoFit/>
+          </a:bodyPr>
+          <a:p>
+            <a:r>
+              <a:rPr lang="zh-CN" altLang="en-US"/>
+              <a:t>暂时无法提交，不知道</a:t>
+            </a:r>
+            <a:r>
+              <a:rPr lang="zh-CN" altLang="en-US"/>
+              <a:t>为何</a:t>
+            </a:r>
+            <a:endParaRPr lang="zh-CN" altLang="en-US"/>
+          </a:p>
+        </p:txBody>
+      </p:sp>
     </p:spTree>
   </p:cSld>
   <p:clrMapOvr>
@@ -44233,13 +44406,37 @@
 
 <file path=ppt/tags/tag58.xml><?xml version="1.0" encoding="utf-8"?>
 <p:tagLst xmlns:p="http://schemas.openxmlformats.org/presentationml/2006/main">
-  <p:tag name="COMMONDATA" val="eyJoZGlkIjoiMzEwNTM5NzYwMDRjMzkwZTVkZjY2ODkwMGIxNGU0OTUifQ=="/>
+  <p:tag name="KSO_WM_BEAUTIFY_FLAG" val=""/>
+</p:tagLst>
+</file>
+
+<file path=ppt/tags/tag59.xml><?xml version="1.0" encoding="utf-8"?>
+<p:tagLst xmlns:p="http://schemas.openxmlformats.org/presentationml/2006/main">
+  <p:tag name="KSO_WM_BEAUTIFY_FLAG" val=""/>
 </p:tagLst>
 </file>
 
 <file path=ppt/tags/tag6.xml><?xml version="1.0" encoding="utf-8"?>
 <p:tagLst xmlns:p="http://schemas.openxmlformats.org/presentationml/2006/main">
   <p:tag name="KSO_WM_BEAUTIFY_FLAG" val=""/>
+</p:tagLst>
+</file>
+
+<file path=ppt/tags/tag60.xml><?xml version="1.0" encoding="utf-8"?>
+<p:tagLst xmlns:p="http://schemas.openxmlformats.org/presentationml/2006/main">
+  <p:tag name="KSO_WM_BEAUTIFY_FLAG" val=""/>
+</p:tagLst>
+</file>
+
+<file path=ppt/tags/tag61.xml><?xml version="1.0" encoding="utf-8"?>
+<p:tagLst xmlns:p="http://schemas.openxmlformats.org/presentationml/2006/main">
+  <p:tag name="KSO_WM_BEAUTIFY_FLAG" val=""/>
+</p:tagLst>
+</file>
+
+<file path=ppt/tags/tag62.xml><?xml version="1.0" encoding="utf-8"?>
+<p:tagLst xmlns:p="http://schemas.openxmlformats.org/presentationml/2006/main">
+  <p:tag name="COMMONDATA" val="eyJoZGlkIjoiMzEwNTM5NzYwMDRjMzkwZTVkZjY2ODkwMGIxNGU0OTUifQ=="/>
 </p:tagLst>
 </file>
 

--- a/huawei/日志记录.pptx
+++ b/huawei/日志记录.pptx
@@ -38000,6 +38000,75 @@
           </a:p>
         </p:txBody>
       </p:sp>
+      <p:sp>
+        <p:nvSpPr>
+          <p:cNvPr id="30" name="文本框 29"/>
+          <p:cNvSpPr txBox="1"/>
+          <p:nvPr/>
+        </p:nvSpPr>
+        <p:spPr>
+          <a:xfrm>
+            <a:off x="3149600" y="7183755"/>
+            <a:ext cx="5597525" cy="1198880"/>
+          </a:xfrm>
+          <a:prstGeom prst="rect">
+            <a:avLst/>
+          </a:prstGeom>
+          <a:noFill/>
+        </p:spPr>
+        <p:txBody>
+          <a:bodyPr wrap="square" rtlCol="0">
+            <a:spAutoFit/>
+          </a:bodyPr>
+          <a:p>
+            <a:r>
+              <a:rPr lang="en-US" altLang="zh-CN"/>
+              <a:t>C++</a:t>
+            </a:r>
+            <a:r>
+              <a:rPr lang="zh-CN" altLang="en-US"/>
+              <a:t>版本与</a:t>
+            </a:r>
+            <a:r>
+              <a:rPr lang="en-US" altLang="zh-CN"/>
+              <a:t>Python</a:t>
+            </a:r>
+            <a:r>
+              <a:rPr lang="zh-CN" altLang="en-US"/>
+              <a:t>版本稍有区别的原因在于</a:t>
+            </a:r>
+            <a:r>
+              <a:rPr lang="en-US" altLang="zh-CN"/>
+              <a:t>PriorityQueue</a:t>
+            </a:r>
+            <a:r>
+              <a:rPr lang="zh-CN" altLang="en-US"/>
+              <a:t>实现不同，对于权值相同的元素，提取堆顶最小元素，</a:t>
+            </a:r>
+            <a:r>
+              <a:rPr lang="en-US" altLang="zh-CN"/>
+              <a:t>C++</a:t>
+            </a:r>
+            <a:r>
+              <a:rPr lang="zh-CN" altLang="en-US"/>
+              <a:t>会提取比较旧的，而</a:t>
+            </a:r>
+            <a:r>
+              <a:rPr lang="en-US" altLang="zh-CN"/>
+              <a:t>Python</a:t>
+            </a:r>
+            <a:r>
+              <a:rPr lang="zh-CN" altLang="en-US"/>
+              <a:t>会提取</a:t>
+            </a:r>
+            <a:r>
+              <a:rPr lang="zh-CN" altLang="en-US"/>
+              <a:t>新的。</a:t>
+            </a:r>
+            <a:endParaRPr lang="zh-CN" altLang="en-US"/>
+          </a:p>
+        </p:txBody>
+      </p:sp>
     </p:spTree>
   </p:cSld>
   <p:clrMapOvr>
@@ -38158,6 +38227,185 @@
           </a:p>
         </p:txBody>
       </p:sp>
+      <p:graphicFrame>
+        <p:nvGraphicFramePr>
+          <p:cNvPr id="5" name="表格 4"/>
+          <p:cNvGraphicFramePr/>
+          <p:nvPr>
+            <p:custDataLst>
+              <p:tags r:id="rId1"/>
+            </p:custDataLst>
+          </p:nvPr>
+        </p:nvGraphicFramePr>
+        <p:xfrm>
+          <a:off x="1828800" y="2857500"/>
+          <a:ext cx="2207260" cy="1937385"/>
+        </p:xfrm>
+        <a:graphic>
+          <a:graphicData uri="http://schemas.openxmlformats.org/drawingml/2006/table">
+            <a:tbl>
+              <a:tblPr firstRow="1" bandRow="1">
+                <a:tableStyleId>{D7AC3CCA-C797-4891-BE02-D94E43425B78}</a:tableStyleId>
+              </a:tblPr>
+              <a:tblGrid>
+                <a:gridCol w="735965"/>
+                <a:gridCol w="741680"/>
+                <a:gridCol w="729615"/>
+              </a:tblGrid>
+              <a:tr h="645795">
+                <a:tc>
+                  <a:txBody>
+                    <a:bodyPr/>
+                    <a:p>
+                      <a:pPr>
+                        <a:buNone/>
+                      </a:pPr>
+                      <a:r>
+                        <a:rPr lang="en-US" altLang="zh-CN"/>
+                        <a:t>1</a:t>
+                      </a:r>
+                      <a:endParaRPr lang="en-US" altLang="zh-CN"/>
+                    </a:p>
+                  </a:txBody>
+                  <a:tcPr/>
+                </a:tc>
+                <a:tc>
+                  <a:txBody>
+                    <a:bodyPr/>
+                    <a:p>
+                      <a:pPr>
+                        <a:buNone/>
+                      </a:pPr>
+                      <a:r>
+                        <a:rPr lang="en-US" altLang="zh-CN"/>
+                        <a:t>1</a:t>
+                      </a:r>
+                      <a:endParaRPr lang="en-US" altLang="zh-CN"/>
+                    </a:p>
+                  </a:txBody>
+                  <a:tcPr/>
+                </a:tc>
+                <a:tc>
+                  <a:txBody>
+                    <a:bodyPr/>
+                    <a:p>
+                      <a:pPr>
+                        <a:buNone/>
+                      </a:pPr>
+                      <a:r>
+                        <a:rPr lang="en-US" altLang="zh-CN"/>
+                        <a:t>7</a:t>
+                      </a:r>
+                      <a:endParaRPr lang="en-US" altLang="zh-CN"/>
+                    </a:p>
+                  </a:txBody>
+                  <a:tcPr/>
+                </a:tc>
+              </a:tr>
+              <a:tr h="645795">
+                <a:tc>
+                  <a:txBody>
+                    <a:bodyPr/>
+                    <a:p>
+                      <a:pPr>
+                        <a:buNone/>
+                      </a:pPr>
+                      <a:r>
+                        <a:rPr lang="en-US" altLang="zh-CN"/>
+                        <a:t>1</a:t>
+                      </a:r>
+                      <a:endParaRPr lang="en-US" altLang="zh-CN"/>
+                    </a:p>
+                  </a:txBody>
+                  <a:tcPr/>
+                </a:tc>
+                <a:tc>
+                  <a:txBody>
+                    <a:bodyPr/>
+                    <a:p>
+                      <a:pPr>
+                        <a:buNone/>
+                      </a:pPr>
+                      <a:r>
+                        <a:rPr lang="en-US" altLang="zh-CN"/>
+                        <a:t>20</a:t>
+                      </a:r>
+                      <a:endParaRPr lang="en-US" altLang="zh-CN"/>
+                    </a:p>
+                  </a:txBody>
+                  <a:tcPr/>
+                </a:tc>
+                <a:tc>
+                  <a:txBody>
+                    <a:bodyPr/>
+                    <a:p>
+                      <a:pPr>
+                        <a:buNone/>
+                      </a:pPr>
+                      <a:r>
+                        <a:rPr lang="en-US" altLang="zh-CN"/>
+                        <a:t>1</a:t>
+                      </a:r>
+                      <a:endParaRPr lang="en-US" altLang="zh-CN"/>
+                    </a:p>
+                  </a:txBody>
+                  <a:tcPr/>
+                </a:tc>
+              </a:tr>
+              <a:tr h="645795">
+                <a:tc>
+                  <a:txBody>
+                    <a:bodyPr/>
+                    <a:p>
+                      <a:pPr>
+                        <a:buNone/>
+                      </a:pPr>
+                      <a:r>
+                        <a:rPr lang="en-US" altLang="zh-CN"/>
+                        <a:t>3</a:t>
+                      </a:r>
+                      <a:endParaRPr lang="en-US" altLang="zh-CN"/>
+                    </a:p>
+                  </a:txBody>
+                  <a:tcPr/>
+                </a:tc>
+                <a:tc>
+                  <a:txBody>
+                    <a:bodyPr/>
+                    <a:p>
+                      <a:pPr>
+                        <a:buNone/>
+                      </a:pPr>
+                      <a:r>
+                        <a:rPr lang="en-US" altLang="zh-CN"/>
+                        <a:t>3</a:t>
+                      </a:r>
+                      <a:endParaRPr lang="en-US" altLang="zh-CN"/>
+                    </a:p>
+                  </a:txBody>
+                  <a:tcPr/>
+                </a:tc>
+                <a:tc>
+                  <a:txBody>
+                    <a:bodyPr/>
+                    <a:p>
+                      <a:pPr>
+                        <a:buNone/>
+                      </a:pPr>
+                      <a:r>
+                        <a:rPr lang="en-US" altLang="zh-CN"/>
+                        <a:t>2</a:t>
+                      </a:r>
+                      <a:endParaRPr lang="en-US" altLang="zh-CN"/>
+                    </a:p>
+                  </a:txBody>
+                  <a:tcPr/>
+                </a:tc>
+              </a:tr>
+            </a:tbl>
+          </a:graphicData>
+        </a:graphic>
+      </p:graphicFrame>
     </p:spTree>
   </p:cSld>
   <p:clrMapOvr>
@@ -44436,6 +44684,13 @@
 
 <file path=ppt/tags/tag62.xml><?xml version="1.0" encoding="utf-8"?>
 <p:tagLst xmlns:p="http://schemas.openxmlformats.org/presentationml/2006/main">
+  <p:tag name="TABLE_ENDDRAG_ORIGIN_RECT" val="173*152"/>
+  <p:tag name="TABLE_ENDDRAG_RECT" val="144*225*173*152"/>
+</p:tagLst>
+</file>
+
+<file path=ppt/tags/tag63.xml><?xml version="1.0" encoding="utf-8"?>
+<p:tagLst xmlns:p="http://schemas.openxmlformats.org/presentationml/2006/main">
   <p:tag name="COMMONDATA" val="eyJoZGlkIjoiMzEwNTM5NzYwMDRjMzkwZTVkZjY2ODkwMGIxNGU0OTUifQ=="/>
 </p:tagLst>
 </file>

--- a/huawei/日志记录.pptx
+++ b/huawei/日志记录.pptx
@@ -5,49 +5,50 @@
     <p:sldMasterId id="2147483648" r:id="rId1"/>
   </p:sldMasterIdLst>
   <p:notesMasterIdLst>
-    <p:notesMasterId r:id="rId5"/>
+    <p:notesMasterId r:id="rId38"/>
   </p:notesMasterIdLst>
   <p:sldIdLst>
-    <p:sldId id="256" r:id="rId3"/>
-    <p:sldId id="257" r:id="rId4"/>
-    <p:sldId id="258" r:id="rId6"/>
-    <p:sldId id="260" r:id="rId7"/>
-    <p:sldId id="259" r:id="rId8"/>
-    <p:sldId id="262" r:id="rId9"/>
-    <p:sldId id="265" r:id="rId10"/>
-    <p:sldId id="264" r:id="rId11"/>
-    <p:sldId id="268" r:id="rId12"/>
-    <p:sldId id="263" r:id="rId13"/>
-    <p:sldId id="270" r:id="rId14"/>
-    <p:sldId id="267" r:id="rId15"/>
-    <p:sldId id="266" r:id="rId16"/>
-    <p:sldId id="269" r:id="rId17"/>
-    <p:sldId id="272" r:id="rId18"/>
-    <p:sldId id="271" r:id="rId19"/>
-    <p:sldId id="277" r:id="rId20"/>
-    <p:sldId id="273" r:id="rId21"/>
-    <p:sldId id="274" r:id="rId22"/>
-    <p:sldId id="278" r:id="rId23"/>
-    <p:sldId id="279" r:id="rId24"/>
-    <p:sldId id="281" r:id="rId25"/>
-    <p:sldId id="282" r:id="rId26"/>
-    <p:sldId id="283" r:id="rId27"/>
-    <p:sldId id="280" r:id="rId28"/>
-    <p:sldId id="275" r:id="rId29"/>
-    <p:sldId id="284" r:id="rId30"/>
-    <p:sldId id="285" r:id="rId31"/>
-    <p:sldId id="287" r:id="rId32"/>
-    <p:sldId id="286" r:id="rId33"/>
-    <p:sldId id="289" r:id="rId34"/>
-    <p:sldId id="290" r:id="rId35"/>
-    <p:sldId id="295" r:id="rId36"/>
-    <p:sldId id="288" r:id="rId37"/>
-    <p:sldId id="291" r:id="rId38"/>
+    <p:sldId id="256" r:id="rId2"/>
+    <p:sldId id="257" r:id="rId3"/>
+    <p:sldId id="258" r:id="rId4"/>
+    <p:sldId id="260" r:id="rId5"/>
+    <p:sldId id="259" r:id="rId6"/>
+    <p:sldId id="262" r:id="rId7"/>
+    <p:sldId id="265" r:id="rId8"/>
+    <p:sldId id="264" r:id="rId9"/>
+    <p:sldId id="268" r:id="rId10"/>
+    <p:sldId id="263" r:id="rId11"/>
+    <p:sldId id="270" r:id="rId12"/>
+    <p:sldId id="267" r:id="rId13"/>
+    <p:sldId id="266" r:id="rId14"/>
+    <p:sldId id="269" r:id="rId15"/>
+    <p:sldId id="272" r:id="rId16"/>
+    <p:sldId id="271" r:id="rId17"/>
+    <p:sldId id="277" r:id="rId18"/>
+    <p:sldId id="273" r:id="rId19"/>
+    <p:sldId id="274" r:id="rId20"/>
+    <p:sldId id="278" r:id="rId21"/>
+    <p:sldId id="279" r:id="rId22"/>
+    <p:sldId id="281" r:id="rId23"/>
+    <p:sldId id="282" r:id="rId24"/>
+    <p:sldId id="283" r:id="rId25"/>
+    <p:sldId id="280" r:id="rId26"/>
+    <p:sldId id="275" r:id="rId27"/>
+    <p:sldId id="284" r:id="rId28"/>
+    <p:sldId id="285" r:id="rId29"/>
+    <p:sldId id="287" r:id="rId30"/>
+    <p:sldId id="286" r:id="rId31"/>
+    <p:sldId id="289" r:id="rId32"/>
+    <p:sldId id="290" r:id="rId33"/>
+    <p:sldId id="295" r:id="rId34"/>
+    <p:sldId id="296" r:id="rId35"/>
+    <p:sldId id="291" r:id="rId36"/>
+    <p:sldId id="297" r:id="rId37"/>
   </p:sldIdLst>
   <p:sldSz cx="12192000" cy="6858000"/>
   <p:notesSz cx="6858000" cy="9144000"/>
   <p:custDataLst>
-    <p:tags r:id="rId42"/>
+    <p:tags r:id="rId39"/>
   </p:custDataLst>
   <p:defaultTextStyle>
     <a:defPPr>
@@ -144,6 +145,11 @@
       </a:defRPr>
     </a:lvl9pPr>
   </p:defaultTextStyle>
+  <p:extLst>
+    <p:ext uri="{EFAFB233-063F-42B5-8137-9DF3F51BA10A}">
+      <p15:sldGuideLst xmlns:p15="http://schemas.microsoft.com/office/powerpoint/2012/main"/>
+    </p:ext>
+  </p:extLst>
 </p:presentation>
 </file>
 
@@ -229,6 +235,7 @@
           <a:p>
             <a:fld id="{07A1DCD4-BB14-438E-8CE0-FC12E2A73F1B}" type="datetimeFigureOut">
               <a:rPr lang="zh-CN" altLang="en-US" smtClean="0"/>
+              <a:t>2024/1/2</a:t>
             </a:fld>
             <a:endParaRPr lang="zh-CN" altLang="en-US"/>
           </a:p>
@@ -295,7 +302,6 @@
               <a:rPr lang="zh-CN" altLang="en-US"/>
               <a:t>单击此处编辑母版文本样式</a:t>
             </a:r>
-            <a:endParaRPr lang="zh-CN" altLang="en-US"/>
           </a:p>
           <a:p>
             <a:pPr lvl="1"/>
@@ -303,7 +309,6 @@
               <a:rPr lang="zh-CN" altLang="en-US"/>
               <a:t>二级</a:t>
             </a:r>
-            <a:endParaRPr lang="zh-CN" altLang="en-US"/>
           </a:p>
           <a:p>
             <a:pPr lvl="2"/>
@@ -311,7 +316,6 @@
               <a:rPr lang="zh-CN" altLang="en-US"/>
               <a:t>三级</a:t>
             </a:r>
-            <a:endParaRPr lang="zh-CN" altLang="en-US"/>
           </a:p>
           <a:p>
             <a:pPr lvl="3"/>
@@ -319,7 +323,6 @@
               <a:rPr lang="zh-CN" altLang="en-US"/>
               <a:t>四级</a:t>
             </a:r>
-            <a:endParaRPr lang="zh-CN" altLang="en-US"/>
           </a:p>
           <a:p>
             <a:pPr lvl="4"/>
@@ -327,7 +330,6 @@
               <a:rPr lang="zh-CN" altLang="en-US"/>
               <a:t>五级</a:t>
             </a:r>
-            <a:endParaRPr lang="zh-CN" altLang="en-US"/>
           </a:p>
         </p:txBody>
       </p:sp>
@@ -391,6 +393,7 @@
           <a:p>
             <a:fld id="{F229329F-0271-46D7-A5B8-63D7D7F0093C}" type="slidenum">
               <a:rPr lang="zh-CN" altLang="en-US" smtClean="0"/>
+              <a:t>‹#›</a:t>
             </a:fld>
             <a:endParaRPr lang="zh-CN" altLang="en-US"/>
           </a:p>
@@ -559,12 +562,152 @@
           <a:p>
             <a:fld id="{F229329F-0271-46D7-A5B8-63D7D7F0093C}" type="slidenum">
               <a:rPr lang="zh-CN" altLang="en-US" smtClean="0"/>
+              <a:t>2</a:t>
             </a:fld>
             <a:endParaRPr lang="zh-CN" altLang="en-US"/>
           </a:p>
         </p:txBody>
       </p:sp>
     </p:spTree>
+  </p:cSld>
+  <p:clrMapOvr>
+    <a:masterClrMapping/>
+  </p:clrMapOvr>
+</p:notes>
+</file>
+
+<file path=ppt/notesSlides/notesSlide10.xml><?xml version="1.0" encoding="utf-8"?>
+<p:notes xmlns:a="http://schemas.openxmlformats.org/drawingml/2006/main" xmlns:r="http://schemas.openxmlformats.org/officeDocument/2006/relationships" xmlns:p="http://schemas.openxmlformats.org/presentationml/2006/main">
+  <p:cSld>
+    <p:spTree>
+      <p:nvGrpSpPr>
+        <p:cNvPr id="1" name=""/>
+        <p:cNvGrpSpPr/>
+        <p:nvPr/>
+      </p:nvGrpSpPr>
+      <p:grpSpPr>
+        <a:xfrm>
+          <a:off x="0" y="0"/>
+          <a:ext cx="0" cy="0"/>
+          <a:chOff x="0" y="0"/>
+          <a:chExt cx="0" cy="0"/>
+        </a:xfrm>
+      </p:grpSpPr>
+      <p:sp>
+        <p:nvSpPr>
+          <p:cNvPr id="2" name="幻灯片图像占位符 1"/>
+          <p:cNvSpPr>
+            <a:spLocks noGrp="1" noRot="1" noChangeAspect="1"/>
+          </p:cNvSpPr>
+          <p:nvPr>
+            <p:ph type="sldImg"/>
+          </p:nvPr>
+        </p:nvSpPr>
+        <p:spPr/>
+      </p:sp>
+      <p:sp>
+        <p:nvSpPr>
+          <p:cNvPr id="3" name="备注占位符 2"/>
+          <p:cNvSpPr>
+            <a:spLocks noGrp="1"/>
+          </p:cNvSpPr>
+          <p:nvPr>
+            <p:ph type="body" idx="1"/>
+          </p:nvPr>
+        </p:nvSpPr>
+        <p:spPr/>
+        <p:txBody>
+          <a:bodyPr/>
+          <a:lstStyle/>
+          <a:p>
+            <a:r>
+              <a:rPr lang="en-US" altLang="zh-CN" dirty="0"/>
+              <a:t>A*</a:t>
+            </a:r>
+            <a:r>
+              <a:rPr lang="zh-CN" altLang="en-US" dirty="0"/>
+              <a:t>算法：</a:t>
+            </a:r>
+            <a:r>
+              <a:rPr lang="en-US" altLang="zh-CN" dirty="0"/>
+              <a:t>main13_A_star.py</a:t>
+            </a:r>
+          </a:p>
+          <a:p>
+            <a:r>
+              <a:rPr lang="zh-CN" altLang="en-US" dirty="0"/>
+              <a:t>直接测试：</a:t>
+            </a:r>
+            <a:r>
+              <a:rPr lang="en-US" altLang="zh-CN" dirty="0"/>
+              <a:t>main13_A_star_visualization_test.ipynb</a:t>
+            </a:r>
+            <a:r>
+              <a:rPr lang="zh-CN" altLang="en-US" dirty="0"/>
+              <a:t>，效果不是很明显</a:t>
+            </a:r>
+            <a:endParaRPr lang="en-US" altLang="zh-CN" dirty="0"/>
+          </a:p>
+          <a:p>
+            <a:r>
+              <a:rPr lang="zh-CN" altLang="en-US" dirty="0"/>
+              <a:t>新地图：</a:t>
+            </a:r>
+            <a:r>
+              <a:rPr lang="en-US" altLang="zh-CN" dirty="0"/>
+              <a:t>main13_A_star_map1.txt</a:t>
+            </a:r>
+            <a:r>
+              <a:rPr lang="zh-CN" altLang="en-US" dirty="0"/>
+              <a:t>，</a:t>
+            </a:r>
+            <a:r>
+              <a:rPr lang="en-US" altLang="zh-CN" dirty="0"/>
+              <a:t>main13_A_star_map2.txt</a:t>
+            </a:r>
+          </a:p>
+          <a:p>
+            <a:r>
+              <a:rPr lang="zh-CN" altLang="en-US" dirty="0"/>
+              <a:t>新地图测试：</a:t>
+            </a:r>
+            <a:r>
+              <a:rPr lang="en-US" altLang="zh-CN" dirty="0"/>
+              <a:t>main13_A_star_map1_test.ipynb, main13_A_star_map2_test.ipynb</a:t>
+            </a:r>
+            <a:endParaRPr lang="zh-CN" altLang="en-US" dirty="0"/>
+          </a:p>
+        </p:txBody>
+      </p:sp>
+      <p:sp>
+        <p:nvSpPr>
+          <p:cNvPr id="4" name="灯片编号占位符 3"/>
+          <p:cNvSpPr>
+            <a:spLocks noGrp="1"/>
+          </p:cNvSpPr>
+          <p:nvPr>
+            <p:ph type="sldNum" sz="quarter" idx="5"/>
+          </p:nvPr>
+        </p:nvSpPr>
+        <p:spPr/>
+        <p:txBody>
+          <a:bodyPr/>
+          <a:lstStyle/>
+          <a:p>
+            <a:fld id="{F229329F-0271-46D7-A5B8-63D7D7F0093C}" type="slidenum">
+              <a:rPr lang="zh-CN" altLang="en-US" smtClean="0"/>
+              <a:t>35</a:t>
+            </a:fld>
+            <a:endParaRPr lang="zh-CN" altLang="en-US"/>
+          </a:p>
+        </p:txBody>
+      </p:sp>
+    </p:spTree>
+    <p:extLst>
+      <p:ext uri="{BB962C8B-B14F-4D97-AF65-F5344CB8AC3E}">
+        <p14:creationId xmlns:p14="http://schemas.microsoft.com/office/powerpoint/2010/main" val="2348822770"/>
+      </p:ext>
+    </p:extLst>
   </p:cSld>
   <p:clrMapOvr>
     <a:masterClrMapping/>
@@ -637,6 +780,7 @@
           <a:p>
             <a:fld id="{F229329F-0271-46D7-A5B8-63D7D7F0093C}" type="slidenum">
               <a:rPr lang="zh-CN" altLang="en-US" smtClean="0"/>
+              <a:t>3</a:t>
             </a:fld>
             <a:endParaRPr lang="zh-CN" altLang="en-US"/>
           </a:p>
@@ -713,7 +857,6 @@
               <a:rPr lang="en-US" altLang="zh-CN" dirty="0"/>
               <a:t>\main.cpp</a:t>
             </a:r>
-            <a:endParaRPr lang="en-US" altLang="zh-CN" dirty="0"/>
           </a:p>
           <a:p>
             <a:pPr marL="228600" indent="-228600">
@@ -746,6 +889,7 @@
           <a:p>
             <a:fld id="{F229329F-0271-46D7-A5B8-63D7D7F0093C}" type="slidenum">
               <a:rPr lang="zh-CN" altLang="en-US" smtClean="0"/>
+              <a:t>8</a:t>
             </a:fld>
             <a:endParaRPr lang="zh-CN" altLang="en-US"/>
           </a:p>
@@ -819,7 +963,6 @@
               <a:rPr lang="zh-CN" altLang="en-US" dirty="0"/>
               <a:t>：</a:t>
             </a:r>
-            <a:endParaRPr lang="zh-CN" altLang="en-US" dirty="0"/>
           </a:p>
         </p:txBody>
       </p:sp>
@@ -840,6 +983,7 @@
           <a:p>
             <a:fld id="{F229329F-0271-46D7-A5B8-63D7D7F0093C}" type="slidenum">
               <a:rPr lang="zh-CN" altLang="en-US" smtClean="0"/>
+              <a:t>10</a:t>
             </a:fld>
             <a:endParaRPr lang="zh-CN" altLang="en-US"/>
           </a:p>
@@ -918,6 +1062,7 @@
           <a:p>
             <a:fld id="{F229329F-0271-46D7-A5B8-63D7D7F0093C}" type="slidenum">
               <a:rPr lang="zh-CN" altLang="en-US" smtClean="0"/>
+              <a:t>20</a:t>
             </a:fld>
             <a:endParaRPr lang="zh-CN" altLang="en-US"/>
           </a:p>
@@ -987,7 +1132,6 @@
               <a:rPr lang="en-US" altLang="zh-CN" dirty="0"/>
               <a:t>/main8_map_BFS.py</a:t>
             </a:r>
-            <a:endParaRPr lang="en-US" altLang="zh-CN" dirty="0"/>
           </a:p>
           <a:p>
             <a:r>
@@ -1002,7 +1146,6 @@
               <a:rPr lang="en-US" altLang="zh-CN" dirty="0"/>
               <a:t>/main8_map_BFS_visualization_test.ipynb</a:t>
             </a:r>
-            <a:endParaRPr lang="en-US" altLang="zh-CN" dirty="0"/>
           </a:p>
           <a:p>
             <a:pPr marL="0" marR="0" lvl="0" indent="0" algn="l" defTabSz="914400" rtl="0" eaLnBrk="1" fontAlgn="auto" latinLnBrk="0" hangingPunct="1">
@@ -1069,6 +1212,7 @@
           <a:p>
             <a:fld id="{F229329F-0271-46D7-A5B8-63D7D7F0093C}" type="slidenum">
               <a:rPr lang="zh-CN" altLang="en-US" smtClean="0"/>
+              <a:t>27</a:t>
             </a:fld>
             <a:endParaRPr lang="zh-CN" altLang="en-US"/>
           </a:p>
@@ -1138,14 +1282,12 @@
               <a:rPr lang="en-US" altLang="zh-CN" dirty="0"/>
               <a:t>/main10_map_dijkstra.py</a:t>
             </a:r>
-            <a:endParaRPr lang="en-US" altLang="zh-CN" dirty="0"/>
           </a:p>
           <a:p>
             <a:r>
               <a:rPr lang="en-US" altLang="zh-CN" dirty="0"/>
               <a:t>Notebook : main10_map_dijkstra_visualization_test.ipynb</a:t>
             </a:r>
-            <a:endParaRPr lang="en-US" altLang="zh-CN" dirty="0"/>
           </a:p>
           <a:p>
             <a:r>
@@ -1181,6 +1323,7 @@
           <a:p>
             <a:fld id="{F229329F-0271-46D7-A5B8-63D7D7F0093C}" type="slidenum">
               <a:rPr lang="zh-CN" altLang="en-US" smtClean="0"/>
+              <a:t>30</a:t>
             </a:fld>
             <a:endParaRPr lang="zh-CN" altLang="en-US"/>
           </a:p>
@@ -1203,12 +1346,19 @@
         <p:cNvGrpSpPr/>
         <p:nvPr/>
       </p:nvGrpSpPr>
-      <p:grpSpPr/>
+      <p:grpSpPr>
+        <a:xfrm>
+          <a:off x="0" y="0"/>
+          <a:ext cx="0" cy="0"/>
+          <a:chOff x="0" y="0"/>
+          <a:chExt cx="0" cy="0"/>
+        </a:xfrm>
+      </p:grpSpPr>
       <p:sp>
         <p:nvSpPr>
           <p:cNvPr id="2" name="幻灯片图像占位符 1"/>
           <p:cNvSpPr>
-            <a:spLocks noGrp="1"/>
+            <a:spLocks noGrp="1" noRot="1" noChangeAspect="1"/>
           </p:cNvSpPr>
           <p:nvPr>
             <p:ph type="sldImg" idx="2"/>
@@ -1229,6 +1379,7 @@
         <p:spPr/>
         <p:txBody>
           <a:bodyPr/>
+          <a:lstStyle/>
           <a:p>
             <a:endParaRPr lang="zh-CN" altLang="en-US"/>
           </a:p>
@@ -1251,12 +1402,19 @@
         <p:cNvGrpSpPr/>
         <p:nvPr/>
       </p:nvGrpSpPr>
-      <p:grpSpPr/>
+      <p:grpSpPr>
+        <a:xfrm>
+          <a:off x="0" y="0"/>
+          <a:ext cx="0" cy="0"/>
+          <a:chOff x="0" y="0"/>
+          <a:chExt cx="0" cy="0"/>
+        </a:xfrm>
+      </p:grpSpPr>
       <p:sp>
         <p:nvSpPr>
           <p:cNvPr id="2" name="幻灯片图像占位符 1"/>
           <p:cNvSpPr>
-            <a:spLocks noGrp="1"/>
+            <a:spLocks noGrp="1" noRot="1" noChangeAspect="1"/>
           </p:cNvSpPr>
           <p:nvPr>
             <p:ph type="sldImg" idx="2"/>
@@ -1277,26 +1435,24 @@
         <p:spPr/>
         <p:txBody>
           <a:bodyPr/>
+          <a:lstStyle/>
           <a:p>
             <a:r>
-              <a:rPr lang="zh-CN" altLang="en-US"/>
+              <a:rPr lang="zh-CN" altLang="en-US" dirty="0"/>
               <a:t>main11_map_BFS_early_stop_visualization_test.ipynb</a:t>
             </a:r>
-            <a:endParaRPr lang="zh-CN" altLang="en-US"/>
           </a:p>
           <a:p>
             <a:r>
-              <a:rPr lang="zh-CN" altLang="en-US"/>
+              <a:rPr lang="zh-CN" altLang="en-US" dirty="0"/>
               <a:t>main12_map_dijkstra_early_stop_test.ipynb</a:t>
             </a:r>
-            <a:endParaRPr lang="zh-CN" altLang="en-US"/>
           </a:p>
           <a:p>
             <a:r>
-              <a:rPr lang="zh-CN" altLang="en-US"/>
+              <a:rPr lang="zh-CN" altLang="en-US" dirty="0"/>
               <a:t>main11_12_test_big_map.ipynb</a:t>
             </a:r>
-            <a:endParaRPr lang="zh-CN" altLang="en-US"/>
           </a:p>
         </p:txBody>
       </p:sp>
@@ -1353,7 +1509,6 @@
               <a:rPr lang="zh-CN" altLang="en-US"/>
               <a:t>单击此处编辑母版标题样式</a:t>
             </a:r>
-            <a:endParaRPr lang="zh-CN" altLang="en-US"/>
           </a:p>
         </p:txBody>
       </p:sp>
@@ -1418,7 +1573,6 @@
               <a:rPr lang="zh-CN" altLang="en-US"/>
               <a:t>单击此处编辑母版副标题样式</a:t>
             </a:r>
-            <a:endParaRPr lang="zh-CN" altLang="en-US"/>
           </a:p>
         </p:txBody>
       </p:sp>
@@ -1439,6 +1593,7 @@
           <a:p>
             <a:fld id="{0CCCBCAA-DE24-4869-907B-21FA432ED4EA}" type="datetimeFigureOut">
               <a:rPr lang="zh-CN" altLang="en-US" smtClean="0"/>
+              <a:t>2024/1/2</a:t>
             </a:fld>
             <a:endParaRPr lang="zh-CN" altLang="en-US"/>
           </a:p>
@@ -1480,6 +1635,7 @@
           <a:p>
             <a:fld id="{5FE236EB-BACC-4582-BC1D-973661D0AF0F}" type="slidenum">
               <a:rPr lang="zh-CN" altLang="en-US" smtClean="0"/>
+              <a:t>‹#›</a:t>
             </a:fld>
             <a:endParaRPr lang="zh-CN" altLang="en-US"/>
           </a:p>
@@ -1529,7 +1685,6 @@
               <a:rPr lang="zh-CN" altLang="en-US"/>
               <a:t>单击此处编辑母版标题样式</a:t>
             </a:r>
-            <a:endParaRPr lang="zh-CN" altLang="en-US"/>
           </a:p>
         </p:txBody>
       </p:sp>
@@ -1553,7 +1708,6 @@
               <a:rPr lang="zh-CN" altLang="en-US"/>
               <a:t>单击此处编辑母版文本样式</a:t>
             </a:r>
-            <a:endParaRPr lang="zh-CN" altLang="en-US"/>
           </a:p>
           <a:p>
             <a:pPr lvl="1"/>
@@ -1561,7 +1715,6 @@
               <a:rPr lang="zh-CN" altLang="en-US"/>
               <a:t>二级</a:t>
             </a:r>
-            <a:endParaRPr lang="zh-CN" altLang="en-US"/>
           </a:p>
           <a:p>
             <a:pPr lvl="2"/>
@@ -1569,7 +1722,6 @@
               <a:rPr lang="zh-CN" altLang="en-US"/>
               <a:t>三级</a:t>
             </a:r>
-            <a:endParaRPr lang="zh-CN" altLang="en-US"/>
           </a:p>
           <a:p>
             <a:pPr lvl="3"/>
@@ -1577,7 +1729,6 @@
               <a:rPr lang="zh-CN" altLang="en-US"/>
               <a:t>四级</a:t>
             </a:r>
-            <a:endParaRPr lang="zh-CN" altLang="en-US"/>
           </a:p>
           <a:p>
             <a:pPr lvl="4"/>
@@ -1585,7 +1736,6 @@
               <a:rPr lang="zh-CN" altLang="en-US"/>
               <a:t>五级</a:t>
             </a:r>
-            <a:endParaRPr lang="zh-CN" altLang="en-US"/>
           </a:p>
         </p:txBody>
       </p:sp>
@@ -1606,6 +1756,7 @@
           <a:p>
             <a:fld id="{0CCCBCAA-DE24-4869-907B-21FA432ED4EA}" type="datetimeFigureOut">
               <a:rPr lang="zh-CN" altLang="en-US" smtClean="0"/>
+              <a:t>2024/1/2</a:t>
             </a:fld>
             <a:endParaRPr lang="zh-CN" altLang="en-US"/>
           </a:p>
@@ -1647,6 +1798,7 @@
           <a:p>
             <a:fld id="{5FE236EB-BACC-4582-BC1D-973661D0AF0F}" type="slidenum">
               <a:rPr lang="zh-CN" altLang="en-US" smtClean="0"/>
+              <a:t>‹#›</a:t>
             </a:fld>
             <a:endParaRPr lang="zh-CN" altLang="en-US"/>
           </a:p>
@@ -1701,7 +1853,6 @@
               <a:rPr lang="zh-CN" altLang="en-US"/>
               <a:t>单击此处编辑母版标题样式</a:t>
             </a:r>
-            <a:endParaRPr lang="zh-CN" altLang="en-US"/>
           </a:p>
         </p:txBody>
       </p:sp>
@@ -1730,7 +1881,6 @@
               <a:rPr lang="zh-CN" altLang="en-US"/>
               <a:t>单击此处编辑母版文本样式</a:t>
             </a:r>
-            <a:endParaRPr lang="zh-CN" altLang="en-US"/>
           </a:p>
           <a:p>
             <a:pPr lvl="1"/>
@@ -1738,7 +1888,6 @@
               <a:rPr lang="zh-CN" altLang="en-US"/>
               <a:t>二级</a:t>
             </a:r>
-            <a:endParaRPr lang="zh-CN" altLang="en-US"/>
           </a:p>
           <a:p>
             <a:pPr lvl="2"/>
@@ -1746,7 +1895,6 @@
               <a:rPr lang="zh-CN" altLang="en-US"/>
               <a:t>三级</a:t>
             </a:r>
-            <a:endParaRPr lang="zh-CN" altLang="en-US"/>
           </a:p>
           <a:p>
             <a:pPr lvl="3"/>
@@ -1754,7 +1902,6 @@
               <a:rPr lang="zh-CN" altLang="en-US"/>
               <a:t>四级</a:t>
             </a:r>
-            <a:endParaRPr lang="zh-CN" altLang="en-US"/>
           </a:p>
           <a:p>
             <a:pPr lvl="4"/>
@@ -1762,7 +1909,6 @@
               <a:rPr lang="zh-CN" altLang="en-US"/>
               <a:t>五级</a:t>
             </a:r>
-            <a:endParaRPr lang="zh-CN" altLang="en-US"/>
           </a:p>
         </p:txBody>
       </p:sp>
@@ -1783,6 +1929,7 @@
           <a:p>
             <a:fld id="{0CCCBCAA-DE24-4869-907B-21FA432ED4EA}" type="datetimeFigureOut">
               <a:rPr lang="zh-CN" altLang="en-US" smtClean="0"/>
+              <a:t>2024/1/2</a:t>
             </a:fld>
             <a:endParaRPr lang="zh-CN" altLang="en-US"/>
           </a:p>
@@ -1824,6 +1971,7 @@
           <a:p>
             <a:fld id="{5FE236EB-BACC-4582-BC1D-973661D0AF0F}" type="slidenum">
               <a:rPr lang="zh-CN" altLang="en-US" smtClean="0"/>
+              <a:t>‹#›</a:t>
             </a:fld>
             <a:endParaRPr lang="zh-CN" altLang="en-US"/>
           </a:p>
@@ -1873,7 +2021,6 @@
               <a:rPr lang="zh-CN" altLang="en-US"/>
               <a:t>单击此处编辑母版标题样式</a:t>
             </a:r>
-            <a:endParaRPr lang="zh-CN" altLang="en-US"/>
           </a:p>
         </p:txBody>
       </p:sp>
@@ -1897,7 +2044,6 @@
               <a:rPr lang="zh-CN" altLang="en-US"/>
               <a:t>单击此处编辑母版文本样式</a:t>
             </a:r>
-            <a:endParaRPr lang="zh-CN" altLang="en-US"/>
           </a:p>
           <a:p>
             <a:pPr lvl="1"/>
@@ -1905,7 +2051,6 @@
               <a:rPr lang="zh-CN" altLang="en-US"/>
               <a:t>二级</a:t>
             </a:r>
-            <a:endParaRPr lang="zh-CN" altLang="en-US"/>
           </a:p>
           <a:p>
             <a:pPr lvl="2"/>
@@ -1913,7 +2058,6 @@
               <a:rPr lang="zh-CN" altLang="en-US"/>
               <a:t>三级</a:t>
             </a:r>
-            <a:endParaRPr lang="zh-CN" altLang="en-US"/>
           </a:p>
           <a:p>
             <a:pPr lvl="3"/>
@@ -1921,7 +2065,6 @@
               <a:rPr lang="zh-CN" altLang="en-US"/>
               <a:t>四级</a:t>
             </a:r>
-            <a:endParaRPr lang="zh-CN" altLang="en-US"/>
           </a:p>
           <a:p>
             <a:pPr lvl="4"/>
@@ -1929,7 +2072,6 @@
               <a:rPr lang="zh-CN" altLang="en-US"/>
               <a:t>五级</a:t>
             </a:r>
-            <a:endParaRPr lang="zh-CN" altLang="en-US"/>
           </a:p>
         </p:txBody>
       </p:sp>
@@ -1950,6 +2092,7 @@
           <a:p>
             <a:fld id="{0CCCBCAA-DE24-4869-907B-21FA432ED4EA}" type="datetimeFigureOut">
               <a:rPr lang="zh-CN" altLang="en-US" smtClean="0"/>
+              <a:t>2024/1/2</a:t>
             </a:fld>
             <a:endParaRPr lang="zh-CN" altLang="en-US"/>
           </a:p>
@@ -1991,6 +2134,7 @@
           <a:p>
             <a:fld id="{5FE236EB-BACC-4582-BC1D-973661D0AF0F}" type="slidenum">
               <a:rPr lang="zh-CN" altLang="en-US" smtClean="0"/>
+              <a:t>‹#›</a:t>
             </a:fld>
             <a:endParaRPr lang="zh-CN" altLang="en-US"/>
           </a:p>
@@ -2049,7 +2193,6 @@
               <a:rPr lang="zh-CN" altLang="en-US"/>
               <a:t>单击此处编辑母版标题样式</a:t>
             </a:r>
-            <a:endParaRPr lang="zh-CN" altLang="en-US"/>
           </a:p>
         </p:txBody>
       </p:sp>
@@ -2169,7 +2312,6 @@
               <a:rPr lang="zh-CN" altLang="en-US"/>
               <a:t>单击此处编辑母版文本样式</a:t>
             </a:r>
-            <a:endParaRPr lang="zh-CN" altLang="en-US"/>
           </a:p>
         </p:txBody>
       </p:sp>
@@ -2190,6 +2332,7 @@
           <a:p>
             <a:fld id="{0CCCBCAA-DE24-4869-907B-21FA432ED4EA}" type="datetimeFigureOut">
               <a:rPr lang="zh-CN" altLang="en-US" smtClean="0"/>
+              <a:t>2024/1/2</a:t>
             </a:fld>
             <a:endParaRPr lang="zh-CN" altLang="en-US"/>
           </a:p>
@@ -2231,6 +2374,7 @@
           <a:p>
             <a:fld id="{5FE236EB-BACC-4582-BC1D-973661D0AF0F}" type="slidenum">
               <a:rPr lang="zh-CN" altLang="en-US" smtClean="0"/>
+              <a:t>‹#›</a:t>
             </a:fld>
             <a:endParaRPr lang="zh-CN" altLang="en-US"/>
           </a:p>
@@ -2280,7 +2424,6 @@
               <a:rPr lang="zh-CN" altLang="en-US"/>
               <a:t>单击此处编辑母版标题样式</a:t>
             </a:r>
-            <a:endParaRPr lang="zh-CN" altLang="en-US"/>
           </a:p>
         </p:txBody>
       </p:sp>
@@ -2309,7 +2452,6 @@
               <a:rPr lang="zh-CN" altLang="en-US"/>
               <a:t>单击此处编辑母版文本样式</a:t>
             </a:r>
-            <a:endParaRPr lang="zh-CN" altLang="en-US"/>
           </a:p>
           <a:p>
             <a:pPr lvl="1"/>
@@ -2317,7 +2459,6 @@
               <a:rPr lang="zh-CN" altLang="en-US"/>
               <a:t>二级</a:t>
             </a:r>
-            <a:endParaRPr lang="zh-CN" altLang="en-US"/>
           </a:p>
           <a:p>
             <a:pPr lvl="2"/>
@@ -2325,7 +2466,6 @@
               <a:rPr lang="zh-CN" altLang="en-US"/>
               <a:t>三级</a:t>
             </a:r>
-            <a:endParaRPr lang="zh-CN" altLang="en-US"/>
           </a:p>
           <a:p>
             <a:pPr lvl="3"/>
@@ -2333,7 +2473,6 @@
               <a:rPr lang="zh-CN" altLang="en-US"/>
               <a:t>四级</a:t>
             </a:r>
-            <a:endParaRPr lang="zh-CN" altLang="en-US"/>
           </a:p>
           <a:p>
             <a:pPr lvl="4"/>
@@ -2341,7 +2480,6 @@
               <a:rPr lang="zh-CN" altLang="en-US"/>
               <a:t>五级</a:t>
             </a:r>
-            <a:endParaRPr lang="zh-CN" altLang="en-US"/>
           </a:p>
         </p:txBody>
       </p:sp>
@@ -2370,7 +2508,6 @@
               <a:rPr lang="zh-CN" altLang="en-US"/>
               <a:t>单击此处编辑母版文本样式</a:t>
             </a:r>
-            <a:endParaRPr lang="zh-CN" altLang="en-US"/>
           </a:p>
           <a:p>
             <a:pPr lvl="1"/>
@@ -2378,7 +2515,6 @@
               <a:rPr lang="zh-CN" altLang="en-US"/>
               <a:t>二级</a:t>
             </a:r>
-            <a:endParaRPr lang="zh-CN" altLang="en-US"/>
           </a:p>
           <a:p>
             <a:pPr lvl="2"/>
@@ -2386,7 +2522,6 @@
               <a:rPr lang="zh-CN" altLang="en-US"/>
               <a:t>三级</a:t>
             </a:r>
-            <a:endParaRPr lang="zh-CN" altLang="en-US"/>
           </a:p>
           <a:p>
             <a:pPr lvl="3"/>
@@ -2394,7 +2529,6 @@
               <a:rPr lang="zh-CN" altLang="en-US"/>
               <a:t>四级</a:t>
             </a:r>
-            <a:endParaRPr lang="zh-CN" altLang="en-US"/>
           </a:p>
           <a:p>
             <a:pPr lvl="4"/>
@@ -2402,7 +2536,6 @@
               <a:rPr lang="zh-CN" altLang="en-US"/>
               <a:t>五级</a:t>
             </a:r>
-            <a:endParaRPr lang="zh-CN" altLang="en-US"/>
           </a:p>
         </p:txBody>
       </p:sp>
@@ -2423,6 +2556,7 @@
           <a:p>
             <a:fld id="{0CCCBCAA-DE24-4869-907B-21FA432ED4EA}" type="datetimeFigureOut">
               <a:rPr lang="zh-CN" altLang="en-US" smtClean="0"/>
+              <a:t>2024/1/2</a:t>
             </a:fld>
             <a:endParaRPr lang="zh-CN" altLang="en-US"/>
           </a:p>
@@ -2464,6 +2598,7 @@
           <a:p>
             <a:fld id="{5FE236EB-BACC-4582-BC1D-973661D0AF0F}" type="slidenum">
               <a:rPr lang="zh-CN" altLang="en-US" smtClean="0"/>
+              <a:t>‹#›</a:t>
             </a:fld>
             <a:endParaRPr lang="zh-CN" altLang="en-US"/>
           </a:p>
@@ -2518,7 +2653,6 @@
               <a:rPr lang="zh-CN" altLang="en-US"/>
               <a:t>单击此处编辑母版标题样式</a:t>
             </a:r>
-            <a:endParaRPr lang="zh-CN" altLang="en-US"/>
           </a:p>
         </p:txBody>
       </p:sp>
@@ -2584,7 +2718,6 @@
               <a:rPr lang="zh-CN" altLang="en-US"/>
               <a:t>单击此处编辑母版文本样式</a:t>
             </a:r>
-            <a:endParaRPr lang="zh-CN" altLang="en-US"/>
           </a:p>
         </p:txBody>
       </p:sp>
@@ -2613,7 +2746,6 @@
               <a:rPr lang="zh-CN" altLang="en-US"/>
               <a:t>单击此处编辑母版文本样式</a:t>
             </a:r>
-            <a:endParaRPr lang="zh-CN" altLang="en-US"/>
           </a:p>
           <a:p>
             <a:pPr lvl="1"/>
@@ -2621,7 +2753,6 @@
               <a:rPr lang="zh-CN" altLang="en-US"/>
               <a:t>二级</a:t>
             </a:r>
-            <a:endParaRPr lang="zh-CN" altLang="en-US"/>
           </a:p>
           <a:p>
             <a:pPr lvl="2"/>
@@ -2629,7 +2760,6 @@
               <a:rPr lang="zh-CN" altLang="en-US"/>
               <a:t>三级</a:t>
             </a:r>
-            <a:endParaRPr lang="zh-CN" altLang="en-US"/>
           </a:p>
           <a:p>
             <a:pPr lvl="3"/>
@@ -2637,7 +2767,6 @@
               <a:rPr lang="zh-CN" altLang="en-US"/>
               <a:t>四级</a:t>
             </a:r>
-            <a:endParaRPr lang="zh-CN" altLang="en-US"/>
           </a:p>
           <a:p>
             <a:pPr lvl="4"/>
@@ -2645,7 +2774,6 @@
               <a:rPr lang="zh-CN" altLang="en-US"/>
               <a:t>五级</a:t>
             </a:r>
-            <a:endParaRPr lang="zh-CN" altLang="en-US"/>
           </a:p>
         </p:txBody>
       </p:sp>
@@ -2711,7 +2839,6 @@
               <a:rPr lang="zh-CN" altLang="en-US"/>
               <a:t>单击此处编辑母版文本样式</a:t>
             </a:r>
-            <a:endParaRPr lang="zh-CN" altLang="en-US"/>
           </a:p>
         </p:txBody>
       </p:sp>
@@ -2740,7 +2867,6 @@
               <a:rPr lang="zh-CN" altLang="en-US"/>
               <a:t>单击此处编辑母版文本样式</a:t>
             </a:r>
-            <a:endParaRPr lang="zh-CN" altLang="en-US"/>
           </a:p>
           <a:p>
             <a:pPr lvl="1"/>
@@ -2748,7 +2874,6 @@
               <a:rPr lang="zh-CN" altLang="en-US"/>
               <a:t>二级</a:t>
             </a:r>
-            <a:endParaRPr lang="zh-CN" altLang="en-US"/>
           </a:p>
           <a:p>
             <a:pPr lvl="2"/>
@@ -2756,7 +2881,6 @@
               <a:rPr lang="zh-CN" altLang="en-US"/>
               <a:t>三级</a:t>
             </a:r>
-            <a:endParaRPr lang="zh-CN" altLang="en-US"/>
           </a:p>
           <a:p>
             <a:pPr lvl="3"/>
@@ -2764,7 +2888,6 @@
               <a:rPr lang="zh-CN" altLang="en-US"/>
               <a:t>四级</a:t>
             </a:r>
-            <a:endParaRPr lang="zh-CN" altLang="en-US"/>
           </a:p>
           <a:p>
             <a:pPr lvl="4"/>
@@ -2772,7 +2895,6 @@
               <a:rPr lang="zh-CN" altLang="en-US"/>
               <a:t>五级</a:t>
             </a:r>
-            <a:endParaRPr lang="zh-CN" altLang="en-US"/>
           </a:p>
         </p:txBody>
       </p:sp>
@@ -2793,6 +2915,7 @@
           <a:p>
             <a:fld id="{0CCCBCAA-DE24-4869-907B-21FA432ED4EA}" type="datetimeFigureOut">
               <a:rPr lang="zh-CN" altLang="en-US" smtClean="0"/>
+              <a:t>2024/1/2</a:t>
             </a:fld>
             <a:endParaRPr lang="zh-CN" altLang="en-US"/>
           </a:p>
@@ -2834,6 +2957,7 @@
           <a:p>
             <a:fld id="{5FE236EB-BACC-4582-BC1D-973661D0AF0F}" type="slidenum">
               <a:rPr lang="zh-CN" altLang="en-US" smtClean="0"/>
+              <a:t>‹#›</a:t>
             </a:fld>
             <a:endParaRPr lang="zh-CN" altLang="en-US"/>
           </a:p>
@@ -2883,7 +3007,6 @@
               <a:rPr lang="zh-CN" altLang="en-US"/>
               <a:t>单击此处编辑母版标题样式</a:t>
             </a:r>
-            <a:endParaRPr lang="zh-CN" altLang="en-US"/>
           </a:p>
         </p:txBody>
       </p:sp>
@@ -2904,6 +3027,7 @@
           <a:p>
             <a:fld id="{0CCCBCAA-DE24-4869-907B-21FA432ED4EA}" type="datetimeFigureOut">
               <a:rPr lang="zh-CN" altLang="en-US" smtClean="0"/>
+              <a:t>2024/1/2</a:t>
             </a:fld>
             <a:endParaRPr lang="zh-CN" altLang="en-US"/>
           </a:p>
@@ -2945,6 +3069,7 @@
           <a:p>
             <a:fld id="{5FE236EB-BACC-4582-BC1D-973661D0AF0F}" type="slidenum">
               <a:rPr lang="zh-CN" altLang="en-US" smtClean="0"/>
+              <a:t>‹#›</a:t>
             </a:fld>
             <a:endParaRPr lang="zh-CN" altLang="en-US"/>
           </a:p>
@@ -2992,6 +3117,7 @@
           <a:p>
             <a:fld id="{0CCCBCAA-DE24-4869-907B-21FA432ED4EA}" type="datetimeFigureOut">
               <a:rPr lang="zh-CN" altLang="en-US" smtClean="0"/>
+              <a:t>2024/1/2</a:t>
             </a:fld>
             <a:endParaRPr lang="zh-CN" altLang="en-US"/>
           </a:p>
@@ -3033,6 +3159,7 @@
           <a:p>
             <a:fld id="{5FE236EB-BACC-4582-BC1D-973661D0AF0F}" type="slidenum">
               <a:rPr lang="zh-CN" altLang="en-US" smtClean="0"/>
+              <a:t>‹#›</a:t>
             </a:fld>
             <a:endParaRPr lang="zh-CN" altLang="en-US"/>
           </a:p>
@@ -3091,7 +3218,6 @@
               <a:rPr lang="zh-CN" altLang="en-US"/>
               <a:t>单击此处编辑母版标题样式</a:t>
             </a:r>
-            <a:endParaRPr lang="zh-CN" altLang="en-US"/>
           </a:p>
         </p:txBody>
       </p:sp>
@@ -3148,7 +3274,6 @@
               <a:rPr lang="zh-CN" altLang="en-US"/>
               <a:t>单击此处编辑母版文本样式</a:t>
             </a:r>
-            <a:endParaRPr lang="zh-CN" altLang="en-US"/>
           </a:p>
           <a:p>
             <a:pPr lvl="1"/>
@@ -3156,7 +3281,6 @@
               <a:rPr lang="zh-CN" altLang="en-US"/>
               <a:t>二级</a:t>
             </a:r>
-            <a:endParaRPr lang="zh-CN" altLang="en-US"/>
           </a:p>
           <a:p>
             <a:pPr lvl="2"/>
@@ -3164,7 +3288,6 @@
               <a:rPr lang="zh-CN" altLang="en-US"/>
               <a:t>三级</a:t>
             </a:r>
-            <a:endParaRPr lang="zh-CN" altLang="en-US"/>
           </a:p>
           <a:p>
             <a:pPr lvl="3"/>
@@ -3172,7 +3295,6 @@
               <a:rPr lang="zh-CN" altLang="en-US"/>
               <a:t>四级</a:t>
             </a:r>
-            <a:endParaRPr lang="zh-CN" altLang="en-US"/>
           </a:p>
           <a:p>
             <a:pPr lvl="4"/>
@@ -3180,7 +3302,6 @@
               <a:rPr lang="zh-CN" altLang="en-US"/>
               <a:t>五级</a:t>
             </a:r>
-            <a:endParaRPr lang="zh-CN" altLang="en-US"/>
           </a:p>
         </p:txBody>
       </p:sp>
@@ -3246,7 +3367,6 @@
               <a:rPr lang="zh-CN" altLang="en-US"/>
               <a:t>单击此处编辑母版文本样式</a:t>
             </a:r>
-            <a:endParaRPr lang="zh-CN" altLang="en-US"/>
           </a:p>
         </p:txBody>
       </p:sp>
@@ -3267,6 +3387,7 @@
           <a:p>
             <a:fld id="{0CCCBCAA-DE24-4869-907B-21FA432ED4EA}" type="datetimeFigureOut">
               <a:rPr lang="zh-CN" altLang="en-US" smtClean="0"/>
+              <a:t>2024/1/2</a:t>
             </a:fld>
             <a:endParaRPr lang="zh-CN" altLang="en-US"/>
           </a:p>
@@ -3308,6 +3429,7 @@
           <a:p>
             <a:fld id="{5FE236EB-BACC-4582-BC1D-973661D0AF0F}" type="slidenum">
               <a:rPr lang="zh-CN" altLang="en-US" smtClean="0"/>
+              <a:t>‹#›</a:t>
             </a:fld>
             <a:endParaRPr lang="zh-CN" altLang="en-US"/>
           </a:p>
@@ -3366,7 +3488,6 @@
               <a:rPr lang="zh-CN" altLang="en-US"/>
               <a:t>单击此处编辑母版标题样式</a:t>
             </a:r>
-            <a:endParaRPr lang="zh-CN" altLang="en-US"/>
           </a:p>
         </p:txBody>
       </p:sp>
@@ -3493,7 +3614,6 @@
               <a:rPr lang="zh-CN" altLang="en-US"/>
               <a:t>单击此处编辑母版文本样式</a:t>
             </a:r>
-            <a:endParaRPr lang="zh-CN" altLang="en-US"/>
           </a:p>
         </p:txBody>
       </p:sp>
@@ -3514,6 +3634,7 @@
           <a:p>
             <a:fld id="{0CCCBCAA-DE24-4869-907B-21FA432ED4EA}" type="datetimeFigureOut">
               <a:rPr lang="zh-CN" altLang="en-US" smtClean="0"/>
+              <a:t>2024/1/2</a:t>
             </a:fld>
             <a:endParaRPr lang="zh-CN" altLang="en-US"/>
           </a:p>
@@ -3555,6 +3676,7 @@
           <a:p>
             <a:fld id="{5FE236EB-BACC-4582-BC1D-973661D0AF0F}" type="slidenum">
               <a:rPr lang="zh-CN" altLang="en-US" smtClean="0"/>
+              <a:t>‹#›</a:t>
             </a:fld>
             <a:endParaRPr lang="zh-CN" altLang="en-US"/>
           </a:p>
@@ -3619,7 +3741,6 @@
               <a:rPr lang="zh-CN" altLang="en-US"/>
               <a:t>单击此处编辑母版标题样式</a:t>
             </a:r>
-            <a:endParaRPr lang="zh-CN" altLang="en-US"/>
           </a:p>
         </p:txBody>
       </p:sp>
@@ -3653,7 +3774,6 @@
               <a:rPr lang="zh-CN" altLang="en-US"/>
               <a:t>单击此处编辑母版文本样式</a:t>
             </a:r>
-            <a:endParaRPr lang="zh-CN" altLang="en-US"/>
           </a:p>
           <a:p>
             <a:pPr lvl="1"/>
@@ -3661,7 +3781,6 @@
               <a:rPr lang="zh-CN" altLang="en-US"/>
               <a:t>二级</a:t>
             </a:r>
-            <a:endParaRPr lang="zh-CN" altLang="en-US"/>
           </a:p>
           <a:p>
             <a:pPr lvl="2"/>
@@ -3669,7 +3788,6 @@
               <a:rPr lang="zh-CN" altLang="en-US"/>
               <a:t>三级</a:t>
             </a:r>
-            <a:endParaRPr lang="zh-CN" altLang="en-US"/>
           </a:p>
           <a:p>
             <a:pPr lvl="3"/>
@@ -3677,7 +3795,6 @@
               <a:rPr lang="zh-CN" altLang="en-US"/>
               <a:t>四级</a:t>
             </a:r>
-            <a:endParaRPr lang="zh-CN" altLang="en-US"/>
           </a:p>
           <a:p>
             <a:pPr lvl="4"/>
@@ -3685,7 +3802,6 @@
               <a:rPr lang="zh-CN" altLang="en-US"/>
               <a:t>五级</a:t>
             </a:r>
-            <a:endParaRPr lang="zh-CN" altLang="en-US"/>
           </a:p>
         </p:txBody>
       </p:sp>
@@ -3724,6 +3840,7 @@
           <a:p>
             <a:fld id="{0CCCBCAA-DE24-4869-907B-21FA432ED4EA}" type="datetimeFigureOut">
               <a:rPr lang="zh-CN" altLang="en-US" smtClean="0"/>
+              <a:t>2024/1/2</a:t>
             </a:fld>
             <a:endParaRPr lang="zh-CN" altLang="en-US"/>
           </a:p>
@@ -3801,6 +3918,7 @@
           <a:p>
             <a:fld id="{5FE236EB-BACC-4582-BC1D-973661D0AF0F}" type="slidenum">
               <a:rPr lang="zh-CN" altLang="en-US" smtClean="0"/>
+              <a:t>‹#›</a:t>
             </a:fld>
             <a:endParaRPr lang="zh-CN" altLang="en-US"/>
           </a:p>
@@ -4141,7 +4259,6 @@
               <a:rPr lang="zh-CN" altLang="en-US" dirty="0"/>
               <a:t>输入输出理解</a:t>
             </a:r>
-            <a:endParaRPr lang="zh-CN" altLang="en-US" dirty="0"/>
           </a:p>
         </p:txBody>
       </p:sp>
@@ -6366,21 +6483,18 @@
               <a:rPr lang="en-US" altLang="zh-CN" dirty="0"/>
               <a:t>2</a:t>
             </a:r>
-            <a:endParaRPr lang="en-US" altLang="zh-CN" dirty="0"/>
           </a:p>
           <a:p>
             <a:r>
               <a:rPr lang="en-US" altLang="zh-CN" dirty="0"/>
               <a:t>2 3 3 0 1 0 0 2 0 1 3 0</a:t>
             </a:r>
-            <a:endParaRPr lang="en-US" altLang="zh-CN" dirty="0"/>
           </a:p>
           <a:p>
             <a:r>
               <a:rPr lang="en-US" altLang="zh-CN" dirty="0"/>
               <a:t>2 0 1 1 1 0</a:t>
             </a:r>
-            <a:endParaRPr lang="en-US" altLang="zh-CN" dirty="0"/>
           </a:p>
           <a:p>
             <a:r>
@@ -8744,7 +8858,6 @@
               <a:rPr lang="zh-CN" altLang="en-US" dirty="0"/>
               <a:t>路径合并</a:t>
             </a:r>
-            <a:endParaRPr lang="zh-CN" altLang="en-US" dirty="0"/>
           </a:p>
         </p:txBody>
       </p:sp>
@@ -8821,21 +8934,18 @@
               <a:rPr lang="en-US" altLang="zh-CN" dirty="0"/>
               <a:t>2</a:t>
             </a:r>
-            <a:endParaRPr lang="en-US" altLang="zh-CN" dirty="0"/>
           </a:p>
           <a:p>
             <a:r>
               <a:rPr lang="en-US" altLang="zh-CN" dirty="0"/>
               <a:t>2 3 2 0 2 0 1 3 0</a:t>
             </a:r>
-            <a:endParaRPr lang="en-US" altLang="zh-CN" dirty="0"/>
           </a:p>
           <a:p>
             <a:r>
               <a:rPr lang="en-US" altLang="zh-CN" dirty="0"/>
               <a:t>2 0 1 1 1 0</a:t>
             </a:r>
-            <a:endParaRPr lang="en-US" altLang="zh-CN" dirty="0"/>
           </a:p>
           <a:p>
             <a:r>
@@ -8930,7 +9040,6 @@
               <a:rPr lang="zh-CN" altLang="en-US" dirty="0"/>
               <a:t>的路径上合并</a:t>
             </a:r>
-            <a:endParaRPr lang="zh-CN" altLang="en-US" dirty="0"/>
           </a:p>
         </p:txBody>
       </p:sp>
@@ -8984,11 +9093,6 @@
               </a:rPr>
               <a:t>main3_yx.cpp</a:t>
             </a:r>
-            <a:endParaRPr lang="en-US" altLang="zh-CN" b="1" dirty="0">
-              <a:solidFill>
-                <a:srgbClr val="FF0000"/>
-              </a:solidFill>
-            </a:endParaRPr>
           </a:p>
         </p:txBody>
       </p:sp>
@@ -9042,11 +9146,6 @@
               </a:rPr>
               <a:t>main4_yx_trajectory_merge.cpp</a:t>
             </a:r>
-            <a:endParaRPr lang="en-US" altLang="zh-CN" b="1" dirty="0">
-              <a:solidFill>
-                <a:srgbClr val="FF0000"/>
-              </a:solidFill>
-            </a:endParaRPr>
           </a:p>
         </p:txBody>
       </p:sp>
@@ -9084,7 +9183,6 @@
               <a:rPr lang="zh-CN" altLang="en-US" dirty="0"/>
               <a:t>按照从</a:t>
             </a:r>
-            <a:endParaRPr lang="zh-CN" altLang="en-US" dirty="0"/>
           </a:p>
         </p:txBody>
       </p:sp>
@@ -9097,7 +9195,7 @@
           <p:nvPr/>
         </p:nvPicPr>
         <p:blipFill>
-          <a:blip r:embed="rId1"/>
+          <a:blip r:embed="rId3"/>
           <a:stretch>
             <a:fillRect/>
           </a:stretch>
@@ -9121,7 +9219,7 @@
           <p:nvPr/>
         </p:nvPicPr>
         <p:blipFill>
-          <a:blip r:embed="rId2"/>
+          <a:blip r:embed="rId4"/>
           <a:stretch>
             <a:fillRect/>
           </a:stretch>
@@ -9180,7 +9278,6 @@
               <a:rPr lang="zh-CN" altLang="en-US" dirty="0"/>
               <a:t>现有缺陷</a:t>
             </a:r>
-            <a:endParaRPr lang="zh-CN" altLang="en-US" dirty="0"/>
           </a:p>
         </p:txBody>
       </p:sp>
@@ -9400,7 +9497,7 @@
           <p:nvPr/>
         </p:nvPicPr>
         <p:blipFill>
-          <a:blip r:embed="rId1" cstate="print">
+          <a:blip r:embed="rId2" cstate="print">
             <a:extLst>
               <a:ext uri="{28A0092B-C50C-407E-A947-70E740481C1C}">
                 <a14:useLocalDpi xmlns:a14="http://schemas.microsoft.com/office/drawing/2010/main" val="0"/>
@@ -9430,7 +9527,7 @@
           <p:nvPr/>
         </p:nvPicPr>
         <p:blipFill>
-          <a:blip r:embed="rId2"/>
+          <a:blip r:embed="rId3"/>
           <a:stretch>
             <a:fillRect/>
           </a:stretch>
@@ -9510,7 +9607,6 @@
               <a:rPr lang="zh-CN" altLang="en-US" dirty="0"/>
               <a:t>是远远不够的）</a:t>
             </a:r>
-            <a:endParaRPr lang="zh-CN" altLang="en-US" dirty="0"/>
           </a:p>
         </p:txBody>
       </p:sp>
@@ -9562,7 +9658,6 @@
               <a:rPr lang="zh-CN" altLang="en-US" dirty="0"/>
               <a:t>最短路径</a:t>
             </a:r>
-            <a:endParaRPr lang="zh-CN" altLang="en-US" dirty="0"/>
           </a:p>
         </p:txBody>
       </p:sp>
@@ -9597,7 +9692,6 @@
               <a:rPr lang="zh-CN" altLang="en-US" dirty="0"/>
               <a:t>最短路径</a:t>
             </a:r>
-            <a:endParaRPr lang="zh-CN" altLang="en-US" dirty="0"/>
           </a:p>
         </p:txBody>
       </p:sp>
@@ -9635,7 +9729,7 @@
           <p:nvPr/>
         </p:nvPicPr>
         <p:blipFill>
-          <a:blip r:embed="rId1" cstate="print">
+          <a:blip r:embed="rId2" cstate="print">
             <a:extLst>
               <a:ext uri="{28A0092B-C50C-407E-A947-70E740481C1C}">
                 <a14:useLocalDpi xmlns:a14="http://schemas.microsoft.com/office/drawing/2010/main" val="0"/>
@@ -14898,7 +14992,13 @@
                 <a:tableStyleId>{5C22544A-7EE6-4342-B048-85BDC9FD1C3A}</a:tableStyleId>
               </a:tblPr>
               <a:tblGrid>
-                <a:gridCol w="5448443"/>
+                <a:gridCol w="5448443">
+                  <a:extLst>
+                    <a:ext uri="{9D8B030D-6E8A-4147-A177-3AD203B41FA5}">
+                      <a16:colId xmlns:a16="http://schemas.microsoft.com/office/drawing/2014/main" val="20000"/>
+                    </a:ext>
+                  </a:extLst>
+                </a:gridCol>
               </a:tblGrid>
               <a:tr h="277381">
                 <a:tc>
@@ -14910,11 +15010,15 @@
                         <a:rPr lang="zh-CN" altLang="en-US" sz="1000" dirty="0"/>
                         <a:t>结点集合</a:t>
                       </a:r>
-                      <a:endParaRPr lang="zh-CN" altLang="en-US" sz="1000" dirty="0"/>
                     </a:p>
                   </a:txBody>
                   <a:tcPr/>
                 </a:tc>
+                <a:extLst>
+                  <a:ext uri="{0D108BD9-81ED-4DB2-BD59-A6C34878D82A}">
+                    <a16:rowId xmlns:a16="http://schemas.microsoft.com/office/drawing/2014/main" val="10000"/>
+                  </a:ext>
+                </a:extLst>
               </a:tr>
               <a:tr h="277381">
                 <a:tc>
@@ -14931,6 +15035,11 @@
                   </a:txBody>
                   <a:tcPr/>
                 </a:tc>
+                <a:extLst>
+                  <a:ext uri="{0D108BD9-81ED-4DB2-BD59-A6C34878D82A}">
+                    <a16:rowId xmlns:a16="http://schemas.microsoft.com/office/drawing/2014/main" val="10001"/>
+                  </a:ext>
+                </a:extLst>
               </a:tr>
               <a:tr h="277381">
                 <a:tc>
@@ -14951,6 +15060,11 @@
                   </a:txBody>
                   <a:tcPr/>
                 </a:tc>
+                <a:extLst>
+                  <a:ext uri="{0D108BD9-81ED-4DB2-BD59-A6C34878D82A}">
+                    <a16:rowId xmlns:a16="http://schemas.microsoft.com/office/drawing/2014/main" val="10002"/>
+                  </a:ext>
+                </a:extLst>
               </a:tr>
               <a:tr h="277381">
                 <a:tc>
@@ -14987,6 +15101,11 @@
                   </a:txBody>
                   <a:tcPr/>
                 </a:tc>
+                <a:extLst>
+                  <a:ext uri="{0D108BD9-81ED-4DB2-BD59-A6C34878D82A}">
+                    <a16:rowId xmlns:a16="http://schemas.microsoft.com/office/drawing/2014/main" val="10003"/>
+                  </a:ext>
+                </a:extLst>
               </a:tr>
               <a:tr h="277381">
                 <a:tc>
@@ -15023,6 +15142,11 @@
                   </a:txBody>
                   <a:tcPr/>
                 </a:tc>
+                <a:extLst>
+                  <a:ext uri="{0D108BD9-81ED-4DB2-BD59-A6C34878D82A}">
+                    <a16:rowId xmlns:a16="http://schemas.microsoft.com/office/drawing/2014/main" val="10004"/>
+                  </a:ext>
+                </a:extLst>
               </a:tr>
               <a:tr h="277381">
                 <a:tc>
@@ -15063,6 +15187,11 @@
                   </a:txBody>
                   <a:tcPr/>
                 </a:tc>
+                <a:extLst>
+                  <a:ext uri="{0D108BD9-81ED-4DB2-BD59-A6C34878D82A}">
+                    <a16:rowId xmlns:a16="http://schemas.microsoft.com/office/drawing/2014/main" val="10005"/>
+                  </a:ext>
+                </a:extLst>
               </a:tr>
               <a:tr h="277381">
                 <a:tc>
@@ -15103,6 +15232,11 @@
                   </a:txBody>
                   <a:tcPr/>
                 </a:tc>
+                <a:extLst>
+                  <a:ext uri="{0D108BD9-81ED-4DB2-BD59-A6C34878D82A}">
+                    <a16:rowId xmlns:a16="http://schemas.microsoft.com/office/drawing/2014/main" val="10006"/>
+                  </a:ext>
+                </a:extLst>
               </a:tr>
               <a:tr h="277381">
                 <a:tc>
@@ -15143,6 +15277,11 @@
                   </a:txBody>
                   <a:tcPr/>
                 </a:tc>
+                <a:extLst>
+                  <a:ext uri="{0D108BD9-81ED-4DB2-BD59-A6C34878D82A}">
+                    <a16:rowId xmlns:a16="http://schemas.microsoft.com/office/drawing/2014/main" val="10007"/>
+                  </a:ext>
+                </a:extLst>
               </a:tr>
               <a:tr h="277381">
                 <a:tc>
@@ -15183,6 +15322,11 @@
                   </a:txBody>
                   <a:tcPr/>
                 </a:tc>
+                <a:extLst>
+                  <a:ext uri="{0D108BD9-81ED-4DB2-BD59-A6C34878D82A}">
+                    <a16:rowId xmlns:a16="http://schemas.microsoft.com/office/drawing/2014/main" val="10008"/>
+                  </a:ext>
+                </a:extLst>
               </a:tr>
               <a:tr h="277381">
                 <a:tc>
@@ -15227,6 +15371,11 @@
                   </a:txBody>
                   <a:tcPr/>
                 </a:tc>
+                <a:extLst>
+                  <a:ext uri="{0D108BD9-81ED-4DB2-BD59-A6C34878D82A}">
+                    <a16:rowId xmlns:a16="http://schemas.microsoft.com/office/drawing/2014/main" val="10009"/>
+                  </a:ext>
+                </a:extLst>
               </a:tr>
               <a:tr h="277381">
                 <a:tc>
@@ -15267,6 +15416,11 @@
                   </a:txBody>
                   <a:tcPr/>
                 </a:tc>
+                <a:extLst>
+                  <a:ext uri="{0D108BD9-81ED-4DB2-BD59-A6C34878D82A}">
+                    <a16:rowId xmlns:a16="http://schemas.microsoft.com/office/drawing/2014/main" val="10010"/>
+                  </a:ext>
+                </a:extLst>
               </a:tr>
               <a:tr h="277381">
                 <a:tc>
@@ -15287,6 +15441,11 @@
                   </a:txBody>
                   <a:tcPr/>
                 </a:tc>
+                <a:extLst>
+                  <a:ext uri="{0D108BD9-81ED-4DB2-BD59-A6C34878D82A}">
+                    <a16:rowId xmlns:a16="http://schemas.microsoft.com/office/drawing/2014/main" val="10011"/>
+                  </a:ext>
+                </a:extLst>
               </a:tr>
               <a:tr h="277381">
                 <a:tc>
@@ -15327,6 +15486,11 @@
                   </a:txBody>
                   <a:tcPr/>
                 </a:tc>
+                <a:extLst>
+                  <a:ext uri="{0D108BD9-81ED-4DB2-BD59-A6C34878D82A}">
+                    <a16:rowId xmlns:a16="http://schemas.microsoft.com/office/drawing/2014/main" val="10012"/>
+                  </a:ext>
+                </a:extLst>
               </a:tr>
             </a:tbl>
           </a:graphicData>
@@ -15400,11 +15564,6 @@
               </a:rPr>
               <a:t>二阶邻居找到的最短路径用绿色边</a:t>
             </a:r>
-            <a:endParaRPr lang="zh-CN" altLang="en-US" b="1" dirty="0">
-              <a:solidFill>
-                <a:schemeClr val="accent6"/>
-              </a:solidFill>
-            </a:endParaRPr>
           </a:p>
         </p:txBody>
       </p:sp>
@@ -15454,11 +15613,6 @@
               </a:rPr>
               <a:t>的最短路径用红色边</a:t>
             </a:r>
-            <a:endParaRPr lang="zh-CN" altLang="en-US" b="1" dirty="0">
-              <a:solidFill>
-                <a:srgbClr val="FF0000"/>
-              </a:solidFill>
-            </a:endParaRPr>
           </a:p>
         </p:txBody>
       </p:sp>
@@ -15562,7 +15716,6 @@
               <a:rPr lang="en-US" altLang="zh-CN" dirty="0"/>
               <a:t>Transmitter</a:t>
             </a:r>
-            <a:endParaRPr lang="en-US" altLang="zh-CN" dirty="0"/>
           </a:p>
         </p:txBody>
       </p:sp>
@@ -15575,7 +15728,7 @@
           <p:nvPr/>
         </p:nvPicPr>
         <p:blipFill>
-          <a:blip r:embed="rId2" cstate="print">
+          <a:blip r:embed="rId3" cstate="print">
             <a:extLst>
               <a:ext uri="{28A0092B-C50C-407E-A947-70E740481C1C}">
                 <a14:useLocalDpi xmlns:a14="http://schemas.microsoft.com/office/drawing/2010/main" val="0"/>
@@ -15648,7 +15801,6 @@
               <a:rPr lang="zh-CN" altLang="en-US" dirty="0"/>
               <a:t>优化思路：利用动态规划实现网格上最短路径</a:t>
             </a:r>
-            <a:endParaRPr lang="zh-CN" altLang="en-US" dirty="0"/>
           </a:p>
         </p:txBody>
       </p:sp>
@@ -15701,7 +15853,6 @@
               <a:rPr lang="zh-CN" altLang="en-US" dirty="0"/>
               <a:t>这样也符合路径不允回头的策略。</a:t>
             </a:r>
-            <a:endParaRPr lang="zh-CN" altLang="en-US" dirty="0"/>
           </a:p>
         </p:txBody>
       </p:sp>
@@ -15827,17 +15978,6 @@
                   </a:rPr>
                   <a:t>15	10	10	10</a:t>
                 </a:r>
-                <a:endParaRPr lang="en-US" altLang="zh-CN" sz="1500" kern="0" dirty="0">
-                  <a:solidFill>
-                    <a:schemeClr val="accent3">
-                      <a:lumMod val="40000"/>
-                      <a:lumOff val="60000"/>
-                    </a:schemeClr>
-                  </a:solidFill>
-                  <a:effectLst/>
-                  <a:latin typeface="+mn-ea"/>
-                  <a:cs typeface="宋体" panose="02010600030101010101" pitchFamily="2" charset="-122"/>
-                </a:endParaRPr>
               </a:p>
               <a:p>
                 <a:pPr marL="342900" indent="-342900" algn="l">
@@ -15902,17 +16042,6 @@
                   </a:rPr>
                   <a:t>10	10	10	20	10</a:t>
                 </a:r>
-                <a:endParaRPr lang="en-US" altLang="zh-CN" sz="1500" kern="0" dirty="0">
-                  <a:solidFill>
-                    <a:schemeClr val="accent3">
-                      <a:lumMod val="40000"/>
-                      <a:lumOff val="60000"/>
-                    </a:schemeClr>
-                  </a:solidFill>
-                  <a:effectLst/>
-                  <a:latin typeface="+mn-ea"/>
-                  <a:cs typeface="宋体" panose="02010600030101010101" pitchFamily="2" charset="-122"/>
-                </a:endParaRPr>
               </a:p>
               <a:p>
                 <a:pPr marL="342900" indent="-342900" algn="l">
@@ -15978,17 +16107,6 @@
                   </a:rPr>
                   <a:t>10	15	10	90	10</a:t>
                 </a:r>
-                <a:endParaRPr lang="en-US" altLang="zh-CN" sz="1500" kern="0" dirty="0">
-                  <a:solidFill>
-                    <a:schemeClr val="accent3">
-                      <a:lumMod val="40000"/>
-                      <a:lumOff val="60000"/>
-                    </a:schemeClr>
-                  </a:solidFill>
-                  <a:effectLst/>
-                  <a:latin typeface="+mn-ea"/>
-                  <a:cs typeface="宋体" panose="02010600030101010101" pitchFamily="2" charset="-122"/>
-                </a:endParaRPr>
               </a:p>
               <a:p>
                 <a:pPr marL="342900" indent="-342900" algn="l">
@@ -16066,17 +16184,6 @@
                   </a:rPr>
                   <a:t>20	10	10	10</a:t>
                 </a:r>
-                <a:endParaRPr lang="en-US" altLang="zh-CN" sz="1500" kern="0" dirty="0">
-                  <a:solidFill>
-                    <a:schemeClr val="accent3">
-                      <a:lumMod val="40000"/>
-                      <a:lumOff val="60000"/>
-                    </a:schemeClr>
-                  </a:solidFill>
-                  <a:effectLst/>
-                  <a:latin typeface="+mn-ea"/>
-                  <a:cs typeface="宋体" panose="02010600030101010101" pitchFamily="2" charset="-122"/>
-                </a:endParaRPr>
               </a:p>
               <a:p>
                 <a:pPr marL="342900" indent="-342900" algn="l">
@@ -18850,7 +18957,6 @@
                 <a:rPr lang="zh-CN" altLang="en-US" dirty="0"/>
                 <a:t>（多个最优解的保存之后再说）</a:t>
               </a:r>
-              <a:endParaRPr lang="zh-CN" altLang="en-US" dirty="0"/>
             </a:p>
           </p:txBody>
         </p:sp>
@@ -18979,11 +19085,6 @@
               </a:rPr>
               <a:t>）</a:t>
             </a:r>
-            <a:endParaRPr lang="zh-CN" altLang="en-US" dirty="0">
-              <a:solidFill>
-                <a:srgbClr val="FF0000"/>
-              </a:solidFill>
-            </a:endParaRPr>
           </a:p>
         </p:txBody>
       </p:sp>
@@ -19079,11 +19180,6 @@
               </a:rPr>
               <a:t>所在行初始化</a:t>
             </a:r>
-            <a:endParaRPr lang="zh-CN" altLang="en-US" dirty="0">
-              <a:solidFill>
-                <a:srgbClr val="FF0000"/>
-              </a:solidFill>
-            </a:endParaRPr>
           </a:p>
         </p:txBody>
       </p:sp>
@@ -19106,10 +19202,34 @@
                 <a:tableStyleId>{F5AB1C69-6EDB-4FF4-983F-18BD219EF322}</a:tableStyleId>
               </a:tblPr>
               <a:tblGrid>
-                <a:gridCol w="386094"/>
-                <a:gridCol w="386094"/>
-                <a:gridCol w="386094"/>
-                <a:gridCol w="386094"/>
+                <a:gridCol w="386094">
+                  <a:extLst>
+                    <a:ext uri="{9D8B030D-6E8A-4147-A177-3AD203B41FA5}">
+                      <a16:colId xmlns:a16="http://schemas.microsoft.com/office/drawing/2014/main" val="20000"/>
+                    </a:ext>
+                  </a:extLst>
+                </a:gridCol>
+                <a:gridCol w="386094">
+                  <a:extLst>
+                    <a:ext uri="{9D8B030D-6E8A-4147-A177-3AD203B41FA5}">
+                      <a16:colId xmlns:a16="http://schemas.microsoft.com/office/drawing/2014/main" val="20001"/>
+                    </a:ext>
+                  </a:extLst>
+                </a:gridCol>
+                <a:gridCol w="386094">
+                  <a:extLst>
+                    <a:ext uri="{9D8B030D-6E8A-4147-A177-3AD203B41FA5}">
+                      <a16:colId xmlns:a16="http://schemas.microsoft.com/office/drawing/2014/main" val="20002"/>
+                    </a:ext>
+                  </a:extLst>
+                </a:gridCol>
+                <a:gridCol w="386094">
+                  <a:extLst>
+                    <a:ext uri="{9D8B030D-6E8A-4147-A177-3AD203B41FA5}">
+                      <a16:colId xmlns:a16="http://schemas.microsoft.com/office/drawing/2014/main" val="20003"/>
+                    </a:ext>
+                  </a:extLst>
+                </a:gridCol>
               </a:tblGrid>
               <a:tr h="215452">
                 <a:tc>
@@ -19152,6 +19272,11 @@
                   </a:txBody>
                   <a:tcPr/>
                 </a:tc>
+                <a:extLst>
+                  <a:ext uri="{0D108BD9-81ED-4DB2-BD59-A6C34878D82A}">
+                    <a16:rowId xmlns:a16="http://schemas.microsoft.com/office/drawing/2014/main" val="10000"/>
+                  </a:ext>
+                </a:extLst>
               </a:tr>
               <a:tr h="215452">
                 <a:tc>
@@ -19194,6 +19319,11 @@
                   </a:txBody>
                   <a:tcPr/>
                 </a:tc>
+                <a:extLst>
+                  <a:ext uri="{0D108BD9-81ED-4DB2-BD59-A6C34878D82A}">
+                    <a16:rowId xmlns:a16="http://schemas.microsoft.com/office/drawing/2014/main" val="10001"/>
+                  </a:ext>
+                </a:extLst>
               </a:tr>
               <a:tr h="270794">
                 <a:tc>
@@ -19260,6 +19390,11 @@
                   </a:txBody>
                   <a:tcPr/>
                 </a:tc>
+                <a:extLst>
+                  <a:ext uri="{0D108BD9-81ED-4DB2-BD59-A6C34878D82A}">
+                    <a16:rowId xmlns:a16="http://schemas.microsoft.com/office/drawing/2014/main" val="10002"/>
+                  </a:ext>
+                </a:extLst>
               </a:tr>
             </a:tbl>
           </a:graphicData>
@@ -19299,7 +19434,6 @@
               <a:rPr lang="en-US" altLang="zh-CN" dirty="0"/>
               <a:t>:</a:t>
             </a:r>
-            <a:endParaRPr lang="en-US" altLang="zh-CN" dirty="0"/>
           </a:p>
           <a:p>
             <a:r>
@@ -19396,11 +19530,6 @@
               </a:rPr>
               <a:t>状态转移</a:t>
             </a:r>
-            <a:endParaRPr lang="zh-CN" altLang="en-US" dirty="0">
-              <a:solidFill>
-                <a:srgbClr val="FF0000"/>
-              </a:solidFill>
-            </a:endParaRPr>
           </a:p>
         </p:txBody>
       </p:sp>
@@ -19423,10 +19552,34 @@
                 <a:tableStyleId>{F5AB1C69-6EDB-4FF4-983F-18BD219EF322}</a:tableStyleId>
               </a:tblPr>
               <a:tblGrid>
-                <a:gridCol w="386094"/>
-                <a:gridCol w="386094"/>
-                <a:gridCol w="386094"/>
-                <a:gridCol w="386094"/>
+                <a:gridCol w="386094">
+                  <a:extLst>
+                    <a:ext uri="{9D8B030D-6E8A-4147-A177-3AD203B41FA5}">
+                      <a16:colId xmlns:a16="http://schemas.microsoft.com/office/drawing/2014/main" val="20000"/>
+                    </a:ext>
+                  </a:extLst>
+                </a:gridCol>
+                <a:gridCol w="386094">
+                  <a:extLst>
+                    <a:ext uri="{9D8B030D-6E8A-4147-A177-3AD203B41FA5}">
+                      <a16:colId xmlns:a16="http://schemas.microsoft.com/office/drawing/2014/main" val="20001"/>
+                    </a:ext>
+                  </a:extLst>
+                </a:gridCol>
+                <a:gridCol w="386094">
+                  <a:extLst>
+                    <a:ext uri="{9D8B030D-6E8A-4147-A177-3AD203B41FA5}">
+                      <a16:colId xmlns:a16="http://schemas.microsoft.com/office/drawing/2014/main" val="20002"/>
+                    </a:ext>
+                  </a:extLst>
+                </a:gridCol>
+                <a:gridCol w="386094">
+                  <a:extLst>
+                    <a:ext uri="{9D8B030D-6E8A-4147-A177-3AD203B41FA5}">
+                      <a16:colId xmlns:a16="http://schemas.microsoft.com/office/drawing/2014/main" val="20003"/>
+                    </a:ext>
+                  </a:extLst>
+                </a:gridCol>
               </a:tblGrid>
               <a:tr h="215452">
                 <a:tc>
@@ -19473,6 +19626,11 @@
                   </a:txBody>
                   <a:tcPr/>
                 </a:tc>
+                <a:extLst>
+                  <a:ext uri="{0D108BD9-81ED-4DB2-BD59-A6C34878D82A}">
+                    <a16:rowId xmlns:a16="http://schemas.microsoft.com/office/drawing/2014/main" val="10000"/>
+                  </a:ext>
+                </a:extLst>
               </a:tr>
               <a:tr h="215452">
                 <a:tc>
@@ -19519,6 +19677,11 @@
                   </a:txBody>
                   <a:tcPr/>
                 </a:tc>
+                <a:extLst>
+                  <a:ext uri="{0D108BD9-81ED-4DB2-BD59-A6C34878D82A}">
+                    <a16:rowId xmlns:a16="http://schemas.microsoft.com/office/drawing/2014/main" val="10001"/>
+                  </a:ext>
+                </a:extLst>
               </a:tr>
               <a:tr h="270794">
                 <a:tc>
@@ -19601,6 +19764,11 @@
                   </a:txBody>
                   <a:tcPr/>
                 </a:tc>
+                <a:extLst>
+                  <a:ext uri="{0D108BD9-81ED-4DB2-BD59-A6C34878D82A}">
+                    <a16:rowId xmlns:a16="http://schemas.microsoft.com/office/drawing/2014/main" val="10002"/>
+                  </a:ext>
+                </a:extLst>
               </a:tr>
             </a:tbl>
           </a:graphicData>
@@ -19625,10 +19793,34 @@
                 <a:tableStyleId>{F5AB1C69-6EDB-4FF4-983F-18BD219EF322}</a:tableStyleId>
               </a:tblPr>
               <a:tblGrid>
-                <a:gridCol w="386094"/>
-                <a:gridCol w="386094"/>
-                <a:gridCol w="386094"/>
-                <a:gridCol w="386094"/>
+                <a:gridCol w="386094">
+                  <a:extLst>
+                    <a:ext uri="{9D8B030D-6E8A-4147-A177-3AD203B41FA5}">
+                      <a16:colId xmlns:a16="http://schemas.microsoft.com/office/drawing/2014/main" val="20000"/>
+                    </a:ext>
+                  </a:extLst>
+                </a:gridCol>
+                <a:gridCol w="386094">
+                  <a:extLst>
+                    <a:ext uri="{9D8B030D-6E8A-4147-A177-3AD203B41FA5}">
+                      <a16:colId xmlns:a16="http://schemas.microsoft.com/office/drawing/2014/main" val="20001"/>
+                    </a:ext>
+                  </a:extLst>
+                </a:gridCol>
+                <a:gridCol w="386094">
+                  <a:extLst>
+                    <a:ext uri="{9D8B030D-6E8A-4147-A177-3AD203B41FA5}">
+                      <a16:colId xmlns:a16="http://schemas.microsoft.com/office/drawing/2014/main" val="20002"/>
+                    </a:ext>
+                  </a:extLst>
+                </a:gridCol>
+                <a:gridCol w="386094">
+                  <a:extLst>
+                    <a:ext uri="{9D8B030D-6E8A-4147-A177-3AD203B41FA5}">
+                      <a16:colId xmlns:a16="http://schemas.microsoft.com/office/drawing/2014/main" val="20003"/>
+                    </a:ext>
+                  </a:extLst>
+                </a:gridCol>
               </a:tblGrid>
               <a:tr h="215452">
                 <a:tc>
@@ -19683,6 +19875,11 @@
                   </a:txBody>
                   <a:tcPr/>
                 </a:tc>
+                <a:extLst>
+                  <a:ext uri="{0D108BD9-81ED-4DB2-BD59-A6C34878D82A}">
+                    <a16:rowId xmlns:a16="http://schemas.microsoft.com/office/drawing/2014/main" val="10000"/>
+                  </a:ext>
+                </a:extLst>
               </a:tr>
               <a:tr h="215452">
                 <a:tc>
@@ -19737,6 +19934,11 @@
                   </a:txBody>
                   <a:tcPr/>
                 </a:tc>
+                <a:extLst>
+                  <a:ext uri="{0D108BD9-81ED-4DB2-BD59-A6C34878D82A}">
+                    <a16:rowId xmlns:a16="http://schemas.microsoft.com/office/drawing/2014/main" val="10001"/>
+                  </a:ext>
+                </a:extLst>
               </a:tr>
               <a:tr h="270794">
                 <a:tc>
@@ -19819,6 +20021,11 @@
                   </a:txBody>
                   <a:tcPr/>
                 </a:tc>
+                <a:extLst>
+                  <a:ext uri="{0D108BD9-81ED-4DB2-BD59-A6C34878D82A}">
+                    <a16:rowId xmlns:a16="http://schemas.microsoft.com/office/drawing/2014/main" val="10002"/>
+                  </a:ext>
+                </a:extLst>
               </a:tr>
             </a:tbl>
           </a:graphicData>
@@ -19858,7 +20065,6 @@
               <a:rPr lang="en-US" altLang="zh-CN" dirty="0"/>
               <a:t>:</a:t>
             </a:r>
-            <a:endParaRPr lang="en-US" altLang="zh-CN" dirty="0"/>
           </a:p>
           <a:p>
             <a:r>
@@ -19881,7 +20087,6 @@
               <a:rPr lang="en-US" altLang="zh-CN" dirty="0"/>
               <a:t>:</a:t>
             </a:r>
-            <a:endParaRPr lang="en-US" altLang="zh-CN" dirty="0"/>
           </a:p>
           <a:p>
             <a:r>
@@ -19982,7 +20187,6 @@
               <a:rPr lang="en-US" altLang="zh-CN" dirty="0"/>
               <a:t>:</a:t>
             </a:r>
-            <a:endParaRPr lang="en-US" altLang="zh-CN" dirty="0"/>
           </a:p>
           <a:p>
             <a:r>
@@ -20087,11 +20291,6 @@
               </a:rPr>
               <a:t>所在列初始化</a:t>
             </a:r>
-            <a:endParaRPr lang="zh-CN" altLang="en-US" dirty="0">
-              <a:solidFill>
-                <a:srgbClr val="FF0000"/>
-              </a:solidFill>
-            </a:endParaRPr>
           </a:p>
         </p:txBody>
       </p:sp>
@@ -20114,10 +20313,34 @@
                 <a:tableStyleId>{F5AB1C69-6EDB-4FF4-983F-18BD219EF322}</a:tableStyleId>
               </a:tblPr>
               <a:tblGrid>
-                <a:gridCol w="386094"/>
-                <a:gridCol w="386094"/>
-                <a:gridCol w="386094"/>
-                <a:gridCol w="386094"/>
+                <a:gridCol w="386094">
+                  <a:extLst>
+                    <a:ext uri="{9D8B030D-6E8A-4147-A177-3AD203B41FA5}">
+                      <a16:colId xmlns:a16="http://schemas.microsoft.com/office/drawing/2014/main" val="20000"/>
+                    </a:ext>
+                  </a:extLst>
+                </a:gridCol>
+                <a:gridCol w="386094">
+                  <a:extLst>
+                    <a:ext uri="{9D8B030D-6E8A-4147-A177-3AD203B41FA5}">
+                      <a16:colId xmlns:a16="http://schemas.microsoft.com/office/drawing/2014/main" val="20001"/>
+                    </a:ext>
+                  </a:extLst>
+                </a:gridCol>
+                <a:gridCol w="386094">
+                  <a:extLst>
+                    <a:ext uri="{9D8B030D-6E8A-4147-A177-3AD203B41FA5}">
+                      <a16:colId xmlns:a16="http://schemas.microsoft.com/office/drawing/2014/main" val="20002"/>
+                    </a:ext>
+                  </a:extLst>
+                </a:gridCol>
+                <a:gridCol w="386094">
+                  <a:extLst>
+                    <a:ext uri="{9D8B030D-6E8A-4147-A177-3AD203B41FA5}">
+                      <a16:colId xmlns:a16="http://schemas.microsoft.com/office/drawing/2014/main" val="20003"/>
+                    </a:ext>
+                  </a:extLst>
+                </a:gridCol>
               </a:tblGrid>
               <a:tr h="215452">
                 <a:tc>
@@ -20208,6 +20431,11 @@
                   </a:txBody>
                   <a:tcPr/>
                 </a:tc>
+                <a:extLst>
+                  <a:ext uri="{0D108BD9-81ED-4DB2-BD59-A6C34878D82A}">
+                    <a16:rowId xmlns:a16="http://schemas.microsoft.com/office/drawing/2014/main" val="10000"/>
+                  </a:ext>
+                </a:extLst>
               </a:tr>
               <a:tr h="215452">
                 <a:tc>
@@ -20298,6 +20526,11 @@
                   </a:txBody>
                   <a:tcPr/>
                 </a:tc>
+                <a:extLst>
+                  <a:ext uri="{0D108BD9-81ED-4DB2-BD59-A6C34878D82A}">
+                    <a16:rowId xmlns:a16="http://schemas.microsoft.com/office/drawing/2014/main" val="10001"/>
+                  </a:ext>
+                </a:extLst>
               </a:tr>
               <a:tr h="270794">
                 <a:tc>
@@ -20388,6 +20621,11 @@
                   </a:txBody>
                   <a:tcPr/>
                 </a:tc>
+                <a:extLst>
+                  <a:ext uri="{0D108BD9-81ED-4DB2-BD59-A6C34878D82A}">
+                    <a16:rowId xmlns:a16="http://schemas.microsoft.com/office/drawing/2014/main" val="10002"/>
+                  </a:ext>
+                </a:extLst>
               </a:tr>
             </a:tbl>
           </a:graphicData>
@@ -20426,42 +20664,36 @@
               <a:rPr lang="en-US" altLang="zh-CN" dirty="0"/>
               <a:t>4</a:t>
             </a:r>
-            <a:endParaRPr lang="en-US" altLang="zh-CN" dirty="0"/>
           </a:p>
           <a:p>
             <a:r>
               <a:rPr lang="en-US" altLang="zh-CN" dirty="0"/>
               <a:t>2 3 2 0 1 0 1 3 0</a:t>
             </a:r>
-            <a:endParaRPr lang="en-US" altLang="zh-CN" dirty="0"/>
           </a:p>
           <a:p>
             <a:r>
               <a:rPr lang="en-US" altLang="zh-CN" dirty="0"/>
               <a:t>2 2 2 0 2 0 0 4 0 </a:t>
             </a:r>
-            <a:endParaRPr lang="en-US" altLang="zh-CN" dirty="0"/>
           </a:p>
           <a:p>
             <a:r>
               <a:rPr lang="en-US" altLang="zh-CN" dirty="0"/>
               <a:t>1 2 1 0 3 0</a:t>
             </a:r>
-            <a:endParaRPr lang="en-US" altLang="zh-CN" dirty="0"/>
           </a:p>
           <a:p>
             <a:r>
               <a:rPr lang="en-US" altLang="zh-CN" dirty="0"/>
               <a:t>1 0 1 1 1 0</a:t>
             </a:r>
-            <a:endParaRPr lang="en-US" altLang="zh-CN" dirty="0"/>
           </a:p>
           <a:p>
             <a:r>
               <a:rPr lang="en-US" altLang="zh-CN" dirty="0"/>
               <a:t>3 2 1 1 2 0</a:t>
             </a:r>
-            <a:endParaRPr lang="en-US" altLang="zh-CN" dirty="0"/>
           </a:p>
           <a:p>
             <a:endParaRPr lang="zh-CN" altLang="en-US" dirty="0"/>
@@ -20512,7 +20744,6 @@
               <a:rPr lang="zh-CN" altLang="en-US" dirty="0"/>
               <a:t>整体思路</a:t>
             </a:r>
-            <a:endParaRPr lang="zh-CN" altLang="en-US" dirty="0"/>
           </a:p>
         </p:txBody>
       </p:sp>
@@ -20625,7 +20856,6 @@
               <a:rPr lang="zh-CN" altLang="en-US" dirty="0"/>
               <a:t>设置数据转化格式。</a:t>
             </a:r>
-            <a:endParaRPr lang="zh-CN" altLang="en-US" dirty="0"/>
           </a:p>
         </p:txBody>
       </p:sp>
@@ -20638,7 +20868,7 @@
           <p:nvPr/>
         </p:nvPicPr>
         <p:blipFill>
-          <a:blip r:embed="rId1"/>
+          <a:blip r:embed="rId2"/>
           <a:stretch>
             <a:fillRect/>
           </a:stretch>
@@ -20936,7 +21166,6 @@
               <a:rPr lang="zh-CN" altLang="en-US" dirty="0"/>
               <a:t>具体代码实现的问题</a:t>
             </a:r>
-            <a:endParaRPr lang="zh-CN" altLang="en-US" dirty="0"/>
           </a:p>
         </p:txBody>
       </p:sp>
@@ -21004,7 +21233,6 @@
               <a:rPr lang="zh-CN" altLang="en-US" dirty="0"/>
               <a:t>是深拷贝添加</a:t>
             </a:r>
-            <a:endParaRPr lang="zh-CN" altLang="en-US" dirty="0"/>
           </a:p>
         </p:txBody>
       </p:sp>
@@ -21017,7 +21245,7 @@
           <p:nvPr/>
         </p:nvPicPr>
         <p:blipFill>
-          <a:blip r:embed="rId1"/>
+          <a:blip r:embed="rId2"/>
           <a:stretch>
             <a:fillRect/>
           </a:stretch>
@@ -21041,7 +21269,7 @@
           <p:nvPr/>
         </p:nvPicPr>
         <p:blipFill>
-          <a:blip r:embed="rId2"/>
+          <a:blip r:embed="rId3"/>
           <a:stretch>
             <a:fillRect/>
           </a:stretch>
@@ -21166,7 +21394,6 @@
               <a:rPr lang="zh-CN" altLang="en-US" dirty="0"/>
               <a:t>提交结果</a:t>
             </a:r>
-            <a:endParaRPr lang="zh-CN" altLang="en-US" dirty="0"/>
           </a:p>
         </p:txBody>
       </p:sp>
@@ -21205,7 +21432,6 @@
               <a:rPr lang="zh-CN" altLang="en-US" dirty="0"/>
               <a:t>。</a:t>
             </a:r>
-            <a:endParaRPr lang="zh-CN" altLang="en-US" dirty="0"/>
           </a:p>
           <a:p>
             <a:r>
@@ -21327,7 +21553,7 @@
             <p:nvPr/>
           </p:nvPicPr>
           <p:blipFill>
-            <a:blip r:embed="rId1"/>
+            <a:blip r:embed="rId2"/>
             <a:stretch>
               <a:fillRect/>
             </a:stretch>
@@ -21368,7 +21594,6 @@
                 <a:rPr lang="zh-CN" altLang="en-US" dirty="0"/>
                 <a:t>直接输出这种方案的结果</a:t>
               </a:r>
-              <a:endParaRPr lang="zh-CN" altLang="en-US" dirty="0"/>
             </a:p>
           </p:txBody>
         </p:sp>
@@ -21406,7 +21631,6 @@
                 <a:rPr lang="zh-CN" altLang="en-US" dirty="0"/>
                 <a:t>没有收到数据！</a:t>
               </a:r>
-              <a:endParaRPr lang="zh-CN" altLang="en-US" dirty="0"/>
             </a:p>
           </p:txBody>
         </p:sp>
@@ -21455,7 +21679,6 @@
               <a:rPr lang="zh-CN" altLang="en-US" dirty="0"/>
               <a:t>现有优化思路</a:t>
             </a:r>
-            <a:endParaRPr lang="zh-CN" altLang="en-US" dirty="0"/>
           </a:p>
         </p:txBody>
       </p:sp>
@@ -21482,7 +21705,6 @@
               <a:rPr lang="zh-CN" altLang="en-US" dirty="0"/>
               <a:t>路径优化与消息格式优化</a:t>
             </a:r>
-            <a:endParaRPr lang="zh-CN" altLang="en-US" dirty="0"/>
           </a:p>
         </p:txBody>
       </p:sp>
@@ -21530,7 +21752,6 @@
               <a:rPr lang="zh-CN" altLang="en-US" dirty="0"/>
               <a:t>路径优化与消息格式优化</a:t>
             </a:r>
-            <a:endParaRPr lang="zh-CN" altLang="en-US" dirty="0"/>
           </a:p>
         </p:txBody>
       </p:sp>
@@ -21657,7 +21878,6 @@
               <a:rPr lang="zh-CN" altLang="en-US" dirty="0"/>
               <a:t>如何向上多层次的传递，而不是在最后一层再决定格式转换？</a:t>
             </a:r>
-            <a:endParaRPr lang="zh-CN" altLang="en-US" dirty="0"/>
           </a:p>
           <a:p>
             <a:endParaRPr lang="en-US" altLang="zh-CN" dirty="0"/>
@@ -21790,17 +22010,6 @@
                   </a:rPr>
                   <a:t>15	10	10	10</a:t>
                 </a:r>
-                <a:endParaRPr lang="en-US" altLang="zh-CN" sz="1500" kern="0" dirty="0">
-                  <a:solidFill>
-                    <a:schemeClr val="accent3">
-                      <a:lumMod val="40000"/>
-                      <a:lumOff val="60000"/>
-                    </a:schemeClr>
-                  </a:solidFill>
-                  <a:effectLst/>
-                  <a:latin typeface="+mn-ea"/>
-                  <a:cs typeface="宋体" panose="02010600030101010101" pitchFamily="2" charset="-122"/>
-                </a:endParaRPr>
               </a:p>
               <a:p>
                 <a:pPr marL="342900" indent="-342900" algn="l">
@@ -21865,17 +22074,6 @@
                   </a:rPr>
                   <a:t>10	10	10	20	10</a:t>
                 </a:r>
-                <a:endParaRPr lang="en-US" altLang="zh-CN" sz="1500" kern="0" dirty="0">
-                  <a:solidFill>
-                    <a:schemeClr val="accent3">
-                      <a:lumMod val="40000"/>
-                      <a:lumOff val="60000"/>
-                    </a:schemeClr>
-                  </a:solidFill>
-                  <a:effectLst/>
-                  <a:latin typeface="+mn-ea"/>
-                  <a:cs typeface="宋体" panose="02010600030101010101" pitchFamily="2" charset="-122"/>
-                </a:endParaRPr>
               </a:p>
               <a:p>
                 <a:pPr marL="342900" indent="-342900" algn="l">
@@ -21941,17 +22139,6 @@
                   </a:rPr>
                   <a:t>10	15	10	90	10</a:t>
                 </a:r>
-                <a:endParaRPr lang="en-US" altLang="zh-CN" sz="1500" kern="0" dirty="0">
-                  <a:solidFill>
-                    <a:schemeClr val="accent3">
-                      <a:lumMod val="40000"/>
-                      <a:lumOff val="60000"/>
-                    </a:schemeClr>
-                  </a:solidFill>
-                  <a:effectLst/>
-                  <a:latin typeface="+mn-ea"/>
-                  <a:cs typeface="宋体" panose="02010600030101010101" pitchFamily="2" charset="-122"/>
-                </a:endParaRPr>
               </a:p>
               <a:p>
                 <a:pPr marL="342900" indent="-342900" algn="l">
@@ -22029,17 +22216,6 @@
                   </a:rPr>
                   <a:t>20	10	10	10</a:t>
                 </a:r>
-                <a:endParaRPr lang="en-US" altLang="zh-CN" sz="1500" kern="0" dirty="0">
-                  <a:solidFill>
-                    <a:schemeClr val="accent3">
-                      <a:lumMod val="40000"/>
-                      <a:lumOff val="60000"/>
-                    </a:schemeClr>
-                  </a:solidFill>
-                  <a:effectLst/>
-                  <a:latin typeface="+mn-ea"/>
-                  <a:cs typeface="宋体" panose="02010600030101010101" pitchFamily="2" charset="-122"/>
-                </a:endParaRPr>
               </a:p>
               <a:p>
                 <a:pPr marL="342900" indent="-342900" algn="l">
@@ -24869,7 +25045,6 @@
               <a:rPr lang="zh-CN" altLang="en-US" dirty="0"/>
               <a:t>的路径。其实是障碍。</a:t>
             </a:r>
-            <a:endParaRPr lang="zh-CN" altLang="en-US" dirty="0"/>
           </a:p>
         </p:txBody>
       </p:sp>
@@ -24931,7 +25106,7 @@
             </a:r>
             <a:r>
               <a:rPr lang="zh-CN" altLang="en-US" dirty="0">
-                <a:hlinkClick r:id="rId1"/>
+                <a:hlinkClick r:id="rId2"/>
               </a:rPr>
               <a:t>https://www.bilibili.com/video/BV1bv411y79P</a:t>
             </a:r>
@@ -24960,7 +25135,7 @@
             </a:r>
             <a:r>
               <a:rPr lang="en-US" altLang="zh-CN" dirty="0">
-                <a:hlinkClick r:id="rId2"/>
+                <a:hlinkClick r:id="rId3"/>
               </a:rPr>
               <a:t>https://www.redblobgames.com/pathfinding/a-star/introduction.html</a:t>
             </a:r>
@@ -25000,7 +25175,6 @@
               <a:rPr lang="zh-CN" altLang="en-US" dirty="0"/>
               <a:t>后续主要用图的算法做了，允许回头拐弯的路径了</a:t>
             </a:r>
-            <a:endParaRPr lang="zh-CN" altLang="en-US" dirty="0"/>
           </a:p>
         </p:txBody>
       </p:sp>
@@ -25232,7 +25406,7 @@
                   <a:latin typeface="+mn-ea"/>
                   <a:cs typeface="宋体" panose="02010600030101010101" pitchFamily="2" charset="-122"/>
                 </a:rPr>
-                <a:t>0 1 0</a:t>
+                <a:t>0 10</a:t>
               </a:r>
               <a:endParaRPr lang="zh-CN" altLang="zh-CN" sz="1400" kern="100" dirty="0">
                 <a:effectLst/>
@@ -25247,7 +25421,7 @@
                   <a:latin typeface="+mn-ea"/>
                   <a:cs typeface="宋体" panose="02010600030101010101" pitchFamily="2" charset="-122"/>
                 </a:rPr>
-                <a:t>2 0 0</a:t>
+                <a:t>20 0</a:t>
               </a:r>
               <a:endParaRPr lang="zh-CN" altLang="en-US" dirty="0">
                 <a:latin typeface="+mn-ea"/>
@@ -25388,11 +25562,6 @@
                 </a:rPr>
                 <a:t>J</a:t>
               </a:r>
-              <a:endParaRPr lang="en-US" altLang="zh-CN" sz="1600" kern="0" dirty="0">
-                <a:effectLst/>
-                <a:latin typeface="+mn-ea"/>
-                <a:cs typeface="宋体" panose="02010600030101010101" pitchFamily="2" charset="-122"/>
-              </a:endParaRPr>
             </a:p>
             <a:p>
               <a:r>
@@ -25720,28 +25889,24 @@
                 <a:rPr lang="en-US" altLang="zh-CN" dirty="0"/>
                 <a:t>2</a:t>
               </a:r>
-              <a:endParaRPr lang="en-US" altLang="zh-CN" dirty="0"/>
             </a:p>
             <a:p>
               <a:r>
                 <a:rPr lang="en-US" altLang="zh-CN" dirty="0"/>
                 <a:t>2 3 2 1 3 0 0 1 0</a:t>
               </a:r>
-              <a:endParaRPr lang="en-US" altLang="zh-CN" dirty="0"/>
             </a:p>
             <a:p>
               <a:r>
                 <a:rPr lang="en-US" altLang="zh-CN" dirty="0"/>
                 <a:t>2 1 2 1 2 0 0 2 0</a:t>
               </a:r>
-              <a:endParaRPr lang="en-US" altLang="zh-CN" dirty="0"/>
             </a:p>
             <a:p>
               <a:r>
                 <a:rPr lang="en-US" altLang="zh-CN" dirty="0"/>
                 <a:t>0 1 1 1 1 0</a:t>
               </a:r>
-              <a:endParaRPr lang="en-US" altLang="zh-CN" dirty="0"/>
             </a:p>
           </p:txBody>
         </p:sp>
@@ -25865,11 +26030,6 @@
                 </a:rPr>
                 <a:t>T</a:t>
               </a:r>
-              <a:endParaRPr lang="en-US" altLang="zh-CN" sz="1600" kern="0" dirty="0">
-                <a:effectLst/>
-                <a:latin typeface="+mn-ea"/>
-                <a:cs typeface="宋体" panose="02010600030101010101" pitchFamily="2" charset="-122"/>
-              </a:endParaRPr>
             </a:p>
             <a:p>
               <a:r>
@@ -25915,7 +26075,7 @@
             <p:nvPr/>
           </p:nvPicPr>
           <p:blipFill>
-            <a:blip r:embed="rId1">
+            <a:blip r:embed="rId3">
               <a:extLst>
                 <a:ext uri="{28A0092B-C50C-407E-A947-70E740481C1C}">
                   <a14:useLocalDpi xmlns:a14="http://schemas.microsoft.com/office/drawing/2010/main" val="0"/>
@@ -26045,11 +26205,6 @@
               </a:rPr>
               <a:t>个三元组</a:t>
             </a:r>
-            <a:endParaRPr lang="zh-CN" altLang="en-US" sz="1400" dirty="0">
-              <a:solidFill>
-                <a:srgbClr val="FF0000"/>
-              </a:solidFill>
-            </a:endParaRPr>
           </a:p>
         </p:txBody>
       </p:sp>
@@ -26290,11 +26445,6 @@
                 </a:rPr>
                 <a:t>:</a:t>
               </a:r>
-              <a:endParaRPr lang="en-US" altLang="zh-CN" sz="1200" dirty="0">
-                <a:solidFill>
-                  <a:srgbClr val="ED7D31"/>
-                </a:solidFill>
-              </a:endParaRPr>
             </a:p>
             <a:p>
               <a:r>
@@ -26321,11 +26471,6 @@
                 </a:rPr>
                 <a:t>Transmitter</a:t>
               </a:r>
-              <a:endParaRPr lang="en-US" altLang="zh-CN" sz="1200" dirty="0">
-                <a:solidFill>
-                  <a:srgbClr val="ED7D31"/>
-                </a:solidFill>
-              </a:endParaRPr>
             </a:p>
             <a:p>
               <a:r>
@@ -26390,11 +26535,6 @@
                 </a:rPr>
                 <a:t>目标在所属类型列表中的编号</a:t>
               </a:r>
-              <a:endParaRPr lang="zh-CN" altLang="en-US" sz="1200" dirty="0">
-                <a:solidFill>
-                  <a:srgbClr val="ED7D31"/>
-                </a:solidFill>
-              </a:endParaRPr>
             </a:p>
           </p:txBody>
         </p:sp>
@@ -26428,11 +26568,6 @@
                 </a:rPr>
                 <a:t>编码格式</a:t>
               </a:r>
-              <a:endParaRPr lang="zh-CN" altLang="en-US" sz="1200" dirty="0">
-                <a:solidFill>
-                  <a:srgbClr val="ED7D31"/>
-                </a:solidFill>
-              </a:endParaRPr>
             </a:p>
           </p:txBody>
         </p:sp>
@@ -26481,7 +26616,6 @@
               <a:rPr lang="zh-CN" altLang="en-US" dirty="0"/>
               <a:t>路径优化整体思路</a:t>
             </a:r>
-            <a:endParaRPr lang="zh-CN" altLang="en-US" dirty="0"/>
           </a:p>
         </p:txBody>
       </p:sp>
@@ -26549,7 +26683,6 @@
               <a:rPr lang="zh-CN" altLang="en-US" dirty="0"/>
               <a:t>无向图</a:t>
             </a:r>
-            <a:endParaRPr lang="zh-CN" altLang="en-US" dirty="0"/>
           </a:p>
         </p:txBody>
       </p:sp>
@@ -26587,7 +26720,6 @@
               <a:rPr lang="zh-CN" altLang="en-US" dirty="0"/>
               <a:t>只有入度没有出度的图。</a:t>
             </a:r>
-            <a:endParaRPr lang="zh-CN" altLang="en-US" dirty="0"/>
           </a:p>
         </p:txBody>
       </p:sp>
@@ -26831,7 +26963,6 @@
               <a:rPr lang="zh-CN" altLang="en-US" dirty="0"/>
               <a:t>只能作为叶子结点</a:t>
             </a:r>
-            <a:endParaRPr lang="zh-CN" altLang="en-US" dirty="0"/>
           </a:p>
         </p:txBody>
       </p:sp>
@@ -26943,7 +27074,6 @@
               <a:rPr lang="zh-CN" altLang="en-US" dirty="0"/>
               <a:t>。</a:t>
             </a:r>
-            <a:endParaRPr lang="zh-CN" altLang="en-US" dirty="0"/>
           </a:p>
         </p:txBody>
       </p:sp>
@@ -27099,7 +27229,6 @@
               <a:rPr lang="zh-CN" altLang="en-US" dirty="0"/>
               <a:t>代码重构</a:t>
             </a:r>
-            <a:endParaRPr lang="zh-CN" altLang="en-US" dirty="0"/>
           </a:p>
         </p:txBody>
       </p:sp>
@@ -27126,7 +27255,6 @@
               <a:rPr lang="zh-CN" altLang="en-US" dirty="0"/>
               <a:t>代码重构与问题发现</a:t>
             </a:r>
-            <a:endParaRPr lang="zh-CN" altLang="en-US" dirty="0"/>
           </a:p>
         </p:txBody>
       </p:sp>
@@ -27174,7 +27302,6 @@
               <a:rPr lang="zh-CN" altLang="en-US" dirty="0"/>
               <a:t>发现问题</a:t>
             </a:r>
-            <a:endParaRPr lang="zh-CN" altLang="en-US" dirty="0"/>
           </a:p>
         </p:txBody>
       </p:sp>
@@ -27228,7 +27355,6 @@
               <a:rPr lang="zh-CN" altLang="en-US" dirty="0"/>
               <a:t>中坐标判断有点问题，修改为之后重新提交</a:t>
             </a:r>
-            <a:endParaRPr lang="zh-CN" altLang="en-US" dirty="0"/>
           </a:p>
         </p:txBody>
       </p:sp>
@@ -27241,7 +27367,7 @@
           <p:nvPr/>
         </p:nvPicPr>
         <p:blipFill>
-          <a:blip r:embed="rId1"/>
+          <a:blip r:embed="rId2"/>
           <a:stretch>
             <a:fillRect/>
           </a:stretch>
@@ -27364,7 +27490,6 @@
               <a:rPr lang="zh-CN" altLang="en-US" dirty="0"/>
               <a:t>添加结果可视化的函数</a:t>
             </a:r>
-            <a:endParaRPr lang="zh-CN" altLang="en-US" dirty="0"/>
           </a:p>
         </p:txBody>
       </p:sp>
@@ -27546,7 +27671,6 @@
               <a:rPr lang="zh-CN" altLang="en-US" dirty="0"/>
               <a:t>代码上。</a:t>
             </a:r>
-            <a:endParaRPr lang="zh-CN" altLang="en-US" dirty="0"/>
           </a:p>
         </p:txBody>
       </p:sp>
@@ -27580,11 +27704,6 @@
               </a:rPr>
               <a:t>23_12_22路径优化文件夹下</a:t>
             </a:r>
-            <a:endParaRPr lang="zh-CN" altLang="en-US" b="1" dirty="0">
-              <a:solidFill>
-                <a:srgbClr val="FF0000"/>
-              </a:solidFill>
-            </a:endParaRPr>
           </a:p>
         </p:txBody>
       </p:sp>
@@ -27597,7 +27716,7 @@
           <p:nvPr/>
         </p:nvPicPr>
         <p:blipFill>
-          <a:blip r:embed="rId1"/>
+          <a:blip r:embed="rId2"/>
           <a:stretch>
             <a:fillRect/>
           </a:stretch>
@@ -27684,7 +27803,7 @@
               <p:nvPr/>
             </p:nvPicPr>
             <p:blipFill>
-              <a:blip r:embed="rId2"/>
+              <a:blip r:embed="rId3"/>
               <a:stretch>
                 <a:fillRect/>
               </a:stretch>
@@ -27745,7 +27864,6 @@
                   <a:rPr lang="zh-CN" altLang="en-US" dirty="0"/>
                   <a:t>对象</a:t>
                 </a:r>
-                <a:endParaRPr lang="zh-CN" altLang="en-US" dirty="0"/>
               </a:p>
             </p:txBody>
           </p:sp>
@@ -27759,7 +27877,7 @@
             <p:nvPr/>
           </p:nvPicPr>
           <p:blipFill>
-            <a:blip r:embed="rId3"/>
+            <a:blip r:embed="rId4"/>
             <a:stretch>
               <a:fillRect/>
             </a:stretch>
@@ -27915,7 +28033,7 @@
               <p:nvPr/>
             </p:nvPicPr>
             <p:blipFill>
-              <a:blip r:embed="rId4"/>
+              <a:blip r:embed="rId5"/>
               <a:stretch>
                 <a:fillRect/>
               </a:stretch>
@@ -27939,7 +28057,7 @@
               <p:nvPr/>
             </p:nvPicPr>
             <p:blipFill>
-              <a:blip r:embed="rId5"/>
+              <a:blip r:embed="rId6"/>
               <a:stretch>
                 <a:fillRect/>
               </a:stretch>
@@ -28009,7 +28127,6 @@
                 <a:rPr lang="zh-CN" altLang="en-US" dirty="0"/>
                 <a:t>读取问题，对最后的影响不大</a:t>
               </a:r>
-              <a:endParaRPr lang="zh-CN" altLang="en-US" dirty="0"/>
             </a:p>
           </p:txBody>
         </p:sp>
@@ -28058,7 +28175,6 @@
               <a:rPr lang="zh-CN" altLang="en-US" dirty="0"/>
               <a:t>错误现象</a:t>
             </a:r>
-            <a:endParaRPr lang="zh-CN" altLang="en-US" dirty="0"/>
           </a:p>
         </p:txBody>
       </p:sp>
@@ -28069,7 +28185,7 @@
           <p:nvPr/>
         </p:nvPicPr>
         <p:blipFill>
-          <a:blip r:embed="rId1"/>
+          <a:blip r:embed="rId2"/>
           <a:stretch>
             <a:fillRect/>
           </a:stretch>
@@ -28091,7 +28207,7 @@
           <p:nvPr/>
         </p:nvPicPr>
         <p:blipFill>
-          <a:blip r:embed="rId2"/>
+          <a:blip r:embed="rId3"/>
           <a:stretch>
             <a:fillRect/>
           </a:stretch>
@@ -28152,7 +28268,6 @@
               <a:rPr lang="en-US" altLang="zh-CN" dirty="0"/>
               <a:t>C4</a:t>
             </a:r>
-            <a:endParaRPr lang="en-US" altLang="zh-CN" dirty="0"/>
           </a:p>
         </p:txBody>
       </p:sp>
@@ -28218,7 +28333,6 @@
               <a:rPr lang="en-US" altLang="zh-CN" dirty="0"/>
               <a:t>P19</a:t>
             </a:r>
-            <a:endParaRPr lang="en-US" altLang="zh-CN" dirty="0"/>
           </a:p>
         </p:txBody>
       </p:sp>
@@ -28300,7 +28414,6 @@
               <a:rPr lang="zh-CN" altLang="en-US" dirty="0"/>
               <a:t>代码重构</a:t>
             </a:r>
-            <a:endParaRPr lang="zh-CN" altLang="en-US" dirty="0"/>
           </a:p>
         </p:txBody>
       </p:sp>
@@ -28327,7 +28440,6 @@
               <a:rPr lang="zh-CN" altLang="en-US" dirty="0"/>
               <a:t>代码重构与问题发现</a:t>
             </a:r>
-            <a:endParaRPr lang="zh-CN" altLang="en-US" dirty="0"/>
           </a:p>
         </p:txBody>
       </p:sp>
@@ -28379,7 +28491,6 @@
               <a:rPr lang="zh-CN" altLang="en-US" dirty="0"/>
               <a:t>预期结果与实现思路</a:t>
             </a:r>
-            <a:endParaRPr lang="zh-CN" altLang="en-US" dirty="0"/>
           </a:p>
         </p:txBody>
       </p:sp>
@@ -31586,7 +31697,7 @@
             <p:nvPr/>
           </p:nvPicPr>
           <p:blipFill>
-            <a:blip r:embed="rId1"/>
+            <a:blip r:embed="rId2"/>
             <a:stretch>
               <a:fillRect/>
             </a:stretch>
@@ -31659,7 +31770,7 @@
             <p:nvPr/>
           </p:nvPicPr>
           <p:blipFill>
-            <a:blip r:embed="rId2"/>
+            <a:blip r:embed="rId3"/>
             <a:stretch>
               <a:fillRect/>
             </a:stretch>
@@ -31718,7 +31829,7 @@
             <p:nvPr/>
           </p:nvPicPr>
           <p:blipFill>
-            <a:blip r:embed="rId3"/>
+            <a:blip r:embed="rId4"/>
             <a:stretch>
               <a:fillRect/>
             </a:stretch>
@@ -31757,7 +31868,7 @@
             <p:nvPr/>
           </p:nvPicPr>
           <p:blipFill>
-            <a:blip r:embed="rId4"/>
+            <a:blip r:embed="rId5"/>
             <a:stretch>
               <a:fillRect/>
             </a:stretch>
@@ -32127,7 +32238,6 @@
               <a:rPr lang="zh-CN" altLang="en-US" sz="1200" dirty="0"/>
               <a:t>网站示例中，左在上之前，可能是左上右下。</a:t>
             </a:r>
-            <a:endParaRPr lang="zh-CN" altLang="en-US" sz="1200" dirty="0"/>
           </a:p>
         </p:txBody>
       </p:sp>
@@ -32175,7 +32285,6 @@
               <a:rPr lang="zh-CN" altLang="en-US" dirty="0"/>
               <a:t>可视化结果对比</a:t>
             </a:r>
-            <a:endParaRPr lang="zh-CN" altLang="en-US" dirty="0"/>
           </a:p>
         </p:txBody>
       </p:sp>
@@ -32216,7 +32325,7 @@
               <p:nvPr/>
             </p:nvPicPr>
             <p:blipFill>
-              <a:blip r:embed="rId1"/>
+              <a:blip r:embed="rId3"/>
               <a:stretch>
                 <a:fillRect/>
               </a:stretch>
@@ -32238,7 +32347,7 @@
               <p:nvPr/>
             </p:nvPicPr>
             <p:blipFill>
-              <a:blip r:embed="rId2"/>
+              <a:blip r:embed="rId4"/>
               <a:stretch>
                 <a:fillRect/>
               </a:stretch>
@@ -32260,7 +32369,7 @@
               <p:nvPr/>
             </p:nvPicPr>
             <p:blipFill>
-              <a:blip r:embed="rId3"/>
+              <a:blip r:embed="rId5"/>
               <a:stretch>
                 <a:fillRect/>
               </a:stretch>
@@ -32284,7 +32393,7 @@
               <p:nvPr/>
             </p:nvPicPr>
             <p:blipFill>
-              <a:blip r:embed="rId4"/>
+              <a:blip r:embed="rId6"/>
               <a:stretch>
                 <a:fillRect/>
               </a:stretch>
@@ -32323,7 +32432,7 @@
               <p:nvPr/>
             </p:nvPicPr>
             <p:blipFill>
-              <a:blip r:embed="rId5"/>
+              <a:blip r:embed="rId7"/>
               <a:stretch>
                 <a:fillRect/>
               </a:stretch>
@@ -32345,7 +32454,7 @@
               <p:nvPr/>
             </p:nvPicPr>
             <p:blipFill>
-              <a:blip r:embed="rId6"/>
+              <a:blip r:embed="rId8"/>
               <a:stretch>
                 <a:fillRect/>
               </a:stretch>
@@ -32367,7 +32476,7 @@
               <p:nvPr/>
             </p:nvPicPr>
             <p:blipFill>
-              <a:blip r:embed="rId7"/>
+              <a:blip r:embed="rId9"/>
               <a:stretch>
                 <a:fillRect/>
               </a:stretch>
@@ -32391,7 +32500,7 @@
               <p:nvPr/>
             </p:nvPicPr>
             <p:blipFill>
-              <a:blip r:embed="rId8"/>
+              <a:blip r:embed="rId10"/>
               <a:stretch>
                 <a:fillRect/>
               </a:stretch>
@@ -32430,7 +32539,7 @@
               <p:nvPr/>
             </p:nvPicPr>
             <p:blipFill>
-              <a:blip r:embed="rId9"/>
+              <a:blip r:embed="rId11"/>
               <a:stretch>
                 <a:fillRect/>
               </a:stretch>
@@ -32452,7 +32561,7 @@
               <p:nvPr/>
             </p:nvPicPr>
             <p:blipFill>
-              <a:blip r:embed="rId10"/>
+              <a:blip r:embed="rId12"/>
               <a:stretch>
                 <a:fillRect/>
               </a:stretch>
@@ -32474,7 +32583,7 @@
               <p:nvPr/>
             </p:nvPicPr>
             <p:blipFill>
-              <a:blip r:embed="rId11"/>
+              <a:blip r:embed="rId13"/>
               <a:stretch>
                 <a:fillRect/>
               </a:stretch>
@@ -32498,7 +32607,7 @@
               <p:nvPr/>
             </p:nvPicPr>
             <p:blipFill>
-              <a:blip r:embed="rId12"/>
+              <a:blip r:embed="rId14"/>
               <a:stretch>
                 <a:fillRect/>
               </a:stretch>
@@ -32544,7 +32653,6 @@
                 <a:rPr lang="en-US" altLang="zh-CN" dirty="0"/>
                 <a:t>/</a:t>
               </a:r>
-              <a:endParaRPr lang="en-US" altLang="zh-CN" dirty="0"/>
             </a:p>
             <a:p>
               <a:r>
@@ -32559,7 +32667,6 @@
                 <a:rPr lang="zh-CN" altLang="en-US" dirty="0"/>
                 <a:t>示例</a:t>
               </a:r>
-              <a:endParaRPr lang="zh-CN" altLang="en-US" dirty="0"/>
             </a:p>
           </p:txBody>
         </p:sp>
@@ -32589,7 +32696,6 @@
                 <a:rPr lang="zh-CN" altLang="en-US" dirty="0"/>
                 <a:t>结果可视化</a:t>
               </a:r>
-              <a:endParaRPr lang="zh-CN" altLang="en-US" dirty="0"/>
             </a:p>
           </p:txBody>
         </p:sp>
@@ -32620,7 +32726,6 @@
               <a:rPr lang="zh-CN" altLang="en-US" dirty="0"/>
               <a:t>示例输入</a:t>
             </a:r>
-            <a:endParaRPr lang="zh-CN" altLang="en-US" dirty="0"/>
           </a:p>
         </p:txBody>
       </p:sp>
@@ -33050,7 +33155,7 @@
             <p:nvPr/>
           </p:nvPicPr>
           <p:blipFill>
-            <a:blip r:embed="rId13"/>
+            <a:blip r:embed="rId15"/>
             <a:stretch>
               <a:fillRect/>
             </a:stretch>
@@ -33075,7 +33180,7 @@
           <p:nvPr/>
         </p:nvPicPr>
         <p:blipFill>
-          <a:blip r:embed="rId14"/>
+          <a:blip r:embed="rId16"/>
           <a:stretch>
             <a:fillRect/>
           </a:stretch>
@@ -33099,7 +33204,7 @@
           <p:nvPr/>
         </p:nvPicPr>
         <p:blipFill>
-          <a:blip r:embed="rId15"/>
+          <a:blip r:embed="rId17"/>
           <a:stretch>
             <a:fillRect/>
           </a:stretch>
@@ -33158,7 +33263,6 @@
               <a:rPr lang="zh-CN" altLang="en-US" dirty="0"/>
               <a:t>论文学习与阅读</a:t>
             </a:r>
-            <a:endParaRPr lang="zh-CN" altLang="en-US" dirty="0"/>
           </a:p>
         </p:txBody>
       </p:sp>
@@ -33193,7 +33297,6 @@
               <a:rPr lang="zh-CN" altLang="en-US" dirty="0"/>
               <a:t>王玮</a:t>
             </a:r>
-            <a:endParaRPr lang="zh-CN" altLang="en-US" dirty="0"/>
           </a:p>
         </p:txBody>
       </p:sp>
@@ -33245,7 +33348,6 @@
               <a:rPr lang="zh-CN" altLang="en-US" dirty="0"/>
               <a:t>路径优化</a:t>
             </a:r>
-            <a:endParaRPr lang="zh-CN" altLang="en-US" dirty="0"/>
           </a:p>
         </p:txBody>
       </p:sp>
@@ -33272,7 +33374,6 @@
               <a:rPr lang="zh-CN" altLang="en-US" dirty="0"/>
               <a:t>路径优化</a:t>
             </a:r>
-            <a:endParaRPr lang="zh-CN" altLang="en-US" dirty="0"/>
           </a:p>
         </p:txBody>
       </p:sp>
@@ -33327,7 +33428,6 @@
               <a:rPr lang="zh-CN" altLang="en-US" dirty="0"/>
               <a:t>这个示例：这里没有体现格式流格式的转换</a:t>
             </a:r>
-            <a:endParaRPr lang="zh-CN" altLang="en-US" dirty="0"/>
           </a:p>
         </p:txBody>
       </p:sp>
@@ -33357,7 +33457,6 @@
               <a:rPr lang="zh-CN" altLang="en-US" dirty="0"/>
               <a:t>成本计算</a:t>
             </a:r>
-            <a:endParaRPr lang="zh-CN" altLang="en-US" dirty="0"/>
           </a:p>
         </p:txBody>
       </p:sp>
@@ -33377,12 +33476,12 @@
           <a:graphicData uri="http://schemas.openxmlformats.org/presentationml/2006/ole">
             <mc:AlternateContent xmlns:mc="http://schemas.openxmlformats.org/markup-compatibility/2006">
               <mc:Choice xmlns:v="urn:schemas-microsoft-com:vml" Requires="v">
-                <p:oleObj spid="_x0000_s2519" name="Equation" r:id="rId1" imgW="104546400" imgH="9448800" progId="Equation.DSMT4">
+                <p:oleObj spid="_x0000_s2649" name="Equation" r:id="rId4" imgW="104546400" imgH="9448800" progId="Equation.DSMT4">
                   <p:embed/>
                 </p:oleObj>
               </mc:Choice>
               <mc:Fallback>
-                <p:oleObj name="Equation" r:id="rId1" imgW="104546400" imgH="9448800" progId="Equation.DSMT4">
+                <p:oleObj name="Equation" r:id="rId4" imgW="104546400" imgH="9448800" progId="Equation.DSMT4">
                   <p:embed/>
                   <p:pic>
                     <p:nvPicPr>
@@ -33391,7 +33490,7 @@
                       <p:nvPr/>
                     </p:nvPicPr>
                     <p:blipFill>
-                      <a:blip r:embed="rId2"/>
+                      <a:blip r:embed="rId5"/>
                       <a:stretch>
                         <a:fillRect/>
                       </a:stretch>
@@ -33428,12 +33527,12 @@
           <a:graphicData uri="http://schemas.openxmlformats.org/presentationml/2006/ole">
             <mc:AlternateContent xmlns:mc="http://schemas.openxmlformats.org/markup-compatibility/2006">
               <mc:Choice xmlns:v="urn:schemas-microsoft-com:vml" Requires="v">
-                <p:oleObj spid="_x0000_s2520" name="Equation" r:id="rId3" imgW="81686400" imgH="18897600" progId="Equation.DSMT4">
+                <p:oleObj spid="_x0000_s2650" name="Equation" r:id="rId6" imgW="81686400" imgH="18897600" progId="Equation.DSMT4">
                   <p:embed/>
                 </p:oleObj>
               </mc:Choice>
               <mc:Fallback>
-                <p:oleObj name="Equation" r:id="rId3" imgW="81686400" imgH="18897600" progId="Equation.DSMT4">
+                <p:oleObj name="Equation" r:id="rId6" imgW="81686400" imgH="18897600" progId="Equation.DSMT4">
                   <p:embed/>
                   <p:pic>
                     <p:nvPicPr>
@@ -33442,7 +33541,7 @@
                       <p:nvPr/>
                     </p:nvPicPr>
                     <p:blipFill>
-                      <a:blip r:embed="rId4"/>
+                      <a:blip r:embed="rId7"/>
                       <a:stretch>
                         <a:fillRect/>
                       </a:stretch>
@@ -35161,12 +35260,12 @@
             <a:graphicData uri="http://schemas.openxmlformats.org/presentationml/2006/ole">
               <mc:AlternateContent xmlns:mc="http://schemas.openxmlformats.org/markup-compatibility/2006">
                 <mc:Choice xmlns:v="urn:schemas-microsoft-com:vml" Requires="v">
-                  <p:oleObj spid="_x0000_s2521" name="Equation" r:id="rId5" imgW="8839200" imgH="5181600" progId="Equation.DSMT4">
+                  <p:oleObj spid="_x0000_s2651" name="Equation" r:id="rId8" imgW="8839200" imgH="5181600" progId="Equation.DSMT4">
                     <p:embed/>
                   </p:oleObj>
                 </mc:Choice>
                 <mc:Fallback>
-                  <p:oleObj name="Equation" r:id="rId5" imgW="8839200" imgH="5181600" progId="Equation.DSMT4">
+                  <p:oleObj name="Equation" r:id="rId8" imgW="8839200" imgH="5181600" progId="Equation.DSMT4">
                     <p:embed/>
                     <p:pic>
                       <p:nvPicPr>
@@ -35175,7 +35274,7 @@
                         <p:nvPr/>
                       </p:nvPicPr>
                       <p:blipFill>
-                        <a:blip r:embed="rId6"/>
+                        <a:blip r:embed="rId9"/>
                         <a:stretch>
                           <a:fillRect/>
                         </a:stretch>
@@ -35670,16 +35769,6 @@
                 </a:rPr>
                 <a:t>15	10	10	10</a:t>
               </a:r>
-              <a:endParaRPr lang="en-US" altLang="zh-CN" sz="1500" kern="0" dirty="0">
-                <a:solidFill>
-                  <a:schemeClr val="bg1">
-                    <a:lumMod val="65000"/>
-                  </a:schemeClr>
-                </a:solidFill>
-                <a:effectLst/>
-                <a:latin typeface="+mn-ea"/>
-                <a:cs typeface="宋体" panose="02010600030101010101" pitchFamily="2" charset="-122"/>
-              </a:endParaRPr>
             </a:p>
             <a:p>
               <a:pPr marL="342900" indent="-342900" algn="l">
@@ -35740,16 +35829,6 @@
                 </a:rPr>
                 <a:t>10	10	10	20	10</a:t>
               </a:r>
-              <a:endParaRPr lang="en-US" altLang="zh-CN" sz="1500" kern="0" dirty="0">
-                <a:solidFill>
-                  <a:schemeClr val="bg1">
-                    <a:lumMod val="65000"/>
-                  </a:schemeClr>
-                </a:solidFill>
-                <a:effectLst/>
-                <a:latin typeface="+mn-ea"/>
-                <a:cs typeface="宋体" panose="02010600030101010101" pitchFamily="2" charset="-122"/>
-              </a:endParaRPr>
             </a:p>
             <a:p>
               <a:pPr marL="342900" indent="-342900" algn="l">
@@ -35811,16 +35890,6 @@
                 </a:rPr>
                 <a:t>10	15	10	90	10</a:t>
               </a:r>
-              <a:endParaRPr lang="en-US" altLang="zh-CN" sz="1500" kern="0" dirty="0">
-                <a:solidFill>
-                  <a:schemeClr val="bg1">
-                    <a:lumMod val="65000"/>
-                  </a:schemeClr>
-                </a:solidFill>
-                <a:effectLst/>
-                <a:latin typeface="+mn-ea"/>
-                <a:cs typeface="宋体" panose="02010600030101010101" pitchFamily="2" charset="-122"/>
-              </a:endParaRPr>
             </a:p>
             <a:p>
               <a:pPr marL="342900" indent="-342900" algn="l">
@@ -35893,16 +35962,6 @@
                 </a:rPr>
                 <a:t>20	10	10	10</a:t>
               </a:r>
-              <a:endParaRPr lang="en-US" altLang="zh-CN" sz="1500" kern="0" dirty="0">
-                <a:solidFill>
-                  <a:schemeClr val="bg1">
-                    <a:lumMod val="65000"/>
-                  </a:schemeClr>
-                </a:solidFill>
-                <a:effectLst/>
-                <a:latin typeface="+mn-ea"/>
-                <a:cs typeface="宋体" panose="02010600030101010101" pitchFamily="2" charset="-122"/>
-              </a:endParaRPr>
             </a:p>
             <a:p>
               <a:pPr marL="342900" indent="-342900" algn="l">
@@ -35984,7 +36043,7 @@
           <p:nvPr/>
         </p:nvPicPr>
         <p:blipFill>
-          <a:blip r:embed="rId7" cstate="print">
+          <a:blip r:embed="rId10" cstate="print">
             <a:extLst>
               <a:ext uri="{28A0092B-C50C-407E-A947-70E740481C1C}">
                 <a14:useLocalDpi xmlns:a14="http://schemas.microsoft.com/office/drawing/2010/main" val="0"/>
@@ -36026,12 +36085,12 @@
           <a:graphicData uri="http://schemas.openxmlformats.org/presentationml/2006/ole">
             <mc:AlternateContent xmlns:mc="http://schemas.openxmlformats.org/markup-compatibility/2006">
               <mc:Choice xmlns:v="urn:schemas-microsoft-com:vml" Requires="v">
-                <p:oleObj spid="_x0000_s2522" name="Equation" r:id="rId8" imgW="50596800" imgH="3962400" progId="Equation.DSMT4">
+                <p:oleObj spid="_x0000_s2652" name="Equation" r:id="rId11" imgW="50596800" imgH="3962400" progId="Equation.DSMT4">
                   <p:embed/>
                 </p:oleObj>
               </mc:Choice>
               <mc:Fallback>
-                <p:oleObj name="Equation" r:id="rId8" imgW="50596800" imgH="3962400" progId="Equation.DSMT4">
+                <p:oleObj name="Equation" r:id="rId11" imgW="50596800" imgH="3962400" progId="Equation.DSMT4">
                   <p:embed/>
                   <p:pic>
                     <p:nvPicPr>
@@ -36040,7 +36099,7 @@
                       <p:nvPr/>
                     </p:nvPicPr>
                     <p:blipFill>
-                      <a:blip r:embed="rId9"/>
+                      <a:blip r:embed="rId12"/>
                       <a:stretch>
                         <a:fillRect/>
                       </a:stretch>
@@ -36122,7 +36181,7 @@
           <p:nvPr/>
         </p:nvPicPr>
         <p:blipFill>
-          <a:blip r:embed="rId1"/>
+          <a:blip r:embed="rId4"/>
           <a:stretch>
             <a:fillRect/>
           </a:stretch>
@@ -36146,7 +36205,7 @@
           <p:nvPr/>
         </p:nvPicPr>
         <p:blipFill>
-          <a:blip r:embed="rId2"/>
+          <a:blip r:embed="rId5"/>
           <a:stretch>
             <a:fillRect/>
           </a:stretch>
@@ -36170,7 +36229,7 @@
           <p:nvPr/>
         </p:nvPicPr>
         <p:blipFill>
-          <a:blip r:embed="rId3"/>
+          <a:blip r:embed="rId6"/>
           <a:stretch>
             <a:fillRect/>
           </a:stretch>
@@ -36211,7 +36270,6 @@
               <a:rPr lang="zh-CN" altLang="en-US" dirty="0"/>
               <a:t>结果可视化</a:t>
             </a:r>
-            <a:endParaRPr lang="zh-CN" altLang="en-US" dirty="0"/>
           </a:p>
         </p:txBody>
       </p:sp>
@@ -36241,7 +36299,6 @@
               <a:rPr lang="zh-CN" altLang="en-US" dirty="0"/>
               <a:t>示例输入</a:t>
             </a:r>
-            <a:endParaRPr lang="zh-CN" altLang="en-US" dirty="0"/>
           </a:p>
         </p:txBody>
       </p:sp>
@@ -36338,7 +36395,7 @@
           <p:nvPr/>
         </p:nvPicPr>
         <p:blipFill>
-          <a:blip r:embed="rId4"/>
+          <a:blip r:embed="rId7"/>
           <a:stretch>
             <a:fillRect/>
           </a:stretch>
@@ -36362,7 +36419,7 @@
           <p:nvPr/>
         </p:nvPicPr>
         <p:blipFill>
-          <a:blip r:embed="rId5"/>
+          <a:blip r:embed="rId8"/>
           <a:stretch>
             <a:fillRect/>
           </a:stretch>
@@ -36386,7 +36443,7 @@
           <p:nvPr/>
         </p:nvPicPr>
         <p:blipFill>
-          <a:blip r:embed="rId6"/>
+          <a:blip r:embed="rId9"/>
           <a:stretch>
             <a:fillRect/>
           </a:stretch>
@@ -36410,7 +36467,7 @@
           <p:nvPr/>
         </p:nvPicPr>
         <p:blipFill>
-          <a:blip r:embed="rId7"/>
+          <a:blip r:embed="rId10"/>
           <a:stretch>
             <a:fillRect/>
           </a:stretch>
@@ -36434,7 +36491,7 @@
           <p:nvPr/>
         </p:nvPicPr>
         <p:blipFill>
-          <a:blip r:embed="rId8"/>
+          <a:blip r:embed="rId11"/>
           <a:stretch>
             <a:fillRect/>
           </a:stretch>
@@ -36506,7 +36563,7 @@
             <p:nvPr/>
           </p:nvPicPr>
           <p:blipFill>
-            <a:blip r:embed="rId9"/>
+            <a:blip r:embed="rId12"/>
             <a:stretch>
               <a:fillRect/>
             </a:stretch>
@@ -36551,7 +36608,6 @@
                 <a:rPr lang="zh-CN" altLang="en-US" dirty="0"/>
                 <a:t>这个稍有差异，但是总体路径代价是一样</a:t>
               </a:r>
-              <a:endParaRPr lang="zh-CN" altLang="en-US" dirty="0"/>
             </a:p>
           </p:txBody>
         </p:sp>
@@ -36564,12 +36620,12 @@
           </p:cNvPicPr>
           <p:nvPr>
             <p:custDataLst>
-              <p:tags r:id="rId10"/>
+              <p:tags r:id="rId1"/>
             </p:custDataLst>
           </p:nvPr>
         </p:nvPicPr>
         <p:blipFill>
-          <a:blip r:embed="rId11"/>
+          <a:blip r:embed="rId13"/>
           <a:stretch>
             <a:fillRect/>
           </a:stretch>
@@ -36628,7 +36684,6 @@
               <a:rPr lang="zh-CN" altLang="en-US" dirty="0"/>
               <a:t>现象分析</a:t>
             </a:r>
-            <a:endParaRPr lang="zh-CN" altLang="en-US" dirty="0"/>
           </a:p>
         </p:txBody>
       </p:sp>
@@ -36751,7 +36806,6 @@
               <a:rPr lang="zh-CN" altLang="en-US" dirty="0"/>
               <a:t>消息方面：优化消息格式的选择</a:t>
             </a:r>
-            <a:endParaRPr lang="zh-CN" altLang="en-US" dirty="0"/>
           </a:p>
         </p:txBody>
       </p:sp>
@@ -36764,7 +36818,7 @@
           <p:nvPr/>
         </p:nvPicPr>
         <p:blipFill>
-          <a:blip r:embed="rId1"/>
+          <a:blip r:embed="rId2"/>
           <a:stretch>
             <a:fillRect/>
           </a:stretch>
@@ -36823,7 +36877,6 @@
               <a:rPr lang="zh-CN" altLang="en-US" dirty="0"/>
               <a:t>及时停止策略：能够减少时间复杂度</a:t>
             </a:r>
-            <a:endParaRPr lang="zh-CN" altLang="en-US" dirty="0"/>
           </a:p>
         </p:txBody>
       </p:sp>
@@ -36997,7 +37050,6 @@
               <a:rPr lang="zh-CN" altLang="en-US" dirty="0"/>
               <a:t>main11_map_BFS_early_stop.py</a:t>
             </a:r>
-            <a:endParaRPr lang="zh-CN" altLang="en-US" dirty="0"/>
           </a:p>
           <a:p>
             <a:pPr lvl="1"/>
@@ -37013,7 +37065,6 @@
               <a:rPr lang="en-US" altLang="zh-CN" dirty="0"/>
               <a:t>/main12_map_dijkstra_early_stop.py</a:t>
             </a:r>
-            <a:endParaRPr lang="en-US" altLang="zh-CN" dirty="0"/>
           </a:p>
         </p:txBody>
       </p:sp>
@@ -37090,7 +37141,6 @@
               <a:rPr lang="zh-CN" altLang="en-US" dirty="0"/>
               <a:t>的计数和及时停止。</a:t>
             </a:r>
-            <a:endParaRPr lang="zh-CN" altLang="en-US" dirty="0"/>
           </a:p>
         </p:txBody>
       </p:sp>
@@ -37111,7 +37161,14 @@
         <p:cNvGrpSpPr/>
         <p:nvPr/>
       </p:nvGrpSpPr>
-      <p:grpSpPr/>
+      <p:grpSpPr>
+        <a:xfrm>
+          <a:off x="0" y="0"/>
+          <a:ext cx="0" cy="0"/>
+          <a:chOff x="0" y="0"/>
+          <a:chExt cx="0" cy="0"/>
+        </a:xfrm>
+      </p:grpSpPr>
       <p:sp>
         <p:nvSpPr>
           <p:cNvPr id="2" name="标题 1"/>
@@ -37125,6 +37182,7 @@
         <p:spPr/>
         <p:txBody>
           <a:bodyPr/>
+          <a:lstStyle/>
           <a:p>
             <a:r>
               <a:rPr lang="zh-CN" altLang="en-US"/>
@@ -37136,13 +37194,8 @@
             </a:r>
             <a:r>
               <a:rPr lang="zh-CN" altLang="en-US"/>
-              <a:t>后的</a:t>
-            </a:r>
-            <a:r>
-              <a:rPr lang="zh-CN" altLang="en-US"/>
-              <a:t>结果</a:t>
-            </a:r>
-            <a:endParaRPr lang="zh-CN" altLang="en-US"/>
+              <a:t>后的结果</a:t>
+            </a:r>
           </a:p>
         </p:txBody>
       </p:sp>
@@ -37159,7 +37212,7 @@
           </p:nvPr>
         </p:nvPicPr>
         <p:blipFill>
-          <a:blip r:embed="rId2"/>
+          <a:blip r:embed="rId25"/>
           <a:stretch>
             <a:fillRect/>
           </a:stretch>
@@ -37194,6 +37247,7 @@
           <a:bodyPr wrap="square" rtlCol="0" anchor="t">
             <a:spAutoFit/>
           </a:bodyPr>
+          <a:lstStyle/>
           <a:p>
             <a:r>
               <a:rPr lang="en-US" altLang="zh-CN" dirty="0">
@@ -37201,9 +37255,6 @@
               </a:rPr>
               <a:t>BFS</a:t>
             </a:r>
-            <a:endParaRPr lang="en-US" altLang="zh-CN" dirty="0">
-              <a:sym typeface="+mn-ea"/>
-            </a:endParaRPr>
           </a:p>
         </p:txBody>
       </p:sp>
@@ -37213,7 +37264,7 @@
           <p:cNvSpPr txBox="1"/>
           <p:nvPr>
             <p:custDataLst>
-              <p:tags r:id="rId3"/>
+              <p:tags r:id="rId2"/>
             </p:custDataLst>
           </p:nvPr>
         </p:nvSpPr>
@@ -37231,6 +37282,7 @@
           <a:bodyPr wrap="square" rtlCol="0" anchor="t">
             <a:noAutofit/>
           </a:bodyPr>
+          <a:lstStyle/>
           <a:p>
             <a:r>
               <a:rPr lang="en-US" altLang="zh-CN" dirty="0">
@@ -37238,9 +37290,6 @@
               </a:rPr>
               <a:t>Dijkstra</a:t>
             </a:r>
-            <a:endParaRPr lang="en-US" altLang="zh-CN" dirty="0">
-              <a:sym typeface="+mn-ea"/>
-            </a:endParaRPr>
           </a:p>
           <a:p>
             <a:endParaRPr lang="en-US" altLang="zh-CN" dirty="0">
@@ -37257,12 +37306,12 @@
           </p:cNvPicPr>
           <p:nvPr>
             <p:custDataLst>
-              <p:tags r:id="rId4"/>
+              <p:tags r:id="rId3"/>
             </p:custDataLst>
           </p:nvPr>
         </p:nvPicPr>
         <p:blipFill>
-          <a:blip r:embed="rId2"/>
+          <a:blip r:embed="rId25"/>
           <a:stretch>
             <a:fillRect/>
           </a:stretch>
@@ -37285,12 +37334,12 @@
           </p:cNvPicPr>
           <p:nvPr>
             <p:custDataLst>
-              <p:tags r:id="rId5"/>
+              <p:tags r:id="rId4"/>
             </p:custDataLst>
           </p:nvPr>
         </p:nvPicPr>
         <p:blipFill>
-          <a:blip r:embed="rId6"/>
+          <a:blip r:embed="rId26"/>
           <a:stretch>
             <a:fillRect/>
           </a:stretch>
@@ -37313,12 +37362,12 @@
           </p:cNvPicPr>
           <p:nvPr>
             <p:custDataLst>
-              <p:tags r:id="rId7"/>
+              <p:tags r:id="rId5"/>
             </p:custDataLst>
           </p:nvPr>
         </p:nvPicPr>
         <p:blipFill>
-          <a:blip r:embed="rId8"/>
+          <a:blip r:embed="rId27"/>
           <a:stretch>
             <a:fillRect/>
           </a:stretch>
@@ -37341,12 +37390,12 @@
           </p:cNvPicPr>
           <p:nvPr>
             <p:custDataLst>
-              <p:tags r:id="rId9"/>
+              <p:tags r:id="rId6"/>
             </p:custDataLst>
           </p:nvPr>
         </p:nvPicPr>
         <p:blipFill>
-          <a:blip r:embed="rId10"/>
+          <a:blip r:embed="rId28"/>
           <a:stretch>
             <a:fillRect/>
           </a:stretch>
@@ -37369,12 +37418,12 @@
           </p:cNvPicPr>
           <p:nvPr>
             <p:custDataLst>
-              <p:tags r:id="rId11"/>
+              <p:tags r:id="rId7"/>
             </p:custDataLst>
           </p:nvPr>
         </p:nvPicPr>
         <p:blipFill>
-          <a:blip r:embed="rId12"/>
+          <a:blip r:embed="rId29"/>
           <a:stretch>
             <a:fillRect/>
           </a:stretch>
@@ -37397,12 +37446,12 @@
           </p:cNvPicPr>
           <p:nvPr>
             <p:custDataLst>
-              <p:tags r:id="rId13"/>
+              <p:tags r:id="rId8"/>
             </p:custDataLst>
           </p:nvPr>
         </p:nvPicPr>
         <p:blipFill>
-          <a:blip r:embed="rId14"/>
+          <a:blip r:embed="rId30"/>
           <a:stretch>
             <a:fillRect/>
           </a:stretch>
@@ -37425,12 +37474,12 @@
           </p:cNvPicPr>
           <p:nvPr>
             <p:custDataLst>
-              <p:tags r:id="rId15"/>
+              <p:tags r:id="rId9"/>
             </p:custDataLst>
           </p:nvPr>
         </p:nvPicPr>
         <p:blipFill>
-          <a:blip r:embed="rId16"/>
+          <a:blip r:embed="rId31"/>
           <a:stretch>
             <a:fillRect/>
           </a:stretch>
@@ -37453,12 +37502,12 @@
           </p:cNvPicPr>
           <p:nvPr>
             <p:custDataLst>
-              <p:tags r:id="rId17"/>
+              <p:tags r:id="rId10"/>
             </p:custDataLst>
           </p:nvPr>
         </p:nvPicPr>
         <p:blipFill>
-          <a:blip r:embed="rId18"/>
+          <a:blip r:embed="rId32"/>
           <a:stretch>
             <a:fillRect/>
           </a:stretch>
@@ -37493,6 +37542,7 @@
           <a:bodyPr wrap="square" rtlCol="0">
             <a:spAutoFit/>
           </a:bodyPr>
+          <a:lstStyle/>
           <a:p>
             <a:r>
               <a:rPr lang="zh-CN" altLang="en-US"/>
@@ -37520,13 +37570,8 @@
             </a:r>
             <a:r>
               <a:rPr lang="zh-CN" altLang="en-US"/>
-              <a:t>的一致性，这里的路径</a:t>
-            </a:r>
-            <a:r>
-              <a:rPr lang="zh-CN" altLang="en-US"/>
-              <a:t>更好了。</a:t>
-            </a:r>
-            <a:endParaRPr lang="zh-CN" altLang="en-US"/>
+              <a:t>的一致性，这里的路径更好了。</a:t>
+            </a:r>
           </a:p>
         </p:txBody>
       </p:sp>
@@ -37536,7 +37581,7 @@
           <p:cNvSpPr txBox="1"/>
           <p:nvPr>
             <p:custDataLst>
-              <p:tags r:id="rId19"/>
+              <p:tags r:id="rId11"/>
             </p:custDataLst>
           </p:nvPr>
         </p:nvSpPr>
@@ -37554,6 +37599,7 @@
           <a:bodyPr wrap="square" rtlCol="0">
             <a:spAutoFit/>
           </a:bodyPr>
+          <a:lstStyle/>
           <a:p>
             <a:r>
               <a:rPr lang="zh-CN" altLang="en-US"/>
@@ -37575,12 +37621,12 @@
           </p:cNvPicPr>
           <p:nvPr>
             <p:custDataLst>
-              <p:tags r:id="rId20"/>
+              <p:tags r:id="rId12"/>
             </p:custDataLst>
           </p:nvPr>
         </p:nvPicPr>
         <p:blipFill>
-          <a:blip r:embed="rId21"/>
+          <a:blip r:embed="rId33"/>
           <a:stretch>
             <a:fillRect/>
           </a:stretch>
@@ -37603,12 +37649,12 @@
           </p:cNvPicPr>
           <p:nvPr>
             <p:custDataLst>
-              <p:tags r:id="rId22"/>
+              <p:tags r:id="rId13"/>
             </p:custDataLst>
           </p:nvPr>
         </p:nvPicPr>
         <p:blipFill>
-          <a:blip r:embed="rId23"/>
+          <a:blip r:embed="rId34"/>
           <a:stretch>
             <a:fillRect/>
           </a:stretch>
@@ -37631,12 +37677,12 @@
           </p:cNvPicPr>
           <p:nvPr>
             <p:custDataLst>
-              <p:tags r:id="rId24"/>
+              <p:tags r:id="rId14"/>
             </p:custDataLst>
           </p:nvPr>
         </p:nvPicPr>
         <p:blipFill>
-          <a:blip r:embed="rId25"/>
+          <a:blip r:embed="rId35"/>
           <a:stretch>
             <a:fillRect/>
           </a:stretch>
@@ -37671,7 +37717,7 @@
             <p:cNvSpPr txBox="1"/>
             <p:nvPr>
               <p:custDataLst>
-                <p:tags r:id="rId26"/>
+                <p:tags r:id="rId18"/>
               </p:custDataLst>
             </p:nvPr>
           </p:nvSpPr>
@@ -37689,6 +37735,7 @@
             <a:bodyPr wrap="square" rtlCol="0">
               <a:spAutoFit/>
             </a:bodyPr>
+            <a:lstStyle/>
             <a:p>
               <a:r>
                 <a:rPr lang="zh-CN" altLang="en-US"/>
@@ -37700,13 +37747,8 @@
               </a:r>
               <a:r>
                 <a:rPr lang="zh-CN" altLang="en-US"/>
-                <a:t>效果才出来，可以看出来减少了很多次</a:t>
+                <a:t>效果才出来，可以看出来减少了很多次重复计算</a:t>
               </a:r>
-              <a:r>
-                <a:rPr lang="zh-CN" altLang="en-US"/>
-                <a:t>重复计算</a:t>
-              </a:r>
-              <a:endParaRPr lang="zh-CN" altLang="en-US"/>
             </a:p>
           </p:txBody>
         </p:sp>
@@ -37718,12 +37760,12 @@
             </p:cNvPicPr>
             <p:nvPr>
               <p:custDataLst>
-                <p:tags r:id="rId27"/>
+                <p:tags r:id="rId19"/>
               </p:custDataLst>
             </p:nvPr>
           </p:nvPicPr>
           <p:blipFill>
-            <a:blip r:embed="rId28"/>
+            <a:blip r:embed="rId36"/>
             <a:stretch>
               <a:fillRect/>
             </a:stretch>
@@ -37746,12 +37788,12 @@
             </p:cNvPicPr>
             <p:nvPr>
               <p:custDataLst>
-                <p:tags r:id="rId29"/>
+                <p:tags r:id="rId20"/>
               </p:custDataLst>
             </p:nvPr>
           </p:nvPicPr>
           <p:blipFill>
-            <a:blip r:embed="rId30"/>
+            <a:blip r:embed="rId37"/>
             <a:stretch>
               <a:fillRect/>
             </a:stretch>
@@ -37774,12 +37816,12 @@
             </p:cNvPicPr>
             <p:nvPr>
               <p:custDataLst>
-                <p:tags r:id="rId31"/>
+                <p:tags r:id="rId21"/>
               </p:custDataLst>
             </p:nvPr>
           </p:nvPicPr>
           <p:blipFill>
-            <a:blip r:embed="rId32"/>
+            <a:blip r:embed="rId38"/>
             <a:stretch>
               <a:fillRect/>
             </a:stretch>
@@ -37802,12 +37844,12 @@
             </p:cNvPicPr>
             <p:nvPr>
               <p:custDataLst>
-                <p:tags r:id="rId33"/>
+                <p:tags r:id="rId22"/>
               </p:custDataLst>
             </p:nvPr>
           </p:nvPicPr>
           <p:blipFill>
-            <a:blip r:embed="rId34"/>
+            <a:blip r:embed="rId39"/>
             <a:stretch>
               <a:fillRect/>
             </a:stretch>
@@ -37831,12 +37873,12 @@
           </p:cNvPicPr>
           <p:nvPr>
             <p:custDataLst>
-              <p:tags r:id="rId35"/>
+              <p:tags r:id="rId15"/>
             </p:custDataLst>
           </p:nvPr>
         </p:nvPicPr>
         <p:blipFill>
-          <a:blip r:embed="rId36"/>
+          <a:blip r:embed="rId40"/>
           <a:stretch>
             <a:fillRect/>
           </a:stretch>
@@ -37928,7 +37970,7 @@
           <p:cNvSpPr txBox="1"/>
           <p:nvPr>
             <p:custDataLst>
-              <p:tags r:id="rId37"/>
+              <p:tags r:id="rId16"/>
             </p:custDataLst>
           </p:nvPr>
         </p:nvSpPr>
@@ -37946,6 +37988,7 @@
           <a:bodyPr wrap="square" rtlCol="0">
             <a:spAutoFit/>
           </a:bodyPr>
+          <a:lstStyle/>
           <a:p>
             <a:r>
               <a:rPr lang="zh-CN" altLang="en-US"/>
@@ -37959,7 +38002,6 @@
               <a:rPr lang="zh-CN" altLang="en-US"/>
               <a:t>亿</a:t>
             </a:r>
-            <a:endParaRPr lang="zh-CN" altLang="en-US"/>
           </a:p>
         </p:txBody>
       </p:sp>
@@ -37969,7 +38011,7 @@
           <p:cNvSpPr txBox="1"/>
           <p:nvPr>
             <p:custDataLst>
-              <p:tags r:id="rId38"/>
+              <p:tags r:id="rId17"/>
             </p:custDataLst>
           </p:nvPr>
         </p:nvSpPr>
@@ -37987,16 +38029,12 @@
           <a:bodyPr wrap="square" rtlCol="0">
             <a:spAutoFit/>
           </a:bodyPr>
+          <a:lstStyle/>
           <a:p>
             <a:r>
               <a:rPr lang="zh-CN" altLang="en-US"/>
-              <a:t>暂时无法提交，不知道</a:t>
-            </a:r>
-            <a:r>
-              <a:rPr lang="zh-CN" altLang="en-US"/>
-              <a:t>为何</a:t>
-            </a:r>
-            <a:endParaRPr lang="zh-CN" altLang="en-US"/>
+              <a:t>暂时无法提交，不知道为何</a:t>
+            </a:r>
           </a:p>
         </p:txBody>
       </p:sp>
@@ -38020,6 +38058,7 @@
           <a:bodyPr wrap="square" rtlCol="0">
             <a:spAutoFit/>
           </a:bodyPr>
+          <a:lstStyle/>
           <a:p>
             <a:r>
               <a:rPr lang="en-US" altLang="zh-CN"/>
@@ -38059,13 +38098,8 @@
             </a:r>
             <a:r>
               <a:rPr lang="zh-CN" altLang="en-US"/>
-              <a:t>会提取</a:t>
-            </a:r>
-            <a:r>
-              <a:rPr lang="zh-CN" altLang="en-US"/>
-              <a:t>新的。</a:t>
-            </a:r>
-            <a:endParaRPr lang="zh-CN" altLang="en-US"/>
+              <a:t>会提取新的。</a:t>
+            </a:r>
           </a:p>
         </p:txBody>
       </p:sp>
@@ -38096,7 +38130,13 @@
       </p:grpSpPr>
       <p:sp>
         <p:nvSpPr>
-          <p:cNvPr id="2" name="标题 1"/>
+          <p:cNvPr id="2" name="标题 1">
+            <a:extLst>
+              <a:ext uri="{FF2B5EF4-FFF2-40B4-BE49-F238E27FC236}">
+                <a16:creationId xmlns:a16="http://schemas.microsoft.com/office/drawing/2014/main" id="{DC9AF9BC-72E3-44DD-9B52-F0072F31345D}"/>
+              </a:ext>
+            </a:extLst>
+          </p:cNvPr>
           <p:cNvSpPr>
             <a:spLocks noGrp="1"/>
           </p:cNvSpPr>
@@ -38110,45 +38150,1487 @@
           <a:lstStyle/>
           <a:p>
             <a:r>
-              <a:rPr lang="en-US" altLang="zh-CN" dirty="0"/>
-              <a:t>BFS</a:t>
-            </a:r>
-            <a:r>
               <a:rPr lang="zh-CN" altLang="en-US" dirty="0"/>
-              <a:t>贪婪策略</a:t>
-            </a:r>
+              <a:t>目前代码的问题</a:t>
+            </a:r>
+          </a:p>
+        </p:txBody>
+      </p:sp>
+      <p:grpSp>
+        <p:nvGrpSpPr>
+          <p:cNvPr id="41" name="组合 40">
+            <a:extLst>
+              <a:ext uri="{FF2B5EF4-FFF2-40B4-BE49-F238E27FC236}">
+                <a16:creationId xmlns:a16="http://schemas.microsoft.com/office/drawing/2014/main" id="{0ED52D6B-03A1-4421-B9C0-3416C55EBA20}"/>
+              </a:ext>
+            </a:extLst>
+          </p:cNvPr>
+          <p:cNvGrpSpPr/>
+          <p:nvPr/>
+        </p:nvGrpSpPr>
+        <p:grpSpPr>
+          <a:xfrm>
+            <a:off x="742949" y="1322428"/>
+            <a:ext cx="3333061" cy="2754272"/>
+            <a:chOff x="742949" y="1322428"/>
+            <a:chExt cx="3333061" cy="2754272"/>
+          </a:xfrm>
+        </p:grpSpPr>
+        <p:sp>
+          <p:nvSpPr>
+            <p:cNvPr id="4" name="椭圆 3">
+              <a:extLst>
+                <a:ext uri="{FF2B5EF4-FFF2-40B4-BE49-F238E27FC236}">
+                  <a16:creationId xmlns:a16="http://schemas.microsoft.com/office/drawing/2014/main" id="{B0F3DDCF-344F-4B0A-BA9F-4A35EA3F142A}"/>
+                </a:ext>
+              </a:extLst>
+            </p:cNvPr>
+            <p:cNvSpPr/>
+            <p:nvPr/>
+          </p:nvSpPr>
+          <p:spPr>
+            <a:xfrm>
+              <a:off x="742949" y="2428875"/>
+              <a:ext cx="638175" cy="685800"/>
+            </a:xfrm>
+            <a:prstGeom prst="ellipse">
+              <a:avLst/>
+            </a:prstGeom>
+            <a:noFill/>
+            <a:ln w="19050">
+              <a:solidFill>
+                <a:schemeClr val="tx1"/>
+              </a:solidFill>
+            </a:ln>
+          </p:spPr>
+          <p:style>
+            <a:lnRef idx="2">
+              <a:schemeClr val="accent1">
+                <a:shade val="50000"/>
+              </a:schemeClr>
+            </a:lnRef>
+            <a:fillRef idx="1">
+              <a:schemeClr val="accent1"/>
+            </a:fillRef>
+            <a:effectRef idx="0">
+              <a:schemeClr val="accent1"/>
+            </a:effectRef>
+            <a:fontRef idx="minor">
+              <a:schemeClr val="lt1"/>
+            </a:fontRef>
+          </p:style>
+          <p:txBody>
+            <a:bodyPr rtlCol="0" anchor="ctr"/>
+            <a:lstStyle/>
+            <a:p>
+              <a:pPr algn="ctr"/>
+              <a:r>
+                <a:rPr lang="en-US" altLang="zh-CN" dirty="0">
+                  <a:solidFill>
+                    <a:schemeClr val="tx1"/>
+                  </a:solidFill>
+                </a:rPr>
+                <a:t>P</a:t>
+              </a:r>
+              <a:endParaRPr lang="zh-CN" altLang="en-US" dirty="0">
+                <a:solidFill>
+                  <a:schemeClr val="tx1"/>
+                </a:solidFill>
+              </a:endParaRPr>
+            </a:p>
+          </p:txBody>
+        </p:sp>
+        <p:sp>
+          <p:nvSpPr>
+            <p:cNvPr id="5" name="椭圆 4">
+              <a:extLst>
+                <a:ext uri="{FF2B5EF4-FFF2-40B4-BE49-F238E27FC236}">
+                  <a16:creationId xmlns:a16="http://schemas.microsoft.com/office/drawing/2014/main" id="{6D713D3C-BC9D-412C-82BD-96D73ABCA3E8}"/>
+                </a:ext>
+              </a:extLst>
+            </p:cNvPr>
+            <p:cNvSpPr/>
+            <p:nvPr/>
+          </p:nvSpPr>
+          <p:spPr>
+            <a:xfrm>
+              <a:off x="2057399" y="1666875"/>
+              <a:ext cx="638175" cy="685800"/>
+            </a:xfrm>
+            <a:prstGeom prst="ellipse">
+              <a:avLst/>
+            </a:prstGeom>
+            <a:noFill/>
+            <a:ln w="19050">
+              <a:solidFill>
+                <a:schemeClr val="tx1"/>
+              </a:solidFill>
+            </a:ln>
+          </p:spPr>
+          <p:style>
+            <a:lnRef idx="2">
+              <a:schemeClr val="accent1">
+                <a:shade val="50000"/>
+              </a:schemeClr>
+            </a:lnRef>
+            <a:fillRef idx="1">
+              <a:schemeClr val="accent1"/>
+            </a:fillRef>
+            <a:effectRef idx="0">
+              <a:schemeClr val="accent1"/>
+            </a:effectRef>
+            <a:fontRef idx="minor">
+              <a:schemeClr val="lt1"/>
+            </a:fontRef>
+          </p:style>
+          <p:txBody>
+            <a:bodyPr rtlCol="0" anchor="ctr"/>
+            <a:lstStyle/>
+            <a:p>
+              <a:pPr algn="ctr"/>
+              <a:r>
+                <a:rPr lang="en-US" altLang="zh-CN" dirty="0">
+                  <a:solidFill>
+                    <a:schemeClr val="tx1"/>
+                  </a:solidFill>
+                </a:rPr>
+                <a:t>A</a:t>
+              </a:r>
+              <a:endParaRPr lang="zh-CN" altLang="en-US" dirty="0">
+                <a:solidFill>
+                  <a:schemeClr val="tx1"/>
+                </a:solidFill>
+              </a:endParaRPr>
+            </a:p>
+          </p:txBody>
+        </p:sp>
+        <p:sp>
+          <p:nvSpPr>
+            <p:cNvPr id="6" name="椭圆 5">
+              <a:extLst>
+                <a:ext uri="{FF2B5EF4-FFF2-40B4-BE49-F238E27FC236}">
+                  <a16:creationId xmlns:a16="http://schemas.microsoft.com/office/drawing/2014/main" id="{A289A4A1-2FAA-4A94-B3FD-C08F045E21B2}"/>
+                </a:ext>
+              </a:extLst>
+            </p:cNvPr>
+            <p:cNvSpPr/>
+            <p:nvPr/>
+          </p:nvSpPr>
+          <p:spPr>
+            <a:xfrm>
+              <a:off x="3276599" y="2428875"/>
+              <a:ext cx="638175" cy="685800"/>
+            </a:xfrm>
+            <a:prstGeom prst="ellipse">
+              <a:avLst/>
+            </a:prstGeom>
+            <a:noFill/>
+            <a:ln w="19050">
+              <a:solidFill>
+                <a:schemeClr val="tx1"/>
+              </a:solidFill>
+            </a:ln>
+          </p:spPr>
+          <p:style>
+            <a:lnRef idx="2">
+              <a:schemeClr val="accent1">
+                <a:shade val="50000"/>
+              </a:schemeClr>
+            </a:lnRef>
+            <a:fillRef idx="1">
+              <a:schemeClr val="accent1"/>
+            </a:fillRef>
+            <a:effectRef idx="0">
+              <a:schemeClr val="accent1"/>
+            </a:effectRef>
+            <a:fontRef idx="minor">
+              <a:schemeClr val="lt1"/>
+            </a:fontRef>
+          </p:style>
+          <p:txBody>
+            <a:bodyPr rtlCol="0" anchor="ctr"/>
+            <a:lstStyle/>
+            <a:p>
+              <a:pPr algn="ctr"/>
+              <a:r>
+                <a:rPr lang="en-US" altLang="zh-CN" dirty="0">
+                  <a:solidFill>
+                    <a:schemeClr val="tx1"/>
+                  </a:solidFill>
+                </a:rPr>
+                <a:t>C</a:t>
+              </a:r>
+              <a:endParaRPr lang="zh-CN" altLang="en-US" dirty="0">
+                <a:solidFill>
+                  <a:schemeClr val="tx1"/>
+                </a:solidFill>
+              </a:endParaRPr>
+            </a:p>
+          </p:txBody>
+        </p:sp>
+        <p:cxnSp>
+          <p:nvCxnSpPr>
+            <p:cNvPr id="9" name="直接连接符 8">
+              <a:extLst>
+                <a:ext uri="{FF2B5EF4-FFF2-40B4-BE49-F238E27FC236}">
+                  <a16:creationId xmlns:a16="http://schemas.microsoft.com/office/drawing/2014/main" id="{B4D1C85C-4B9E-47E8-91D9-E5D6E65E276A}"/>
+                </a:ext>
+              </a:extLst>
+            </p:cNvPr>
+            <p:cNvCxnSpPr>
+              <a:cxnSpLocks/>
+              <a:stCxn id="4" idx="0"/>
+              <a:endCxn id="5" idx="2"/>
+            </p:cNvCxnSpPr>
+            <p:nvPr/>
+          </p:nvCxnSpPr>
+          <p:spPr>
+            <a:xfrm flipV="1">
+              <a:off x="1062037" y="2009775"/>
+              <a:ext cx="995362" cy="419100"/>
+            </a:xfrm>
+            <a:prstGeom prst="line">
+              <a:avLst/>
+            </a:prstGeom>
+            <a:ln w="19050">
+              <a:solidFill>
+                <a:schemeClr val="tx1"/>
+              </a:solidFill>
+            </a:ln>
+          </p:spPr>
+          <p:style>
+            <a:lnRef idx="1">
+              <a:schemeClr val="accent1"/>
+            </a:lnRef>
+            <a:fillRef idx="0">
+              <a:schemeClr val="accent1"/>
+            </a:fillRef>
+            <a:effectRef idx="0">
+              <a:schemeClr val="accent1"/>
+            </a:effectRef>
+            <a:fontRef idx="minor">
+              <a:schemeClr val="tx1"/>
+            </a:fontRef>
+          </p:style>
+        </p:cxnSp>
+        <p:cxnSp>
+          <p:nvCxnSpPr>
+            <p:cNvPr id="10" name="直接连接符 9">
+              <a:extLst>
+                <a:ext uri="{FF2B5EF4-FFF2-40B4-BE49-F238E27FC236}">
+                  <a16:creationId xmlns:a16="http://schemas.microsoft.com/office/drawing/2014/main" id="{322C9661-9132-495A-BC8B-300B0E904BAC}"/>
+                </a:ext>
+              </a:extLst>
+            </p:cNvPr>
+            <p:cNvCxnSpPr>
+              <a:cxnSpLocks/>
+              <a:stCxn id="4" idx="4"/>
+              <a:endCxn id="7" idx="2"/>
+            </p:cNvCxnSpPr>
+            <p:nvPr/>
+          </p:nvCxnSpPr>
+          <p:spPr>
+            <a:xfrm>
+              <a:off x="1062037" y="3114675"/>
+              <a:ext cx="995362" cy="619125"/>
+            </a:xfrm>
+            <a:prstGeom prst="line">
+              <a:avLst/>
+            </a:prstGeom>
+            <a:ln w="19050">
+              <a:solidFill>
+                <a:schemeClr val="tx1"/>
+              </a:solidFill>
+            </a:ln>
+          </p:spPr>
+          <p:style>
+            <a:lnRef idx="1">
+              <a:schemeClr val="accent1"/>
+            </a:lnRef>
+            <a:fillRef idx="0">
+              <a:schemeClr val="accent1"/>
+            </a:fillRef>
+            <a:effectRef idx="0">
+              <a:schemeClr val="accent1"/>
+            </a:effectRef>
+            <a:fontRef idx="minor">
+              <a:schemeClr val="tx1"/>
+            </a:fontRef>
+          </p:style>
+        </p:cxnSp>
+        <p:cxnSp>
+          <p:nvCxnSpPr>
+            <p:cNvPr id="15" name="直接连接符 14">
+              <a:extLst>
+                <a:ext uri="{FF2B5EF4-FFF2-40B4-BE49-F238E27FC236}">
+                  <a16:creationId xmlns:a16="http://schemas.microsoft.com/office/drawing/2014/main" id="{3998CAA7-9507-4E98-8F64-A9EE27B32D77}"/>
+                </a:ext>
+              </a:extLst>
+            </p:cNvPr>
+            <p:cNvCxnSpPr>
+              <a:cxnSpLocks/>
+              <a:stCxn id="5" idx="6"/>
+              <a:endCxn id="6" idx="0"/>
+            </p:cNvCxnSpPr>
+            <p:nvPr/>
+          </p:nvCxnSpPr>
+          <p:spPr>
+            <a:xfrm>
+              <a:off x="2695574" y="2009775"/>
+              <a:ext cx="900113" cy="419100"/>
+            </a:xfrm>
+            <a:prstGeom prst="line">
+              <a:avLst/>
+            </a:prstGeom>
+            <a:ln w="19050">
+              <a:solidFill>
+                <a:schemeClr val="tx1"/>
+              </a:solidFill>
+            </a:ln>
+          </p:spPr>
+          <p:style>
+            <a:lnRef idx="1">
+              <a:schemeClr val="accent1"/>
+            </a:lnRef>
+            <a:fillRef idx="0">
+              <a:schemeClr val="accent1"/>
+            </a:fillRef>
+            <a:effectRef idx="0">
+              <a:schemeClr val="accent1"/>
+            </a:effectRef>
+            <a:fontRef idx="minor">
+              <a:schemeClr val="tx1"/>
+            </a:fontRef>
+          </p:style>
+        </p:cxnSp>
+        <p:sp>
+          <p:nvSpPr>
+            <p:cNvPr id="26" name="文本框 25">
+              <a:extLst>
+                <a:ext uri="{FF2B5EF4-FFF2-40B4-BE49-F238E27FC236}">
+                  <a16:creationId xmlns:a16="http://schemas.microsoft.com/office/drawing/2014/main" id="{8DD0BB80-6858-49B1-90E0-EBD9E55FE03B}"/>
+                </a:ext>
+              </a:extLst>
+            </p:cNvPr>
+            <p:cNvSpPr txBox="1"/>
+            <p:nvPr/>
+          </p:nvSpPr>
+          <p:spPr>
+            <a:xfrm>
+              <a:off x="1412080" y="1983343"/>
+              <a:ext cx="295276" cy="369332"/>
+            </a:xfrm>
+            <a:prstGeom prst="rect">
+              <a:avLst/>
+            </a:prstGeom>
+            <a:noFill/>
+          </p:spPr>
+          <p:txBody>
+            <a:bodyPr wrap="square" rtlCol="0">
+              <a:spAutoFit/>
+            </a:bodyPr>
+            <a:lstStyle/>
+            <a:p>
+              <a:r>
+                <a:rPr lang="en-US" altLang="zh-CN" dirty="0"/>
+                <a:t>1</a:t>
+              </a:r>
+              <a:endParaRPr lang="zh-CN" altLang="en-US" dirty="0"/>
+            </a:p>
+          </p:txBody>
+        </p:sp>
+        <p:sp>
+          <p:nvSpPr>
+            <p:cNvPr id="27" name="文本框 26">
+              <a:extLst>
+                <a:ext uri="{FF2B5EF4-FFF2-40B4-BE49-F238E27FC236}">
+                  <a16:creationId xmlns:a16="http://schemas.microsoft.com/office/drawing/2014/main" id="{CBC2DD2A-D552-4C76-9F0D-FF906111727F}"/>
+                </a:ext>
+              </a:extLst>
+            </p:cNvPr>
+            <p:cNvSpPr txBox="1"/>
+            <p:nvPr/>
+          </p:nvSpPr>
+          <p:spPr>
+            <a:xfrm>
+              <a:off x="2869403" y="1983343"/>
+              <a:ext cx="295276" cy="369332"/>
+            </a:xfrm>
+            <a:prstGeom prst="rect">
+              <a:avLst/>
+            </a:prstGeom>
+            <a:noFill/>
+          </p:spPr>
+          <p:txBody>
+            <a:bodyPr wrap="square" rtlCol="0">
+              <a:spAutoFit/>
+            </a:bodyPr>
+            <a:lstStyle/>
+            <a:p>
+              <a:r>
+                <a:rPr lang="en-US" altLang="zh-CN" dirty="0"/>
+                <a:t>5</a:t>
+              </a:r>
+              <a:endParaRPr lang="zh-CN" altLang="en-US" dirty="0"/>
+            </a:p>
+          </p:txBody>
+        </p:sp>
+        <p:sp>
+          <p:nvSpPr>
+            <p:cNvPr id="28" name="文本框 27">
+              <a:extLst>
+                <a:ext uri="{FF2B5EF4-FFF2-40B4-BE49-F238E27FC236}">
+                  <a16:creationId xmlns:a16="http://schemas.microsoft.com/office/drawing/2014/main" id="{F76850DF-DD1A-4147-87A8-532D7BF3C247}"/>
+                </a:ext>
+              </a:extLst>
+            </p:cNvPr>
+            <p:cNvSpPr txBox="1"/>
+            <p:nvPr/>
+          </p:nvSpPr>
+          <p:spPr>
+            <a:xfrm>
+              <a:off x="1412080" y="3232189"/>
+              <a:ext cx="295276" cy="369332"/>
+            </a:xfrm>
+            <a:prstGeom prst="rect">
+              <a:avLst/>
+            </a:prstGeom>
+            <a:noFill/>
+          </p:spPr>
+          <p:txBody>
+            <a:bodyPr wrap="square" rtlCol="0">
+              <a:spAutoFit/>
+            </a:bodyPr>
+            <a:lstStyle/>
+            <a:p>
+              <a:r>
+                <a:rPr lang="en-US" altLang="zh-CN" dirty="0"/>
+                <a:t>2</a:t>
+              </a:r>
+              <a:endParaRPr lang="zh-CN" altLang="en-US" dirty="0"/>
+            </a:p>
+          </p:txBody>
+        </p:sp>
+        <p:sp>
+          <p:nvSpPr>
+            <p:cNvPr id="31" name="文本框 30">
+              <a:extLst>
+                <a:ext uri="{FF2B5EF4-FFF2-40B4-BE49-F238E27FC236}">
+                  <a16:creationId xmlns:a16="http://schemas.microsoft.com/office/drawing/2014/main" id="{B663B0B2-053C-4168-9C2E-2C8123768FFD}"/>
+                </a:ext>
+              </a:extLst>
+            </p:cNvPr>
+            <p:cNvSpPr txBox="1"/>
+            <p:nvPr/>
+          </p:nvSpPr>
+          <p:spPr>
+            <a:xfrm>
+              <a:off x="1062036" y="1322428"/>
+              <a:ext cx="1460656" cy="369332"/>
+            </a:xfrm>
+            <a:prstGeom prst="rect">
+              <a:avLst/>
+            </a:prstGeom>
+            <a:noFill/>
+          </p:spPr>
+          <p:txBody>
+            <a:bodyPr wrap="none" rtlCol="0">
+              <a:spAutoFit/>
+            </a:bodyPr>
+            <a:lstStyle/>
+            <a:p>
+              <a:r>
+                <a:rPr lang="zh-CN" altLang="en-US" dirty="0">
+                  <a:solidFill>
+                    <a:srgbClr val="FF0000"/>
+                  </a:solidFill>
+                </a:rPr>
+                <a:t>遍历顺序：</a:t>
+              </a:r>
+              <a:r>
+                <a:rPr lang="en-US" altLang="zh-CN" dirty="0">
+                  <a:solidFill>
+                    <a:srgbClr val="FF0000"/>
+                  </a:solidFill>
+                </a:rPr>
+                <a:t>1</a:t>
+              </a:r>
+              <a:endParaRPr lang="zh-CN" altLang="en-US" dirty="0">
+                <a:solidFill>
+                  <a:srgbClr val="FF0000"/>
+                </a:solidFill>
+              </a:endParaRPr>
+            </a:p>
+          </p:txBody>
+        </p:sp>
+        <p:sp>
+          <p:nvSpPr>
+            <p:cNvPr id="33" name="文本框 32">
+              <a:extLst>
+                <a:ext uri="{FF2B5EF4-FFF2-40B4-BE49-F238E27FC236}">
+                  <a16:creationId xmlns:a16="http://schemas.microsoft.com/office/drawing/2014/main" id="{E6F46E76-5F29-4515-A099-8B3E6F89AF53}"/>
+                </a:ext>
+              </a:extLst>
+            </p:cNvPr>
+            <p:cNvSpPr txBox="1"/>
+            <p:nvPr/>
+          </p:nvSpPr>
+          <p:spPr>
+            <a:xfrm>
+              <a:off x="3769516" y="2168009"/>
+              <a:ext cx="306494" cy="369332"/>
+            </a:xfrm>
+            <a:prstGeom prst="rect">
+              <a:avLst/>
+            </a:prstGeom>
+            <a:noFill/>
+          </p:spPr>
+          <p:txBody>
+            <a:bodyPr wrap="none" rtlCol="0">
+              <a:spAutoFit/>
+            </a:bodyPr>
+            <a:lstStyle/>
+            <a:p>
+              <a:r>
+                <a:rPr lang="en-US" altLang="zh-CN" dirty="0">
+                  <a:solidFill>
+                    <a:srgbClr val="FF0000"/>
+                  </a:solidFill>
+                </a:rPr>
+                <a:t>3</a:t>
+              </a:r>
+              <a:endParaRPr lang="zh-CN" altLang="en-US" dirty="0">
+                <a:solidFill>
+                  <a:srgbClr val="FF0000"/>
+                </a:solidFill>
+              </a:endParaRPr>
+            </a:p>
+          </p:txBody>
+        </p:sp>
+        <p:sp>
+          <p:nvSpPr>
+            <p:cNvPr id="7" name="椭圆 6">
+              <a:extLst>
+                <a:ext uri="{FF2B5EF4-FFF2-40B4-BE49-F238E27FC236}">
+                  <a16:creationId xmlns:a16="http://schemas.microsoft.com/office/drawing/2014/main" id="{6D56895A-9039-4268-833D-8BC171053A85}"/>
+                </a:ext>
+              </a:extLst>
+            </p:cNvPr>
+            <p:cNvSpPr/>
+            <p:nvPr/>
+          </p:nvSpPr>
+          <p:spPr>
+            <a:xfrm>
+              <a:off x="2057399" y="3390900"/>
+              <a:ext cx="638175" cy="685800"/>
+            </a:xfrm>
+            <a:prstGeom prst="ellipse">
+              <a:avLst/>
+            </a:prstGeom>
+            <a:noFill/>
+            <a:ln w="19050">
+              <a:solidFill>
+                <a:schemeClr val="tx1"/>
+              </a:solidFill>
+            </a:ln>
+          </p:spPr>
+          <p:style>
+            <a:lnRef idx="2">
+              <a:schemeClr val="accent1">
+                <a:shade val="50000"/>
+              </a:schemeClr>
+            </a:lnRef>
+            <a:fillRef idx="1">
+              <a:schemeClr val="accent1"/>
+            </a:fillRef>
+            <a:effectRef idx="0">
+              <a:schemeClr val="accent1"/>
+            </a:effectRef>
+            <a:fontRef idx="minor">
+              <a:schemeClr val="lt1"/>
+            </a:fontRef>
+          </p:style>
+          <p:txBody>
+            <a:bodyPr rtlCol="0" anchor="ctr"/>
+            <a:lstStyle/>
+            <a:p>
+              <a:pPr algn="ctr"/>
+              <a:r>
+                <a:rPr lang="en-US" altLang="zh-CN" dirty="0">
+                  <a:solidFill>
+                    <a:schemeClr val="tx1"/>
+                  </a:solidFill>
+                </a:rPr>
+                <a:t>B</a:t>
+              </a:r>
+              <a:endParaRPr lang="zh-CN" altLang="en-US" dirty="0">
+                <a:solidFill>
+                  <a:schemeClr val="tx1"/>
+                </a:solidFill>
+              </a:endParaRPr>
+            </a:p>
+          </p:txBody>
+        </p:sp>
+        <p:cxnSp>
+          <p:nvCxnSpPr>
+            <p:cNvPr id="19" name="直接连接符 18">
+              <a:extLst>
+                <a:ext uri="{FF2B5EF4-FFF2-40B4-BE49-F238E27FC236}">
+                  <a16:creationId xmlns:a16="http://schemas.microsoft.com/office/drawing/2014/main" id="{888C32CC-CD62-4C52-8A2C-F32F9A0715F0}"/>
+                </a:ext>
+              </a:extLst>
+            </p:cNvPr>
+            <p:cNvCxnSpPr>
+              <a:cxnSpLocks/>
+              <a:stCxn id="7" idx="6"/>
+              <a:endCxn id="6" idx="4"/>
+            </p:cNvCxnSpPr>
+            <p:nvPr/>
+          </p:nvCxnSpPr>
+          <p:spPr>
+            <a:xfrm flipV="1">
+              <a:off x="2695574" y="3114675"/>
+              <a:ext cx="900113" cy="619125"/>
+            </a:xfrm>
+            <a:prstGeom prst="line">
+              <a:avLst/>
+            </a:prstGeom>
+            <a:ln w="19050">
+              <a:solidFill>
+                <a:schemeClr val="tx1"/>
+              </a:solidFill>
+            </a:ln>
+          </p:spPr>
+          <p:style>
+            <a:lnRef idx="1">
+              <a:schemeClr val="accent1"/>
+            </a:lnRef>
+            <a:fillRef idx="0">
+              <a:schemeClr val="accent1"/>
+            </a:fillRef>
+            <a:effectRef idx="0">
+              <a:schemeClr val="accent1"/>
+            </a:effectRef>
+            <a:fontRef idx="minor">
+              <a:schemeClr val="tx1"/>
+            </a:fontRef>
+          </p:style>
+        </p:cxnSp>
+        <p:sp>
+          <p:nvSpPr>
+            <p:cNvPr id="29" name="文本框 28">
+              <a:extLst>
+                <a:ext uri="{FF2B5EF4-FFF2-40B4-BE49-F238E27FC236}">
+                  <a16:creationId xmlns:a16="http://schemas.microsoft.com/office/drawing/2014/main" id="{D9F81D20-F95C-442F-8031-25C38C94F51D}"/>
+                </a:ext>
+              </a:extLst>
+            </p:cNvPr>
+            <p:cNvSpPr txBox="1"/>
+            <p:nvPr/>
+          </p:nvSpPr>
+          <p:spPr>
+            <a:xfrm>
+              <a:off x="2869403" y="3232189"/>
+              <a:ext cx="295276" cy="369332"/>
+            </a:xfrm>
+            <a:prstGeom prst="rect">
+              <a:avLst/>
+            </a:prstGeom>
+            <a:noFill/>
+          </p:spPr>
+          <p:txBody>
+            <a:bodyPr wrap="square" rtlCol="0">
+              <a:spAutoFit/>
+            </a:bodyPr>
+            <a:lstStyle/>
+            <a:p>
+              <a:r>
+                <a:rPr lang="en-US" altLang="zh-CN" dirty="0"/>
+                <a:t>3</a:t>
+              </a:r>
+              <a:endParaRPr lang="zh-CN" altLang="en-US" dirty="0"/>
+            </a:p>
+          </p:txBody>
+        </p:sp>
+        <p:sp>
+          <p:nvSpPr>
+            <p:cNvPr id="32" name="文本框 31">
+              <a:extLst>
+                <a:ext uri="{FF2B5EF4-FFF2-40B4-BE49-F238E27FC236}">
+                  <a16:creationId xmlns:a16="http://schemas.microsoft.com/office/drawing/2014/main" id="{60E1546A-C066-4BC4-BE0C-1A53F56C33D6}"/>
+                </a:ext>
+              </a:extLst>
+            </p:cNvPr>
+            <p:cNvSpPr txBox="1"/>
+            <p:nvPr/>
+          </p:nvSpPr>
+          <p:spPr>
+            <a:xfrm>
+              <a:off x="2340606" y="3130034"/>
+              <a:ext cx="306494" cy="369332"/>
+            </a:xfrm>
+            <a:prstGeom prst="rect">
+              <a:avLst/>
+            </a:prstGeom>
+            <a:noFill/>
+          </p:spPr>
+          <p:txBody>
+            <a:bodyPr wrap="none" rtlCol="0">
+              <a:spAutoFit/>
+            </a:bodyPr>
+            <a:lstStyle/>
+            <a:p>
+              <a:r>
+                <a:rPr lang="en-US" altLang="zh-CN" dirty="0">
+                  <a:solidFill>
+                    <a:srgbClr val="FF0000"/>
+                  </a:solidFill>
+                </a:rPr>
+                <a:t>2</a:t>
+              </a:r>
+              <a:endParaRPr lang="zh-CN" altLang="en-US" dirty="0">
+                <a:solidFill>
+                  <a:srgbClr val="FF0000"/>
+                </a:solidFill>
+              </a:endParaRPr>
+            </a:p>
+          </p:txBody>
+        </p:sp>
+      </p:grpSp>
+      <p:grpSp>
+        <p:nvGrpSpPr>
+          <p:cNvPr id="40" name="组合 39">
+            <a:extLst>
+              <a:ext uri="{FF2B5EF4-FFF2-40B4-BE49-F238E27FC236}">
+                <a16:creationId xmlns:a16="http://schemas.microsoft.com/office/drawing/2014/main" id="{443CAC5B-200B-4E8B-A1D4-56FCE2C09A23}"/>
+              </a:ext>
+            </a:extLst>
+          </p:cNvPr>
+          <p:cNvGrpSpPr/>
+          <p:nvPr/>
+        </p:nvGrpSpPr>
+        <p:grpSpPr>
+          <a:xfrm>
+            <a:off x="3450615" y="3978000"/>
+            <a:ext cx="8723939" cy="2880000"/>
+            <a:chOff x="3450615" y="3978000"/>
+            <a:chExt cx="8723939" cy="2880000"/>
+          </a:xfrm>
+        </p:grpSpPr>
+        <p:pic>
+          <p:nvPicPr>
+            <p:cNvPr id="35" name="图片 34">
+              <a:extLst>
+                <a:ext uri="{FF2B5EF4-FFF2-40B4-BE49-F238E27FC236}">
+                  <a16:creationId xmlns:a16="http://schemas.microsoft.com/office/drawing/2014/main" id="{F0002624-AE19-4F81-9D38-531FA2BB948F}"/>
+                </a:ext>
+              </a:extLst>
+            </p:cNvPr>
+            <p:cNvPicPr>
+              <a:picLocks noChangeAspect="1"/>
+            </p:cNvPicPr>
+            <p:nvPr/>
+          </p:nvPicPr>
+          <p:blipFill>
+            <a:blip r:embed="rId2"/>
+            <a:stretch>
+              <a:fillRect/>
+            </a:stretch>
+          </p:blipFill>
+          <p:spPr>
+            <a:xfrm>
+              <a:off x="3450615" y="3978000"/>
+              <a:ext cx="4102004" cy="2880000"/>
+            </a:xfrm>
+            <a:prstGeom prst="rect">
+              <a:avLst/>
+            </a:prstGeom>
+            <a:ln>
+              <a:solidFill>
+                <a:schemeClr val="tx1"/>
+              </a:solidFill>
+            </a:ln>
+          </p:spPr>
+        </p:pic>
+        <p:pic>
+          <p:nvPicPr>
+            <p:cNvPr id="36" name="图片 35">
+              <a:extLst>
+                <a:ext uri="{FF2B5EF4-FFF2-40B4-BE49-F238E27FC236}">
+                  <a16:creationId xmlns:a16="http://schemas.microsoft.com/office/drawing/2014/main" id="{B8F3237C-5A72-4D7F-97EB-005F59D040B9}"/>
+                </a:ext>
+              </a:extLst>
+            </p:cNvPr>
+            <p:cNvPicPr>
+              <a:picLocks noChangeAspect="1"/>
+            </p:cNvPicPr>
+            <p:nvPr/>
+          </p:nvPicPr>
+          <p:blipFill>
+            <a:blip r:embed="rId3"/>
+            <a:stretch>
+              <a:fillRect/>
+            </a:stretch>
+          </p:blipFill>
+          <p:spPr>
+            <a:xfrm>
+              <a:off x="7552619" y="3978000"/>
+              <a:ext cx="4621935" cy="2880000"/>
+            </a:xfrm>
+            <a:prstGeom prst="rect">
+              <a:avLst/>
+            </a:prstGeom>
+            <a:ln>
+              <a:solidFill>
+                <a:schemeClr val="tx1"/>
+              </a:solidFill>
+            </a:ln>
+          </p:spPr>
+        </p:pic>
+        <p:sp>
+          <p:nvSpPr>
+            <p:cNvPr id="37" name="矩形 36">
+              <a:extLst>
+                <a:ext uri="{FF2B5EF4-FFF2-40B4-BE49-F238E27FC236}">
+                  <a16:creationId xmlns:a16="http://schemas.microsoft.com/office/drawing/2014/main" id="{32046827-FA5F-42F6-A730-4FE36BE94700}"/>
+                </a:ext>
+              </a:extLst>
+            </p:cNvPr>
+            <p:cNvSpPr/>
+            <p:nvPr/>
+          </p:nvSpPr>
+          <p:spPr>
+            <a:xfrm>
+              <a:off x="3824109" y="6064534"/>
+              <a:ext cx="3429676" cy="588750"/>
+            </a:xfrm>
+            <a:prstGeom prst="rect">
+              <a:avLst/>
+            </a:prstGeom>
+            <a:noFill/>
+            <a:ln w="19050">
+              <a:solidFill>
+                <a:srgbClr val="FF0000"/>
+              </a:solidFill>
+            </a:ln>
+          </p:spPr>
+          <p:style>
+            <a:lnRef idx="2">
+              <a:schemeClr val="accent1">
+                <a:shade val="50000"/>
+              </a:schemeClr>
+            </a:lnRef>
+            <a:fillRef idx="1">
+              <a:schemeClr val="accent1"/>
+            </a:fillRef>
+            <a:effectRef idx="0">
+              <a:schemeClr val="accent1"/>
+            </a:effectRef>
+            <a:fontRef idx="minor">
+              <a:schemeClr val="lt1"/>
+            </a:fontRef>
+          </p:style>
+          <p:txBody>
+            <a:bodyPr rtlCol="0" anchor="ctr"/>
+            <a:lstStyle/>
+            <a:p>
+              <a:pPr algn="ctr"/>
+              <a:endParaRPr lang="zh-CN" altLang="en-US" dirty="0"/>
+            </a:p>
+          </p:txBody>
+        </p:sp>
+        <p:sp>
+          <p:nvSpPr>
+            <p:cNvPr id="38" name="矩形 37">
+              <a:extLst>
+                <a:ext uri="{FF2B5EF4-FFF2-40B4-BE49-F238E27FC236}">
+                  <a16:creationId xmlns:a16="http://schemas.microsoft.com/office/drawing/2014/main" id="{83C0B8D7-F1B5-4DF4-A241-389C0294C3ED}"/>
+                </a:ext>
+              </a:extLst>
+            </p:cNvPr>
+            <p:cNvSpPr/>
+            <p:nvPr/>
+          </p:nvSpPr>
+          <p:spPr>
+            <a:xfrm>
+              <a:off x="8148747" y="6128224"/>
+              <a:ext cx="3588327" cy="286224"/>
+            </a:xfrm>
+            <a:prstGeom prst="rect">
+              <a:avLst/>
+            </a:prstGeom>
+            <a:noFill/>
+            <a:ln w="19050">
+              <a:solidFill>
+                <a:srgbClr val="FF0000"/>
+              </a:solidFill>
+            </a:ln>
+          </p:spPr>
+          <p:style>
+            <a:lnRef idx="2">
+              <a:schemeClr val="accent1">
+                <a:shade val="50000"/>
+              </a:schemeClr>
+            </a:lnRef>
+            <a:fillRef idx="1">
+              <a:schemeClr val="accent1"/>
+            </a:fillRef>
+            <a:effectRef idx="0">
+              <a:schemeClr val="accent1"/>
+            </a:effectRef>
+            <a:fontRef idx="minor">
+              <a:schemeClr val="lt1"/>
+            </a:fontRef>
+          </p:style>
+          <p:txBody>
+            <a:bodyPr rtlCol="0" anchor="ctr"/>
+            <a:lstStyle/>
+            <a:p>
+              <a:pPr algn="ctr"/>
+              <a:endParaRPr lang="zh-CN" altLang="en-US" dirty="0"/>
+            </a:p>
+          </p:txBody>
+        </p:sp>
+      </p:grpSp>
+      <p:grpSp>
+        <p:nvGrpSpPr>
+          <p:cNvPr id="48" name="组合 47">
+            <a:extLst>
+              <a:ext uri="{FF2B5EF4-FFF2-40B4-BE49-F238E27FC236}">
+                <a16:creationId xmlns:a16="http://schemas.microsoft.com/office/drawing/2014/main" id="{DD95182F-7477-461A-8666-E5C39A476421}"/>
+              </a:ext>
+            </a:extLst>
+          </p:cNvPr>
+          <p:cNvGrpSpPr/>
+          <p:nvPr/>
+        </p:nvGrpSpPr>
+        <p:grpSpPr>
+          <a:xfrm>
+            <a:off x="4542575" y="1487247"/>
+            <a:ext cx="7250703" cy="1924969"/>
+            <a:chOff x="4542575" y="1487247"/>
+            <a:chExt cx="7250703" cy="1924969"/>
+          </a:xfrm>
+        </p:grpSpPr>
+        <p:sp>
+          <p:nvSpPr>
+            <p:cNvPr id="34" name="文本框 33">
+              <a:extLst>
+                <a:ext uri="{FF2B5EF4-FFF2-40B4-BE49-F238E27FC236}">
+                  <a16:creationId xmlns:a16="http://schemas.microsoft.com/office/drawing/2014/main" id="{3AC35F37-91ED-427F-8B09-3CBE52A16749}"/>
+                </a:ext>
+              </a:extLst>
+            </p:cNvPr>
+            <p:cNvSpPr txBox="1"/>
+            <p:nvPr/>
+          </p:nvSpPr>
+          <p:spPr>
+            <a:xfrm>
+              <a:off x="4552696" y="1487247"/>
+              <a:ext cx="4943982" cy="369332"/>
+            </a:xfrm>
+            <a:prstGeom prst="rect">
+              <a:avLst/>
+            </a:prstGeom>
+            <a:noFill/>
+          </p:spPr>
+          <p:txBody>
+            <a:bodyPr wrap="none" rtlCol="0">
+              <a:spAutoFit/>
+            </a:bodyPr>
+            <a:lstStyle/>
+            <a:p>
+              <a:r>
+                <a:rPr lang="zh-CN" altLang="en-US" dirty="0"/>
+                <a:t>对于</a:t>
+              </a:r>
+              <a:r>
+                <a:rPr lang="en-US" altLang="zh-CN" dirty="0"/>
+                <a:t>C</a:t>
+              </a:r>
+              <a:r>
+                <a:rPr lang="zh-CN" altLang="en-US" dirty="0"/>
+                <a:t>更新距离之后会重复加入到优先级队列中</a:t>
+              </a:r>
+            </a:p>
+          </p:txBody>
+        </p:sp>
+        <p:sp>
+          <p:nvSpPr>
+            <p:cNvPr id="42" name="文本框 41">
+              <a:extLst>
+                <a:ext uri="{FF2B5EF4-FFF2-40B4-BE49-F238E27FC236}">
+                  <a16:creationId xmlns:a16="http://schemas.microsoft.com/office/drawing/2014/main" id="{854087EB-6C16-41FE-9905-898E8C04FE7E}"/>
+                </a:ext>
+              </a:extLst>
+            </p:cNvPr>
+            <p:cNvSpPr txBox="1"/>
+            <p:nvPr/>
+          </p:nvSpPr>
+          <p:spPr>
+            <a:xfrm>
+              <a:off x="4542575" y="1934888"/>
+              <a:ext cx="7250703" cy="1477328"/>
+            </a:xfrm>
+            <a:prstGeom prst="rect">
+              <a:avLst/>
+            </a:prstGeom>
+            <a:noFill/>
+          </p:spPr>
+          <p:txBody>
+            <a:bodyPr wrap="none" rtlCol="0">
+              <a:spAutoFit/>
+            </a:bodyPr>
+            <a:lstStyle/>
+            <a:p>
+              <a:r>
+                <a:rPr lang="zh-CN" altLang="en-US" dirty="0"/>
+                <a:t>初始：</a:t>
+              </a:r>
+              <a:r>
+                <a:rPr lang="en-US" altLang="zh-CN" dirty="0"/>
+                <a:t>	visited={}</a:t>
+              </a:r>
+              <a:r>
+                <a:rPr lang="zh-CN" altLang="en-US" dirty="0"/>
+                <a:t>，</a:t>
+              </a:r>
+              <a:r>
+                <a:rPr lang="en-US" altLang="zh-CN" dirty="0"/>
+                <a:t>unvisited={A:1</a:t>
+              </a:r>
+              <a:r>
+                <a:rPr lang="zh-CN" altLang="en-US" dirty="0"/>
+                <a:t>，</a:t>
+              </a:r>
+              <a:r>
+                <a:rPr lang="en-US" altLang="zh-CN" dirty="0"/>
+                <a:t>B:2</a:t>
+              </a:r>
+              <a:r>
+                <a:rPr lang="zh-CN" altLang="en-US" dirty="0"/>
+                <a:t>，</a:t>
+              </a:r>
+              <a:r>
+                <a:rPr lang="en-US" altLang="zh-CN" dirty="0"/>
+                <a:t>C:</a:t>
+              </a:r>
+              <a:r>
+                <a:rPr lang="zh-CN" altLang="en-US" dirty="0"/>
+                <a:t>∞</a:t>
+              </a:r>
+              <a:r>
+                <a:rPr lang="en-US" altLang="zh-CN" dirty="0"/>
+                <a:t>}</a:t>
+              </a:r>
+              <a:r>
+                <a:rPr lang="zh-CN" altLang="en-US" dirty="0"/>
+                <a:t>，</a:t>
+              </a:r>
+              <a:r>
+                <a:rPr lang="en-US" altLang="zh-CN" dirty="0"/>
+                <a:t>A</a:t>
+              </a:r>
+              <a:r>
+                <a:rPr lang="zh-CN" altLang="en-US" dirty="0"/>
+                <a:t>，</a:t>
+              </a:r>
+              <a:r>
+                <a:rPr lang="en-US" altLang="zh-CN" dirty="0"/>
+                <a:t>B</a:t>
+              </a:r>
+              <a:r>
+                <a:rPr lang="zh-CN" altLang="en-US" dirty="0"/>
+                <a:t>入堆。</a:t>
+              </a:r>
+              <a:endParaRPr lang="en-US" altLang="zh-CN" dirty="0"/>
+            </a:p>
+            <a:p>
+              <a:r>
+                <a:rPr lang="zh-CN" altLang="en-US" dirty="0"/>
+                <a:t>访问</a:t>
+              </a:r>
+              <a:r>
+                <a:rPr lang="en-US" altLang="zh-CN" dirty="0"/>
+                <a:t>A</a:t>
+              </a:r>
+              <a:r>
+                <a:rPr lang="zh-CN" altLang="en-US" dirty="0"/>
+                <a:t>：</a:t>
+              </a:r>
+              <a:r>
+                <a:rPr lang="en-US" altLang="zh-CN" dirty="0"/>
+                <a:t>	visited={A:1}</a:t>
+              </a:r>
+              <a:r>
+                <a:rPr lang="zh-CN" altLang="en-US" dirty="0"/>
+                <a:t>，</a:t>
+              </a:r>
+              <a:r>
+                <a:rPr lang="en-US" altLang="zh-CN" dirty="0"/>
+                <a:t>unvisited {B:2</a:t>
+              </a:r>
+              <a:r>
+                <a:rPr lang="zh-CN" altLang="en-US" dirty="0"/>
+                <a:t> ， </a:t>
+              </a:r>
+              <a:r>
+                <a:rPr lang="en-US" altLang="zh-CN" dirty="0"/>
+                <a:t>C:8}</a:t>
+              </a:r>
+              <a:r>
+                <a:rPr lang="zh-CN" altLang="en-US" dirty="0"/>
+                <a:t> ，</a:t>
+              </a:r>
+              <a:r>
+                <a:rPr lang="en-US" altLang="zh-CN" b="1" dirty="0">
+                  <a:solidFill>
+                    <a:srgbClr val="FF0000"/>
+                  </a:solidFill>
+                </a:rPr>
+                <a:t>C</a:t>
+              </a:r>
+              <a:r>
+                <a:rPr lang="zh-CN" altLang="en-US" b="1" dirty="0">
+                  <a:solidFill>
+                    <a:srgbClr val="FF0000"/>
+                  </a:solidFill>
+                </a:rPr>
+                <a:t>入堆</a:t>
+              </a:r>
+              <a:r>
+                <a:rPr lang="zh-CN" altLang="en-US" dirty="0"/>
+                <a:t>。</a:t>
+              </a:r>
+              <a:endParaRPr lang="en-US" altLang="zh-CN" dirty="0"/>
+            </a:p>
+            <a:p>
+              <a:r>
+                <a:rPr lang="zh-CN" altLang="en-US" dirty="0"/>
+                <a:t>访问</a:t>
+              </a:r>
+              <a:r>
+                <a:rPr lang="en-US" altLang="zh-CN" dirty="0"/>
+                <a:t>B</a:t>
+              </a:r>
+              <a:r>
+                <a:rPr lang="zh-CN" altLang="en-US" dirty="0"/>
+                <a:t>：</a:t>
+              </a:r>
+              <a:r>
+                <a:rPr lang="en-US" altLang="zh-CN" dirty="0"/>
+                <a:t>	visited={A:1</a:t>
+              </a:r>
+              <a:r>
+                <a:rPr lang="zh-CN" altLang="en-US" dirty="0"/>
+                <a:t>，</a:t>
+              </a:r>
+              <a:r>
+                <a:rPr lang="en-US" altLang="zh-CN" dirty="0"/>
+                <a:t>B:2}</a:t>
+              </a:r>
+              <a:r>
+                <a:rPr lang="zh-CN" altLang="en-US" dirty="0"/>
+                <a:t>，</a:t>
+              </a:r>
+              <a:r>
+                <a:rPr lang="en-US" altLang="zh-CN" dirty="0"/>
+                <a:t>unvisited {C:5}</a:t>
+              </a:r>
+              <a:r>
+                <a:rPr lang="zh-CN" altLang="en-US" dirty="0"/>
+                <a:t> ，</a:t>
+              </a:r>
+              <a:r>
+                <a:rPr lang="en-US" altLang="zh-CN" b="1" dirty="0">
+                  <a:solidFill>
+                    <a:srgbClr val="FF0000"/>
+                  </a:solidFill>
+                </a:rPr>
+                <a:t>C</a:t>
+              </a:r>
+              <a:r>
+                <a:rPr lang="zh-CN" altLang="en-US" b="1" dirty="0">
+                  <a:solidFill>
+                    <a:srgbClr val="FF0000"/>
+                  </a:solidFill>
+                </a:rPr>
+                <a:t>更新距离，重复入堆</a:t>
+              </a:r>
+              <a:r>
+                <a:rPr lang="zh-CN" altLang="en-US" dirty="0"/>
+                <a:t>。</a:t>
+              </a:r>
+              <a:endParaRPr lang="en-US" altLang="zh-CN" dirty="0"/>
+            </a:p>
+            <a:p>
+              <a:r>
+                <a:rPr lang="zh-CN" altLang="en-US" dirty="0"/>
+                <a:t>访问</a:t>
+              </a:r>
+              <a:r>
+                <a:rPr lang="en-US" altLang="zh-CN" dirty="0"/>
+                <a:t>C</a:t>
+              </a:r>
+              <a:r>
+                <a:rPr lang="zh-CN" altLang="en-US" dirty="0"/>
+                <a:t>：</a:t>
+              </a:r>
+              <a:r>
+                <a:rPr lang="en-US" altLang="zh-CN" dirty="0"/>
+                <a:t>	visited={A:1</a:t>
+              </a:r>
+              <a:r>
+                <a:rPr lang="zh-CN" altLang="en-US" dirty="0"/>
+                <a:t>，</a:t>
+              </a:r>
+              <a:r>
+                <a:rPr lang="en-US" altLang="zh-CN" dirty="0"/>
+                <a:t>B:2</a:t>
+              </a:r>
+              <a:r>
+                <a:rPr lang="zh-CN" altLang="en-US" dirty="0"/>
+                <a:t> ，</a:t>
+              </a:r>
+              <a:r>
+                <a:rPr lang="en-US" altLang="zh-CN" dirty="0"/>
+                <a:t>B:5}</a:t>
+              </a:r>
+              <a:r>
+                <a:rPr lang="zh-CN" altLang="en-US" dirty="0"/>
+                <a:t>，</a:t>
+              </a:r>
+              <a:r>
+                <a:rPr lang="en-US" altLang="zh-CN" dirty="0"/>
+                <a:t>unvisited {}</a:t>
+              </a:r>
+              <a:r>
+                <a:rPr lang="zh-CN" altLang="en-US" dirty="0"/>
+                <a:t> 。</a:t>
+              </a:r>
+              <a:endParaRPr lang="en-US" altLang="zh-CN" dirty="0"/>
+            </a:p>
+            <a:p>
+              <a:endParaRPr lang="zh-CN" altLang="en-US" dirty="0"/>
+            </a:p>
+          </p:txBody>
+        </p:sp>
+      </p:grpSp>
+      <p:cxnSp>
+        <p:nvCxnSpPr>
+          <p:cNvPr id="44" name="直接箭头连接符 43">
+            <a:extLst>
+              <a:ext uri="{FF2B5EF4-FFF2-40B4-BE49-F238E27FC236}">
+                <a16:creationId xmlns:a16="http://schemas.microsoft.com/office/drawing/2014/main" id="{AF01F422-4932-4D46-866D-1DA48CFCE03C}"/>
+              </a:ext>
+            </a:extLst>
+          </p:cNvPr>
+          <p:cNvCxnSpPr>
+            <a:stCxn id="37" idx="0"/>
+          </p:cNvCxnSpPr>
+          <p:nvPr/>
+        </p:nvCxnSpPr>
+        <p:spPr>
+          <a:xfrm flipV="1">
+            <a:off x="5538947" y="2771775"/>
+            <a:ext cx="4519453" cy="3292759"/>
+          </a:xfrm>
+          <a:prstGeom prst="straightConnector1">
+            <a:avLst/>
+          </a:prstGeom>
+          <a:ln>
+            <a:tailEnd type="triangle"/>
+          </a:ln>
+        </p:spPr>
+        <p:style>
+          <a:lnRef idx="1">
+            <a:schemeClr val="accent1"/>
+          </a:lnRef>
+          <a:fillRef idx="0">
+            <a:schemeClr val="accent1"/>
+          </a:fillRef>
+          <a:effectRef idx="0">
+            <a:schemeClr val="accent1"/>
+          </a:effectRef>
+          <a:fontRef idx="minor">
+            <a:schemeClr val="tx1"/>
+          </a:fontRef>
+        </p:style>
+      </p:cxnSp>
+      <p:cxnSp>
+        <p:nvCxnSpPr>
+          <p:cNvPr id="46" name="直接箭头连接符 45">
+            <a:extLst>
+              <a:ext uri="{FF2B5EF4-FFF2-40B4-BE49-F238E27FC236}">
+                <a16:creationId xmlns:a16="http://schemas.microsoft.com/office/drawing/2014/main" id="{7CA1F531-46E6-4968-BA65-4AD2A7ACA4F8}"/>
+              </a:ext>
+            </a:extLst>
+          </p:cNvPr>
+          <p:cNvCxnSpPr>
+            <a:stCxn id="38" idx="0"/>
+          </p:cNvCxnSpPr>
+          <p:nvPr/>
+        </p:nvCxnSpPr>
+        <p:spPr>
+          <a:xfrm flipV="1">
+            <a:off x="9942911" y="2771775"/>
+            <a:ext cx="115489" cy="3356449"/>
+          </a:xfrm>
+          <a:prstGeom prst="straightConnector1">
+            <a:avLst/>
+          </a:prstGeom>
+          <a:ln>
+            <a:tailEnd type="triangle"/>
+          </a:ln>
+        </p:spPr>
+        <p:style>
+          <a:lnRef idx="1">
+            <a:schemeClr val="accent1"/>
+          </a:lnRef>
+          <a:fillRef idx="0">
+            <a:schemeClr val="accent1"/>
+          </a:fillRef>
+          <a:effectRef idx="0">
+            <a:schemeClr val="accent1"/>
+          </a:effectRef>
+          <a:fontRef idx="minor">
+            <a:schemeClr val="tx1"/>
+          </a:fontRef>
+        </p:style>
+      </p:cxnSp>
+      <p:sp>
+        <p:nvSpPr>
+          <p:cNvPr id="47" name="文本框 46">
+            <a:extLst>
+              <a:ext uri="{FF2B5EF4-FFF2-40B4-BE49-F238E27FC236}">
+                <a16:creationId xmlns:a16="http://schemas.microsoft.com/office/drawing/2014/main" id="{0341D3B1-9B3C-4DEB-8BF7-317F20242420}"/>
+              </a:ext>
+            </a:extLst>
+          </p:cNvPr>
+          <p:cNvSpPr txBox="1"/>
+          <p:nvPr/>
+        </p:nvSpPr>
+        <p:spPr>
+          <a:xfrm>
+            <a:off x="6779191" y="3424237"/>
+            <a:ext cx="5032147" cy="369332"/>
+          </a:xfrm>
+          <a:prstGeom prst="rect">
+            <a:avLst/>
+          </a:prstGeom>
+          <a:noFill/>
+        </p:spPr>
+        <p:txBody>
+          <a:bodyPr wrap="none" rtlCol="0">
+            <a:spAutoFit/>
+          </a:bodyPr>
+          <a:lstStyle/>
+          <a:p>
+            <a:r>
+              <a:rPr lang="zh-CN" altLang="en-US" b="1" dirty="0">
+                <a:solidFill>
+                  <a:srgbClr val="FF0000"/>
+                </a:solidFill>
+              </a:rPr>
+              <a:t>应该是更新堆中元素优先级，而不是直接入堆。</a:t>
+            </a:r>
+          </a:p>
+        </p:txBody>
+      </p:sp>
+      <p:sp>
+        <p:nvSpPr>
+          <p:cNvPr id="50" name="矩形 49">
+            <a:extLst>
+              <a:ext uri="{FF2B5EF4-FFF2-40B4-BE49-F238E27FC236}">
+                <a16:creationId xmlns:a16="http://schemas.microsoft.com/office/drawing/2014/main" id="{AC405757-1B3D-49D2-A610-AF0E332DA978}"/>
+              </a:ext>
+            </a:extLst>
+          </p:cNvPr>
+          <p:cNvSpPr/>
+          <p:nvPr/>
+        </p:nvSpPr>
+        <p:spPr>
+          <a:xfrm>
+            <a:off x="2654244" y="1577594"/>
+            <a:ext cx="847276" cy="2400405"/>
+          </a:xfrm>
+          <a:prstGeom prst="rect">
+            <a:avLst/>
+          </a:prstGeom>
+          <a:noFill/>
+          <a:ln w="19050">
+            <a:solidFill>
+              <a:schemeClr val="accent6"/>
+            </a:solidFill>
+            <a:prstDash val="lgDash"/>
+          </a:ln>
+        </p:spPr>
+        <p:style>
+          <a:lnRef idx="2">
+            <a:schemeClr val="accent1">
+              <a:shade val="50000"/>
+            </a:schemeClr>
+          </a:lnRef>
+          <a:fillRef idx="1">
+            <a:schemeClr val="accent1"/>
+          </a:fillRef>
+          <a:effectRef idx="0">
+            <a:schemeClr val="accent1"/>
+          </a:effectRef>
+          <a:fontRef idx="minor">
+            <a:schemeClr val="lt1"/>
+          </a:fontRef>
+        </p:style>
+        <p:txBody>
+          <a:bodyPr rtlCol="0" anchor="ctr"/>
+          <a:lstStyle/>
+          <a:p>
+            <a:pPr algn="ctr"/>
             <a:endParaRPr lang="zh-CN" altLang="en-US" dirty="0"/>
           </a:p>
         </p:txBody>
       </p:sp>
       <p:sp>
         <p:nvSpPr>
-          <p:cNvPr id="3" name="内容占位符 2"/>
-          <p:cNvSpPr>
-            <a:spLocks noGrp="1"/>
-          </p:cNvSpPr>
-          <p:nvPr>
-            <p:ph idx="1"/>
-          </p:nvPr>
+          <p:cNvPr id="52" name="文本框 51">
+            <a:extLst>
+              <a:ext uri="{FF2B5EF4-FFF2-40B4-BE49-F238E27FC236}">
+                <a16:creationId xmlns:a16="http://schemas.microsoft.com/office/drawing/2014/main" id="{79DE3966-28A0-455F-8282-881205CFD63F}"/>
+              </a:ext>
+            </a:extLst>
+          </p:cNvPr>
+          <p:cNvSpPr txBox="1"/>
+          <p:nvPr/>
         </p:nvSpPr>
-        <p:spPr/>
+        <p:spPr>
+          <a:xfrm>
+            <a:off x="-53705" y="4065150"/>
+            <a:ext cx="3504320" cy="923330"/>
+          </a:xfrm>
+          <a:prstGeom prst="rect">
+            <a:avLst/>
+          </a:prstGeom>
+          <a:noFill/>
+        </p:spPr>
         <p:txBody>
-          <a:bodyPr/>
+          <a:bodyPr wrap="square" rtlCol="0">
+            <a:spAutoFit/>
+          </a:bodyPr>
           <a:lstStyle/>
           <a:p>
             <a:r>
-              <a:rPr lang="en-US" altLang="zh-CN" dirty="0"/>
-              <a:t>1. </a:t>
-            </a:r>
-            <a:r>
               <a:rPr lang="zh-CN" altLang="en-US" dirty="0"/>
-              <a:t>实现</a:t>
-            </a:r>
-            <a:endParaRPr lang="zh-CN" altLang="en-US" dirty="0"/>
+              <a:t>目前网格数据的入度代价不会出现这种情况，但是真实图结构上的最短路径会出现这个问题。</a:t>
+            </a:r>
           </a:p>
         </p:txBody>
       </p:sp>
     </p:spTree>
+    <p:extLst>
+      <p:ext uri="{BB962C8B-B14F-4D97-AF65-F5344CB8AC3E}">
+        <p14:creationId xmlns:p14="http://schemas.microsoft.com/office/powerpoint/2010/main" val="3927115819"/>
+      </p:ext>
+    </p:extLst>
   </p:cSld>
   <p:clrMapOvr>
     <a:masterClrMapping/>
@@ -38194,7 +39676,436 @@
             </a:r>
             <a:r>
               <a:rPr lang="zh-CN" altLang="en-US" dirty="0"/>
-              <a:t>算法</a:t>
+              <a:t>算法：新地图上明显效果测试</a:t>
+            </a:r>
+          </a:p>
+        </p:txBody>
+      </p:sp>
+      <p:pic>
+        <p:nvPicPr>
+          <p:cNvPr id="7" name="图片 6">
+            <a:extLst>
+              <a:ext uri="{FF2B5EF4-FFF2-40B4-BE49-F238E27FC236}">
+                <a16:creationId xmlns:a16="http://schemas.microsoft.com/office/drawing/2014/main" id="{E3181E1D-C1A7-428D-868E-255631431AE9}"/>
+              </a:ext>
+            </a:extLst>
+          </p:cNvPr>
+          <p:cNvPicPr>
+            <a:picLocks noChangeAspect="1"/>
+          </p:cNvPicPr>
+          <p:nvPr/>
+        </p:nvPicPr>
+        <p:blipFill>
+          <a:blip r:embed="rId3"/>
+          <a:stretch>
+            <a:fillRect/>
+          </a:stretch>
+        </p:blipFill>
+        <p:spPr>
+          <a:xfrm>
+            <a:off x="919852" y="1883213"/>
+            <a:ext cx="2373971" cy="2377578"/>
+          </a:xfrm>
+          <a:prstGeom prst="rect">
+            <a:avLst/>
+          </a:prstGeom>
+        </p:spPr>
+      </p:pic>
+      <p:sp>
+        <p:nvSpPr>
+          <p:cNvPr id="9" name="文本框 8">
+            <a:extLst>
+              <a:ext uri="{FF2B5EF4-FFF2-40B4-BE49-F238E27FC236}">
+                <a16:creationId xmlns:a16="http://schemas.microsoft.com/office/drawing/2014/main" id="{054B326B-8505-4693-98F7-87EB7612E220}"/>
+              </a:ext>
+            </a:extLst>
+          </p:cNvPr>
+          <p:cNvSpPr txBox="1"/>
+          <p:nvPr/>
+        </p:nvSpPr>
+        <p:spPr>
+          <a:xfrm>
+            <a:off x="5954658" y="1389482"/>
+            <a:ext cx="1009633" cy="369332"/>
+          </a:xfrm>
+          <a:prstGeom prst="rect">
+            <a:avLst/>
+          </a:prstGeom>
+          <a:noFill/>
+        </p:spPr>
+        <p:txBody>
+          <a:bodyPr wrap="square" rtlCol="0">
+            <a:spAutoFit/>
+          </a:bodyPr>
+          <a:lstStyle/>
+          <a:p>
+            <a:r>
+              <a:rPr lang="en-US" altLang="zh-CN" dirty="0"/>
+              <a:t>Dijkstra</a:t>
+            </a:r>
+            <a:endParaRPr lang="zh-CN" altLang="en-US" dirty="0"/>
+          </a:p>
+        </p:txBody>
+      </p:sp>
+      <p:pic>
+        <p:nvPicPr>
+          <p:cNvPr id="12" name="图片 11">
+            <a:extLst>
+              <a:ext uri="{FF2B5EF4-FFF2-40B4-BE49-F238E27FC236}">
+                <a16:creationId xmlns:a16="http://schemas.microsoft.com/office/drawing/2014/main" id="{3315F969-A5B0-4A1F-B260-48642C7671AE}"/>
+              </a:ext>
+            </a:extLst>
+          </p:cNvPr>
+          <p:cNvPicPr>
+            <a:picLocks noChangeAspect="1"/>
+          </p:cNvPicPr>
+          <p:nvPr/>
+        </p:nvPicPr>
+        <p:blipFill>
+          <a:blip r:embed="rId4"/>
+          <a:stretch>
+            <a:fillRect/>
+          </a:stretch>
+        </p:blipFill>
+        <p:spPr>
+          <a:xfrm>
+            <a:off x="5954657" y="1882204"/>
+            <a:ext cx="934049" cy="2377578"/>
+          </a:xfrm>
+          <a:prstGeom prst="rect">
+            <a:avLst/>
+          </a:prstGeom>
+        </p:spPr>
+      </p:pic>
+      <p:sp>
+        <p:nvSpPr>
+          <p:cNvPr id="10" name="文本框 9">
+            <a:extLst>
+              <a:ext uri="{FF2B5EF4-FFF2-40B4-BE49-F238E27FC236}">
+                <a16:creationId xmlns:a16="http://schemas.microsoft.com/office/drawing/2014/main" id="{62B94F72-6C0E-44E8-8628-39F424E295DD}"/>
+              </a:ext>
+            </a:extLst>
+          </p:cNvPr>
+          <p:cNvSpPr txBox="1"/>
+          <p:nvPr/>
+        </p:nvSpPr>
+        <p:spPr>
+          <a:xfrm>
+            <a:off x="7436487" y="1389482"/>
+            <a:ext cx="469704" cy="369332"/>
+          </a:xfrm>
+          <a:prstGeom prst="rect">
+            <a:avLst/>
+          </a:prstGeom>
+          <a:noFill/>
+        </p:spPr>
+        <p:txBody>
+          <a:bodyPr wrap="square" rtlCol="0">
+            <a:spAutoFit/>
+          </a:bodyPr>
+          <a:lstStyle/>
+          <a:p>
+            <a:r>
+              <a:rPr lang="en-US" altLang="zh-CN" dirty="0"/>
+              <a:t>A*</a:t>
+            </a:r>
+            <a:endParaRPr lang="zh-CN" altLang="en-US" dirty="0"/>
+          </a:p>
+        </p:txBody>
+      </p:sp>
+      <p:pic>
+        <p:nvPicPr>
+          <p:cNvPr id="13" name="图片 12">
+            <a:extLst>
+              <a:ext uri="{FF2B5EF4-FFF2-40B4-BE49-F238E27FC236}">
+                <a16:creationId xmlns:a16="http://schemas.microsoft.com/office/drawing/2014/main" id="{934E678C-430E-49D1-B736-C4B37C6BA380}"/>
+              </a:ext>
+            </a:extLst>
+          </p:cNvPr>
+          <p:cNvPicPr>
+            <a:picLocks noChangeAspect="1"/>
+          </p:cNvPicPr>
+          <p:nvPr/>
+        </p:nvPicPr>
+        <p:blipFill>
+          <a:blip r:embed="rId5"/>
+          <a:stretch>
+            <a:fillRect/>
+          </a:stretch>
+        </p:blipFill>
+        <p:spPr>
+          <a:xfrm>
+            <a:off x="7436487" y="1882203"/>
+            <a:ext cx="995266" cy="2377577"/>
+          </a:xfrm>
+          <a:prstGeom prst="rect">
+            <a:avLst/>
+          </a:prstGeom>
+        </p:spPr>
+      </p:pic>
+      <p:sp>
+        <p:nvSpPr>
+          <p:cNvPr id="16" name="文本框 15">
+            <a:extLst>
+              <a:ext uri="{FF2B5EF4-FFF2-40B4-BE49-F238E27FC236}">
+                <a16:creationId xmlns:a16="http://schemas.microsoft.com/office/drawing/2014/main" id="{E26B59C4-5464-46CF-BD5D-8296CD9DC897}"/>
+              </a:ext>
+            </a:extLst>
+          </p:cNvPr>
+          <p:cNvSpPr txBox="1"/>
+          <p:nvPr/>
+        </p:nvSpPr>
+        <p:spPr>
+          <a:xfrm>
+            <a:off x="8718504" y="3798115"/>
+            <a:ext cx="3459749" cy="923330"/>
+          </a:xfrm>
+          <a:prstGeom prst="rect">
+            <a:avLst/>
+          </a:prstGeom>
+          <a:noFill/>
+        </p:spPr>
+        <p:txBody>
+          <a:bodyPr wrap="square" rtlCol="0">
+            <a:spAutoFit/>
+          </a:bodyPr>
+          <a:lstStyle/>
+          <a:p>
+            <a:r>
+              <a:rPr lang="en-US" altLang="zh-CN" b="1" dirty="0"/>
+              <a:t>A*</a:t>
+            </a:r>
+            <a:r>
+              <a:rPr lang="zh-CN" altLang="en-US" b="1" dirty="0"/>
+              <a:t>算法在确保找到最优解的条件下，会定向搜索，减小搜索范围。</a:t>
+            </a:r>
+            <a:r>
+              <a:rPr lang="en-US" altLang="zh-CN" b="1" dirty="0"/>
+              <a:t>U</a:t>
+            </a:r>
+            <a:r>
+              <a:rPr lang="zh-CN" altLang="en-US" b="1" dirty="0"/>
+              <a:t>即为未搜索的。</a:t>
+            </a:r>
+          </a:p>
+        </p:txBody>
+      </p:sp>
+      <p:pic>
+        <p:nvPicPr>
+          <p:cNvPr id="17" name="图片 16">
+            <a:extLst>
+              <a:ext uri="{FF2B5EF4-FFF2-40B4-BE49-F238E27FC236}">
+                <a16:creationId xmlns:a16="http://schemas.microsoft.com/office/drawing/2014/main" id="{759C8462-2C47-4B1D-A1A0-AE2D4240DFE5}"/>
+              </a:ext>
+            </a:extLst>
+          </p:cNvPr>
+          <p:cNvPicPr>
+            <a:picLocks noChangeAspect="1"/>
+          </p:cNvPicPr>
+          <p:nvPr/>
+        </p:nvPicPr>
+        <p:blipFill>
+          <a:blip r:embed="rId6"/>
+          <a:stretch>
+            <a:fillRect/>
+          </a:stretch>
+        </p:blipFill>
+        <p:spPr>
+          <a:xfrm>
+            <a:off x="919852" y="4405163"/>
+            <a:ext cx="2373970" cy="2377578"/>
+          </a:xfrm>
+          <a:prstGeom prst="rect">
+            <a:avLst/>
+          </a:prstGeom>
+        </p:spPr>
+      </p:pic>
+      <p:pic>
+        <p:nvPicPr>
+          <p:cNvPr id="18" name="图片 17">
+            <a:extLst>
+              <a:ext uri="{FF2B5EF4-FFF2-40B4-BE49-F238E27FC236}">
+                <a16:creationId xmlns:a16="http://schemas.microsoft.com/office/drawing/2014/main" id="{47D5BF0B-5D66-4001-A035-CD53E541E780}"/>
+              </a:ext>
+            </a:extLst>
+          </p:cNvPr>
+          <p:cNvPicPr>
+            <a:picLocks noChangeAspect="1"/>
+          </p:cNvPicPr>
+          <p:nvPr/>
+        </p:nvPicPr>
+        <p:blipFill>
+          <a:blip r:embed="rId7"/>
+          <a:stretch>
+            <a:fillRect/>
+          </a:stretch>
+        </p:blipFill>
+        <p:spPr>
+          <a:xfrm>
+            <a:off x="7436487" y="4504578"/>
+            <a:ext cx="1174113" cy="2306293"/>
+          </a:xfrm>
+          <a:prstGeom prst="rect">
+            <a:avLst/>
+          </a:prstGeom>
+        </p:spPr>
+      </p:pic>
+      <p:pic>
+        <p:nvPicPr>
+          <p:cNvPr id="19" name="图片 18">
+            <a:extLst>
+              <a:ext uri="{FF2B5EF4-FFF2-40B4-BE49-F238E27FC236}">
+                <a16:creationId xmlns:a16="http://schemas.microsoft.com/office/drawing/2014/main" id="{DAC3B7F1-3BD2-4A7A-9759-1D8BA846B7B2}"/>
+              </a:ext>
+            </a:extLst>
+          </p:cNvPr>
+          <p:cNvPicPr>
+            <a:picLocks noChangeAspect="1"/>
+          </p:cNvPicPr>
+          <p:nvPr/>
+        </p:nvPicPr>
+        <p:blipFill>
+          <a:blip r:embed="rId8"/>
+          <a:stretch>
+            <a:fillRect/>
+          </a:stretch>
+        </p:blipFill>
+        <p:spPr>
+          <a:xfrm>
+            <a:off x="5954657" y="4504578"/>
+            <a:ext cx="1195079" cy="2316777"/>
+          </a:xfrm>
+          <a:prstGeom prst="rect">
+            <a:avLst/>
+          </a:prstGeom>
+        </p:spPr>
+      </p:pic>
+      <p:pic>
+        <p:nvPicPr>
+          <p:cNvPr id="21" name="图片 20">
+            <a:extLst>
+              <a:ext uri="{FF2B5EF4-FFF2-40B4-BE49-F238E27FC236}">
+                <a16:creationId xmlns:a16="http://schemas.microsoft.com/office/drawing/2014/main" id="{A18BAC3D-651E-4899-846F-57947646FD51}"/>
+              </a:ext>
+            </a:extLst>
+          </p:cNvPr>
+          <p:cNvPicPr>
+            <a:picLocks noChangeAspect="1"/>
+          </p:cNvPicPr>
+          <p:nvPr/>
+        </p:nvPicPr>
+        <p:blipFill>
+          <a:blip r:embed="rId9"/>
+          <a:stretch>
+            <a:fillRect/>
+          </a:stretch>
+        </p:blipFill>
+        <p:spPr>
+          <a:xfrm>
+            <a:off x="3766019" y="2033695"/>
+            <a:ext cx="1800000" cy="2071698"/>
+          </a:xfrm>
+          <a:prstGeom prst="rect">
+            <a:avLst/>
+          </a:prstGeom>
+        </p:spPr>
+      </p:pic>
+      <p:pic>
+        <p:nvPicPr>
+          <p:cNvPr id="22" name="图片 21">
+            <a:extLst>
+              <a:ext uri="{FF2B5EF4-FFF2-40B4-BE49-F238E27FC236}">
+                <a16:creationId xmlns:a16="http://schemas.microsoft.com/office/drawing/2014/main" id="{90B3D96F-5D75-435A-8CB0-FC2A5BFFE80B}"/>
+              </a:ext>
+            </a:extLst>
+          </p:cNvPr>
+          <p:cNvPicPr>
+            <a:picLocks noChangeAspect="1"/>
+          </p:cNvPicPr>
+          <p:nvPr/>
+        </p:nvPicPr>
+        <p:blipFill>
+          <a:blip r:embed="rId10"/>
+          <a:stretch>
+            <a:fillRect/>
+          </a:stretch>
+        </p:blipFill>
+        <p:spPr>
+          <a:xfrm>
+            <a:off x="3766019" y="4684210"/>
+            <a:ext cx="1800000" cy="2152941"/>
+          </a:xfrm>
+          <a:prstGeom prst="rect">
+            <a:avLst/>
+          </a:prstGeom>
+        </p:spPr>
+      </p:pic>
+      <p:sp>
+        <p:nvSpPr>
+          <p:cNvPr id="23" name="文本框 22">
+            <a:extLst>
+              <a:ext uri="{FF2B5EF4-FFF2-40B4-BE49-F238E27FC236}">
+                <a16:creationId xmlns:a16="http://schemas.microsoft.com/office/drawing/2014/main" id="{CCB7041C-B670-46B5-B0C4-7995DED020A2}"/>
+              </a:ext>
+            </a:extLst>
+          </p:cNvPr>
+          <p:cNvSpPr txBox="1"/>
+          <p:nvPr/>
+        </p:nvSpPr>
+        <p:spPr>
+          <a:xfrm>
+            <a:off x="3766019" y="1389482"/>
+            <a:ext cx="1009633" cy="369332"/>
+          </a:xfrm>
+          <a:prstGeom prst="rect">
+            <a:avLst/>
+          </a:prstGeom>
+          <a:noFill/>
+        </p:spPr>
+        <p:txBody>
+          <a:bodyPr wrap="square" rtlCol="0">
+            <a:spAutoFit/>
+          </a:bodyPr>
+          <a:lstStyle/>
+          <a:p>
+            <a:r>
+              <a:rPr lang="zh-CN" altLang="en-US" dirty="0"/>
+              <a:t>最优解</a:t>
+            </a:r>
+          </a:p>
+        </p:txBody>
+      </p:sp>
+      <p:sp>
+        <p:nvSpPr>
+          <p:cNvPr id="24" name="文本框 23">
+            <a:extLst>
+              <a:ext uri="{FF2B5EF4-FFF2-40B4-BE49-F238E27FC236}">
+                <a16:creationId xmlns:a16="http://schemas.microsoft.com/office/drawing/2014/main" id="{24F9B213-C5E0-4802-A70A-6CE58A23C733}"/>
+              </a:ext>
+            </a:extLst>
+          </p:cNvPr>
+          <p:cNvSpPr txBox="1"/>
+          <p:nvPr/>
+        </p:nvSpPr>
+        <p:spPr>
+          <a:xfrm>
+            <a:off x="0" y="2818117"/>
+            <a:ext cx="1009633" cy="369332"/>
+          </a:xfrm>
+          <a:prstGeom prst="rect">
+            <a:avLst/>
+          </a:prstGeom>
+          <a:noFill/>
+        </p:spPr>
+        <p:txBody>
+          <a:bodyPr wrap="square" rtlCol="0">
+            <a:spAutoFit/>
+          </a:bodyPr>
+          <a:lstStyle/>
+          <a:p>
+            <a:r>
+              <a:rPr lang="en-US" altLang="zh-CN" dirty="0"/>
+              <a:t>Map1</a:t>
             </a:r>
             <a:endParaRPr lang="zh-CN" altLang="en-US" dirty="0"/>
           </a:p>
@@ -38202,12 +40113,190 @@
       </p:sp>
       <p:sp>
         <p:nvSpPr>
-          <p:cNvPr id="3" name="内容占位符 2"/>
+          <p:cNvPr id="25" name="文本框 24">
+            <a:extLst>
+              <a:ext uri="{FF2B5EF4-FFF2-40B4-BE49-F238E27FC236}">
+                <a16:creationId xmlns:a16="http://schemas.microsoft.com/office/drawing/2014/main" id="{169690F8-17CF-46B5-90A8-A866C994ED55}"/>
+              </a:ext>
+            </a:extLst>
+          </p:cNvPr>
+          <p:cNvSpPr txBox="1"/>
+          <p:nvPr/>
+        </p:nvSpPr>
+        <p:spPr>
+          <a:xfrm>
+            <a:off x="26397" y="5195695"/>
+            <a:ext cx="1009633" cy="369332"/>
+          </a:xfrm>
+          <a:prstGeom prst="rect">
+            <a:avLst/>
+          </a:prstGeom>
+          <a:noFill/>
+        </p:spPr>
+        <p:txBody>
+          <a:bodyPr wrap="square" rtlCol="0">
+            <a:spAutoFit/>
+          </a:bodyPr>
+          <a:lstStyle/>
+          <a:p>
+            <a:r>
+              <a:rPr lang="en-US" altLang="zh-CN" dirty="0"/>
+              <a:t>Map2</a:t>
+            </a:r>
+            <a:endParaRPr lang="zh-CN" altLang="en-US" dirty="0"/>
+          </a:p>
+        </p:txBody>
+      </p:sp>
+      <p:sp>
+        <p:nvSpPr>
+          <p:cNvPr id="26" name="文本框 25">
+            <a:extLst>
+              <a:ext uri="{FF2B5EF4-FFF2-40B4-BE49-F238E27FC236}">
+                <a16:creationId xmlns:a16="http://schemas.microsoft.com/office/drawing/2014/main" id="{0D6E92CF-16BA-4EBB-806C-18D90E7B1CB3}"/>
+              </a:ext>
+            </a:extLst>
+          </p:cNvPr>
+          <p:cNvSpPr txBox="1"/>
+          <p:nvPr/>
+        </p:nvSpPr>
+        <p:spPr>
+          <a:xfrm>
+            <a:off x="8926990" y="1540085"/>
+            <a:ext cx="2662908" cy="369332"/>
+          </a:xfrm>
+          <a:prstGeom prst="rect">
+            <a:avLst/>
+          </a:prstGeom>
+          <a:noFill/>
+        </p:spPr>
+        <p:txBody>
+          <a:bodyPr wrap="none" rtlCol="0">
+            <a:spAutoFit/>
+          </a:bodyPr>
+          <a:lstStyle/>
+          <a:p>
+            <a:r>
+              <a:rPr lang="zh-CN" altLang="en-US" dirty="0"/>
+              <a:t>参考：</a:t>
+            </a:r>
+            <a:r>
+              <a:rPr lang="en-US" altLang="zh-CN" b="1" dirty="0"/>
+              <a:t> Red Blob Games</a:t>
+            </a:r>
+            <a:endParaRPr lang="zh-CN" altLang="en-US" dirty="0"/>
+          </a:p>
+        </p:txBody>
+      </p:sp>
+      <p:pic>
+        <p:nvPicPr>
+          <p:cNvPr id="27" name="图片 26">
+            <a:extLst>
+              <a:ext uri="{FF2B5EF4-FFF2-40B4-BE49-F238E27FC236}">
+                <a16:creationId xmlns:a16="http://schemas.microsoft.com/office/drawing/2014/main" id="{B97B6484-82F7-4FDE-9052-C9ADA4FA246A}"/>
+              </a:ext>
+            </a:extLst>
+          </p:cNvPr>
+          <p:cNvPicPr>
+            <a:picLocks noChangeAspect="1"/>
+          </p:cNvPicPr>
+          <p:nvPr/>
+        </p:nvPicPr>
+        <p:blipFill>
+          <a:blip r:embed="rId11"/>
+          <a:stretch>
+            <a:fillRect/>
+          </a:stretch>
+        </p:blipFill>
+        <p:spPr>
+          <a:xfrm>
+            <a:off x="12783587" y="1911015"/>
+            <a:ext cx="2562666" cy="3937000"/>
+          </a:xfrm>
+          <a:prstGeom prst="rect">
+            <a:avLst/>
+          </a:prstGeom>
+        </p:spPr>
+      </p:pic>
+      <p:sp>
+        <p:nvSpPr>
+          <p:cNvPr id="28" name="文本框 27">
+            <a:extLst>
+              <a:ext uri="{FF2B5EF4-FFF2-40B4-BE49-F238E27FC236}">
+                <a16:creationId xmlns:a16="http://schemas.microsoft.com/office/drawing/2014/main" id="{4CE8462A-8882-4AA7-BDD5-66E9BA726821}"/>
+              </a:ext>
+            </a:extLst>
+          </p:cNvPr>
+          <p:cNvSpPr txBox="1"/>
+          <p:nvPr/>
+        </p:nvSpPr>
+        <p:spPr>
+          <a:xfrm>
+            <a:off x="13030200" y="1143000"/>
+            <a:ext cx="5464958" cy="369332"/>
+          </a:xfrm>
+          <a:prstGeom prst="rect">
+            <a:avLst/>
+          </a:prstGeom>
+          <a:noFill/>
+        </p:spPr>
+        <p:txBody>
+          <a:bodyPr wrap="none" rtlCol="0">
+            <a:spAutoFit/>
+          </a:bodyPr>
+          <a:lstStyle/>
+          <a:p>
+            <a:r>
+              <a:rPr lang="en-US" altLang="zh-CN" dirty="0"/>
+              <a:t>C++</a:t>
+            </a:r>
+            <a:r>
+              <a:rPr lang="zh-CN" altLang="en-US" dirty="0"/>
+              <a:t>由于堆中元素遍历顺序不同，</a:t>
+            </a:r>
+            <a:r>
+              <a:rPr lang="en-US" altLang="zh-CN" dirty="0"/>
+              <a:t>N=7</a:t>
+            </a:r>
+            <a:r>
+              <a:rPr lang="zh-CN" altLang="en-US" dirty="0"/>
+              <a:t>时才有效果。</a:t>
+            </a:r>
+          </a:p>
+        </p:txBody>
+      </p:sp>
+    </p:spTree>
+  </p:cSld>
+  <p:clrMapOvr>
+    <a:masterClrMapping/>
+  </p:clrMapOvr>
+</p:sld>
+</file>
+
+<file path=ppt/slides/slide36.xml><?xml version="1.0" encoding="utf-8"?>
+<p:sld xmlns:a="http://schemas.openxmlformats.org/drawingml/2006/main" xmlns:r="http://schemas.openxmlformats.org/officeDocument/2006/relationships" xmlns:p="http://schemas.openxmlformats.org/presentationml/2006/main">
+  <p:cSld>
+    <p:spTree>
+      <p:nvGrpSpPr>
+        <p:cNvPr id="1" name=""/>
+        <p:cNvGrpSpPr/>
+        <p:nvPr/>
+      </p:nvGrpSpPr>
+      <p:grpSpPr>
+        <a:xfrm>
+          <a:off x="0" y="0"/>
+          <a:ext cx="0" cy="0"/>
+          <a:chOff x="0" y="0"/>
+          <a:chExt cx="0" cy="0"/>
+        </a:xfrm>
+      </p:grpSpPr>
+      <p:sp>
+        <p:nvSpPr>
+          <p:cNvPr id="2" name="标题 1"/>
           <p:cNvSpPr>
             <a:spLocks noGrp="1"/>
           </p:cNvSpPr>
           <p:nvPr>
-            <p:ph idx="1"/>
+            <p:ph type="ctrTitle"/>
           </p:nvPr>
         </p:nvSpPr>
         <p:spPr/>
@@ -38216,197 +40305,41 @@
           <a:lstStyle/>
           <a:p>
             <a:r>
-              <a:rPr lang="en-US" altLang="zh-CN" dirty="0"/>
-              <a:t>1. </a:t>
-            </a:r>
-            <a:r>
               <a:rPr lang="zh-CN" altLang="en-US" dirty="0"/>
-              <a:t>实现</a:t>
+              <a:t>考虑转弯代价</a:t>
+            </a:r>
+          </a:p>
+        </p:txBody>
+      </p:sp>
+      <p:sp>
+        <p:nvSpPr>
+          <p:cNvPr id="3" name="副标题 2"/>
+          <p:cNvSpPr>
+            <a:spLocks noGrp="1"/>
+          </p:cNvSpPr>
+          <p:nvPr>
+            <p:ph type="subTitle" idx="1"/>
+          </p:nvPr>
+        </p:nvSpPr>
+        <p:spPr/>
+        <p:txBody>
+          <a:bodyPr/>
+          <a:lstStyle/>
+          <a:p>
+            <a:r>
+              <a:rPr lang="en-US" altLang="zh-CN"/>
+              <a:t>24_01_02</a:t>
             </a:r>
             <a:endParaRPr lang="zh-CN" altLang="en-US" dirty="0"/>
           </a:p>
         </p:txBody>
       </p:sp>
-      <p:graphicFrame>
-        <p:nvGraphicFramePr>
-          <p:cNvPr id="5" name="表格 4"/>
-          <p:cNvGraphicFramePr/>
-          <p:nvPr>
-            <p:custDataLst>
-              <p:tags r:id="rId1"/>
-            </p:custDataLst>
-          </p:nvPr>
-        </p:nvGraphicFramePr>
-        <p:xfrm>
-          <a:off x="1828800" y="2857500"/>
-          <a:ext cx="2207260" cy="1937385"/>
-        </p:xfrm>
-        <a:graphic>
-          <a:graphicData uri="http://schemas.openxmlformats.org/drawingml/2006/table">
-            <a:tbl>
-              <a:tblPr firstRow="1" bandRow="1">
-                <a:tableStyleId>{D7AC3CCA-C797-4891-BE02-D94E43425B78}</a:tableStyleId>
-              </a:tblPr>
-              <a:tblGrid>
-                <a:gridCol w="735965"/>
-                <a:gridCol w="741680"/>
-                <a:gridCol w="729615"/>
-              </a:tblGrid>
-              <a:tr h="645795">
-                <a:tc>
-                  <a:txBody>
-                    <a:bodyPr/>
-                    <a:p>
-                      <a:pPr>
-                        <a:buNone/>
-                      </a:pPr>
-                      <a:r>
-                        <a:rPr lang="en-US" altLang="zh-CN"/>
-                        <a:t>1</a:t>
-                      </a:r>
-                      <a:endParaRPr lang="en-US" altLang="zh-CN"/>
-                    </a:p>
-                  </a:txBody>
-                  <a:tcPr/>
-                </a:tc>
-                <a:tc>
-                  <a:txBody>
-                    <a:bodyPr/>
-                    <a:p>
-                      <a:pPr>
-                        <a:buNone/>
-                      </a:pPr>
-                      <a:r>
-                        <a:rPr lang="en-US" altLang="zh-CN"/>
-                        <a:t>1</a:t>
-                      </a:r>
-                      <a:endParaRPr lang="en-US" altLang="zh-CN"/>
-                    </a:p>
-                  </a:txBody>
-                  <a:tcPr/>
-                </a:tc>
-                <a:tc>
-                  <a:txBody>
-                    <a:bodyPr/>
-                    <a:p>
-                      <a:pPr>
-                        <a:buNone/>
-                      </a:pPr>
-                      <a:r>
-                        <a:rPr lang="en-US" altLang="zh-CN"/>
-                        <a:t>7</a:t>
-                      </a:r>
-                      <a:endParaRPr lang="en-US" altLang="zh-CN"/>
-                    </a:p>
-                  </a:txBody>
-                  <a:tcPr/>
-                </a:tc>
-              </a:tr>
-              <a:tr h="645795">
-                <a:tc>
-                  <a:txBody>
-                    <a:bodyPr/>
-                    <a:p>
-                      <a:pPr>
-                        <a:buNone/>
-                      </a:pPr>
-                      <a:r>
-                        <a:rPr lang="en-US" altLang="zh-CN"/>
-                        <a:t>1</a:t>
-                      </a:r>
-                      <a:endParaRPr lang="en-US" altLang="zh-CN"/>
-                    </a:p>
-                  </a:txBody>
-                  <a:tcPr/>
-                </a:tc>
-                <a:tc>
-                  <a:txBody>
-                    <a:bodyPr/>
-                    <a:p>
-                      <a:pPr>
-                        <a:buNone/>
-                      </a:pPr>
-                      <a:r>
-                        <a:rPr lang="en-US" altLang="zh-CN"/>
-                        <a:t>20</a:t>
-                      </a:r>
-                      <a:endParaRPr lang="en-US" altLang="zh-CN"/>
-                    </a:p>
-                  </a:txBody>
-                  <a:tcPr/>
-                </a:tc>
-                <a:tc>
-                  <a:txBody>
-                    <a:bodyPr/>
-                    <a:p>
-                      <a:pPr>
-                        <a:buNone/>
-                      </a:pPr>
-                      <a:r>
-                        <a:rPr lang="en-US" altLang="zh-CN"/>
-                        <a:t>1</a:t>
-                      </a:r>
-                      <a:endParaRPr lang="en-US" altLang="zh-CN"/>
-                    </a:p>
-                  </a:txBody>
-                  <a:tcPr/>
-                </a:tc>
-              </a:tr>
-              <a:tr h="645795">
-                <a:tc>
-                  <a:txBody>
-                    <a:bodyPr/>
-                    <a:p>
-                      <a:pPr>
-                        <a:buNone/>
-                      </a:pPr>
-                      <a:r>
-                        <a:rPr lang="en-US" altLang="zh-CN"/>
-                        <a:t>3</a:t>
-                      </a:r>
-                      <a:endParaRPr lang="en-US" altLang="zh-CN"/>
-                    </a:p>
-                  </a:txBody>
-                  <a:tcPr/>
-                </a:tc>
-                <a:tc>
-                  <a:txBody>
-                    <a:bodyPr/>
-                    <a:p>
-                      <a:pPr>
-                        <a:buNone/>
-                      </a:pPr>
-                      <a:r>
-                        <a:rPr lang="en-US" altLang="zh-CN"/>
-                        <a:t>3</a:t>
-                      </a:r>
-                      <a:endParaRPr lang="en-US" altLang="zh-CN"/>
-                    </a:p>
-                  </a:txBody>
-                  <a:tcPr/>
-                </a:tc>
-                <a:tc>
-                  <a:txBody>
-                    <a:bodyPr/>
-                    <a:p>
-                      <a:pPr>
-                        <a:buNone/>
-                      </a:pPr>
-                      <a:r>
-                        <a:rPr lang="en-US" altLang="zh-CN"/>
-                        <a:t>2</a:t>
-                      </a:r>
-                      <a:endParaRPr lang="en-US" altLang="zh-CN"/>
-                    </a:p>
-                  </a:txBody>
-                  <a:tcPr/>
-                </a:tc>
-              </a:tr>
-            </a:tbl>
-          </a:graphicData>
-        </a:graphic>
-      </p:graphicFrame>
     </p:spTree>
+    <p:extLst>
+      <p:ext uri="{BB962C8B-B14F-4D97-AF65-F5344CB8AC3E}">
+        <p14:creationId xmlns:p14="http://schemas.microsoft.com/office/powerpoint/2010/main" val="2787844660"/>
+      </p:ext>
+    </p:extLst>
   </p:cSld>
   <p:clrMapOvr>
     <a:masterClrMapping/>
@@ -38450,7 +40383,6 @@
               <a:rPr lang="zh-CN" altLang="en-US" dirty="0"/>
               <a:t>初步设想</a:t>
             </a:r>
-            <a:endParaRPr lang="zh-CN" altLang="en-US" dirty="0"/>
           </a:p>
         </p:txBody>
       </p:sp>
@@ -38473,7 +40405,6 @@
               <a:rPr lang="zh-CN" altLang="en-US" dirty="0"/>
               <a:t>先通过示例</a:t>
             </a:r>
-            <a:endParaRPr lang="zh-CN" altLang="en-US" dirty="0"/>
           </a:p>
         </p:txBody>
       </p:sp>
@@ -38521,7 +40452,6 @@
               <a:rPr lang="zh-CN" altLang="en-US" dirty="0"/>
               <a:t>思路</a:t>
             </a:r>
-            <a:endParaRPr lang="zh-CN" altLang="en-US" dirty="0"/>
           </a:p>
         </p:txBody>
       </p:sp>
@@ -38544,7 +40474,6 @@
               <a:rPr lang="zh-CN" altLang="en-US" dirty="0"/>
               <a:t>先通过示例：最优化问题，输出可行解即可！</a:t>
             </a:r>
-            <a:endParaRPr lang="zh-CN" altLang="en-US" dirty="0"/>
           </a:p>
           <a:p>
             <a:endParaRPr lang="zh-CN" altLang="en-US" dirty="0"/>
@@ -38591,7 +40520,6 @@
               <a:rPr lang="zh-CN" altLang="en-US" dirty="0"/>
               <a:t>思路</a:t>
             </a:r>
-            <a:endParaRPr lang="zh-CN" altLang="en-US" dirty="0"/>
           </a:p>
         </p:txBody>
       </p:sp>
@@ -38651,7 +40579,6 @@
               <a:rPr lang="zh-CN" altLang="en-US" dirty="0"/>
               <a:t>距离尽可能短</a:t>
             </a:r>
-            <a:endParaRPr lang="zh-CN" altLang="en-US" dirty="0"/>
           </a:p>
         </p:txBody>
       </p:sp>
@@ -38711,7 +40638,6 @@
               <a:rPr lang="zh-CN" altLang="en-US" dirty="0"/>
               <a:t>中继尽可能少</a:t>
             </a:r>
-            <a:endParaRPr lang="zh-CN" altLang="en-US" dirty="0"/>
           </a:p>
         </p:txBody>
       </p:sp>
@@ -38948,7 +40874,6 @@
               <a:rPr lang="zh-CN" altLang="en-US" dirty="0"/>
               <a:t>合并</a:t>
             </a:r>
-            <a:endParaRPr lang="zh-CN" altLang="en-US" dirty="0"/>
           </a:p>
         </p:txBody>
       </p:sp>
@@ -39029,7 +40954,6 @@
               <a:rPr lang="en-US" altLang="zh-CN" dirty="0"/>
               <a:t>Dijkstra</a:t>
             </a:r>
-            <a:endParaRPr lang="en-US" altLang="zh-CN" dirty="0"/>
           </a:p>
           <a:p>
             <a:pPr marL="342900" indent="-342900">
@@ -39039,7 +40963,6 @@
               <a:rPr lang="zh-CN" altLang="en-US" dirty="0"/>
               <a:t>最短路径求解交叉点</a:t>
             </a:r>
-            <a:endParaRPr lang="zh-CN" altLang="en-US" dirty="0"/>
           </a:p>
         </p:txBody>
       </p:sp>
@@ -39145,7 +41068,6 @@
               <a:rPr lang="zh-CN" altLang="en-US" dirty="0"/>
               <a:t>合并</a:t>
             </a:r>
-            <a:endParaRPr lang="zh-CN" altLang="en-US" dirty="0"/>
           </a:p>
         </p:txBody>
       </p:sp>
@@ -39211,7 +41133,6 @@
               <a:rPr lang="zh-CN" altLang="en-US"/>
               <a:t>是</a:t>
             </a:r>
-            <a:endParaRPr lang="zh-CN" altLang="en-US"/>
           </a:p>
         </p:txBody>
       </p:sp>
@@ -39245,7 +41166,6 @@
               <a:rPr lang="zh-CN" altLang="en-US"/>
               <a:t>否</a:t>
             </a:r>
-            <a:endParaRPr lang="zh-CN" altLang="en-US"/>
           </a:p>
         </p:txBody>
       </p:sp>
@@ -39326,16 +41246,6 @@
               </a:rPr>
               <a:t>15	10	10	10</a:t>
             </a:r>
-            <a:endParaRPr lang="en-US" altLang="zh-CN" sz="1500" kern="0" dirty="0">
-              <a:solidFill>
-                <a:schemeClr val="bg1">
-                  <a:lumMod val="65000"/>
-                </a:schemeClr>
-              </a:solidFill>
-              <a:effectLst/>
-              <a:latin typeface="+mn-ea"/>
-              <a:cs typeface="宋体" panose="02010600030101010101" pitchFamily="2" charset="-122"/>
-            </a:endParaRPr>
           </a:p>
           <a:p>
             <a:pPr marL="342900" indent="-342900" algn="l">
@@ -39396,16 +41306,6 @@
               </a:rPr>
               <a:t>10	10	10	20	10</a:t>
             </a:r>
-            <a:endParaRPr lang="en-US" altLang="zh-CN" sz="1500" kern="0" dirty="0">
-              <a:solidFill>
-                <a:schemeClr val="bg1">
-                  <a:lumMod val="65000"/>
-                </a:schemeClr>
-              </a:solidFill>
-              <a:effectLst/>
-              <a:latin typeface="+mn-ea"/>
-              <a:cs typeface="宋体" panose="02010600030101010101" pitchFamily="2" charset="-122"/>
-            </a:endParaRPr>
           </a:p>
           <a:p>
             <a:pPr marL="342900" indent="-342900" algn="l">
@@ -39467,16 +41367,6 @@
               </a:rPr>
               <a:t>10	15	10	90	10</a:t>
             </a:r>
-            <a:endParaRPr lang="en-US" altLang="zh-CN" sz="1500" kern="0" dirty="0">
-              <a:solidFill>
-                <a:schemeClr val="bg1">
-                  <a:lumMod val="65000"/>
-                </a:schemeClr>
-              </a:solidFill>
-              <a:effectLst/>
-              <a:latin typeface="+mn-ea"/>
-              <a:cs typeface="宋体" panose="02010600030101010101" pitchFamily="2" charset="-122"/>
-            </a:endParaRPr>
           </a:p>
           <a:p>
             <a:pPr marL="342900" indent="-342900" algn="l">
@@ -39549,16 +41439,6 @@
               </a:rPr>
               <a:t>20	10	10	10</a:t>
             </a:r>
-            <a:endParaRPr lang="en-US" altLang="zh-CN" sz="1500" kern="0" dirty="0">
-              <a:solidFill>
-                <a:schemeClr val="bg1">
-                  <a:lumMod val="65000"/>
-                </a:schemeClr>
-              </a:solidFill>
-              <a:effectLst/>
-              <a:latin typeface="+mn-ea"/>
-              <a:cs typeface="宋体" panose="02010600030101010101" pitchFamily="2" charset="-122"/>
-            </a:endParaRPr>
           </a:p>
           <a:p>
             <a:pPr marL="342900" indent="-342900" algn="l">
@@ -39659,7 +41539,6 @@
               <a:rPr lang="zh-CN" altLang="en-US"/>
               <a:t>：距离尽可能地短</a:t>
             </a:r>
-            <a:endParaRPr lang="zh-CN" altLang="en-US"/>
           </a:p>
         </p:txBody>
       </p:sp>
@@ -39718,9 +41597,6 @@
               </a:rPr>
               <a:t>单源点最短路径</a:t>
             </a:r>
-            <a:endParaRPr lang="zh-CN" altLang="en-US" dirty="0">
-              <a:sym typeface="+mn-ea"/>
-            </a:endParaRPr>
           </a:p>
         </p:txBody>
       </p:sp>
@@ -39744,7 +41620,7 @@
             <p:cNvSpPr/>
             <p:nvPr>
               <p:custDataLst>
-                <p:tags r:id="rId2"/>
+                <p:tags r:id="rId7"/>
               </p:custDataLst>
             </p:nvPr>
           </p:nvSpPr>
@@ -39806,7 +41682,7 @@
             <p:cNvSpPr/>
             <p:nvPr>
               <p:custDataLst>
-                <p:tags r:id="rId3"/>
+                <p:tags r:id="rId8"/>
               </p:custDataLst>
             </p:nvPr>
           </p:nvSpPr>
@@ -39868,7 +41744,7 @@
             <p:cNvSpPr/>
             <p:nvPr>
               <p:custDataLst>
-                <p:tags r:id="rId4"/>
+                <p:tags r:id="rId9"/>
               </p:custDataLst>
             </p:nvPr>
           </p:nvSpPr>
@@ -39922,7 +41798,7 @@
             <p:cNvSpPr/>
             <p:nvPr>
               <p:custDataLst>
-                <p:tags r:id="rId5"/>
+                <p:tags r:id="rId10"/>
               </p:custDataLst>
             </p:nvPr>
           </p:nvSpPr>
@@ -39976,7 +41852,7 @@
             <p:cNvSpPr/>
             <p:nvPr>
               <p:custDataLst>
-                <p:tags r:id="rId6"/>
+                <p:tags r:id="rId11"/>
               </p:custDataLst>
             </p:nvPr>
           </p:nvSpPr>
@@ -40030,7 +41906,7 @@
             <p:cNvSpPr/>
             <p:nvPr>
               <p:custDataLst>
-                <p:tags r:id="rId7"/>
+                <p:tags r:id="rId12"/>
               </p:custDataLst>
             </p:nvPr>
           </p:nvSpPr>
@@ -40084,7 +41960,7 @@
             <p:cNvSpPr/>
             <p:nvPr>
               <p:custDataLst>
-                <p:tags r:id="rId8"/>
+                <p:tags r:id="rId13"/>
               </p:custDataLst>
             </p:nvPr>
           </p:nvSpPr>
@@ -40138,7 +42014,7 @@
             <p:cNvSpPr/>
             <p:nvPr>
               <p:custDataLst>
-                <p:tags r:id="rId9"/>
+                <p:tags r:id="rId14"/>
               </p:custDataLst>
             </p:nvPr>
           </p:nvSpPr>
@@ -40200,7 +42076,7 @@
             <p:cNvSpPr/>
             <p:nvPr>
               <p:custDataLst>
-                <p:tags r:id="rId10"/>
+                <p:tags r:id="rId15"/>
               </p:custDataLst>
             </p:nvPr>
           </p:nvSpPr>
@@ -40254,7 +42130,7 @@
             <p:cNvSpPr/>
             <p:nvPr>
               <p:custDataLst>
-                <p:tags r:id="rId11"/>
+                <p:tags r:id="rId16"/>
               </p:custDataLst>
             </p:nvPr>
           </p:nvSpPr>
@@ -40308,7 +42184,7 @@
             <p:cNvSpPr/>
             <p:nvPr>
               <p:custDataLst>
-                <p:tags r:id="rId12"/>
+                <p:tags r:id="rId17"/>
               </p:custDataLst>
             </p:nvPr>
           </p:nvSpPr>
@@ -40362,7 +42238,7 @@
             <p:cNvSpPr/>
             <p:nvPr>
               <p:custDataLst>
-                <p:tags r:id="rId13"/>
+                <p:tags r:id="rId18"/>
               </p:custDataLst>
             </p:nvPr>
           </p:nvSpPr>
@@ -40424,7 +42300,7 @@
             <p:cNvSpPr/>
             <p:nvPr>
               <p:custDataLst>
-                <p:tags r:id="rId14"/>
+                <p:tags r:id="rId19"/>
               </p:custDataLst>
             </p:nvPr>
           </p:nvSpPr>
@@ -40486,7 +42362,7 @@
             <p:cNvSpPr/>
             <p:nvPr>
               <p:custDataLst>
-                <p:tags r:id="rId15"/>
+                <p:tags r:id="rId20"/>
               </p:custDataLst>
             </p:nvPr>
           </p:nvSpPr>
@@ -40540,7 +42416,7 @@
             <p:cNvSpPr/>
             <p:nvPr>
               <p:custDataLst>
-                <p:tags r:id="rId16"/>
+                <p:tags r:id="rId21"/>
               </p:custDataLst>
             </p:nvPr>
           </p:nvSpPr>
@@ -40594,7 +42470,7 @@
             <p:cNvSpPr/>
             <p:nvPr>
               <p:custDataLst>
-                <p:tags r:id="rId17"/>
+                <p:tags r:id="rId22"/>
               </p:custDataLst>
             </p:nvPr>
           </p:nvSpPr>
@@ -40648,7 +42524,7 @@
             <p:cNvSpPr/>
             <p:nvPr>
               <p:custDataLst>
-                <p:tags r:id="rId18"/>
+                <p:tags r:id="rId23"/>
               </p:custDataLst>
             </p:nvPr>
           </p:nvSpPr>
@@ -40710,7 +42586,7 @@
             <p:cNvSpPr/>
             <p:nvPr>
               <p:custDataLst>
-                <p:tags r:id="rId19"/>
+                <p:tags r:id="rId24"/>
               </p:custDataLst>
             </p:nvPr>
           </p:nvSpPr>
@@ -40764,7 +42640,7 @@
             <p:cNvSpPr/>
             <p:nvPr>
               <p:custDataLst>
-                <p:tags r:id="rId20"/>
+                <p:tags r:id="rId25"/>
               </p:custDataLst>
             </p:nvPr>
           </p:nvSpPr>
@@ -40818,7 +42694,7 @@
             <p:cNvSpPr/>
             <p:nvPr>
               <p:custDataLst>
-                <p:tags r:id="rId21"/>
+                <p:tags r:id="rId26"/>
               </p:custDataLst>
             </p:nvPr>
           </p:nvSpPr>
@@ -40872,7 +42748,7 @@
             <p:cNvSpPr/>
             <p:nvPr>
               <p:custDataLst>
-                <p:tags r:id="rId22"/>
+                <p:tags r:id="rId27"/>
               </p:custDataLst>
             </p:nvPr>
           </p:nvSpPr>
@@ -40926,7 +42802,7 @@
             <p:cNvSpPr/>
             <p:nvPr>
               <p:custDataLst>
-                <p:tags r:id="rId23"/>
+                <p:tags r:id="rId28"/>
               </p:custDataLst>
             </p:nvPr>
           </p:nvSpPr>
@@ -40980,7 +42856,7 @@
             <p:cNvSpPr/>
             <p:nvPr>
               <p:custDataLst>
-                <p:tags r:id="rId24"/>
+                <p:tags r:id="rId29"/>
               </p:custDataLst>
             </p:nvPr>
           </p:nvSpPr>
@@ -41034,7 +42910,7 @@
             <p:cNvSpPr/>
             <p:nvPr>
               <p:custDataLst>
-                <p:tags r:id="rId25"/>
+                <p:tags r:id="rId30"/>
               </p:custDataLst>
             </p:nvPr>
           </p:nvSpPr>
@@ -41088,7 +42964,7 @@
             <p:cNvSpPr/>
             <p:nvPr>
               <p:custDataLst>
-                <p:tags r:id="rId26"/>
+                <p:tags r:id="rId31"/>
               </p:custDataLst>
             </p:nvPr>
           </p:nvSpPr>
@@ -41142,7 +43018,7 @@
             <p:cNvCxnSpPr/>
             <p:nvPr>
               <p:custDataLst>
-                <p:tags r:id="rId27"/>
+                <p:tags r:id="rId32"/>
               </p:custDataLst>
             </p:nvPr>
           </p:nvCxnSpPr>
@@ -41179,7 +43055,7 @@
             <p:cNvCxnSpPr/>
             <p:nvPr>
               <p:custDataLst>
-                <p:tags r:id="rId28"/>
+                <p:tags r:id="rId33"/>
               </p:custDataLst>
             </p:nvPr>
           </p:nvCxnSpPr>
@@ -41216,7 +43092,7 @@
             <p:cNvCxnSpPr/>
             <p:nvPr>
               <p:custDataLst>
-                <p:tags r:id="rId29"/>
+                <p:tags r:id="rId34"/>
               </p:custDataLst>
             </p:nvPr>
           </p:nvCxnSpPr>
@@ -41253,7 +43129,7 @@
             <p:cNvCxnSpPr/>
             <p:nvPr>
               <p:custDataLst>
-                <p:tags r:id="rId30"/>
+                <p:tags r:id="rId35"/>
               </p:custDataLst>
             </p:nvPr>
           </p:nvCxnSpPr>
@@ -41290,7 +43166,7 @@
             <p:cNvCxnSpPr/>
             <p:nvPr>
               <p:custDataLst>
-                <p:tags r:id="rId31"/>
+                <p:tags r:id="rId36"/>
               </p:custDataLst>
             </p:nvPr>
           </p:nvCxnSpPr>
@@ -41328,7 +43204,7 @@
           <p:cNvSpPr txBox="1"/>
           <p:nvPr>
             <p:custDataLst>
-              <p:tags r:id="rId32"/>
+              <p:tags r:id="rId2"/>
             </p:custDataLst>
           </p:nvPr>
         </p:nvSpPr>
@@ -41370,7 +43246,7 @@
           <p:cNvSpPr txBox="1"/>
           <p:nvPr>
             <p:custDataLst>
-              <p:tags r:id="rId33"/>
+              <p:tags r:id="rId3"/>
             </p:custDataLst>
           </p:nvPr>
         </p:nvSpPr>
@@ -41412,7 +43288,7 @@
           <p:cNvSpPr txBox="1"/>
           <p:nvPr>
             <p:custDataLst>
-              <p:tags r:id="rId34"/>
+              <p:tags r:id="rId4"/>
             </p:custDataLst>
           </p:nvPr>
         </p:nvSpPr>
@@ -41454,7 +43330,7 @@
           <p:cNvSpPr txBox="1"/>
           <p:nvPr>
             <p:custDataLst>
-              <p:tags r:id="rId35"/>
+              <p:tags r:id="rId5"/>
             </p:custDataLst>
           </p:nvPr>
         </p:nvSpPr>
@@ -41496,7 +43372,7 @@
           <p:cNvSpPr txBox="1"/>
           <p:nvPr>
             <p:custDataLst>
-              <p:tags r:id="rId36"/>
+              <p:tags r:id="rId6"/>
             </p:custDataLst>
           </p:nvPr>
         </p:nvSpPr>
@@ -41576,7 +43452,6 @@
               <a:rPr lang="zh-CN" altLang="en-US" dirty="0"/>
               <a:t>先动起来</a:t>
             </a:r>
-            <a:endParaRPr lang="zh-CN" altLang="en-US" dirty="0"/>
           </a:p>
         </p:txBody>
       </p:sp>
@@ -41603,7 +43478,6 @@
               <a:rPr lang="zh-CN" altLang="en-US" dirty="0"/>
               <a:t>输入输出框架，不考虑距离</a:t>
             </a:r>
-            <a:endParaRPr lang="zh-CN" altLang="en-US" dirty="0"/>
           </a:p>
         </p:txBody>
       </p:sp>
@@ -41651,7 +43525,6 @@
               <a:rPr lang="zh-CN" altLang="en-US" dirty="0"/>
               <a:t>初始想法，输入输出框架</a:t>
             </a:r>
-            <a:endParaRPr lang="zh-CN" altLang="en-US" dirty="0"/>
           </a:p>
         </p:txBody>
       </p:sp>
@@ -43862,28 +45735,24 @@
               <a:rPr lang="en-US" altLang="zh-CN" dirty="0"/>
               <a:t>2</a:t>
             </a:r>
-            <a:endParaRPr lang="en-US" altLang="zh-CN" dirty="0"/>
           </a:p>
           <a:p>
             <a:r>
               <a:rPr lang="en-US" altLang="zh-CN" dirty="0"/>
               <a:t>2 3 3 0 1 0 0 2 0 1 3 0</a:t>
             </a:r>
-            <a:endParaRPr lang="en-US" altLang="zh-CN" dirty="0"/>
           </a:p>
           <a:p>
             <a:r>
               <a:rPr lang="en-US" altLang="zh-CN" dirty="0"/>
               <a:t>0 3 1 1 1 0</a:t>
             </a:r>
-            <a:endParaRPr lang="en-US" altLang="zh-CN" dirty="0"/>
           </a:p>
           <a:p>
             <a:r>
               <a:rPr lang="en-US" altLang="zh-CN" dirty="0"/>
               <a:t>3 3 1 1 2 0 </a:t>
             </a:r>
-            <a:endParaRPr lang="en-US" altLang="zh-CN" dirty="0"/>
           </a:p>
           <a:p>
             <a:endParaRPr lang="zh-CN" altLang="en-US" dirty="0"/>
@@ -43940,7 +45809,6 @@
               <a:rPr lang="zh-CN" altLang="en-US" dirty="0"/>
               <a:t>提供数据，肯定输出有错。</a:t>
             </a:r>
-            <a:endParaRPr lang="zh-CN" altLang="en-US" dirty="0"/>
           </a:p>
         </p:txBody>
       </p:sp>
@@ -43953,7 +45821,7 @@
           <p:nvPr/>
         </p:nvPicPr>
         <p:blipFill>
-          <a:blip r:embed="rId1"/>
+          <a:blip r:embed="rId3"/>
           <a:stretch>
             <a:fillRect/>
           </a:stretch>
@@ -44012,7 +45880,6 @@
               <a:rPr lang="zh-CN" altLang="en-US" dirty="0"/>
               <a:t>没能上榜，起码输出格式整好了，后续就要关注核心部分了</a:t>
             </a:r>
-            <a:endParaRPr lang="zh-CN" altLang="en-US" dirty="0"/>
           </a:p>
         </p:txBody>
       </p:sp>
@@ -44118,7 +45985,6 @@
               <a:rPr lang="zh-CN" altLang="en-US" dirty="0"/>
               <a:t>现有问题</a:t>
             </a:r>
-            <a:endParaRPr lang="zh-CN" altLang="en-US" dirty="0"/>
           </a:p>
         </p:txBody>
       </p:sp>
@@ -44216,7 +46082,6 @@
               <a:rPr lang="zh-CN" altLang="en-US" dirty="0"/>
               <a:t>，看看输出结果对不对，结果能否变好</a:t>
             </a:r>
-            <a:endParaRPr lang="zh-CN" altLang="en-US" dirty="0"/>
           </a:p>
         </p:txBody>
       </p:sp>
@@ -44229,7 +46094,7 @@
           <p:nvPr/>
         </p:nvPicPr>
         <p:blipFill>
-          <a:blip r:embed="rId1"/>
+          <a:blip r:embed="rId2"/>
           <a:stretch>
             <a:fillRect/>
           </a:stretch>
@@ -44253,7 +46118,7 @@
           <p:nvPr/>
         </p:nvPicPr>
         <p:blipFill>
-          <a:blip r:embed="rId2"/>
+          <a:blip r:embed="rId3"/>
           <a:stretch>
             <a:fillRect/>
           </a:stretch>
@@ -44335,380 +46200,373 @@
 </file>
 
 <file path=ppt/tags/tag1.xml><?xml version="1.0" encoding="utf-8"?>
-<p:tagLst xmlns:p="http://schemas.openxmlformats.org/presentationml/2006/main">
-  <p:tag name="KSO_WM_BEAUTIFY_FLAG" val=""/>
+<p:tagLst xmlns:a="http://schemas.openxmlformats.org/drawingml/2006/main" xmlns:r="http://schemas.openxmlformats.org/officeDocument/2006/relationships" xmlns:p="http://schemas.openxmlformats.org/presentationml/2006/main">
+  <p:tag name="COMMONDATA" val="eyJoZGlkIjoiMzEwNTM5NzYwMDRjMzkwZTVkZjY2ODkwMGIxNGU0OTUifQ=="/>
 </p:tagLst>
 </file>
 
 <file path=ppt/tags/tag10.xml><?xml version="1.0" encoding="utf-8"?>
-<p:tagLst xmlns:p="http://schemas.openxmlformats.org/presentationml/2006/main">
+<p:tagLst xmlns:a="http://schemas.openxmlformats.org/drawingml/2006/main" xmlns:r="http://schemas.openxmlformats.org/officeDocument/2006/relationships" xmlns:p="http://schemas.openxmlformats.org/presentationml/2006/main">
   <p:tag name="KSO_WM_BEAUTIFY_FLAG" val=""/>
 </p:tagLst>
 </file>
 
 <file path=ppt/tags/tag11.xml><?xml version="1.0" encoding="utf-8"?>
-<p:tagLst xmlns:p="http://schemas.openxmlformats.org/presentationml/2006/main">
+<p:tagLst xmlns:a="http://schemas.openxmlformats.org/drawingml/2006/main" xmlns:r="http://schemas.openxmlformats.org/officeDocument/2006/relationships" xmlns:p="http://schemas.openxmlformats.org/presentationml/2006/main">
   <p:tag name="KSO_WM_BEAUTIFY_FLAG" val=""/>
 </p:tagLst>
 </file>
 
 <file path=ppt/tags/tag12.xml><?xml version="1.0" encoding="utf-8"?>
-<p:tagLst xmlns:p="http://schemas.openxmlformats.org/presentationml/2006/main">
+<p:tagLst xmlns:a="http://schemas.openxmlformats.org/drawingml/2006/main" xmlns:r="http://schemas.openxmlformats.org/officeDocument/2006/relationships" xmlns:p="http://schemas.openxmlformats.org/presentationml/2006/main">
   <p:tag name="KSO_WM_BEAUTIFY_FLAG" val=""/>
 </p:tagLst>
 </file>
 
 <file path=ppt/tags/tag13.xml><?xml version="1.0" encoding="utf-8"?>
-<p:tagLst xmlns:p="http://schemas.openxmlformats.org/presentationml/2006/main">
+<p:tagLst xmlns:a="http://schemas.openxmlformats.org/drawingml/2006/main" xmlns:r="http://schemas.openxmlformats.org/officeDocument/2006/relationships" xmlns:p="http://schemas.openxmlformats.org/presentationml/2006/main">
   <p:tag name="KSO_WM_BEAUTIFY_FLAG" val=""/>
 </p:tagLst>
 </file>
 
 <file path=ppt/tags/tag14.xml><?xml version="1.0" encoding="utf-8"?>
-<p:tagLst xmlns:p="http://schemas.openxmlformats.org/presentationml/2006/main">
+<p:tagLst xmlns:a="http://schemas.openxmlformats.org/drawingml/2006/main" xmlns:r="http://schemas.openxmlformats.org/officeDocument/2006/relationships" xmlns:p="http://schemas.openxmlformats.org/presentationml/2006/main">
   <p:tag name="KSO_WM_BEAUTIFY_FLAG" val=""/>
 </p:tagLst>
 </file>
 
 <file path=ppt/tags/tag15.xml><?xml version="1.0" encoding="utf-8"?>
-<p:tagLst xmlns:p="http://schemas.openxmlformats.org/presentationml/2006/main">
+<p:tagLst xmlns:a="http://schemas.openxmlformats.org/drawingml/2006/main" xmlns:r="http://schemas.openxmlformats.org/officeDocument/2006/relationships" xmlns:p="http://schemas.openxmlformats.org/presentationml/2006/main">
   <p:tag name="KSO_WM_BEAUTIFY_FLAG" val=""/>
 </p:tagLst>
 </file>
 
 <file path=ppt/tags/tag16.xml><?xml version="1.0" encoding="utf-8"?>
-<p:tagLst xmlns:p="http://schemas.openxmlformats.org/presentationml/2006/main">
+<p:tagLst xmlns:a="http://schemas.openxmlformats.org/drawingml/2006/main" xmlns:r="http://schemas.openxmlformats.org/officeDocument/2006/relationships" xmlns:p="http://schemas.openxmlformats.org/presentationml/2006/main">
   <p:tag name="KSO_WM_BEAUTIFY_FLAG" val=""/>
 </p:tagLst>
 </file>
 
 <file path=ppt/tags/tag17.xml><?xml version="1.0" encoding="utf-8"?>
-<p:tagLst xmlns:p="http://schemas.openxmlformats.org/presentationml/2006/main">
+<p:tagLst xmlns:a="http://schemas.openxmlformats.org/drawingml/2006/main" xmlns:r="http://schemas.openxmlformats.org/officeDocument/2006/relationships" xmlns:p="http://schemas.openxmlformats.org/presentationml/2006/main">
   <p:tag name="KSO_WM_BEAUTIFY_FLAG" val=""/>
 </p:tagLst>
 </file>
 
 <file path=ppt/tags/tag18.xml><?xml version="1.0" encoding="utf-8"?>
-<p:tagLst xmlns:p="http://schemas.openxmlformats.org/presentationml/2006/main">
+<p:tagLst xmlns:a="http://schemas.openxmlformats.org/drawingml/2006/main" xmlns:r="http://schemas.openxmlformats.org/officeDocument/2006/relationships" xmlns:p="http://schemas.openxmlformats.org/presentationml/2006/main">
   <p:tag name="KSO_WM_BEAUTIFY_FLAG" val=""/>
 </p:tagLst>
 </file>
 
 <file path=ppt/tags/tag19.xml><?xml version="1.0" encoding="utf-8"?>
-<p:tagLst xmlns:p="http://schemas.openxmlformats.org/presentationml/2006/main">
+<p:tagLst xmlns:a="http://schemas.openxmlformats.org/drawingml/2006/main" xmlns:r="http://schemas.openxmlformats.org/officeDocument/2006/relationships" xmlns:p="http://schemas.openxmlformats.org/presentationml/2006/main">
   <p:tag name="KSO_WM_BEAUTIFY_FLAG" val=""/>
 </p:tagLst>
 </file>
 
 <file path=ppt/tags/tag2.xml><?xml version="1.0" encoding="utf-8"?>
-<p:tagLst xmlns:p="http://schemas.openxmlformats.org/presentationml/2006/main">
+<p:tagLst xmlns:a="http://schemas.openxmlformats.org/drawingml/2006/main" xmlns:r="http://schemas.openxmlformats.org/officeDocument/2006/relationships" xmlns:p="http://schemas.openxmlformats.org/presentationml/2006/main">
   <p:tag name="KSO_WM_BEAUTIFY_FLAG" val=""/>
 </p:tagLst>
 </file>
 
 <file path=ppt/tags/tag20.xml><?xml version="1.0" encoding="utf-8"?>
-<p:tagLst xmlns:p="http://schemas.openxmlformats.org/presentationml/2006/main">
+<p:tagLst xmlns:a="http://schemas.openxmlformats.org/drawingml/2006/main" xmlns:r="http://schemas.openxmlformats.org/officeDocument/2006/relationships" xmlns:p="http://schemas.openxmlformats.org/presentationml/2006/main">
   <p:tag name="KSO_WM_BEAUTIFY_FLAG" val=""/>
 </p:tagLst>
 </file>
 
 <file path=ppt/tags/tag21.xml><?xml version="1.0" encoding="utf-8"?>
-<p:tagLst xmlns:p="http://schemas.openxmlformats.org/presentationml/2006/main">
+<p:tagLst xmlns:a="http://schemas.openxmlformats.org/drawingml/2006/main" xmlns:r="http://schemas.openxmlformats.org/officeDocument/2006/relationships" xmlns:p="http://schemas.openxmlformats.org/presentationml/2006/main">
   <p:tag name="KSO_WM_BEAUTIFY_FLAG" val=""/>
 </p:tagLst>
 </file>
 
 <file path=ppt/tags/tag22.xml><?xml version="1.0" encoding="utf-8"?>
-<p:tagLst xmlns:p="http://schemas.openxmlformats.org/presentationml/2006/main">
+<p:tagLst xmlns:a="http://schemas.openxmlformats.org/drawingml/2006/main" xmlns:r="http://schemas.openxmlformats.org/officeDocument/2006/relationships" xmlns:p="http://schemas.openxmlformats.org/presentationml/2006/main">
   <p:tag name="KSO_WM_BEAUTIFY_FLAG" val=""/>
 </p:tagLst>
 </file>
 
 <file path=ppt/tags/tag23.xml><?xml version="1.0" encoding="utf-8"?>
-<p:tagLst xmlns:p="http://schemas.openxmlformats.org/presentationml/2006/main">
+<p:tagLst xmlns:a="http://schemas.openxmlformats.org/drawingml/2006/main" xmlns:r="http://schemas.openxmlformats.org/officeDocument/2006/relationships" xmlns:p="http://schemas.openxmlformats.org/presentationml/2006/main">
   <p:tag name="KSO_WM_BEAUTIFY_FLAG" val=""/>
 </p:tagLst>
 </file>
 
 <file path=ppt/tags/tag24.xml><?xml version="1.0" encoding="utf-8"?>
-<p:tagLst xmlns:p="http://schemas.openxmlformats.org/presentationml/2006/main">
+<p:tagLst xmlns:a="http://schemas.openxmlformats.org/drawingml/2006/main" xmlns:r="http://schemas.openxmlformats.org/officeDocument/2006/relationships" xmlns:p="http://schemas.openxmlformats.org/presentationml/2006/main">
   <p:tag name="KSO_WM_BEAUTIFY_FLAG" val=""/>
 </p:tagLst>
 </file>
 
 <file path=ppt/tags/tag25.xml><?xml version="1.0" encoding="utf-8"?>
-<p:tagLst xmlns:p="http://schemas.openxmlformats.org/presentationml/2006/main">
+<p:tagLst xmlns:a="http://schemas.openxmlformats.org/drawingml/2006/main" xmlns:r="http://schemas.openxmlformats.org/officeDocument/2006/relationships" xmlns:p="http://schemas.openxmlformats.org/presentationml/2006/main">
   <p:tag name="KSO_WM_BEAUTIFY_FLAG" val=""/>
 </p:tagLst>
 </file>
 
 <file path=ppt/tags/tag26.xml><?xml version="1.0" encoding="utf-8"?>
-<p:tagLst xmlns:p="http://schemas.openxmlformats.org/presentationml/2006/main">
+<p:tagLst xmlns:a="http://schemas.openxmlformats.org/drawingml/2006/main" xmlns:r="http://schemas.openxmlformats.org/officeDocument/2006/relationships" xmlns:p="http://schemas.openxmlformats.org/presentationml/2006/main">
   <p:tag name="KSO_WM_BEAUTIFY_FLAG" val=""/>
 </p:tagLst>
 </file>
 
 <file path=ppt/tags/tag27.xml><?xml version="1.0" encoding="utf-8"?>
-<p:tagLst xmlns:p="http://schemas.openxmlformats.org/presentationml/2006/main">
+<p:tagLst xmlns:a="http://schemas.openxmlformats.org/drawingml/2006/main" xmlns:r="http://schemas.openxmlformats.org/officeDocument/2006/relationships" xmlns:p="http://schemas.openxmlformats.org/presentationml/2006/main">
   <p:tag name="KSO_WM_BEAUTIFY_FLAG" val=""/>
 </p:tagLst>
 </file>
 
 <file path=ppt/tags/tag28.xml><?xml version="1.0" encoding="utf-8"?>
-<p:tagLst xmlns:p="http://schemas.openxmlformats.org/presentationml/2006/main">
+<p:tagLst xmlns:a="http://schemas.openxmlformats.org/drawingml/2006/main" xmlns:r="http://schemas.openxmlformats.org/officeDocument/2006/relationships" xmlns:p="http://schemas.openxmlformats.org/presentationml/2006/main">
   <p:tag name="KSO_WM_BEAUTIFY_FLAG" val=""/>
 </p:tagLst>
 </file>
 
 <file path=ppt/tags/tag29.xml><?xml version="1.0" encoding="utf-8"?>
-<p:tagLst xmlns:p="http://schemas.openxmlformats.org/presentationml/2006/main">
+<p:tagLst xmlns:a="http://schemas.openxmlformats.org/drawingml/2006/main" xmlns:r="http://schemas.openxmlformats.org/officeDocument/2006/relationships" xmlns:p="http://schemas.openxmlformats.org/presentationml/2006/main">
   <p:tag name="KSO_WM_BEAUTIFY_FLAG" val=""/>
 </p:tagLst>
 </file>
 
 <file path=ppt/tags/tag3.xml><?xml version="1.0" encoding="utf-8"?>
-<p:tagLst xmlns:p="http://schemas.openxmlformats.org/presentationml/2006/main">
+<p:tagLst xmlns:a="http://schemas.openxmlformats.org/drawingml/2006/main" xmlns:r="http://schemas.openxmlformats.org/officeDocument/2006/relationships" xmlns:p="http://schemas.openxmlformats.org/presentationml/2006/main">
   <p:tag name="KSO_WM_BEAUTIFY_FLAG" val=""/>
 </p:tagLst>
 </file>
 
 <file path=ppt/tags/tag30.xml><?xml version="1.0" encoding="utf-8"?>
-<p:tagLst xmlns:p="http://schemas.openxmlformats.org/presentationml/2006/main">
+<p:tagLst xmlns:a="http://schemas.openxmlformats.org/drawingml/2006/main" xmlns:r="http://schemas.openxmlformats.org/officeDocument/2006/relationships" xmlns:p="http://schemas.openxmlformats.org/presentationml/2006/main">
   <p:tag name="KSO_WM_BEAUTIFY_FLAG" val=""/>
 </p:tagLst>
 </file>
 
 <file path=ppt/tags/tag31.xml><?xml version="1.0" encoding="utf-8"?>
-<p:tagLst xmlns:p="http://schemas.openxmlformats.org/presentationml/2006/main">
+<p:tagLst xmlns:a="http://schemas.openxmlformats.org/drawingml/2006/main" xmlns:r="http://schemas.openxmlformats.org/officeDocument/2006/relationships" xmlns:p="http://schemas.openxmlformats.org/presentationml/2006/main">
   <p:tag name="KSO_WM_BEAUTIFY_FLAG" val=""/>
 </p:tagLst>
 </file>
 
 <file path=ppt/tags/tag32.xml><?xml version="1.0" encoding="utf-8"?>
-<p:tagLst xmlns:p="http://schemas.openxmlformats.org/presentationml/2006/main">
+<p:tagLst xmlns:a="http://schemas.openxmlformats.org/drawingml/2006/main" xmlns:r="http://schemas.openxmlformats.org/officeDocument/2006/relationships" xmlns:p="http://schemas.openxmlformats.org/presentationml/2006/main">
   <p:tag name="KSO_WM_BEAUTIFY_FLAG" val=""/>
 </p:tagLst>
 </file>
 
 <file path=ppt/tags/tag33.xml><?xml version="1.0" encoding="utf-8"?>
-<p:tagLst xmlns:p="http://schemas.openxmlformats.org/presentationml/2006/main">
+<p:tagLst xmlns:a="http://schemas.openxmlformats.org/drawingml/2006/main" xmlns:r="http://schemas.openxmlformats.org/officeDocument/2006/relationships" xmlns:p="http://schemas.openxmlformats.org/presentationml/2006/main">
   <p:tag name="KSO_WM_BEAUTIFY_FLAG" val=""/>
 </p:tagLst>
 </file>
 
 <file path=ppt/tags/tag34.xml><?xml version="1.0" encoding="utf-8"?>
-<p:tagLst xmlns:p="http://schemas.openxmlformats.org/presentationml/2006/main">
+<p:tagLst xmlns:a="http://schemas.openxmlformats.org/drawingml/2006/main" xmlns:r="http://schemas.openxmlformats.org/officeDocument/2006/relationships" xmlns:p="http://schemas.openxmlformats.org/presentationml/2006/main">
   <p:tag name="KSO_WM_BEAUTIFY_FLAG" val=""/>
 </p:tagLst>
 </file>
 
 <file path=ppt/tags/tag35.xml><?xml version="1.0" encoding="utf-8"?>
-<p:tagLst xmlns:p="http://schemas.openxmlformats.org/presentationml/2006/main">
+<p:tagLst xmlns:a="http://schemas.openxmlformats.org/drawingml/2006/main" xmlns:r="http://schemas.openxmlformats.org/officeDocument/2006/relationships" xmlns:p="http://schemas.openxmlformats.org/presentationml/2006/main">
   <p:tag name="KSO_WM_BEAUTIFY_FLAG" val=""/>
 </p:tagLst>
 </file>
 
 <file path=ppt/tags/tag36.xml><?xml version="1.0" encoding="utf-8"?>
-<p:tagLst xmlns:p="http://schemas.openxmlformats.org/presentationml/2006/main">
+<p:tagLst xmlns:a="http://schemas.openxmlformats.org/drawingml/2006/main" xmlns:r="http://schemas.openxmlformats.org/officeDocument/2006/relationships" xmlns:p="http://schemas.openxmlformats.org/presentationml/2006/main">
   <p:tag name="KSO_WM_BEAUTIFY_FLAG" val=""/>
 </p:tagLst>
 </file>
 
 <file path=ppt/tags/tag37.xml><?xml version="1.0" encoding="utf-8"?>
-<p:tagLst xmlns:p="http://schemas.openxmlformats.org/presentationml/2006/main">
+<p:tagLst xmlns:a="http://schemas.openxmlformats.org/drawingml/2006/main" xmlns:r="http://schemas.openxmlformats.org/officeDocument/2006/relationships" xmlns:p="http://schemas.openxmlformats.org/presentationml/2006/main">
   <p:tag name="KSO_WM_BEAUTIFY_FLAG" val=""/>
 </p:tagLst>
 </file>
 
 <file path=ppt/tags/tag38.xml><?xml version="1.0" encoding="utf-8"?>
-<p:tagLst xmlns:p="http://schemas.openxmlformats.org/presentationml/2006/main">
+<p:tagLst xmlns:a="http://schemas.openxmlformats.org/drawingml/2006/main" xmlns:r="http://schemas.openxmlformats.org/officeDocument/2006/relationships" xmlns:p="http://schemas.openxmlformats.org/presentationml/2006/main">
   <p:tag name="KSO_WM_BEAUTIFY_FLAG" val=""/>
 </p:tagLst>
 </file>
 
 <file path=ppt/tags/tag39.xml><?xml version="1.0" encoding="utf-8"?>
-<p:tagLst xmlns:p="http://schemas.openxmlformats.org/presentationml/2006/main">
+<p:tagLst xmlns:a="http://schemas.openxmlformats.org/drawingml/2006/main" xmlns:r="http://schemas.openxmlformats.org/officeDocument/2006/relationships" xmlns:p="http://schemas.openxmlformats.org/presentationml/2006/main">
   <p:tag name="KSO_WM_BEAUTIFY_FLAG" val=""/>
 </p:tagLst>
 </file>
 
 <file path=ppt/tags/tag4.xml><?xml version="1.0" encoding="utf-8"?>
-<p:tagLst xmlns:p="http://schemas.openxmlformats.org/presentationml/2006/main">
+<p:tagLst xmlns:a="http://schemas.openxmlformats.org/drawingml/2006/main" xmlns:r="http://schemas.openxmlformats.org/officeDocument/2006/relationships" xmlns:p="http://schemas.openxmlformats.org/presentationml/2006/main">
   <p:tag name="KSO_WM_BEAUTIFY_FLAG" val=""/>
 </p:tagLst>
 </file>
 
 <file path=ppt/tags/tag40.xml><?xml version="1.0" encoding="utf-8"?>
-<p:tagLst xmlns:p="http://schemas.openxmlformats.org/presentationml/2006/main">
+<p:tagLst xmlns:a="http://schemas.openxmlformats.org/drawingml/2006/main" xmlns:r="http://schemas.openxmlformats.org/officeDocument/2006/relationships" xmlns:p="http://schemas.openxmlformats.org/presentationml/2006/main">
   <p:tag name="KSO_WM_BEAUTIFY_FLAG" val=""/>
 </p:tagLst>
 </file>
 
 <file path=ppt/tags/tag41.xml><?xml version="1.0" encoding="utf-8"?>
-<p:tagLst xmlns:p="http://schemas.openxmlformats.org/presentationml/2006/main">
+<p:tagLst xmlns:a="http://schemas.openxmlformats.org/drawingml/2006/main" xmlns:r="http://schemas.openxmlformats.org/officeDocument/2006/relationships" xmlns:p="http://schemas.openxmlformats.org/presentationml/2006/main">
   <p:tag name="KSO_WM_BEAUTIFY_FLAG" val=""/>
 </p:tagLst>
 </file>
 
 <file path=ppt/tags/tag42.xml><?xml version="1.0" encoding="utf-8"?>
-<p:tagLst xmlns:p="http://schemas.openxmlformats.org/presentationml/2006/main">
+<p:tagLst xmlns:a="http://schemas.openxmlformats.org/drawingml/2006/main" xmlns:r="http://schemas.openxmlformats.org/officeDocument/2006/relationships" xmlns:p="http://schemas.openxmlformats.org/presentationml/2006/main">
   <p:tag name="KSO_WM_BEAUTIFY_FLAG" val=""/>
 </p:tagLst>
 </file>
 
 <file path=ppt/tags/tag43.xml><?xml version="1.0" encoding="utf-8"?>
-<p:tagLst xmlns:p="http://schemas.openxmlformats.org/presentationml/2006/main">
+<p:tagLst xmlns:a="http://schemas.openxmlformats.org/drawingml/2006/main" xmlns:r="http://schemas.openxmlformats.org/officeDocument/2006/relationships" xmlns:p="http://schemas.openxmlformats.org/presentationml/2006/main">
   <p:tag name="KSO_WM_BEAUTIFY_FLAG" val=""/>
 </p:tagLst>
 </file>
 
 <file path=ppt/tags/tag44.xml><?xml version="1.0" encoding="utf-8"?>
-<p:tagLst xmlns:p="http://schemas.openxmlformats.org/presentationml/2006/main">
+<p:tagLst xmlns:a="http://schemas.openxmlformats.org/drawingml/2006/main" xmlns:r="http://schemas.openxmlformats.org/officeDocument/2006/relationships" xmlns:p="http://schemas.openxmlformats.org/presentationml/2006/main">
   <p:tag name="KSO_WM_BEAUTIFY_FLAG" val=""/>
 </p:tagLst>
 </file>
 
 <file path=ppt/tags/tag45.xml><?xml version="1.0" encoding="utf-8"?>
-<p:tagLst xmlns:p="http://schemas.openxmlformats.org/presentationml/2006/main">
+<p:tagLst xmlns:a="http://schemas.openxmlformats.org/drawingml/2006/main" xmlns:r="http://schemas.openxmlformats.org/officeDocument/2006/relationships" xmlns:p="http://schemas.openxmlformats.org/presentationml/2006/main">
   <p:tag name="KSO_WM_BEAUTIFY_FLAG" val=""/>
 </p:tagLst>
 </file>
 
 <file path=ppt/tags/tag46.xml><?xml version="1.0" encoding="utf-8"?>
-<p:tagLst xmlns:p="http://schemas.openxmlformats.org/presentationml/2006/main">
+<p:tagLst xmlns:a="http://schemas.openxmlformats.org/drawingml/2006/main" xmlns:r="http://schemas.openxmlformats.org/officeDocument/2006/relationships" xmlns:p="http://schemas.openxmlformats.org/presentationml/2006/main">
   <p:tag name="KSO_WM_BEAUTIFY_FLAG" val=""/>
 </p:tagLst>
 </file>
 
 <file path=ppt/tags/tag47.xml><?xml version="1.0" encoding="utf-8"?>
-<p:tagLst xmlns:p="http://schemas.openxmlformats.org/presentationml/2006/main">
+<p:tagLst xmlns:a="http://schemas.openxmlformats.org/drawingml/2006/main" xmlns:r="http://schemas.openxmlformats.org/officeDocument/2006/relationships" xmlns:p="http://schemas.openxmlformats.org/presentationml/2006/main">
   <p:tag name="KSO_WM_BEAUTIFY_FLAG" val=""/>
 </p:tagLst>
 </file>
 
 <file path=ppt/tags/tag48.xml><?xml version="1.0" encoding="utf-8"?>
-<p:tagLst xmlns:p="http://schemas.openxmlformats.org/presentationml/2006/main">
+<p:tagLst xmlns:a="http://schemas.openxmlformats.org/drawingml/2006/main" xmlns:r="http://schemas.openxmlformats.org/officeDocument/2006/relationships" xmlns:p="http://schemas.openxmlformats.org/presentationml/2006/main">
   <p:tag name="KSO_WM_BEAUTIFY_FLAG" val=""/>
 </p:tagLst>
 </file>
 
 <file path=ppt/tags/tag49.xml><?xml version="1.0" encoding="utf-8"?>
-<p:tagLst xmlns:p="http://schemas.openxmlformats.org/presentationml/2006/main">
+<p:tagLst xmlns:a="http://schemas.openxmlformats.org/drawingml/2006/main" xmlns:r="http://schemas.openxmlformats.org/officeDocument/2006/relationships" xmlns:p="http://schemas.openxmlformats.org/presentationml/2006/main">
   <p:tag name="KSO_WM_BEAUTIFY_FLAG" val=""/>
 </p:tagLst>
 </file>
 
 <file path=ppt/tags/tag5.xml><?xml version="1.0" encoding="utf-8"?>
-<p:tagLst xmlns:p="http://schemas.openxmlformats.org/presentationml/2006/main">
+<p:tagLst xmlns:a="http://schemas.openxmlformats.org/drawingml/2006/main" xmlns:r="http://schemas.openxmlformats.org/officeDocument/2006/relationships" xmlns:p="http://schemas.openxmlformats.org/presentationml/2006/main">
   <p:tag name="KSO_WM_BEAUTIFY_FLAG" val=""/>
 </p:tagLst>
 </file>
 
 <file path=ppt/tags/tag50.xml><?xml version="1.0" encoding="utf-8"?>
-<p:tagLst xmlns:p="http://schemas.openxmlformats.org/presentationml/2006/main">
+<p:tagLst xmlns:a="http://schemas.openxmlformats.org/drawingml/2006/main" xmlns:r="http://schemas.openxmlformats.org/officeDocument/2006/relationships" xmlns:p="http://schemas.openxmlformats.org/presentationml/2006/main">
   <p:tag name="KSO_WM_BEAUTIFY_FLAG" val=""/>
 </p:tagLst>
 </file>
 
 <file path=ppt/tags/tag51.xml><?xml version="1.0" encoding="utf-8"?>
-<p:tagLst xmlns:p="http://schemas.openxmlformats.org/presentationml/2006/main">
+<p:tagLst xmlns:a="http://schemas.openxmlformats.org/drawingml/2006/main" xmlns:r="http://schemas.openxmlformats.org/officeDocument/2006/relationships" xmlns:p="http://schemas.openxmlformats.org/presentationml/2006/main">
   <p:tag name="KSO_WM_BEAUTIFY_FLAG" val=""/>
 </p:tagLst>
 </file>
 
 <file path=ppt/tags/tag52.xml><?xml version="1.0" encoding="utf-8"?>
-<p:tagLst xmlns:p="http://schemas.openxmlformats.org/presentationml/2006/main">
+<p:tagLst xmlns:a="http://schemas.openxmlformats.org/drawingml/2006/main" xmlns:r="http://schemas.openxmlformats.org/officeDocument/2006/relationships" xmlns:p="http://schemas.openxmlformats.org/presentationml/2006/main">
   <p:tag name="KSO_WM_BEAUTIFY_FLAG" val=""/>
 </p:tagLst>
 </file>
 
 <file path=ppt/tags/tag53.xml><?xml version="1.0" encoding="utf-8"?>
-<p:tagLst xmlns:p="http://schemas.openxmlformats.org/presentationml/2006/main">
+<p:tagLst xmlns:a="http://schemas.openxmlformats.org/drawingml/2006/main" xmlns:r="http://schemas.openxmlformats.org/officeDocument/2006/relationships" xmlns:p="http://schemas.openxmlformats.org/presentationml/2006/main">
   <p:tag name="KSO_WM_BEAUTIFY_FLAG" val=""/>
 </p:tagLst>
 </file>
 
 <file path=ppt/tags/tag54.xml><?xml version="1.0" encoding="utf-8"?>
-<p:tagLst xmlns:p="http://schemas.openxmlformats.org/presentationml/2006/main">
+<p:tagLst xmlns:a="http://schemas.openxmlformats.org/drawingml/2006/main" xmlns:r="http://schemas.openxmlformats.org/officeDocument/2006/relationships" xmlns:p="http://schemas.openxmlformats.org/presentationml/2006/main">
   <p:tag name="KSO_WM_BEAUTIFY_FLAG" val=""/>
 </p:tagLst>
 </file>
 
 <file path=ppt/tags/tag55.xml><?xml version="1.0" encoding="utf-8"?>
-<p:tagLst xmlns:p="http://schemas.openxmlformats.org/presentationml/2006/main">
+<p:tagLst xmlns:a="http://schemas.openxmlformats.org/drawingml/2006/main" xmlns:r="http://schemas.openxmlformats.org/officeDocument/2006/relationships" xmlns:p="http://schemas.openxmlformats.org/presentationml/2006/main">
   <p:tag name="KSO_WM_BEAUTIFY_FLAG" val=""/>
 </p:tagLst>
 </file>
 
 <file path=ppt/tags/tag56.xml><?xml version="1.0" encoding="utf-8"?>
-<p:tagLst xmlns:p="http://schemas.openxmlformats.org/presentationml/2006/main">
+<p:tagLst xmlns:a="http://schemas.openxmlformats.org/drawingml/2006/main" xmlns:r="http://schemas.openxmlformats.org/officeDocument/2006/relationships" xmlns:p="http://schemas.openxmlformats.org/presentationml/2006/main">
   <p:tag name="KSO_WM_BEAUTIFY_FLAG" val=""/>
 </p:tagLst>
 </file>
 
 <file path=ppt/tags/tag57.xml><?xml version="1.0" encoding="utf-8"?>
-<p:tagLst xmlns:p="http://schemas.openxmlformats.org/presentationml/2006/main">
+<p:tagLst xmlns:a="http://schemas.openxmlformats.org/drawingml/2006/main" xmlns:r="http://schemas.openxmlformats.org/officeDocument/2006/relationships" xmlns:p="http://schemas.openxmlformats.org/presentationml/2006/main">
   <p:tag name="KSO_WM_BEAUTIFY_FLAG" val=""/>
 </p:tagLst>
 </file>
 
 <file path=ppt/tags/tag58.xml><?xml version="1.0" encoding="utf-8"?>
-<p:tagLst xmlns:p="http://schemas.openxmlformats.org/presentationml/2006/main">
+<p:tagLst xmlns:a="http://schemas.openxmlformats.org/drawingml/2006/main" xmlns:r="http://schemas.openxmlformats.org/officeDocument/2006/relationships" xmlns:p="http://schemas.openxmlformats.org/presentationml/2006/main">
   <p:tag name="KSO_WM_BEAUTIFY_FLAG" val=""/>
 </p:tagLst>
 </file>
 
 <file path=ppt/tags/tag59.xml><?xml version="1.0" encoding="utf-8"?>
-<p:tagLst xmlns:p="http://schemas.openxmlformats.org/presentationml/2006/main">
+<p:tagLst xmlns:a="http://schemas.openxmlformats.org/drawingml/2006/main" xmlns:r="http://schemas.openxmlformats.org/officeDocument/2006/relationships" xmlns:p="http://schemas.openxmlformats.org/presentationml/2006/main">
   <p:tag name="KSO_WM_BEAUTIFY_FLAG" val=""/>
 </p:tagLst>
 </file>
 
 <file path=ppt/tags/tag6.xml><?xml version="1.0" encoding="utf-8"?>
-<p:tagLst xmlns:p="http://schemas.openxmlformats.org/presentationml/2006/main">
+<p:tagLst xmlns:a="http://schemas.openxmlformats.org/drawingml/2006/main" xmlns:r="http://schemas.openxmlformats.org/officeDocument/2006/relationships" xmlns:p="http://schemas.openxmlformats.org/presentationml/2006/main">
   <p:tag name="KSO_WM_BEAUTIFY_FLAG" val=""/>
 </p:tagLst>
 </file>
 
 <file path=ppt/tags/tag60.xml><?xml version="1.0" encoding="utf-8"?>
-<p:tagLst xmlns:p="http://schemas.openxmlformats.org/presentationml/2006/main">
+<p:tagLst xmlns:a="http://schemas.openxmlformats.org/drawingml/2006/main" xmlns:r="http://schemas.openxmlformats.org/officeDocument/2006/relationships" xmlns:p="http://schemas.openxmlformats.org/presentationml/2006/main">
   <p:tag name="KSO_WM_BEAUTIFY_FLAG" val=""/>
 </p:tagLst>
 </file>
 
 <file path=ppt/tags/tag61.xml><?xml version="1.0" encoding="utf-8"?>
-<p:tagLst xmlns:p="http://schemas.openxmlformats.org/presentationml/2006/main">
+<p:tagLst xmlns:a="http://schemas.openxmlformats.org/drawingml/2006/main" xmlns:r="http://schemas.openxmlformats.org/officeDocument/2006/relationships" xmlns:p="http://schemas.openxmlformats.org/presentationml/2006/main">
   <p:tag name="KSO_WM_BEAUTIFY_FLAG" val=""/>
 </p:tagLst>
 </file>
 
 <file path=ppt/tags/tag62.xml><?xml version="1.0" encoding="utf-8"?>
-<p:tagLst xmlns:p="http://schemas.openxmlformats.org/presentationml/2006/main">
-  <p:tag name="TABLE_ENDDRAG_ORIGIN_RECT" val="173*152"/>
-  <p:tag name="TABLE_ENDDRAG_RECT" val="144*225*173*152"/>
-</p:tagLst>
-</file>
-
-<file path=ppt/tags/tag63.xml><?xml version="1.0" encoding="utf-8"?>
-<p:tagLst xmlns:p="http://schemas.openxmlformats.org/presentationml/2006/main">
-  <p:tag name="COMMONDATA" val="eyJoZGlkIjoiMzEwNTM5NzYwMDRjMzkwZTVkZjY2ODkwMGIxNGU0OTUifQ=="/>
+<p:tagLst xmlns:a="http://schemas.openxmlformats.org/drawingml/2006/main" xmlns:r="http://schemas.openxmlformats.org/officeDocument/2006/relationships" xmlns:p="http://schemas.openxmlformats.org/presentationml/2006/main">
+  <p:tag name="KSO_WM_BEAUTIFY_FLAG" val=""/>
 </p:tagLst>
 </file>
 
 <file path=ppt/tags/tag7.xml><?xml version="1.0" encoding="utf-8"?>
-<p:tagLst xmlns:p="http://schemas.openxmlformats.org/presentationml/2006/main">
+<p:tagLst xmlns:a="http://schemas.openxmlformats.org/drawingml/2006/main" xmlns:r="http://schemas.openxmlformats.org/officeDocument/2006/relationships" xmlns:p="http://schemas.openxmlformats.org/presentationml/2006/main">
   <p:tag name="KSO_WM_BEAUTIFY_FLAG" val=""/>
 </p:tagLst>
 </file>
 
 <file path=ppt/tags/tag8.xml><?xml version="1.0" encoding="utf-8"?>
-<p:tagLst xmlns:p="http://schemas.openxmlformats.org/presentationml/2006/main">
+<p:tagLst xmlns:a="http://schemas.openxmlformats.org/drawingml/2006/main" xmlns:r="http://schemas.openxmlformats.org/officeDocument/2006/relationships" xmlns:p="http://schemas.openxmlformats.org/presentationml/2006/main">
   <p:tag name="KSO_WM_BEAUTIFY_FLAG" val=""/>
 </p:tagLst>
 </file>
 
 <file path=ppt/tags/tag9.xml><?xml version="1.0" encoding="utf-8"?>
-<p:tagLst xmlns:p="http://schemas.openxmlformats.org/presentationml/2006/main">
+<p:tagLst xmlns:a="http://schemas.openxmlformats.org/drawingml/2006/main" xmlns:r="http://schemas.openxmlformats.org/officeDocument/2006/relationships" xmlns:p="http://schemas.openxmlformats.org/presentationml/2006/main">
   <p:tag name="KSO_WM_BEAUTIFY_FLAG" val=""/>
 </p:tagLst>
 </file>
@@ -44964,6 +46822,8 @@
       </a:bgFillStyleLst>
     </a:fmtScheme>
   </a:themeElements>
+  <a:objectDefaults/>
+  <a:extraClrSchemeLst/>
   <a:extLst>
     <a:ext uri="{05A4C25C-085E-4340-85A3-A5531E510DB2}">
       <thm15:themeFamily xmlns:thm15="http://schemas.microsoft.com/office/thememl/2012/main" name="Office Theme" id="{62F939B6-93AF-4DB8-9C6B-D6C7DFDC589F}" vid="{4A3C46E8-61CC-4603-A589-7422A47A8E4A}"/>
@@ -45223,6 +47083,8 @@
       </a:bgFillStyleLst>
     </a:fmtScheme>
   </a:themeElements>
+  <a:objectDefaults/>
+  <a:extraClrSchemeLst/>
   <a:extLst>
     <a:ext uri="{05A4C25C-085E-4340-85A3-A5531E510DB2}">
       <thm15:themeFamily xmlns:thm15="http://schemas.microsoft.com/office/thememl/2012/main" name="Office Theme" id="{62F939B6-93AF-4DB8-9C6B-D6C7DFDC589F}" vid="{4A3C46E8-61CC-4603-A589-7422A47A8E4A}"/>

--- a/huawei/日志记录.pptx
+++ b/huawei/日志记录.pptx
@@ -5,7 +5,7 @@
     <p:sldMasterId id="2147483648" r:id="rId1"/>
   </p:sldMasterIdLst>
   <p:notesMasterIdLst>
-    <p:notesMasterId r:id="rId38"/>
+    <p:notesMasterId r:id="rId40"/>
   </p:notesMasterIdLst>
   <p:sldIdLst>
     <p:sldId id="256" r:id="rId2"/>
@@ -44,11 +44,13 @@
     <p:sldId id="296" r:id="rId35"/>
     <p:sldId id="291" r:id="rId36"/>
     <p:sldId id="297" r:id="rId37"/>
+    <p:sldId id="298" r:id="rId38"/>
+    <p:sldId id="299" r:id="rId39"/>
   </p:sldIdLst>
   <p:sldSz cx="12192000" cy="6858000"/>
   <p:notesSz cx="6858000" cy="9144000"/>
   <p:custDataLst>
-    <p:tags r:id="rId39"/>
+    <p:tags r:id="rId41"/>
   </p:custDataLst>
   <p:defaultTextStyle>
     <a:defPPr>
@@ -706,6 +708,206 @@
     <p:extLst>
       <p:ext uri="{BB962C8B-B14F-4D97-AF65-F5344CB8AC3E}">
         <p14:creationId xmlns:p14="http://schemas.microsoft.com/office/powerpoint/2010/main" val="2348822770"/>
+      </p:ext>
+    </p:extLst>
+  </p:cSld>
+  <p:clrMapOvr>
+    <a:masterClrMapping/>
+  </p:clrMapOvr>
+</p:notes>
+</file>
+
+<file path=ppt/notesSlides/notesSlide11.xml><?xml version="1.0" encoding="utf-8"?>
+<p:notes xmlns:a="http://schemas.openxmlformats.org/drawingml/2006/main" xmlns:r="http://schemas.openxmlformats.org/officeDocument/2006/relationships" xmlns:p="http://schemas.openxmlformats.org/presentationml/2006/main">
+  <p:cSld>
+    <p:spTree>
+      <p:nvGrpSpPr>
+        <p:cNvPr id="1" name=""/>
+        <p:cNvGrpSpPr/>
+        <p:nvPr/>
+      </p:nvGrpSpPr>
+      <p:grpSpPr>
+        <a:xfrm>
+          <a:off x="0" y="0"/>
+          <a:ext cx="0" cy="0"/>
+          <a:chOff x="0" y="0"/>
+          <a:chExt cx="0" cy="0"/>
+        </a:xfrm>
+      </p:grpSpPr>
+      <p:sp>
+        <p:nvSpPr>
+          <p:cNvPr id="2" name="幻灯片图像占位符 1"/>
+          <p:cNvSpPr>
+            <a:spLocks noGrp="1" noRot="1" noChangeAspect="1"/>
+          </p:cNvSpPr>
+          <p:nvPr>
+            <p:ph type="sldImg"/>
+          </p:nvPr>
+        </p:nvSpPr>
+        <p:spPr/>
+      </p:sp>
+      <p:sp>
+        <p:nvSpPr>
+          <p:cNvPr id="3" name="备注占位符 2"/>
+          <p:cNvSpPr>
+            <a:spLocks noGrp="1"/>
+          </p:cNvSpPr>
+          <p:nvPr>
+            <p:ph type="body" idx="1"/>
+          </p:nvPr>
+        </p:nvSpPr>
+        <p:spPr/>
+        <p:txBody>
+          <a:bodyPr/>
+          <a:lstStyle/>
+          <a:p>
+            <a:r>
+              <a:rPr lang="zh-CN" altLang="en-US" dirty="0"/>
+              <a:t>添加了得分计算的</a:t>
+            </a:r>
+            <a:r>
+              <a:rPr lang="en-US" altLang="zh-CN" dirty="0"/>
+              <a:t>A*</a:t>
+            </a:r>
+            <a:r>
+              <a:rPr lang="zh-CN" altLang="en-US" dirty="0"/>
+              <a:t>算法：</a:t>
+            </a:r>
+            <a:r>
+              <a:rPr lang="en-US" altLang="zh-CN" dirty="0"/>
+              <a:t>main13_A_star.py</a:t>
+            </a:r>
+          </a:p>
+          <a:p>
+            <a:r>
+              <a:rPr lang="zh-CN" altLang="en-US" dirty="0"/>
+              <a:t>添加了得分计算的</a:t>
+            </a:r>
+            <a:r>
+              <a:rPr lang="en-US" altLang="zh-CN" dirty="0"/>
+              <a:t>A*</a:t>
+            </a:r>
+            <a:r>
+              <a:rPr lang="zh-CN" altLang="en-US" dirty="0"/>
+              <a:t>算法测试</a:t>
+            </a:r>
+            <a:r>
+              <a:rPr lang="en-US" altLang="zh-CN" dirty="0" err="1"/>
+              <a:t>Nobebook</a:t>
+            </a:r>
+            <a:r>
+              <a:rPr lang="zh-CN" altLang="en-US" dirty="0"/>
+              <a:t>：</a:t>
+            </a:r>
+            <a:r>
+              <a:rPr lang="en-US" altLang="zh-CN" dirty="0"/>
+              <a:t>main13_A_star_visualization_test.ipynb</a:t>
+            </a:r>
+          </a:p>
+          <a:p>
+            <a:r>
+              <a:rPr lang="en-US" altLang="zh-CN" dirty="0"/>
+              <a:t>A*</a:t>
+            </a:r>
+            <a:r>
+              <a:rPr lang="zh-CN" altLang="en-US" dirty="0"/>
+              <a:t>算法</a:t>
+            </a:r>
+            <a:r>
+              <a:rPr lang="en-US" altLang="zh-CN" dirty="0"/>
+              <a:t>+</a:t>
+            </a:r>
+            <a:r>
+              <a:rPr lang="zh-CN" altLang="en-US" dirty="0"/>
+              <a:t>转弯代价：</a:t>
+            </a:r>
+            <a:r>
+              <a:rPr lang="en-US" altLang="zh-CN" dirty="0"/>
+              <a:t>main14_transmitter_cost.py</a:t>
+            </a:r>
+          </a:p>
+          <a:p>
+            <a:r>
+              <a:rPr lang="en-US" altLang="zh-CN" dirty="0"/>
+              <a:t>A*</a:t>
+            </a:r>
+            <a:r>
+              <a:rPr lang="zh-CN" altLang="en-US" dirty="0"/>
+              <a:t>算法</a:t>
+            </a:r>
+            <a:r>
+              <a:rPr lang="en-US" altLang="zh-CN" dirty="0"/>
+              <a:t>+</a:t>
+            </a:r>
+            <a:r>
+              <a:rPr lang="zh-CN" altLang="en-US" dirty="0"/>
+              <a:t>转弯代价测试</a:t>
+            </a:r>
+            <a:r>
+              <a:rPr lang="en-US" altLang="zh-CN" dirty="0"/>
+              <a:t>Notebook</a:t>
+            </a:r>
+            <a:r>
+              <a:rPr lang="zh-CN" altLang="en-US" dirty="0"/>
+              <a:t>：</a:t>
+            </a:r>
+            <a:r>
+              <a:rPr lang="en-US" altLang="zh-CN" dirty="0"/>
+              <a:t>main14_transmitter_cost_map_visualization_test.ipynb</a:t>
+            </a:r>
+          </a:p>
+          <a:p>
+            <a:r>
+              <a:rPr lang="zh-CN" altLang="en-US" dirty="0"/>
+              <a:t>新地图：</a:t>
+            </a:r>
+            <a:r>
+              <a:rPr lang="en-US" altLang="zh-CN" dirty="0"/>
+              <a:t>main14_transmitter_cost_map.txt</a:t>
+            </a:r>
+          </a:p>
+          <a:p>
+            <a:r>
+              <a:rPr lang="zh-CN" altLang="en-US" dirty="0"/>
+              <a:t>新地图测试对比添加转弯代价前后：</a:t>
+            </a:r>
+            <a:r>
+              <a:rPr lang="en-US" altLang="zh-CN" dirty="0"/>
+              <a:t>main14_transmitter_cost_visualization_test.ipynb</a:t>
+            </a:r>
+          </a:p>
+          <a:p>
+            <a:endParaRPr lang="zh-CN" altLang="en-US" dirty="0"/>
+          </a:p>
+        </p:txBody>
+      </p:sp>
+      <p:sp>
+        <p:nvSpPr>
+          <p:cNvPr id="4" name="灯片编号占位符 3"/>
+          <p:cNvSpPr>
+            <a:spLocks noGrp="1"/>
+          </p:cNvSpPr>
+          <p:nvPr>
+            <p:ph type="sldNum" sz="quarter" idx="5"/>
+          </p:nvPr>
+        </p:nvSpPr>
+        <p:spPr/>
+        <p:txBody>
+          <a:bodyPr/>
+          <a:lstStyle/>
+          <a:p>
+            <a:fld id="{F229329F-0271-46D7-A5B8-63D7D7F0093C}" type="slidenum">
+              <a:rPr lang="zh-CN" altLang="en-US" smtClean="0"/>
+              <a:t>37</a:t>
+            </a:fld>
+            <a:endParaRPr lang="zh-CN" altLang="en-US"/>
+          </a:p>
+        </p:txBody>
+      </p:sp>
+    </p:spTree>
+    <p:extLst>
+      <p:ext uri="{BB962C8B-B14F-4D97-AF65-F5344CB8AC3E}">
+        <p14:creationId xmlns:p14="http://schemas.microsoft.com/office/powerpoint/2010/main" val="2268213812"/>
       </p:ext>
     </p:extLst>
   </p:cSld>
@@ -33466,7 +33668,13 @@
           <p:cNvGraphicFramePr>
             <a:graphicFrameLocks noChangeAspect="1"/>
           </p:cNvGraphicFramePr>
-          <p:nvPr/>
+          <p:nvPr>
+            <p:extLst>
+              <p:ext uri="{D42A27DB-BD31-4B8C-83A1-F6EECF244321}">
+                <p14:modId xmlns:p14="http://schemas.microsoft.com/office/powerpoint/2010/main" val="3719559273"/>
+              </p:ext>
+            </p:extLst>
+          </p:nvPr>
         </p:nvGraphicFramePr>
         <p:xfrm>
           <a:off x="7010741" y="3562518"/>
@@ -33476,7 +33684,7 @@
           <a:graphicData uri="http://schemas.openxmlformats.org/presentationml/2006/ole">
             <mc:AlternateContent xmlns:mc="http://schemas.openxmlformats.org/markup-compatibility/2006">
               <mc:Choice xmlns:v="urn:schemas-microsoft-com:vml" Requires="v">
-                <p:oleObj spid="_x0000_s2649" name="Equation" r:id="rId4" imgW="104546400" imgH="9448800" progId="Equation.DSMT4">
+                <p:oleObj spid="_x0000_s2789" name="Equation" r:id="rId4" imgW="104546400" imgH="9448800" progId="Equation.DSMT4">
                   <p:embed/>
                 </p:oleObj>
               </mc:Choice>
@@ -33517,22 +33725,28 @@
           <p:cNvGraphicFramePr>
             <a:graphicFrameLocks noChangeAspect="1"/>
           </p:cNvGraphicFramePr>
-          <p:nvPr/>
+          <p:nvPr>
+            <p:extLst>
+              <p:ext uri="{D42A27DB-BD31-4B8C-83A1-F6EECF244321}">
+                <p14:modId xmlns:p14="http://schemas.microsoft.com/office/powerpoint/2010/main" val="1224883484"/>
+              </p:ext>
+            </p:extLst>
+          </p:nvPr>
         </p:nvGraphicFramePr>
         <p:xfrm>
-          <a:off x="7014060" y="4435087"/>
-          <a:ext cx="4209196" cy="993170"/>
+          <a:off x="9036050" y="4910138"/>
+          <a:ext cx="163513" cy="41275"/>
         </p:xfrm>
         <a:graphic>
           <a:graphicData uri="http://schemas.openxmlformats.org/presentationml/2006/ole">
             <mc:AlternateContent xmlns:mc="http://schemas.openxmlformats.org/markup-compatibility/2006">
               <mc:Choice xmlns:v="urn:schemas-microsoft-com:vml" Requires="v">
-                <p:oleObj spid="_x0000_s2650" name="Equation" r:id="rId6" imgW="81686400" imgH="18897600" progId="Equation.DSMT4">
+                <p:oleObj spid="_x0000_s2790" name="Equation" r:id="rId6" imgW="3162240" imgH="787320" progId="Equation.DSMT4">
                   <p:embed/>
                 </p:oleObj>
               </mc:Choice>
               <mc:Fallback>
-                <p:oleObj name="Equation" r:id="rId6" imgW="81686400" imgH="18897600" progId="Equation.DSMT4">
+                <p:oleObj name="Equation" r:id="rId6" imgW="3162240" imgH="787320" progId="Equation.DSMT4">
                   <p:embed/>
                   <p:pic>
                     <p:nvPicPr>
@@ -33548,8 +33762,8 @@
                     </p:blipFill>
                     <p:spPr>
                       <a:xfrm>
-                        <a:off x="7014060" y="4435087"/>
-                        <a:ext cx="4209196" cy="993170"/>
+                        <a:off x="9036050" y="4910138"/>
+                        <a:ext cx="163513" cy="41275"/>
                       </a:xfrm>
                       <a:prstGeom prst="rect">
                         <a:avLst/>
@@ -35260,7 +35474,7 @@
             <a:graphicData uri="http://schemas.openxmlformats.org/presentationml/2006/ole">
               <mc:AlternateContent xmlns:mc="http://schemas.openxmlformats.org/markup-compatibility/2006">
                 <mc:Choice xmlns:v="urn:schemas-microsoft-com:vml" Requires="v">
-                  <p:oleObj spid="_x0000_s2651" name="Equation" r:id="rId8" imgW="8839200" imgH="5181600" progId="Equation.DSMT4">
+                  <p:oleObj spid="_x0000_s2791" name="Equation" r:id="rId8" imgW="8839200" imgH="5181600" progId="Equation.DSMT4">
                     <p:embed/>
                   </p:oleObj>
                 </mc:Choice>
@@ -36085,7 +36299,7 @@
           <a:graphicData uri="http://schemas.openxmlformats.org/presentationml/2006/ole">
             <mc:AlternateContent xmlns:mc="http://schemas.openxmlformats.org/markup-compatibility/2006">
               <mc:Choice xmlns:v="urn:schemas-microsoft-com:vml" Requires="v">
-                <p:oleObj spid="_x0000_s2652" name="Equation" r:id="rId11" imgW="50596800" imgH="3962400" progId="Equation.DSMT4">
+                <p:oleObj spid="_x0000_s2792" name="Equation" r:id="rId11" imgW="50596800" imgH="3962400" progId="Equation.DSMT4">
                   <p:embed/>
                 </p:oleObj>
               </mc:Choice>
@@ -40338,6 +40552,2485 @@
     <p:extLst>
       <p:ext uri="{BB962C8B-B14F-4D97-AF65-F5344CB8AC3E}">
         <p14:creationId xmlns:p14="http://schemas.microsoft.com/office/powerpoint/2010/main" val="2787844660"/>
+      </p:ext>
+    </p:extLst>
+  </p:cSld>
+  <p:clrMapOvr>
+    <a:masterClrMapping/>
+  </p:clrMapOvr>
+</p:sld>
+</file>
+
+<file path=ppt/slides/slide37.xml><?xml version="1.0" encoding="utf-8"?>
+<p:sld xmlns:a="http://schemas.openxmlformats.org/drawingml/2006/main" xmlns:r="http://schemas.openxmlformats.org/officeDocument/2006/relationships" xmlns:p="http://schemas.openxmlformats.org/presentationml/2006/main">
+  <p:cSld>
+    <p:spTree>
+      <p:nvGrpSpPr>
+        <p:cNvPr id="1" name=""/>
+        <p:cNvGrpSpPr/>
+        <p:nvPr/>
+      </p:nvGrpSpPr>
+      <p:grpSpPr>
+        <a:xfrm>
+          <a:off x="0" y="0"/>
+          <a:ext cx="0" cy="0"/>
+          <a:chOff x="0" y="0"/>
+          <a:chExt cx="0" cy="0"/>
+        </a:xfrm>
+      </p:grpSpPr>
+      <p:sp>
+        <p:nvSpPr>
+          <p:cNvPr id="2" name="标题 1">
+            <a:extLst>
+              <a:ext uri="{FF2B5EF4-FFF2-40B4-BE49-F238E27FC236}">
+                <a16:creationId xmlns:a16="http://schemas.microsoft.com/office/drawing/2014/main" id="{61D96EC2-0D45-4082-8D16-8358BDA71C56}"/>
+              </a:ext>
+            </a:extLst>
+          </p:cNvPr>
+          <p:cNvSpPr>
+            <a:spLocks noGrp="1"/>
+          </p:cNvSpPr>
+          <p:nvPr>
+            <p:ph type="title"/>
+          </p:nvPr>
+        </p:nvSpPr>
+        <p:spPr/>
+        <p:txBody>
+          <a:bodyPr/>
+          <a:lstStyle/>
+          <a:p>
+            <a:r>
+              <a:rPr lang="zh-CN" altLang="en-US" dirty="0"/>
+              <a:t>最短路径</a:t>
+            </a:r>
+            <a:r>
+              <a:rPr lang="en-US" altLang="zh-CN" dirty="0"/>
+              <a:t>VS</a:t>
+            </a:r>
+            <a:r>
+              <a:rPr lang="zh-CN" altLang="en-US" dirty="0"/>
+              <a:t>最短路径</a:t>
+            </a:r>
+            <a:r>
+              <a:rPr lang="en-US" altLang="zh-CN" dirty="0"/>
+              <a:t>+</a:t>
+            </a:r>
+            <a:r>
+              <a:rPr lang="zh-CN" altLang="en-US" dirty="0"/>
+              <a:t>转弯代价</a:t>
+            </a:r>
+          </a:p>
+        </p:txBody>
+      </p:sp>
+      <p:graphicFrame>
+        <p:nvGraphicFramePr>
+          <p:cNvPr id="4" name="表格 4">
+            <a:extLst>
+              <a:ext uri="{FF2B5EF4-FFF2-40B4-BE49-F238E27FC236}">
+                <a16:creationId xmlns:a16="http://schemas.microsoft.com/office/drawing/2014/main" id="{DDD74599-A181-4314-8B63-CD0A7B6DC1AD}"/>
+              </a:ext>
+            </a:extLst>
+          </p:cNvPr>
+          <p:cNvGraphicFramePr>
+            <a:graphicFrameLocks noGrp="1"/>
+          </p:cNvGraphicFramePr>
+          <p:nvPr>
+            <p:ph idx="1"/>
+            <p:extLst>
+              <p:ext uri="{D42A27DB-BD31-4B8C-83A1-F6EECF244321}">
+                <p14:modId xmlns:p14="http://schemas.microsoft.com/office/powerpoint/2010/main" val="2278000410"/>
+              </p:ext>
+            </p:extLst>
+          </p:nvPr>
+        </p:nvGraphicFramePr>
+        <p:xfrm>
+          <a:off x="1341959" y="1327391"/>
+          <a:ext cx="2549850" cy="1532038"/>
+        </p:xfrm>
+        <a:graphic>
+          <a:graphicData uri="http://schemas.openxmlformats.org/drawingml/2006/table">
+            <a:tbl>
+              <a:tblPr firstRow="1" bandRow="1">
+                <a:tableStyleId>{0505E3EF-67EA-436B-97B2-0124C06EBD24}</a:tableStyleId>
+              </a:tblPr>
+              <a:tblGrid>
+                <a:gridCol w="849950">
+                  <a:extLst>
+                    <a:ext uri="{9D8B030D-6E8A-4147-A177-3AD203B41FA5}">
+                      <a16:colId xmlns:a16="http://schemas.microsoft.com/office/drawing/2014/main" val="4005963095"/>
+                    </a:ext>
+                  </a:extLst>
+                </a:gridCol>
+                <a:gridCol w="849950">
+                  <a:extLst>
+                    <a:ext uri="{9D8B030D-6E8A-4147-A177-3AD203B41FA5}">
+                      <a16:colId xmlns:a16="http://schemas.microsoft.com/office/drawing/2014/main" val="3206113513"/>
+                    </a:ext>
+                  </a:extLst>
+                </a:gridCol>
+                <a:gridCol w="849950">
+                  <a:extLst>
+                    <a:ext uri="{9D8B030D-6E8A-4147-A177-3AD203B41FA5}">
+                      <a16:colId xmlns:a16="http://schemas.microsoft.com/office/drawing/2014/main" val="1315463356"/>
+                    </a:ext>
+                  </a:extLst>
+                </a:gridCol>
+              </a:tblGrid>
+              <a:tr h="580174">
+                <a:tc>
+                  <a:txBody>
+                    <a:bodyPr/>
+                    <a:lstStyle/>
+                    <a:p>
+                      <a:r>
+                        <a:rPr lang="en-US" altLang="zh-CN" sz="2300" b="1" dirty="0"/>
+                        <a:t>1(C1)</a:t>
+                      </a:r>
+                      <a:endParaRPr lang="zh-CN" altLang="en-US" sz="2300" b="1" dirty="0"/>
+                    </a:p>
+                  </a:txBody>
+                  <a:tcPr marL="118983" marR="118983" marT="59492" marB="59492"/>
+                </a:tc>
+                <a:tc>
+                  <a:txBody>
+                    <a:bodyPr/>
+                    <a:lstStyle/>
+                    <a:p>
+                      <a:r>
+                        <a:rPr lang="en-US" altLang="zh-CN" sz="2300" b="1" dirty="0"/>
+                        <a:t>3</a:t>
+                      </a:r>
+                      <a:endParaRPr lang="zh-CN" altLang="en-US" sz="2300" b="1" dirty="0"/>
+                    </a:p>
+                  </a:txBody>
+                  <a:tcPr marL="118983" marR="118983" marT="59492" marB="59492"/>
+                </a:tc>
+                <a:tc>
+                  <a:txBody>
+                    <a:bodyPr/>
+                    <a:lstStyle/>
+                    <a:p>
+                      <a:r>
+                        <a:rPr lang="en-US" altLang="zh-CN" sz="2300" b="1" dirty="0"/>
+                        <a:t>3</a:t>
+                      </a:r>
+                      <a:endParaRPr lang="zh-CN" altLang="en-US" sz="2300" b="1" dirty="0"/>
+                    </a:p>
+                  </a:txBody>
+                  <a:tcPr marL="118983" marR="118983" marT="59492" marB="59492"/>
+                </a:tc>
+                <a:extLst>
+                  <a:ext uri="{0D108BD9-81ED-4DB2-BD59-A6C34878D82A}">
+                    <a16:rowId xmlns:a16="http://schemas.microsoft.com/office/drawing/2014/main" val="2945920525"/>
+                  </a:ext>
+                </a:extLst>
+              </a:tr>
+              <a:tr h="475932">
+                <a:tc>
+                  <a:txBody>
+                    <a:bodyPr/>
+                    <a:lstStyle/>
+                    <a:p>
+                      <a:r>
+                        <a:rPr lang="en-US" altLang="zh-CN" sz="2300" b="1" dirty="0"/>
+                        <a:t>1</a:t>
+                      </a:r>
+                      <a:endParaRPr lang="zh-CN" altLang="en-US" sz="2300" b="1" dirty="0"/>
+                    </a:p>
+                  </a:txBody>
+                  <a:tcPr marL="118983" marR="118983" marT="59492" marB="59492"/>
+                </a:tc>
+                <a:tc>
+                  <a:txBody>
+                    <a:bodyPr/>
+                    <a:lstStyle/>
+                    <a:p>
+                      <a:r>
+                        <a:rPr lang="en-US" altLang="zh-CN" sz="2300" b="1" dirty="0"/>
+                        <a:t>1</a:t>
+                      </a:r>
+                      <a:endParaRPr lang="zh-CN" altLang="en-US" sz="2300" b="1" dirty="0"/>
+                    </a:p>
+                  </a:txBody>
+                  <a:tcPr marL="118983" marR="118983" marT="59492" marB="59492"/>
+                </a:tc>
+                <a:tc>
+                  <a:txBody>
+                    <a:bodyPr/>
+                    <a:lstStyle/>
+                    <a:p>
+                      <a:pPr marL="0" marR="0" lvl="0" indent="0" algn="l" defTabSz="914400" rtl="0" eaLnBrk="1" fontAlgn="auto" latinLnBrk="0" hangingPunct="1">
+                        <a:lnSpc>
+                          <a:spcPct val="100000"/>
+                        </a:lnSpc>
+                        <a:spcBef>
+                          <a:spcPts val="0"/>
+                        </a:spcBef>
+                        <a:spcAft>
+                          <a:spcPts val="0"/>
+                        </a:spcAft>
+                        <a:buClrTx/>
+                        <a:buSzTx/>
+                        <a:buFontTx/>
+                        <a:buNone/>
+                        <a:tabLst/>
+                        <a:defRPr/>
+                      </a:pPr>
+                      <a:r>
+                        <a:rPr lang="en-US" altLang="zh-CN" sz="2300" b="1" dirty="0"/>
+                        <a:t>2(C2)</a:t>
+                      </a:r>
+                      <a:endParaRPr lang="zh-CN" altLang="en-US" sz="2300" b="1" dirty="0"/>
+                    </a:p>
+                  </a:txBody>
+                  <a:tcPr marL="118983" marR="118983" marT="59492" marB="59492"/>
+                </a:tc>
+                <a:extLst>
+                  <a:ext uri="{0D108BD9-81ED-4DB2-BD59-A6C34878D82A}">
+                    <a16:rowId xmlns:a16="http://schemas.microsoft.com/office/drawing/2014/main" val="4005015718"/>
+                  </a:ext>
+                </a:extLst>
+              </a:tr>
+              <a:tr h="475932">
+                <a:tc>
+                  <a:txBody>
+                    <a:bodyPr/>
+                    <a:lstStyle/>
+                    <a:p>
+                      <a:r>
+                        <a:rPr lang="en-US" altLang="zh-CN" sz="2300" b="1" dirty="0"/>
+                        <a:t>2</a:t>
+                      </a:r>
+                      <a:endParaRPr lang="zh-CN" altLang="en-US" sz="2300" b="1" dirty="0"/>
+                    </a:p>
+                  </a:txBody>
+                  <a:tcPr marL="118983" marR="118983" marT="59492" marB="59492"/>
+                </a:tc>
+                <a:tc>
+                  <a:txBody>
+                    <a:bodyPr/>
+                    <a:lstStyle/>
+                    <a:p>
+                      <a:r>
+                        <a:rPr lang="en-US" altLang="zh-CN" sz="2300" b="1" dirty="0"/>
+                        <a:t>1</a:t>
+                      </a:r>
+                      <a:endParaRPr lang="zh-CN" altLang="en-US" sz="2300" b="1" dirty="0"/>
+                    </a:p>
+                  </a:txBody>
+                  <a:tcPr marL="118983" marR="118983" marT="59492" marB="59492"/>
+                </a:tc>
+                <a:tc>
+                  <a:txBody>
+                    <a:bodyPr/>
+                    <a:lstStyle/>
+                    <a:p>
+                      <a:r>
+                        <a:rPr lang="en-US" altLang="zh-CN" sz="2300" b="1" dirty="0"/>
+                        <a:t>3(P)</a:t>
+                      </a:r>
+                      <a:endParaRPr lang="zh-CN" altLang="en-US" sz="2300" b="1" dirty="0"/>
+                    </a:p>
+                  </a:txBody>
+                  <a:tcPr marL="118983" marR="118983" marT="59492" marB="59492"/>
+                </a:tc>
+                <a:extLst>
+                  <a:ext uri="{0D108BD9-81ED-4DB2-BD59-A6C34878D82A}">
+                    <a16:rowId xmlns:a16="http://schemas.microsoft.com/office/drawing/2014/main" val="530309258"/>
+                  </a:ext>
+                </a:extLst>
+              </a:tr>
+            </a:tbl>
+          </a:graphicData>
+        </a:graphic>
+      </p:graphicFrame>
+      <p:grpSp>
+        <p:nvGrpSpPr>
+          <p:cNvPr id="148" name="组合 147">
+            <a:extLst>
+              <a:ext uri="{FF2B5EF4-FFF2-40B4-BE49-F238E27FC236}">
+                <a16:creationId xmlns:a16="http://schemas.microsoft.com/office/drawing/2014/main" id="{016D1E2F-0310-4E06-9C9B-C5130242C4E8}"/>
+              </a:ext>
+            </a:extLst>
+          </p:cNvPr>
+          <p:cNvGrpSpPr/>
+          <p:nvPr/>
+        </p:nvGrpSpPr>
+        <p:grpSpPr>
+          <a:xfrm>
+            <a:off x="1788660" y="1755525"/>
+            <a:ext cx="1676400" cy="880888"/>
+            <a:chOff x="2847570" y="3857134"/>
+            <a:chExt cx="1676400" cy="880888"/>
+          </a:xfrm>
+        </p:grpSpPr>
+        <p:cxnSp>
+          <p:nvCxnSpPr>
+            <p:cNvPr id="69" name="直接箭头连接符 68">
+              <a:extLst>
+                <a:ext uri="{FF2B5EF4-FFF2-40B4-BE49-F238E27FC236}">
+                  <a16:creationId xmlns:a16="http://schemas.microsoft.com/office/drawing/2014/main" id="{629CA613-FBE9-4D0E-A850-17647A587314}"/>
+                </a:ext>
+              </a:extLst>
+            </p:cNvPr>
+            <p:cNvCxnSpPr>
+              <a:cxnSpLocks/>
+            </p:cNvCxnSpPr>
+            <p:nvPr/>
+          </p:nvCxnSpPr>
+          <p:spPr>
+            <a:xfrm flipV="1">
+              <a:off x="4523970" y="4369976"/>
+              <a:ext cx="0" cy="227424"/>
+            </a:xfrm>
+            <a:prstGeom prst="straightConnector1">
+              <a:avLst/>
+            </a:prstGeom>
+            <a:ln w="38100">
+              <a:tailEnd type="triangle"/>
+            </a:ln>
+          </p:spPr>
+          <p:style>
+            <a:lnRef idx="1">
+              <a:schemeClr val="accent1"/>
+            </a:lnRef>
+            <a:fillRef idx="0">
+              <a:schemeClr val="accent1"/>
+            </a:fillRef>
+            <a:effectRef idx="0">
+              <a:schemeClr val="accent1"/>
+            </a:effectRef>
+            <a:fontRef idx="minor">
+              <a:schemeClr val="tx1"/>
+            </a:fontRef>
+          </p:style>
+        </p:cxnSp>
+        <p:grpSp>
+          <p:nvGrpSpPr>
+            <p:cNvPr id="147" name="组合 146">
+              <a:extLst>
+                <a:ext uri="{FF2B5EF4-FFF2-40B4-BE49-F238E27FC236}">
+                  <a16:creationId xmlns:a16="http://schemas.microsoft.com/office/drawing/2014/main" id="{05D442AB-5EEF-48D8-8D53-7FAB980D4B8D}"/>
+                </a:ext>
+              </a:extLst>
+            </p:cNvPr>
+            <p:cNvGrpSpPr/>
+            <p:nvPr/>
+          </p:nvGrpSpPr>
+          <p:grpSpPr>
+            <a:xfrm>
+              <a:off x="2847570" y="3857134"/>
+              <a:ext cx="1329575" cy="880888"/>
+              <a:chOff x="2847570" y="3857134"/>
+              <a:chExt cx="1329575" cy="880888"/>
+            </a:xfrm>
+          </p:grpSpPr>
+          <p:cxnSp>
+            <p:nvCxnSpPr>
+              <p:cNvPr id="71" name="直接箭头连接符 70">
+                <a:extLst>
+                  <a:ext uri="{FF2B5EF4-FFF2-40B4-BE49-F238E27FC236}">
+                    <a16:creationId xmlns:a16="http://schemas.microsoft.com/office/drawing/2014/main" id="{0ADBD1E0-930B-4E7A-9BC4-93D86408A91E}"/>
+                  </a:ext>
+                </a:extLst>
+              </p:cNvPr>
+              <p:cNvCxnSpPr>
+                <a:cxnSpLocks/>
+              </p:cNvCxnSpPr>
+              <p:nvPr/>
+            </p:nvCxnSpPr>
+            <p:spPr>
+              <a:xfrm flipV="1">
+                <a:off x="3658061" y="4369976"/>
+                <a:ext cx="0" cy="227424"/>
+              </a:xfrm>
+              <a:prstGeom prst="straightConnector1">
+                <a:avLst/>
+              </a:prstGeom>
+              <a:ln w="38100">
+                <a:tailEnd type="triangle"/>
+              </a:ln>
+            </p:spPr>
+            <p:style>
+              <a:lnRef idx="1">
+                <a:schemeClr val="accent1"/>
+              </a:lnRef>
+              <a:fillRef idx="0">
+                <a:schemeClr val="accent1"/>
+              </a:fillRef>
+              <a:effectRef idx="0">
+                <a:schemeClr val="accent1"/>
+              </a:effectRef>
+              <a:fontRef idx="minor">
+                <a:schemeClr val="tx1"/>
+              </a:fontRef>
+            </p:style>
+          </p:cxnSp>
+          <p:cxnSp>
+            <p:nvCxnSpPr>
+              <p:cNvPr id="72" name="直接箭头连接符 71">
+                <a:extLst>
+                  <a:ext uri="{FF2B5EF4-FFF2-40B4-BE49-F238E27FC236}">
+                    <a16:creationId xmlns:a16="http://schemas.microsoft.com/office/drawing/2014/main" id="{D63ED04C-D510-4E0C-8EAB-F73BC239F7A8}"/>
+                  </a:ext>
+                </a:extLst>
+              </p:cNvPr>
+              <p:cNvCxnSpPr>
+                <a:cxnSpLocks/>
+              </p:cNvCxnSpPr>
+              <p:nvPr/>
+            </p:nvCxnSpPr>
+            <p:spPr>
+              <a:xfrm flipV="1">
+                <a:off x="2847570" y="3857134"/>
+                <a:ext cx="0" cy="227424"/>
+              </a:xfrm>
+              <a:prstGeom prst="straightConnector1">
+                <a:avLst/>
+              </a:prstGeom>
+              <a:ln w="38100">
+                <a:tailEnd type="triangle"/>
+              </a:ln>
+            </p:spPr>
+            <p:style>
+              <a:lnRef idx="1">
+                <a:schemeClr val="accent1"/>
+              </a:lnRef>
+              <a:fillRef idx="0">
+                <a:schemeClr val="accent1"/>
+              </a:fillRef>
+              <a:effectRef idx="0">
+                <a:schemeClr val="accent1"/>
+              </a:effectRef>
+              <a:fontRef idx="minor">
+                <a:schemeClr val="tx1"/>
+              </a:fontRef>
+            </p:style>
+          </p:cxnSp>
+          <p:cxnSp>
+            <p:nvCxnSpPr>
+              <p:cNvPr id="74" name="直接箭头连接符 73">
+                <a:extLst>
+                  <a:ext uri="{FF2B5EF4-FFF2-40B4-BE49-F238E27FC236}">
+                    <a16:creationId xmlns:a16="http://schemas.microsoft.com/office/drawing/2014/main" id="{F66776DA-8347-49CA-9DD1-FD5170F65C51}"/>
+                  </a:ext>
+                </a:extLst>
+              </p:cNvPr>
+              <p:cNvCxnSpPr>
+                <a:cxnSpLocks/>
+              </p:cNvCxnSpPr>
+              <p:nvPr/>
+            </p:nvCxnSpPr>
+            <p:spPr>
+              <a:xfrm flipH="1">
+                <a:off x="3917156" y="4738022"/>
+                <a:ext cx="259989" cy="0"/>
+              </a:xfrm>
+              <a:prstGeom prst="straightConnector1">
+                <a:avLst/>
+              </a:prstGeom>
+              <a:ln w="38100">
+                <a:tailEnd type="triangle"/>
+              </a:ln>
+            </p:spPr>
+            <p:style>
+              <a:lnRef idx="1">
+                <a:schemeClr val="accent1"/>
+              </a:lnRef>
+              <a:fillRef idx="0">
+                <a:schemeClr val="accent1"/>
+              </a:fillRef>
+              <a:effectRef idx="0">
+                <a:schemeClr val="accent1"/>
+              </a:effectRef>
+              <a:fontRef idx="minor">
+                <a:schemeClr val="tx1"/>
+              </a:fontRef>
+            </p:style>
+          </p:cxnSp>
+          <p:cxnSp>
+            <p:nvCxnSpPr>
+              <p:cNvPr id="77" name="直接箭头连接符 76">
+                <a:extLst>
+                  <a:ext uri="{FF2B5EF4-FFF2-40B4-BE49-F238E27FC236}">
+                    <a16:creationId xmlns:a16="http://schemas.microsoft.com/office/drawing/2014/main" id="{E050C98B-2D7C-4384-88C7-94765E7ABB57}"/>
+                  </a:ext>
+                </a:extLst>
+              </p:cNvPr>
+              <p:cNvCxnSpPr>
+                <a:cxnSpLocks/>
+              </p:cNvCxnSpPr>
+              <p:nvPr/>
+            </p:nvCxnSpPr>
+            <p:spPr>
+              <a:xfrm flipH="1">
+                <a:off x="3016611" y="4320542"/>
+                <a:ext cx="259989" cy="0"/>
+              </a:xfrm>
+              <a:prstGeom prst="straightConnector1">
+                <a:avLst/>
+              </a:prstGeom>
+              <a:ln w="38100">
+                <a:tailEnd type="triangle"/>
+              </a:ln>
+            </p:spPr>
+            <p:style>
+              <a:lnRef idx="1">
+                <a:schemeClr val="accent1"/>
+              </a:lnRef>
+              <a:fillRef idx="0">
+                <a:schemeClr val="accent1"/>
+              </a:fillRef>
+              <a:effectRef idx="0">
+                <a:schemeClr val="accent1"/>
+              </a:effectRef>
+              <a:fontRef idx="minor">
+                <a:schemeClr val="tx1"/>
+              </a:fontRef>
+            </p:style>
+          </p:cxnSp>
+        </p:grpSp>
+      </p:grpSp>
+      <p:sp>
+        <p:nvSpPr>
+          <p:cNvPr id="149" name="文本框 148">
+            <a:extLst>
+              <a:ext uri="{FF2B5EF4-FFF2-40B4-BE49-F238E27FC236}">
+                <a16:creationId xmlns:a16="http://schemas.microsoft.com/office/drawing/2014/main" id="{D7F9EAF1-DFBB-413C-B569-18613AAE264E}"/>
+              </a:ext>
+            </a:extLst>
+          </p:cNvPr>
+          <p:cNvSpPr txBox="1"/>
+          <p:nvPr/>
+        </p:nvSpPr>
+        <p:spPr>
+          <a:xfrm>
+            <a:off x="2473710" y="1952834"/>
+            <a:ext cx="439544" cy="369332"/>
+          </a:xfrm>
+          <a:prstGeom prst="rect">
+            <a:avLst/>
+          </a:prstGeom>
+          <a:noFill/>
+        </p:spPr>
+        <p:txBody>
+          <a:bodyPr wrap="none" rtlCol="0">
+            <a:spAutoFit/>
+          </a:bodyPr>
+          <a:lstStyle/>
+          <a:p>
+            <a:r>
+              <a:rPr lang="en-US" altLang="zh-CN" b="1" dirty="0">
+                <a:solidFill>
+                  <a:schemeClr val="accent1"/>
+                </a:solidFill>
+              </a:rPr>
+              <a:t>T2</a:t>
+            </a:r>
+            <a:endParaRPr lang="zh-CN" altLang="en-US" b="1" dirty="0">
+              <a:solidFill>
+                <a:schemeClr val="accent1"/>
+              </a:solidFill>
+            </a:endParaRPr>
+          </a:p>
+        </p:txBody>
+      </p:sp>
+      <p:sp>
+        <p:nvSpPr>
+          <p:cNvPr id="150" name="文本框 149">
+            <a:extLst>
+              <a:ext uri="{FF2B5EF4-FFF2-40B4-BE49-F238E27FC236}">
+                <a16:creationId xmlns:a16="http://schemas.microsoft.com/office/drawing/2014/main" id="{909478E2-E35F-490D-A988-BB370E5B8C2E}"/>
+              </a:ext>
+            </a:extLst>
+          </p:cNvPr>
+          <p:cNvSpPr txBox="1"/>
+          <p:nvPr/>
+        </p:nvSpPr>
+        <p:spPr>
+          <a:xfrm>
+            <a:off x="2502051" y="2431587"/>
+            <a:ext cx="439544" cy="369332"/>
+          </a:xfrm>
+          <a:prstGeom prst="rect">
+            <a:avLst/>
+          </a:prstGeom>
+          <a:noFill/>
+        </p:spPr>
+        <p:txBody>
+          <a:bodyPr wrap="none" rtlCol="0">
+            <a:spAutoFit/>
+          </a:bodyPr>
+          <a:lstStyle/>
+          <a:p>
+            <a:r>
+              <a:rPr lang="en-US" altLang="zh-CN" b="1" dirty="0">
+                <a:solidFill>
+                  <a:schemeClr val="accent1"/>
+                </a:solidFill>
+              </a:rPr>
+              <a:t>T1</a:t>
+            </a:r>
+            <a:endParaRPr lang="zh-CN" altLang="en-US" b="1" dirty="0">
+              <a:solidFill>
+                <a:schemeClr val="accent1"/>
+              </a:solidFill>
+            </a:endParaRPr>
+          </a:p>
+        </p:txBody>
+      </p:sp>
+      <p:sp>
+        <p:nvSpPr>
+          <p:cNvPr id="151" name="文本框 150">
+            <a:extLst>
+              <a:ext uri="{FF2B5EF4-FFF2-40B4-BE49-F238E27FC236}">
+                <a16:creationId xmlns:a16="http://schemas.microsoft.com/office/drawing/2014/main" id="{8F50A4B7-FB58-4F0F-BAD2-DEDE641BB99A}"/>
+              </a:ext>
+            </a:extLst>
+          </p:cNvPr>
+          <p:cNvSpPr txBox="1"/>
+          <p:nvPr/>
+        </p:nvSpPr>
+        <p:spPr>
+          <a:xfrm>
+            <a:off x="1616182" y="1961350"/>
+            <a:ext cx="439544" cy="369332"/>
+          </a:xfrm>
+          <a:prstGeom prst="rect">
+            <a:avLst/>
+          </a:prstGeom>
+          <a:noFill/>
+        </p:spPr>
+        <p:txBody>
+          <a:bodyPr wrap="none" rtlCol="0">
+            <a:spAutoFit/>
+          </a:bodyPr>
+          <a:lstStyle/>
+          <a:p>
+            <a:r>
+              <a:rPr lang="en-US" altLang="zh-CN" b="1" dirty="0">
+                <a:solidFill>
+                  <a:schemeClr val="accent1"/>
+                </a:solidFill>
+              </a:rPr>
+              <a:t>T3</a:t>
+            </a:r>
+            <a:endParaRPr lang="zh-CN" altLang="en-US" b="1" dirty="0">
+              <a:solidFill>
+                <a:schemeClr val="accent1"/>
+              </a:solidFill>
+            </a:endParaRPr>
+          </a:p>
+        </p:txBody>
+      </p:sp>
+      <p:grpSp>
+        <p:nvGrpSpPr>
+          <p:cNvPr id="155" name="组合 154">
+            <a:extLst>
+              <a:ext uri="{FF2B5EF4-FFF2-40B4-BE49-F238E27FC236}">
+                <a16:creationId xmlns:a16="http://schemas.microsoft.com/office/drawing/2014/main" id="{88178766-CCF7-4390-AD97-2CF519DF23F5}"/>
+              </a:ext>
+            </a:extLst>
+          </p:cNvPr>
+          <p:cNvGrpSpPr/>
+          <p:nvPr/>
+        </p:nvGrpSpPr>
+        <p:grpSpPr>
+          <a:xfrm>
+            <a:off x="1503464" y="1755525"/>
+            <a:ext cx="1614772" cy="1134016"/>
+            <a:chOff x="2281386" y="3157046"/>
+            <a:chExt cx="1614772" cy="1134016"/>
+          </a:xfrm>
+        </p:grpSpPr>
+        <p:grpSp>
+          <p:nvGrpSpPr>
+            <p:cNvPr id="146" name="组合 145">
+              <a:extLst>
+                <a:ext uri="{FF2B5EF4-FFF2-40B4-BE49-F238E27FC236}">
+                  <a16:creationId xmlns:a16="http://schemas.microsoft.com/office/drawing/2014/main" id="{8A029E79-1125-448A-B143-0DD0FD470FCD}"/>
+                </a:ext>
+              </a:extLst>
+            </p:cNvPr>
+            <p:cNvGrpSpPr/>
+            <p:nvPr/>
+          </p:nvGrpSpPr>
+          <p:grpSpPr>
+            <a:xfrm>
+              <a:off x="2477452" y="3157046"/>
+              <a:ext cx="1418706" cy="1015278"/>
+              <a:chOff x="2758440" y="3857134"/>
+              <a:chExt cx="1418706" cy="1015278"/>
+            </a:xfrm>
+          </p:grpSpPr>
+          <p:cxnSp>
+            <p:nvCxnSpPr>
+              <p:cNvPr id="73" name="直接箭头连接符 72">
+                <a:extLst>
+                  <a:ext uri="{FF2B5EF4-FFF2-40B4-BE49-F238E27FC236}">
+                    <a16:creationId xmlns:a16="http://schemas.microsoft.com/office/drawing/2014/main" id="{863A6D09-5AD6-4E4C-A4AC-384D3727EC82}"/>
+                  </a:ext>
+                </a:extLst>
+              </p:cNvPr>
+              <p:cNvCxnSpPr>
+                <a:cxnSpLocks/>
+              </p:cNvCxnSpPr>
+              <p:nvPr/>
+            </p:nvCxnSpPr>
+            <p:spPr>
+              <a:xfrm flipH="1">
+                <a:off x="2894864" y="4872412"/>
+                <a:ext cx="1282282" cy="0"/>
+              </a:xfrm>
+              <a:prstGeom prst="straightConnector1">
+                <a:avLst/>
+              </a:prstGeom>
+              <a:ln w="38100">
+                <a:solidFill>
+                  <a:srgbClr val="FF0000"/>
+                </a:solidFill>
+                <a:tailEnd type="triangle"/>
+              </a:ln>
+            </p:spPr>
+            <p:style>
+              <a:lnRef idx="1">
+                <a:schemeClr val="accent1"/>
+              </a:lnRef>
+              <a:fillRef idx="0">
+                <a:schemeClr val="accent1"/>
+              </a:fillRef>
+              <a:effectRef idx="0">
+                <a:schemeClr val="accent1"/>
+              </a:effectRef>
+              <a:fontRef idx="minor">
+                <a:schemeClr val="tx1"/>
+              </a:fontRef>
+            </p:style>
+          </p:cxnSp>
+          <p:cxnSp>
+            <p:nvCxnSpPr>
+              <p:cNvPr id="141" name="直接箭头连接符 140">
+                <a:extLst>
+                  <a:ext uri="{FF2B5EF4-FFF2-40B4-BE49-F238E27FC236}">
+                    <a16:creationId xmlns:a16="http://schemas.microsoft.com/office/drawing/2014/main" id="{45931223-8169-4BE2-BBAE-E4FBFF870DAF}"/>
+                  </a:ext>
+                </a:extLst>
+              </p:cNvPr>
+              <p:cNvCxnSpPr>
+                <a:cxnSpLocks/>
+              </p:cNvCxnSpPr>
+              <p:nvPr/>
+            </p:nvCxnSpPr>
+            <p:spPr>
+              <a:xfrm flipV="1">
+                <a:off x="2758440" y="3857134"/>
+                <a:ext cx="0" cy="818375"/>
+              </a:xfrm>
+              <a:prstGeom prst="straightConnector1">
+                <a:avLst/>
+              </a:prstGeom>
+              <a:ln w="38100">
+                <a:solidFill>
+                  <a:srgbClr val="FF0000"/>
+                </a:solidFill>
+                <a:tailEnd type="triangle"/>
+              </a:ln>
+            </p:spPr>
+            <p:style>
+              <a:lnRef idx="1">
+                <a:schemeClr val="accent1"/>
+              </a:lnRef>
+              <a:fillRef idx="0">
+                <a:schemeClr val="accent1"/>
+              </a:fillRef>
+              <a:effectRef idx="0">
+                <a:schemeClr val="accent1"/>
+              </a:effectRef>
+              <a:fontRef idx="minor">
+                <a:schemeClr val="tx1"/>
+              </a:fontRef>
+            </p:style>
+          </p:cxnSp>
+        </p:grpSp>
+        <p:sp>
+          <p:nvSpPr>
+            <p:cNvPr id="152" name="文本框 151">
+              <a:extLst>
+                <a:ext uri="{FF2B5EF4-FFF2-40B4-BE49-F238E27FC236}">
+                  <a16:creationId xmlns:a16="http://schemas.microsoft.com/office/drawing/2014/main" id="{D51F0D63-A7B7-41CD-978E-CDACE797793E}"/>
+                </a:ext>
+              </a:extLst>
+            </p:cNvPr>
+            <p:cNvSpPr txBox="1"/>
+            <p:nvPr/>
+          </p:nvSpPr>
+          <p:spPr>
+            <a:xfrm>
+              <a:off x="2281386" y="3921730"/>
+              <a:ext cx="439544" cy="369332"/>
+            </a:xfrm>
+            <a:prstGeom prst="rect">
+              <a:avLst/>
+            </a:prstGeom>
+            <a:noFill/>
+          </p:spPr>
+          <p:txBody>
+            <a:bodyPr wrap="none" rtlCol="0">
+              <a:spAutoFit/>
+            </a:bodyPr>
+            <a:lstStyle/>
+            <a:p>
+              <a:r>
+                <a:rPr lang="en-US" altLang="zh-CN" b="1" dirty="0">
+                  <a:solidFill>
+                    <a:srgbClr val="FF0000"/>
+                  </a:solidFill>
+                </a:rPr>
+                <a:t>T1</a:t>
+              </a:r>
+              <a:endParaRPr lang="zh-CN" altLang="en-US" b="1" dirty="0">
+                <a:solidFill>
+                  <a:srgbClr val="FF0000"/>
+                </a:solidFill>
+              </a:endParaRPr>
+            </a:p>
+          </p:txBody>
+        </p:sp>
+      </p:grpSp>
+      <p:cxnSp>
+        <p:nvCxnSpPr>
+          <p:cNvPr id="156" name="直接箭头连接符 155">
+            <a:extLst>
+              <a:ext uri="{FF2B5EF4-FFF2-40B4-BE49-F238E27FC236}">
+                <a16:creationId xmlns:a16="http://schemas.microsoft.com/office/drawing/2014/main" id="{DA6BB51A-BC40-446A-A850-33EDCE3679A4}"/>
+              </a:ext>
+            </a:extLst>
+          </p:cNvPr>
+          <p:cNvCxnSpPr>
+            <a:cxnSpLocks/>
+          </p:cNvCxnSpPr>
+          <p:nvPr/>
+        </p:nvCxnSpPr>
+        <p:spPr>
+          <a:xfrm flipV="1">
+            <a:off x="3598844" y="2268367"/>
+            <a:ext cx="0" cy="233268"/>
+          </a:xfrm>
+          <a:prstGeom prst="straightConnector1">
+            <a:avLst/>
+          </a:prstGeom>
+          <a:ln w="38100">
+            <a:solidFill>
+              <a:srgbClr val="FF0000"/>
+            </a:solidFill>
+            <a:tailEnd type="triangle"/>
+          </a:ln>
+        </p:spPr>
+        <p:style>
+          <a:lnRef idx="1">
+            <a:schemeClr val="accent1"/>
+          </a:lnRef>
+          <a:fillRef idx="0">
+            <a:schemeClr val="accent1"/>
+          </a:fillRef>
+          <a:effectRef idx="0">
+            <a:schemeClr val="accent1"/>
+          </a:effectRef>
+          <a:fontRef idx="minor">
+            <a:schemeClr val="tx1"/>
+          </a:fontRef>
+        </p:style>
+      </p:cxnSp>
+      <p:sp>
+        <p:nvSpPr>
+          <p:cNvPr id="161" name="文本框 160">
+            <a:extLst>
+              <a:ext uri="{FF2B5EF4-FFF2-40B4-BE49-F238E27FC236}">
+                <a16:creationId xmlns:a16="http://schemas.microsoft.com/office/drawing/2014/main" id="{42C612CF-4B5C-4343-9834-E65E9A2B35F3}"/>
+              </a:ext>
+            </a:extLst>
+          </p:cNvPr>
+          <p:cNvSpPr txBox="1"/>
+          <p:nvPr/>
+        </p:nvSpPr>
+        <p:spPr>
+          <a:xfrm>
+            <a:off x="4166032" y="1990082"/>
+            <a:ext cx="5764720" cy="646331"/>
+          </a:xfrm>
+          <a:prstGeom prst="rect">
+            <a:avLst/>
+          </a:prstGeom>
+          <a:noFill/>
+        </p:spPr>
+        <p:txBody>
+          <a:bodyPr wrap="none" rtlCol="0">
+            <a:spAutoFit/>
+          </a:bodyPr>
+          <a:lstStyle/>
+          <a:p>
+            <a:r>
+              <a:rPr lang="zh-CN" altLang="en-US" dirty="0"/>
+              <a:t>最短路径</a:t>
+            </a:r>
+            <a:r>
+              <a:rPr lang="zh-CN" altLang="en-US" b="1" dirty="0">
+                <a:solidFill>
+                  <a:schemeClr val="accent1"/>
+                </a:solidFill>
+              </a:rPr>
+              <a:t>（蓝色）</a:t>
+            </a:r>
+            <a:r>
+              <a:rPr lang="zh-CN" altLang="en-US" dirty="0"/>
+              <a:t>：</a:t>
+            </a:r>
+            <a:r>
+              <a:rPr lang="en-US" altLang="zh-CN" b="1" dirty="0">
+                <a:solidFill>
+                  <a:schemeClr val="accent1"/>
+                </a:solidFill>
+              </a:rPr>
+              <a:t>C1</a:t>
+            </a:r>
+            <a:r>
+              <a:rPr lang="zh-CN" altLang="en-US" b="1" dirty="0">
+                <a:solidFill>
+                  <a:schemeClr val="accent1"/>
+                </a:solidFill>
+              </a:rPr>
+              <a:t>总代价</a:t>
+            </a:r>
+            <a:r>
+              <a:rPr lang="en-US" altLang="zh-CN" b="1" dirty="0">
+                <a:solidFill>
+                  <a:schemeClr val="accent1"/>
+                </a:solidFill>
+              </a:rPr>
+              <a:t>3+3*3=12</a:t>
+            </a:r>
+          </a:p>
+          <a:p>
+            <a:r>
+              <a:rPr lang="zh-CN" altLang="en-US" dirty="0"/>
+              <a:t>最短路径</a:t>
+            </a:r>
+            <a:r>
+              <a:rPr lang="en-US" altLang="zh-CN" dirty="0"/>
+              <a:t>+</a:t>
+            </a:r>
+            <a:r>
+              <a:rPr lang="zh-CN" altLang="en-US" dirty="0"/>
+              <a:t>转弯代价会更好</a:t>
+            </a:r>
+            <a:r>
+              <a:rPr lang="zh-CN" altLang="en-US" b="1" dirty="0">
+                <a:solidFill>
+                  <a:srgbClr val="FF0000"/>
+                </a:solidFill>
+              </a:rPr>
+              <a:t>（红色） </a:t>
+            </a:r>
+            <a:r>
+              <a:rPr lang="zh-CN" altLang="en-US" dirty="0"/>
+              <a:t>：</a:t>
+            </a:r>
+            <a:r>
+              <a:rPr lang="en-US" altLang="zh-CN" b="1" dirty="0">
+                <a:solidFill>
+                  <a:srgbClr val="FF0000"/>
+                </a:solidFill>
+              </a:rPr>
+              <a:t>C1</a:t>
+            </a:r>
+            <a:r>
+              <a:rPr lang="zh-CN" altLang="en-US" b="1" dirty="0">
+                <a:solidFill>
+                  <a:srgbClr val="FF0000"/>
+                </a:solidFill>
+              </a:rPr>
+              <a:t>总代价</a:t>
+            </a:r>
+            <a:r>
+              <a:rPr lang="en-US" altLang="zh-CN" b="1" dirty="0">
+                <a:solidFill>
+                  <a:srgbClr val="FF0000"/>
+                </a:solidFill>
+              </a:rPr>
+              <a:t>4+3=7</a:t>
+            </a:r>
+            <a:endParaRPr lang="zh-CN" altLang="en-US" b="1" dirty="0">
+              <a:solidFill>
+                <a:srgbClr val="FF0000"/>
+              </a:solidFill>
+            </a:endParaRPr>
+          </a:p>
+        </p:txBody>
+      </p:sp>
+      <p:sp>
+        <p:nvSpPr>
+          <p:cNvPr id="163" name="文本框 162">
+            <a:extLst>
+              <a:ext uri="{FF2B5EF4-FFF2-40B4-BE49-F238E27FC236}">
+                <a16:creationId xmlns:a16="http://schemas.microsoft.com/office/drawing/2014/main" id="{F85350D6-DFD8-423D-9192-2EEBC98F77EE}"/>
+              </a:ext>
+            </a:extLst>
+          </p:cNvPr>
+          <p:cNvSpPr txBox="1"/>
+          <p:nvPr/>
+        </p:nvSpPr>
+        <p:spPr>
+          <a:xfrm>
+            <a:off x="4166032" y="1406286"/>
+            <a:ext cx="4201791" cy="369332"/>
+          </a:xfrm>
+          <a:prstGeom prst="rect">
+            <a:avLst/>
+          </a:prstGeom>
+          <a:noFill/>
+        </p:spPr>
+        <p:txBody>
+          <a:bodyPr wrap="none" rtlCol="0">
+            <a:spAutoFit/>
+          </a:bodyPr>
+          <a:lstStyle/>
+          <a:p>
+            <a:r>
+              <a:rPr lang="zh-CN" altLang="en-US" dirty="0"/>
+              <a:t>如果每次转弯建造</a:t>
+            </a:r>
+            <a:r>
+              <a:rPr lang="en-US" altLang="zh-CN" dirty="0"/>
+              <a:t>Transmitter</a:t>
+            </a:r>
+            <a:r>
+              <a:rPr lang="zh-CN" altLang="en-US" dirty="0"/>
+              <a:t>的成本为</a:t>
+            </a:r>
+            <a:r>
+              <a:rPr lang="en-US" altLang="zh-CN" dirty="0"/>
+              <a:t>3</a:t>
+            </a:r>
+            <a:endParaRPr lang="zh-CN" altLang="en-US" dirty="0"/>
+          </a:p>
+        </p:txBody>
+      </p:sp>
+      <p:pic>
+        <p:nvPicPr>
+          <p:cNvPr id="164" name="图片 163">
+            <a:extLst>
+              <a:ext uri="{FF2B5EF4-FFF2-40B4-BE49-F238E27FC236}">
+                <a16:creationId xmlns:a16="http://schemas.microsoft.com/office/drawing/2014/main" id="{B89E2E2F-539B-4D6D-9546-4E9AC1F2F93A}"/>
+              </a:ext>
+            </a:extLst>
+          </p:cNvPr>
+          <p:cNvPicPr>
+            <a:picLocks noChangeAspect="1"/>
+          </p:cNvPicPr>
+          <p:nvPr/>
+        </p:nvPicPr>
+        <p:blipFill>
+          <a:blip r:embed="rId4"/>
+          <a:stretch>
+            <a:fillRect/>
+          </a:stretch>
+        </p:blipFill>
+        <p:spPr>
+          <a:xfrm>
+            <a:off x="838200" y="2941756"/>
+            <a:ext cx="4777270" cy="3869856"/>
+          </a:xfrm>
+          <a:prstGeom prst="rect">
+            <a:avLst/>
+          </a:prstGeom>
+        </p:spPr>
+      </p:pic>
+      <p:grpSp>
+        <p:nvGrpSpPr>
+          <p:cNvPr id="176" name="组合 175">
+            <a:extLst>
+              <a:ext uri="{FF2B5EF4-FFF2-40B4-BE49-F238E27FC236}">
+                <a16:creationId xmlns:a16="http://schemas.microsoft.com/office/drawing/2014/main" id="{C2B5BB08-1C1E-45BF-AF68-F8CC664D3FC4}"/>
+              </a:ext>
+            </a:extLst>
+          </p:cNvPr>
+          <p:cNvGrpSpPr/>
+          <p:nvPr/>
+        </p:nvGrpSpPr>
+        <p:grpSpPr>
+          <a:xfrm>
+            <a:off x="1413740" y="2339875"/>
+            <a:ext cx="5861822" cy="3869856"/>
+            <a:chOff x="1413740" y="2339875"/>
+            <a:chExt cx="5861822" cy="3869856"/>
+          </a:xfrm>
+        </p:grpSpPr>
+        <p:sp>
+          <p:nvSpPr>
+            <p:cNvPr id="165" name="矩形 164">
+              <a:extLst>
+                <a:ext uri="{FF2B5EF4-FFF2-40B4-BE49-F238E27FC236}">
+                  <a16:creationId xmlns:a16="http://schemas.microsoft.com/office/drawing/2014/main" id="{688F5071-7E14-4AA6-BFAC-907583C4867A}"/>
+                </a:ext>
+              </a:extLst>
+            </p:cNvPr>
+            <p:cNvSpPr/>
+            <p:nvPr/>
+          </p:nvSpPr>
+          <p:spPr>
+            <a:xfrm>
+              <a:off x="1643477" y="5996295"/>
+              <a:ext cx="1870822" cy="213436"/>
+            </a:xfrm>
+            <a:prstGeom prst="rect">
+              <a:avLst/>
+            </a:prstGeom>
+            <a:noFill/>
+            <a:ln w="19050">
+              <a:solidFill>
+                <a:schemeClr val="accent6"/>
+              </a:solidFill>
+            </a:ln>
+          </p:spPr>
+          <p:style>
+            <a:lnRef idx="2">
+              <a:schemeClr val="accent1">
+                <a:shade val="50000"/>
+              </a:schemeClr>
+            </a:lnRef>
+            <a:fillRef idx="1">
+              <a:schemeClr val="accent1"/>
+            </a:fillRef>
+            <a:effectRef idx="0">
+              <a:schemeClr val="accent1"/>
+            </a:effectRef>
+            <a:fontRef idx="minor">
+              <a:schemeClr val="lt1"/>
+            </a:fontRef>
+          </p:style>
+          <p:txBody>
+            <a:bodyPr rtlCol="0" anchor="ctr"/>
+            <a:lstStyle/>
+            <a:p>
+              <a:pPr algn="ctr"/>
+              <a:endParaRPr lang="zh-CN" altLang="en-US" dirty="0"/>
+            </a:p>
+          </p:txBody>
+        </p:sp>
+        <p:sp>
+          <p:nvSpPr>
+            <p:cNvPr id="166" name="矩形 165">
+              <a:extLst>
+                <a:ext uri="{FF2B5EF4-FFF2-40B4-BE49-F238E27FC236}">
+                  <a16:creationId xmlns:a16="http://schemas.microsoft.com/office/drawing/2014/main" id="{7B059CEA-0F64-41EA-8350-02862134ADB0}"/>
+                </a:ext>
+              </a:extLst>
+            </p:cNvPr>
+            <p:cNvSpPr/>
+            <p:nvPr/>
+          </p:nvSpPr>
+          <p:spPr>
+            <a:xfrm>
+              <a:off x="1413740" y="4357758"/>
+              <a:ext cx="2701060" cy="139179"/>
+            </a:xfrm>
+            <a:prstGeom prst="rect">
+              <a:avLst/>
+            </a:prstGeom>
+            <a:noFill/>
+            <a:ln w="19050">
+              <a:solidFill>
+                <a:schemeClr val="accent6"/>
+              </a:solidFill>
+            </a:ln>
+          </p:spPr>
+          <p:style>
+            <a:lnRef idx="2">
+              <a:schemeClr val="accent1">
+                <a:shade val="50000"/>
+              </a:schemeClr>
+            </a:lnRef>
+            <a:fillRef idx="1">
+              <a:schemeClr val="accent1"/>
+            </a:fillRef>
+            <a:effectRef idx="0">
+              <a:schemeClr val="accent1"/>
+            </a:effectRef>
+            <a:fontRef idx="minor">
+              <a:schemeClr val="lt1"/>
+            </a:fontRef>
+          </p:style>
+          <p:txBody>
+            <a:bodyPr rtlCol="0" anchor="ctr"/>
+            <a:lstStyle/>
+            <a:p>
+              <a:pPr algn="ctr"/>
+              <a:endParaRPr lang="zh-CN" altLang="en-US" dirty="0"/>
+            </a:p>
+          </p:txBody>
+        </p:sp>
+        <p:sp>
+          <p:nvSpPr>
+            <p:cNvPr id="168" name="椭圆 167">
+              <a:extLst>
+                <a:ext uri="{FF2B5EF4-FFF2-40B4-BE49-F238E27FC236}">
+                  <a16:creationId xmlns:a16="http://schemas.microsoft.com/office/drawing/2014/main" id="{E2C58065-469E-43F6-84CE-2EC63129FF94}"/>
+                </a:ext>
+              </a:extLst>
+            </p:cNvPr>
+            <p:cNvSpPr/>
+            <p:nvPr/>
+          </p:nvSpPr>
+          <p:spPr>
+            <a:xfrm>
+              <a:off x="2217690" y="2339875"/>
+              <a:ext cx="506772" cy="549665"/>
+            </a:xfrm>
+            <a:prstGeom prst="ellipse">
+              <a:avLst/>
+            </a:prstGeom>
+            <a:noFill/>
+            <a:ln w="38100">
+              <a:solidFill>
+                <a:schemeClr val="accent6"/>
+              </a:solidFill>
+            </a:ln>
+          </p:spPr>
+          <p:style>
+            <a:lnRef idx="2">
+              <a:schemeClr val="accent1">
+                <a:shade val="50000"/>
+              </a:schemeClr>
+            </a:lnRef>
+            <a:fillRef idx="1">
+              <a:schemeClr val="accent1"/>
+            </a:fillRef>
+            <a:effectRef idx="0">
+              <a:schemeClr val="accent1"/>
+            </a:effectRef>
+            <a:fontRef idx="minor">
+              <a:schemeClr val="lt1"/>
+            </a:fontRef>
+          </p:style>
+          <p:txBody>
+            <a:bodyPr rtlCol="0" anchor="ctr"/>
+            <a:lstStyle/>
+            <a:p>
+              <a:pPr algn="ctr"/>
+              <a:endParaRPr lang="zh-CN" altLang="en-US"/>
+            </a:p>
+          </p:txBody>
+        </p:sp>
+        <p:cxnSp>
+          <p:nvCxnSpPr>
+            <p:cNvPr id="170" name="直接箭头连接符 169">
+              <a:extLst>
+                <a:ext uri="{FF2B5EF4-FFF2-40B4-BE49-F238E27FC236}">
+                  <a16:creationId xmlns:a16="http://schemas.microsoft.com/office/drawing/2014/main" id="{B06FE2B7-403F-4D94-BB63-04594C13201F}"/>
+                </a:ext>
+              </a:extLst>
+            </p:cNvPr>
+            <p:cNvCxnSpPr>
+              <a:cxnSpLocks/>
+              <a:stCxn id="168" idx="6"/>
+            </p:cNvCxnSpPr>
+            <p:nvPr/>
+          </p:nvCxnSpPr>
+          <p:spPr>
+            <a:xfrm>
+              <a:off x="2724462" y="2614708"/>
+              <a:ext cx="3050200" cy="1685569"/>
+            </a:xfrm>
+            <a:prstGeom prst="straightConnector1">
+              <a:avLst/>
+            </a:prstGeom>
+            <a:ln>
+              <a:tailEnd type="triangle"/>
+            </a:ln>
+          </p:spPr>
+          <p:style>
+            <a:lnRef idx="1">
+              <a:schemeClr val="accent6"/>
+            </a:lnRef>
+            <a:fillRef idx="0">
+              <a:schemeClr val="accent6"/>
+            </a:fillRef>
+            <a:effectRef idx="0">
+              <a:schemeClr val="accent6"/>
+            </a:effectRef>
+            <a:fontRef idx="minor">
+              <a:schemeClr val="tx1"/>
+            </a:fontRef>
+          </p:style>
+        </p:cxnSp>
+        <p:cxnSp>
+          <p:nvCxnSpPr>
+            <p:cNvPr id="172" name="直接箭头连接符 171">
+              <a:extLst>
+                <a:ext uri="{FF2B5EF4-FFF2-40B4-BE49-F238E27FC236}">
+                  <a16:creationId xmlns:a16="http://schemas.microsoft.com/office/drawing/2014/main" id="{0B341126-EE4F-462D-BA64-2849D76102CD}"/>
+                </a:ext>
+              </a:extLst>
+            </p:cNvPr>
+            <p:cNvCxnSpPr>
+              <a:cxnSpLocks/>
+              <a:stCxn id="166" idx="3"/>
+            </p:cNvCxnSpPr>
+            <p:nvPr/>
+          </p:nvCxnSpPr>
+          <p:spPr>
+            <a:xfrm>
+              <a:off x="4114800" y="4427348"/>
+              <a:ext cx="1659862" cy="0"/>
+            </a:xfrm>
+            <a:prstGeom prst="straightConnector1">
+              <a:avLst/>
+            </a:prstGeom>
+            <a:ln>
+              <a:tailEnd type="triangle"/>
+            </a:ln>
+          </p:spPr>
+          <p:style>
+            <a:lnRef idx="1">
+              <a:schemeClr val="accent6"/>
+            </a:lnRef>
+            <a:fillRef idx="0">
+              <a:schemeClr val="accent6"/>
+            </a:fillRef>
+            <a:effectRef idx="0">
+              <a:schemeClr val="accent6"/>
+            </a:effectRef>
+            <a:fontRef idx="minor">
+              <a:schemeClr val="tx1"/>
+            </a:fontRef>
+          </p:style>
+        </p:cxnSp>
+        <p:cxnSp>
+          <p:nvCxnSpPr>
+            <p:cNvPr id="174" name="直接箭头连接符 173">
+              <a:extLst>
+                <a:ext uri="{FF2B5EF4-FFF2-40B4-BE49-F238E27FC236}">
+                  <a16:creationId xmlns:a16="http://schemas.microsoft.com/office/drawing/2014/main" id="{FD7CB8FA-30E7-4639-89BA-8D24B94185FB}"/>
+                </a:ext>
+              </a:extLst>
+            </p:cNvPr>
+            <p:cNvCxnSpPr>
+              <a:cxnSpLocks/>
+            </p:cNvCxnSpPr>
+            <p:nvPr/>
+          </p:nvCxnSpPr>
+          <p:spPr>
+            <a:xfrm flipV="1">
+              <a:off x="3514299" y="4565176"/>
+              <a:ext cx="2262676" cy="1555846"/>
+            </a:xfrm>
+            <a:prstGeom prst="straightConnector1">
+              <a:avLst/>
+            </a:prstGeom>
+            <a:ln>
+              <a:tailEnd type="triangle"/>
+            </a:ln>
+          </p:spPr>
+          <p:style>
+            <a:lnRef idx="1">
+              <a:schemeClr val="accent6"/>
+            </a:lnRef>
+            <a:fillRef idx="0">
+              <a:schemeClr val="accent6"/>
+            </a:fillRef>
+            <a:effectRef idx="0">
+              <a:schemeClr val="accent6"/>
+            </a:effectRef>
+            <a:fontRef idx="minor">
+              <a:schemeClr val="tx1"/>
+            </a:fontRef>
+          </p:style>
+        </p:cxnSp>
+        <p:sp>
+          <p:nvSpPr>
+            <p:cNvPr id="175" name="文本框 174">
+              <a:extLst>
+                <a:ext uri="{FF2B5EF4-FFF2-40B4-BE49-F238E27FC236}">
+                  <a16:creationId xmlns:a16="http://schemas.microsoft.com/office/drawing/2014/main" id="{3021AA61-9AE9-4A0C-A856-DD60A06CE437}"/>
+                </a:ext>
+              </a:extLst>
+            </p:cNvPr>
+            <p:cNvSpPr txBox="1"/>
+            <p:nvPr/>
+          </p:nvSpPr>
+          <p:spPr>
+            <a:xfrm>
+              <a:off x="5705902" y="4248061"/>
+              <a:ext cx="1569660" cy="369332"/>
+            </a:xfrm>
+            <a:prstGeom prst="rect">
+              <a:avLst/>
+            </a:prstGeom>
+            <a:noFill/>
+          </p:spPr>
+          <p:txBody>
+            <a:bodyPr wrap="none" rtlCol="0">
+              <a:spAutoFit/>
+            </a:bodyPr>
+            <a:lstStyle/>
+            <a:p>
+              <a:r>
+                <a:rPr lang="zh-CN" altLang="en-US" b="1" dirty="0">
+                  <a:solidFill>
+                    <a:schemeClr val="accent6"/>
+                  </a:solidFill>
+                </a:rPr>
+                <a:t>量化转弯代价</a:t>
+              </a:r>
+            </a:p>
+          </p:txBody>
+        </p:sp>
+      </p:grpSp>
+      <p:pic>
+        <p:nvPicPr>
+          <p:cNvPr id="186" name="图片 185">
+            <a:extLst>
+              <a:ext uri="{FF2B5EF4-FFF2-40B4-BE49-F238E27FC236}">
+                <a16:creationId xmlns:a16="http://schemas.microsoft.com/office/drawing/2014/main" id="{230104C7-DC24-470E-B13F-1A7FB141FD9C}"/>
+              </a:ext>
+            </a:extLst>
+          </p:cNvPr>
+          <p:cNvPicPr>
+            <a:picLocks noChangeAspect="1"/>
+          </p:cNvPicPr>
+          <p:nvPr/>
+        </p:nvPicPr>
+        <p:blipFill>
+          <a:blip r:embed="rId5"/>
+          <a:stretch>
+            <a:fillRect/>
+          </a:stretch>
+        </p:blipFill>
+        <p:spPr>
+          <a:xfrm>
+            <a:off x="8629752" y="187367"/>
+            <a:ext cx="2363686" cy="1209116"/>
+          </a:xfrm>
+          <a:prstGeom prst="rect">
+            <a:avLst/>
+          </a:prstGeom>
+        </p:spPr>
+      </p:pic>
+      <p:pic>
+        <p:nvPicPr>
+          <p:cNvPr id="187" name="图片 186">
+            <a:extLst>
+              <a:ext uri="{FF2B5EF4-FFF2-40B4-BE49-F238E27FC236}">
+                <a16:creationId xmlns:a16="http://schemas.microsoft.com/office/drawing/2014/main" id="{9D17F6F6-B9E8-4291-8609-A6E9F0A6D1FB}"/>
+              </a:ext>
+            </a:extLst>
+          </p:cNvPr>
+          <p:cNvPicPr>
+            <a:picLocks noChangeAspect="1"/>
+          </p:cNvPicPr>
+          <p:nvPr/>
+        </p:nvPicPr>
+        <p:blipFill>
+          <a:blip r:embed="rId6"/>
+          <a:stretch>
+            <a:fillRect/>
+          </a:stretch>
+        </p:blipFill>
+        <p:spPr>
+          <a:xfrm>
+            <a:off x="9928380" y="1444542"/>
+            <a:ext cx="1340490" cy="179023"/>
+          </a:xfrm>
+          <a:prstGeom prst="rect">
+            <a:avLst/>
+          </a:prstGeom>
+        </p:spPr>
+      </p:pic>
+      <p:grpSp>
+        <p:nvGrpSpPr>
+          <p:cNvPr id="194" name="组合 193">
+            <a:extLst>
+              <a:ext uri="{FF2B5EF4-FFF2-40B4-BE49-F238E27FC236}">
+                <a16:creationId xmlns:a16="http://schemas.microsoft.com/office/drawing/2014/main" id="{9BCE21A1-D194-4C18-8779-0ADF648C323E}"/>
+              </a:ext>
+            </a:extLst>
+          </p:cNvPr>
+          <p:cNvGrpSpPr/>
+          <p:nvPr/>
+        </p:nvGrpSpPr>
+        <p:grpSpPr>
+          <a:xfrm>
+            <a:off x="5679334" y="4743541"/>
+            <a:ext cx="4740938" cy="1522260"/>
+            <a:chOff x="5679334" y="4743541"/>
+            <a:chExt cx="4740938" cy="1522260"/>
+          </a:xfrm>
+        </p:grpSpPr>
+        <p:grpSp>
+          <p:nvGrpSpPr>
+            <p:cNvPr id="192" name="组合 191">
+              <a:extLst>
+                <a:ext uri="{FF2B5EF4-FFF2-40B4-BE49-F238E27FC236}">
+                  <a16:creationId xmlns:a16="http://schemas.microsoft.com/office/drawing/2014/main" id="{27915DDA-2B21-4BE8-9A3A-3429ADC0333B}"/>
+                </a:ext>
+              </a:extLst>
+            </p:cNvPr>
+            <p:cNvGrpSpPr/>
+            <p:nvPr/>
+          </p:nvGrpSpPr>
+          <p:grpSpPr>
+            <a:xfrm>
+              <a:off x="5679334" y="4776020"/>
+              <a:ext cx="4740938" cy="1489781"/>
+              <a:chOff x="5774764" y="4719950"/>
+              <a:chExt cx="4740938" cy="1489781"/>
+            </a:xfrm>
+          </p:grpSpPr>
+          <p:sp>
+            <p:nvSpPr>
+              <p:cNvPr id="188" name="文本框 187">
+                <a:extLst>
+                  <a:ext uri="{FF2B5EF4-FFF2-40B4-BE49-F238E27FC236}">
+                    <a16:creationId xmlns:a16="http://schemas.microsoft.com/office/drawing/2014/main" id="{BAD0DF36-44EB-4930-9F83-0826D5664A05}"/>
+                  </a:ext>
+                </a:extLst>
+              </p:cNvPr>
+              <p:cNvSpPr txBox="1"/>
+              <p:nvPr/>
+            </p:nvSpPr>
+            <p:spPr>
+              <a:xfrm>
+                <a:off x="5774764" y="4719950"/>
+                <a:ext cx="4740938" cy="646331"/>
+              </a:xfrm>
+              <a:prstGeom prst="rect">
+                <a:avLst/>
+              </a:prstGeom>
+              <a:noFill/>
+            </p:spPr>
+            <p:txBody>
+              <a:bodyPr wrap="square" rtlCol="0">
+                <a:spAutoFit/>
+              </a:bodyPr>
+              <a:lstStyle/>
+              <a:p>
+                <a:r>
+                  <a:rPr lang="zh-CN" altLang="en-US" b="1" dirty="0"/>
+                  <a:t>相当于用距离代价换转弯代价，每新建一个</a:t>
+                </a:r>
+                <a:r>
+                  <a:rPr lang="en-US" altLang="zh-CN" b="1" dirty="0"/>
+                  <a:t>Transmitter</a:t>
+                </a:r>
+                <a:r>
+                  <a:rPr lang="zh-CN" altLang="en-US" b="1" dirty="0"/>
+                  <a:t>并用作转弯代价为</a:t>
+                </a:r>
+                <a:r>
+                  <a:rPr lang="en-US" altLang="zh-CN" b="1" dirty="0"/>
+                  <a:t>3P</a:t>
+                </a:r>
+                <a:r>
+                  <a:rPr lang="zh-CN" altLang="en-US" b="1" dirty="0"/>
+                  <a:t>，对应</a:t>
+                </a:r>
+              </a:p>
+            </p:txBody>
+          </p:sp>
+          <p:grpSp>
+            <p:nvGrpSpPr>
+              <p:cNvPr id="191" name="组合 190">
+                <a:extLst>
+                  <a:ext uri="{FF2B5EF4-FFF2-40B4-BE49-F238E27FC236}">
+                    <a16:creationId xmlns:a16="http://schemas.microsoft.com/office/drawing/2014/main" id="{EF97900E-7AE4-455D-9BFD-261032E9EB93}"/>
+                  </a:ext>
+                </a:extLst>
+              </p:cNvPr>
+              <p:cNvGrpSpPr/>
+              <p:nvPr/>
+            </p:nvGrpSpPr>
+            <p:grpSpPr>
+              <a:xfrm>
+                <a:off x="6271740" y="5333632"/>
+                <a:ext cx="2881294" cy="876099"/>
+                <a:chOff x="6157440" y="5468838"/>
+                <a:chExt cx="2881294" cy="876099"/>
+              </a:xfrm>
+            </p:grpSpPr>
+            <p:graphicFrame>
+              <p:nvGraphicFramePr>
+                <p:cNvPr id="189" name="对象 188">
+                  <a:extLst>
+                    <a:ext uri="{FF2B5EF4-FFF2-40B4-BE49-F238E27FC236}">
+                      <a16:creationId xmlns:a16="http://schemas.microsoft.com/office/drawing/2014/main" id="{163C80B5-25F0-4A50-BFF1-C905C37B4A55}"/>
+                    </a:ext>
+                  </a:extLst>
+                </p:cNvPr>
+                <p:cNvGraphicFramePr>
+                  <a:graphicFrameLocks noChangeAspect="1"/>
+                </p:cNvGraphicFramePr>
+                <p:nvPr>
+                  <p:extLst>
+                    <p:ext uri="{D42A27DB-BD31-4B8C-83A1-F6EECF244321}">
+                      <p14:modId xmlns:p14="http://schemas.microsoft.com/office/powerpoint/2010/main" val="1168764145"/>
+                    </p:ext>
+                  </p:extLst>
+                </p:nvPr>
+              </p:nvGraphicFramePr>
+              <p:xfrm>
+                <a:off x="7098270" y="5468838"/>
+                <a:ext cx="1940464" cy="802138"/>
+              </p:xfrm>
+              <a:graphic>
+                <a:graphicData uri="http://schemas.openxmlformats.org/presentationml/2006/ole">
+                  <mc:AlternateContent xmlns:mc="http://schemas.openxmlformats.org/markup-compatibility/2006">
+                    <mc:Choice xmlns:v="urn:schemas-microsoft-com:vml" Requires="v">
+                      <p:oleObj spid="_x0000_s3114" name="Equation" r:id="rId7" imgW="1257120" imgH="545760" progId="Equation.DSMT4">
+                        <p:embed/>
+                      </p:oleObj>
+                    </mc:Choice>
+                    <mc:Fallback>
+                      <p:oleObj name="Equation" r:id="rId7" imgW="1257120" imgH="545760" progId="Equation.DSMT4">
+                        <p:embed/>
+                        <p:pic>
+                          <p:nvPicPr>
+                            <p:cNvPr id="0" name=""/>
+                            <p:cNvPicPr/>
+                            <p:nvPr/>
+                          </p:nvPicPr>
+                          <p:blipFill>
+                            <a:blip r:embed="rId8"/>
+                            <a:stretch>
+                              <a:fillRect/>
+                            </a:stretch>
+                          </p:blipFill>
+                          <p:spPr>
+                            <a:xfrm>
+                              <a:off x="7098270" y="5468838"/>
+                              <a:ext cx="1940464" cy="802138"/>
+                            </a:xfrm>
+                            <a:prstGeom prst="rect">
+                              <a:avLst/>
+                            </a:prstGeom>
+                          </p:spPr>
+                        </p:pic>
+                      </p:oleObj>
+                    </mc:Fallback>
+                  </mc:AlternateContent>
+                </a:graphicData>
+              </a:graphic>
+            </p:graphicFrame>
+            <p:graphicFrame>
+              <p:nvGraphicFramePr>
+                <p:cNvPr id="190" name="对象 189">
+                  <a:extLst>
+                    <a:ext uri="{FF2B5EF4-FFF2-40B4-BE49-F238E27FC236}">
+                      <a16:creationId xmlns:a16="http://schemas.microsoft.com/office/drawing/2014/main" id="{BE597023-4ABF-4C68-9F5D-CA2E50E67B20}"/>
+                    </a:ext>
+                  </a:extLst>
+                </p:cNvPr>
+                <p:cNvGraphicFramePr>
+                  <a:graphicFrameLocks noChangeAspect="1"/>
+                </p:cNvGraphicFramePr>
+                <p:nvPr>
+                  <p:extLst>
+                    <p:ext uri="{D42A27DB-BD31-4B8C-83A1-F6EECF244321}">
+                      <p14:modId xmlns:p14="http://schemas.microsoft.com/office/powerpoint/2010/main" val="1382107025"/>
+                    </p:ext>
+                  </p:extLst>
+                </p:nvPr>
+              </p:nvGraphicFramePr>
+              <p:xfrm>
+                <a:off x="6157440" y="6011727"/>
+                <a:ext cx="1881660" cy="333210"/>
+              </p:xfrm>
+              <a:graphic>
+                <a:graphicData uri="http://schemas.openxmlformats.org/presentationml/2006/ole">
+                  <mc:AlternateContent xmlns:mc="http://schemas.openxmlformats.org/markup-compatibility/2006">
+                    <mc:Choice xmlns:v="urn:schemas-microsoft-com:vml" Requires="v">
+                      <p:oleObj spid="_x0000_s3115" name="Equation" r:id="rId9" imgW="1218960" imgH="215640" progId="Equation.DSMT4">
+                        <p:embed/>
+                      </p:oleObj>
+                    </mc:Choice>
+                    <mc:Fallback>
+                      <p:oleObj name="Equation" r:id="rId9" imgW="1218960" imgH="215640" progId="Equation.DSMT4">
+                        <p:embed/>
+                        <p:pic>
+                          <p:nvPicPr>
+                            <p:cNvPr id="0" name=""/>
+                            <p:cNvPicPr/>
+                            <p:nvPr/>
+                          </p:nvPicPr>
+                          <p:blipFill>
+                            <a:blip r:embed="rId10"/>
+                            <a:stretch>
+                              <a:fillRect/>
+                            </a:stretch>
+                          </p:blipFill>
+                          <p:spPr>
+                            <a:xfrm>
+                              <a:off x="6157440" y="6011727"/>
+                              <a:ext cx="1881660" cy="333210"/>
+                            </a:xfrm>
+                            <a:prstGeom prst="rect">
+                              <a:avLst/>
+                            </a:prstGeom>
+                          </p:spPr>
+                        </p:pic>
+                      </p:oleObj>
+                    </mc:Fallback>
+                  </mc:AlternateContent>
+                </a:graphicData>
+              </a:graphic>
+            </p:graphicFrame>
+          </p:grpSp>
+        </p:grpSp>
+        <p:sp>
+          <p:nvSpPr>
+            <p:cNvPr id="193" name="矩形 192">
+              <a:extLst>
+                <a:ext uri="{FF2B5EF4-FFF2-40B4-BE49-F238E27FC236}">
+                  <a16:creationId xmlns:a16="http://schemas.microsoft.com/office/drawing/2014/main" id="{83610705-A5E2-4074-BBA0-5B43582CBECB}"/>
+                </a:ext>
+              </a:extLst>
+            </p:cNvPr>
+            <p:cNvSpPr/>
+            <p:nvPr/>
+          </p:nvSpPr>
+          <p:spPr>
+            <a:xfrm>
+              <a:off x="5766610" y="4743541"/>
+              <a:ext cx="4425140" cy="1522260"/>
+            </a:xfrm>
+            <a:prstGeom prst="rect">
+              <a:avLst/>
+            </a:prstGeom>
+            <a:noFill/>
+            <a:ln w="19050">
+              <a:solidFill>
+                <a:schemeClr val="accent6"/>
+              </a:solidFill>
+            </a:ln>
+          </p:spPr>
+          <p:style>
+            <a:lnRef idx="2">
+              <a:schemeClr val="accent1">
+                <a:shade val="50000"/>
+              </a:schemeClr>
+            </a:lnRef>
+            <a:fillRef idx="1">
+              <a:schemeClr val="accent1"/>
+            </a:fillRef>
+            <a:effectRef idx="0">
+              <a:schemeClr val="accent1"/>
+            </a:effectRef>
+            <a:fontRef idx="minor">
+              <a:schemeClr val="lt1"/>
+            </a:fontRef>
+          </p:style>
+          <p:txBody>
+            <a:bodyPr rtlCol="0" anchor="ctr"/>
+            <a:lstStyle/>
+            <a:p>
+              <a:pPr algn="ctr"/>
+              <a:endParaRPr lang="zh-CN" altLang="en-US" dirty="0"/>
+            </a:p>
+          </p:txBody>
+        </p:sp>
+      </p:grpSp>
+    </p:spTree>
+    <p:extLst>
+      <p:ext uri="{BB962C8B-B14F-4D97-AF65-F5344CB8AC3E}">
+        <p14:creationId xmlns:p14="http://schemas.microsoft.com/office/powerpoint/2010/main" val="2967569789"/>
+      </p:ext>
+    </p:extLst>
+  </p:cSld>
+  <p:clrMapOvr>
+    <a:masterClrMapping/>
+  </p:clrMapOvr>
+</p:sld>
+</file>
+
+<file path=ppt/slides/slide38.xml><?xml version="1.0" encoding="utf-8"?>
+<p:sld xmlns:a="http://schemas.openxmlformats.org/drawingml/2006/main" xmlns:r="http://schemas.openxmlformats.org/officeDocument/2006/relationships" xmlns:p="http://schemas.openxmlformats.org/presentationml/2006/main">
+  <p:cSld>
+    <p:spTree>
+      <p:nvGrpSpPr>
+        <p:cNvPr id="1" name=""/>
+        <p:cNvGrpSpPr/>
+        <p:nvPr/>
+      </p:nvGrpSpPr>
+      <p:grpSpPr>
+        <a:xfrm>
+          <a:off x="0" y="0"/>
+          <a:ext cx="0" cy="0"/>
+          <a:chOff x="0" y="0"/>
+          <a:chExt cx="0" cy="0"/>
+        </a:xfrm>
+      </p:grpSpPr>
+      <p:sp>
+        <p:nvSpPr>
+          <p:cNvPr id="2" name="标题 1">
+            <a:extLst>
+              <a:ext uri="{FF2B5EF4-FFF2-40B4-BE49-F238E27FC236}">
+                <a16:creationId xmlns:a16="http://schemas.microsoft.com/office/drawing/2014/main" id="{33F6976E-0908-4E05-A6D4-A7CDA7797854}"/>
+              </a:ext>
+            </a:extLst>
+          </p:cNvPr>
+          <p:cNvSpPr>
+            <a:spLocks noGrp="1"/>
+          </p:cNvSpPr>
+          <p:nvPr>
+            <p:ph type="title"/>
+          </p:nvPr>
+        </p:nvSpPr>
+        <p:spPr/>
+        <p:txBody>
+          <a:bodyPr/>
+          <a:lstStyle/>
+          <a:p>
+            <a:r>
+              <a:rPr lang="zh-CN" altLang="en-US" dirty="0"/>
+              <a:t>对比添加转弯代价前后</a:t>
+            </a:r>
+          </a:p>
+        </p:txBody>
+      </p:sp>
+      <p:pic>
+        <p:nvPicPr>
+          <p:cNvPr id="4" name="图片 3">
+            <a:extLst>
+              <a:ext uri="{FF2B5EF4-FFF2-40B4-BE49-F238E27FC236}">
+                <a16:creationId xmlns:a16="http://schemas.microsoft.com/office/drawing/2014/main" id="{FC96B751-E6C7-4C1E-9B71-83548D8433BF}"/>
+              </a:ext>
+            </a:extLst>
+          </p:cNvPr>
+          <p:cNvPicPr>
+            <a:picLocks noChangeAspect="1"/>
+          </p:cNvPicPr>
+          <p:nvPr/>
+        </p:nvPicPr>
+        <p:blipFill>
+          <a:blip r:embed="rId2"/>
+          <a:stretch>
+            <a:fillRect/>
+          </a:stretch>
+        </p:blipFill>
+        <p:spPr>
+          <a:xfrm>
+            <a:off x="991294" y="1707266"/>
+            <a:ext cx="2156722" cy="2160000"/>
+          </a:xfrm>
+          <a:prstGeom prst="rect">
+            <a:avLst/>
+          </a:prstGeom>
+        </p:spPr>
+      </p:pic>
+      <p:pic>
+        <p:nvPicPr>
+          <p:cNvPr id="5" name="图片 4">
+            <a:extLst>
+              <a:ext uri="{FF2B5EF4-FFF2-40B4-BE49-F238E27FC236}">
+                <a16:creationId xmlns:a16="http://schemas.microsoft.com/office/drawing/2014/main" id="{4B078991-8129-48ED-A539-E3F9FE2D2827}"/>
+              </a:ext>
+            </a:extLst>
+          </p:cNvPr>
+          <p:cNvPicPr>
+            <a:picLocks noChangeAspect="1"/>
+          </p:cNvPicPr>
+          <p:nvPr/>
+        </p:nvPicPr>
+        <p:blipFill>
+          <a:blip r:embed="rId3"/>
+          <a:stretch>
+            <a:fillRect/>
+          </a:stretch>
+        </p:blipFill>
+        <p:spPr>
+          <a:xfrm>
+            <a:off x="3691628" y="1707266"/>
+            <a:ext cx="2156722" cy="2160000"/>
+          </a:xfrm>
+          <a:prstGeom prst="rect">
+            <a:avLst/>
+          </a:prstGeom>
+        </p:spPr>
+      </p:pic>
+      <p:pic>
+        <p:nvPicPr>
+          <p:cNvPr id="6" name="图片 5">
+            <a:extLst>
+              <a:ext uri="{FF2B5EF4-FFF2-40B4-BE49-F238E27FC236}">
+                <a16:creationId xmlns:a16="http://schemas.microsoft.com/office/drawing/2014/main" id="{7EF129C2-58D0-40F5-8C73-E330A7EB31B7}"/>
+              </a:ext>
+            </a:extLst>
+          </p:cNvPr>
+          <p:cNvPicPr>
+            <a:picLocks noChangeAspect="1"/>
+          </p:cNvPicPr>
+          <p:nvPr/>
+        </p:nvPicPr>
+        <p:blipFill>
+          <a:blip r:embed="rId4"/>
+          <a:stretch>
+            <a:fillRect/>
+          </a:stretch>
+        </p:blipFill>
+        <p:spPr>
+          <a:xfrm>
+            <a:off x="6391962" y="1707266"/>
+            <a:ext cx="2156722" cy="2160000"/>
+          </a:xfrm>
+          <a:prstGeom prst="rect">
+            <a:avLst/>
+          </a:prstGeom>
+        </p:spPr>
+      </p:pic>
+      <p:pic>
+        <p:nvPicPr>
+          <p:cNvPr id="7" name="图片 6">
+            <a:extLst>
+              <a:ext uri="{FF2B5EF4-FFF2-40B4-BE49-F238E27FC236}">
+                <a16:creationId xmlns:a16="http://schemas.microsoft.com/office/drawing/2014/main" id="{92543CC6-5FD6-413C-A7B7-3D657923057E}"/>
+              </a:ext>
+            </a:extLst>
+          </p:cNvPr>
+          <p:cNvPicPr>
+            <a:picLocks noChangeAspect="1"/>
+          </p:cNvPicPr>
+          <p:nvPr/>
+        </p:nvPicPr>
+        <p:blipFill>
+          <a:blip r:embed="rId5"/>
+          <a:stretch>
+            <a:fillRect/>
+          </a:stretch>
+        </p:blipFill>
+        <p:spPr>
+          <a:xfrm>
+            <a:off x="9092297" y="4332875"/>
+            <a:ext cx="2244072" cy="2160000"/>
+          </a:xfrm>
+          <a:prstGeom prst="rect">
+            <a:avLst/>
+          </a:prstGeom>
+          <a:ln>
+            <a:solidFill>
+              <a:srgbClr val="FF0000"/>
+            </a:solidFill>
+          </a:ln>
+        </p:spPr>
+      </p:pic>
+      <p:pic>
+        <p:nvPicPr>
+          <p:cNvPr id="8" name="图片 7">
+            <a:extLst>
+              <a:ext uri="{FF2B5EF4-FFF2-40B4-BE49-F238E27FC236}">
+                <a16:creationId xmlns:a16="http://schemas.microsoft.com/office/drawing/2014/main" id="{9A3146FD-9A8C-4203-AB5C-6FA688978146}"/>
+              </a:ext>
+            </a:extLst>
+          </p:cNvPr>
+          <p:cNvPicPr>
+            <a:picLocks noChangeAspect="1"/>
+          </p:cNvPicPr>
+          <p:nvPr/>
+        </p:nvPicPr>
+        <p:blipFill>
+          <a:blip r:embed="rId6"/>
+          <a:stretch>
+            <a:fillRect/>
+          </a:stretch>
+        </p:blipFill>
+        <p:spPr>
+          <a:xfrm>
+            <a:off x="9092297" y="1707266"/>
+            <a:ext cx="2244072" cy="2160000"/>
+          </a:xfrm>
+          <a:prstGeom prst="rect">
+            <a:avLst/>
+          </a:prstGeom>
+        </p:spPr>
+      </p:pic>
+      <p:pic>
+        <p:nvPicPr>
+          <p:cNvPr id="9" name="图片 8">
+            <a:extLst>
+              <a:ext uri="{FF2B5EF4-FFF2-40B4-BE49-F238E27FC236}">
+                <a16:creationId xmlns:a16="http://schemas.microsoft.com/office/drawing/2014/main" id="{236AAED1-494F-4514-AC28-B21938B59C43}"/>
+              </a:ext>
+            </a:extLst>
+          </p:cNvPr>
+          <p:cNvPicPr>
+            <a:picLocks noChangeAspect="1"/>
+          </p:cNvPicPr>
+          <p:nvPr/>
+        </p:nvPicPr>
+        <p:blipFill>
+          <a:blip r:embed="rId4"/>
+          <a:stretch>
+            <a:fillRect/>
+          </a:stretch>
+        </p:blipFill>
+        <p:spPr>
+          <a:xfrm>
+            <a:off x="6391962" y="4332875"/>
+            <a:ext cx="2156722" cy="2160000"/>
+          </a:xfrm>
+          <a:prstGeom prst="rect">
+            <a:avLst/>
+          </a:prstGeom>
+        </p:spPr>
+      </p:pic>
+      <p:pic>
+        <p:nvPicPr>
+          <p:cNvPr id="10" name="图片 9">
+            <a:extLst>
+              <a:ext uri="{FF2B5EF4-FFF2-40B4-BE49-F238E27FC236}">
+                <a16:creationId xmlns:a16="http://schemas.microsoft.com/office/drawing/2014/main" id="{F00F6225-D55F-40A6-B8C2-C9AF3FA554AF}"/>
+              </a:ext>
+            </a:extLst>
+          </p:cNvPr>
+          <p:cNvPicPr>
+            <a:picLocks noChangeAspect="1"/>
+          </p:cNvPicPr>
+          <p:nvPr/>
+        </p:nvPicPr>
+        <p:blipFill>
+          <a:blip r:embed="rId7"/>
+          <a:stretch>
+            <a:fillRect/>
+          </a:stretch>
+        </p:blipFill>
+        <p:spPr>
+          <a:xfrm>
+            <a:off x="3691628" y="4332875"/>
+            <a:ext cx="2156722" cy="2160000"/>
+          </a:xfrm>
+          <a:prstGeom prst="rect">
+            <a:avLst/>
+          </a:prstGeom>
+          <a:ln>
+            <a:solidFill>
+              <a:srgbClr val="FF0000"/>
+            </a:solidFill>
+          </a:ln>
+        </p:spPr>
+      </p:pic>
+      <p:pic>
+        <p:nvPicPr>
+          <p:cNvPr id="11" name="图片 10">
+            <a:extLst>
+              <a:ext uri="{FF2B5EF4-FFF2-40B4-BE49-F238E27FC236}">
+                <a16:creationId xmlns:a16="http://schemas.microsoft.com/office/drawing/2014/main" id="{AC79626C-C2E9-440A-9105-DE245F7678F6}"/>
+              </a:ext>
+            </a:extLst>
+          </p:cNvPr>
+          <p:cNvPicPr>
+            <a:picLocks noChangeAspect="1"/>
+          </p:cNvPicPr>
+          <p:nvPr/>
+        </p:nvPicPr>
+        <p:blipFill>
+          <a:blip r:embed="rId8"/>
+          <a:stretch>
+            <a:fillRect/>
+          </a:stretch>
+        </p:blipFill>
+        <p:spPr>
+          <a:xfrm>
+            <a:off x="991294" y="4332875"/>
+            <a:ext cx="2156722" cy="2160000"/>
+          </a:xfrm>
+          <a:prstGeom prst="rect">
+            <a:avLst/>
+          </a:prstGeom>
+          <a:ln>
+            <a:solidFill>
+              <a:srgbClr val="FF0000"/>
+            </a:solidFill>
+          </a:ln>
+        </p:spPr>
+      </p:pic>
+      <p:sp>
+        <p:nvSpPr>
+          <p:cNvPr id="13" name="文本框 12">
+            <a:extLst>
+              <a:ext uri="{FF2B5EF4-FFF2-40B4-BE49-F238E27FC236}">
+                <a16:creationId xmlns:a16="http://schemas.microsoft.com/office/drawing/2014/main" id="{57922D39-BEBE-4A5F-8E23-9F876C4815B4}"/>
+              </a:ext>
+            </a:extLst>
+          </p:cNvPr>
+          <p:cNvSpPr txBox="1"/>
+          <p:nvPr/>
+        </p:nvSpPr>
+        <p:spPr>
+          <a:xfrm>
+            <a:off x="-45688" y="2642449"/>
+            <a:ext cx="1282701" cy="369332"/>
+          </a:xfrm>
+          <a:prstGeom prst="rect">
+            <a:avLst/>
+          </a:prstGeom>
+          <a:noFill/>
+        </p:spPr>
+        <p:txBody>
+          <a:bodyPr wrap="square">
+            <a:spAutoFit/>
+          </a:bodyPr>
+          <a:lstStyle/>
+          <a:p>
+            <a:r>
+              <a:rPr lang="zh-CN" altLang="en-US" dirty="0"/>
+              <a:t>添加前</a:t>
+            </a:r>
+          </a:p>
+        </p:txBody>
+      </p:sp>
+      <p:sp>
+        <p:nvSpPr>
+          <p:cNvPr id="14" name="文本框 13">
+            <a:extLst>
+              <a:ext uri="{FF2B5EF4-FFF2-40B4-BE49-F238E27FC236}">
+                <a16:creationId xmlns:a16="http://schemas.microsoft.com/office/drawing/2014/main" id="{23EDA005-9EDC-46D7-984D-793197C6196D}"/>
+              </a:ext>
+            </a:extLst>
+          </p:cNvPr>
+          <p:cNvSpPr txBox="1"/>
+          <p:nvPr/>
+        </p:nvSpPr>
+        <p:spPr>
+          <a:xfrm>
+            <a:off x="-45688" y="5043543"/>
+            <a:ext cx="1282701" cy="369332"/>
+          </a:xfrm>
+          <a:prstGeom prst="rect">
+            <a:avLst/>
+          </a:prstGeom>
+          <a:noFill/>
+        </p:spPr>
+        <p:txBody>
+          <a:bodyPr wrap="square">
+            <a:spAutoFit/>
+          </a:bodyPr>
+          <a:lstStyle/>
+          <a:p>
+            <a:r>
+              <a:rPr lang="zh-CN" altLang="en-US" dirty="0"/>
+              <a:t>添加后</a:t>
+            </a:r>
+          </a:p>
+        </p:txBody>
+      </p:sp>
+      <p:pic>
+        <p:nvPicPr>
+          <p:cNvPr id="17" name="图片 16">
+            <a:extLst>
+              <a:ext uri="{FF2B5EF4-FFF2-40B4-BE49-F238E27FC236}">
+                <a16:creationId xmlns:a16="http://schemas.microsoft.com/office/drawing/2014/main" id="{917531AA-FF98-49DB-BF52-735446EFC093}"/>
+              </a:ext>
+            </a:extLst>
+          </p:cNvPr>
+          <p:cNvPicPr>
+            <a:picLocks noChangeAspect="1"/>
+          </p:cNvPicPr>
+          <p:nvPr/>
+        </p:nvPicPr>
+        <p:blipFill>
+          <a:blip r:embed="rId9"/>
+          <a:stretch>
+            <a:fillRect/>
+          </a:stretch>
+        </p:blipFill>
+        <p:spPr>
+          <a:xfrm>
+            <a:off x="11468190" y="1707268"/>
+            <a:ext cx="720000" cy="1312105"/>
+          </a:xfrm>
+          <a:prstGeom prst="rect">
+            <a:avLst/>
+          </a:prstGeom>
+        </p:spPr>
+      </p:pic>
+      <p:pic>
+        <p:nvPicPr>
+          <p:cNvPr id="18" name="图片 17">
+            <a:extLst>
+              <a:ext uri="{FF2B5EF4-FFF2-40B4-BE49-F238E27FC236}">
+                <a16:creationId xmlns:a16="http://schemas.microsoft.com/office/drawing/2014/main" id="{57C727CA-F8D1-45D3-A87F-DFA1E78FAA29}"/>
+              </a:ext>
+            </a:extLst>
+          </p:cNvPr>
+          <p:cNvPicPr>
+            <a:picLocks noChangeAspect="1"/>
+          </p:cNvPicPr>
+          <p:nvPr/>
+        </p:nvPicPr>
+        <p:blipFill>
+          <a:blip r:embed="rId10"/>
+          <a:stretch>
+            <a:fillRect/>
+          </a:stretch>
+        </p:blipFill>
+        <p:spPr>
+          <a:xfrm>
+            <a:off x="11468190" y="4405451"/>
+            <a:ext cx="720000" cy="1061773"/>
+          </a:xfrm>
+          <a:prstGeom prst="rect">
+            <a:avLst/>
+          </a:prstGeom>
+        </p:spPr>
+      </p:pic>
+      <p:pic>
+        <p:nvPicPr>
+          <p:cNvPr id="19" name="图片 18">
+            <a:extLst>
+              <a:ext uri="{FF2B5EF4-FFF2-40B4-BE49-F238E27FC236}">
+                <a16:creationId xmlns:a16="http://schemas.microsoft.com/office/drawing/2014/main" id="{7C1616F3-CAC3-43AF-BCF8-019DC7899B89}"/>
+              </a:ext>
+            </a:extLst>
+          </p:cNvPr>
+          <p:cNvPicPr>
+            <a:picLocks noChangeAspect="1"/>
+          </p:cNvPicPr>
+          <p:nvPr/>
+        </p:nvPicPr>
+        <p:blipFill>
+          <a:blip r:embed="rId11"/>
+          <a:stretch>
+            <a:fillRect/>
+          </a:stretch>
+        </p:blipFill>
+        <p:spPr>
+          <a:xfrm>
+            <a:off x="11472000" y="3034116"/>
+            <a:ext cx="360000" cy="666487"/>
+          </a:xfrm>
+          <a:prstGeom prst="rect">
+            <a:avLst/>
+          </a:prstGeom>
+        </p:spPr>
+      </p:pic>
+      <p:pic>
+        <p:nvPicPr>
+          <p:cNvPr id="20" name="图片 19">
+            <a:extLst>
+              <a:ext uri="{FF2B5EF4-FFF2-40B4-BE49-F238E27FC236}">
+                <a16:creationId xmlns:a16="http://schemas.microsoft.com/office/drawing/2014/main" id="{B5D27662-267E-4102-82D0-3C04A5AF130E}"/>
+              </a:ext>
+            </a:extLst>
+          </p:cNvPr>
+          <p:cNvPicPr>
+            <a:picLocks noChangeAspect="1"/>
+          </p:cNvPicPr>
+          <p:nvPr/>
+        </p:nvPicPr>
+        <p:blipFill>
+          <a:blip r:embed="rId12"/>
+          <a:stretch>
+            <a:fillRect/>
+          </a:stretch>
+        </p:blipFill>
+        <p:spPr>
+          <a:xfrm>
+            <a:off x="11508443" y="5676900"/>
+            <a:ext cx="360000" cy="788276"/>
+          </a:xfrm>
+          <a:prstGeom prst="rect">
+            <a:avLst/>
+          </a:prstGeom>
+        </p:spPr>
+      </p:pic>
+      <p:sp>
+        <p:nvSpPr>
+          <p:cNvPr id="21" name="矩形 20">
+            <a:extLst>
+              <a:ext uri="{FF2B5EF4-FFF2-40B4-BE49-F238E27FC236}">
+                <a16:creationId xmlns:a16="http://schemas.microsoft.com/office/drawing/2014/main" id="{1FBD5CDC-3611-446E-9279-62DB66899921}"/>
+              </a:ext>
+            </a:extLst>
+          </p:cNvPr>
+          <p:cNvSpPr/>
+          <p:nvPr/>
+        </p:nvSpPr>
+        <p:spPr>
+          <a:xfrm>
+            <a:off x="11353801" y="1555115"/>
+            <a:ext cx="834390" cy="5261956"/>
+          </a:xfrm>
+          <a:prstGeom prst="rect">
+            <a:avLst/>
+          </a:prstGeom>
+          <a:noFill/>
+        </p:spPr>
+        <p:style>
+          <a:lnRef idx="2">
+            <a:schemeClr val="accent1">
+              <a:shade val="50000"/>
+            </a:schemeClr>
+          </a:lnRef>
+          <a:fillRef idx="1">
+            <a:schemeClr val="accent1"/>
+          </a:fillRef>
+          <a:effectRef idx="0">
+            <a:schemeClr val="accent1"/>
+          </a:effectRef>
+          <a:fontRef idx="minor">
+            <a:schemeClr val="lt1"/>
+          </a:fontRef>
+        </p:style>
+        <p:txBody>
+          <a:bodyPr rtlCol="0" anchor="ctr"/>
+          <a:lstStyle/>
+          <a:p>
+            <a:pPr algn="ctr"/>
+            <a:endParaRPr lang="zh-CN" altLang="en-US"/>
+          </a:p>
+        </p:txBody>
+      </p:sp>
+      <p:sp>
+        <p:nvSpPr>
+          <p:cNvPr id="22" name="文本框 21">
+            <a:extLst>
+              <a:ext uri="{FF2B5EF4-FFF2-40B4-BE49-F238E27FC236}">
+                <a16:creationId xmlns:a16="http://schemas.microsoft.com/office/drawing/2014/main" id="{0FB81CC4-734D-4B52-BB20-2A1D66B1E109}"/>
+              </a:ext>
+            </a:extLst>
+          </p:cNvPr>
+          <p:cNvSpPr txBox="1"/>
+          <p:nvPr/>
+        </p:nvSpPr>
+        <p:spPr>
+          <a:xfrm>
+            <a:off x="10355637" y="1203732"/>
+            <a:ext cx="1832553" cy="369332"/>
+          </a:xfrm>
+          <a:prstGeom prst="rect">
+            <a:avLst/>
+          </a:prstGeom>
+          <a:noFill/>
+        </p:spPr>
+        <p:txBody>
+          <a:bodyPr wrap="none" rtlCol="0">
+            <a:spAutoFit/>
+          </a:bodyPr>
+          <a:lstStyle/>
+          <a:p>
+            <a:r>
+              <a:rPr lang="zh-CN" altLang="en-US" dirty="0"/>
+              <a:t>与手算结果一致</a:t>
+            </a:r>
+          </a:p>
+        </p:txBody>
+      </p:sp>
+      <p:sp>
+        <p:nvSpPr>
+          <p:cNvPr id="23" name="文本框 22">
+            <a:extLst>
+              <a:ext uri="{FF2B5EF4-FFF2-40B4-BE49-F238E27FC236}">
+                <a16:creationId xmlns:a16="http://schemas.microsoft.com/office/drawing/2014/main" id="{3E3A7223-6884-43A8-BA03-D6AD4D6D82B1}"/>
+              </a:ext>
+            </a:extLst>
+          </p:cNvPr>
+          <p:cNvSpPr txBox="1"/>
+          <p:nvPr/>
+        </p:nvSpPr>
+        <p:spPr>
+          <a:xfrm>
+            <a:off x="3586365" y="6488668"/>
+            <a:ext cx="5234125" cy="369332"/>
+          </a:xfrm>
+          <a:prstGeom prst="rect">
+            <a:avLst/>
+          </a:prstGeom>
+          <a:noFill/>
+          <a:ln>
+            <a:solidFill>
+              <a:srgbClr val="FF0000"/>
+            </a:solidFill>
+          </a:ln>
+        </p:spPr>
+        <p:txBody>
+          <a:bodyPr wrap="none" rtlCol="0">
+            <a:spAutoFit/>
+          </a:bodyPr>
+          <a:lstStyle/>
+          <a:p>
+            <a:r>
+              <a:rPr lang="zh-CN" altLang="en-US" dirty="0">
+                <a:solidFill>
+                  <a:srgbClr val="FF0000"/>
+                </a:solidFill>
+              </a:rPr>
+              <a:t>添加转弯代价后能够有效的减少</a:t>
+            </a:r>
+            <a:r>
+              <a:rPr lang="en-US" altLang="zh-CN" dirty="0">
+                <a:solidFill>
+                  <a:srgbClr val="FF0000"/>
+                </a:solidFill>
+              </a:rPr>
+              <a:t>Transmitter</a:t>
+            </a:r>
+            <a:r>
+              <a:rPr lang="zh-CN" altLang="en-US" dirty="0">
+                <a:solidFill>
+                  <a:srgbClr val="FF0000"/>
+                </a:solidFill>
+              </a:rPr>
+              <a:t>的数量</a:t>
+            </a:r>
+          </a:p>
+        </p:txBody>
+      </p:sp>
+      <p:sp>
+        <p:nvSpPr>
+          <p:cNvPr id="24" name="右大括号 23">
+            <a:extLst>
+              <a:ext uri="{FF2B5EF4-FFF2-40B4-BE49-F238E27FC236}">
+                <a16:creationId xmlns:a16="http://schemas.microsoft.com/office/drawing/2014/main" id="{8711CBDA-9E6F-47CE-9AAF-DA1C45AF5225}"/>
+              </a:ext>
+            </a:extLst>
+          </p:cNvPr>
+          <p:cNvSpPr/>
+          <p:nvPr/>
+        </p:nvSpPr>
+        <p:spPr>
+          <a:xfrm rot="16200000">
+            <a:off x="4761974" y="-1370590"/>
+            <a:ext cx="454860" cy="5851410"/>
+          </a:xfrm>
+          <a:prstGeom prst="rightBrace">
+            <a:avLst/>
+          </a:prstGeom>
+        </p:spPr>
+        <p:style>
+          <a:lnRef idx="1">
+            <a:schemeClr val="accent1"/>
+          </a:lnRef>
+          <a:fillRef idx="0">
+            <a:schemeClr val="accent1"/>
+          </a:fillRef>
+          <a:effectRef idx="0">
+            <a:schemeClr val="accent1"/>
+          </a:effectRef>
+          <a:fontRef idx="minor">
+            <a:schemeClr val="tx1"/>
+          </a:fontRef>
+        </p:style>
+        <p:txBody>
+          <a:bodyPr rtlCol="0" anchor="ctr"/>
+          <a:lstStyle/>
+          <a:p>
+            <a:pPr algn="ctr"/>
+            <a:endParaRPr lang="zh-CN" altLang="en-US" dirty="0"/>
+          </a:p>
+        </p:txBody>
+      </p:sp>
+    </p:spTree>
+    <p:extLst>
+      <p:ext uri="{BB962C8B-B14F-4D97-AF65-F5344CB8AC3E}">
+        <p14:creationId xmlns:p14="http://schemas.microsoft.com/office/powerpoint/2010/main" val="2161990928"/>
       </p:ext>
     </p:extLst>
   </p:cSld>

--- a/huawei/日志记录.pptx
+++ b/huawei/日志记录.pptx
@@ -5,7 +5,7 @@
     <p:sldMasterId id="2147483648" r:id="rId1"/>
   </p:sldMasterIdLst>
   <p:notesMasterIdLst>
-    <p:notesMasterId r:id="rId40"/>
+    <p:notesMasterId r:id="rId44"/>
   </p:notesMasterIdLst>
   <p:sldIdLst>
     <p:sldId id="256" r:id="rId2"/>
@@ -46,11 +46,15 @@
     <p:sldId id="297" r:id="rId37"/>
     <p:sldId id="298" r:id="rId38"/>
     <p:sldId id="299" r:id="rId39"/>
+    <p:sldId id="300" r:id="rId40"/>
+    <p:sldId id="302" r:id="rId41"/>
+    <p:sldId id="303" r:id="rId42"/>
+    <p:sldId id="301" r:id="rId43"/>
   </p:sldIdLst>
   <p:sldSz cx="12192000" cy="6858000"/>
   <p:notesSz cx="6858000" cy="9144000"/>
   <p:custDataLst>
-    <p:tags r:id="rId41"/>
+    <p:tags r:id="rId45"/>
   </p:custDataLst>
   <p:defaultTextStyle>
     <a:defPPr>
@@ -237,7 +241,7 @@
           <a:p>
             <a:fld id="{07A1DCD4-BB14-438E-8CE0-FC12E2A73F1B}" type="datetimeFigureOut">
               <a:rPr lang="zh-CN" altLang="en-US" smtClean="0"/>
-              <a:t>2024/1/2</a:t>
+              <a:t>2024/1/3</a:t>
             </a:fld>
             <a:endParaRPr lang="zh-CN" altLang="en-US"/>
           </a:p>
@@ -917,6 +921,226 @@
 </p:notes>
 </file>
 
+<file path=ppt/notesSlides/notesSlide12.xml><?xml version="1.0" encoding="utf-8"?>
+<p:notes xmlns:a="http://schemas.openxmlformats.org/drawingml/2006/main" xmlns:r="http://schemas.openxmlformats.org/officeDocument/2006/relationships" xmlns:p="http://schemas.openxmlformats.org/presentationml/2006/main">
+  <p:cSld>
+    <p:spTree>
+      <p:nvGrpSpPr>
+        <p:cNvPr id="1" name=""/>
+        <p:cNvGrpSpPr/>
+        <p:nvPr/>
+      </p:nvGrpSpPr>
+      <p:grpSpPr>
+        <a:xfrm>
+          <a:off x="0" y="0"/>
+          <a:ext cx="0" cy="0"/>
+          <a:chOff x="0" y="0"/>
+          <a:chExt cx="0" cy="0"/>
+        </a:xfrm>
+      </p:grpSpPr>
+      <p:sp>
+        <p:nvSpPr>
+          <p:cNvPr id="2" name="幻灯片图像占位符 1"/>
+          <p:cNvSpPr>
+            <a:spLocks noGrp="1" noRot="1" noChangeAspect="1"/>
+          </p:cNvSpPr>
+          <p:nvPr>
+            <p:ph type="sldImg"/>
+          </p:nvPr>
+        </p:nvSpPr>
+        <p:spPr/>
+      </p:sp>
+      <p:sp>
+        <p:nvSpPr>
+          <p:cNvPr id="3" name="备注占位符 2"/>
+          <p:cNvSpPr>
+            <a:spLocks noGrp="1"/>
+          </p:cNvSpPr>
+          <p:nvPr>
+            <p:ph type="body" idx="1"/>
+          </p:nvPr>
+        </p:nvSpPr>
+        <p:spPr/>
+        <p:txBody>
+          <a:bodyPr/>
+          <a:lstStyle/>
+          <a:p>
+            <a:r>
+              <a:rPr lang="zh-CN" altLang="en-US" dirty="0"/>
+              <a:t>地图：</a:t>
+            </a:r>
+            <a:r>
+              <a:rPr lang="en-US" altLang="zh-CN" dirty="0"/>
+              <a:t>main15_other_map1.txt</a:t>
+            </a:r>
+          </a:p>
+          <a:p>
+            <a:r>
+              <a:rPr lang="en-US" altLang="zh-CN" dirty="0"/>
+              <a:t>Notebook</a:t>
+            </a:r>
+            <a:r>
+              <a:rPr lang="zh-CN" altLang="en-US" dirty="0"/>
+              <a:t>：</a:t>
+            </a:r>
+            <a:r>
+              <a:rPr lang="en-US" altLang="zh-CN" dirty="0"/>
+              <a:t>main15_other_map1_visualization_test.ipynb</a:t>
+            </a:r>
+            <a:endParaRPr lang="zh-CN" altLang="en-US" dirty="0"/>
+          </a:p>
+        </p:txBody>
+      </p:sp>
+      <p:sp>
+        <p:nvSpPr>
+          <p:cNvPr id="4" name="灯片编号占位符 3"/>
+          <p:cNvSpPr>
+            <a:spLocks noGrp="1"/>
+          </p:cNvSpPr>
+          <p:nvPr>
+            <p:ph type="sldNum" sz="quarter" idx="5"/>
+          </p:nvPr>
+        </p:nvSpPr>
+        <p:spPr/>
+        <p:txBody>
+          <a:bodyPr/>
+          <a:lstStyle/>
+          <a:p>
+            <a:fld id="{F229329F-0271-46D7-A5B8-63D7D7F0093C}" type="slidenum">
+              <a:rPr lang="zh-CN" altLang="en-US" smtClean="0"/>
+              <a:t>40</a:t>
+            </a:fld>
+            <a:endParaRPr lang="zh-CN" altLang="en-US"/>
+          </a:p>
+        </p:txBody>
+      </p:sp>
+    </p:spTree>
+    <p:extLst>
+      <p:ext uri="{BB962C8B-B14F-4D97-AF65-F5344CB8AC3E}">
+        <p14:creationId xmlns:p14="http://schemas.microsoft.com/office/powerpoint/2010/main" val="4070966198"/>
+      </p:ext>
+    </p:extLst>
+  </p:cSld>
+  <p:clrMapOvr>
+    <a:masterClrMapping/>
+  </p:clrMapOvr>
+</p:notes>
+</file>
+
+<file path=ppt/notesSlides/notesSlide13.xml><?xml version="1.0" encoding="utf-8"?>
+<p:notes xmlns:a="http://schemas.openxmlformats.org/drawingml/2006/main" xmlns:r="http://schemas.openxmlformats.org/officeDocument/2006/relationships" xmlns:p="http://schemas.openxmlformats.org/presentationml/2006/main">
+  <p:cSld>
+    <p:spTree>
+      <p:nvGrpSpPr>
+        <p:cNvPr id="1" name=""/>
+        <p:cNvGrpSpPr/>
+        <p:nvPr/>
+      </p:nvGrpSpPr>
+      <p:grpSpPr>
+        <a:xfrm>
+          <a:off x="0" y="0"/>
+          <a:ext cx="0" cy="0"/>
+          <a:chOff x="0" y="0"/>
+          <a:chExt cx="0" cy="0"/>
+        </a:xfrm>
+      </p:grpSpPr>
+      <p:sp>
+        <p:nvSpPr>
+          <p:cNvPr id="2" name="幻灯片图像占位符 1"/>
+          <p:cNvSpPr>
+            <a:spLocks noGrp="1" noRot="1" noChangeAspect="1"/>
+          </p:cNvSpPr>
+          <p:nvPr>
+            <p:ph type="sldImg"/>
+          </p:nvPr>
+        </p:nvSpPr>
+        <p:spPr/>
+      </p:sp>
+      <p:sp>
+        <p:nvSpPr>
+          <p:cNvPr id="3" name="备注占位符 2"/>
+          <p:cNvSpPr>
+            <a:spLocks noGrp="1"/>
+          </p:cNvSpPr>
+          <p:nvPr>
+            <p:ph type="body" idx="1"/>
+          </p:nvPr>
+        </p:nvSpPr>
+        <p:spPr/>
+        <p:txBody>
+          <a:bodyPr/>
+          <a:lstStyle/>
+          <a:p>
+            <a:r>
+              <a:rPr lang="zh-CN" altLang="en-US" dirty="0"/>
+              <a:t>地图：</a:t>
+            </a:r>
+            <a:r>
+              <a:rPr lang="en-US" altLang="zh-CN" dirty="0"/>
+              <a:t>main15_other_map2.txt</a:t>
+            </a:r>
+          </a:p>
+          <a:p>
+            <a:r>
+              <a:rPr lang="en-US" altLang="zh-CN" dirty="0"/>
+              <a:t>Notebook</a:t>
+            </a:r>
+            <a:r>
+              <a:rPr lang="zh-CN" altLang="en-US" dirty="0"/>
+              <a:t>：</a:t>
+            </a:r>
+            <a:r>
+              <a:rPr lang="en-US" altLang="zh-CN" dirty="0"/>
+              <a:t>main15_other</a:t>
+            </a:r>
+            <a:r>
+              <a:rPr lang="en-US" altLang="zh-CN"/>
+              <a:t>_map2_</a:t>
+            </a:r>
+            <a:r>
+              <a:rPr lang="en-US" altLang="zh-CN" dirty="0"/>
+              <a:t>visualization_test.ipynb</a:t>
+            </a:r>
+            <a:endParaRPr lang="zh-CN" altLang="en-US" dirty="0"/>
+          </a:p>
+        </p:txBody>
+      </p:sp>
+      <p:sp>
+        <p:nvSpPr>
+          <p:cNvPr id="4" name="灯片编号占位符 3"/>
+          <p:cNvSpPr>
+            <a:spLocks noGrp="1"/>
+          </p:cNvSpPr>
+          <p:nvPr>
+            <p:ph type="sldNum" sz="quarter" idx="5"/>
+          </p:nvPr>
+        </p:nvSpPr>
+        <p:spPr/>
+        <p:txBody>
+          <a:bodyPr/>
+          <a:lstStyle/>
+          <a:p>
+            <a:fld id="{F229329F-0271-46D7-A5B8-63D7D7F0093C}" type="slidenum">
+              <a:rPr lang="zh-CN" altLang="en-US" smtClean="0"/>
+              <a:t>41</a:t>
+            </a:fld>
+            <a:endParaRPr lang="zh-CN" altLang="en-US"/>
+          </a:p>
+        </p:txBody>
+      </p:sp>
+    </p:spTree>
+    <p:extLst>
+      <p:ext uri="{BB962C8B-B14F-4D97-AF65-F5344CB8AC3E}">
+        <p14:creationId xmlns:p14="http://schemas.microsoft.com/office/powerpoint/2010/main" val="3077322450"/>
+      </p:ext>
+    </p:extLst>
+  </p:cSld>
+  <p:clrMapOvr>
+    <a:masterClrMapping/>
+  </p:clrMapOvr>
+</p:notes>
+</file>
+
 <file path=ppt/notesSlides/notesSlide2.xml><?xml version="1.0" encoding="utf-8"?>
 <p:notes xmlns:a="http://schemas.openxmlformats.org/drawingml/2006/main" xmlns:r="http://schemas.openxmlformats.org/officeDocument/2006/relationships" xmlns:p="http://schemas.openxmlformats.org/presentationml/2006/main">
   <p:cSld>
@@ -1795,7 +2019,7 @@
           <a:p>
             <a:fld id="{0CCCBCAA-DE24-4869-907B-21FA432ED4EA}" type="datetimeFigureOut">
               <a:rPr lang="zh-CN" altLang="en-US" smtClean="0"/>
-              <a:t>2024/1/2</a:t>
+              <a:t>2024/1/3</a:t>
             </a:fld>
             <a:endParaRPr lang="zh-CN" altLang="en-US"/>
           </a:p>
@@ -1958,7 +2182,7 @@
           <a:p>
             <a:fld id="{0CCCBCAA-DE24-4869-907B-21FA432ED4EA}" type="datetimeFigureOut">
               <a:rPr lang="zh-CN" altLang="en-US" smtClean="0"/>
-              <a:t>2024/1/2</a:t>
+              <a:t>2024/1/3</a:t>
             </a:fld>
             <a:endParaRPr lang="zh-CN" altLang="en-US"/>
           </a:p>
@@ -2131,7 +2355,7 @@
           <a:p>
             <a:fld id="{0CCCBCAA-DE24-4869-907B-21FA432ED4EA}" type="datetimeFigureOut">
               <a:rPr lang="zh-CN" altLang="en-US" smtClean="0"/>
-              <a:t>2024/1/2</a:t>
+              <a:t>2024/1/3</a:t>
             </a:fld>
             <a:endParaRPr lang="zh-CN" altLang="en-US"/>
           </a:p>
@@ -2294,7 +2518,7 @@
           <a:p>
             <a:fld id="{0CCCBCAA-DE24-4869-907B-21FA432ED4EA}" type="datetimeFigureOut">
               <a:rPr lang="zh-CN" altLang="en-US" smtClean="0"/>
-              <a:t>2024/1/2</a:t>
+              <a:t>2024/1/3</a:t>
             </a:fld>
             <a:endParaRPr lang="zh-CN" altLang="en-US"/>
           </a:p>
@@ -2534,7 +2758,7 @@
           <a:p>
             <a:fld id="{0CCCBCAA-DE24-4869-907B-21FA432ED4EA}" type="datetimeFigureOut">
               <a:rPr lang="zh-CN" altLang="en-US" smtClean="0"/>
-              <a:t>2024/1/2</a:t>
+              <a:t>2024/1/3</a:t>
             </a:fld>
             <a:endParaRPr lang="zh-CN" altLang="en-US"/>
           </a:p>
@@ -2758,7 +2982,7 @@
           <a:p>
             <a:fld id="{0CCCBCAA-DE24-4869-907B-21FA432ED4EA}" type="datetimeFigureOut">
               <a:rPr lang="zh-CN" altLang="en-US" smtClean="0"/>
-              <a:t>2024/1/2</a:t>
+              <a:t>2024/1/3</a:t>
             </a:fld>
             <a:endParaRPr lang="zh-CN" altLang="en-US"/>
           </a:p>
@@ -3117,7 +3341,7 @@
           <a:p>
             <a:fld id="{0CCCBCAA-DE24-4869-907B-21FA432ED4EA}" type="datetimeFigureOut">
               <a:rPr lang="zh-CN" altLang="en-US" smtClean="0"/>
-              <a:t>2024/1/2</a:t>
+              <a:t>2024/1/3</a:t>
             </a:fld>
             <a:endParaRPr lang="zh-CN" altLang="en-US"/>
           </a:p>
@@ -3229,7 +3453,7 @@
           <a:p>
             <a:fld id="{0CCCBCAA-DE24-4869-907B-21FA432ED4EA}" type="datetimeFigureOut">
               <a:rPr lang="zh-CN" altLang="en-US" smtClean="0"/>
-              <a:t>2024/1/2</a:t>
+              <a:t>2024/1/3</a:t>
             </a:fld>
             <a:endParaRPr lang="zh-CN" altLang="en-US"/>
           </a:p>
@@ -3319,7 +3543,7 @@
           <a:p>
             <a:fld id="{0CCCBCAA-DE24-4869-907B-21FA432ED4EA}" type="datetimeFigureOut">
               <a:rPr lang="zh-CN" altLang="en-US" smtClean="0"/>
-              <a:t>2024/1/2</a:t>
+              <a:t>2024/1/3</a:t>
             </a:fld>
             <a:endParaRPr lang="zh-CN" altLang="en-US"/>
           </a:p>
@@ -3589,7 +3813,7 @@
           <a:p>
             <a:fld id="{0CCCBCAA-DE24-4869-907B-21FA432ED4EA}" type="datetimeFigureOut">
               <a:rPr lang="zh-CN" altLang="en-US" smtClean="0"/>
-              <a:t>2024/1/2</a:t>
+              <a:t>2024/1/3</a:t>
             </a:fld>
             <a:endParaRPr lang="zh-CN" altLang="en-US"/>
           </a:p>
@@ -3836,7 +4060,7 @@
           <a:p>
             <a:fld id="{0CCCBCAA-DE24-4869-907B-21FA432ED4EA}" type="datetimeFigureOut">
               <a:rPr lang="zh-CN" altLang="en-US" smtClean="0"/>
-              <a:t>2024/1/2</a:t>
+              <a:t>2024/1/3</a:t>
             </a:fld>
             <a:endParaRPr lang="zh-CN" altLang="en-US"/>
           </a:p>
@@ -4042,7 +4266,7 @@
           <a:p>
             <a:fld id="{0CCCBCAA-DE24-4869-907B-21FA432ED4EA}" type="datetimeFigureOut">
               <a:rPr lang="zh-CN" altLang="en-US" smtClean="0"/>
-              <a:t>2024/1/2</a:t>
+              <a:t>2024/1/3</a:t>
             </a:fld>
             <a:endParaRPr lang="zh-CN" altLang="en-US"/>
           </a:p>
@@ -33684,7 +33908,7 @@
           <a:graphicData uri="http://schemas.openxmlformats.org/presentationml/2006/ole">
             <mc:AlternateContent xmlns:mc="http://schemas.openxmlformats.org/markup-compatibility/2006">
               <mc:Choice xmlns:v="urn:schemas-microsoft-com:vml" Requires="v">
-                <p:oleObj spid="_x0000_s2789" name="Equation" r:id="rId4" imgW="104546400" imgH="9448800" progId="Equation.DSMT4">
+                <p:oleObj spid="_x0000_s2845" name="Equation" r:id="rId4" imgW="104546400" imgH="9448800" progId="Equation.DSMT4">
                   <p:embed/>
                 </p:oleObj>
               </mc:Choice>
@@ -33741,7 +33965,7 @@
           <a:graphicData uri="http://schemas.openxmlformats.org/presentationml/2006/ole">
             <mc:AlternateContent xmlns:mc="http://schemas.openxmlformats.org/markup-compatibility/2006">
               <mc:Choice xmlns:v="urn:schemas-microsoft-com:vml" Requires="v">
-                <p:oleObj spid="_x0000_s2790" name="Equation" r:id="rId6" imgW="3162240" imgH="787320" progId="Equation.DSMT4">
+                <p:oleObj spid="_x0000_s2846" name="Equation" r:id="rId6" imgW="3162240" imgH="787320" progId="Equation.DSMT4">
                   <p:embed/>
                 </p:oleObj>
               </mc:Choice>
@@ -35474,7 +35698,7 @@
             <a:graphicData uri="http://schemas.openxmlformats.org/presentationml/2006/ole">
               <mc:AlternateContent xmlns:mc="http://schemas.openxmlformats.org/markup-compatibility/2006">
                 <mc:Choice xmlns:v="urn:schemas-microsoft-com:vml" Requires="v">
-                  <p:oleObj spid="_x0000_s2791" name="Equation" r:id="rId8" imgW="8839200" imgH="5181600" progId="Equation.DSMT4">
+                  <p:oleObj spid="_x0000_s2847" name="Equation" r:id="rId8" imgW="8839200" imgH="5181600" progId="Equation.DSMT4">
                     <p:embed/>
                   </p:oleObj>
                 </mc:Choice>
@@ -36299,7 +36523,7 @@
           <a:graphicData uri="http://schemas.openxmlformats.org/presentationml/2006/ole">
             <mc:AlternateContent xmlns:mc="http://schemas.openxmlformats.org/markup-compatibility/2006">
               <mc:Choice xmlns:v="urn:schemas-microsoft-com:vml" Requires="v">
-                <p:oleObj spid="_x0000_s2792" name="Equation" r:id="rId11" imgW="50596800" imgH="3962400" progId="Equation.DSMT4">
+                <p:oleObj spid="_x0000_s2848" name="Equation" r:id="rId11" imgW="50596800" imgH="3962400" progId="Equation.DSMT4">
                   <p:embed/>
                 </p:oleObj>
               </mc:Choice>
@@ -42185,7 +42409,7 @@
                 <a:graphicData uri="http://schemas.openxmlformats.org/presentationml/2006/ole">
                   <mc:AlternateContent xmlns:mc="http://schemas.openxmlformats.org/markup-compatibility/2006">
                     <mc:Choice xmlns:v="urn:schemas-microsoft-com:vml" Requires="v">
-                      <p:oleObj spid="_x0000_s3114" name="Equation" r:id="rId7" imgW="1257120" imgH="545760" progId="Equation.DSMT4">
+                      <p:oleObj spid="_x0000_s3142" name="Equation" r:id="rId7" imgW="1257120" imgH="545760" progId="Equation.DSMT4">
                         <p:embed/>
                       </p:oleObj>
                     </mc:Choice>
@@ -42248,7 +42472,7 @@
                 <a:graphicData uri="http://schemas.openxmlformats.org/presentationml/2006/ole">
                   <mc:AlternateContent xmlns:mc="http://schemas.openxmlformats.org/markup-compatibility/2006">
                     <mc:Choice xmlns:v="urn:schemas-microsoft-com:vml" Requires="v">
-                      <p:oleObj spid="_x0000_s3115" name="Equation" r:id="rId9" imgW="1218960" imgH="215640" progId="Equation.DSMT4">
+                      <p:oleObj spid="_x0000_s3143" name="Equation" r:id="rId9" imgW="1218960" imgH="215640" progId="Equation.DSMT4">
                         <p:embed/>
                       </p:oleObj>
                     </mc:Choice>
@@ -43040,6 +43264,81 @@
 </p:sld>
 </file>
 
+<file path=ppt/slides/slide39.xml><?xml version="1.0" encoding="utf-8"?>
+<p:sld xmlns:a="http://schemas.openxmlformats.org/drawingml/2006/main" xmlns:r="http://schemas.openxmlformats.org/officeDocument/2006/relationships" xmlns:p="http://schemas.openxmlformats.org/presentationml/2006/main">
+  <p:cSld>
+    <p:spTree>
+      <p:nvGrpSpPr>
+        <p:cNvPr id="1" name=""/>
+        <p:cNvGrpSpPr/>
+        <p:nvPr/>
+      </p:nvGrpSpPr>
+      <p:grpSpPr>
+        <a:xfrm>
+          <a:off x="0" y="0"/>
+          <a:ext cx="0" cy="0"/>
+          <a:chOff x="0" y="0"/>
+          <a:chExt cx="0" cy="0"/>
+        </a:xfrm>
+      </p:grpSpPr>
+      <p:sp>
+        <p:nvSpPr>
+          <p:cNvPr id="2" name="标题 1"/>
+          <p:cNvSpPr>
+            <a:spLocks noGrp="1"/>
+          </p:cNvSpPr>
+          <p:nvPr>
+            <p:ph type="ctrTitle"/>
+          </p:nvPr>
+        </p:nvSpPr>
+        <p:spPr/>
+        <p:txBody>
+          <a:bodyPr/>
+          <a:lstStyle/>
+          <a:p>
+            <a:r>
+              <a:rPr lang="zh-CN" altLang="en-US" dirty="0"/>
+              <a:t>消息转播格式转换</a:t>
+            </a:r>
+          </a:p>
+        </p:txBody>
+      </p:sp>
+      <p:sp>
+        <p:nvSpPr>
+          <p:cNvPr id="3" name="副标题 2"/>
+          <p:cNvSpPr>
+            <a:spLocks noGrp="1"/>
+          </p:cNvSpPr>
+          <p:nvPr>
+            <p:ph type="subTitle" idx="1"/>
+          </p:nvPr>
+        </p:nvSpPr>
+        <p:spPr/>
+        <p:txBody>
+          <a:bodyPr/>
+          <a:lstStyle/>
+          <a:p>
+            <a:r>
+              <a:rPr lang="en-US" altLang="zh-CN" dirty="0"/>
+              <a:t>24_01_03</a:t>
+            </a:r>
+            <a:endParaRPr lang="zh-CN" altLang="en-US" dirty="0"/>
+          </a:p>
+        </p:txBody>
+      </p:sp>
+    </p:spTree>
+    <p:extLst>
+      <p:ext uri="{BB962C8B-B14F-4D97-AF65-F5344CB8AC3E}">
+        <p14:creationId xmlns:p14="http://schemas.microsoft.com/office/powerpoint/2010/main" val="3340973832"/>
+      </p:ext>
+    </p:extLst>
+  </p:cSld>
+  <p:clrMapOvr>
+    <a:masterClrMapping/>
+  </p:clrMapOvr>
+</p:sld>
+</file>
+
 <file path=ppt/slides/slide4.xml><?xml version="1.0" encoding="utf-8"?>
 <p:sld xmlns:a="http://schemas.openxmlformats.org/drawingml/2006/main" xmlns:r="http://schemas.openxmlformats.org/officeDocument/2006/relationships" xmlns:p="http://schemas.openxmlformats.org/presentationml/2006/main">
   <p:cSld>
@@ -43102,6 +43401,1133 @@
         </p:txBody>
       </p:sp>
     </p:spTree>
+  </p:cSld>
+  <p:clrMapOvr>
+    <a:masterClrMapping/>
+  </p:clrMapOvr>
+</p:sld>
+</file>
+
+<file path=ppt/slides/slide40.xml><?xml version="1.0" encoding="utf-8"?>
+<p:sld xmlns:a="http://schemas.openxmlformats.org/drawingml/2006/main" xmlns:r="http://schemas.openxmlformats.org/officeDocument/2006/relationships" xmlns:p="http://schemas.openxmlformats.org/presentationml/2006/main">
+  <p:cSld>
+    <p:spTree>
+      <p:nvGrpSpPr>
+        <p:cNvPr id="1" name=""/>
+        <p:cNvGrpSpPr/>
+        <p:nvPr/>
+      </p:nvGrpSpPr>
+      <p:grpSpPr>
+        <a:xfrm>
+          <a:off x="0" y="0"/>
+          <a:ext cx="0" cy="0"/>
+          <a:chOff x="0" y="0"/>
+          <a:chExt cx="0" cy="0"/>
+        </a:xfrm>
+      </p:grpSpPr>
+      <p:sp>
+        <p:nvSpPr>
+          <p:cNvPr id="2" name="标题 1">
+            <a:extLst>
+              <a:ext uri="{FF2B5EF4-FFF2-40B4-BE49-F238E27FC236}">
+                <a16:creationId xmlns:a16="http://schemas.microsoft.com/office/drawing/2014/main" id="{CD1288C6-9E79-4196-9234-9B42C758CD69}"/>
+              </a:ext>
+            </a:extLst>
+          </p:cNvPr>
+          <p:cNvSpPr>
+            <a:spLocks noGrp="1"/>
+          </p:cNvSpPr>
+          <p:nvPr>
+            <p:ph type="title"/>
+          </p:nvPr>
+        </p:nvSpPr>
+        <p:spPr/>
+        <p:txBody>
+          <a:bodyPr/>
+          <a:lstStyle/>
+          <a:p>
+            <a:r>
+              <a:rPr lang="zh-CN" altLang="en-US" dirty="0"/>
+              <a:t>微信群里的地图格式</a:t>
+            </a:r>
+          </a:p>
+        </p:txBody>
+      </p:sp>
+      <p:pic>
+        <p:nvPicPr>
+          <p:cNvPr id="5" name="内容占位符 4">
+            <a:extLst>
+              <a:ext uri="{FF2B5EF4-FFF2-40B4-BE49-F238E27FC236}">
+                <a16:creationId xmlns:a16="http://schemas.microsoft.com/office/drawing/2014/main" id="{A05C5BC2-1569-4F90-B595-9AE525BF937D}"/>
+              </a:ext>
+            </a:extLst>
+          </p:cNvPr>
+          <p:cNvPicPr>
+            <a:picLocks noGrp="1" noChangeAspect="1"/>
+          </p:cNvPicPr>
+          <p:nvPr>
+            <p:ph idx="1"/>
+          </p:nvPr>
+        </p:nvPicPr>
+        <p:blipFill>
+          <a:blip r:embed="rId3" cstate="print">
+            <a:extLst>
+              <a:ext uri="{28A0092B-C50C-407E-A947-70E740481C1C}">
+                <a14:useLocalDpi xmlns:a14="http://schemas.microsoft.com/office/drawing/2010/main" val="0"/>
+              </a:ext>
+            </a:extLst>
+          </a:blip>
+          <a:stretch>
+            <a:fillRect/>
+          </a:stretch>
+        </p:blipFill>
+        <p:spPr>
+          <a:xfrm>
+            <a:off x="984625" y="1594616"/>
+            <a:ext cx="2203235" cy="2203235"/>
+          </a:xfrm>
+        </p:spPr>
+      </p:pic>
+      <p:sp>
+        <p:nvSpPr>
+          <p:cNvPr id="6" name="文本框 5">
+            <a:extLst>
+              <a:ext uri="{FF2B5EF4-FFF2-40B4-BE49-F238E27FC236}">
+                <a16:creationId xmlns:a16="http://schemas.microsoft.com/office/drawing/2014/main" id="{8726CBA6-5ABB-4DCB-97C2-5E06A43C7A18}"/>
+              </a:ext>
+            </a:extLst>
+          </p:cNvPr>
+          <p:cNvSpPr txBox="1"/>
+          <p:nvPr/>
+        </p:nvSpPr>
+        <p:spPr>
+          <a:xfrm>
+            <a:off x="887837" y="4065637"/>
+            <a:ext cx="2396810" cy="923330"/>
+          </a:xfrm>
+          <a:prstGeom prst="rect">
+            <a:avLst/>
+          </a:prstGeom>
+          <a:noFill/>
+        </p:spPr>
+        <p:txBody>
+          <a:bodyPr wrap="none" rtlCol="0">
+            <a:spAutoFit/>
+          </a:bodyPr>
+          <a:lstStyle/>
+          <a:p>
+            <a:r>
+              <a:rPr lang="zh-CN" altLang="en-US" dirty="0"/>
+              <a:t>输入：</a:t>
+            </a:r>
+            <a:endParaRPr lang="en-US" altLang="zh-CN" dirty="0"/>
+          </a:p>
+          <a:p>
+            <a:r>
+              <a:rPr lang="en-US" altLang="zh-CN" dirty="0"/>
+              <a:t>Provider</a:t>
+            </a:r>
+            <a:r>
+              <a:rPr lang="zh-CN" altLang="en-US" dirty="0"/>
+              <a:t>位置（红圈）</a:t>
+            </a:r>
+            <a:endParaRPr lang="en-US" altLang="zh-CN" dirty="0"/>
+          </a:p>
+          <a:p>
+            <a:r>
+              <a:rPr lang="en-US" altLang="zh-CN" dirty="0"/>
+              <a:t>Provider</a:t>
+            </a:r>
+            <a:r>
+              <a:rPr lang="zh-CN" altLang="en-US" dirty="0"/>
+              <a:t>位置（黄圈）</a:t>
+            </a:r>
+          </a:p>
+        </p:txBody>
+      </p:sp>
+      <p:pic>
+        <p:nvPicPr>
+          <p:cNvPr id="7" name="图片 6">
+            <a:extLst>
+              <a:ext uri="{FF2B5EF4-FFF2-40B4-BE49-F238E27FC236}">
+                <a16:creationId xmlns:a16="http://schemas.microsoft.com/office/drawing/2014/main" id="{15007200-D97B-4E24-A249-EB0249ECE54E}"/>
+              </a:ext>
+            </a:extLst>
+          </p:cNvPr>
+          <p:cNvPicPr>
+            <a:picLocks noChangeAspect="1"/>
+          </p:cNvPicPr>
+          <p:nvPr/>
+        </p:nvPicPr>
+        <p:blipFill>
+          <a:blip r:embed="rId4"/>
+          <a:stretch>
+            <a:fillRect/>
+          </a:stretch>
+        </p:blipFill>
+        <p:spPr>
+          <a:xfrm>
+            <a:off x="3526040" y="1514578"/>
+            <a:ext cx="2359725" cy="2363311"/>
+          </a:xfrm>
+          <a:prstGeom prst="rect">
+            <a:avLst/>
+          </a:prstGeom>
+        </p:spPr>
+      </p:pic>
+      <p:sp>
+        <p:nvSpPr>
+          <p:cNvPr id="8" name="文本框 7">
+            <a:extLst>
+              <a:ext uri="{FF2B5EF4-FFF2-40B4-BE49-F238E27FC236}">
+                <a16:creationId xmlns:a16="http://schemas.microsoft.com/office/drawing/2014/main" id="{7C97CFE6-3082-4447-8BEA-66E8AEB42962}"/>
+              </a:ext>
+            </a:extLst>
+          </p:cNvPr>
+          <p:cNvSpPr txBox="1"/>
+          <p:nvPr/>
+        </p:nvSpPr>
+        <p:spPr>
+          <a:xfrm>
+            <a:off x="3674209" y="4065637"/>
+            <a:ext cx="2063385" cy="646331"/>
+          </a:xfrm>
+          <a:prstGeom prst="rect">
+            <a:avLst/>
+          </a:prstGeom>
+          <a:noFill/>
+        </p:spPr>
+        <p:txBody>
+          <a:bodyPr wrap="none" rtlCol="0">
+            <a:spAutoFit/>
+          </a:bodyPr>
+          <a:lstStyle/>
+          <a:p>
+            <a:r>
+              <a:rPr lang="zh-CN" altLang="en-US" dirty="0"/>
+              <a:t>输出结果：</a:t>
+            </a:r>
+            <a:endParaRPr lang="en-US" altLang="zh-CN" dirty="0"/>
+          </a:p>
+          <a:p>
+            <a:r>
+              <a:rPr lang="zh-CN" altLang="en-US" dirty="0"/>
+              <a:t>产生了</a:t>
+            </a:r>
+            <a:r>
+              <a:rPr lang="en-US" altLang="zh-CN" dirty="0"/>
+              <a:t>T</a:t>
+            </a:r>
+            <a:r>
+              <a:rPr lang="zh-CN" altLang="en-US" dirty="0"/>
+              <a:t>对于</a:t>
+            </a:r>
+            <a:r>
+              <a:rPr lang="en-US" altLang="zh-CN" dirty="0"/>
+              <a:t>C</a:t>
+            </a:r>
+            <a:r>
+              <a:rPr lang="zh-CN" altLang="en-US" dirty="0"/>
+              <a:t>覆盖</a:t>
+            </a:r>
+          </a:p>
+        </p:txBody>
+      </p:sp>
+      <p:pic>
+        <p:nvPicPr>
+          <p:cNvPr id="9" name="图片 8">
+            <a:extLst>
+              <a:ext uri="{FF2B5EF4-FFF2-40B4-BE49-F238E27FC236}">
+                <a16:creationId xmlns:a16="http://schemas.microsoft.com/office/drawing/2014/main" id="{F4E123AC-FA9C-4283-B152-420225DD2461}"/>
+              </a:ext>
+            </a:extLst>
+          </p:cNvPr>
+          <p:cNvPicPr>
+            <a:picLocks noChangeAspect="1"/>
+          </p:cNvPicPr>
+          <p:nvPr/>
+        </p:nvPicPr>
+        <p:blipFill>
+          <a:blip r:embed="rId5"/>
+          <a:stretch>
+            <a:fillRect/>
+          </a:stretch>
+        </p:blipFill>
+        <p:spPr>
+          <a:xfrm>
+            <a:off x="6488055" y="1678330"/>
+            <a:ext cx="1889183" cy="2035806"/>
+          </a:xfrm>
+          <a:prstGeom prst="rect">
+            <a:avLst/>
+          </a:prstGeom>
+        </p:spPr>
+      </p:pic>
+      <p:sp>
+        <p:nvSpPr>
+          <p:cNvPr id="10" name="任意多边形: 形状 9">
+            <a:extLst>
+              <a:ext uri="{FF2B5EF4-FFF2-40B4-BE49-F238E27FC236}">
+                <a16:creationId xmlns:a16="http://schemas.microsoft.com/office/drawing/2014/main" id="{39E11AB1-A321-4C0D-9180-E08260BBF7E6}"/>
+              </a:ext>
+            </a:extLst>
+          </p:cNvPr>
+          <p:cNvSpPr/>
+          <p:nvPr/>
+        </p:nvSpPr>
+        <p:spPr>
+          <a:xfrm>
+            <a:off x="1460734" y="2123772"/>
+            <a:ext cx="1208651" cy="1144923"/>
+          </a:xfrm>
+          <a:custGeom>
+            <a:avLst/>
+            <a:gdLst>
+              <a:gd name="connsiteX0" fmla="*/ 107716 w 1208651"/>
+              <a:gd name="connsiteY0" fmla="*/ 276651 h 1144923"/>
+              <a:gd name="connsiteX1" fmla="*/ 50566 w 1208651"/>
+              <a:gd name="connsiteY1" fmla="*/ 57576 h 1144923"/>
+              <a:gd name="connsiteX2" fmla="*/ 358541 w 1208651"/>
+              <a:gd name="connsiteY2" fmla="*/ 38526 h 1144923"/>
+              <a:gd name="connsiteX3" fmla="*/ 888766 w 1208651"/>
+              <a:gd name="connsiteY3" fmla="*/ 16301 h 1144923"/>
+              <a:gd name="connsiteX4" fmla="*/ 923691 w 1208651"/>
+              <a:gd name="connsiteY4" fmla="*/ 305226 h 1144923"/>
+              <a:gd name="connsiteX5" fmla="*/ 1196741 w 1208651"/>
+              <a:gd name="connsiteY5" fmla="*/ 336976 h 1144923"/>
+              <a:gd name="connsiteX6" fmla="*/ 1133241 w 1208651"/>
+              <a:gd name="connsiteY6" fmla="*/ 584626 h 1144923"/>
+              <a:gd name="connsiteX7" fmla="*/ 895116 w 1208651"/>
+              <a:gd name="connsiteY7" fmla="*/ 559226 h 1144923"/>
+              <a:gd name="connsiteX8" fmla="*/ 891941 w 1208651"/>
+              <a:gd name="connsiteY8" fmla="*/ 695751 h 1144923"/>
+              <a:gd name="connsiteX9" fmla="*/ 882416 w 1208651"/>
+              <a:gd name="connsiteY9" fmla="*/ 822751 h 1144923"/>
+              <a:gd name="connsiteX10" fmla="*/ 901466 w 1208651"/>
+              <a:gd name="connsiteY10" fmla="*/ 879901 h 1144923"/>
+              <a:gd name="connsiteX11" fmla="*/ 1171341 w 1208651"/>
+              <a:gd name="connsiteY11" fmla="*/ 848151 h 1144923"/>
+              <a:gd name="connsiteX12" fmla="*/ 1171341 w 1208651"/>
+              <a:gd name="connsiteY12" fmla="*/ 1121201 h 1144923"/>
+              <a:gd name="connsiteX13" fmla="*/ 910991 w 1208651"/>
+              <a:gd name="connsiteY13" fmla="*/ 1130726 h 1144923"/>
+              <a:gd name="connsiteX14" fmla="*/ 66441 w 1208651"/>
+              <a:gd name="connsiteY14" fmla="*/ 1121201 h 1144923"/>
+              <a:gd name="connsiteX15" fmla="*/ 88666 w 1208651"/>
+              <a:gd name="connsiteY15" fmla="*/ 851326 h 1144923"/>
+              <a:gd name="connsiteX16" fmla="*/ 364891 w 1208651"/>
+              <a:gd name="connsiteY16" fmla="*/ 854501 h 1144923"/>
+              <a:gd name="connsiteX17" fmla="*/ 361716 w 1208651"/>
+              <a:gd name="connsiteY17" fmla="*/ 575101 h 1144923"/>
+              <a:gd name="connsiteX18" fmla="*/ 98191 w 1208651"/>
+              <a:gd name="connsiteY18" fmla="*/ 587801 h 1144923"/>
+              <a:gd name="connsiteX19" fmla="*/ 72791 w 1208651"/>
+              <a:gd name="connsiteY19" fmla="*/ 356026 h 1144923"/>
+              <a:gd name="connsiteX20" fmla="*/ 107716 w 1208651"/>
+              <a:gd name="connsiteY20" fmla="*/ 276651 h 1144923"/>
+            </a:gdLst>
+            <a:ahLst/>
+            <a:cxnLst>
+              <a:cxn ang="0">
+                <a:pos x="connsiteX0" y="connsiteY0"/>
+              </a:cxn>
+              <a:cxn ang="0">
+                <a:pos x="connsiteX1" y="connsiteY1"/>
+              </a:cxn>
+              <a:cxn ang="0">
+                <a:pos x="connsiteX2" y="connsiteY2"/>
+              </a:cxn>
+              <a:cxn ang="0">
+                <a:pos x="connsiteX3" y="connsiteY3"/>
+              </a:cxn>
+              <a:cxn ang="0">
+                <a:pos x="connsiteX4" y="connsiteY4"/>
+              </a:cxn>
+              <a:cxn ang="0">
+                <a:pos x="connsiteX5" y="connsiteY5"/>
+              </a:cxn>
+              <a:cxn ang="0">
+                <a:pos x="connsiteX6" y="connsiteY6"/>
+              </a:cxn>
+              <a:cxn ang="0">
+                <a:pos x="connsiteX7" y="connsiteY7"/>
+              </a:cxn>
+              <a:cxn ang="0">
+                <a:pos x="connsiteX8" y="connsiteY8"/>
+              </a:cxn>
+              <a:cxn ang="0">
+                <a:pos x="connsiteX9" y="connsiteY9"/>
+              </a:cxn>
+              <a:cxn ang="0">
+                <a:pos x="connsiteX10" y="connsiteY10"/>
+              </a:cxn>
+              <a:cxn ang="0">
+                <a:pos x="connsiteX11" y="connsiteY11"/>
+              </a:cxn>
+              <a:cxn ang="0">
+                <a:pos x="connsiteX12" y="connsiteY12"/>
+              </a:cxn>
+              <a:cxn ang="0">
+                <a:pos x="connsiteX13" y="connsiteY13"/>
+              </a:cxn>
+              <a:cxn ang="0">
+                <a:pos x="connsiteX14" y="connsiteY14"/>
+              </a:cxn>
+              <a:cxn ang="0">
+                <a:pos x="connsiteX15" y="connsiteY15"/>
+              </a:cxn>
+              <a:cxn ang="0">
+                <a:pos x="connsiteX16" y="connsiteY16"/>
+              </a:cxn>
+              <a:cxn ang="0">
+                <a:pos x="connsiteX17" y="connsiteY17"/>
+              </a:cxn>
+              <a:cxn ang="0">
+                <a:pos x="connsiteX18" y="connsiteY18"/>
+              </a:cxn>
+              <a:cxn ang="0">
+                <a:pos x="connsiteX19" y="connsiteY19"/>
+              </a:cxn>
+              <a:cxn ang="0">
+                <a:pos x="connsiteX20" y="connsiteY20"/>
+              </a:cxn>
+            </a:cxnLst>
+            <a:rect l="l" t="t" r="r" b="b"/>
+            <a:pathLst>
+              <a:path w="1208651" h="1144923">
+                <a:moveTo>
+                  <a:pt x="107716" y="276651"/>
+                </a:moveTo>
+                <a:cubicBezTo>
+                  <a:pt x="104012" y="226909"/>
+                  <a:pt x="8762" y="97264"/>
+                  <a:pt x="50566" y="57576"/>
+                </a:cubicBezTo>
+                <a:cubicBezTo>
+                  <a:pt x="92370" y="17888"/>
+                  <a:pt x="358541" y="38526"/>
+                  <a:pt x="358541" y="38526"/>
+                </a:cubicBezTo>
+                <a:cubicBezTo>
+                  <a:pt x="498241" y="31647"/>
+                  <a:pt x="794574" y="-28149"/>
+                  <a:pt x="888766" y="16301"/>
+                </a:cubicBezTo>
+                <a:cubicBezTo>
+                  <a:pt x="982958" y="60751"/>
+                  <a:pt x="872362" y="251780"/>
+                  <a:pt x="923691" y="305226"/>
+                </a:cubicBezTo>
+                <a:cubicBezTo>
+                  <a:pt x="975020" y="358672"/>
+                  <a:pt x="1161816" y="290409"/>
+                  <a:pt x="1196741" y="336976"/>
+                </a:cubicBezTo>
+                <a:cubicBezTo>
+                  <a:pt x="1231666" y="383543"/>
+                  <a:pt x="1183512" y="547584"/>
+                  <a:pt x="1133241" y="584626"/>
+                </a:cubicBezTo>
+                <a:cubicBezTo>
+                  <a:pt x="1082970" y="621668"/>
+                  <a:pt x="935333" y="540705"/>
+                  <a:pt x="895116" y="559226"/>
+                </a:cubicBezTo>
+                <a:cubicBezTo>
+                  <a:pt x="854899" y="577747"/>
+                  <a:pt x="894058" y="651830"/>
+                  <a:pt x="891941" y="695751"/>
+                </a:cubicBezTo>
+                <a:cubicBezTo>
+                  <a:pt x="889824" y="739672"/>
+                  <a:pt x="880829" y="792059"/>
+                  <a:pt x="882416" y="822751"/>
+                </a:cubicBezTo>
+                <a:cubicBezTo>
+                  <a:pt x="884004" y="853443"/>
+                  <a:pt x="853312" y="875668"/>
+                  <a:pt x="901466" y="879901"/>
+                </a:cubicBezTo>
+                <a:cubicBezTo>
+                  <a:pt x="949620" y="884134"/>
+                  <a:pt x="1126362" y="807934"/>
+                  <a:pt x="1171341" y="848151"/>
+                </a:cubicBezTo>
+                <a:cubicBezTo>
+                  <a:pt x="1216320" y="888368"/>
+                  <a:pt x="1214733" y="1074105"/>
+                  <a:pt x="1171341" y="1121201"/>
+                </a:cubicBezTo>
+                <a:cubicBezTo>
+                  <a:pt x="1127949" y="1168297"/>
+                  <a:pt x="1095141" y="1130726"/>
+                  <a:pt x="910991" y="1130726"/>
+                </a:cubicBezTo>
+                <a:cubicBezTo>
+                  <a:pt x="726841" y="1130726"/>
+                  <a:pt x="203495" y="1167768"/>
+                  <a:pt x="66441" y="1121201"/>
+                </a:cubicBezTo>
+                <a:cubicBezTo>
+                  <a:pt x="-70613" y="1074634"/>
+                  <a:pt x="38924" y="895776"/>
+                  <a:pt x="88666" y="851326"/>
+                </a:cubicBezTo>
+                <a:cubicBezTo>
+                  <a:pt x="138408" y="806876"/>
+                  <a:pt x="319383" y="900538"/>
+                  <a:pt x="364891" y="854501"/>
+                </a:cubicBezTo>
+                <a:cubicBezTo>
+                  <a:pt x="410399" y="808464"/>
+                  <a:pt x="406166" y="619551"/>
+                  <a:pt x="361716" y="575101"/>
+                </a:cubicBezTo>
+                <a:cubicBezTo>
+                  <a:pt x="317266" y="530651"/>
+                  <a:pt x="146345" y="624313"/>
+                  <a:pt x="98191" y="587801"/>
+                </a:cubicBezTo>
+                <a:cubicBezTo>
+                  <a:pt x="50037" y="551289"/>
+                  <a:pt x="72262" y="411059"/>
+                  <a:pt x="72791" y="356026"/>
+                </a:cubicBezTo>
+                <a:cubicBezTo>
+                  <a:pt x="73320" y="300993"/>
+                  <a:pt x="111420" y="326393"/>
+                  <a:pt x="107716" y="276651"/>
+                </a:cubicBezTo>
+                <a:close/>
+              </a:path>
+            </a:pathLst>
+          </a:custGeom>
+          <a:noFill/>
+          <a:ln>
+            <a:solidFill>
+              <a:srgbClr val="00B0F0"/>
+            </a:solidFill>
+          </a:ln>
+        </p:spPr>
+        <p:style>
+          <a:lnRef idx="2">
+            <a:schemeClr val="accent1">
+              <a:shade val="50000"/>
+            </a:schemeClr>
+          </a:lnRef>
+          <a:fillRef idx="1">
+            <a:schemeClr val="accent1"/>
+          </a:fillRef>
+          <a:effectRef idx="0">
+            <a:schemeClr val="accent1"/>
+          </a:effectRef>
+          <a:fontRef idx="minor">
+            <a:schemeClr val="lt1"/>
+          </a:fontRef>
+        </p:style>
+        <p:txBody>
+          <a:bodyPr rtlCol="0" anchor="ctr"/>
+          <a:lstStyle/>
+          <a:p>
+            <a:pPr algn="ctr"/>
+            <a:endParaRPr lang="zh-CN" altLang="en-US"/>
+          </a:p>
+        </p:txBody>
+      </p:sp>
+      <p:pic>
+        <p:nvPicPr>
+          <p:cNvPr id="11" name="图片 10">
+            <a:extLst>
+              <a:ext uri="{FF2B5EF4-FFF2-40B4-BE49-F238E27FC236}">
+                <a16:creationId xmlns:a16="http://schemas.microsoft.com/office/drawing/2014/main" id="{C7AE6F82-7481-4343-912E-53F2CDA81272}"/>
+              </a:ext>
+            </a:extLst>
+          </p:cNvPr>
+          <p:cNvPicPr>
+            <a:picLocks noChangeAspect="1"/>
+          </p:cNvPicPr>
+          <p:nvPr/>
+        </p:nvPicPr>
+        <p:blipFill>
+          <a:blip r:embed="rId6"/>
+          <a:stretch>
+            <a:fillRect/>
+          </a:stretch>
+        </p:blipFill>
+        <p:spPr>
+          <a:xfrm>
+            <a:off x="8816539" y="1312080"/>
+            <a:ext cx="2764107" cy="2768307"/>
+          </a:xfrm>
+          <a:prstGeom prst="rect">
+            <a:avLst/>
+          </a:prstGeom>
+        </p:spPr>
+      </p:pic>
+      <p:sp>
+        <p:nvSpPr>
+          <p:cNvPr id="13" name="文本框 12">
+            <a:extLst>
+              <a:ext uri="{FF2B5EF4-FFF2-40B4-BE49-F238E27FC236}">
+                <a16:creationId xmlns:a16="http://schemas.microsoft.com/office/drawing/2014/main" id="{2447B194-B3CD-4783-BBDE-A4D820293805}"/>
+              </a:ext>
+            </a:extLst>
+          </p:cNvPr>
+          <p:cNvSpPr txBox="1"/>
+          <p:nvPr/>
+        </p:nvSpPr>
+        <p:spPr>
+          <a:xfrm>
+            <a:off x="8907355" y="4065637"/>
+            <a:ext cx="3138933" cy="923330"/>
+          </a:xfrm>
+          <a:prstGeom prst="rect">
+            <a:avLst/>
+          </a:prstGeom>
+          <a:noFill/>
+        </p:spPr>
+        <p:txBody>
+          <a:bodyPr wrap="square" rtlCol="0">
+            <a:spAutoFit/>
+          </a:bodyPr>
+          <a:lstStyle/>
+          <a:p>
+            <a:r>
+              <a:rPr lang="zh-CN" altLang="en-US" dirty="0"/>
+              <a:t>修正后输出结果：</a:t>
+            </a:r>
+          </a:p>
+          <a:p>
+            <a:r>
+              <a:rPr lang="zh-CN" altLang="en-US" dirty="0"/>
+              <a:t>避免了路径覆盖问题，没有提供服务的结点就不显示了</a:t>
+            </a:r>
+          </a:p>
+        </p:txBody>
+      </p:sp>
+      <p:grpSp>
+        <p:nvGrpSpPr>
+          <p:cNvPr id="21" name="组合 20">
+            <a:extLst>
+              <a:ext uri="{FF2B5EF4-FFF2-40B4-BE49-F238E27FC236}">
+                <a16:creationId xmlns:a16="http://schemas.microsoft.com/office/drawing/2014/main" id="{3BF39F7A-B099-490D-81A3-A23E4A63EADE}"/>
+              </a:ext>
+            </a:extLst>
+          </p:cNvPr>
+          <p:cNvGrpSpPr/>
+          <p:nvPr/>
+        </p:nvGrpSpPr>
+        <p:grpSpPr>
+          <a:xfrm>
+            <a:off x="2448364" y="5031505"/>
+            <a:ext cx="8712929" cy="1807166"/>
+            <a:chOff x="3388164" y="4988967"/>
+            <a:chExt cx="8712929" cy="1807166"/>
+          </a:xfrm>
+        </p:grpSpPr>
+        <p:pic>
+          <p:nvPicPr>
+            <p:cNvPr id="14" name="图片 13">
+              <a:extLst>
+                <a:ext uri="{FF2B5EF4-FFF2-40B4-BE49-F238E27FC236}">
+                  <a16:creationId xmlns:a16="http://schemas.microsoft.com/office/drawing/2014/main" id="{C0B63850-68EF-4CEF-83A4-10B58ADF8E02}"/>
+                </a:ext>
+              </a:extLst>
+            </p:cNvPr>
+            <p:cNvPicPr>
+              <a:picLocks noChangeAspect="1"/>
+            </p:cNvPicPr>
+            <p:nvPr/>
+          </p:nvPicPr>
+          <p:blipFill>
+            <a:blip r:embed="rId7"/>
+            <a:stretch>
+              <a:fillRect/>
+            </a:stretch>
+          </p:blipFill>
+          <p:spPr>
+            <a:xfrm>
+              <a:off x="7546865" y="4988967"/>
+              <a:ext cx="2539347" cy="1800000"/>
+            </a:xfrm>
+            <a:prstGeom prst="rect">
+              <a:avLst/>
+            </a:prstGeom>
+          </p:spPr>
+        </p:pic>
+        <p:pic>
+          <p:nvPicPr>
+            <p:cNvPr id="15" name="图片 14">
+              <a:extLst>
+                <a:ext uri="{FF2B5EF4-FFF2-40B4-BE49-F238E27FC236}">
+                  <a16:creationId xmlns:a16="http://schemas.microsoft.com/office/drawing/2014/main" id="{68C1FFCD-5DEA-4316-82F1-8924D71155C7}"/>
+                </a:ext>
+              </a:extLst>
+            </p:cNvPr>
+            <p:cNvPicPr>
+              <a:picLocks noChangeAspect="1"/>
+            </p:cNvPicPr>
+            <p:nvPr/>
+          </p:nvPicPr>
+          <p:blipFill>
+            <a:blip r:embed="rId8"/>
+            <a:stretch>
+              <a:fillRect/>
+            </a:stretch>
+          </p:blipFill>
+          <p:spPr>
+            <a:xfrm>
+              <a:off x="3388164" y="4996133"/>
+              <a:ext cx="2842317" cy="1800000"/>
+            </a:xfrm>
+            <a:prstGeom prst="rect">
+              <a:avLst/>
+            </a:prstGeom>
+          </p:spPr>
+        </p:pic>
+        <p:cxnSp>
+          <p:nvCxnSpPr>
+            <p:cNvPr id="17" name="直接箭头连接符 16">
+              <a:extLst>
+                <a:ext uri="{FF2B5EF4-FFF2-40B4-BE49-F238E27FC236}">
+                  <a16:creationId xmlns:a16="http://schemas.microsoft.com/office/drawing/2014/main" id="{E9692D6E-6CDC-4D55-B158-A529D78657C3}"/>
+                </a:ext>
+              </a:extLst>
+            </p:cNvPr>
+            <p:cNvCxnSpPr>
+              <a:stCxn id="15" idx="3"/>
+              <a:endCxn id="14" idx="1"/>
+            </p:cNvCxnSpPr>
+            <p:nvPr/>
+          </p:nvCxnSpPr>
+          <p:spPr>
+            <a:xfrm flipV="1">
+              <a:off x="6230481" y="5888967"/>
+              <a:ext cx="1316384" cy="7166"/>
+            </a:xfrm>
+            <a:prstGeom prst="straightConnector1">
+              <a:avLst/>
+            </a:prstGeom>
+            <a:ln>
+              <a:tailEnd type="triangle"/>
+            </a:ln>
+          </p:spPr>
+          <p:style>
+            <a:lnRef idx="1">
+              <a:schemeClr val="accent1"/>
+            </a:lnRef>
+            <a:fillRef idx="0">
+              <a:schemeClr val="accent1"/>
+            </a:fillRef>
+            <a:effectRef idx="0">
+              <a:schemeClr val="accent1"/>
+            </a:effectRef>
+            <a:fontRef idx="minor">
+              <a:schemeClr val="tx1"/>
+            </a:fontRef>
+          </p:style>
+        </p:cxnSp>
+        <p:sp>
+          <p:nvSpPr>
+            <p:cNvPr id="19" name="文本框 18">
+              <a:extLst>
+                <a:ext uri="{FF2B5EF4-FFF2-40B4-BE49-F238E27FC236}">
+                  <a16:creationId xmlns:a16="http://schemas.microsoft.com/office/drawing/2014/main" id="{F0EA9D1F-3E4B-4387-99B4-7CE9E6559A33}"/>
+                </a:ext>
+              </a:extLst>
+            </p:cNvPr>
+            <p:cNvSpPr txBox="1"/>
+            <p:nvPr/>
+          </p:nvSpPr>
+          <p:spPr>
+            <a:xfrm>
+              <a:off x="10198592" y="5722835"/>
+              <a:ext cx="1902501" cy="923330"/>
+            </a:xfrm>
+            <a:prstGeom prst="rect">
+              <a:avLst/>
+            </a:prstGeom>
+            <a:noFill/>
+          </p:spPr>
+          <p:txBody>
+            <a:bodyPr wrap="square" rtlCol="0">
+              <a:spAutoFit/>
+            </a:bodyPr>
+            <a:lstStyle/>
+            <a:p>
+              <a:r>
+                <a:rPr lang="zh-CN" altLang="en-US" dirty="0"/>
+                <a:t>递归回溯时要对</a:t>
+              </a:r>
+              <a:r>
+                <a:rPr lang="en-US" altLang="zh-CN" dirty="0"/>
+                <a:t>UNKOWN</a:t>
+              </a:r>
+              <a:r>
+                <a:rPr lang="zh-CN" altLang="en-US" dirty="0"/>
+                <a:t>结点直接返回</a:t>
+              </a:r>
+            </a:p>
+          </p:txBody>
+        </p:sp>
+        <p:sp>
+          <p:nvSpPr>
+            <p:cNvPr id="20" name="文本框 19">
+              <a:extLst>
+                <a:ext uri="{FF2B5EF4-FFF2-40B4-BE49-F238E27FC236}">
+                  <a16:creationId xmlns:a16="http://schemas.microsoft.com/office/drawing/2014/main" id="{C4A6BC12-3519-47D8-B570-D6D306B2802F}"/>
+                </a:ext>
+              </a:extLst>
+            </p:cNvPr>
+            <p:cNvSpPr txBox="1"/>
+            <p:nvPr/>
+          </p:nvSpPr>
+          <p:spPr>
+            <a:xfrm>
+              <a:off x="6271645" y="5517705"/>
+              <a:ext cx="1316385" cy="369332"/>
+            </a:xfrm>
+            <a:prstGeom prst="rect">
+              <a:avLst/>
+            </a:prstGeom>
+            <a:noFill/>
+          </p:spPr>
+          <p:txBody>
+            <a:bodyPr wrap="square" rtlCol="0">
+              <a:spAutoFit/>
+            </a:bodyPr>
+            <a:lstStyle/>
+            <a:p>
+              <a:r>
+                <a:rPr lang="zh-CN" altLang="en-US" dirty="0"/>
+                <a:t>代码修正</a:t>
+              </a:r>
+            </a:p>
+          </p:txBody>
+        </p:sp>
+      </p:grpSp>
+      <p:sp>
+        <p:nvSpPr>
+          <p:cNvPr id="22" name="文本框 21">
+            <a:extLst>
+              <a:ext uri="{FF2B5EF4-FFF2-40B4-BE49-F238E27FC236}">
+                <a16:creationId xmlns:a16="http://schemas.microsoft.com/office/drawing/2014/main" id="{E51C09E9-ECAA-4E32-96AC-5D433EF726A3}"/>
+              </a:ext>
+            </a:extLst>
+          </p:cNvPr>
+          <p:cNvSpPr txBox="1"/>
+          <p:nvPr/>
+        </p:nvSpPr>
+        <p:spPr>
+          <a:xfrm>
+            <a:off x="6319459" y="3815505"/>
+            <a:ext cx="2763898" cy="369332"/>
+          </a:xfrm>
+          <a:prstGeom prst="rect">
+            <a:avLst/>
+          </a:prstGeom>
+          <a:noFill/>
+        </p:spPr>
+        <p:txBody>
+          <a:bodyPr wrap="none" rtlCol="0">
+            <a:spAutoFit/>
+          </a:bodyPr>
+          <a:lstStyle/>
+          <a:p>
+            <a:r>
+              <a:rPr lang="en-US" altLang="zh-CN" dirty="0"/>
+              <a:t>Dijkstra</a:t>
+            </a:r>
+            <a:r>
+              <a:rPr lang="zh-CN" altLang="en-US" dirty="0"/>
+              <a:t>的结果合理，但是</a:t>
+            </a:r>
+          </a:p>
+        </p:txBody>
+      </p:sp>
+    </p:spTree>
+    <p:extLst>
+      <p:ext uri="{BB962C8B-B14F-4D97-AF65-F5344CB8AC3E}">
+        <p14:creationId xmlns:p14="http://schemas.microsoft.com/office/powerpoint/2010/main" val="358266661"/>
+      </p:ext>
+    </p:extLst>
+  </p:cSld>
+  <p:clrMapOvr>
+    <a:masterClrMapping/>
+  </p:clrMapOvr>
+</p:sld>
+</file>
+
+<file path=ppt/slides/slide41.xml><?xml version="1.0" encoding="utf-8"?>
+<p:sld xmlns:a="http://schemas.openxmlformats.org/drawingml/2006/main" xmlns:r="http://schemas.openxmlformats.org/officeDocument/2006/relationships" xmlns:p="http://schemas.openxmlformats.org/presentationml/2006/main">
+  <p:cSld>
+    <p:spTree>
+      <p:nvGrpSpPr>
+        <p:cNvPr id="1" name=""/>
+        <p:cNvGrpSpPr/>
+        <p:nvPr/>
+      </p:nvGrpSpPr>
+      <p:grpSpPr>
+        <a:xfrm>
+          <a:off x="0" y="0"/>
+          <a:ext cx="0" cy="0"/>
+          <a:chOff x="0" y="0"/>
+          <a:chExt cx="0" cy="0"/>
+        </a:xfrm>
+      </p:grpSpPr>
+      <p:sp>
+        <p:nvSpPr>
+          <p:cNvPr id="2" name="标题 1">
+            <a:extLst>
+              <a:ext uri="{FF2B5EF4-FFF2-40B4-BE49-F238E27FC236}">
+                <a16:creationId xmlns:a16="http://schemas.microsoft.com/office/drawing/2014/main" id="{296A4431-8CB7-4262-86F5-9087B59EC992}"/>
+              </a:ext>
+            </a:extLst>
+          </p:cNvPr>
+          <p:cNvSpPr>
+            <a:spLocks noGrp="1"/>
+          </p:cNvSpPr>
+          <p:nvPr>
+            <p:ph type="title"/>
+          </p:nvPr>
+        </p:nvSpPr>
+        <p:spPr/>
+        <p:txBody>
+          <a:bodyPr/>
+          <a:lstStyle/>
+          <a:p>
+            <a:r>
+              <a:rPr lang="zh-CN" altLang="en-US" dirty="0"/>
+              <a:t>简化问题</a:t>
+            </a:r>
+          </a:p>
+        </p:txBody>
+      </p:sp>
+      <p:sp>
+        <p:nvSpPr>
+          <p:cNvPr id="3" name="内容占位符 2">
+            <a:extLst>
+              <a:ext uri="{FF2B5EF4-FFF2-40B4-BE49-F238E27FC236}">
+                <a16:creationId xmlns:a16="http://schemas.microsoft.com/office/drawing/2014/main" id="{150F75AD-F822-4BEA-800A-066A0A0DB172}"/>
+              </a:ext>
+            </a:extLst>
+          </p:cNvPr>
+          <p:cNvSpPr>
+            <a:spLocks noGrp="1"/>
+          </p:cNvSpPr>
+          <p:nvPr>
+            <p:ph idx="1"/>
+          </p:nvPr>
+        </p:nvSpPr>
+        <p:spPr/>
+        <p:txBody>
+          <a:bodyPr/>
+          <a:lstStyle/>
+          <a:p>
+            <a:r>
+              <a:rPr lang="en-US" altLang="zh-CN" dirty="0"/>
+              <a:t>f</a:t>
+            </a:r>
+            <a:endParaRPr lang="zh-CN" altLang="en-US" dirty="0"/>
+          </a:p>
+        </p:txBody>
+      </p:sp>
+      <p:pic>
+        <p:nvPicPr>
+          <p:cNvPr id="4" name="图片 3">
+            <a:extLst>
+              <a:ext uri="{FF2B5EF4-FFF2-40B4-BE49-F238E27FC236}">
+                <a16:creationId xmlns:a16="http://schemas.microsoft.com/office/drawing/2014/main" id="{690D4576-FAC8-430E-91B5-FAA55BC5A799}"/>
+              </a:ext>
+            </a:extLst>
+          </p:cNvPr>
+          <p:cNvPicPr>
+            <a:picLocks noChangeAspect="1"/>
+          </p:cNvPicPr>
+          <p:nvPr/>
+        </p:nvPicPr>
+        <p:blipFill>
+          <a:blip r:embed="rId3"/>
+          <a:stretch>
+            <a:fillRect/>
+          </a:stretch>
+        </p:blipFill>
+        <p:spPr>
+          <a:xfrm>
+            <a:off x="1130300" y="1690688"/>
+            <a:ext cx="2940681" cy="2830512"/>
+          </a:xfrm>
+          <a:prstGeom prst="rect">
+            <a:avLst/>
+          </a:prstGeom>
+        </p:spPr>
+      </p:pic>
+      <p:sp>
+        <p:nvSpPr>
+          <p:cNvPr id="5" name="文本框 4">
+            <a:extLst>
+              <a:ext uri="{FF2B5EF4-FFF2-40B4-BE49-F238E27FC236}">
+                <a16:creationId xmlns:a16="http://schemas.microsoft.com/office/drawing/2014/main" id="{ED8D1401-70D7-476D-9C1D-8E90189FE3B6}"/>
+              </a:ext>
+            </a:extLst>
+          </p:cNvPr>
+          <p:cNvSpPr txBox="1"/>
+          <p:nvPr/>
+        </p:nvSpPr>
+        <p:spPr>
+          <a:xfrm>
+            <a:off x="5854700" y="365125"/>
+            <a:ext cx="5065810" cy="1200329"/>
+          </a:xfrm>
+          <a:prstGeom prst="rect">
+            <a:avLst/>
+          </a:prstGeom>
+          <a:noFill/>
+        </p:spPr>
+        <p:txBody>
+          <a:bodyPr wrap="none" rtlCol="0">
+            <a:spAutoFit/>
+          </a:bodyPr>
+          <a:lstStyle/>
+          <a:p>
+            <a:r>
+              <a:rPr lang="zh-CN" altLang="en-US" dirty="0"/>
+              <a:t>绘图函数更新：</a:t>
+            </a:r>
+            <a:endParaRPr lang="en-US" altLang="zh-CN" dirty="0"/>
+          </a:p>
+          <a:p>
+            <a:r>
+              <a:rPr lang="zh-CN" altLang="en-US" dirty="0"/>
+              <a:t>（</a:t>
+            </a:r>
+            <a:r>
+              <a:rPr lang="en-US" altLang="zh-CN" dirty="0"/>
+              <a:t>1</a:t>
+            </a:r>
+            <a:r>
+              <a:rPr lang="zh-CN" altLang="en-US" dirty="0"/>
+              <a:t>）体现</a:t>
+            </a:r>
+            <a:r>
+              <a:rPr lang="en-US" altLang="zh-CN" dirty="0"/>
+              <a:t>C</a:t>
+            </a:r>
+            <a:r>
+              <a:rPr lang="zh-CN" altLang="en-US" dirty="0"/>
+              <a:t>的消息格式</a:t>
+            </a:r>
+            <a:endParaRPr lang="en-US" altLang="zh-CN" dirty="0"/>
+          </a:p>
+          <a:p>
+            <a:r>
+              <a:rPr lang="zh-CN" altLang="en-US" dirty="0"/>
+              <a:t>（</a:t>
+            </a:r>
+            <a:r>
+              <a:rPr lang="en-US" altLang="zh-CN" dirty="0"/>
+              <a:t>2</a:t>
+            </a:r>
+            <a:r>
+              <a:rPr lang="zh-CN" altLang="en-US" dirty="0"/>
+              <a:t>）消息可以跨</a:t>
+            </a:r>
+            <a:r>
+              <a:rPr lang="en-US" altLang="zh-CN" dirty="0"/>
+              <a:t>C</a:t>
+            </a:r>
+            <a:r>
+              <a:rPr lang="zh-CN" altLang="en-US" dirty="0"/>
+              <a:t>，因此，相邻同向的箭头合并</a:t>
+            </a:r>
+            <a:endParaRPr lang="en-US" altLang="zh-CN" dirty="0"/>
+          </a:p>
+          <a:p>
+            <a:endParaRPr lang="zh-CN" altLang="en-US" dirty="0"/>
+          </a:p>
+        </p:txBody>
+      </p:sp>
+    </p:spTree>
+    <p:extLst>
+      <p:ext uri="{BB962C8B-B14F-4D97-AF65-F5344CB8AC3E}">
+        <p14:creationId xmlns:p14="http://schemas.microsoft.com/office/powerpoint/2010/main" val="644066085"/>
+      </p:ext>
+    </p:extLst>
+  </p:cSld>
+  <p:clrMapOvr>
+    <a:masterClrMapping/>
+  </p:clrMapOvr>
+</p:sld>
+</file>
+
+<file path=ppt/slides/slide42.xml><?xml version="1.0" encoding="utf-8"?>
+<p:sld xmlns:a="http://schemas.openxmlformats.org/drawingml/2006/main" xmlns:r="http://schemas.openxmlformats.org/officeDocument/2006/relationships" xmlns:p="http://schemas.openxmlformats.org/presentationml/2006/main">
+  <p:cSld>
+    <p:spTree>
+      <p:nvGrpSpPr>
+        <p:cNvPr id="1" name=""/>
+        <p:cNvGrpSpPr/>
+        <p:nvPr/>
+      </p:nvGrpSpPr>
+      <p:grpSpPr>
+        <a:xfrm>
+          <a:off x="0" y="0"/>
+          <a:ext cx="0" cy="0"/>
+          <a:chOff x="0" y="0"/>
+          <a:chExt cx="0" cy="0"/>
+        </a:xfrm>
+      </p:grpSpPr>
+      <p:sp>
+        <p:nvSpPr>
+          <p:cNvPr id="2" name="标题 1"/>
+          <p:cNvSpPr>
+            <a:spLocks noGrp="1"/>
+          </p:cNvSpPr>
+          <p:nvPr>
+            <p:ph type="ctrTitle"/>
+          </p:nvPr>
+        </p:nvSpPr>
+        <p:spPr/>
+        <p:txBody>
+          <a:bodyPr/>
+          <a:lstStyle/>
+          <a:p>
+            <a:r>
+              <a:rPr lang="zh-CN" altLang="en-US" dirty="0"/>
+              <a:t>发现问题，占位</a:t>
+            </a:r>
+          </a:p>
+        </p:txBody>
+      </p:sp>
+      <p:sp>
+        <p:nvSpPr>
+          <p:cNvPr id="3" name="副标题 2"/>
+          <p:cNvSpPr>
+            <a:spLocks noGrp="1"/>
+          </p:cNvSpPr>
+          <p:nvPr>
+            <p:ph type="subTitle" idx="1"/>
+          </p:nvPr>
+        </p:nvSpPr>
+        <p:spPr/>
+        <p:txBody>
+          <a:bodyPr/>
+          <a:lstStyle/>
+          <a:p>
+            <a:r>
+              <a:rPr lang="en-US" altLang="zh-CN" dirty="0"/>
+              <a:t>24_01_03</a:t>
+            </a:r>
+            <a:endParaRPr lang="zh-CN" altLang="en-US" dirty="0"/>
+          </a:p>
+        </p:txBody>
+      </p:sp>
+    </p:spTree>
+    <p:extLst>
+      <p:ext uri="{BB962C8B-B14F-4D97-AF65-F5344CB8AC3E}">
+        <p14:creationId xmlns:p14="http://schemas.microsoft.com/office/powerpoint/2010/main" val="1667644772"/>
+      </p:ext>
+    </p:extLst>
   </p:cSld>
   <p:clrMapOvr>
     <a:masterClrMapping/>

--- a/huawei/日志记录.pptx
+++ b/huawei/日志记录.pptx
@@ -5,7 +5,7 @@
     <p:sldMasterId id="2147483648" r:id="rId1"/>
   </p:sldMasterIdLst>
   <p:notesMasterIdLst>
-    <p:notesMasterId r:id="rId44"/>
+    <p:notesMasterId r:id="rId45"/>
   </p:notesMasterIdLst>
   <p:sldIdLst>
     <p:sldId id="256" r:id="rId2"/>
@@ -46,15 +46,16 @@
     <p:sldId id="297" r:id="rId37"/>
     <p:sldId id="298" r:id="rId38"/>
     <p:sldId id="299" r:id="rId39"/>
-    <p:sldId id="300" r:id="rId40"/>
+    <p:sldId id="301" r:id="rId40"/>
     <p:sldId id="302" r:id="rId41"/>
     <p:sldId id="303" r:id="rId42"/>
-    <p:sldId id="301" r:id="rId43"/>
+    <p:sldId id="300" r:id="rId43"/>
+    <p:sldId id="304" r:id="rId44"/>
   </p:sldIdLst>
   <p:sldSz cx="12192000" cy="6858000"/>
   <p:notesSz cx="6858000" cy="9144000"/>
   <p:custDataLst>
-    <p:tags r:id="rId45"/>
+    <p:tags r:id="rId46"/>
   </p:custDataLst>
   <p:defaultTextStyle>
     <a:defPPr>
@@ -241,7 +242,7 @@
           <a:p>
             <a:fld id="{07A1DCD4-BB14-438E-8CE0-FC12E2A73F1B}" type="datetimeFigureOut">
               <a:rPr lang="zh-CN" altLang="en-US" smtClean="0"/>
-              <a:t>2024/1/3</a:t>
+              <a:t>2024/1/5</a:t>
             </a:fld>
             <a:endParaRPr lang="zh-CN" altLang="en-US"/>
           </a:p>
@@ -1079,6 +1080,14 @@
               <a:rPr lang="en-US" altLang="zh-CN" dirty="0"/>
               <a:t>main15_other_map2.txt</a:t>
             </a:r>
+            <a:r>
+              <a:rPr lang="zh-CN" altLang="en-US" dirty="0"/>
+              <a:t>，</a:t>
+            </a:r>
+            <a:r>
+              <a:rPr lang="en-US" altLang="zh-CN" dirty="0"/>
+              <a:t>main15_other_map3.txt</a:t>
+            </a:r>
           </a:p>
           <a:p>
             <a:r>
@@ -1091,15 +1100,7 @@
             </a:r>
             <a:r>
               <a:rPr lang="en-US" altLang="zh-CN" dirty="0"/>
-              <a:t>main15_other</a:t>
-            </a:r>
-            <a:r>
-              <a:rPr lang="en-US" altLang="zh-CN"/>
-              <a:t>_map2_</a:t>
-            </a:r>
-            <a:r>
-              <a:rPr lang="en-US" altLang="zh-CN" dirty="0"/>
-              <a:t>visualization_test.ipynb</a:t>
+              <a:t>main15_other_map2_visualization_test.ipynb</a:t>
             </a:r>
             <a:endParaRPr lang="zh-CN" altLang="en-US" dirty="0"/>
           </a:p>
@@ -2019,7 +2020,7 @@
           <a:p>
             <a:fld id="{0CCCBCAA-DE24-4869-907B-21FA432ED4EA}" type="datetimeFigureOut">
               <a:rPr lang="zh-CN" altLang="en-US" smtClean="0"/>
-              <a:t>2024/1/3</a:t>
+              <a:t>2024/1/5</a:t>
             </a:fld>
             <a:endParaRPr lang="zh-CN" altLang="en-US"/>
           </a:p>
@@ -2182,7 +2183,7 @@
           <a:p>
             <a:fld id="{0CCCBCAA-DE24-4869-907B-21FA432ED4EA}" type="datetimeFigureOut">
               <a:rPr lang="zh-CN" altLang="en-US" smtClean="0"/>
-              <a:t>2024/1/3</a:t>
+              <a:t>2024/1/5</a:t>
             </a:fld>
             <a:endParaRPr lang="zh-CN" altLang="en-US"/>
           </a:p>
@@ -2355,7 +2356,7 @@
           <a:p>
             <a:fld id="{0CCCBCAA-DE24-4869-907B-21FA432ED4EA}" type="datetimeFigureOut">
               <a:rPr lang="zh-CN" altLang="en-US" smtClean="0"/>
-              <a:t>2024/1/3</a:t>
+              <a:t>2024/1/5</a:t>
             </a:fld>
             <a:endParaRPr lang="zh-CN" altLang="en-US"/>
           </a:p>
@@ -2518,7 +2519,7 @@
           <a:p>
             <a:fld id="{0CCCBCAA-DE24-4869-907B-21FA432ED4EA}" type="datetimeFigureOut">
               <a:rPr lang="zh-CN" altLang="en-US" smtClean="0"/>
-              <a:t>2024/1/3</a:t>
+              <a:t>2024/1/5</a:t>
             </a:fld>
             <a:endParaRPr lang="zh-CN" altLang="en-US"/>
           </a:p>
@@ -2758,7 +2759,7 @@
           <a:p>
             <a:fld id="{0CCCBCAA-DE24-4869-907B-21FA432ED4EA}" type="datetimeFigureOut">
               <a:rPr lang="zh-CN" altLang="en-US" smtClean="0"/>
-              <a:t>2024/1/3</a:t>
+              <a:t>2024/1/5</a:t>
             </a:fld>
             <a:endParaRPr lang="zh-CN" altLang="en-US"/>
           </a:p>
@@ -2982,7 +2983,7 @@
           <a:p>
             <a:fld id="{0CCCBCAA-DE24-4869-907B-21FA432ED4EA}" type="datetimeFigureOut">
               <a:rPr lang="zh-CN" altLang="en-US" smtClean="0"/>
-              <a:t>2024/1/3</a:t>
+              <a:t>2024/1/5</a:t>
             </a:fld>
             <a:endParaRPr lang="zh-CN" altLang="en-US"/>
           </a:p>
@@ -3341,7 +3342,7 @@
           <a:p>
             <a:fld id="{0CCCBCAA-DE24-4869-907B-21FA432ED4EA}" type="datetimeFigureOut">
               <a:rPr lang="zh-CN" altLang="en-US" smtClean="0"/>
-              <a:t>2024/1/3</a:t>
+              <a:t>2024/1/5</a:t>
             </a:fld>
             <a:endParaRPr lang="zh-CN" altLang="en-US"/>
           </a:p>
@@ -3453,7 +3454,7 @@
           <a:p>
             <a:fld id="{0CCCBCAA-DE24-4869-907B-21FA432ED4EA}" type="datetimeFigureOut">
               <a:rPr lang="zh-CN" altLang="en-US" smtClean="0"/>
-              <a:t>2024/1/3</a:t>
+              <a:t>2024/1/5</a:t>
             </a:fld>
             <a:endParaRPr lang="zh-CN" altLang="en-US"/>
           </a:p>
@@ -3543,7 +3544,7 @@
           <a:p>
             <a:fld id="{0CCCBCAA-DE24-4869-907B-21FA432ED4EA}" type="datetimeFigureOut">
               <a:rPr lang="zh-CN" altLang="en-US" smtClean="0"/>
-              <a:t>2024/1/3</a:t>
+              <a:t>2024/1/5</a:t>
             </a:fld>
             <a:endParaRPr lang="zh-CN" altLang="en-US"/>
           </a:p>
@@ -3813,7 +3814,7 @@
           <a:p>
             <a:fld id="{0CCCBCAA-DE24-4869-907B-21FA432ED4EA}" type="datetimeFigureOut">
               <a:rPr lang="zh-CN" altLang="en-US" smtClean="0"/>
-              <a:t>2024/1/3</a:t>
+              <a:t>2024/1/5</a:t>
             </a:fld>
             <a:endParaRPr lang="zh-CN" altLang="en-US"/>
           </a:p>
@@ -4060,7 +4061,7 @@
           <a:p>
             <a:fld id="{0CCCBCAA-DE24-4869-907B-21FA432ED4EA}" type="datetimeFigureOut">
               <a:rPr lang="zh-CN" altLang="en-US" smtClean="0"/>
-              <a:t>2024/1/3</a:t>
+              <a:t>2024/1/5</a:t>
             </a:fld>
             <a:endParaRPr lang="zh-CN" altLang="en-US"/>
           </a:p>
@@ -4266,7 +4267,7 @@
           <a:p>
             <a:fld id="{0CCCBCAA-DE24-4869-907B-21FA432ED4EA}" type="datetimeFigureOut">
               <a:rPr lang="zh-CN" altLang="en-US" smtClean="0"/>
-              <a:t>2024/1/3</a:t>
+              <a:t>2024/1/5</a:t>
             </a:fld>
             <a:endParaRPr lang="zh-CN" altLang="en-US"/>
           </a:p>
@@ -33908,7 +33909,7 @@
           <a:graphicData uri="http://schemas.openxmlformats.org/presentationml/2006/ole">
             <mc:AlternateContent xmlns:mc="http://schemas.openxmlformats.org/markup-compatibility/2006">
               <mc:Choice xmlns:v="urn:schemas-microsoft-com:vml" Requires="v">
-                <p:oleObj spid="_x0000_s2845" name="Equation" r:id="rId4" imgW="104546400" imgH="9448800" progId="Equation.DSMT4">
+                <p:oleObj spid="_x0000_s2909" name="Equation" r:id="rId4" imgW="104546400" imgH="9448800" progId="Equation.DSMT4">
                   <p:embed/>
                 </p:oleObj>
               </mc:Choice>
@@ -33952,20 +33953,20 @@
           <p:nvPr>
             <p:extLst>
               <p:ext uri="{D42A27DB-BD31-4B8C-83A1-F6EECF244321}">
-                <p14:modId xmlns:p14="http://schemas.microsoft.com/office/powerpoint/2010/main" val="1224883484"/>
+                <p14:modId xmlns:p14="http://schemas.microsoft.com/office/powerpoint/2010/main" val="1567932366"/>
               </p:ext>
             </p:extLst>
           </p:nvPr>
         </p:nvGraphicFramePr>
         <p:xfrm>
-          <a:off x="9036050" y="4910138"/>
-          <a:ext cx="163513" cy="41275"/>
+          <a:off x="6982420" y="4549949"/>
+          <a:ext cx="2276145" cy="574559"/>
         </p:xfrm>
         <a:graphic>
           <a:graphicData uri="http://schemas.openxmlformats.org/presentationml/2006/ole">
             <mc:AlternateContent xmlns:mc="http://schemas.openxmlformats.org/markup-compatibility/2006">
               <mc:Choice xmlns:v="urn:schemas-microsoft-com:vml" Requires="v">
-                <p:oleObj spid="_x0000_s2846" name="Equation" r:id="rId6" imgW="3162240" imgH="787320" progId="Equation.DSMT4">
+                <p:oleObj spid="_x0000_s2910" name="Equation" r:id="rId6" imgW="3162240" imgH="787320" progId="Equation.DSMT4">
                   <p:embed/>
                 </p:oleObj>
               </mc:Choice>
@@ -33986,8 +33987,8 @@
                     </p:blipFill>
                     <p:spPr>
                       <a:xfrm>
-                        <a:off x="9036050" y="4910138"/>
-                        <a:ext cx="163513" cy="41275"/>
+                        <a:off x="6982420" y="4549949"/>
+                        <a:ext cx="2276145" cy="574559"/>
                       </a:xfrm>
                       <a:prstGeom prst="rect">
                         <a:avLst/>
@@ -35698,7 +35699,7 @@
             <a:graphicData uri="http://schemas.openxmlformats.org/presentationml/2006/ole">
               <mc:AlternateContent xmlns:mc="http://schemas.openxmlformats.org/markup-compatibility/2006">
                 <mc:Choice xmlns:v="urn:schemas-microsoft-com:vml" Requires="v">
-                  <p:oleObj spid="_x0000_s2847" name="Equation" r:id="rId8" imgW="8839200" imgH="5181600" progId="Equation.DSMT4">
+                  <p:oleObj spid="_x0000_s2911" name="Equation" r:id="rId8" imgW="8839200" imgH="5181600" progId="Equation.DSMT4">
                     <p:embed/>
                   </p:oleObj>
                 </mc:Choice>
@@ -36523,7 +36524,7 @@
           <a:graphicData uri="http://schemas.openxmlformats.org/presentationml/2006/ole">
             <mc:AlternateContent xmlns:mc="http://schemas.openxmlformats.org/markup-compatibility/2006">
               <mc:Choice xmlns:v="urn:schemas-microsoft-com:vml" Requires="v">
-                <p:oleObj spid="_x0000_s2848" name="Equation" r:id="rId11" imgW="50596800" imgH="3962400" progId="Equation.DSMT4">
+                <p:oleObj spid="_x0000_s2912" name="Equation" r:id="rId11" imgW="50596800" imgH="3962400" progId="Equation.DSMT4">
                   <p:embed/>
                 </p:oleObj>
               </mc:Choice>
@@ -42409,7 +42410,7 @@
                 <a:graphicData uri="http://schemas.openxmlformats.org/presentationml/2006/ole">
                   <mc:AlternateContent xmlns:mc="http://schemas.openxmlformats.org/markup-compatibility/2006">
                     <mc:Choice xmlns:v="urn:schemas-microsoft-com:vml" Requires="v">
-                      <p:oleObj spid="_x0000_s3142" name="Equation" r:id="rId7" imgW="1257120" imgH="545760" progId="Equation.DSMT4">
+                      <p:oleObj spid="_x0000_s3172" name="Equation" r:id="rId7" imgW="1257120" imgH="545760" progId="Equation.DSMT4">
                         <p:embed/>
                       </p:oleObj>
                     </mc:Choice>
@@ -42472,7 +42473,7 @@
                 <a:graphicData uri="http://schemas.openxmlformats.org/presentationml/2006/ole">
                   <mc:AlternateContent xmlns:mc="http://schemas.openxmlformats.org/markup-compatibility/2006">
                     <mc:Choice xmlns:v="urn:schemas-microsoft-com:vml" Requires="v">
-                      <p:oleObj spid="_x0000_s3143" name="Equation" r:id="rId9" imgW="1218960" imgH="215640" progId="Equation.DSMT4">
+                      <p:oleObj spid="_x0000_s3173" name="Equation" r:id="rId9" imgW="1218960" imgH="215640" progId="Equation.DSMT4">
                         <p:embed/>
                       </p:oleObj>
                     </mc:Choice>
@@ -43298,8 +43299,21 @@
           <a:p>
             <a:r>
               <a:rPr lang="zh-CN" altLang="en-US" dirty="0"/>
-              <a:t>消息转播格式转换</a:t>
-            </a:r>
+              <a:t>发现问题，</a:t>
+            </a:r>
+            <a:r>
+              <a:rPr lang="en-US" altLang="zh-CN" dirty="0"/>
+              <a:t>T</a:t>
+            </a:r>
+            <a:r>
+              <a:rPr lang="zh-CN" altLang="en-US" dirty="0"/>
+              <a:t>覆盖了</a:t>
+            </a:r>
+            <a:r>
+              <a:rPr lang="en-US" altLang="zh-CN" dirty="0"/>
+              <a:t>C</a:t>
+            </a:r>
+            <a:endParaRPr lang="zh-CN" altLang="en-US" dirty="0"/>
           </a:p>
         </p:txBody>
       </p:sp>
@@ -43329,7 +43343,7 @@
     </p:spTree>
     <p:extLst>
       <p:ext uri="{BB962C8B-B14F-4D97-AF65-F5344CB8AC3E}">
-        <p14:creationId xmlns:p14="http://schemas.microsoft.com/office/powerpoint/2010/main" val="3340973832"/>
+        <p14:creationId xmlns:p14="http://schemas.microsoft.com/office/powerpoint/2010/main" val="1667644772"/>
       </p:ext>
     </p:extLst>
   </p:cSld>
@@ -43502,7 +43516,7 @@
         </p:nvSpPr>
         <p:spPr>
           <a:xfrm>
-            <a:off x="887837" y="4065637"/>
+            <a:off x="887837" y="4063707"/>
             <a:ext cx="2396810" cy="923330"/>
           </a:xfrm>
           <a:prstGeom prst="rect">
@@ -43589,7 +43603,7 @@
         </p:nvSpPr>
         <p:spPr>
           <a:xfrm>
-            <a:off x="3674209" y="4065637"/>
+            <a:off x="3674209" y="4063707"/>
             <a:ext cx="2063385" cy="646331"/>
           </a:xfrm>
           <a:prstGeom prst="rect">
@@ -43978,7 +43992,7 @@
         </p:nvSpPr>
         <p:spPr>
           <a:xfrm>
-            <a:off x="8907355" y="4065637"/>
+            <a:off x="8907355" y="4063707"/>
             <a:ext cx="3138933" cy="923330"/>
           </a:xfrm>
           <a:prstGeom prst="rect">
@@ -44220,8 +44234,8 @@
         </p:nvSpPr>
         <p:spPr>
           <a:xfrm>
-            <a:off x="6319459" y="3815505"/>
-            <a:ext cx="2763898" cy="369332"/>
+            <a:off x="6215421" y="4063707"/>
+            <a:ext cx="2396810" cy="923330"/>
           </a:xfrm>
           <a:prstGeom prst="rect">
             <a:avLst/>
@@ -44229,7 +44243,7 @@
           <a:noFill/>
         </p:spPr>
         <p:txBody>
-          <a:bodyPr wrap="none" rtlCol="0">
+          <a:bodyPr wrap="square" rtlCol="0">
             <a:spAutoFit/>
           </a:bodyPr>
           <a:lstStyle/>
@@ -44240,7 +44254,15 @@
             </a:r>
             <a:r>
               <a:rPr lang="zh-CN" altLang="en-US" dirty="0"/>
-              <a:t>的结果合理，但是</a:t>
+              <a:t>的结果合理，但是输出的</a:t>
+            </a:r>
+            <a:r>
+              <a:rPr lang="en-US" altLang="zh-CN" dirty="0"/>
+              <a:t>C</a:t>
+            </a:r>
+            <a:r>
+              <a:rPr lang="zh-CN" altLang="en-US" dirty="0"/>
+              <a:t>中被覆盖了</a:t>
             </a:r>
           </a:p>
         </p:txBody>
@@ -44303,35 +44325,6 @@
           </a:p>
         </p:txBody>
       </p:sp>
-      <p:sp>
-        <p:nvSpPr>
-          <p:cNvPr id="3" name="内容占位符 2">
-            <a:extLst>
-              <a:ext uri="{FF2B5EF4-FFF2-40B4-BE49-F238E27FC236}">
-                <a16:creationId xmlns:a16="http://schemas.microsoft.com/office/drawing/2014/main" id="{150F75AD-F822-4BEA-800A-066A0A0DB172}"/>
-              </a:ext>
-            </a:extLst>
-          </p:cNvPr>
-          <p:cNvSpPr>
-            <a:spLocks noGrp="1"/>
-          </p:cNvSpPr>
-          <p:nvPr>
-            <p:ph idx="1"/>
-          </p:nvPr>
-        </p:nvSpPr>
-        <p:spPr/>
-        <p:txBody>
-          <a:bodyPr/>
-          <a:lstStyle/>
-          <a:p>
-            <a:r>
-              <a:rPr lang="en-US" altLang="zh-CN" dirty="0"/>
-              <a:t>f</a:t>
-            </a:r>
-            <a:endParaRPr lang="zh-CN" altLang="en-US" dirty="0"/>
-          </a:p>
-        </p:txBody>
-      </p:sp>
       <p:pic>
         <p:nvPicPr>
           <p:cNvPr id="4" name="图片 3">
@@ -44354,8 +44347,8 @@
         </p:blipFill>
         <p:spPr>
           <a:xfrm>
-            <a:off x="1130300" y="1690688"/>
-            <a:ext cx="2940681" cy="2830512"/>
+            <a:off x="8873669" y="1040489"/>
+            <a:ext cx="2992095" cy="2880000"/>
           </a:xfrm>
           <a:prstGeom prst="rect">
             <a:avLst/>
@@ -44376,7 +44369,7 @@
         </p:nvSpPr>
         <p:spPr>
           <a:xfrm>
-            <a:off x="5854700" y="365125"/>
+            <a:off x="5665149" y="0"/>
             <a:ext cx="5065810" cy="1200329"/>
           </a:xfrm>
           <a:prstGeom prst="rect">
@@ -44447,6 +44440,229 @@
           </a:p>
         </p:txBody>
       </p:sp>
+      <p:pic>
+        <p:nvPicPr>
+          <p:cNvPr id="9" name="图片 8">
+            <a:extLst>
+              <a:ext uri="{FF2B5EF4-FFF2-40B4-BE49-F238E27FC236}">
+                <a16:creationId xmlns:a16="http://schemas.microsoft.com/office/drawing/2014/main" id="{FD0FDB99-C383-4E86-89A7-346CC5897CFD}"/>
+              </a:ext>
+            </a:extLst>
+          </p:cNvPr>
+          <p:cNvPicPr>
+            <a:picLocks noChangeAspect="1"/>
+          </p:cNvPicPr>
+          <p:nvPr/>
+        </p:nvPicPr>
+        <p:blipFill rotWithShape="1">
+          <a:blip r:embed="rId4" cstate="print">
+            <a:extLst>
+              <a:ext uri="{28A0092B-C50C-407E-A947-70E740481C1C}">
+                <a14:useLocalDpi xmlns:a14="http://schemas.microsoft.com/office/drawing/2010/main" val="0"/>
+              </a:ext>
+            </a:extLst>
+          </a:blip>
+          <a:srcRect l="17442" t="19248" r="18422" b="27318"/>
+          <a:stretch/>
+        </p:blipFill>
+        <p:spPr>
+          <a:xfrm rot="16200000">
+            <a:off x="4754414" y="897300"/>
+            <a:ext cx="2593621" cy="2880000"/>
+          </a:xfrm>
+          <a:prstGeom prst="rect">
+            <a:avLst/>
+          </a:prstGeom>
+        </p:spPr>
+      </p:pic>
+      <p:sp>
+        <p:nvSpPr>
+          <p:cNvPr id="10" name="文本框 9">
+            <a:extLst>
+              <a:ext uri="{FF2B5EF4-FFF2-40B4-BE49-F238E27FC236}">
+                <a16:creationId xmlns:a16="http://schemas.microsoft.com/office/drawing/2014/main" id="{F0D5FB03-406E-4303-B4B8-2B5988F8544E}"/>
+              </a:ext>
+            </a:extLst>
+          </p:cNvPr>
+          <p:cNvSpPr txBox="1"/>
+          <p:nvPr/>
+        </p:nvSpPr>
+        <p:spPr>
+          <a:xfrm>
+            <a:off x="-79374" y="5015547"/>
+            <a:ext cx="4037097" cy="2031325"/>
+          </a:xfrm>
+          <a:prstGeom prst="rect">
+            <a:avLst/>
+          </a:prstGeom>
+          <a:noFill/>
+        </p:spPr>
+        <p:txBody>
+          <a:bodyPr wrap="square" rtlCol="0">
+            <a:spAutoFit/>
+          </a:bodyPr>
+          <a:lstStyle/>
+          <a:p>
+            <a:r>
+              <a:rPr lang="zh-CN" altLang="en-US" dirty="0"/>
+              <a:t>这已经不能基于现在邻居结构和邻居图传播了。</a:t>
+            </a:r>
+            <a:endParaRPr lang="en-US" altLang="zh-CN" dirty="0"/>
+          </a:p>
+          <a:p>
+            <a:endParaRPr lang="en-US" altLang="zh-CN" dirty="0"/>
+          </a:p>
+          <a:p>
+            <a:r>
+              <a:rPr lang="zh-CN" altLang="en-US" dirty="0"/>
+              <a:t>思路：</a:t>
+            </a:r>
+            <a:r>
+              <a:rPr lang="zh-CN" altLang="en-US" b="1" dirty="0"/>
+              <a:t>单元所在行、列的其他单元都可以算作是邻居，此时要考虑已经用过的结点作为邻居</a:t>
+            </a:r>
+            <a:r>
+              <a:rPr lang="zh-CN" altLang="en-US" dirty="0"/>
+              <a:t>。这里的调整比较大，先忽略这种情况。</a:t>
+            </a:r>
+          </a:p>
+        </p:txBody>
+      </p:sp>
+      <p:sp>
+        <p:nvSpPr>
+          <p:cNvPr id="14" name="文本框 13">
+            <a:extLst>
+              <a:ext uri="{FF2B5EF4-FFF2-40B4-BE49-F238E27FC236}">
+                <a16:creationId xmlns:a16="http://schemas.microsoft.com/office/drawing/2014/main" id="{856FFE89-D774-4FF8-9C23-22942B6C50CB}"/>
+              </a:ext>
+            </a:extLst>
+          </p:cNvPr>
+          <p:cNvSpPr txBox="1"/>
+          <p:nvPr/>
+        </p:nvSpPr>
+        <p:spPr>
+          <a:xfrm>
+            <a:off x="3311392" y="1838357"/>
+            <a:ext cx="646331" cy="369332"/>
+          </a:xfrm>
+          <a:prstGeom prst="rect">
+            <a:avLst/>
+          </a:prstGeom>
+          <a:noFill/>
+        </p:spPr>
+        <p:txBody>
+          <a:bodyPr wrap="none" rtlCol="0">
+            <a:spAutoFit/>
+          </a:bodyPr>
+          <a:lstStyle/>
+          <a:p>
+            <a:r>
+              <a:rPr lang="zh-CN" altLang="en-US" dirty="0"/>
+              <a:t>理想</a:t>
+            </a:r>
+          </a:p>
+        </p:txBody>
+      </p:sp>
+      <p:sp>
+        <p:nvSpPr>
+          <p:cNvPr id="15" name="文本框 14">
+            <a:extLst>
+              <a:ext uri="{FF2B5EF4-FFF2-40B4-BE49-F238E27FC236}">
+                <a16:creationId xmlns:a16="http://schemas.microsoft.com/office/drawing/2014/main" id="{4B1BFEEE-CA94-47BF-9A16-8AE1824C3242}"/>
+              </a:ext>
+            </a:extLst>
+          </p:cNvPr>
+          <p:cNvSpPr txBox="1"/>
+          <p:nvPr/>
+        </p:nvSpPr>
+        <p:spPr>
+          <a:xfrm>
+            <a:off x="7874889" y="1732511"/>
+            <a:ext cx="646331" cy="369332"/>
+          </a:xfrm>
+          <a:prstGeom prst="rect">
+            <a:avLst/>
+          </a:prstGeom>
+          <a:noFill/>
+        </p:spPr>
+        <p:txBody>
+          <a:bodyPr wrap="none" rtlCol="0">
+            <a:spAutoFit/>
+          </a:bodyPr>
+          <a:lstStyle/>
+          <a:p>
+            <a:r>
+              <a:rPr lang="zh-CN" altLang="en-US" dirty="0"/>
+              <a:t>实际</a:t>
+            </a:r>
+          </a:p>
+        </p:txBody>
+      </p:sp>
+      <p:pic>
+        <p:nvPicPr>
+          <p:cNvPr id="16" name="图片 15">
+            <a:extLst>
+              <a:ext uri="{FF2B5EF4-FFF2-40B4-BE49-F238E27FC236}">
+                <a16:creationId xmlns:a16="http://schemas.microsoft.com/office/drawing/2014/main" id="{8FE80FAF-918F-459C-B64A-BE49FE9A6861}"/>
+              </a:ext>
+            </a:extLst>
+          </p:cNvPr>
+          <p:cNvPicPr>
+            <a:picLocks noChangeAspect="1"/>
+          </p:cNvPicPr>
+          <p:nvPr/>
+        </p:nvPicPr>
+        <p:blipFill>
+          <a:blip r:embed="rId5"/>
+          <a:stretch>
+            <a:fillRect/>
+          </a:stretch>
+        </p:blipFill>
+        <p:spPr>
+          <a:xfrm>
+            <a:off x="8873668" y="3974962"/>
+            <a:ext cx="2992095" cy="2880000"/>
+          </a:xfrm>
+          <a:prstGeom prst="rect">
+            <a:avLst/>
+          </a:prstGeom>
+        </p:spPr>
+      </p:pic>
+      <p:pic>
+        <p:nvPicPr>
+          <p:cNvPr id="18" name="图片 17">
+            <a:extLst>
+              <a:ext uri="{FF2B5EF4-FFF2-40B4-BE49-F238E27FC236}">
+                <a16:creationId xmlns:a16="http://schemas.microsoft.com/office/drawing/2014/main" id="{6384CC10-7E77-49C9-8252-23AE4B83CE8A}"/>
+              </a:ext>
+            </a:extLst>
+          </p:cNvPr>
+          <p:cNvPicPr>
+            <a:picLocks noChangeAspect="1"/>
+          </p:cNvPicPr>
+          <p:nvPr/>
+        </p:nvPicPr>
+        <p:blipFill rotWithShape="1">
+          <a:blip r:embed="rId6" cstate="print">
+            <a:extLst>
+              <a:ext uri="{28A0092B-C50C-407E-A947-70E740481C1C}">
+                <a14:useLocalDpi xmlns:a14="http://schemas.microsoft.com/office/drawing/2010/main" val="0"/>
+              </a:ext>
+            </a:extLst>
+          </a:blip>
+          <a:srcRect l="12607" t="22915" r="17030" b="24063"/>
+          <a:stretch/>
+        </p:blipFill>
+        <p:spPr>
+          <a:xfrm rot="16200000">
+            <a:off x="4612503" y="3860323"/>
+            <a:ext cx="2867545" cy="2880000"/>
+          </a:xfrm>
+          <a:prstGeom prst="rect">
+            <a:avLst/>
+          </a:prstGeom>
+        </p:spPr>
+      </p:pic>
     </p:spTree>
     <p:extLst>
       <p:ext uri="{BB962C8B-B14F-4D97-AF65-F5344CB8AC3E}">
@@ -44494,7 +44710,7 @@
           <a:p>
             <a:r>
               <a:rPr lang="zh-CN" altLang="en-US" dirty="0"/>
-              <a:t>发现问题，占位</a:t>
+              <a:t>消息转播格式转换</a:t>
             </a:r>
           </a:p>
         </p:txBody>
@@ -44525,7 +44741,97 @@
     </p:spTree>
     <p:extLst>
       <p:ext uri="{BB962C8B-B14F-4D97-AF65-F5344CB8AC3E}">
-        <p14:creationId xmlns:p14="http://schemas.microsoft.com/office/powerpoint/2010/main" val="1667644772"/>
+        <p14:creationId xmlns:p14="http://schemas.microsoft.com/office/powerpoint/2010/main" val="3340973832"/>
+      </p:ext>
+    </p:extLst>
+  </p:cSld>
+  <p:clrMapOvr>
+    <a:masterClrMapping/>
+  </p:clrMapOvr>
+</p:sld>
+</file>
+
+<file path=ppt/slides/slide43.xml><?xml version="1.0" encoding="utf-8"?>
+<p:sld xmlns:a="http://schemas.openxmlformats.org/drawingml/2006/main" xmlns:r="http://schemas.openxmlformats.org/officeDocument/2006/relationships" xmlns:p="http://schemas.openxmlformats.org/presentationml/2006/main">
+  <p:cSld>
+    <p:spTree>
+      <p:nvGrpSpPr>
+        <p:cNvPr id="1" name=""/>
+        <p:cNvGrpSpPr/>
+        <p:nvPr/>
+      </p:nvGrpSpPr>
+      <p:grpSpPr>
+        <a:xfrm>
+          <a:off x="0" y="0"/>
+          <a:ext cx="0" cy="0"/>
+          <a:chOff x="0" y="0"/>
+          <a:chExt cx="0" cy="0"/>
+        </a:xfrm>
+      </p:grpSpPr>
+      <p:sp>
+        <p:nvSpPr>
+          <p:cNvPr id="2" name="标题 1">
+            <a:extLst>
+              <a:ext uri="{FF2B5EF4-FFF2-40B4-BE49-F238E27FC236}">
+                <a16:creationId xmlns:a16="http://schemas.microsoft.com/office/drawing/2014/main" id="{6878FBCE-85E8-4C40-ADA4-1AD4D4119777}"/>
+              </a:ext>
+            </a:extLst>
+          </p:cNvPr>
+          <p:cNvSpPr>
+            <a:spLocks noGrp="1"/>
+          </p:cNvSpPr>
+          <p:nvPr>
+            <p:ph type="title"/>
+          </p:nvPr>
+        </p:nvSpPr>
+        <p:spPr/>
+        <p:txBody>
+          <a:bodyPr/>
+          <a:lstStyle/>
+          <a:p>
+            <a:endParaRPr lang="zh-CN" altLang="en-US"/>
+          </a:p>
+        </p:txBody>
+      </p:sp>
+      <p:pic>
+        <p:nvPicPr>
+          <p:cNvPr id="9" name="内容占位符 8">
+            <a:extLst>
+              <a:ext uri="{FF2B5EF4-FFF2-40B4-BE49-F238E27FC236}">
+                <a16:creationId xmlns:a16="http://schemas.microsoft.com/office/drawing/2014/main" id="{FB7A5EF9-B6B3-4CC4-A969-D0E71415E9C9}"/>
+              </a:ext>
+            </a:extLst>
+          </p:cNvPr>
+          <p:cNvPicPr>
+            <a:picLocks noGrp="1" noChangeAspect="1"/>
+          </p:cNvPicPr>
+          <p:nvPr>
+            <p:ph idx="1"/>
+          </p:nvPr>
+        </p:nvPicPr>
+        <p:blipFill>
+          <a:blip r:embed="rId2">
+            <a:extLst>
+              <a:ext uri="{28A0092B-C50C-407E-A947-70E740481C1C}">
+                <a14:useLocalDpi xmlns:a14="http://schemas.microsoft.com/office/drawing/2010/main" val="0"/>
+              </a:ext>
+            </a:extLst>
+          </a:blip>
+          <a:stretch>
+            <a:fillRect/>
+          </a:stretch>
+        </p:blipFill>
+        <p:spPr>
+          <a:xfrm>
+            <a:off x="664030" y="2778991"/>
+            <a:ext cx="2989292" cy="2989292"/>
+          </a:xfrm>
+        </p:spPr>
+      </p:pic>
+    </p:spTree>
+    <p:extLst>
+      <p:ext uri="{BB962C8B-B14F-4D97-AF65-F5344CB8AC3E}">
+        <p14:creationId xmlns:p14="http://schemas.microsoft.com/office/powerpoint/2010/main" val="1861655891"/>
       </p:ext>
     </p:extLst>
   </p:cSld>

--- a/huawei/日志记录.pptx
+++ b/huawei/日志记录.pptx
@@ -5,7 +5,7 @@
     <p:sldMasterId id="2147483648" r:id="rId1"/>
   </p:sldMasterIdLst>
   <p:notesMasterIdLst>
-    <p:notesMasterId r:id="rId45"/>
+    <p:notesMasterId r:id="rId46"/>
   </p:notesMasterIdLst>
   <p:sldIdLst>
     <p:sldId id="256" r:id="rId2"/>
@@ -49,13 +49,14 @@
     <p:sldId id="301" r:id="rId40"/>
     <p:sldId id="302" r:id="rId41"/>
     <p:sldId id="303" r:id="rId42"/>
-    <p:sldId id="300" r:id="rId43"/>
-    <p:sldId id="304" r:id="rId44"/>
+    <p:sldId id="305" r:id="rId43"/>
+    <p:sldId id="300" r:id="rId44"/>
+    <p:sldId id="304" r:id="rId45"/>
   </p:sldIdLst>
   <p:sldSz cx="12192000" cy="6858000"/>
   <p:notesSz cx="6858000" cy="9144000"/>
   <p:custDataLst>
-    <p:tags r:id="rId46"/>
+    <p:tags r:id="rId47"/>
   </p:custDataLst>
   <p:defaultTextStyle>
     <a:defPPr>
@@ -1133,6 +1134,94 @@
     <p:extLst>
       <p:ext uri="{BB962C8B-B14F-4D97-AF65-F5344CB8AC3E}">
         <p14:creationId xmlns:p14="http://schemas.microsoft.com/office/powerpoint/2010/main" val="3077322450"/>
+      </p:ext>
+    </p:extLst>
+  </p:cSld>
+  <p:clrMapOvr>
+    <a:masterClrMapping/>
+  </p:clrMapOvr>
+</p:notes>
+</file>
+
+<file path=ppt/notesSlides/notesSlide14.xml><?xml version="1.0" encoding="utf-8"?>
+<p:notes xmlns:a="http://schemas.openxmlformats.org/drawingml/2006/main" xmlns:r="http://schemas.openxmlformats.org/officeDocument/2006/relationships" xmlns:p="http://schemas.openxmlformats.org/presentationml/2006/main">
+  <p:cSld>
+    <p:spTree>
+      <p:nvGrpSpPr>
+        <p:cNvPr id="1" name=""/>
+        <p:cNvGrpSpPr/>
+        <p:nvPr/>
+      </p:nvGrpSpPr>
+      <p:grpSpPr>
+        <a:xfrm>
+          <a:off x="0" y="0"/>
+          <a:ext cx="0" cy="0"/>
+          <a:chOff x="0" y="0"/>
+          <a:chExt cx="0" cy="0"/>
+        </a:xfrm>
+      </p:grpSpPr>
+      <p:sp>
+        <p:nvSpPr>
+          <p:cNvPr id="2" name="幻灯片图像占位符 1"/>
+          <p:cNvSpPr>
+            <a:spLocks noGrp="1" noRot="1" noChangeAspect="1"/>
+          </p:cNvSpPr>
+          <p:nvPr>
+            <p:ph type="sldImg"/>
+          </p:nvPr>
+        </p:nvSpPr>
+        <p:spPr/>
+      </p:sp>
+      <p:sp>
+        <p:nvSpPr>
+          <p:cNvPr id="3" name="备注占位符 2"/>
+          <p:cNvSpPr>
+            <a:spLocks noGrp="1"/>
+          </p:cNvSpPr>
+          <p:nvPr>
+            <p:ph type="body" idx="1"/>
+          </p:nvPr>
+        </p:nvSpPr>
+        <p:spPr/>
+        <p:txBody>
+          <a:bodyPr/>
+          <a:lstStyle/>
+          <a:p>
+            <a:r>
+              <a:rPr lang="en-US" altLang="zh-CN" dirty="0"/>
+              <a:t>test_24_01_05_cout.cpp</a:t>
+            </a:r>
+            <a:endParaRPr lang="zh-CN" altLang="en-US" dirty="0"/>
+          </a:p>
+        </p:txBody>
+      </p:sp>
+      <p:sp>
+        <p:nvSpPr>
+          <p:cNvPr id="4" name="灯片编号占位符 3"/>
+          <p:cNvSpPr>
+            <a:spLocks noGrp="1"/>
+          </p:cNvSpPr>
+          <p:nvPr>
+            <p:ph type="sldNum" sz="quarter" idx="5"/>
+          </p:nvPr>
+        </p:nvSpPr>
+        <p:spPr/>
+        <p:txBody>
+          <a:bodyPr/>
+          <a:lstStyle/>
+          <a:p>
+            <a:fld id="{F229329F-0271-46D7-A5B8-63D7D7F0093C}" type="slidenum">
+              <a:rPr lang="zh-CN" altLang="en-US" smtClean="0"/>
+              <a:t>42</a:t>
+            </a:fld>
+            <a:endParaRPr lang="zh-CN" altLang="en-US"/>
+          </a:p>
+        </p:txBody>
+      </p:sp>
+    </p:spTree>
+    <p:extLst>
+      <p:ext uri="{BB962C8B-B14F-4D97-AF65-F5344CB8AC3E}">
+        <p14:creationId xmlns:p14="http://schemas.microsoft.com/office/powerpoint/2010/main" val="4052179602"/>
       </p:ext>
     </p:extLst>
   </p:cSld>
@@ -33909,7 +33998,7 @@
           <a:graphicData uri="http://schemas.openxmlformats.org/presentationml/2006/ole">
             <mc:AlternateContent xmlns:mc="http://schemas.openxmlformats.org/markup-compatibility/2006">
               <mc:Choice xmlns:v="urn:schemas-microsoft-com:vml" Requires="v">
-                <p:oleObj spid="_x0000_s2909" name="Equation" r:id="rId4" imgW="104546400" imgH="9448800" progId="Equation.DSMT4">
+                <p:oleObj spid="_x0000_s2925" name="Equation" r:id="rId4" imgW="104546400" imgH="9448800" progId="Equation.DSMT4">
                   <p:embed/>
                 </p:oleObj>
               </mc:Choice>
@@ -33966,7 +34055,7 @@
           <a:graphicData uri="http://schemas.openxmlformats.org/presentationml/2006/ole">
             <mc:AlternateContent xmlns:mc="http://schemas.openxmlformats.org/markup-compatibility/2006">
               <mc:Choice xmlns:v="urn:schemas-microsoft-com:vml" Requires="v">
-                <p:oleObj spid="_x0000_s2910" name="Equation" r:id="rId6" imgW="3162240" imgH="787320" progId="Equation.DSMT4">
+                <p:oleObj spid="_x0000_s2926" name="Equation" r:id="rId6" imgW="3162240" imgH="787320" progId="Equation.DSMT4">
                   <p:embed/>
                 </p:oleObj>
               </mc:Choice>
@@ -35699,7 +35788,7 @@
             <a:graphicData uri="http://schemas.openxmlformats.org/presentationml/2006/ole">
               <mc:AlternateContent xmlns:mc="http://schemas.openxmlformats.org/markup-compatibility/2006">
                 <mc:Choice xmlns:v="urn:schemas-microsoft-com:vml" Requires="v">
-                  <p:oleObj spid="_x0000_s2911" name="Equation" r:id="rId8" imgW="8839200" imgH="5181600" progId="Equation.DSMT4">
+                  <p:oleObj spid="_x0000_s2927" name="Equation" r:id="rId8" imgW="8839200" imgH="5181600" progId="Equation.DSMT4">
                     <p:embed/>
                   </p:oleObj>
                 </mc:Choice>
@@ -36524,7 +36613,7 @@
           <a:graphicData uri="http://schemas.openxmlformats.org/presentationml/2006/ole">
             <mc:AlternateContent xmlns:mc="http://schemas.openxmlformats.org/markup-compatibility/2006">
               <mc:Choice xmlns:v="urn:schemas-microsoft-com:vml" Requires="v">
-                <p:oleObj spid="_x0000_s2912" name="Equation" r:id="rId11" imgW="50596800" imgH="3962400" progId="Equation.DSMT4">
+                <p:oleObj spid="_x0000_s2928" name="Equation" r:id="rId11" imgW="50596800" imgH="3962400" progId="Equation.DSMT4">
                   <p:embed/>
                 </p:oleObj>
               </mc:Choice>
@@ -42410,7 +42499,7 @@
                 <a:graphicData uri="http://schemas.openxmlformats.org/presentationml/2006/ole">
                   <mc:AlternateContent xmlns:mc="http://schemas.openxmlformats.org/markup-compatibility/2006">
                     <mc:Choice xmlns:v="urn:schemas-microsoft-com:vml" Requires="v">
-                      <p:oleObj spid="_x0000_s3172" name="Equation" r:id="rId7" imgW="1257120" imgH="545760" progId="Equation.DSMT4">
+                      <p:oleObj spid="_x0000_s3180" name="Equation" r:id="rId7" imgW="1257120" imgH="545760" progId="Equation.DSMT4">
                         <p:embed/>
                       </p:oleObj>
                     </mc:Choice>
@@ -42473,7 +42562,7 @@
                 <a:graphicData uri="http://schemas.openxmlformats.org/presentationml/2006/ole">
                   <mc:AlternateContent xmlns:mc="http://schemas.openxmlformats.org/markup-compatibility/2006">
                     <mc:Choice xmlns:v="urn:schemas-microsoft-com:vml" Requires="v">
-                      <p:oleObj spid="_x0000_s3173" name="Equation" r:id="rId9" imgW="1218960" imgH="215640" progId="Equation.DSMT4">
+                      <p:oleObj spid="_x0000_s3181" name="Equation" r:id="rId9" imgW="1218960" imgH="215640" progId="Equation.DSMT4">
                         <p:embed/>
                       </p:oleObj>
                     </mc:Choice>
@@ -44695,6 +44784,230 @@
       </p:grpSpPr>
       <p:sp>
         <p:nvSpPr>
+          <p:cNvPr id="2" name="标题 1">
+            <a:extLst>
+              <a:ext uri="{FF2B5EF4-FFF2-40B4-BE49-F238E27FC236}">
+                <a16:creationId xmlns:a16="http://schemas.microsoft.com/office/drawing/2014/main" id="{5E450C4F-1745-45BF-B961-63E05AEB41A2}"/>
+              </a:ext>
+            </a:extLst>
+          </p:cNvPr>
+          <p:cNvSpPr>
+            <a:spLocks noGrp="1"/>
+          </p:cNvSpPr>
+          <p:nvPr>
+            <p:ph type="title"/>
+          </p:nvPr>
+        </p:nvSpPr>
+        <p:spPr/>
+        <p:txBody>
+          <a:bodyPr/>
+          <a:lstStyle/>
+          <a:p>
+            <a:r>
+              <a:rPr lang="zh-CN" altLang="en-US" dirty="0"/>
+              <a:t>消息的穿透情况</a:t>
+            </a:r>
+          </a:p>
+        </p:txBody>
+      </p:sp>
+      <p:pic>
+        <p:nvPicPr>
+          <p:cNvPr id="4" name="内容占位符 8">
+            <a:extLst>
+              <a:ext uri="{FF2B5EF4-FFF2-40B4-BE49-F238E27FC236}">
+                <a16:creationId xmlns:a16="http://schemas.microsoft.com/office/drawing/2014/main" id="{44BCC8DD-31E6-4995-A1AD-5ACE280ED0A8}"/>
+              </a:ext>
+            </a:extLst>
+          </p:cNvPr>
+          <p:cNvPicPr>
+            <a:picLocks noChangeAspect="1"/>
+          </p:cNvPicPr>
+          <p:nvPr/>
+        </p:nvPicPr>
+        <p:blipFill>
+          <a:blip r:embed="rId3">
+            <a:extLst>
+              <a:ext uri="{28A0092B-C50C-407E-A947-70E740481C1C}">
+                <a14:useLocalDpi xmlns:a14="http://schemas.microsoft.com/office/drawing/2010/main" val="0"/>
+              </a:ext>
+            </a:extLst>
+          </a:blip>
+          <a:stretch>
+            <a:fillRect/>
+          </a:stretch>
+        </p:blipFill>
+        <p:spPr>
+          <a:xfrm>
+            <a:off x="450900" y="1690688"/>
+            <a:ext cx="4171824" cy="4171824"/>
+          </a:xfrm>
+          <a:prstGeom prst="rect">
+            <a:avLst/>
+          </a:prstGeom>
+        </p:spPr>
+      </p:pic>
+      <p:pic>
+        <p:nvPicPr>
+          <p:cNvPr id="5" name="图片 4">
+            <a:extLst>
+              <a:ext uri="{FF2B5EF4-FFF2-40B4-BE49-F238E27FC236}">
+                <a16:creationId xmlns:a16="http://schemas.microsoft.com/office/drawing/2014/main" id="{0BAB6D83-5B86-4A19-B032-39CB18670321}"/>
+              </a:ext>
+            </a:extLst>
+          </p:cNvPr>
+          <p:cNvPicPr>
+            <a:picLocks noChangeAspect="1"/>
+          </p:cNvPicPr>
+          <p:nvPr/>
+        </p:nvPicPr>
+        <p:blipFill>
+          <a:blip r:embed="rId4"/>
+          <a:stretch>
+            <a:fillRect/>
+          </a:stretch>
+        </p:blipFill>
+        <p:spPr>
+          <a:xfrm>
+            <a:off x="4516834" y="2305172"/>
+            <a:ext cx="6942857" cy="980952"/>
+          </a:xfrm>
+          <a:prstGeom prst="rect">
+            <a:avLst/>
+          </a:prstGeom>
+        </p:spPr>
+      </p:pic>
+      <p:pic>
+        <p:nvPicPr>
+          <p:cNvPr id="6" name="图片 5">
+            <a:extLst>
+              <a:ext uri="{FF2B5EF4-FFF2-40B4-BE49-F238E27FC236}">
+                <a16:creationId xmlns:a16="http://schemas.microsoft.com/office/drawing/2014/main" id="{A36C1131-6AF6-4F4D-9D25-7F580C5A0DAB}"/>
+              </a:ext>
+            </a:extLst>
+          </p:cNvPr>
+          <p:cNvPicPr>
+            <a:picLocks noChangeAspect="1"/>
+          </p:cNvPicPr>
+          <p:nvPr/>
+        </p:nvPicPr>
+        <p:blipFill>
+          <a:blip r:embed="rId5"/>
+          <a:stretch>
+            <a:fillRect/>
+          </a:stretch>
+        </p:blipFill>
+        <p:spPr>
+          <a:xfrm>
+            <a:off x="4884845" y="4514622"/>
+            <a:ext cx="6856255" cy="709517"/>
+          </a:xfrm>
+          <a:prstGeom prst="rect">
+            <a:avLst/>
+          </a:prstGeom>
+        </p:spPr>
+      </p:pic>
+      <p:sp>
+        <p:nvSpPr>
+          <p:cNvPr id="7" name="文本框 6">
+            <a:extLst>
+              <a:ext uri="{FF2B5EF4-FFF2-40B4-BE49-F238E27FC236}">
+                <a16:creationId xmlns:a16="http://schemas.microsoft.com/office/drawing/2014/main" id="{F90A370E-114C-4AE4-946A-8A0CEF04E9AF}"/>
+              </a:ext>
+            </a:extLst>
+          </p:cNvPr>
+          <p:cNvSpPr txBox="1"/>
+          <p:nvPr/>
+        </p:nvSpPr>
+        <p:spPr>
+          <a:xfrm>
+            <a:off x="4964921" y="3900608"/>
+            <a:ext cx="2262158" cy="369332"/>
+          </a:xfrm>
+          <a:prstGeom prst="rect">
+            <a:avLst/>
+          </a:prstGeom>
+          <a:noFill/>
+        </p:spPr>
+        <p:txBody>
+          <a:bodyPr wrap="none" rtlCol="0">
+            <a:spAutoFit/>
+          </a:bodyPr>
+          <a:lstStyle/>
+          <a:p>
+            <a:r>
+              <a:rPr lang="zh-CN" altLang="en-US" dirty="0"/>
+              <a:t>尝试直接输出提交：</a:t>
+            </a:r>
+          </a:p>
+        </p:txBody>
+      </p:sp>
+      <p:sp>
+        <p:nvSpPr>
+          <p:cNvPr id="9" name="文本框 8">
+            <a:extLst>
+              <a:ext uri="{FF2B5EF4-FFF2-40B4-BE49-F238E27FC236}">
+                <a16:creationId xmlns:a16="http://schemas.microsoft.com/office/drawing/2014/main" id="{998C347A-CDA6-4127-B97F-5C3427DFE0FF}"/>
+              </a:ext>
+            </a:extLst>
+          </p:cNvPr>
+          <p:cNvSpPr txBox="1"/>
+          <p:nvPr/>
+        </p:nvSpPr>
+        <p:spPr>
+          <a:xfrm>
+            <a:off x="5328271" y="5445149"/>
+            <a:ext cx="5465774" cy="646331"/>
+          </a:xfrm>
+          <a:prstGeom prst="rect">
+            <a:avLst/>
+          </a:prstGeom>
+          <a:noFill/>
+        </p:spPr>
+        <p:txBody>
+          <a:bodyPr wrap="square" rtlCol="0">
+            <a:spAutoFit/>
+          </a:bodyPr>
+          <a:lstStyle/>
+          <a:p>
+            <a:r>
+              <a:rPr lang="zh-CN" altLang="en-US" dirty="0"/>
+              <a:t>这里是合法的，消息穿透是可行的，但是不符合之前路径构建的基本假设，暂时不考虑。</a:t>
+            </a:r>
+          </a:p>
+        </p:txBody>
+      </p:sp>
+    </p:spTree>
+    <p:extLst>
+      <p:ext uri="{BB962C8B-B14F-4D97-AF65-F5344CB8AC3E}">
+        <p14:creationId xmlns:p14="http://schemas.microsoft.com/office/powerpoint/2010/main" val="3677678970"/>
+      </p:ext>
+    </p:extLst>
+  </p:cSld>
+  <p:clrMapOvr>
+    <a:masterClrMapping/>
+  </p:clrMapOvr>
+</p:sld>
+</file>
+
+<file path=ppt/slides/slide43.xml><?xml version="1.0" encoding="utf-8"?>
+<p:sld xmlns:a="http://schemas.openxmlformats.org/drawingml/2006/main" xmlns:r="http://schemas.openxmlformats.org/officeDocument/2006/relationships" xmlns:p="http://schemas.openxmlformats.org/presentationml/2006/main">
+  <p:cSld>
+    <p:spTree>
+      <p:nvGrpSpPr>
+        <p:cNvPr id="1" name=""/>
+        <p:cNvGrpSpPr/>
+        <p:nvPr/>
+      </p:nvGrpSpPr>
+      <p:grpSpPr>
+        <a:xfrm>
+          <a:off x="0" y="0"/>
+          <a:ext cx="0" cy="0"/>
+          <a:chOff x="0" y="0"/>
+          <a:chExt cx="0" cy="0"/>
+        </a:xfrm>
+      </p:grpSpPr>
+      <p:sp>
+        <p:nvSpPr>
           <p:cNvPr id="2" name="标题 1"/>
           <p:cNvSpPr>
             <a:spLocks noGrp="1"/>
@@ -44751,7 +45064,7 @@
 </p:sld>
 </file>
 
-<file path=ppt/slides/slide43.xml><?xml version="1.0" encoding="utf-8"?>
+<file path=ppt/slides/slide44.xml><?xml version="1.0" encoding="utf-8"?>
 <p:sld xmlns:a="http://schemas.openxmlformats.org/drawingml/2006/main" xmlns:r="http://schemas.openxmlformats.org/officeDocument/2006/relationships" xmlns:p="http://schemas.openxmlformats.org/presentationml/2006/main">
   <p:cSld>
     <p:spTree>
@@ -44793,41 +45106,31 @@
           </a:p>
         </p:txBody>
       </p:sp>
-      <p:pic>
-        <p:nvPicPr>
-          <p:cNvPr id="9" name="内容占位符 8">
+      <p:sp>
+        <p:nvSpPr>
+          <p:cNvPr id="4" name="内容占位符 3">
             <a:extLst>
               <a:ext uri="{FF2B5EF4-FFF2-40B4-BE49-F238E27FC236}">
-                <a16:creationId xmlns:a16="http://schemas.microsoft.com/office/drawing/2014/main" id="{FB7A5EF9-B6B3-4CC4-A969-D0E71415E9C9}"/>
+                <a16:creationId xmlns:a16="http://schemas.microsoft.com/office/drawing/2014/main" id="{746F19C1-0762-4252-88E6-2040B283C3FF}"/>
               </a:ext>
             </a:extLst>
           </p:cNvPr>
-          <p:cNvPicPr>
-            <a:picLocks noGrp="1" noChangeAspect="1"/>
-          </p:cNvPicPr>
+          <p:cNvSpPr>
+            <a:spLocks noGrp="1"/>
+          </p:cNvSpPr>
           <p:nvPr>
             <p:ph idx="1"/>
           </p:nvPr>
-        </p:nvPicPr>
-        <p:blipFill>
-          <a:blip r:embed="rId2">
-            <a:extLst>
-              <a:ext uri="{28A0092B-C50C-407E-A947-70E740481C1C}">
-                <a14:useLocalDpi xmlns:a14="http://schemas.microsoft.com/office/drawing/2010/main" val="0"/>
-              </a:ext>
-            </a:extLst>
-          </a:blip>
-          <a:stretch>
-            <a:fillRect/>
-          </a:stretch>
-        </p:blipFill>
-        <p:spPr>
-          <a:xfrm>
-            <a:off x="664030" y="2778991"/>
-            <a:ext cx="2989292" cy="2989292"/>
-          </a:xfrm>
-        </p:spPr>
-      </p:pic>
+        </p:nvSpPr>
+        <p:spPr/>
+        <p:txBody>
+          <a:bodyPr/>
+          <a:lstStyle/>
+          <a:p>
+            <a:endParaRPr lang="zh-CN" altLang="en-US"/>
+          </a:p>
+        </p:txBody>
+      </p:sp>
     </p:spTree>
     <p:extLst>
       <p:ext uri="{BB962C8B-B14F-4D97-AF65-F5344CB8AC3E}">

--- a/huawei/日志记录.pptx
+++ b/huawei/日志记录.pptx
@@ -5,7 +5,7 @@
     <p:sldMasterId id="2147483648" r:id="rId1"/>
   </p:sldMasterIdLst>
   <p:notesMasterIdLst>
-    <p:notesMasterId r:id="rId46"/>
+    <p:notesMasterId r:id="rId48"/>
   </p:notesMasterIdLst>
   <p:sldIdLst>
     <p:sldId id="256" r:id="rId2"/>
@@ -52,11 +52,13 @@
     <p:sldId id="305" r:id="rId43"/>
     <p:sldId id="300" r:id="rId44"/>
     <p:sldId id="304" r:id="rId45"/>
+    <p:sldId id="306" r:id="rId46"/>
+    <p:sldId id="307" r:id="rId47"/>
   </p:sldIdLst>
   <p:sldSz cx="12192000" cy="6858000"/>
   <p:notesSz cx="6858000" cy="9144000"/>
   <p:custDataLst>
-    <p:tags r:id="rId47"/>
+    <p:tags r:id="rId49"/>
   </p:custDataLst>
   <p:defaultTextStyle>
     <a:defPPr>
@@ -243,7 +245,7 @@
           <a:p>
             <a:fld id="{07A1DCD4-BB14-438E-8CE0-FC12E2A73F1B}" type="datetimeFigureOut">
               <a:rPr lang="zh-CN" altLang="en-US" smtClean="0"/>
-              <a:t>2024/1/5</a:t>
+              <a:t>2024/1/6</a:t>
             </a:fld>
             <a:endParaRPr lang="zh-CN" altLang="en-US"/>
           </a:p>
@@ -1231,6 +1233,344 @@
 </p:notes>
 </file>
 
+<file path=ppt/notesSlides/notesSlide15.xml><?xml version="1.0" encoding="utf-8"?>
+<p:notes xmlns:a="http://schemas.openxmlformats.org/drawingml/2006/main" xmlns:r="http://schemas.openxmlformats.org/officeDocument/2006/relationships" xmlns:p="http://schemas.openxmlformats.org/presentationml/2006/main">
+  <p:cSld>
+    <p:spTree>
+      <p:nvGrpSpPr>
+        <p:cNvPr id="1" name=""/>
+        <p:cNvGrpSpPr/>
+        <p:nvPr/>
+      </p:nvGrpSpPr>
+      <p:grpSpPr>
+        <a:xfrm>
+          <a:off x="0" y="0"/>
+          <a:ext cx="0" cy="0"/>
+          <a:chOff x="0" y="0"/>
+          <a:chExt cx="0" cy="0"/>
+        </a:xfrm>
+      </p:grpSpPr>
+      <p:sp>
+        <p:nvSpPr>
+          <p:cNvPr id="2" name="幻灯片图像占位符 1"/>
+          <p:cNvSpPr>
+            <a:spLocks noGrp="1" noRot="1" noChangeAspect="1"/>
+          </p:cNvSpPr>
+          <p:nvPr>
+            <p:ph type="sldImg"/>
+          </p:nvPr>
+        </p:nvSpPr>
+        <p:spPr/>
+      </p:sp>
+      <p:sp>
+        <p:nvSpPr>
+          <p:cNvPr id="3" name="备注占位符 2"/>
+          <p:cNvSpPr>
+            <a:spLocks noGrp="1"/>
+          </p:cNvSpPr>
+          <p:nvPr>
+            <p:ph type="body" idx="1"/>
+          </p:nvPr>
+        </p:nvSpPr>
+        <p:spPr/>
+        <p:txBody>
+          <a:bodyPr/>
+          <a:lstStyle/>
+          <a:p>
+            <a:pPr marL="228600" indent="-228600">
+              <a:buAutoNum type="arabicPeriod"/>
+            </a:pPr>
+            <a:r>
+              <a:rPr lang="zh-CN" altLang="en-US" dirty="0"/>
+              <a:t>可视化调整代码：</a:t>
+            </a:r>
+            <a:endParaRPr lang="en-US" altLang="zh-CN" dirty="0"/>
+          </a:p>
+          <a:p>
+            <a:pPr marL="0" indent="0">
+              <a:buNone/>
+            </a:pPr>
+            <a:r>
+              <a:rPr lang="zh-CN" altLang="en-US" dirty="0"/>
+              <a:t>（</a:t>
+            </a:r>
+            <a:r>
+              <a:rPr lang="en-US" altLang="zh-CN" dirty="0"/>
+              <a:t>1</a:t>
+            </a:r>
+            <a:r>
+              <a:rPr lang="zh-CN" altLang="en-US" dirty="0"/>
+              <a:t>）</a:t>
+            </a:r>
+            <a:r>
+              <a:rPr lang="en-US" altLang="zh-CN" dirty="0"/>
+              <a:t>24_01_05</a:t>
+            </a:r>
+            <a:r>
+              <a:rPr lang="zh-CN" altLang="en-US" dirty="0"/>
+              <a:t>消息格式转换</a:t>
+            </a:r>
+            <a:r>
+              <a:rPr lang="en-US" altLang="zh-CN" dirty="0"/>
+              <a:t>/main16_map_visualization1</a:t>
+            </a:r>
+            <a:r>
+              <a:rPr lang="zh-CN" altLang="en-US" dirty="0"/>
+              <a:t>基于之前的可视化修改，对于连续的空地有问题。</a:t>
+            </a:r>
+            <a:endParaRPr lang="en-US" altLang="zh-CN" dirty="0"/>
+          </a:p>
+          <a:p>
+            <a:pPr marL="0" indent="0">
+              <a:buNone/>
+            </a:pPr>
+            <a:r>
+              <a:rPr lang="zh-CN" altLang="en-US" dirty="0"/>
+              <a:t>（</a:t>
+            </a:r>
+            <a:r>
+              <a:rPr lang="en-US" altLang="zh-CN" dirty="0"/>
+              <a:t>2</a:t>
+            </a:r>
+            <a:r>
+              <a:rPr lang="zh-CN" altLang="en-US" dirty="0"/>
+              <a:t>）</a:t>
+            </a:r>
+            <a:r>
+              <a:rPr lang="en-US" altLang="zh-CN" dirty="0"/>
+              <a:t>main16_map_visualization2</a:t>
+            </a:r>
+            <a:r>
+              <a:rPr lang="zh-CN" altLang="en-US" dirty="0"/>
+              <a:t>，直接根据最后的结果输出进行修改。</a:t>
+            </a:r>
+            <a:endParaRPr lang="en-US" altLang="zh-CN" dirty="0"/>
+          </a:p>
+          <a:p>
+            <a:pPr marL="228600" indent="-228600">
+              <a:buAutoNum type="arabicPeriod"/>
+            </a:pPr>
+            <a:r>
+              <a:rPr lang="zh-CN" altLang="en-US" dirty="0"/>
+              <a:t>旧方法，添加评分函数：</a:t>
+            </a:r>
+            <a:r>
+              <a:rPr lang="en-US" altLang="zh-CN" dirty="0"/>
+              <a:t>main15_other_map_new.py</a:t>
+            </a:r>
+          </a:p>
+          <a:p>
+            <a:pPr marL="228600" indent="-228600">
+              <a:buAutoNum type="arabicPeriod"/>
+            </a:pPr>
+            <a:r>
+              <a:rPr lang="zh-CN" altLang="en-US" dirty="0"/>
+              <a:t>新方法：</a:t>
+            </a:r>
+            <a:r>
+              <a:rPr lang="en-US" altLang="zh-CN" dirty="0"/>
+              <a:t>main16_format_transform.py</a:t>
+            </a:r>
+          </a:p>
+          <a:p>
+            <a:pPr marL="228600" marR="0" lvl="0" indent="-228600" algn="l" defTabSz="914400" rtl="0" eaLnBrk="1" fontAlgn="auto" latinLnBrk="0" hangingPunct="1">
+              <a:lnSpc>
+                <a:spcPct val="100000"/>
+              </a:lnSpc>
+              <a:spcBef>
+                <a:spcPts val="0"/>
+              </a:spcBef>
+              <a:spcAft>
+                <a:spcPts val="0"/>
+              </a:spcAft>
+              <a:buClrTx/>
+              <a:buSzTx/>
+              <a:buFontTx/>
+              <a:buAutoNum type="arabicPeriod"/>
+              <a:tabLst/>
+              <a:defRPr/>
+            </a:pPr>
+            <a:r>
+              <a:rPr lang="zh-CN" altLang="en-US" dirty="0"/>
+              <a:t>地图：</a:t>
+            </a:r>
+            <a:r>
+              <a:rPr lang="en-US" altLang="zh-CN" dirty="0"/>
+              <a:t>main16_format_transform.txt</a:t>
+            </a:r>
+          </a:p>
+          <a:p>
+            <a:pPr marL="228600" indent="-228600">
+              <a:buAutoNum type="arabicPeriod"/>
+            </a:pPr>
+            <a:r>
+              <a:rPr lang="zh-CN" altLang="en-US" dirty="0"/>
+              <a:t>新方法测试：</a:t>
+            </a:r>
+            <a:r>
+              <a:rPr lang="en-US" altLang="zh-CN" dirty="0"/>
+              <a:t>main16_format_transform_visualization_test.ipynb</a:t>
+            </a:r>
+            <a:r>
+              <a:rPr lang="zh-CN" altLang="en-US" dirty="0"/>
+              <a:t>（</a:t>
+            </a:r>
+            <a:r>
+              <a:rPr lang="en-US" altLang="zh-CN" dirty="0"/>
+              <a:t>1</a:t>
+            </a:r>
+            <a:r>
+              <a:rPr lang="zh-CN" altLang="en-US" dirty="0"/>
+              <a:t>）</a:t>
+            </a:r>
+          </a:p>
+        </p:txBody>
+      </p:sp>
+      <p:sp>
+        <p:nvSpPr>
+          <p:cNvPr id="4" name="灯片编号占位符 3"/>
+          <p:cNvSpPr>
+            <a:spLocks noGrp="1"/>
+          </p:cNvSpPr>
+          <p:nvPr>
+            <p:ph type="sldNum" sz="quarter" idx="5"/>
+          </p:nvPr>
+        </p:nvSpPr>
+        <p:spPr/>
+        <p:txBody>
+          <a:bodyPr/>
+          <a:lstStyle/>
+          <a:p>
+            <a:fld id="{F229329F-0271-46D7-A5B8-63D7D7F0093C}" type="slidenum">
+              <a:rPr lang="zh-CN" altLang="en-US" smtClean="0"/>
+              <a:t>44</a:t>
+            </a:fld>
+            <a:endParaRPr lang="zh-CN" altLang="en-US"/>
+          </a:p>
+        </p:txBody>
+      </p:sp>
+    </p:spTree>
+    <p:extLst>
+      <p:ext uri="{BB962C8B-B14F-4D97-AF65-F5344CB8AC3E}">
+        <p14:creationId xmlns:p14="http://schemas.microsoft.com/office/powerpoint/2010/main" val="2084611827"/>
+      </p:ext>
+    </p:extLst>
+  </p:cSld>
+  <p:clrMapOvr>
+    <a:masterClrMapping/>
+  </p:clrMapOvr>
+</p:notes>
+</file>
+
+<file path=ppt/notesSlides/notesSlide16.xml><?xml version="1.0" encoding="utf-8"?>
+<p:notes xmlns:a="http://schemas.openxmlformats.org/drawingml/2006/main" xmlns:r="http://schemas.openxmlformats.org/officeDocument/2006/relationships" xmlns:p="http://schemas.openxmlformats.org/presentationml/2006/main">
+  <p:cSld>
+    <p:spTree>
+      <p:nvGrpSpPr>
+        <p:cNvPr id="1" name=""/>
+        <p:cNvGrpSpPr/>
+        <p:nvPr/>
+      </p:nvGrpSpPr>
+      <p:grpSpPr>
+        <a:xfrm>
+          <a:off x="0" y="0"/>
+          <a:ext cx="0" cy="0"/>
+          <a:chOff x="0" y="0"/>
+          <a:chExt cx="0" cy="0"/>
+        </a:xfrm>
+      </p:grpSpPr>
+      <p:sp>
+        <p:nvSpPr>
+          <p:cNvPr id="2" name="幻灯片图像占位符 1"/>
+          <p:cNvSpPr>
+            <a:spLocks noGrp="1" noRot="1" noChangeAspect="1"/>
+          </p:cNvSpPr>
+          <p:nvPr>
+            <p:ph type="sldImg"/>
+          </p:nvPr>
+        </p:nvSpPr>
+        <p:spPr/>
+      </p:sp>
+      <p:sp>
+        <p:nvSpPr>
+          <p:cNvPr id="3" name="备注占位符 2"/>
+          <p:cNvSpPr>
+            <a:spLocks noGrp="1"/>
+          </p:cNvSpPr>
+          <p:nvPr>
+            <p:ph type="body" idx="1"/>
+          </p:nvPr>
+        </p:nvSpPr>
+        <p:spPr/>
+        <p:txBody>
+          <a:bodyPr/>
+          <a:lstStyle/>
+          <a:p>
+            <a:r>
+              <a:rPr lang="zh-CN" altLang="en-US" dirty="0"/>
+              <a:t>新地图：</a:t>
+            </a:r>
+            <a:r>
+              <a:rPr lang="en-US" altLang="zh-CN" dirty="0"/>
+              <a:t>main18_format_transform_weight.txt</a:t>
+            </a:r>
+          </a:p>
+          <a:p>
+            <a:r>
+              <a:rPr lang="zh-CN" altLang="en-US" dirty="0"/>
+              <a:t>新方法</a:t>
+            </a:r>
+            <a:endParaRPr lang="en-US" altLang="zh-CN"/>
+          </a:p>
+          <a:p>
+            <a:r>
+              <a:rPr lang="zh-CN" altLang="en-US"/>
+              <a:t>新</a:t>
+            </a:r>
+            <a:r>
+              <a:rPr lang="zh-CN" altLang="en-US" dirty="0"/>
+              <a:t>方法测试</a:t>
+            </a:r>
+            <a:endParaRPr lang="en-US" altLang="zh-CN" dirty="0"/>
+          </a:p>
+        </p:txBody>
+      </p:sp>
+      <p:sp>
+        <p:nvSpPr>
+          <p:cNvPr id="4" name="灯片编号占位符 3"/>
+          <p:cNvSpPr>
+            <a:spLocks noGrp="1"/>
+          </p:cNvSpPr>
+          <p:nvPr>
+            <p:ph type="sldNum" sz="quarter" idx="5"/>
+          </p:nvPr>
+        </p:nvSpPr>
+        <p:spPr/>
+        <p:txBody>
+          <a:bodyPr/>
+          <a:lstStyle/>
+          <a:p>
+            <a:fld id="{F229329F-0271-46D7-A5B8-63D7D7F0093C}" type="slidenum">
+              <a:rPr lang="zh-CN" altLang="en-US" smtClean="0"/>
+              <a:t>46</a:t>
+            </a:fld>
+            <a:endParaRPr lang="zh-CN" altLang="en-US"/>
+          </a:p>
+        </p:txBody>
+      </p:sp>
+    </p:spTree>
+    <p:extLst>
+      <p:ext uri="{BB962C8B-B14F-4D97-AF65-F5344CB8AC3E}">
+        <p14:creationId xmlns:p14="http://schemas.microsoft.com/office/powerpoint/2010/main" val="1852796663"/>
+      </p:ext>
+    </p:extLst>
+  </p:cSld>
+  <p:clrMapOvr>
+    <a:masterClrMapping/>
+  </p:clrMapOvr>
+</p:notes>
+</file>
+
 <file path=ppt/notesSlides/notesSlide2.xml><?xml version="1.0" encoding="utf-8"?>
 <p:notes xmlns:a="http://schemas.openxmlformats.org/drawingml/2006/main" xmlns:r="http://schemas.openxmlformats.org/officeDocument/2006/relationships" xmlns:p="http://schemas.openxmlformats.org/presentationml/2006/main">
   <p:cSld>
@@ -2109,7 +2449,7 @@
           <a:p>
             <a:fld id="{0CCCBCAA-DE24-4869-907B-21FA432ED4EA}" type="datetimeFigureOut">
               <a:rPr lang="zh-CN" altLang="en-US" smtClean="0"/>
-              <a:t>2024/1/5</a:t>
+              <a:t>2024/1/6</a:t>
             </a:fld>
             <a:endParaRPr lang="zh-CN" altLang="en-US"/>
           </a:p>
@@ -2272,7 +2612,7 @@
           <a:p>
             <a:fld id="{0CCCBCAA-DE24-4869-907B-21FA432ED4EA}" type="datetimeFigureOut">
               <a:rPr lang="zh-CN" altLang="en-US" smtClean="0"/>
-              <a:t>2024/1/5</a:t>
+              <a:t>2024/1/6</a:t>
             </a:fld>
             <a:endParaRPr lang="zh-CN" altLang="en-US"/>
           </a:p>
@@ -2445,7 +2785,7 @@
           <a:p>
             <a:fld id="{0CCCBCAA-DE24-4869-907B-21FA432ED4EA}" type="datetimeFigureOut">
               <a:rPr lang="zh-CN" altLang="en-US" smtClean="0"/>
-              <a:t>2024/1/5</a:t>
+              <a:t>2024/1/6</a:t>
             </a:fld>
             <a:endParaRPr lang="zh-CN" altLang="en-US"/>
           </a:p>
@@ -2608,7 +2948,7 @@
           <a:p>
             <a:fld id="{0CCCBCAA-DE24-4869-907B-21FA432ED4EA}" type="datetimeFigureOut">
               <a:rPr lang="zh-CN" altLang="en-US" smtClean="0"/>
-              <a:t>2024/1/5</a:t>
+              <a:t>2024/1/6</a:t>
             </a:fld>
             <a:endParaRPr lang="zh-CN" altLang="en-US"/>
           </a:p>
@@ -2848,7 +3188,7 @@
           <a:p>
             <a:fld id="{0CCCBCAA-DE24-4869-907B-21FA432ED4EA}" type="datetimeFigureOut">
               <a:rPr lang="zh-CN" altLang="en-US" smtClean="0"/>
-              <a:t>2024/1/5</a:t>
+              <a:t>2024/1/6</a:t>
             </a:fld>
             <a:endParaRPr lang="zh-CN" altLang="en-US"/>
           </a:p>
@@ -3072,7 +3412,7 @@
           <a:p>
             <a:fld id="{0CCCBCAA-DE24-4869-907B-21FA432ED4EA}" type="datetimeFigureOut">
               <a:rPr lang="zh-CN" altLang="en-US" smtClean="0"/>
-              <a:t>2024/1/5</a:t>
+              <a:t>2024/1/6</a:t>
             </a:fld>
             <a:endParaRPr lang="zh-CN" altLang="en-US"/>
           </a:p>
@@ -3431,7 +3771,7 @@
           <a:p>
             <a:fld id="{0CCCBCAA-DE24-4869-907B-21FA432ED4EA}" type="datetimeFigureOut">
               <a:rPr lang="zh-CN" altLang="en-US" smtClean="0"/>
-              <a:t>2024/1/5</a:t>
+              <a:t>2024/1/6</a:t>
             </a:fld>
             <a:endParaRPr lang="zh-CN" altLang="en-US"/>
           </a:p>
@@ -3543,7 +3883,7 @@
           <a:p>
             <a:fld id="{0CCCBCAA-DE24-4869-907B-21FA432ED4EA}" type="datetimeFigureOut">
               <a:rPr lang="zh-CN" altLang="en-US" smtClean="0"/>
-              <a:t>2024/1/5</a:t>
+              <a:t>2024/1/6</a:t>
             </a:fld>
             <a:endParaRPr lang="zh-CN" altLang="en-US"/>
           </a:p>
@@ -3633,7 +3973,7 @@
           <a:p>
             <a:fld id="{0CCCBCAA-DE24-4869-907B-21FA432ED4EA}" type="datetimeFigureOut">
               <a:rPr lang="zh-CN" altLang="en-US" smtClean="0"/>
-              <a:t>2024/1/5</a:t>
+              <a:t>2024/1/6</a:t>
             </a:fld>
             <a:endParaRPr lang="zh-CN" altLang="en-US"/>
           </a:p>
@@ -3903,7 +4243,7 @@
           <a:p>
             <a:fld id="{0CCCBCAA-DE24-4869-907B-21FA432ED4EA}" type="datetimeFigureOut">
               <a:rPr lang="zh-CN" altLang="en-US" smtClean="0"/>
-              <a:t>2024/1/5</a:t>
+              <a:t>2024/1/6</a:t>
             </a:fld>
             <a:endParaRPr lang="zh-CN" altLang="en-US"/>
           </a:p>
@@ -4150,7 +4490,7 @@
           <a:p>
             <a:fld id="{0CCCBCAA-DE24-4869-907B-21FA432ED4EA}" type="datetimeFigureOut">
               <a:rPr lang="zh-CN" altLang="en-US" smtClean="0"/>
-              <a:t>2024/1/5</a:t>
+              <a:t>2024/1/6</a:t>
             </a:fld>
             <a:endParaRPr lang="zh-CN" altLang="en-US"/>
           </a:p>
@@ -4356,7 +4696,7 @@
           <a:p>
             <a:fld id="{0CCCBCAA-DE24-4869-907B-21FA432ED4EA}" type="datetimeFigureOut">
               <a:rPr lang="zh-CN" altLang="en-US" smtClean="0"/>
-              <a:t>2024/1/5</a:t>
+              <a:t>2024/1/6</a:t>
             </a:fld>
             <a:endParaRPr lang="zh-CN" altLang="en-US"/>
           </a:p>
@@ -33998,7 +34338,7 @@
           <a:graphicData uri="http://schemas.openxmlformats.org/presentationml/2006/ole">
             <mc:AlternateContent xmlns:mc="http://schemas.openxmlformats.org/markup-compatibility/2006">
               <mc:Choice xmlns:v="urn:schemas-microsoft-com:vml" Requires="v">
-                <p:oleObj spid="_x0000_s2925" name="Equation" r:id="rId4" imgW="104546400" imgH="9448800" progId="Equation.DSMT4">
+                <p:oleObj spid="_x0000_s4101" name="Equation" r:id="rId4" imgW="104546400" imgH="9448800" progId="Equation.DSMT4">
                   <p:embed/>
                 </p:oleObj>
               </mc:Choice>
@@ -34055,7 +34395,7 @@
           <a:graphicData uri="http://schemas.openxmlformats.org/presentationml/2006/ole">
             <mc:AlternateContent xmlns:mc="http://schemas.openxmlformats.org/markup-compatibility/2006">
               <mc:Choice xmlns:v="urn:schemas-microsoft-com:vml" Requires="v">
-                <p:oleObj spid="_x0000_s2926" name="Equation" r:id="rId6" imgW="3162240" imgH="787320" progId="Equation.DSMT4">
+                <p:oleObj spid="_x0000_s4102" name="Equation" r:id="rId6" imgW="3162240" imgH="787320" progId="Equation.DSMT4">
                   <p:embed/>
                 </p:oleObj>
               </mc:Choice>
@@ -35788,7 +36128,7 @@
             <a:graphicData uri="http://schemas.openxmlformats.org/presentationml/2006/ole">
               <mc:AlternateContent xmlns:mc="http://schemas.openxmlformats.org/markup-compatibility/2006">
                 <mc:Choice xmlns:v="urn:schemas-microsoft-com:vml" Requires="v">
-                  <p:oleObj spid="_x0000_s2927" name="Equation" r:id="rId8" imgW="8839200" imgH="5181600" progId="Equation.DSMT4">
+                  <p:oleObj spid="_x0000_s4103" name="Equation" r:id="rId8" imgW="8839200" imgH="5181600" progId="Equation.DSMT4">
                     <p:embed/>
                   </p:oleObj>
                 </mc:Choice>
@@ -36613,7 +36953,7 @@
           <a:graphicData uri="http://schemas.openxmlformats.org/presentationml/2006/ole">
             <mc:AlternateContent xmlns:mc="http://schemas.openxmlformats.org/markup-compatibility/2006">
               <mc:Choice xmlns:v="urn:schemas-microsoft-com:vml" Requires="v">
-                <p:oleObj spid="_x0000_s2928" name="Equation" r:id="rId11" imgW="50596800" imgH="3962400" progId="Equation.DSMT4">
+                <p:oleObj spid="_x0000_s4104" name="Equation" r:id="rId11" imgW="50596800" imgH="3962400" progId="Equation.DSMT4">
                   <p:embed/>
                 </p:oleObj>
               </mc:Choice>
@@ -42499,7 +42839,7 @@
                 <a:graphicData uri="http://schemas.openxmlformats.org/presentationml/2006/ole">
                   <mc:AlternateContent xmlns:mc="http://schemas.openxmlformats.org/markup-compatibility/2006">
                     <mc:Choice xmlns:v="urn:schemas-microsoft-com:vml" Requires="v">
-                      <p:oleObj spid="_x0000_s3180" name="Equation" r:id="rId7" imgW="1257120" imgH="545760" progId="Equation.DSMT4">
+                      <p:oleObj spid="_x0000_s3256" name="Equation" r:id="rId7" imgW="1257120" imgH="545760" progId="Equation.DSMT4">
                         <p:embed/>
                       </p:oleObj>
                     </mc:Choice>
@@ -42562,7 +42902,7 @@
                 <a:graphicData uri="http://schemas.openxmlformats.org/presentationml/2006/ole">
                   <mc:AlternateContent xmlns:mc="http://schemas.openxmlformats.org/markup-compatibility/2006">
                     <mc:Choice xmlns:v="urn:schemas-microsoft-com:vml" Requires="v">
-                      <p:oleObj spid="_x0000_s3181" name="Equation" r:id="rId9" imgW="1218960" imgH="215640" progId="Equation.DSMT4">
+                      <p:oleObj spid="_x0000_s3257" name="Equation" r:id="rId9" imgW="1218960" imgH="215640" progId="Equation.DSMT4">
                         <p:embed/>
                       </p:oleObj>
                     </mc:Choice>
@@ -45081,6 +45421,353 @@
           <a:chExt cx="0" cy="0"/>
         </a:xfrm>
       </p:grpSpPr>
+      <p:grpSp>
+        <p:nvGrpSpPr>
+          <p:cNvPr id="29" name="组合 28">
+            <a:extLst>
+              <a:ext uri="{FF2B5EF4-FFF2-40B4-BE49-F238E27FC236}">
+                <a16:creationId xmlns:a16="http://schemas.microsoft.com/office/drawing/2014/main" id="{CA167DC4-FE22-432F-96DA-DFE0B43CC755}"/>
+              </a:ext>
+            </a:extLst>
+          </p:cNvPr>
+          <p:cNvGrpSpPr/>
+          <p:nvPr/>
+        </p:nvGrpSpPr>
+        <p:grpSpPr>
+          <a:xfrm>
+            <a:off x="352390" y="1582857"/>
+            <a:ext cx="5521386" cy="4320000"/>
+            <a:chOff x="352390" y="1582857"/>
+            <a:chExt cx="5521386" cy="4320000"/>
+          </a:xfrm>
+        </p:grpSpPr>
+        <p:grpSp>
+          <p:nvGrpSpPr>
+            <p:cNvPr id="28" name="组合 27">
+              <a:extLst>
+                <a:ext uri="{FF2B5EF4-FFF2-40B4-BE49-F238E27FC236}">
+                  <a16:creationId xmlns:a16="http://schemas.microsoft.com/office/drawing/2014/main" id="{112CA006-00B5-485B-B086-CE3230BB044E}"/>
+                </a:ext>
+              </a:extLst>
+            </p:cNvPr>
+            <p:cNvGrpSpPr/>
+            <p:nvPr/>
+          </p:nvGrpSpPr>
+          <p:grpSpPr>
+            <a:xfrm>
+              <a:off x="4793776" y="1690688"/>
+              <a:ext cx="1080000" cy="4212169"/>
+              <a:chOff x="4793776" y="1690688"/>
+              <a:chExt cx="1080000" cy="4212169"/>
+            </a:xfrm>
+          </p:grpSpPr>
+          <p:pic>
+            <p:nvPicPr>
+              <p:cNvPr id="11" name="图片 10">
+                <a:extLst>
+                  <a:ext uri="{FF2B5EF4-FFF2-40B4-BE49-F238E27FC236}">
+                    <a16:creationId xmlns:a16="http://schemas.microsoft.com/office/drawing/2014/main" id="{EF71DD76-668D-454C-B04C-489DA733DC8D}"/>
+                  </a:ext>
+                </a:extLst>
+              </p:cNvPr>
+              <p:cNvPicPr>
+                <a:picLocks noChangeAspect="1"/>
+              </p:cNvPicPr>
+              <p:nvPr/>
+            </p:nvPicPr>
+            <p:blipFill>
+              <a:blip r:embed="rId3"/>
+              <a:stretch>
+                <a:fillRect/>
+              </a:stretch>
+            </p:blipFill>
+            <p:spPr>
+              <a:xfrm>
+                <a:off x="4793776" y="1690688"/>
+                <a:ext cx="1080000" cy="2464469"/>
+              </a:xfrm>
+              <a:prstGeom prst="rect">
+                <a:avLst/>
+              </a:prstGeom>
+            </p:spPr>
+          </p:pic>
+          <p:pic>
+            <p:nvPicPr>
+              <p:cNvPr id="12" name="图片 11">
+                <a:extLst>
+                  <a:ext uri="{FF2B5EF4-FFF2-40B4-BE49-F238E27FC236}">
+                    <a16:creationId xmlns:a16="http://schemas.microsoft.com/office/drawing/2014/main" id="{3BF42F47-71B7-4AF5-B1D6-3CE31E9C769C}"/>
+                  </a:ext>
+                </a:extLst>
+              </p:cNvPr>
+              <p:cNvPicPr>
+                <a:picLocks noChangeAspect="1"/>
+              </p:cNvPicPr>
+              <p:nvPr/>
+            </p:nvPicPr>
+            <p:blipFill>
+              <a:blip r:embed="rId4"/>
+              <a:stretch>
+                <a:fillRect/>
+              </a:stretch>
+            </p:blipFill>
+            <p:spPr>
+              <a:xfrm>
+                <a:off x="4793776" y="4229618"/>
+                <a:ext cx="1080000" cy="1673239"/>
+              </a:xfrm>
+              <a:prstGeom prst="rect">
+                <a:avLst/>
+              </a:prstGeom>
+            </p:spPr>
+          </p:pic>
+          <p:sp>
+            <p:nvSpPr>
+              <p:cNvPr id="15" name="矩形 14">
+                <a:extLst>
+                  <a:ext uri="{FF2B5EF4-FFF2-40B4-BE49-F238E27FC236}">
+                    <a16:creationId xmlns:a16="http://schemas.microsoft.com/office/drawing/2014/main" id="{A8E40A91-ADEA-4FF4-934B-7151BFBBE297}"/>
+                  </a:ext>
+                </a:extLst>
+              </p:cNvPr>
+              <p:cNvSpPr/>
+              <p:nvPr/>
+            </p:nvSpPr>
+            <p:spPr>
+              <a:xfrm>
+                <a:off x="4793776" y="3261782"/>
+                <a:ext cx="891482" cy="437651"/>
+              </a:xfrm>
+              <a:prstGeom prst="rect">
+                <a:avLst/>
+              </a:prstGeom>
+              <a:noFill/>
+              <a:ln>
+                <a:solidFill>
+                  <a:srgbClr val="FF0000"/>
+                </a:solidFill>
+              </a:ln>
+            </p:spPr>
+            <p:style>
+              <a:lnRef idx="2">
+                <a:schemeClr val="accent1">
+                  <a:shade val="50000"/>
+                </a:schemeClr>
+              </a:lnRef>
+              <a:fillRef idx="1">
+                <a:schemeClr val="accent1"/>
+              </a:fillRef>
+              <a:effectRef idx="0">
+                <a:schemeClr val="accent1"/>
+              </a:effectRef>
+              <a:fontRef idx="minor">
+                <a:schemeClr val="lt1"/>
+              </a:fontRef>
+            </p:style>
+            <p:txBody>
+              <a:bodyPr rtlCol="0" anchor="ctr"/>
+              <a:lstStyle/>
+              <a:p>
+                <a:pPr algn="ctr"/>
+                <a:endParaRPr lang="zh-CN" altLang="en-US"/>
+              </a:p>
+            </p:txBody>
+          </p:sp>
+        </p:grpSp>
+        <p:pic>
+          <p:nvPicPr>
+            <p:cNvPr id="24" name="图片 23">
+              <a:extLst>
+                <a:ext uri="{FF2B5EF4-FFF2-40B4-BE49-F238E27FC236}">
+                  <a16:creationId xmlns:a16="http://schemas.microsoft.com/office/drawing/2014/main" id="{8E8274E4-A0C5-474F-8E3C-CB2C521D131F}"/>
+                </a:ext>
+              </a:extLst>
+            </p:cNvPr>
+            <p:cNvPicPr>
+              <a:picLocks noChangeAspect="1"/>
+            </p:cNvPicPr>
+            <p:nvPr/>
+          </p:nvPicPr>
+          <p:blipFill>
+            <a:blip r:embed="rId5"/>
+            <a:stretch>
+              <a:fillRect/>
+            </a:stretch>
+          </p:blipFill>
+          <p:spPr>
+            <a:xfrm>
+              <a:off x="352390" y="1582857"/>
+              <a:ext cx="4313445" cy="4320000"/>
+            </a:xfrm>
+            <a:prstGeom prst="rect">
+              <a:avLst/>
+            </a:prstGeom>
+          </p:spPr>
+        </p:pic>
+      </p:grpSp>
+      <p:grpSp>
+        <p:nvGrpSpPr>
+          <p:cNvPr id="27" name="组合 26">
+            <a:extLst>
+              <a:ext uri="{FF2B5EF4-FFF2-40B4-BE49-F238E27FC236}">
+                <a16:creationId xmlns:a16="http://schemas.microsoft.com/office/drawing/2014/main" id="{7F686C60-7710-4A2B-9A0B-FB492CF65CD7}"/>
+              </a:ext>
+            </a:extLst>
+          </p:cNvPr>
+          <p:cNvGrpSpPr/>
+          <p:nvPr/>
+        </p:nvGrpSpPr>
+        <p:grpSpPr>
+          <a:xfrm>
+            <a:off x="6474172" y="1582857"/>
+            <a:ext cx="5521387" cy="4320000"/>
+            <a:chOff x="6474172" y="1582857"/>
+            <a:chExt cx="5521387" cy="4320000"/>
+          </a:xfrm>
+        </p:grpSpPr>
+        <p:pic>
+          <p:nvPicPr>
+            <p:cNvPr id="26" name="图片 25">
+              <a:extLst>
+                <a:ext uri="{FF2B5EF4-FFF2-40B4-BE49-F238E27FC236}">
+                  <a16:creationId xmlns:a16="http://schemas.microsoft.com/office/drawing/2014/main" id="{EF38AE03-0994-425A-9A79-48D4560209DF}"/>
+                </a:ext>
+              </a:extLst>
+            </p:cNvPr>
+            <p:cNvPicPr>
+              <a:picLocks noChangeAspect="1"/>
+            </p:cNvPicPr>
+            <p:nvPr/>
+          </p:nvPicPr>
+          <p:blipFill>
+            <a:blip r:embed="rId6"/>
+            <a:stretch>
+              <a:fillRect/>
+            </a:stretch>
+          </p:blipFill>
+          <p:spPr>
+            <a:xfrm>
+              <a:off x="6474172" y="1582857"/>
+              <a:ext cx="4313445" cy="4320000"/>
+            </a:xfrm>
+            <a:prstGeom prst="rect">
+              <a:avLst/>
+            </a:prstGeom>
+          </p:spPr>
+        </p:pic>
+        <p:pic>
+          <p:nvPicPr>
+            <p:cNvPr id="9" name="图片 8">
+              <a:extLst>
+                <a:ext uri="{FF2B5EF4-FFF2-40B4-BE49-F238E27FC236}">
+                  <a16:creationId xmlns:a16="http://schemas.microsoft.com/office/drawing/2014/main" id="{D1D4ED82-A750-435C-A54F-38CBD192754D}"/>
+                </a:ext>
+              </a:extLst>
+            </p:cNvPr>
+            <p:cNvPicPr>
+              <a:picLocks noChangeAspect="1"/>
+            </p:cNvPicPr>
+            <p:nvPr/>
+          </p:nvPicPr>
+          <p:blipFill>
+            <a:blip r:embed="rId7"/>
+            <a:stretch>
+              <a:fillRect/>
+            </a:stretch>
+          </p:blipFill>
+          <p:spPr>
+            <a:xfrm>
+              <a:off x="10915559" y="1690688"/>
+              <a:ext cx="1080000" cy="2338144"/>
+            </a:xfrm>
+            <a:prstGeom prst="rect">
+              <a:avLst/>
+            </a:prstGeom>
+          </p:spPr>
+        </p:pic>
+        <p:pic>
+          <p:nvPicPr>
+            <p:cNvPr id="10" name="图片 9">
+              <a:extLst>
+                <a:ext uri="{FF2B5EF4-FFF2-40B4-BE49-F238E27FC236}">
+                  <a16:creationId xmlns:a16="http://schemas.microsoft.com/office/drawing/2014/main" id="{25D7A846-FB51-4111-868C-F5AB1582B7B7}"/>
+                </a:ext>
+              </a:extLst>
+            </p:cNvPr>
+            <p:cNvPicPr>
+              <a:picLocks noChangeAspect="1"/>
+            </p:cNvPicPr>
+            <p:nvPr/>
+          </p:nvPicPr>
+          <p:blipFill>
+            <a:blip r:embed="rId8"/>
+            <a:stretch>
+              <a:fillRect/>
+            </a:stretch>
+          </p:blipFill>
+          <p:spPr>
+            <a:xfrm>
+              <a:off x="10915559" y="4229618"/>
+              <a:ext cx="1080000" cy="1651765"/>
+            </a:xfrm>
+            <a:prstGeom prst="rect">
+              <a:avLst/>
+            </a:prstGeom>
+          </p:spPr>
+        </p:pic>
+        <p:sp>
+          <p:nvSpPr>
+            <p:cNvPr id="14" name="矩形 13">
+              <a:extLst>
+                <a:ext uri="{FF2B5EF4-FFF2-40B4-BE49-F238E27FC236}">
+                  <a16:creationId xmlns:a16="http://schemas.microsoft.com/office/drawing/2014/main" id="{C96BB403-5517-4E78-B7D7-295028954FA8}"/>
+                </a:ext>
+              </a:extLst>
+            </p:cNvPr>
+            <p:cNvSpPr/>
+            <p:nvPr/>
+          </p:nvSpPr>
+          <p:spPr>
+            <a:xfrm>
+              <a:off x="10954467" y="3171823"/>
+              <a:ext cx="891482" cy="437651"/>
+            </a:xfrm>
+            <a:prstGeom prst="rect">
+              <a:avLst/>
+            </a:prstGeom>
+            <a:noFill/>
+            <a:ln>
+              <a:solidFill>
+                <a:srgbClr val="FF0000"/>
+              </a:solidFill>
+            </a:ln>
+          </p:spPr>
+          <p:style>
+            <a:lnRef idx="2">
+              <a:schemeClr val="accent1">
+                <a:shade val="50000"/>
+              </a:schemeClr>
+            </a:lnRef>
+            <a:fillRef idx="1">
+              <a:schemeClr val="accent1"/>
+            </a:fillRef>
+            <a:effectRef idx="0">
+              <a:schemeClr val="accent1"/>
+            </a:effectRef>
+            <a:fontRef idx="minor">
+              <a:schemeClr val="lt1"/>
+            </a:fontRef>
+          </p:style>
+          <p:txBody>
+            <a:bodyPr rtlCol="0" anchor="ctr"/>
+            <a:lstStyle/>
+            <a:p>
+              <a:pPr algn="ctr"/>
+              <a:endParaRPr lang="zh-CN" altLang="en-US"/>
+            </a:p>
+          </p:txBody>
+        </p:sp>
+      </p:grpSp>
       <p:sp>
         <p:nvSpPr>
           <p:cNvPr id="2" name="标题 1">
@@ -45102,16 +45789,348 @@
           <a:bodyPr/>
           <a:lstStyle/>
           <a:p>
-            <a:endParaRPr lang="zh-CN" altLang="en-US"/>
+            <a:r>
+              <a:rPr lang="zh-CN" altLang="en-US" dirty="0"/>
+              <a:t>对比</a:t>
+            </a:r>
           </a:p>
         </p:txBody>
       </p:sp>
       <p:sp>
         <p:nvSpPr>
-          <p:cNvPr id="4" name="内容占位符 3">
+          <p:cNvPr id="7" name="文本框 6">
             <a:extLst>
               <a:ext uri="{FF2B5EF4-FFF2-40B4-BE49-F238E27FC236}">
-                <a16:creationId xmlns:a16="http://schemas.microsoft.com/office/drawing/2014/main" id="{746F19C1-0762-4252-88E6-2040B283C3FF}"/>
+                <a16:creationId xmlns:a16="http://schemas.microsoft.com/office/drawing/2014/main" id="{0DACFBDC-12BE-482A-B9F1-EAC6AE545656}"/>
+              </a:ext>
+            </a:extLst>
+          </p:cNvPr>
+          <p:cNvSpPr txBox="1"/>
+          <p:nvPr/>
+        </p:nvSpPr>
+        <p:spPr>
+          <a:xfrm>
+            <a:off x="6641023" y="5792689"/>
+            <a:ext cx="4313444" cy="369332"/>
+          </a:xfrm>
+          <a:prstGeom prst="rect">
+            <a:avLst/>
+          </a:prstGeom>
+          <a:noFill/>
+        </p:spPr>
+        <p:txBody>
+          <a:bodyPr wrap="square" rtlCol="0">
+            <a:spAutoFit/>
+          </a:bodyPr>
+          <a:lstStyle/>
+          <a:p>
+            <a:r>
+              <a:rPr lang="zh-CN" altLang="en-US" dirty="0"/>
+              <a:t>现在策略：每个</a:t>
+            </a:r>
+            <a:r>
+              <a:rPr lang="en-US" altLang="zh-CN" dirty="0"/>
+              <a:t>Transmitter</a:t>
+            </a:r>
+            <a:endParaRPr lang="zh-CN" altLang="en-US" dirty="0"/>
+          </a:p>
+        </p:txBody>
+      </p:sp>
+      <p:sp>
+        <p:nvSpPr>
+          <p:cNvPr id="8" name="文本框 7">
+            <a:extLst>
+              <a:ext uri="{FF2B5EF4-FFF2-40B4-BE49-F238E27FC236}">
+                <a16:creationId xmlns:a16="http://schemas.microsoft.com/office/drawing/2014/main" id="{C454C7A5-EEEC-45F9-AEEF-4447EC99EB92}"/>
+              </a:ext>
+            </a:extLst>
+          </p:cNvPr>
+          <p:cNvSpPr txBox="1"/>
+          <p:nvPr/>
+        </p:nvSpPr>
+        <p:spPr>
+          <a:xfrm>
+            <a:off x="6800298" y="304058"/>
+            <a:ext cx="4313444" cy="923330"/>
+          </a:xfrm>
+          <a:prstGeom prst="rect">
+            <a:avLst/>
+          </a:prstGeom>
+          <a:noFill/>
+        </p:spPr>
+        <p:txBody>
+          <a:bodyPr wrap="square" rtlCol="0">
+            <a:spAutoFit/>
+          </a:bodyPr>
+          <a:lstStyle/>
+          <a:p>
+            <a:r>
+              <a:rPr lang="zh-CN" altLang="en-US" dirty="0"/>
+              <a:t>可视化调整：</a:t>
+            </a:r>
+            <a:endParaRPr lang="en-US" altLang="zh-CN" dirty="0"/>
+          </a:p>
+          <a:p>
+            <a:r>
+              <a:rPr lang="zh-CN" altLang="en-US" dirty="0"/>
+              <a:t>（</a:t>
+            </a:r>
+            <a:r>
+              <a:rPr lang="en-US" altLang="zh-CN" dirty="0"/>
+              <a:t>1</a:t>
+            </a:r>
+            <a:r>
+              <a:rPr lang="zh-CN" altLang="en-US" dirty="0"/>
+              <a:t>）空地处的箭头连接起来。</a:t>
+            </a:r>
+            <a:endParaRPr lang="en-US" altLang="zh-CN" dirty="0"/>
+          </a:p>
+          <a:p>
+            <a:r>
+              <a:rPr lang="zh-CN" altLang="en-US" dirty="0"/>
+              <a:t>（</a:t>
+            </a:r>
+            <a:r>
+              <a:rPr lang="en-US" altLang="zh-CN" dirty="0"/>
+              <a:t>2</a:t>
+            </a:r>
+            <a:r>
+              <a:rPr lang="zh-CN" altLang="en-US" dirty="0"/>
+              <a:t>）箭头上添加了消息格式。</a:t>
+            </a:r>
+          </a:p>
+        </p:txBody>
+      </p:sp>
+      <p:sp>
+        <p:nvSpPr>
+          <p:cNvPr id="6" name="文本框 5">
+            <a:extLst>
+              <a:ext uri="{FF2B5EF4-FFF2-40B4-BE49-F238E27FC236}">
+                <a16:creationId xmlns:a16="http://schemas.microsoft.com/office/drawing/2014/main" id="{C139AD6F-8313-4970-B148-7B80ECB4BB4F}"/>
+              </a:ext>
+            </a:extLst>
+          </p:cNvPr>
+          <p:cNvSpPr txBox="1"/>
+          <p:nvPr/>
+        </p:nvSpPr>
+        <p:spPr>
+          <a:xfrm>
+            <a:off x="694395" y="5846544"/>
+            <a:ext cx="4313444" cy="646331"/>
+          </a:xfrm>
+          <a:prstGeom prst="rect">
+            <a:avLst/>
+          </a:prstGeom>
+          <a:noFill/>
+        </p:spPr>
+        <p:txBody>
+          <a:bodyPr wrap="square" rtlCol="0">
+            <a:spAutoFit/>
+          </a:bodyPr>
+          <a:lstStyle/>
+          <a:p>
+            <a:r>
+              <a:rPr lang="zh-CN" altLang="en-US" dirty="0"/>
+              <a:t>原本策略：在靠近</a:t>
+            </a:r>
+            <a:r>
+              <a:rPr lang="en-US" altLang="zh-CN" dirty="0"/>
+              <a:t>Consumer</a:t>
+            </a:r>
+            <a:r>
+              <a:rPr lang="zh-CN" altLang="en-US" dirty="0"/>
+              <a:t>的最后一个</a:t>
+            </a:r>
+            <a:r>
+              <a:rPr lang="en-US" altLang="zh-CN" dirty="0"/>
+              <a:t>Transmitter</a:t>
+            </a:r>
+            <a:r>
+              <a:rPr lang="zh-CN" altLang="en-US" dirty="0"/>
+              <a:t>转换成对应格式。</a:t>
+            </a:r>
+          </a:p>
+        </p:txBody>
+      </p:sp>
+      <p:sp>
+        <p:nvSpPr>
+          <p:cNvPr id="16" name="文本框 15">
+            <a:extLst>
+              <a:ext uri="{FF2B5EF4-FFF2-40B4-BE49-F238E27FC236}">
+                <a16:creationId xmlns:a16="http://schemas.microsoft.com/office/drawing/2014/main" id="{82A46241-E2BC-4613-BC19-E97BDD89CCCD}"/>
+              </a:ext>
+            </a:extLst>
+          </p:cNvPr>
+          <p:cNvSpPr txBox="1"/>
+          <p:nvPr/>
+        </p:nvSpPr>
+        <p:spPr>
+          <a:xfrm>
+            <a:off x="5992994" y="6246530"/>
+            <a:ext cx="5275803" cy="646331"/>
+          </a:xfrm>
+          <a:prstGeom prst="rect">
+            <a:avLst/>
+          </a:prstGeom>
+          <a:noFill/>
+        </p:spPr>
+        <p:txBody>
+          <a:bodyPr wrap="none" rtlCol="0">
+            <a:spAutoFit/>
+          </a:bodyPr>
+          <a:lstStyle/>
+          <a:p>
+            <a:r>
+              <a:rPr lang="zh-CN" altLang="en-US" dirty="0"/>
+              <a:t>进行了</a:t>
+            </a:r>
+            <a:r>
+              <a:rPr lang="en-US" altLang="zh-CN" dirty="0"/>
+              <a:t>5</a:t>
+            </a:r>
+            <a:r>
+              <a:rPr lang="zh-CN" altLang="en-US" dirty="0"/>
+              <a:t>次格式转换，修改后进行了</a:t>
+            </a:r>
+            <a:r>
+              <a:rPr lang="en-US" altLang="zh-CN" dirty="0"/>
+              <a:t>2</a:t>
+            </a:r>
+            <a:r>
+              <a:rPr lang="zh-CN" altLang="en-US" dirty="0"/>
+              <a:t>次格式转换。</a:t>
+            </a:r>
+            <a:endParaRPr lang="en-US" altLang="zh-CN" dirty="0"/>
+          </a:p>
+          <a:p>
+            <a:r>
+              <a:rPr lang="zh-CN" altLang="en-US" dirty="0"/>
+              <a:t>这张地图路径确定，只关注消息格式的转换</a:t>
+            </a:r>
+          </a:p>
+        </p:txBody>
+      </p:sp>
+      <p:cxnSp>
+        <p:nvCxnSpPr>
+          <p:cNvPr id="18" name="直接箭头连接符 17">
+            <a:extLst>
+              <a:ext uri="{FF2B5EF4-FFF2-40B4-BE49-F238E27FC236}">
+                <a16:creationId xmlns:a16="http://schemas.microsoft.com/office/drawing/2014/main" id="{D46D9F95-ACBC-4686-8B5F-831DC8D53BD1}"/>
+              </a:ext>
+            </a:extLst>
+          </p:cNvPr>
+          <p:cNvCxnSpPr>
+            <a:stCxn id="15" idx="2"/>
+            <a:endCxn id="16" idx="0"/>
+          </p:cNvCxnSpPr>
+          <p:nvPr/>
+        </p:nvCxnSpPr>
+        <p:spPr>
+          <a:xfrm>
+            <a:off x="5239517" y="3699433"/>
+            <a:ext cx="3391379" cy="2547097"/>
+          </a:xfrm>
+          <a:prstGeom prst="straightConnector1">
+            <a:avLst/>
+          </a:prstGeom>
+          <a:ln>
+            <a:tailEnd type="triangle"/>
+          </a:ln>
+        </p:spPr>
+        <p:style>
+          <a:lnRef idx="1">
+            <a:schemeClr val="accent1"/>
+          </a:lnRef>
+          <a:fillRef idx="0">
+            <a:schemeClr val="accent1"/>
+          </a:fillRef>
+          <a:effectRef idx="0">
+            <a:schemeClr val="accent1"/>
+          </a:effectRef>
+          <a:fontRef idx="minor">
+            <a:schemeClr val="tx1"/>
+          </a:fontRef>
+        </p:style>
+      </p:cxnSp>
+      <p:cxnSp>
+        <p:nvCxnSpPr>
+          <p:cNvPr id="21" name="直接箭头连接符 20">
+            <a:extLst>
+              <a:ext uri="{FF2B5EF4-FFF2-40B4-BE49-F238E27FC236}">
+                <a16:creationId xmlns:a16="http://schemas.microsoft.com/office/drawing/2014/main" id="{33708320-EE87-472A-99F4-100954A4020C}"/>
+              </a:ext>
+            </a:extLst>
+          </p:cNvPr>
+          <p:cNvCxnSpPr>
+            <a:cxnSpLocks/>
+            <a:stCxn id="14" idx="1"/>
+            <a:endCxn id="16" idx="0"/>
+          </p:cNvCxnSpPr>
+          <p:nvPr/>
+        </p:nvCxnSpPr>
+        <p:spPr>
+          <a:xfrm flipH="1">
+            <a:off x="8630896" y="3390649"/>
+            <a:ext cx="2323571" cy="2855881"/>
+          </a:xfrm>
+          <a:prstGeom prst="straightConnector1">
+            <a:avLst/>
+          </a:prstGeom>
+          <a:ln>
+            <a:tailEnd type="triangle"/>
+          </a:ln>
+        </p:spPr>
+        <p:style>
+          <a:lnRef idx="1">
+            <a:schemeClr val="accent1"/>
+          </a:lnRef>
+          <a:fillRef idx="0">
+            <a:schemeClr val="accent1"/>
+          </a:fillRef>
+          <a:effectRef idx="0">
+            <a:schemeClr val="accent1"/>
+          </a:effectRef>
+          <a:fontRef idx="minor">
+            <a:schemeClr val="tx1"/>
+          </a:fontRef>
+        </p:style>
+      </p:cxnSp>
+    </p:spTree>
+    <p:extLst>
+      <p:ext uri="{BB962C8B-B14F-4D97-AF65-F5344CB8AC3E}">
+        <p14:creationId xmlns:p14="http://schemas.microsoft.com/office/powerpoint/2010/main" val="1861655891"/>
+      </p:ext>
+    </p:extLst>
+  </p:cSld>
+  <p:clrMapOvr>
+    <a:masterClrMapping/>
+  </p:clrMapOvr>
+</p:sld>
+</file>
+
+<file path=ppt/slides/slide45.xml><?xml version="1.0" encoding="utf-8"?>
+<p:sld xmlns:a="http://schemas.openxmlformats.org/drawingml/2006/main" xmlns:r="http://schemas.openxmlformats.org/officeDocument/2006/relationships" xmlns:p="http://schemas.openxmlformats.org/presentationml/2006/main">
+  <p:cSld>
+    <p:spTree>
+      <p:nvGrpSpPr>
+        <p:cNvPr id="1" name=""/>
+        <p:cNvGrpSpPr/>
+        <p:nvPr/>
+      </p:nvGrpSpPr>
+      <p:grpSpPr>
+        <a:xfrm>
+          <a:off x="0" y="0"/>
+          <a:ext cx="0" cy="0"/>
+          <a:chOff x="0" y="0"/>
+          <a:chExt cx="0" cy="0"/>
+        </a:xfrm>
+      </p:grpSpPr>
+      <p:sp>
+        <p:nvSpPr>
+          <p:cNvPr id="2" name="标题 1">
+            <a:extLst>
+              <a:ext uri="{FF2B5EF4-FFF2-40B4-BE49-F238E27FC236}">
+                <a16:creationId xmlns:a16="http://schemas.microsoft.com/office/drawing/2014/main" id="{FDB9D84A-FF80-422C-9B93-61471A049A32}"/>
               </a:ext>
             </a:extLst>
           </p:cNvPr>
@@ -45119,7 +46138,7 @@
             <a:spLocks noGrp="1"/>
           </p:cNvSpPr>
           <p:nvPr>
-            <p:ph idx="1"/>
+            <p:ph type="title"/>
           </p:nvPr>
         </p:nvSpPr>
         <p:spPr/>
@@ -45127,14 +46146,1812 @@
           <a:bodyPr/>
           <a:lstStyle/>
           <a:p>
+            <a:r>
+              <a:rPr lang="zh-CN" altLang="en-US" dirty="0"/>
+              <a:t>排错：</a:t>
+            </a:r>
+            <a:r>
+              <a:rPr lang="en-US" altLang="zh-CN" dirty="0"/>
+              <a:t>Provider</a:t>
+            </a:r>
+            <a:r>
+              <a:rPr lang="zh-CN" altLang="en-US" dirty="0"/>
+              <a:t>格式转换</a:t>
+            </a:r>
+          </a:p>
+        </p:txBody>
+      </p:sp>
+      <p:grpSp>
+        <p:nvGrpSpPr>
+          <p:cNvPr id="14" name="组合 13">
+            <a:extLst>
+              <a:ext uri="{FF2B5EF4-FFF2-40B4-BE49-F238E27FC236}">
+                <a16:creationId xmlns:a16="http://schemas.microsoft.com/office/drawing/2014/main" id="{12FADD8F-A6A1-41BC-9B5E-2F6B6687662B}"/>
+              </a:ext>
+            </a:extLst>
+          </p:cNvPr>
+          <p:cNvGrpSpPr/>
+          <p:nvPr/>
+        </p:nvGrpSpPr>
+        <p:grpSpPr>
+          <a:xfrm>
+            <a:off x="6929969" y="379548"/>
+            <a:ext cx="4663861" cy="942194"/>
+            <a:chOff x="3786719" y="219290"/>
+            <a:chExt cx="6494089" cy="1311937"/>
+          </a:xfrm>
+        </p:grpSpPr>
+        <p:pic>
+          <p:nvPicPr>
+            <p:cNvPr id="4" name="图片 3">
+              <a:extLst>
+                <a:ext uri="{FF2B5EF4-FFF2-40B4-BE49-F238E27FC236}">
+                  <a16:creationId xmlns:a16="http://schemas.microsoft.com/office/drawing/2014/main" id="{D476097F-C165-445F-A743-7571765444C0}"/>
+                </a:ext>
+              </a:extLst>
+            </p:cNvPr>
+            <p:cNvPicPr>
+              <a:picLocks noChangeAspect="1"/>
+            </p:cNvPicPr>
+            <p:nvPr/>
+          </p:nvPicPr>
+          <p:blipFill>
+            <a:blip r:embed="rId2"/>
+            <a:stretch>
+              <a:fillRect/>
+            </a:stretch>
+          </p:blipFill>
+          <p:spPr>
+            <a:xfrm>
+              <a:off x="3786719" y="219290"/>
+              <a:ext cx="6494089" cy="1311937"/>
+            </a:xfrm>
+            <a:prstGeom prst="rect">
+              <a:avLst/>
+            </a:prstGeom>
+          </p:spPr>
+        </p:pic>
+        <p:sp>
+          <p:nvSpPr>
+            <p:cNvPr id="5" name="矩形 4">
+              <a:extLst>
+                <a:ext uri="{FF2B5EF4-FFF2-40B4-BE49-F238E27FC236}">
+                  <a16:creationId xmlns:a16="http://schemas.microsoft.com/office/drawing/2014/main" id="{7B7F86A7-DC58-4984-B1F7-12B9A4AC7F81}"/>
+                </a:ext>
+              </a:extLst>
+            </p:cNvPr>
+            <p:cNvSpPr/>
+            <p:nvPr/>
+          </p:nvSpPr>
+          <p:spPr>
+            <a:xfrm>
+              <a:off x="3821182" y="585803"/>
+              <a:ext cx="5989863" cy="248067"/>
+            </a:xfrm>
+            <a:prstGeom prst="rect">
+              <a:avLst/>
+            </a:prstGeom>
+            <a:noFill/>
+            <a:ln>
+              <a:solidFill>
+                <a:srgbClr val="FF0000"/>
+              </a:solidFill>
+            </a:ln>
+          </p:spPr>
+          <p:style>
+            <a:lnRef idx="2">
+              <a:schemeClr val="accent1">
+                <a:shade val="50000"/>
+              </a:schemeClr>
+            </a:lnRef>
+            <a:fillRef idx="1">
+              <a:schemeClr val="accent1"/>
+            </a:fillRef>
+            <a:effectRef idx="0">
+              <a:schemeClr val="accent1"/>
+            </a:effectRef>
+            <a:fontRef idx="minor">
+              <a:schemeClr val="lt1"/>
+            </a:fontRef>
+          </p:style>
+          <p:txBody>
+            <a:bodyPr rtlCol="0" anchor="ctr"/>
+            <a:lstStyle/>
+            <a:p>
+              <a:pPr algn="ctr"/>
+              <a:endParaRPr lang="zh-CN" altLang="en-US"/>
+            </a:p>
+          </p:txBody>
+        </p:sp>
+        <p:sp>
+          <p:nvSpPr>
+            <p:cNvPr id="6" name="矩形 5">
+              <a:extLst>
+                <a:ext uri="{FF2B5EF4-FFF2-40B4-BE49-F238E27FC236}">
+                  <a16:creationId xmlns:a16="http://schemas.microsoft.com/office/drawing/2014/main" id="{852AAE97-1399-48A1-9159-1D63EDB65B1C}"/>
+                </a:ext>
+              </a:extLst>
+            </p:cNvPr>
+            <p:cNvSpPr/>
+            <p:nvPr/>
+          </p:nvSpPr>
+          <p:spPr>
+            <a:xfrm>
+              <a:off x="3821182" y="1165314"/>
+              <a:ext cx="5989863" cy="248067"/>
+            </a:xfrm>
+            <a:prstGeom prst="rect">
+              <a:avLst/>
+            </a:prstGeom>
+            <a:noFill/>
+            <a:ln>
+              <a:solidFill>
+                <a:srgbClr val="FF0000"/>
+              </a:solidFill>
+            </a:ln>
+          </p:spPr>
+          <p:style>
+            <a:lnRef idx="2">
+              <a:schemeClr val="accent1">
+                <a:shade val="50000"/>
+              </a:schemeClr>
+            </a:lnRef>
+            <a:fillRef idx="1">
+              <a:schemeClr val="accent1"/>
+            </a:fillRef>
+            <a:effectRef idx="0">
+              <a:schemeClr val="accent1"/>
+            </a:effectRef>
+            <a:fontRef idx="minor">
+              <a:schemeClr val="lt1"/>
+            </a:fontRef>
+          </p:style>
+          <p:txBody>
+            <a:bodyPr rtlCol="0" anchor="ctr"/>
+            <a:lstStyle/>
+            <a:p>
+              <a:pPr algn="ctr"/>
+              <a:endParaRPr lang="zh-CN" altLang="en-US"/>
+            </a:p>
+          </p:txBody>
+        </p:sp>
+      </p:grpSp>
+      <p:grpSp>
+        <p:nvGrpSpPr>
+          <p:cNvPr id="13" name="组合 12">
+            <a:extLst>
+              <a:ext uri="{FF2B5EF4-FFF2-40B4-BE49-F238E27FC236}">
+                <a16:creationId xmlns:a16="http://schemas.microsoft.com/office/drawing/2014/main" id="{B60AC965-435A-4CC5-BB1B-867AF9CB8579}"/>
+              </a:ext>
+            </a:extLst>
+          </p:cNvPr>
+          <p:cNvGrpSpPr/>
+          <p:nvPr/>
+        </p:nvGrpSpPr>
+        <p:grpSpPr>
+          <a:xfrm>
+            <a:off x="9925977" y="477625"/>
+            <a:ext cx="4108817" cy="844117"/>
+            <a:chOff x="9644044" y="603845"/>
+            <a:chExt cx="2224927" cy="844117"/>
+          </a:xfrm>
+        </p:grpSpPr>
+        <p:sp>
+          <p:nvSpPr>
+            <p:cNvPr id="7" name="文本框 6">
+              <a:extLst>
+                <a:ext uri="{FF2B5EF4-FFF2-40B4-BE49-F238E27FC236}">
+                  <a16:creationId xmlns:a16="http://schemas.microsoft.com/office/drawing/2014/main" id="{6DFC1477-BC8A-449D-BC83-64D221A32C1C}"/>
+                </a:ext>
+              </a:extLst>
+            </p:cNvPr>
+            <p:cNvSpPr txBox="1"/>
+            <p:nvPr/>
+          </p:nvSpPr>
+          <p:spPr>
+            <a:xfrm>
+              <a:off x="9997355" y="603845"/>
+              <a:ext cx="1201256" cy="282648"/>
+            </a:xfrm>
+            <a:prstGeom prst="rect">
+              <a:avLst/>
+            </a:prstGeom>
+            <a:noFill/>
+          </p:spPr>
+          <p:txBody>
+            <a:bodyPr wrap="none" rtlCol="0">
+              <a:spAutoFit/>
+            </a:bodyPr>
+            <a:lstStyle/>
+            <a:p>
+              <a:r>
+                <a:rPr lang="zh-CN" altLang="en-US" dirty="0"/>
+                <a:t>加了格式转换</a:t>
+              </a:r>
+            </a:p>
+          </p:txBody>
+        </p:sp>
+        <p:sp>
+          <p:nvSpPr>
+            <p:cNvPr id="8" name="文本框 7">
+              <a:extLst>
+                <a:ext uri="{FF2B5EF4-FFF2-40B4-BE49-F238E27FC236}">
+                  <a16:creationId xmlns:a16="http://schemas.microsoft.com/office/drawing/2014/main" id="{1C7929C9-F40B-43FB-8244-35C5268F06B2}"/>
+                </a:ext>
+              </a:extLst>
+            </p:cNvPr>
+            <p:cNvSpPr txBox="1"/>
+            <p:nvPr/>
+          </p:nvSpPr>
+          <p:spPr>
+            <a:xfrm>
+              <a:off x="9997355" y="1165314"/>
+              <a:ext cx="1201256" cy="282648"/>
+            </a:xfrm>
+            <a:prstGeom prst="rect">
+              <a:avLst/>
+            </a:prstGeom>
+            <a:noFill/>
+          </p:spPr>
+          <p:txBody>
+            <a:bodyPr wrap="none" rtlCol="0">
+              <a:spAutoFit/>
+            </a:bodyPr>
+            <a:lstStyle/>
+            <a:p>
+              <a:r>
+                <a:rPr lang="zh-CN" altLang="en-US" dirty="0"/>
+                <a:t>不加格式转换</a:t>
+              </a:r>
+            </a:p>
+          </p:txBody>
+        </p:sp>
+        <p:cxnSp>
+          <p:nvCxnSpPr>
+            <p:cNvPr id="10" name="直接箭头连接符 9">
+              <a:extLst>
+                <a:ext uri="{FF2B5EF4-FFF2-40B4-BE49-F238E27FC236}">
+                  <a16:creationId xmlns:a16="http://schemas.microsoft.com/office/drawing/2014/main" id="{69E96536-C8A1-4591-ADC2-133FF4BB1B71}"/>
+                </a:ext>
+              </a:extLst>
+            </p:cNvPr>
+            <p:cNvCxnSpPr>
+              <a:stCxn id="8" idx="0"/>
+              <a:endCxn id="7" idx="2"/>
+            </p:cNvCxnSpPr>
+            <p:nvPr/>
+          </p:nvCxnSpPr>
+          <p:spPr>
+            <a:xfrm flipV="1">
+              <a:off x="10597982" y="886493"/>
+              <a:ext cx="0" cy="278821"/>
+            </a:xfrm>
+            <a:prstGeom prst="straightConnector1">
+              <a:avLst/>
+            </a:prstGeom>
+            <a:ln>
+              <a:tailEnd type="triangle"/>
+            </a:ln>
+          </p:spPr>
+          <p:style>
+            <a:lnRef idx="1">
+              <a:schemeClr val="accent1"/>
+            </a:lnRef>
+            <a:fillRef idx="0">
+              <a:schemeClr val="accent1"/>
+            </a:fillRef>
+            <a:effectRef idx="0">
+              <a:schemeClr val="accent1"/>
+            </a:effectRef>
+            <a:fontRef idx="minor">
+              <a:schemeClr val="tx1"/>
+            </a:fontRef>
+          </p:style>
+        </p:cxnSp>
+        <p:sp>
+          <p:nvSpPr>
+            <p:cNvPr id="11" name="文本框 10">
+              <a:extLst>
+                <a:ext uri="{FF2B5EF4-FFF2-40B4-BE49-F238E27FC236}">
+                  <a16:creationId xmlns:a16="http://schemas.microsoft.com/office/drawing/2014/main" id="{79CA7F52-89F0-482D-BC7E-40A2B5C4D8CD}"/>
+                </a:ext>
+              </a:extLst>
+            </p:cNvPr>
+            <p:cNvSpPr txBox="1"/>
+            <p:nvPr/>
+          </p:nvSpPr>
+          <p:spPr>
+            <a:xfrm>
+              <a:off x="9644044" y="884580"/>
+              <a:ext cx="2224927" cy="369332"/>
+            </a:xfrm>
+            <a:prstGeom prst="rect">
+              <a:avLst/>
+            </a:prstGeom>
+            <a:noFill/>
+          </p:spPr>
+          <p:txBody>
+            <a:bodyPr wrap="none" rtlCol="0">
+              <a:spAutoFit/>
+            </a:bodyPr>
+            <a:lstStyle/>
+            <a:p>
+              <a:r>
+                <a:rPr lang="zh-CN" altLang="en-US" dirty="0">
+                  <a:solidFill>
+                    <a:srgbClr val="FF0000"/>
+                  </a:solidFill>
+                </a:rPr>
+                <a:t>改进后效果反而不好了，而且差距极大</a:t>
+              </a:r>
+            </a:p>
+          </p:txBody>
+        </p:sp>
+      </p:grpSp>
+      <p:pic>
+        <p:nvPicPr>
+          <p:cNvPr id="15" name="图片 14">
+            <a:extLst>
+              <a:ext uri="{FF2B5EF4-FFF2-40B4-BE49-F238E27FC236}">
+                <a16:creationId xmlns:a16="http://schemas.microsoft.com/office/drawing/2014/main" id="{FB48DE56-B5AC-4394-B5D8-5407A44F7BA5}"/>
+              </a:ext>
+            </a:extLst>
+          </p:cNvPr>
+          <p:cNvPicPr>
+            <a:picLocks noChangeAspect="1"/>
+          </p:cNvPicPr>
+          <p:nvPr/>
+        </p:nvPicPr>
+        <p:blipFill>
+          <a:blip r:embed="rId3"/>
+          <a:stretch>
+            <a:fillRect/>
+          </a:stretch>
+        </p:blipFill>
+        <p:spPr>
+          <a:xfrm>
+            <a:off x="4797996" y="1608921"/>
+            <a:ext cx="2156723" cy="2160000"/>
+          </a:xfrm>
+          <a:prstGeom prst="rect">
+            <a:avLst/>
+          </a:prstGeom>
+        </p:spPr>
+      </p:pic>
+      <p:pic>
+        <p:nvPicPr>
+          <p:cNvPr id="16" name="图片 15">
+            <a:extLst>
+              <a:ext uri="{FF2B5EF4-FFF2-40B4-BE49-F238E27FC236}">
+                <a16:creationId xmlns:a16="http://schemas.microsoft.com/office/drawing/2014/main" id="{FA73A72E-207C-4081-A9BD-4494788D2E8E}"/>
+              </a:ext>
+            </a:extLst>
+          </p:cNvPr>
+          <p:cNvPicPr>
+            <a:picLocks noChangeAspect="1"/>
+          </p:cNvPicPr>
+          <p:nvPr/>
+        </p:nvPicPr>
+        <p:blipFill>
+          <a:blip r:embed="rId4"/>
+          <a:stretch>
+            <a:fillRect/>
+          </a:stretch>
+        </p:blipFill>
+        <p:spPr>
+          <a:xfrm>
+            <a:off x="2081305" y="1634106"/>
+            <a:ext cx="2156723" cy="2160000"/>
+          </a:xfrm>
+          <a:prstGeom prst="rect">
+            <a:avLst/>
+          </a:prstGeom>
+        </p:spPr>
+      </p:pic>
+      <p:sp>
+        <p:nvSpPr>
+          <p:cNvPr id="17" name="文本框 16">
+            <a:extLst>
+              <a:ext uri="{FF2B5EF4-FFF2-40B4-BE49-F238E27FC236}">
+                <a16:creationId xmlns:a16="http://schemas.microsoft.com/office/drawing/2014/main" id="{1C464FD5-295B-4FF0-8751-776C3AEA5F72}"/>
+              </a:ext>
+            </a:extLst>
+          </p:cNvPr>
+          <p:cNvSpPr txBox="1"/>
+          <p:nvPr/>
+        </p:nvSpPr>
+        <p:spPr>
+          <a:xfrm>
+            <a:off x="7288445" y="2254732"/>
+            <a:ext cx="4663860" cy="646331"/>
+          </a:xfrm>
+          <a:prstGeom prst="rect">
+            <a:avLst/>
+          </a:prstGeom>
+          <a:noFill/>
+        </p:spPr>
+        <p:txBody>
+          <a:bodyPr wrap="square" rtlCol="0">
+            <a:spAutoFit/>
+          </a:bodyPr>
+          <a:lstStyle/>
+          <a:p>
+            <a:r>
+              <a:rPr lang="en-US" altLang="zh-CN" dirty="0"/>
+              <a:t>Provider</a:t>
+            </a:r>
+            <a:r>
+              <a:rPr lang="zh-CN" altLang="en-US" dirty="0"/>
+              <a:t>格式问题：文档要求</a:t>
+            </a:r>
+            <a:r>
+              <a:rPr lang="en-US" altLang="zh-CN" dirty="0"/>
+              <a:t>P</a:t>
+            </a:r>
+            <a:r>
+              <a:rPr lang="zh-CN" altLang="en-US" dirty="0"/>
+              <a:t>只能输出</a:t>
+            </a:r>
+            <a:r>
+              <a:rPr lang="en-US" altLang="zh-CN" dirty="0"/>
+              <a:t>0</a:t>
+            </a:r>
+            <a:r>
+              <a:rPr lang="zh-CN" altLang="en-US" dirty="0"/>
+              <a:t>，</a:t>
+            </a:r>
+            <a:r>
+              <a:rPr lang="en-US" altLang="zh-CN" b="1" dirty="0"/>
+              <a:t>P</a:t>
+            </a:r>
+            <a:r>
+              <a:rPr lang="zh-CN" altLang="en-US" b="1" dirty="0"/>
+              <a:t>可以直达的</a:t>
+            </a:r>
+            <a:r>
+              <a:rPr lang="en-US" altLang="zh-CN" b="1" dirty="0"/>
+              <a:t>C</a:t>
+            </a:r>
+            <a:r>
+              <a:rPr lang="zh-CN" altLang="en-US" b="1" dirty="0"/>
+              <a:t>格式无法转换。</a:t>
+            </a:r>
+          </a:p>
+        </p:txBody>
+      </p:sp>
+      <p:pic>
+        <p:nvPicPr>
+          <p:cNvPr id="19" name="图片 18">
+            <a:extLst>
+              <a:ext uri="{FF2B5EF4-FFF2-40B4-BE49-F238E27FC236}">
+                <a16:creationId xmlns:a16="http://schemas.microsoft.com/office/drawing/2014/main" id="{CDF98683-ED2D-47BE-9D27-7973DCBE1AEC}"/>
+              </a:ext>
+            </a:extLst>
+          </p:cNvPr>
+          <p:cNvPicPr>
+            <a:picLocks noChangeAspect="1"/>
+          </p:cNvPicPr>
+          <p:nvPr/>
+        </p:nvPicPr>
+        <p:blipFill>
+          <a:blip r:embed="rId5"/>
+          <a:stretch>
+            <a:fillRect/>
+          </a:stretch>
+        </p:blipFill>
+        <p:spPr>
+          <a:xfrm>
+            <a:off x="2081305" y="4066200"/>
+            <a:ext cx="2156723" cy="2160000"/>
+          </a:xfrm>
+          <a:prstGeom prst="rect">
+            <a:avLst/>
+          </a:prstGeom>
+        </p:spPr>
+      </p:pic>
+      <p:pic>
+        <p:nvPicPr>
+          <p:cNvPr id="20" name="图片 19">
+            <a:extLst>
+              <a:ext uri="{FF2B5EF4-FFF2-40B4-BE49-F238E27FC236}">
+                <a16:creationId xmlns:a16="http://schemas.microsoft.com/office/drawing/2014/main" id="{1E73DC9E-016B-47D2-BFE4-E463CAFBC22B}"/>
+              </a:ext>
+            </a:extLst>
+          </p:cNvPr>
+          <p:cNvPicPr>
+            <a:picLocks noChangeAspect="1"/>
+          </p:cNvPicPr>
+          <p:nvPr/>
+        </p:nvPicPr>
+        <p:blipFill>
+          <a:blip r:embed="rId6"/>
+          <a:stretch>
+            <a:fillRect/>
+          </a:stretch>
+        </p:blipFill>
+        <p:spPr>
+          <a:xfrm>
+            <a:off x="4797996" y="4066200"/>
+            <a:ext cx="2156723" cy="2160000"/>
+          </a:xfrm>
+          <a:prstGeom prst="rect">
+            <a:avLst/>
+          </a:prstGeom>
+        </p:spPr>
+      </p:pic>
+      <p:sp>
+        <p:nvSpPr>
+          <p:cNvPr id="21" name="文本框 20">
+            <a:extLst>
+              <a:ext uri="{FF2B5EF4-FFF2-40B4-BE49-F238E27FC236}">
+                <a16:creationId xmlns:a16="http://schemas.microsoft.com/office/drawing/2014/main" id="{DCAD3461-E032-4EF7-BC32-641C5BD2991D}"/>
+              </a:ext>
+            </a:extLst>
+          </p:cNvPr>
+          <p:cNvSpPr txBox="1"/>
+          <p:nvPr/>
+        </p:nvSpPr>
+        <p:spPr>
+          <a:xfrm>
+            <a:off x="995595" y="2319589"/>
+            <a:ext cx="947505" cy="369332"/>
+          </a:xfrm>
+          <a:prstGeom prst="rect">
+            <a:avLst/>
+          </a:prstGeom>
+          <a:noFill/>
+        </p:spPr>
+        <p:txBody>
+          <a:bodyPr wrap="square" rtlCol="0">
+            <a:spAutoFit/>
+          </a:bodyPr>
+          <a:lstStyle/>
+          <a:p>
+            <a:r>
+              <a:rPr lang="zh-CN" altLang="en-US" dirty="0"/>
+              <a:t>原本：</a:t>
+            </a:r>
+          </a:p>
+        </p:txBody>
+      </p:sp>
+      <p:sp>
+        <p:nvSpPr>
+          <p:cNvPr id="22" name="文本框 21">
+            <a:extLst>
+              <a:ext uri="{FF2B5EF4-FFF2-40B4-BE49-F238E27FC236}">
+                <a16:creationId xmlns:a16="http://schemas.microsoft.com/office/drawing/2014/main" id="{67A6A32E-2E6F-4BD8-AD52-D88E74FEE25E}"/>
+              </a:ext>
+            </a:extLst>
+          </p:cNvPr>
+          <p:cNvSpPr txBox="1"/>
+          <p:nvPr/>
+        </p:nvSpPr>
+        <p:spPr>
+          <a:xfrm>
+            <a:off x="976545" y="4415089"/>
+            <a:ext cx="947505" cy="369332"/>
+          </a:xfrm>
+          <a:prstGeom prst="rect">
+            <a:avLst/>
+          </a:prstGeom>
+          <a:noFill/>
+        </p:spPr>
+        <p:txBody>
+          <a:bodyPr wrap="square" rtlCol="0">
+            <a:spAutoFit/>
+          </a:bodyPr>
+          <a:lstStyle/>
+          <a:p>
+            <a:r>
+              <a:rPr lang="zh-CN" altLang="en-US" dirty="0"/>
+              <a:t>修改：</a:t>
+            </a:r>
+          </a:p>
+        </p:txBody>
+      </p:sp>
+      <p:sp>
+        <p:nvSpPr>
+          <p:cNvPr id="23" name="矩形 22">
+            <a:extLst>
+              <a:ext uri="{FF2B5EF4-FFF2-40B4-BE49-F238E27FC236}">
+                <a16:creationId xmlns:a16="http://schemas.microsoft.com/office/drawing/2014/main" id="{56DE29DC-5DCF-4EE6-BDD4-3944723E2162}"/>
+              </a:ext>
+            </a:extLst>
+          </p:cNvPr>
+          <p:cNvSpPr/>
+          <p:nvPr/>
+        </p:nvSpPr>
+        <p:spPr>
+          <a:xfrm>
+            <a:off x="9319260" y="2272678"/>
+            <a:ext cx="2087880" cy="351000"/>
+          </a:xfrm>
+          <a:prstGeom prst="rect">
+            <a:avLst/>
+          </a:prstGeom>
+          <a:noFill/>
+          <a:ln>
+            <a:solidFill>
+              <a:srgbClr val="FF0000"/>
+            </a:solidFill>
+          </a:ln>
+        </p:spPr>
+        <p:style>
+          <a:lnRef idx="2">
+            <a:schemeClr val="accent1">
+              <a:shade val="50000"/>
+            </a:schemeClr>
+          </a:lnRef>
+          <a:fillRef idx="1">
+            <a:schemeClr val="accent1"/>
+          </a:fillRef>
+          <a:effectRef idx="0">
+            <a:schemeClr val="accent1"/>
+          </a:effectRef>
+          <a:fontRef idx="minor">
+            <a:schemeClr val="lt1"/>
+          </a:fontRef>
+        </p:style>
+        <p:txBody>
+          <a:bodyPr rtlCol="0" anchor="ctr"/>
+          <a:lstStyle/>
+          <a:p>
+            <a:pPr algn="ctr"/>
             <a:endParaRPr lang="zh-CN" altLang="en-US"/>
+          </a:p>
+        </p:txBody>
+      </p:sp>
+      <p:sp>
+        <p:nvSpPr>
+          <p:cNvPr id="27" name="文本框 26">
+            <a:extLst>
+              <a:ext uri="{FF2B5EF4-FFF2-40B4-BE49-F238E27FC236}">
+                <a16:creationId xmlns:a16="http://schemas.microsoft.com/office/drawing/2014/main" id="{B6160241-AAD1-4A71-B244-F2705091BCE2}"/>
+              </a:ext>
+            </a:extLst>
+          </p:cNvPr>
+          <p:cNvSpPr txBox="1"/>
+          <p:nvPr/>
+        </p:nvSpPr>
+        <p:spPr>
+          <a:xfrm>
+            <a:off x="10170863" y="2688921"/>
+            <a:ext cx="1967797" cy="369332"/>
+          </a:xfrm>
+          <a:prstGeom prst="rect">
+            <a:avLst/>
+          </a:prstGeom>
+          <a:noFill/>
+        </p:spPr>
+        <p:txBody>
+          <a:bodyPr wrap="square">
+            <a:spAutoFit/>
+          </a:bodyPr>
+          <a:lstStyle/>
+          <a:p>
+            <a:r>
+              <a:rPr lang="zh-CN" altLang="en-US" dirty="0">
+                <a:solidFill>
+                  <a:srgbClr val="FF0000"/>
+                </a:solidFill>
+              </a:rPr>
+              <a:t>直接取消限制</a:t>
+            </a:r>
+          </a:p>
+        </p:txBody>
+      </p:sp>
+      <p:grpSp>
+        <p:nvGrpSpPr>
+          <p:cNvPr id="30" name="组合 29">
+            <a:extLst>
+              <a:ext uri="{FF2B5EF4-FFF2-40B4-BE49-F238E27FC236}">
+                <a16:creationId xmlns:a16="http://schemas.microsoft.com/office/drawing/2014/main" id="{BA6C4677-ED70-4AD9-B204-159830A67A70}"/>
+              </a:ext>
+            </a:extLst>
+          </p:cNvPr>
+          <p:cNvGrpSpPr/>
+          <p:nvPr/>
+        </p:nvGrpSpPr>
+        <p:grpSpPr>
+          <a:xfrm>
+            <a:off x="7460375" y="3335252"/>
+            <a:ext cx="4320000" cy="1950657"/>
+            <a:chOff x="7184273" y="3226224"/>
+            <a:chExt cx="4320000" cy="1950657"/>
+          </a:xfrm>
+        </p:grpSpPr>
+        <p:pic>
+          <p:nvPicPr>
+            <p:cNvPr id="28" name="图片 27">
+              <a:extLst>
+                <a:ext uri="{FF2B5EF4-FFF2-40B4-BE49-F238E27FC236}">
+                  <a16:creationId xmlns:a16="http://schemas.microsoft.com/office/drawing/2014/main" id="{645D2D29-7B53-486D-8EFE-D2AED4D7CCD6}"/>
+                </a:ext>
+              </a:extLst>
+            </p:cNvPr>
+            <p:cNvPicPr>
+              <a:picLocks noChangeAspect="1"/>
+            </p:cNvPicPr>
+            <p:nvPr/>
+          </p:nvPicPr>
+          <p:blipFill>
+            <a:blip r:embed="rId7"/>
+            <a:stretch>
+              <a:fillRect/>
+            </a:stretch>
+          </p:blipFill>
+          <p:spPr>
+            <a:xfrm>
+              <a:off x="7184273" y="3927294"/>
+              <a:ext cx="4320000" cy="1249587"/>
+            </a:xfrm>
+            <a:prstGeom prst="rect">
+              <a:avLst/>
+            </a:prstGeom>
+          </p:spPr>
+        </p:pic>
+        <p:pic>
+          <p:nvPicPr>
+            <p:cNvPr id="29" name="图片 28">
+              <a:extLst>
+                <a:ext uri="{FF2B5EF4-FFF2-40B4-BE49-F238E27FC236}">
+                  <a16:creationId xmlns:a16="http://schemas.microsoft.com/office/drawing/2014/main" id="{1354797F-9475-4721-9688-6E7A86921E38}"/>
+                </a:ext>
+              </a:extLst>
+            </p:cNvPr>
+            <p:cNvPicPr>
+              <a:picLocks noChangeAspect="1"/>
+            </p:cNvPicPr>
+            <p:nvPr/>
+          </p:nvPicPr>
+          <p:blipFill>
+            <a:blip r:embed="rId8"/>
+            <a:stretch>
+              <a:fillRect/>
+            </a:stretch>
+          </p:blipFill>
+          <p:spPr>
+            <a:xfrm>
+              <a:off x="7184273" y="3226224"/>
+              <a:ext cx="4320000" cy="664248"/>
+            </a:xfrm>
+            <a:prstGeom prst="rect">
+              <a:avLst/>
+            </a:prstGeom>
+          </p:spPr>
+        </p:pic>
+      </p:grpSp>
+      <p:sp>
+        <p:nvSpPr>
+          <p:cNvPr id="31" name="矩形 30">
+            <a:extLst>
+              <a:ext uri="{FF2B5EF4-FFF2-40B4-BE49-F238E27FC236}">
+                <a16:creationId xmlns:a16="http://schemas.microsoft.com/office/drawing/2014/main" id="{15C0B006-6535-42BE-9EE2-EEA307A792CC}"/>
+              </a:ext>
+            </a:extLst>
+          </p:cNvPr>
+          <p:cNvSpPr/>
+          <p:nvPr/>
+        </p:nvSpPr>
+        <p:spPr>
+          <a:xfrm>
+            <a:off x="7460375" y="3308430"/>
+            <a:ext cx="4373486" cy="2048430"/>
+          </a:xfrm>
+          <a:prstGeom prst="rect">
+            <a:avLst/>
+          </a:prstGeom>
+          <a:noFill/>
+          <a:ln>
+            <a:solidFill>
+              <a:srgbClr val="FF0000"/>
+            </a:solidFill>
+          </a:ln>
+        </p:spPr>
+        <p:style>
+          <a:lnRef idx="2">
+            <a:schemeClr val="accent1">
+              <a:shade val="50000"/>
+            </a:schemeClr>
+          </a:lnRef>
+          <a:fillRef idx="1">
+            <a:schemeClr val="accent1"/>
+          </a:fillRef>
+          <a:effectRef idx="0">
+            <a:schemeClr val="accent1"/>
+          </a:effectRef>
+          <a:fontRef idx="minor">
+            <a:schemeClr val="lt1"/>
+          </a:fontRef>
+        </p:style>
+        <p:txBody>
+          <a:bodyPr rtlCol="0" anchor="ctr"/>
+          <a:lstStyle/>
+          <a:p>
+            <a:pPr algn="ctr"/>
+            <a:endParaRPr lang="zh-CN" altLang="en-US"/>
+          </a:p>
+        </p:txBody>
+      </p:sp>
+      <p:sp>
+        <p:nvSpPr>
+          <p:cNvPr id="32" name="文本框 31">
+            <a:extLst>
+              <a:ext uri="{FF2B5EF4-FFF2-40B4-BE49-F238E27FC236}">
+                <a16:creationId xmlns:a16="http://schemas.microsoft.com/office/drawing/2014/main" id="{EC7740A2-05A8-4B2D-A93A-43855B00A535}"/>
+              </a:ext>
+            </a:extLst>
+          </p:cNvPr>
+          <p:cNvSpPr txBox="1"/>
+          <p:nvPr/>
+        </p:nvSpPr>
+        <p:spPr>
+          <a:xfrm>
+            <a:off x="9493664" y="4784421"/>
+            <a:ext cx="2286711" cy="646331"/>
+          </a:xfrm>
+          <a:prstGeom prst="rect">
+            <a:avLst/>
+          </a:prstGeom>
+          <a:noFill/>
+        </p:spPr>
+        <p:txBody>
+          <a:bodyPr wrap="square" rtlCol="0">
+            <a:spAutoFit/>
+          </a:bodyPr>
+          <a:lstStyle/>
+          <a:p>
+            <a:r>
+              <a:rPr lang="zh-CN" altLang="en-US" dirty="0"/>
+              <a:t>题目中描述的不清楚，只能硬尝试</a:t>
+            </a:r>
+          </a:p>
+        </p:txBody>
+      </p:sp>
+      <p:sp>
+        <p:nvSpPr>
+          <p:cNvPr id="33" name="文本框 32">
+            <a:extLst>
+              <a:ext uri="{FF2B5EF4-FFF2-40B4-BE49-F238E27FC236}">
+                <a16:creationId xmlns:a16="http://schemas.microsoft.com/office/drawing/2014/main" id="{831EFFFF-168D-418F-AA3C-D9B0F85CE649}"/>
+              </a:ext>
+            </a:extLst>
+          </p:cNvPr>
+          <p:cNvSpPr txBox="1"/>
+          <p:nvPr/>
+        </p:nvSpPr>
+        <p:spPr>
+          <a:xfrm>
+            <a:off x="6972809" y="5657671"/>
+            <a:ext cx="5165852" cy="1200329"/>
+          </a:xfrm>
+          <a:prstGeom prst="rect">
+            <a:avLst/>
+          </a:prstGeom>
+          <a:noFill/>
+        </p:spPr>
+        <p:txBody>
+          <a:bodyPr wrap="square" rtlCol="0">
+            <a:spAutoFit/>
+          </a:bodyPr>
+          <a:lstStyle/>
+          <a:p>
+            <a:pPr marL="342900" indent="-342900">
+              <a:buAutoNum type="arabicPeriod"/>
+            </a:pPr>
+            <a:r>
+              <a:rPr lang="zh-CN" altLang="en-US" dirty="0"/>
+              <a:t>允许格式转换</a:t>
+            </a:r>
+            <a:r>
+              <a:rPr lang="en-US" altLang="zh-CN" dirty="0"/>
+              <a:t>OK</a:t>
+            </a:r>
+          </a:p>
+          <a:p>
+            <a:r>
+              <a:rPr lang="zh-CN" altLang="en-US" dirty="0"/>
+              <a:t>（</a:t>
+            </a:r>
+            <a:r>
+              <a:rPr lang="en-US" altLang="zh-CN" dirty="0"/>
+              <a:t>1</a:t>
+            </a:r>
+            <a:r>
+              <a:rPr lang="zh-CN" altLang="en-US" dirty="0"/>
+              <a:t>）算入转换代价</a:t>
+            </a:r>
+            <a:endParaRPr lang="en-US" altLang="zh-CN" dirty="0"/>
+          </a:p>
+          <a:p>
+            <a:r>
+              <a:rPr lang="zh-CN" altLang="en-US" dirty="0"/>
+              <a:t>（</a:t>
+            </a:r>
+            <a:r>
+              <a:rPr lang="en-US" altLang="zh-CN" dirty="0"/>
+              <a:t>2</a:t>
+            </a:r>
+            <a:r>
+              <a:rPr lang="zh-CN" altLang="en-US" dirty="0"/>
+              <a:t>）不算入转换代价</a:t>
+            </a:r>
+            <a:endParaRPr lang="en-US" altLang="zh-CN" dirty="0"/>
+          </a:p>
+          <a:p>
+            <a:r>
+              <a:rPr lang="en-US" altLang="zh-CN" strike="sngStrike" dirty="0"/>
+              <a:t>2. </a:t>
+            </a:r>
+            <a:r>
+              <a:rPr lang="zh-CN" altLang="en-US" strike="sngStrike" dirty="0"/>
+              <a:t>不允许消息转换：需要绕远用</a:t>
+            </a:r>
+            <a:r>
+              <a:rPr lang="en-US" altLang="zh-CN" strike="sngStrike" dirty="0"/>
+              <a:t>Transmitter</a:t>
+            </a:r>
+            <a:r>
+              <a:rPr lang="zh-CN" altLang="en-US" strike="sngStrike" dirty="0"/>
+              <a:t>转换。</a:t>
+            </a:r>
+            <a:endParaRPr lang="en-US" altLang="zh-CN" strike="sngStrike" dirty="0"/>
+          </a:p>
+        </p:txBody>
+      </p:sp>
+      <p:grpSp>
+        <p:nvGrpSpPr>
+          <p:cNvPr id="39" name="组合 38">
+            <a:extLst>
+              <a:ext uri="{FF2B5EF4-FFF2-40B4-BE49-F238E27FC236}">
+                <a16:creationId xmlns:a16="http://schemas.microsoft.com/office/drawing/2014/main" id="{AB727A6F-EE52-4C0A-9DDE-3A79903B6C1D}"/>
+              </a:ext>
+            </a:extLst>
+          </p:cNvPr>
+          <p:cNvGrpSpPr/>
+          <p:nvPr/>
+        </p:nvGrpSpPr>
+        <p:grpSpPr>
+          <a:xfrm>
+            <a:off x="9790357" y="5477479"/>
+            <a:ext cx="2932205" cy="1015396"/>
+            <a:chOff x="11980385" y="4610879"/>
+            <a:chExt cx="4363399" cy="1511006"/>
+          </a:xfrm>
+        </p:grpSpPr>
+        <p:pic>
+          <p:nvPicPr>
+            <p:cNvPr id="36" name="图片 35">
+              <a:extLst>
+                <a:ext uri="{FF2B5EF4-FFF2-40B4-BE49-F238E27FC236}">
+                  <a16:creationId xmlns:a16="http://schemas.microsoft.com/office/drawing/2014/main" id="{4080F6DC-1F46-4AE2-A5FB-D11F08D7CF26}"/>
+                </a:ext>
+              </a:extLst>
+            </p:cNvPr>
+            <p:cNvPicPr>
+              <a:picLocks noChangeAspect="1"/>
+            </p:cNvPicPr>
+            <p:nvPr/>
+          </p:nvPicPr>
+          <p:blipFill>
+            <a:blip r:embed="rId9"/>
+            <a:stretch>
+              <a:fillRect/>
+            </a:stretch>
+          </p:blipFill>
+          <p:spPr>
+            <a:xfrm>
+              <a:off x="11980385" y="4610879"/>
+              <a:ext cx="4301741" cy="1511006"/>
+            </a:xfrm>
+            <a:prstGeom prst="rect">
+              <a:avLst/>
+            </a:prstGeom>
+          </p:spPr>
+        </p:pic>
+        <p:sp>
+          <p:nvSpPr>
+            <p:cNvPr id="35" name="矩形 34">
+              <a:extLst>
+                <a:ext uri="{FF2B5EF4-FFF2-40B4-BE49-F238E27FC236}">
+                  <a16:creationId xmlns:a16="http://schemas.microsoft.com/office/drawing/2014/main" id="{70350CE9-8B93-4440-8F3C-9839D20B5F07}"/>
+                </a:ext>
+              </a:extLst>
+            </p:cNvPr>
+            <p:cNvSpPr/>
+            <p:nvPr/>
+          </p:nvSpPr>
+          <p:spPr>
+            <a:xfrm>
+              <a:off x="11980385" y="5921486"/>
+              <a:ext cx="4301741" cy="178154"/>
+            </a:xfrm>
+            <a:prstGeom prst="rect">
+              <a:avLst/>
+            </a:prstGeom>
+            <a:noFill/>
+            <a:ln>
+              <a:solidFill>
+                <a:srgbClr val="FF0000"/>
+              </a:solidFill>
+            </a:ln>
+          </p:spPr>
+          <p:style>
+            <a:lnRef idx="2">
+              <a:schemeClr val="accent1">
+                <a:shade val="50000"/>
+              </a:schemeClr>
+            </a:lnRef>
+            <a:fillRef idx="1">
+              <a:schemeClr val="accent1"/>
+            </a:fillRef>
+            <a:effectRef idx="0">
+              <a:schemeClr val="accent1"/>
+            </a:effectRef>
+            <a:fontRef idx="minor">
+              <a:schemeClr val="lt1"/>
+            </a:fontRef>
+          </p:style>
+          <p:txBody>
+            <a:bodyPr rtlCol="0" anchor="ctr"/>
+            <a:lstStyle/>
+            <a:p>
+              <a:pPr algn="ctr"/>
+              <a:endParaRPr lang="zh-CN" altLang="en-US"/>
+            </a:p>
+          </p:txBody>
+        </p:sp>
+        <p:sp>
+          <p:nvSpPr>
+            <p:cNvPr id="37" name="矩形 36">
+              <a:extLst>
+                <a:ext uri="{FF2B5EF4-FFF2-40B4-BE49-F238E27FC236}">
+                  <a16:creationId xmlns:a16="http://schemas.microsoft.com/office/drawing/2014/main" id="{279CE904-A334-475E-B901-9DFCAF7C5364}"/>
+                </a:ext>
+              </a:extLst>
+            </p:cNvPr>
+            <p:cNvSpPr/>
+            <p:nvPr/>
+          </p:nvSpPr>
+          <p:spPr>
+            <a:xfrm>
+              <a:off x="12042043" y="4968046"/>
+              <a:ext cx="4301741" cy="178154"/>
+            </a:xfrm>
+            <a:prstGeom prst="rect">
+              <a:avLst/>
+            </a:prstGeom>
+            <a:noFill/>
+            <a:ln>
+              <a:solidFill>
+                <a:srgbClr val="FF0000"/>
+              </a:solidFill>
+            </a:ln>
+          </p:spPr>
+          <p:style>
+            <a:lnRef idx="2">
+              <a:schemeClr val="accent1">
+                <a:shade val="50000"/>
+              </a:schemeClr>
+            </a:lnRef>
+            <a:fillRef idx="1">
+              <a:schemeClr val="accent1"/>
+            </a:fillRef>
+            <a:effectRef idx="0">
+              <a:schemeClr val="accent1"/>
+            </a:effectRef>
+            <a:fontRef idx="minor">
+              <a:schemeClr val="lt1"/>
+            </a:fontRef>
+          </p:style>
+          <p:txBody>
+            <a:bodyPr rtlCol="0" anchor="ctr"/>
+            <a:lstStyle/>
+            <a:p>
+              <a:pPr algn="ctr"/>
+              <a:endParaRPr lang="zh-CN" altLang="en-US"/>
+            </a:p>
+          </p:txBody>
+        </p:sp>
+      </p:grpSp>
+      <p:sp>
+        <p:nvSpPr>
+          <p:cNvPr id="40" name="文本框 39">
+            <a:extLst>
+              <a:ext uri="{FF2B5EF4-FFF2-40B4-BE49-F238E27FC236}">
+                <a16:creationId xmlns:a16="http://schemas.microsoft.com/office/drawing/2014/main" id="{8CB455C2-0633-403F-9FB3-4F716702ABA7}"/>
+              </a:ext>
+            </a:extLst>
+          </p:cNvPr>
+          <p:cNvSpPr txBox="1"/>
+          <p:nvPr/>
+        </p:nvSpPr>
+        <p:spPr>
+          <a:xfrm>
+            <a:off x="12494473" y="6034008"/>
+            <a:ext cx="3416320" cy="369332"/>
+          </a:xfrm>
+          <a:prstGeom prst="rect">
+            <a:avLst/>
+          </a:prstGeom>
+          <a:noFill/>
+        </p:spPr>
+        <p:txBody>
+          <a:bodyPr wrap="none" rtlCol="0">
+            <a:spAutoFit/>
+          </a:bodyPr>
+          <a:lstStyle/>
+          <a:p>
+            <a:r>
+              <a:rPr lang="zh-CN" altLang="en-US" dirty="0"/>
+              <a:t>这里仅靠数量的尝试还是不行。</a:t>
+            </a:r>
           </a:p>
         </p:txBody>
       </p:sp>
     </p:spTree>
     <p:extLst>
       <p:ext uri="{BB962C8B-B14F-4D97-AF65-F5344CB8AC3E}">
-        <p14:creationId xmlns:p14="http://schemas.microsoft.com/office/powerpoint/2010/main" val="1861655891"/>
+        <p14:creationId xmlns:p14="http://schemas.microsoft.com/office/powerpoint/2010/main" val="2436416759"/>
+      </p:ext>
+    </p:extLst>
+  </p:cSld>
+  <p:clrMapOvr>
+    <a:masterClrMapping/>
+  </p:clrMapOvr>
+</p:sld>
+</file>
+
+<file path=ppt/slides/slide46.xml><?xml version="1.0" encoding="utf-8"?>
+<p:sld xmlns:a="http://schemas.openxmlformats.org/drawingml/2006/main" xmlns:r="http://schemas.openxmlformats.org/officeDocument/2006/relationships" xmlns:p="http://schemas.openxmlformats.org/presentationml/2006/main">
+  <p:cSld>
+    <p:spTree>
+      <p:nvGrpSpPr>
+        <p:cNvPr id="1" name=""/>
+        <p:cNvGrpSpPr/>
+        <p:nvPr/>
+      </p:nvGrpSpPr>
+      <p:grpSpPr>
+        <a:xfrm>
+          <a:off x="0" y="0"/>
+          <a:ext cx="0" cy="0"/>
+          <a:chOff x="0" y="0"/>
+          <a:chExt cx="0" cy="0"/>
+        </a:xfrm>
+      </p:grpSpPr>
+      <p:sp>
+        <p:nvSpPr>
+          <p:cNvPr id="2" name="标题 1">
+            <a:extLst>
+              <a:ext uri="{FF2B5EF4-FFF2-40B4-BE49-F238E27FC236}">
+                <a16:creationId xmlns:a16="http://schemas.microsoft.com/office/drawing/2014/main" id="{A9F2E7CB-CF6D-4EE9-9B41-50DB5005981B}"/>
+              </a:ext>
+            </a:extLst>
+          </p:cNvPr>
+          <p:cNvSpPr>
+            <a:spLocks noGrp="1"/>
+          </p:cNvSpPr>
+          <p:nvPr>
+            <p:ph type="title"/>
+          </p:nvPr>
+        </p:nvSpPr>
+        <p:spPr/>
+        <p:txBody>
+          <a:bodyPr/>
+          <a:lstStyle/>
+          <a:p>
+            <a:r>
+              <a:rPr lang="zh-CN" altLang="en-US" dirty="0"/>
+              <a:t>考虑消息格式转换代价的思路</a:t>
+            </a:r>
+          </a:p>
+        </p:txBody>
+      </p:sp>
+      <p:pic>
+        <p:nvPicPr>
+          <p:cNvPr id="4" name="图片 3">
+            <a:extLst>
+              <a:ext uri="{FF2B5EF4-FFF2-40B4-BE49-F238E27FC236}">
+                <a16:creationId xmlns:a16="http://schemas.microsoft.com/office/drawing/2014/main" id="{DB3FE29C-E1D5-44E8-A4A9-1A390697421A}"/>
+              </a:ext>
+            </a:extLst>
+          </p:cNvPr>
+          <p:cNvPicPr>
+            <a:picLocks noChangeAspect="1"/>
+          </p:cNvPicPr>
+          <p:nvPr/>
+        </p:nvPicPr>
+        <p:blipFill>
+          <a:blip r:embed="rId3"/>
+          <a:stretch>
+            <a:fillRect/>
+          </a:stretch>
+        </p:blipFill>
+        <p:spPr>
+          <a:xfrm>
+            <a:off x="838200" y="1590895"/>
+            <a:ext cx="5219048" cy="3523809"/>
+          </a:xfrm>
+          <a:prstGeom prst="rect">
+            <a:avLst/>
+          </a:prstGeom>
+        </p:spPr>
+      </p:pic>
+      <p:sp>
+        <p:nvSpPr>
+          <p:cNvPr id="5" name="矩形 4">
+            <a:extLst>
+              <a:ext uri="{FF2B5EF4-FFF2-40B4-BE49-F238E27FC236}">
+                <a16:creationId xmlns:a16="http://schemas.microsoft.com/office/drawing/2014/main" id="{DD3C4FB4-D0B8-4AE9-9FF7-08E8BF276569}"/>
+              </a:ext>
+            </a:extLst>
+          </p:cNvPr>
+          <p:cNvSpPr/>
+          <p:nvPr/>
+        </p:nvSpPr>
+        <p:spPr>
+          <a:xfrm>
+            <a:off x="838200" y="4527630"/>
+            <a:ext cx="504825" cy="587074"/>
+          </a:xfrm>
+          <a:prstGeom prst="rect">
+            <a:avLst/>
+          </a:prstGeom>
+          <a:noFill/>
+          <a:ln>
+            <a:solidFill>
+              <a:srgbClr val="FF0000"/>
+            </a:solidFill>
+          </a:ln>
+        </p:spPr>
+        <p:style>
+          <a:lnRef idx="2">
+            <a:schemeClr val="accent1">
+              <a:shade val="50000"/>
+            </a:schemeClr>
+          </a:lnRef>
+          <a:fillRef idx="1">
+            <a:schemeClr val="accent1"/>
+          </a:fillRef>
+          <a:effectRef idx="0">
+            <a:schemeClr val="accent1"/>
+          </a:effectRef>
+          <a:fontRef idx="minor">
+            <a:schemeClr val="lt1"/>
+          </a:fontRef>
+        </p:style>
+        <p:txBody>
+          <a:bodyPr rtlCol="0" anchor="ctr"/>
+          <a:lstStyle/>
+          <a:p>
+            <a:pPr algn="ctr"/>
+            <a:endParaRPr lang="zh-CN" altLang="en-US"/>
+          </a:p>
+        </p:txBody>
+      </p:sp>
+      <p:sp>
+        <p:nvSpPr>
+          <p:cNvPr id="6" name="文本框 5">
+            <a:extLst>
+              <a:ext uri="{FF2B5EF4-FFF2-40B4-BE49-F238E27FC236}">
+                <a16:creationId xmlns:a16="http://schemas.microsoft.com/office/drawing/2014/main" id="{D7324661-863C-4987-83C3-48D08F9B1A41}"/>
+              </a:ext>
+            </a:extLst>
+          </p:cNvPr>
+          <p:cNvSpPr txBox="1"/>
+          <p:nvPr/>
+        </p:nvSpPr>
+        <p:spPr>
+          <a:xfrm>
+            <a:off x="1479927" y="4527630"/>
+            <a:ext cx="2215773" cy="646331"/>
+          </a:xfrm>
+          <a:prstGeom prst="rect">
+            <a:avLst/>
+          </a:prstGeom>
+          <a:noFill/>
+        </p:spPr>
+        <p:txBody>
+          <a:bodyPr wrap="square">
+            <a:spAutoFit/>
+          </a:bodyPr>
+          <a:lstStyle/>
+          <a:p>
+            <a:r>
+              <a:rPr lang="zh-CN" altLang="en-US" dirty="0">
+                <a:solidFill>
+                  <a:srgbClr val="FF0000"/>
+                </a:solidFill>
+              </a:rPr>
+              <a:t>消息格式转换矩阵不是对称的</a:t>
+            </a:r>
+          </a:p>
+        </p:txBody>
+      </p:sp>
+      <p:pic>
+        <p:nvPicPr>
+          <p:cNvPr id="7" name="图片 6">
+            <a:extLst>
+              <a:ext uri="{FF2B5EF4-FFF2-40B4-BE49-F238E27FC236}">
+                <a16:creationId xmlns:a16="http://schemas.microsoft.com/office/drawing/2014/main" id="{7440B9E2-9748-42A2-B5BE-E62E9056D16F}"/>
+              </a:ext>
+            </a:extLst>
+          </p:cNvPr>
+          <p:cNvPicPr>
+            <a:picLocks noChangeAspect="1"/>
+          </p:cNvPicPr>
+          <p:nvPr/>
+        </p:nvPicPr>
+        <p:blipFill>
+          <a:blip r:embed="rId4"/>
+          <a:stretch>
+            <a:fillRect/>
+          </a:stretch>
+        </p:blipFill>
+        <p:spPr>
+          <a:xfrm>
+            <a:off x="6221558" y="1566288"/>
+            <a:ext cx="2156721" cy="2160000"/>
+          </a:xfrm>
+          <a:prstGeom prst="rect">
+            <a:avLst/>
+          </a:prstGeom>
+        </p:spPr>
+      </p:pic>
+      <p:sp>
+        <p:nvSpPr>
+          <p:cNvPr id="9" name="文本框 8">
+            <a:extLst>
+              <a:ext uri="{FF2B5EF4-FFF2-40B4-BE49-F238E27FC236}">
+                <a16:creationId xmlns:a16="http://schemas.microsoft.com/office/drawing/2014/main" id="{70CD0763-189E-4C91-9E3E-E957256A6D3B}"/>
+              </a:ext>
+            </a:extLst>
+          </p:cNvPr>
+          <p:cNvSpPr txBox="1"/>
+          <p:nvPr/>
+        </p:nvSpPr>
+        <p:spPr>
+          <a:xfrm>
+            <a:off x="725085" y="5335685"/>
+            <a:ext cx="4663860" cy="369332"/>
+          </a:xfrm>
+          <a:prstGeom prst="rect">
+            <a:avLst/>
+          </a:prstGeom>
+          <a:noFill/>
+        </p:spPr>
+        <p:txBody>
+          <a:bodyPr wrap="square" rtlCol="0">
+            <a:spAutoFit/>
+          </a:bodyPr>
+          <a:lstStyle/>
+          <a:p>
+            <a:r>
+              <a:rPr lang="zh-CN" altLang="en-US" b="1" dirty="0"/>
+              <a:t>单单考虑消息格式的数量，还需要考虑权重</a:t>
+            </a:r>
+          </a:p>
+        </p:txBody>
+      </p:sp>
+      <p:graphicFrame>
+        <p:nvGraphicFramePr>
+          <p:cNvPr id="10" name="表格 10">
+            <a:extLst>
+              <a:ext uri="{FF2B5EF4-FFF2-40B4-BE49-F238E27FC236}">
+                <a16:creationId xmlns:a16="http://schemas.microsoft.com/office/drawing/2014/main" id="{81B4B361-B86B-4BBE-8B3F-D1482607CD9A}"/>
+              </a:ext>
+            </a:extLst>
+          </p:cNvPr>
+          <p:cNvGraphicFramePr>
+            <a:graphicFrameLocks noGrp="1"/>
+          </p:cNvGraphicFramePr>
+          <p:nvPr>
+            <p:extLst>
+              <p:ext uri="{D42A27DB-BD31-4B8C-83A1-F6EECF244321}">
+                <p14:modId xmlns:p14="http://schemas.microsoft.com/office/powerpoint/2010/main" val="2265551266"/>
+              </p:ext>
+            </p:extLst>
+          </p:nvPr>
+        </p:nvGraphicFramePr>
+        <p:xfrm>
+          <a:off x="10423527" y="3344230"/>
+          <a:ext cx="1492248" cy="1471086"/>
+        </p:xfrm>
+        <a:graphic>
+          <a:graphicData uri="http://schemas.openxmlformats.org/drawingml/2006/table">
+            <a:tbl>
+              <a:tblPr firstRow="1" bandRow="1">
+                <a:tableStyleId>{3B4B98B0-60AC-42C2-AFA5-B58CD77FA1E5}</a:tableStyleId>
+              </a:tblPr>
+              <a:tblGrid>
+                <a:gridCol w="497416">
+                  <a:extLst>
+                    <a:ext uri="{9D8B030D-6E8A-4147-A177-3AD203B41FA5}">
+                      <a16:colId xmlns:a16="http://schemas.microsoft.com/office/drawing/2014/main" val="2242231324"/>
+                    </a:ext>
+                  </a:extLst>
+                </a:gridCol>
+                <a:gridCol w="497416">
+                  <a:extLst>
+                    <a:ext uri="{9D8B030D-6E8A-4147-A177-3AD203B41FA5}">
+                      <a16:colId xmlns:a16="http://schemas.microsoft.com/office/drawing/2014/main" val="90940596"/>
+                    </a:ext>
+                  </a:extLst>
+                </a:gridCol>
+                <a:gridCol w="497416">
+                  <a:extLst>
+                    <a:ext uri="{9D8B030D-6E8A-4147-A177-3AD203B41FA5}">
+                      <a16:colId xmlns:a16="http://schemas.microsoft.com/office/drawing/2014/main" val="3567397676"/>
+                    </a:ext>
+                  </a:extLst>
+                </a:gridCol>
+              </a:tblGrid>
+              <a:tr h="490362">
+                <a:tc>
+                  <a:txBody>
+                    <a:bodyPr/>
+                    <a:lstStyle/>
+                    <a:p>
+                      <a:r>
+                        <a:rPr lang="en-US" altLang="zh-CN" dirty="0"/>
+                        <a:t>0</a:t>
+                      </a:r>
+                      <a:endParaRPr lang="zh-CN" altLang="en-US" dirty="0"/>
+                    </a:p>
+                  </a:txBody>
+                  <a:tcPr/>
+                </a:tc>
+                <a:tc>
+                  <a:txBody>
+                    <a:bodyPr/>
+                    <a:lstStyle/>
+                    <a:p>
+                      <a:r>
+                        <a:rPr lang="en-US" altLang="zh-CN" dirty="0"/>
+                        <a:t>5</a:t>
+                      </a:r>
+                      <a:endParaRPr lang="zh-CN" altLang="en-US" dirty="0"/>
+                    </a:p>
+                  </a:txBody>
+                  <a:tcPr/>
+                </a:tc>
+                <a:tc>
+                  <a:txBody>
+                    <a:bodyPr/>
+                    <a:lstStyle/>
+                    <a:p>
+                      <a:r>
+                        <a:rPr lang="en-US" altLang="zh-CN" dirty="0"/>
+                        <a:t>5</a:t>
+                      </a:r>
+                      <a:endParaRPr lang="zh-CN" altLang="en-US" dirty="0"/>
+                    </a:p>
+                  </a:txBody>
+                  <a:tcPr/>
+                </a:tc>
+                <a:extLst>
+                  <a:ext uri="{0D108BD9-81ED-4DB2-BD59-A6C34878D82A}">
+                    <a16:rowId xmlns:a16="http://schemas.microsoft.com/office/drawing/2014/main" val="3256982320"/>
+                  </a:ext>
+                </a:extLst>
+              </a:tr>
+              <a:tr h="490362">
+                <a:tc>
+                  <a:txBody>
+                    <a:bodyPr/>
+                    <a:lstStyle/>
+                    <a:p>
+                      <a:r>
+                        <a:rPr lang="en-US" altLang="zh-CN" dirty="0"/>
+                        <a:t>5</a:t>
+                      </a:r>
+                      <a:endParaRPr lang="zh-CN" altLang="en-US" dirty="0"/>
+                    </a:p>
+                  </a:txBody>
+                  <a:tcPr/>
+                </a:tc>
+                <a:tc>
+                  <a:txBody>
+                    <a:bodyPr/>
+                    <a:lstStyle/>
+                    <a:p>
+                      <a:r>
+                        <a:rPr lang="en-US" altLang="zh-CN" dirty="0"/>
+                        <a:t>0</a:t>
+                      </a:r>
+                      <a:endParaRPr lang="zh-CN" altLang="en-US" dirty="0"/>
+                    </a:p>
+                  </a:txBody>
+                  <a:tcPr/>
+                </a:tc>
+                <a:tc>
+                  <a:txBody>
+                    <a:bodyPr/>
+                    <a:lstStyle/>
+                    <a:p>
+                      <a:r>
+                        <a:rPr lang="en-US" altLang="zh-CN" dirty="0"/>
+                        <a:t>3</a:t>
+                      </a:r>
+                      <a:endParaRPr lang="zh-CN" altLang="en-US" dirty="0"/>
+                    </a:p>
+                  </a:txBody>
+                  <a:tcPr/>
+                </a:tc>
+                <a:extLst>
+                  <a:ext uri="{0D108BD9-81ED-4DB2-BD59-A6C34878D82A}">
+                    <a16:rowId xmlns:a16="http://schemas.microsoft.com/office/drawing/2014/main" val="560926909"/>
+                  </a:ext>
+                </a:extLst>
+              </a:tr>
+              <a:tr h="490362">
+                <a:tc>
+                  <a:txBody>
+                    <a:bodyPr/>
+                    <a:lstStyle/>
+                    <a:p>
+                      <a:r>
+                        <a:rPr lang="en-US" altLang="zh-CN" dirty="0"/>
+                        <a:t>5</a:t>
+                      </a:r>
+                      <a:endParaRPr lang="zh-CN" altLang="en-US" dirty="0"/>
+                    </a:p>
+                  </a:txBody>
+                  <a:tcPr/>
+                </a:tc>
+                <a:tc>
+                  <a:txBody>
+                    <a:bodyPr/>
+                    <a:lstStyle/>
+                    <a:p>
+                      <a:r>
+                        <a:rPr lang="en-US" altLang="zh-CN" dirty="0"/>
+                        <a:t>1</a:t>
+                      </a:r>
+                      <a:endParaRPr lang="zh-CN" altLang="en-US" dirty="0"/>
+                    </a:p>
+                  </a:txBody>
+                  <a:tcPr/>
+                </a:tc>
+                <a:tc>
+                  <a:txBody>
+                    <a:bodyPr/>
+                    <a:lstStyle/>
+                    <a:p>
+                      <a:r>
+                        <a:rPr lang="en-US" altLang="zh-CN" dirty="0"/>
+                        <a:t>0</a:t>
+                      </a:r>
+                      <a:endParaRPr lang="zh-CN" altLang="en-US" dirty="0"/>
+                    </a:p>
+                  </a:txBody>
+                  <a:tcPr/>
+                </a:tc>
+                <a:extLst>
+                  <a:ext uri="{0D108BD9-81ED-4DB2-BD59-A6C34878D82A}">
+                    <a16:rowId xmlns:a16="http://schemas.microsoft.com/office/drawing/2014/main" val="1142178938"/>
+                  </a:ext>
+                </a:extLst>
+              </a:tr>
+            </a:tbl>
+          </a:graphicData>
+        </a:graphic>
+      </p:graphicFrame>
+      <p:sp>
+        <p:nvSpPr>
+          <p:cNvPr id="11" name="文本框 10">
+            <a:extLst>
+              <a:ext uri="{FF2B5EF4-FFF2-40B4-BE49-F238E27FC236}">
+                <a16:creationId xmlns:a16="http://schemas.microsoft.com/office/drawing/2014/main" id="{35C3AB2A-D8F3-4E35-B1B0-EC36631DFFFC}"/>
+              </a:ext>
+            </a:extLst>
+          </p:cNvPr>
+          <p:cNvSpPr txBox="1"/>
+          <p:nvPr/>
+        </p:nvSpPr>
+        <p:spPr>
+          <a:xfrm>
+            <a:off x="0" y="5925998"/>
+            <a:ext cx="7231467" cy="1200329"/>
+          </a:xfrm>
+          <a:prstGeom prst="rect">
+            <a:avLst/>
+          </a:prstGeom>
+          <a:noFill/>
+        </p:spPr>
+        <p:txBody>
+          <a:bodyPr wrap="none" rtlCol="0">
+            <a:spAutoFit/>
+          </a:bodyPr>
+          <a:lstStyle/>
+          <a:p>
+            <a:r>
+              <a:rPr lang="zh-CN" altLang="en-US" dirty="0"/>
+              <a:t>思路：从消息树从下往上每个</a:t>
+            </a:r>
+            <a:r>
+              <a:rPr lang="en-US" altLang="zh-CN" dirty="0"/>
+              <a:t>Transmitter</a:t>
+            </a:r>
+          </a:p>
+          <a:p>
+            <a:r>
+              <a:rPr lang="zh-CN" altLang="en-US" dirty="0"/>
+              <a:t>（</a:t>
+            </a:r>
+            <a:r>
+              <a:rPr lang="en-US" altLang="zh-CN" dirty="0"/>
+              <a:t>1</a:t>
+            </a:r>
+            <a:r>
+              <a:rPr lang="zh-CN" altLang="en-US" dirty="0"/>
+              <a:t>）记录输出端的消息格式字典个数</a:t>
+            </a:r>
+            <a:r>
+              <a:rPr lang="en-US" altLang="zh-CN" dirty="0"/>
+              <a:t>.</a:t>
+            </a:r>
+          </a:p>
+          <a:p>
+            <a:r>
+              <a:rPr lang="zh-CN" altLang="en-US" dirty="0"/>
+              <a:t>（</a:t>
+            </a:r>
+            <a:r>
+              <a:rPr lang="en-US" altLang="zh-CN" dirty="0"/>
+              <a:t>2</a:t>
+            </a:r>
+            <a:r>
+              <a:rPr lang="zh-CN" altLang="en-US" dirty="0"/>
+              <a:t>）确定输入格式：尝试各种输入格式选择当前结点代价最小的一种</a:t>
+            </a:r>
+            <a:endParaRPr lang="en-US" altLang="zh-CN" dirty="0"/>
+          </a:p>
+          <a:p>
+            <a:pPr marL="342900" indent="-342900">
+              <a:buAutoNum type="arabicPeriod"/>
+            </a:pPr>
+            <a:endParaRPr lang="zh-CN" altLang="en-US" dirty="0"/>
+          </a:p>
+        </p:txBody>
+      </p:sp>
+      <p:pic>
+        <p:nvPicPr>
+          <p:cNvPr id="12" name="图片 11">
+            <a:extLst>
+              <a:ext uri="{FF2B5EF4-FFF2-40B4-BE49-F238E27FC236}">
+                <a16:creationId xmlns:a16="http://schemas.microsoft.com/office/drawing/2014/main" id="{B3D77170-D7B7-4BF8-A06A-85F1A49956E8}"/>
+              </a:ext>
+            </a:extLst>
+          </p:cNvPr>
+          <p:cNvPicPr>
+            <a:picLocks noChangeAspect="1"/>
+          </p:cNvPicPr>
+          <p:nvPr/>
+        </p:nvPicPr>
+        <p:blipFill>
+          <a:blip r:embed="rId5"/>
+          <a:stretch>
+            <a:fillRect/>
+          </a:stretch>
+        </p:blipFill>
+        <p:spPr>
+          <a:xfrm>
+            <a:off x="6194150" y="4093961"/>
+            <a:ext cx="2156721" cy="2160000"/>
+          </a:xfrm>
+          <a:prstGeom prst="rect">
+            <a:avLst/>
+          </a:prstGeom>
+        </p:spPr>
+      </p:pic>
+      <p:pic>
+        <p:nvPicPr>
+          <p:cNvPr id="13" name="图片 12">
+            <a:extLst>
+              <a:ext uri="{FF2B5EF4-FFF2-40B4-BE49-F238E27FC236}">
+                <a16:creationId xmlns:a16="http://schemas.microsoft.com/office/drawing/2014/main" id="{0BCD93A2-0117-419A-9FE7-58D741C57E4B}"/>
+              </a:ext>
+            </a:extLst>
+          </p:cNvPr>
+          <p:cNvPicPr>
+            <a:picLocks noChangeAspect="1"/>
+          </p:cNvPicPr>
+          <p:nvPr/>
+        </p:nvPicPr>
+        <p:blipFill>
+          <a:blip r:embed="rId6"/>
+          <a:stretch>
+            <a:fillRect/>
+          </a:stretch>
+        </p:blipFill>
+        <p:spPr>
+          <a:xfrm>
+            <a:off x="8487773" y="4249199"/>
+            <a:ext cx="951502" cy="2002912"/>
+          </a:xfrm>
+          <a:prstGeom prst="rect">
+            <a:avLst/>
+          </a:prstGeom>
+        </p:spPr>
+      </p:pic>
+      <p:pic>
+        <p:nvPicPr>
+          <p:cNvPr id="14" name="图片 13">
+            <a:extLst>
+              <a:ext uri="{FF2B5EF4-FFF2-40B4-BE49-F238E27FC236}">
+                <a16:creationId xmlns:a16="http://schemas.microsoft.com/office/drawing/2014/main" id="{3948F8B4-F7E2-45B0-B78D-C4055591E994}"/>
+              </a:ext>
+            </a:extLst>
+          </p:cNvPr>
+          <p:cNvPicPr>
+            <a:picLocks noChangeAspect="1"/>
+          </p:cNvPicPr>
+          <p:nvPr/>
+        </p:nvPicPr>
+        <p:blipFill>
+          <a:blip r:embed="rId7"/>
+          <a:stretch>
+            <a:fillRect/>
+          </a:stretch>
+        </p:blipFill>
+        <p:spPr>
+          <a:xfrm>
+            <a:off x="8487774" y="1676447"/>
+            <a:ext cx="913858" cy="2002912"/>
+          </a:xfrm>
+          <a:prstGeom prst="rect">
+            <a:avLst/>
+          </a:prstGeom>
+        </p:spPr>
+      </p:pic>
+      <p:sp>
+        <p:nvSpPr>
+          <p:cNvPr id="15" name="文本框 14">
+            <a:extLst>
+              <a:ext uri="{FF2B5EF4-FFF2-40B4-BE49-F238E27FC236}">
+                <a16:creationId xmlns:a16="http://schemas.microsoft.com/office/drawing/2014/main" id="{B4E65C27-C93E-4D2D-804A-DF12521DDDFA}"/>
+              </a:ext>
+            </a:extLst>
+          </p:cNvPr>
+          <p:cNvSpPr txBox="1"/>
+          <p:nvPr/>
+        </p:nvSpPr>
+        <p:spPr>
+          <a:xfrm>
+            <a:off x="10483850" y="4874020"/>
+            <a:ext cx="1536700" cy="923330"/>
+          </a:xfrm>
+          <a:prstGeom prst="rect">
+            <a:avLst/>
+          </a:prstGeom>
+          <a:noFill/>
+        </p:spPr>
+        <p:txBody>
+          <a:bodyPr wrap="square" rtlCol="0">
+            <a:spAutoFit/>
+          </a:bodyPr>
+          <a:lstStyle/>
+          <a:p>
+            <a:r>
+              <a:rPr lang="zh-CN" altLang="en-US" dirty="0"/>
+              <a:t>从</a:t>
+            </a:r>
+            <a:r>
+              <a:rPr lang="en-US" altLang="zh-CN" dirty="0"/>
+              <a:t>1-&gt;2</a:t>
+            </a:r>
+            <a:r>
+              <a:rPr lang="zh-CN" altLang="en-US" dirty="0"/>
+              <a:t>的格式转换代价要大得多</a:t>
+            </a:r>
+          </a:p>
+        </p:txBody>
+      </p:sp>
+    </p:spTree>
+    <p:extLst>
+      <p:ext uri="{BB962C8B-B14F-4D97-AF65-F5344CB8AC3E}">
+        <p14:creationId xmlns:p14="http://schemas.microsoft.com/office/powerpoint/2010/main" val="3640543059"/>
       </p:ext>
     </p:extLst>
   </p:cSld>

--- a/huawei/日志记录.pptx
+++ b/huawei/日志记录.pptx
@@ -5,7 +5,7 @@
     <p:sldMasterId id="2147483648" r:id="rId1"/>
   </p:sldMasterIdLst>
   <p:notesMasterIdLst>
-    <p:notesMasterId r:id="rId48"/>
+    <p:notesMasterId r:id="rId50"/>
   </p:notesMasterIdLst>
   <p:sldIdLst>
     <p:sldId id="256" r:id="rId2"/>
@@ -54,11 +54,13 @@
     <p:sldId id="304" r:id="rId45"/>
     <p:sldId id="306" r:id="rId46"/>
     <p:sldId id="307" r:id="rId47"/>
+    <p:sldId id="309" r:id="rId48"/>
+    <p:sldId id="310" r:id="rId49"/>
   </p:sldIdLst>
   <p:sldSz cx="12192000" cy="6858000"/>
   <p:notesSz cx="6858000" cy="9144000"/>
   <p:custDataLst>
-    <p:tags r:id="rId49"/>
+    <p:tags r:id="rId51"/>
   </p:custDataLst>
   <p:defaultTextStyle>
     <a:defPPr>
@@ -245,7 +247,7 @@
           <a:p>
             <a:fld id="{07A1DCD4-BB14-438E-8CE0-FC12E2A73F1B}" type="datetimeFigureOut">
               <a:rPr lang="zh-CN" altLang="en-US" smtClean="0"/>
-              <a:t>2024/1/6</a:t>
+              <a:t>2024/1/8</a:t>
             </a:fld>
             <a:endParaRPr lang="zh-CN" altLang="en-US"/>
           </a:p>
@@ -2449,7 +2451,7 @@
           <a:p>
             <a:fld id="{0CCCBCAA-DE24-4869-907B-21FA432ED4EA}" type="datetimeFigureOut">
               <a:rPr lang="zh-CN" altLang="en-US" smtClean="0"/>
-              <a:t>2024/1/6</a:t>
+              <a:t>2024/1/8</a:t>
             </a:fld>
             <a:endParaRPr lang="zh-CN" altLang="en-US"/>
           </a:p>
@@ -2612,7 +2614,7 @@
           <a:p>
             <a:fld id="{0CCCBCAA-DE24-4869-907B-21FA432ED4EA}" type="datetimeFigureOut">
               <a:rPr lang="zh-CN" altLang="en-US" smtClean="0"/>
-              <a:t>2024/1/6</a:t>
+              <a:t>2024/1/8</a:t>
             </a:fld>
             <a:endParaRPr lang="zh-CN" altLang="en-US"/>
           </a:p>
@@ -2785,7 +2787,7 @@
           <a:p>
             <a:fld id="{0CCCBCAA-DE24-4869-907B-21FA432ED4EA}" type="datetimeFigureOut">
               <a:rPr lang="zh-CN" altLang="en-US" smtClean="0"/>
-              <a:t>2024/1/6</a:t>
+              <a:t>2024/1/8</a:t>
             </a:fld>
             <a:endParaRPr lang="zh-CN" altLang="en-US"/>
           </a:p>
@@ -2948,7 +2950,7 @@
           <a:p>
             <a:fld id="{0CCCBCAA-DE24-4869-907B-21FA432ED4EA}" type="datetimeFigureOut">
               <a:rPr lang="zh-CN" altLang="en-US" smtClean="0"/>
-              <a:t>2024/1/6</a:t>
+              <a:t>2024/1/8</a:t>
             </a:fld>
             <a:endParaRPr lang="zh-CN" altLang="en-US"/>
           </a:p>
@@ -3188,7 +3190,7 @@
           <a:p>
             <a:fld id="{0CCCBCAA-DE24-4869-907B-21FA432ED4EA}" type="datetimeFigureOut">
               <a:rPr lang="zh-CN" altLang="en-US" smtClean="0"/>
-              <a:t>2024/1/6</a:t>
+              <a:t>2024/1/8</a:t>
             </a:fld>
             <a:endParaRPr lang="zh-CN" altLang="en-US"/>
           </a:p>
@@ -3412,7 +3414,7 @@
           <a:p>
             <a:fld id="{0CCCBCAA-DE24-4869-907B-21FA432ED4EA}" type="datetimeFigureOut">
               <a:rPr lang="zh-CN" altLang="en-US" smtClean="0"/>
-              <a:t>2024/1/6</a:t>
+              <a:t>2024/1/8</a:t>
             </a:fld>
             <a:endParaRPr lang="zh-CN" altLang="en-US"/>
           </a:p>
@@ -3771,7 +3773,7 @@
           <a:p>
             <a:fld id="{0CCCBCAA-DE24-4869-907B-21FA432ED4EA}" type="datetimeFigureOut">
               <a:rPr lang="zh-CN" altLang="en-US" smtClean="0"/>
-              <a:t>2024/1/6</a:t>
+              <a:t>2024/1/8</a:t>
             </a:fld>
             <a:endParaRPr lang="zh-CN" altLang="en-US"/>
           </a:p>
@@ -3883,7 +3885,7 @@
           <a:p>
             <a:fld id="{0CCCBCAA-DE24-4869-907B-21FA432ED4EA}" type="datetimeFigureOut">
               <a:rPr lang="zh-CN" altLang="en-US" smtClean="0"/>
-              <a:t>2024/1/6</a:t>
+              <a:t>2024/1/8</a:t>
             </a:fld>
             <a:endParaRPr lang="zh-CN" altLang="en-US"/>
           </a:p>
@@ -3973,7 +3975,7 @@
           <a:p>
             <a:fld id="{0CCCBCAA-DE24-4869-907B-21FA432ED4EA}" type="datetimeFigureOut">
               <a:rPr lang="zh-CN" altLang="en-US" smtClean="0"/>
-              <a:t>2024/1/6</a:t>
+              <a:t>2024/1/8</a:t>
             </a:fld>
             <a:endParaRPr lang="zh-CN" altLang="en-US"/>
           </a:p>
@@ -4243,7 +4245,7 @@
           <a:p>
             <a:fld id="{0CCCBCAA-DE24-4869-907B-21FA432ED4EA}" type="datetimeFigureOut">
               <a:rPr lang="zh-CN" altLang="en-US" smtClean="0"/>
-              <a:t>2024/1/6</a:t>
+              <a:t>2024/1/8</a:t>
             </a:fld>
             <a:endParaRPr lang="zh-CN" altLang="en-US"/>
           </a:p>
@@ -4490,7 +4492,7 @@
           <a:p>
             <a:fld id="{0CCCBCAA-DE24-4869-907B-21FA432ED4EA}" type="datetimeFigureOut">
               <a:rPr lang="zh-CN" altLang="en-US" smtClean="0"/>
-              <a:t>2024/1/6</a:t>
+              <a:t>2024/1/8</a:t>
             </a:fld>
             <a:endParaRPr lang="zh-CN" altLang="en-US"/>
           </a:p>
@@ -4696,7 +4698,7 @@
           <a:p>
             <a:fld id="{0CCCBCAA-DE24-4869-907B-21FA432ED4EA}" type="datetimeFigureOut">
               <a:rPr lang="zh-CN" altLang="en-US" smtClean="0"/>
-              <a:t>2024/1/6</a:t>
+              <a:t>2024/1/8</a:t>
             </a:fld>
             <a:endParaRPr lang="zh-CN" altLang="en-US"/>
           </a:p>
@@ -34338,7 +34340,7 @@
           <a:graphicData uri="http://schemas.openxmlformats.org/presentationml/2006/ole">
             <mc:AlternateContent xmlns:mc="http://schemas.openxmlformats.org/markup-compatibility/2006">
               <mc:Choice xmlns:v="urn:schemas-microsoft-com:vml" Requires="v">
-                <p:oleObj spid="_x0000_s4101" name="Equation" r:id="rId4" imgW="104546400" imgH="9448800" progId="Equation.DSMT4">
+                <p:oleObj spid="_x0000_s4173" name="Equation" r:id="rId4" imgW="104546400" imgH="9448800" progId="Equation.DSMT4">
                   <p:embed/>
                 </p:oleObj>
               </mc:Choice>
@@ -34395,7 +34397,7 @@
           <a:graphicData uri="http://schemas.openxmlformats.org/presentationml/2006/ole">
             <mc:AlternateContent xmlns:mc="http://schemas.openxmlformats.org/markup-compatibility/2006">
               <mc:Choice xmlns:v="urn:schemas-microsoft-com:vml" Requires="v">
-                <p:oleObj spid="_x0000_s4102" name="Equation" r:id="rId6" imgW="3162240" imgH="787320" progId="Equation.DSMT4">
+                <p:oleObj spid="_x0000_s4174" name="Equation" r:id="rId6" imgW="3162240" imgH="787320" progId="Equation.DSMT4">
                   <p:embed/>
                 </p:oleObj>
               </mc:Choice>
@@ -36128,7 +36130,7 @@
             <a:graphicData uri="http://schemas.openxmlformats.org/presentationml/2006/ole">
               <mc:AlternateContent xmlns:mc="http://schemas.openxmlformats.org/markup-compatibility/2006">
                 <mc:Choice xmlns:v="urn:schemas-microsoft-com:vml" Requires="v">
-                  <p:oleObj spid="_x0000_s4103" name="Equation" r:id="rId8" imgW="8839200" imgH="5181600" progId="Equation.DSMT4">
+                  <p:oleObj spid="_x0000_s4175" name="Equation" r:id="rId8" imgW="8839200" imgH="5181600" progId="Equation.DSMT4">
                     <p:embed/>
                   </p:oleObj>
                 </mc:Choice>
@@ -36953,7 +36955,7 @@
           <a:graphicData uri="http://schemas.openxmlformats.org/presentationml/2006/ole">
             <mc:AlternateContent xmlns:mc="http://schemas.openxmlformats.org/markup-compatibility/2006">
               <mc:Choice xmlns:v="urn:schemas-microsoft-com:vml" Requires="v">
-                <p:oleObj spid="_x0000_s4104" name="Equation" r:id="rId11" imgW="50596800" imgH="3962400" progId="Equation.DSMT4">
+                <p:oleObj spid="_x0000_s4176" name="Equation" r:id="rId11" imgW="50596800" imgH="3962400" progId="Equation.DSMT4">
                   <p:embed/>
                 </p:oleObj>
               </mc:Choice>
@@ -42839,7 +42841,7 @@
                 <a:graphicData uri="http://schemas.openxmlformats.org/presentationml/2006/ole">
                   <mc:AlternateContent xmlns:mc="http://schemas.openxmlformats.org/markup-compatibility/2006">
                     <mc:Choice xmlns:v="urn:schemas-microsoft-com:vml" Requires="v">
-                      <p:oleObj spid="_x0000_s3256" name="Equation" r:id="rId7" imgW="1257120" imgH="545760" progId="Equation.DSMT4">
+                      <p:oleObj spid="_x0000_s3292" name="Equation" r:id="rId7" imgW="1257120" imgH="545760" progId="Equation.DSMT4">
                         <p:embed/>
                       </p:oleObj>
                     </mc:Choice>
@@ -42902,7 +42904,7 @@
                 <a:graphicData uri="http://schemas.openxmlformats.org/presentationml/2006/ole">
                   <mc:AlternateContent xmlns:mc="http://schemas.openxmlformats.org/markup-compatibility/2006">
                     <mc:Choice xmlns:v="urn:schemas-microsoft-com:vml" Requires="v">
-                      <p:oleObj spid="_x0000_s3257" name="Equation" r:id="rId9" imgW="1218960" imgH="215640" progId="Equation.DSMT4">
+                      <p:oleObj spid="_x0000_s3293" name="Equation" r:id="rId9" imgW="1218960" imgH="215640" progId="Equation.DSMT4">
                         <p:embed/>
                       </p:oleObj>
                     </mc:Choice>
@@ -47548,13 +47550,13 @@
           <p:nvPr>
             <p:extLst>
               <p:ext uri="{D42A27DB-BD31-4B8C-83A1-F6EECF244321}">
-                <p14:modId xmlns:p14="http://schemas.microsoft.com/office/powerpoint/2010/main" val="2265551266"/>
+                <p14:modId xmlns:p14="http://schemas.microsoft.com/office/powerpoint/2010/main" val="1744049797"/>
               </p:ext>
             </p:extLst>
           </p:nvPr>
         </p:nvGraphicFramePr>
         <p:xfrm>
-          <a:off x="10423527" y="3344230"/>
+          <a:off x="10025862" y="955145"/>
           <a:ext cx="1492248" cy="1471086"/>
         </p:xfrm>
         <a:graphic>
@@ -47919,7 +47921,7 @@
         </p:nvSpPr>
         <p:spPr>
           <a:xfrm>
-            <a:off x="10483850" y="4874020"/>
+            <a:off x="10025862" y="2484935"/>
             <a:ext cx="1536700" cy="923330"/>
           </a:xfrm>
           <a:prstGeom prst="rect">
@@ -47948,10 +47950,486 @@
           </a:p>
         </p:txBody>
       </p:sp>
+      <p:grpSp>
+        <p:nvGrpSpPr>
+          <p:cNvPr id="18" name="组合 17">
+            <a:extLst>
+              <a:ext uri="{FF2B5EF4-FFF2-40B4-BE49-F238E27FC236}">
+                <a16:creationId xmlns:a16="http://schemas.microsoft.com/office/drawing/2014/main" id="{5484C870-7FF6-4295-AC0D-6C0AF0DD5AAB}"/>
+              </a:ext>
+            </a:extLst>
+          </p:cNvPr>
+          <p:cNvGrpSpPr/>
+          <p:nvPr/>
+        </p:nvGrpSpPr>
+        <p:grpSpPr>
+          <a:xfrm>
+            <a:off x="10025862" y="5114704"/>
+            <a:ext cx="7770667" cy="1072690"/>
+            <a:chOff x="10025862" y="5114704"/>
+            <a:chExt cx="7770667" cy="1072690"/>
+          </a:xfrm>
+        </p:grpSpPr>
+        <p:pic>
+          <p:nvPicPr>
+            <p:cNvPr id="3" name="图片 2">
+              <a:extLst>
+                <a:ext uri="{FF2B5EF4-FFF2-40B4-BE49-F238E27FC236}">
+                  <a16:creationId xmlns:a16="http://schemas.microsoft.com/office/drawing/2014/main" id="{94680ACC-822A-47A0-9AEA-FFDE6FAFC822}"/>
+                </a:ext>
+              </a:extLst>
+            </p:cNvPr>
+            <p:cNvPicPr>
+              <a:picLocks noChangeAspect="1"/>
+            </p:cNvPicPr>
+            <p:nvPr/>
+          </p:nvPicPr>
+          <p:blipFill>
+            <a:blip r:embed="rId8"/>
+            <a:stretch>
+              <a:fillRect/>
+            </a:stretch>
+          </p:blipFill>
+          <p:spPr>
+            <a:xfrm>
+              <a:off x="10025862" y="5114704"/>
+              <a:ext cx="7770667" cy="1072690"/>
+            </a:xfrm>
+            <a:prstGeom prst="rect">
+              <a:avLst/>
+            </a:prstGeom>
+          </p:spPr>
+        </p:pic>
+        <p:sp>
+          <p:nvSpPr>
+            <p:cNvPr id="17" name="矩形 16">
+              <a:extLst>
+                <a:ext uri="{FF2B5EF4-FFF2-40B4-BE49-F238E27FC236}">
+                  <a16:creationId xmlns:a16="http://schemas.microsoft.com/office/drawing/2014/main" id="{93673B1C-7E70-4DC8-AFAD-3F9ACD0E3A58}"/>
+                </a:ext>
+              </a:extLst>
+            </p:cNvPr>
+            <p:cNvSpPr/>
+            <p:nvPr/>
+          </p:nvSpPr>
+          <p:spPr>
+            <a:xfrm>
+              <a:off x="10134098" y="5520350"/>
+              <a:ext cx="7262361" cy="308949"/>
+            </a:xfrm>
+            <a:prstGeom prst="rect">
+              <a:avLst/>
+            </a:prstGeom>
+            <a:noFill/>
+            <a:ln>
+              <a:solidFill>
+                <a:srgbClr val="FF0000"/>
+              </a:solidFill>
+            </a:ln>
+          </p:spPr>
+          <p:style>
+            <a:lnRef idx="2">
+              <a:schemeClr val="accent1">
+                <a:shade val="50000"/>
+              </a:schemeClr>
+            </a:lnRef>
+            <a:fillRef idx="1">
+              <a:schemeClr val="accent1"/>
+            </a:fillRef>
+            <a:effectRef idx="0">
+              <a:schemeClr val="accent1"/>
+            </a:effectRef>
+            <a:fontRef idx="minor">
+              <a:schemeClr val="lt1"/>
+            </a:fontRef>
+          </p:style>
+          <p:txBody>
+            <a:bodyPr rtlCol="0" anchor="ctr"/>
+            <a:lstStyle/>
+            <a:p>
+              <a:pPr algn="ctr"/>
+              <a:endParaRPr lang="zh-CN" altLang="en-US"/>
+            </a:p>
+          </p:txBody>
+        </p:sp>
+      </p:grpSp>
+      <p:sp>
+        <p:nvSpPr>
+          <p:cNvPr id="19" name="文本框 18">
+            <a:extLst>
+              <a:ext uri="{FF2B5EF4-FFF2-40B4-BE49-F238E27FC236}">
+                <a16:creationId xmlns:a16="http://schemas.microsoft.com/office/drawing/2014/main" id="{08EC4FFD-CC78-41F0-839B-0F3A1CF31CED}"/>
+              </a:ext>
+            </a:extLst>
+          </p:cNvPr>
+          <p:cNvSpPr txBox="1"/>
+          <p:nvPr/>
+        </p:nvSpPr>
+        <p:spPr>
+          <a:xfrm>
+            <a:off x="10447020" y="4791538"/>
+            <a:ext cx="6545580" cy="646331"/>
+          </a:xfrm>
+          <a:prstGeom prst="rect">
+            <a:avLst/>
+          </a:prstGeom>
+          <a:noFill/>
+        </p:spPr>
+        <p:txBody>
+          <a:bodyPr wrap="square">
+            <a:spAutoFit/>
+          </a:bodyPr>
+          <a:lstStyle/>
+          <a:p>
+            <a:r>
+              <a:rPr lang="zh-CN" altLang="en-US" dirty="0">
+                <a:solidFill>
+                  <a:srgbClr val="FF0000"/>
+                </a:solidFill>
+              </a:rPr>
+              <a:t>提升</a:t>
+            </a:r>
+            <a:r>
+              <a:rPr lang="en-US" altLang="zh-CN" dirty="0">
+                <a:solidFill>
+                  <a:srgbClr val="FF0000"/>
+                </a:solidFill>
+              </a:rPr>
+              <a:t>2</a:t>
+            </a:r>
+            <a:r>
+              <a:rPr lang="zh-CN" altLang="en-US" dirty="0">
+                <a:solidFill>
+                  <a:srgbClr val="FF0000"/>
+                </a:solidFill>
+              </a:rPr>
+              <a:t>、</a:t>
+            </a:r>
+            <a:r>
+              <a:rPr lang="en-US" altLang="zh-CN" dirty="0">
+                <a:solidFill>
+                  <a:srgbClr val="FF0000"/>
+                </a:solidFill>
+              </a:rPr>
+              <a:t>3K</a:t>
+            </a:r>
+            <a:r>
+              <a:rPr lang="zh-CN" altLang="en-US" dirty="0">
+                <a:solidFill>
+                  <a:srgbClr val="FF0000"/>
+                </a:solidFill>
+              </a:rPr>
+              <a:t>分，作用不大，但是跟最初最简单的消息格式相比没啥提升。</a:t>
+            </a:r>
+          </a:p>
+        </p:txBody>
+      </p:sp>
     </p:spTree>
     <p:extLst>
       <p:ext uri="{BB962C8B-B14F-4D97-AF65-F5344CB8AC3E}">
         <p14:creationId xmlns:p14="http://schemas.microsoft.com/office/powerpoint/2010/main" val="3640543059"/>
+      </p:ext>
+    </p:extLst>
+  </p:cSld>
+  <p:clrMapOvr>
+    <a:masterClrMapping/>
+  </p:clrMapOvr>
+</p:sld>
+</file>
+
+<file path=ppt/slides/slide47.xml><?xml version="1.0" encoding="utf-8"?>
+<p:sld xmlns:a="http://schemas.openxmlformats.org/drawingml/2006/main" xmlns:r="http://schemas.openxmlformats.org/officeDocument/2006/relationships" xmlns:p="http://schemas.openxmlformats.org/presentationml/2006/main">
+  <p:cSld>
+    <p:spTree>
+      <p:nvGrpSpPr>
+        <p:cNvPr id="1" name=""/>
+        <p:cNvGrpSpPr/>
+        <p:nvPr/>
+      </p:nvGrpSpPr>
+      <p:grpSpPr>
+        <a:xfrm>
+          <a:off x="0" y="0"/>
+          <a:ext cx="0" cy="0"/>
+          <a:chOff x="0" y="0"/>
+          <a:chExt cx="0" cy="0"/>
+        </a:xfrm>
+      </p:grpSpPr>
+      <p:sp>
+        <p:nvSpPr>
+          <p:cNvPr id="2" name="标题 1"/>
+          <p:cNvSpPr>
+            <a:spLocks noGrp="1"/>
+          </p:cNvSpPr>
+          <p:nvPr>
+            <p:ph type="ctrTitle"/>
+          </p:nvPr>
+        </p:nvSpPr>
+        <p:spPr/>
+        <p:txBody>
+          <a:bodyPr/>
+          <a:lstStyle/>
+          <a:p>
+            <a:r>
+              <a:rPr lang="zh-CN" altLang="en-US" dirty="0"/>
+              <a:t>路径优化</a:t>
+            </a:r>
+            <a:r>
+              <a:rPr lang="en-US" altLang="zh-CN" dirty="0"/>
+              <a:t>:MPH</a:t>
+            </a:r>
+            <a:r>
+              <a:rPr lang="zh-CN" altLang="en-US" dirty="0"/>
+              <a:t>算法</a:t>
+            </a:r>
+          </a:p>
+        </p:txBody>
+      </p:sp>
+      <p:sp>
+        <p:nvSpPr>
+          <p:cNvPr id="3" name="副标题 2"/>
+          <p:cNvSpPr>
+            <a:spLocks noGrp="1"/>
+          </p:cNvSpPr>
+          <p:nvPr>
+            <p:ph type="subTitle" idx="1"/>
+          </p:nvPr>
+        </p:nvSpPr>
+        <p:spPr/>
+        <p:txBody>
+          <a:bodyPr/>
+          <a:lstStyle/>
+          <a:p>
+            <a:r>
+              <a:rPr lang="en-US" altLang="zh-CN" dirty="0"/>
+              <a:t>24_01_08</a:t>
+            </a:r>
+            <a:endParaRPr lang="zh-CN" altLang="en-US" dirty="0"/>
+          </a:p>
+        </p:txBody>
+      </p:sp>
+    </p:spTree>
+    <p:extLst>
+      <p:ext uri="{BB962C8B-B14F-4D97-AF65-F5344CB8AC3E}">
+        <p14:creationId xmlns:p14="http://schemas.microsoft.com/office/powerpoint/2010/main" val="2839138106"/>
+      </p:ext>
+    </p:extLst>
+  </p:cSld>
+  <p:clrMapOvr>
+    <a:masterClrMapping/>
+  </p:clrMapOvr>
+</p:sld>
+</file>
+
+<file path=ppt/slides/slide48.xml><?xml version="1.0" encoding="utf-8"?>
+<p:sld xmlns:a="http://schemas.openxmlformats.org/drawingml/2006/main" xmlns:r="http://schemas.openxmlformats.org/officeDocument/2006/relationships" xmlns:p="http://schemas.openxmlformats.org/presentationml/2006/main">
+  <p:cSld>
+    <p:spTree>
+      <p:nvGrpSpPr>
+        <p:cNvPr id="1" name=""/>
+        <p:cNvGrpSpPr/>
+        <p:nvPr/>
+      </p:nvGrpSpPr>
+      <p:grpSpPr>
+        <a:xfrm>
+          <a:off x="0" y="0"/>
+          <a:ext cx="0" cy="0"/>
+          <a:chOff x="0" y="0"/>
+          <a:chExt cx="0" cy="0"/>
+        </a:xfrm>
+      </p:grpSpPr>
+      <p:sp>
+        <p:nvSpPr>
+          <p:cNvPr id="2" name="标题 1">
+            <a:extLst>
+              <a:ext uri="{FF2B5EF4-FFF2-40B4-BE49-F238E27FC236}">
+                <a16:creationId xmlns:a16="http://schemas.microsoft.com/office/drawing/2014/main" id="{41CD5955-DD3B-43D6-A426-2A7277A2487B}"/>
+              </a:ext>
+            </a:extLst>
+          </p:cNvPr>
+          <p:cNvSpPr>
+            <a:spLocks noGrp="1"/>
+          </p:cNvSpPr>
+          <p:nvPr>
+            <p:ph type="title"/>
+          </p:nvPr>
+        </p:nvSpPr>
+        <p:spPr/>
+        <p:txBody>
+          <a:bodyPr/>
+          <a:lstStyle/>
+          <a:p>
+            <a:r>
+              <a:rPr lang="en-US" altLang="zh-CN" dirty="0"/>
+              <a:t>MPH</a:t>
+            </a:r>
+            <a:r>
+              <a:rPr lang="zh-CN" altLang="en-US" dirty="0"/>
+              <a:t>算法</a:t>
+            </a:r>
+          </a:p>
+        </p:txBody>
+      </p:sp>
+      <p:sp>
+        <p:nvSpPr>
+          <p:cNvPr id="3" name="内容占位符 2">
+            <a:extLst>
+              <a:ext uri="{FF2B5EF4-FFF2-40B4-BE49-F238E27FC236}">
+                <a16:creationId xmlns:a16="http://schemas.microsoft.com/office/drawing/2014/main" id="{CA9BF326-3B22-442C-B984-836C3BB20AF4}"/>
+              </a:ext>
+            </a:extLst>
+          </p:cNvPr>
+          <p:cNvSpPr>
+            <a:spLocks noGrp="1"/>
+          </p:cNvSpPr>
+          <p:nvPr>
+            <p:ph idx="1"/>
+          </p:nvPr>
+        </p:nvSpPr>
+        <p:spPr/>
+        <p:txBody>
+          <a:bodyPr/>
+          <a:lstStyle/>
+          <a:p>
+            <a:pPr marL="514350" indent="-514350">
+              <a:buAutoNum type="arabicPeriod"/>
+            </a:pPr>
+            <a:r>
+              <a:rPr lang="en-US" altLang="zh-CN" dirty="0"/>
+              <a:t>MPH,</a:t>
+            </a:r>
+            <a:r>
+              <a:rPr lang="zh-CN" altLang="en-US" dirty="0"/>
+              <a:t> 最小组播树</a:t>
+            </a:r>
+            <a:endParaRPr lang="en-US" altLang="zh-CN" dirty="0"/>
+          </a:p>
+          <a:p>
+            <a:pPr marL="514350" indent="-514350">
+              <a:buAutoNum type="arabicPeriod"/>
+            </a:pPr>
+            <a:endParaRPr lang="en-US" altLang="zh-CN" dirty="0"/>
+          </a:p>
+          <a:p>
+            <a:pPr marL="514350" indent="-514350">
+              <a:buAutoNum type="arabicPeriod"/>
+            </a:pPr>
+            <a:r>
+              <a:rPr lang="zh-CN" altLang="en-US" dirty="0"/>
+              <a:t>手动计算</a:t>
+            </a:r>
+          </a:p>
+        </p:txBody>
+      </p:sp>
+      <p:sp>
+        <p:nvSpPr>
+          <p:cNvPr id="5" name="文本框 4">
+            <a:extLst>
+              <a:ext uri="{FF2B5EF4-FFF2-40B4-BE49-F238E27FC236}">
+                <a16:creationId xmlns:a16="http://schemas.microsoft.com/office/drawing/2014/main" id="{B30BD19F-B427-41E2-A2FB-68DD80A9A7BB}"/>
+              </a:ext>
+            </a:extLst>
+          </p:cNvPr>
+          <p:cNvSpPr txBox="1"/>
+          <p:nvPr/>
+        </p:nvSpPr>
+        <p:spPr>
+          <a:xfrm>
+            <a:off x="4130040" y="1825625"/>
+            <a:ext cx="6096000" cy="369332"/>
+          </a:xfrm>
+          <a:prstGeom prst="rect">
+            <a:avLst/>
+          </a:prstGeom>
+          <a:noFill/>
+        </p:spPr>
+        <p:txBody>
+          <a:bodyPr wrap="square">
+            <a:spAutoFit/>
+          </a:bodyPr>
+          <a:lstStyle/>
+          <a:p>
+            <a:r>
+              <a:rPr lang="zh-CN" altLang="en-US" dirty="0"/>
+              <a:t>https://www.cnblogs.com/nnmaitian/p/7768929.html</a:t>
+            </a:r>
+          </a:p>
+        </p:txBody>
+      </p:sp>
+      <p:sp>
+        <p:nvSpPr>
+          <p:cNvPr id="7" name="文本框 6">
+            <a:extLst>
+              <a:ext uri="{FF2B5EF4-FFF2-40B4-BE49-F238E27FC236}">
+                <a16:creationId xmlns:a16="http://schemas.microsoft.com/office/drawing/2014/main" id="{DB5263A5-7707-4010-B552-4BF3C214A833}"/>
+              </a:ext>
+            </a:extLst>
+          </p:cNvPr>
+          <p:cNvSpPr txBox="1"/>
+          <p:nvPr/>
+        </p:nvSpPr>
+        <p:spPr>
+          <a:xfrm>
+            <a:off x="4130039" y="2194957"/>
+            <a:ext cx="10287229" cy="369332"/>
+          </a:xfrm>
+          <a:prstGeom prst="rect">
+            <a:avLst/>
+          </a:prstGeom>
+          <a:noFill/>
+        </p:spPr>
+        <p:txBody>
+          <a:bodyPr wrap="square">
+            <a:spAutoFit/>
+          </a:bodyPr>
+          <a:lstStyle/>
+          <a:p>
+            <a:r>
+              <a:rPr lang="zh-CN" altLang="en-US" dirty="0"/>
+              <a:t>https://baike.baidu.com/item/%E6%96%AF%E5%9D%A6%E7%BA%B3%E6%A0%91/12796694?fr=ge_ala</a:t>
+            </a:r>
+          </a:p>
+        </p:txBody>
+      </p:sp>
+      <p:pic>
+        <p:nvPicPr>
+          <p:cNvPr id="6" name="图片 5">
+            <a:extLst>
+              <a:ext uri="{FF2B5EF4-FFF2-40B4-BE49-F238E27FC236}">
+                <a16:creationId xmlns:a16="http://schemas.microsoft.com/office/drawing/2014/main" id="{784A8382-AE3C-412D-9239-19443B29F574}"/>
+              </a:ext>
+            </a:extLst>
+          </p:cNvPr>
+          <p:cNvPicPr>
+            <a:picLocks noChangeAspect="1"/>
+          </p:cNvPicPr>
+          <p:nvPr/>
+        </p:nvPicPr>
+        <p:blipFill>
+          <a:blip r:embed="rId2" cstate="print">
+            <a:extLst>
+              <a:ext uri="{28A0092B-C50C-407E-A947-70E740481C1C}">
+                <a14:useLocalDpi xmlns:a14="http://schemas.microsoft.com/office/drawing/2010/main" val="0"/>
+              </a:ext>
+            </a:extLst>
+          </a:blip>
+          <a:stretch>
+            <a:fillRect/>
+          </a:stretch>
+        </p:blipFill>
+        <p:spPr>
+          <a:xfrm rot="16200000">
+            <a:off x="4817075" y="2012192"/>
+            <a:ext cx="4128659" cy="5502728"/>
+          </a:xfrm>
+          <a:prstGeom prst="rect">
+            <a:avLst/>
+          </a:prstGeom>
+        </p:spPr>
+      </p:pic>
+    </p:spTree>
+    <p:extLst>
+      <p:ext uri="{BB962C8B-B14F-4D97-AF65-F5344CB8AC3E}">
+        <p14:creationId xmlns:p14="http://schemas.microsoft.com/office/powerpoint/2010/main" val="19326616"/>
       </p:ext>
     </p:extLst>
   </p:cSld>

--- a/huawei/日志记录.pptx
+++ b/huawei/日志记录.pptx
@@ -5,7 +5,7 @@
     <p:sldMasterId id="2147483648" r:id="rId1"/>
   </p:sldMasterIdLst>
   <p:notesMasterIdLst>
-    <p:notesMasterId r:id="rId50"/>
+    <p:notesMasterId r:id="rId51"/>
   </p:notesMasterIdLst>
   <p:sldIdLst>
     <p:sldId id="256" r:id="rId2"/>
@@ -56,11 +56,12 @@
     <p:sldId id="307" r:id="rId47"/>
     <p:sldId id="309" r:id="rId48"/>
     <p:sldId id="310" r:id="rId49"/>
+    <p:sldId id="311" r:id="rId50"/>
   </p:sldIdLst>
   <p:sldSz cx="12192000" cy="6858000"/>
   <p:notesSz cx="6858000" cy="9144000"/>
   <p:custDataLst>
-    <p:tags r:id="rId51"/>
+    <p:tags r:id="rId52"/>
   </p:custDataLst>
   <p:defaultTextStyle>
     <a:defPPr>
@@ -247,7 +248,7 @@
           <a:p>
             <a:fld id="{07A1DCD4-BB14-438E-8CE0-FC12E2A73F1B}" type="datetimeFigureOut">
               <a:rPr lang="zh-CN" altLang="en-US" smtClean="0"/>
-              <a:t>2024/1/8</a:t>
+              <a:t>2024/1/9</a:t>
             </a:fld>
             <a:endParaRPr lang="zh-CN" altLang="en-US"/>
           </a:p>
@@ -1509,31 +1510,10 @@
           <a:lstStyle/>
           <a:p>
             <a:r>
-              <a:rPr lang="zh-CN" altLang="en-US" dirty="0"/>
-              <a:t>新地图：</a:t>
-            </a:r>
-            <a:r>
               <a:rPr lang="en-US" altLang="zh-CN" dirty="0"/>
-              <a:t>main18_format_transform_weight.txt</a:t>
-            </a:r>
-          </a:p>
-          <a:p>
-            <a:r>
-              <a:rPr lang="zh-CN" altLang="en-US" dirty="0"/>
-              <a:t>新方法</a:t>
-            </a:r>
-            <a:endParaRPr lang="en-US" altLang="zh-CN"/>
-          </a:p>
-          <a:p>
-            <a:r>
-              <a:rPr lang="zh-CN" altLang="en-US"/>
-              <a:t>新</a:t>
-            </a:r>
-            <a:r>
-              <a:rPr lang="zh-CN" altLang="en-US" dirty="0"/>
-              <a:t>方法测试</a:t>
-            </a:r>
-            <a:endParaRPr lang="en-US" altLang="zh-CN" dirty="0"/>
+              <a:t>main17_format_transform_fixed.</a:t>
+            </a:r>
+            <a:endParaRPr lang="zh-CN" altLang="en-US" dirty="0"/>
           </a:p>
         </p:txBody>
       </p:sp>
@@ -1554,6 +1534,117 @@
           <a:p>
             <a:fld id="{F229329F-0271-46D7-A5B8-63D7D7F0093C}" type="slidenum">
               <a:rPr lang="zh-CN" altLang="en-US" smtClean="0"/>
+              <a:t>45</a:t>
+            </a:fld>
+            <a:endParaRPr lang="zh-CN" altLang="en-US"/>
+          </a:p>
+        </p:txBody>
+      </p:sp>
+    </p:spTree>
+    <p:extLst>
+      <p:ext uri="{BB962C8B-B14F-4D97-AF65-F5344CB8AC3E}">
+        <p14:creationId xmlns:p14="http://schemas.microsoft.com/office/powerpoint/2010/main" val="766190394"/>
+      </p:ext>
+    </p:extLst>
+  </p:cSld>
+  <p:clrMapOvr>
+    <a:masterClrMapping/>
+  </p:clrMapOvr>
+</p:notes>
+</file>
+
+<file path=ppt/notesSlides/notesSlide17.xml><?xml version="1.0" encoding="utf-8"?>
+<p:notes xmlns:a="http://schemas.openxmlformats.org/drawingml/2006/main" xmlns:r="http://schemas.openxmlformats.org/officeDocument/2006/relationships" xmlns:p="http://schemas.openxmlformats.org/presentationml/2006/main">
+  <p:cSld>
+    <p:spTree>
+      <p:nvGrpSpPr>
+        <p:cNvPr id="1" name=""/>
+        <p:cNvGrpSpPr/>
+        <p:nvPr/>
+      </p:nvGrpSpPr>
+      <p:grpSpPr>
+        <a:xfrm>
+          <a:off x="0" y="0"/>
+          <a:ext cx="0" cy="0"/>
+          <a:chOff x="0" y="0"/>
+          <a:chExt cx="0" cy="0"/>
+        </a:xfrm>
+      </p:grpSpPr>
+      <p:sp>
+        <p:nvSpPr>
+          <p:cNvPr id="2" name="幻灯片图像占位符 1"/>
+          <p:cNvSpPr>
+            <a:spLocks noGrp="1" noRot="1" noChangeAspect="1"/>
+          </p:cNvSpPr>
+          <p:nvPr>
+            <p:ph type="sldImg"/>
+          </p:nvPr>
+        </p:nvSpPr>
+        <p:spPr/>
+      </p:sp>
+      <p:sp>
+        <p:nvSpPr>
+          <p:cNvPr id="3" name="备注占位符 2"/>
+          <p:cNvSpPr>
+            <a:spLocks noGrp="1"/>
+          </p:cNvSpPr>
+          <p:nvPr>
+            <p:ph type="body" idx="1"/>
+          </p:nvPr>
+        </p:nvSpPr>
+        <p:spPr/>
+        <p:txBody>
+          <a:bodyPr/>
+          <a:lstStyle/>
+          <a:p>
+            <a:r>
+              <a:rPr lang="zh-CN" altLang="en-US" dirty="0"/>
+              <a:t>新地图：</a:t>
+            </a:r>
+            <a:r>
+              <a:rPr lang="en-US" altLang="zh-CN" dirty="0"/>
+              <a:t>main18_format_transform_weight.txt</a:t>
+            </a:r>
+          </a:p>
+          <a:p>
+            <a:r>
+              <a:rPr lang="zh-CN" altLang="en-US" dirty="0"/>
+              <a:t>新方法</a:t>
+            </a:r>
+            <a:r>
+              <a:rPr lang="en-US" altLang="zh-CN" dirty="0"/>
+              <a:t>: main18_format_transform_weight.py</a:t>
+            </a:r>
+          </a:p>
+          <a:p>
+            <a:r>
+              <a:rPr lang="zh-CN" altLang="en-US" dirty="0"/>
+              <a:t>新方法测试 </a:t>
+            </a:r>
+            <a:r>
+              <a:rPr lang="en-US" altLang="zh-CN" dirty="0"/>
+              <a:t>main18_format_transform_weight_visualization_test.ipynb</a:t>
+            </a:r>
+          </a:p>
+        </p:txBody>
+      </p:sp>
+      <p:sp>
+        <p:nvSpPr>
+          <p:cNvPr id="4" name="灯片编号占位符 3"/>
+          <p:cNvSpPr>
+            <a:spLocks noGrp="1"/>
+          </p:cNvSpPr>
+          <p:nvPr>
+            <p:ph type="sldNum" sz="quarter" idx="5"/>
+          </p:nvPr>
+        </p:nvSpPr>
+        <p:spPr/>
+        <p:txBody>
+          <a:bodyPr/>
+          <a:lstStyle/>
+          <a:p>
+            <a:fld id="{F229329F-0271-46D7-A5B8-63D7D7F0093C}" type="slidenum">
+              <a:rPr lang="zh-CN" altLang="en-US" smtClean="0"/>
               <a:t>46</a:t>
             </a:fld>
             <a:endParaRPr lang="zh-CN" altLang="en-US"/>
@@ -1564,6 +1655,98 @@
     <p:extLst>
       <p:ext uri="{BB962C8B-B14F-4D97-AF65-F5344CB8AC3E}">
         <p14:creationId xmlns:p14="http://schemas.microsoft.com/office/powerpoint/2010/main" val="1852796663"/>
+      </p:ext>
+    </p:extLst>
+  </p:cSld>
+  <p:clrMapOvr>
+    <a:masterClrMapping/>
+  </p:clrMapOvr>
+</p:notes>
+</file>
+
+<file path=ppt/notesSlides/notesSlide18.xml><?xml version="1.0" encoding="utf-8"?>
+<p:notes xmlns:a="http://schemas.openxmlformats.org/drawingml/2006/main" xmlns:r="http://schemas.openxmlformats.org/officeDocument/2006/relationships" xmlns:p="http://schemas.openxmlformats.org/presentationml/2006/main">
+  <p:cSld>
+    <p:spTree>
+      <p:nvGrpSpPr>
+        <p:cNvPr id="1" name=""/>
+        <p:cNvGrpSpPr/>
+        <p:nvPr/>
+      </p:nvGrpSpPr>
+      <p:grpSpPr>
+        <a:xfrm>
+          <a:off x="0" y="0"/>
+          <a:ext cx="0" cy="0"/>
+          <a:chOff x="0" y="0"/>
+          <a:chExt cx="0" cy="0"/>
+        </a:xfrm>
+      </p:grpSpPr>
+      <p:sp>
+        <p:nvSpPr>
+          <p:cNvPr id="2" name="幻灯片图像占位符 1"/>
+          <p:cNvSpPr>
+            <a:spLocks noGrp="1" noRot="1" noChangeAspect="1"/>
+          </p:cNvSpPr>
+          <p:nvPr>
+            <p:ph type="sldImg"/>
+          </p:nvPr>
+        </p:nvSpPr>
+        <p:spPr/>
+      </p:sp>
+      <p:sp>
+        <p:nvSpPr>
+          <p:cNvPr id="3" name="备注占位符 2"/>
+          <p:cNvSpPr>
+            <a:spLocks noGrp="1"/>
+          </p:cNvSpPr>
+          <p:nvPr>
+            <p:ph type="body" idx="1"/>
+          </p:nvPr>
+        </p:nvSpPr>
+        <p:spPr/>
+        <p:txBody>
+          <a:bodyPr/>
+          <a:lstStyle/>
+          <a:p>
+            <a:r>
+              <a:rPr lang="zh-CN" altLang="en-US" dirty="0"/>
+              <a:t>地图</a:t>
+            </a:r>
+            <a:r>
+              <a:rPr lang="en-US" altLang="zh-CN" dirty="0"/>
+              <a:t>main19_mph_map.txt</a:t>
+            </a:r>
+            <a:endParaRPr lang="zh-CN" altLang="en-US" dirty="0"/>
+          </a:p>
+        </p:txBody>
+      </p:sp>
+      <p:sp>
+        <p:nvSpPr>
+          <p:cNvPr id="4" name="灯片编号占位符 3"/>
+          <p:cNvSpPr>
+            <a:spLocks noGrp="1"/>
+          </p:cNvSpPr>
+          <p:nvPr>
+            <p:ph type="sldNum" sz="quarter" idx="5"/>
+          </p:nvPr>
+        </p:nvSpPr>
+        <p:spPr/>
+        <p:txBody>
+          <a:bodyPr/>
+          <a:lstStyle/>
+          <a:p>
+            <a:fld id="{F229329F-0271-46D7-A5B8-63D7D7F0093C}" type="slidenum">
+              <a:rPr lang="zh-CN" altLang="en-US" smtClean="0"/>
+              <a:t>49</a:t>
+            </a:fld>
+            <a:endParaRPr lang="zh-CN" altLang="en-US"/>
+          </a:p>
+        </p:txBody>
+      </p:sp>
+    </p:spTree>
+    <p:extLst>
+      <p:ext uri="{BB962C8B-B14F-4D97-AF65-F5344CB8AC3E}">
+        <p14:creationId xmlns:p14="http://schemas.microsoft.com/office/powerpoint/2010/main" val="3496498988"/>
       </p:ext>
     </p:extLst>
   </p:cSld>
@@ -2451,7 +2634,7 @@
           <a:p>
             <a:fld id="{0CCCBCAA-DE24-4869-907B-21FA432ED4EA}" type="datetimeFigureOut">
               <a:rPr lang="zh-CN" altLang="en-US" smtClean="0"/>
-              <a:t>2024/1/8</a:t>
+              <a:t>2024/1/9</a:t>
             </a:fld>
             <a:endParaRPr lang="zh-CN" altLang="en-US"/>
           </a:p>
@@ -2614,7 +2797,7 @@
           <a:p>
             <a:fld id="{0CCCBCAA-DE24-4869-907B-21FA432ED4EA}" type="datetimeFigureOut">
               <a:rPr lang="zh-CN" altLang="en-US" smtClean="0"/>
-              <a:t>2024/1/8</a:t>
+              <a:t>2024/1/9</a:t>
             </a:fld>
             <a:endParaRPr lang="zh-CN" altLang="en-US"/>
           </a:p>
@@ -2787,7 +2970,7 @@
           <a:p>
             <a:fld id="{0CCCBCAA-DE24-4869-907B-21FA432ED4EA}" type="datetimeFigureOut">
               <a:rPr lang="zh-CN" altLang="en-US" smtClean="0"/>
-              <a:t>2024/1/8</a:t>
+              <a:t>2024/1/9</a:t>
             </a:fld>
             <a:endParaRPr lang="zh-CN" altLang="en-US"/>
           </a:p>
@@ -2950,7 +3133,7 @@
           <a:p>
             <a:fld id="{0CCCBCAA-DE24-4869-907B-21FA432ED4EA}" type="datetimeFigureOut">
               <a:rPr lang="zh-CN" altLang="en-US" smtClean="0"/>
-              <a:t>2024/1/8</a:t>
+              <a:t>2024/1/9</a:t>
             </a:fld>
             <a:endParaRPr lang="zh-CN" altLang="en-US"/>
           </a:p>
@@ -3190,7 +3373,7 @@
           <a:p>
             <a:fld id="{0CCCBCAA-DE24-4869-907B-21FA432ED4EA}" type="datetimeFigureOut">
               <a:rPr lang="zh-CN" altLang="en-US" smtClean="0"/>
-              <a:t>2024/1/8</a:t>
+              <a:t>2024/1/9</a:t>
             </a:fld>
             <a:endParaRPr lang="zh-CN" altLang="en-US"/>
           </a:p>
@@ -3414,7 +3597,7 @@
           <a:p>
             <a:fld id="{0CCCBCAA-DE24-4869-907B-21FA432ED4EA}" type="datetimeFigureOut">
               <a:rPr lang="zh-CN" altLang="en-US" smtClean="0"/>
-              <a:t>2024/1/8</a:t>
+              <a:t>2024/1/9</a:t>
             </a:fld>
             <a:endParaRPr lang="zh-CN" altLang="en-US"/>
           </a:p>
@@ -3773,7 +3956,7 @@
           <a:p>
             <a:fld id="{0CCCBCAA-DE24-4869-907B-21FA432ED4EA}" type="datetimeFigureOut">
               <a:rPr lang="zh-CN" altLang="en-US" smtClean="0"/>
-              <a:t>2024/1/8</a:t>
+              <a:t>2024/1/9</a:t>
             </a:fld>
             <a:endParaRPr lang="zh-CN" altLang="en-US"/>
           </a:p>
@@ -3885,7 +4068,7 @@
           <a:p>
             <a:fld id="{0CCCBCAA-DE24-4869-907B-21FA432ED4EA}" type="datetimeFigureOut">
               <a:rPr lang="zh-CN" altLang="en-US" smtClean="0"/>
-              <a:t>2024/1/8</a:t>
+              <a:t>2024/1/9</a:t>
             </a:fld>
             <a:endParaRPr lang="zh-CN" altLang="en-US"/>
           </a:p>
@@ -3975,7 +4158,7 @@
           <a:p>
             <a:fld id="{0CCCBCAA-DE24-4869-907B-21FA432ED4EA}" type="datetimeFigureOut">
               <a:rPr lang="zh-CN" altLang="en-US" smtClean="0"/>
-              <a:t>2024/1/8</a:t>
+              <a:t>2024/1/9</a:t>
             </a:fld>
             <a:endParaRPr lang="zh-CN" altLang="en-US"/>
           </a:p>
@@ -4245,7 +4428,7 @@
           <a:p>
             <a:fld id="{0CCCBCAA-DE24-4869-907B-21FA432ED4EA}" type="datetimeFigureOut">
               <a:rPr lang="zh-CN" altLang="en-US" smtClean="0"/>
-              <a:t>2024/1/8</a:t>
+              <a:t>2024/1/9</a:t>
             </a:fld>
             <a:endParaRPr lang="zh-CN" altLang="en-US"/>
           </a:p>
@@ -4492,7 +4675,7 @@
           <a:p>
             <a:fld id="{0CCCBCAA-DE24-4869-907B-21FA432ED4EA}" type="datetimeFigureOut">
               <a:rPr lang="zh-CN" altLang="en-US" smtClean="0"/>
-              <a:t>2024/1/8</a:t>
+              <a:t>2024/1/9</a:t>
             </a:fld>
             <a:endParaRPr lang="zh-CN" altLang="en-US"/>
           </a:p>
@@ -4698,7 +4881,7 @@
           <a:p>
             <a:fld id="{0CCCBCAA-DE24-4869-907B-21FA432ED4EA}" type="datetimeFigureOut">
               <a:rPr lang="zh-CN" altLang="en-US" smtClean="0"/>
-              <a:t>2024/1/8</a:t>
+              <a:t>2024/1/9</a:t>
             </a:fld>
             <a:endParaRPr lang="zh-CN" altLang="en-US"/>
           </a:p>
@@ -34340,7 +34523,7 @@
           <a:graphicData uri="http://schemas.openxmlformats.org/presentationml/2006/ole">
             <mc:AlternateContent xmlns:mc="http://schemas.openxmlformats.org/markup-compatibility/2006">
               <mc:Choice xmlns:v="urn:schemas-microsoft-com:vml" Requires="v">
-                <p:oleObj spid="_x0000_s4173" name="Equation" r:id="rId4" imgW="104546400" imgH="9448800" progId="Equation.DSMT4">
+                <p:oleObj spid="_x0000_s4213" name="Equation" r:id="rId4" imgW="104546400" imgH="9448800" progId="Equation.DSMT4">
                   <p:embed/>
                 </p:oleObj>
               </mc:Choice>
@@ -34397,7 +34580,7 @@
           <a:graphicData uri="http://schemas.openxmlformats.org/presentationml/2006/ole">
             <mc:AlternateContent xmlns:mc="http://schemas.openxmlformats.org/markup-compatibility/2006">
               <mc:Choice xmlns:v="urn:schemas-microsoft-com:vml" Requires="v">
-                <p:oleObj spid="_x0000_s4174" name="Equation" r:id="rId6" imgW="3162240" imgH="787320" progId="Equation.DSMT4">
+                <p:oleObj spid="_x0000_s4214" name="Equation" r:id="rId6" imgW="3162240" imgH="787320" progId="Equation.DSMT4">
                   <p:embed/>
                 </p:oleObj>
               </mc:Choice>
@@ -36130,7 +36313,7 @@
             <a:graphicData uri="http://schemas.openxmlformats.org/presentationml/2006/ole">
               <mc:AlternateContent xmlns:mc="http://schemas.openxmlformats.org/markup-compatibility/2006">
                 <mc:Choice xmlns:v="urn:schemas-microsoft-com:vml" Requires="v">
-                  <p:oleObj spid="_x0000_s4175" name="Equation" r:id="rId8" imgW="8839200" imgH="5181600" progId="Equation.DSMT4">
+                  <p:oleObj spid="_x0000_s4215" name="Equation" r:id="rId8" imgW="8839200" imgH="5181600" progId="Equation.DSMT4">
                     <p:embed/>
                   </p:oleObj>
                 </mc:Choice>
@@ -36955,7 +37138,7 @@
           <a:graphicData uri="http://schemas.openxmlformats.org/presentationml/2006/ole">
             <mc:AlternateContent xmlns:mc="http://schemas.openxmlformats.org/markup-compatibility/2006">
               <mc:Choice xmlns:v="urn:schemas-microsoft-com:vml" Requires="v">
-                <p:oleObj spid="_x0000_s4176" name="Equation" r:id="rId11" imgW="50596800" imgH="3962400" progId="Equation.DSMT4">
+                <p:oleObj spid="_x0000_s4216" name="Equation" r:id="rId11" imgW="50596800" imgH="3962400" progId="Equation.DSMT4">
                   <p:embed/>
                 </p:oleObj>
               </mc:Choice>
@@ -42841,7 +43024,7 @@
                 <a:graphicData uri="http://schemas.openxmlformats.org/presentationml/2006/ole">
                   <mc:AlternateContent xmlns:mc="http://schemas.openxmlformats.org/markup-compatibility/2006">
                     <mc:Choice xmlns:v="urn:schemas-microsoft-com:vml" Requires="v">
-                      <p:oleObj spid="_x0000_s3292" name="Equation" r:id="rId7" imgW="1257120" imgH="545760" progId="Equation.DSMT4">
+                      <p:oleObj spid="_x0000_s3312" name="Equation" r:id="rId7" imgW="1257120" imgH="545760" progId="Equation.DSMT4">
                         <p:embed/>
                       </p:oleObj>
                     </mc:Choice>
@@ -42904,7 +43087,7 @@
                 <a:graphicData uri="http://schemas.openxmlformats.org/presentationml/2006/ole">
                   <mc:AlternateContent xmlns:mc="http://schemas.openxmlformats.org/markup-compatibility/2006">
                     <mc:Choice xmlns:v="urn:schemas-microsoft-com:vml" Requires="v">
-                      <p:oleObj spid="_x0000_s3293" name="Equation" r:id="rId9" imgW="1218960" imgH="215640" progId="Equation.DSMT4">
+                      <p:oleObj spid="_x0000_s3313" name="Equation" r:id="rId9" imgW="1218960" imgH="215640" progId="Equation.DSMT4">
                         <p:embed/>
                       </p:oleObj>
                     </mc:Choice>
@@ -46198,7 +46381,7 @@
             <p:nvPr/>
           </p:nvPicPr>
           <p:blipFill>
-            <a:blip r:embed="rId2"/>
+            <a:blip r:embed="rId3"/>
             <a:stretch>
               <a:fillRect/>
             </a:stretch>
@@ -46505,7 +46688,7 @@
           <p:nvPr/>
         </p:nvPicPr>
         <p:blipFill>
-          <a:blip r:embed="rId3"/>
+          <a:blip r:embed="rId4"/>
           <a:stretch>
             <a:fillRect/>
           </a:stretch>
@@ -46535,7 +46718,7 @@
           <p:nvPr/>
         </p:nvPicPr>
         <p:blipFill>
-          <a:blip r:embed="rId4"/>
+          <a:blip r:embed="rId5"/>
           <a:stretch>
             <a:fillRect/>
           </a:stretch>
@@ -46636,7 +46819,7 @@
           <p:nvPr/>
         </p:nvPicPr>
         <p:blipFill>
-          <a:blip r:embed="rId5"/>
+          <a:blip r:embed="rId6"/>
           <a:stretch>
             <a:fillRect/>
           </a:stretch>
@@ -46666,7 +46849,7 @@
           <p:nvPr/>
         </p:nvPicPr>
         <p:blipFill>
-          <a:blip r:embed="rId6"/>
+          <a:blip r:embed="rId7"/>
           <a:stretch>
             <a:fillRect/>
           </a:stretch>
@@ -46877,7 +47060,7 @@
             <p:nvPr/>
           </p:nvPicPr>
           <p:blipFill>
-            <a:blip r:embed="rId7"/>
+            <a:blip r:embed="rId8"/>
             <a:stretch>
               <a:fillRect/>
             </a:stretch>
@@ -46907,7 +47090,7 @@
             <p:nvPr/>
           </p:nvPicPr>
           <p:blipFill>
-            <a:blip r:embed="rId8"/>
+            <a:blip r:embed="rId9"/>
             <a:stretch>
               <a:fillRect/>
             </a:stretch>
@@ -47136,7 +47319,7 @@
             <p:nvPr/>
           </p:nvPicPr>
           <p:blipFill>
-            <a:blip r:embed="rId9"/>
+            <a:blip r:embed="rId10"/>
             <a:stretch>
               <a:fillRect/>
             </a:stretch>
@@ -48430,6 +48613,187 @@
     <p:extLst>
       <p:ext uri="{BB962C8B-B14F-4D97-AF65-F5344CB8AC3E}">
         <p14:creationId xmlns:p14="http://schemas.microsoft.com/office/powerpoint/2010/main" val="19326616"/>
+      </p:ext>
+    </p:extLst>
+  </p:cSld>
+  <p:clrMapOvr>
+    <a:masterClrMapping/>
+  </p:clrMapOvr>
+</p:sld>
+</file>
+
+<file path=ppt/slides/slide49.xml><?xml version="1.0" encoding="utf-8"?>
+<p:sld xmlns:a="http://schemas.openxmlformats.org/drawingml/2006/main" xmlns:r="http://schemas.openxmlformats.org/officeDocument/2006/relationships" xmlns:p="http://schemas.openxmlformats.org/presentationml/2006/main">
+  <p:cSld>
+    <p:spTree>
+      <p:nvGrpSpPr>
+        <p:cNvPr id="1" name=""/>
+        <p:cNvGrpSpPr/>
+        <p:nvPr/>
+      </p:nvGrpSpPr>
+      <p:grpSpPr>
+        <a:xfrm>
+          <a:off x="0" y="0"/>
+          <a:ext cx="0" cy="0"/>
+          <a:chOff x="0" y="0"/>
+          <a:chExt cx="0" cy="0"/>
+        </a:xfrm>
+      </p:grpSpPr>
+      <p:sp>
+        <p:nvSpPr>
+          <p:cNvPr id="2" name="标题 1">
+            <a:extLst>
+              <a:ext uri="{FF2B5EF4-FFF2-40B4-BE49-F238E27FC236}">
+                <a16:creationId xmlns:a16="http://schemas.microsoft.com/office/drawing/2014/main" id="{C2EF6CF2-0FD6-4091-923E-22306793C129}"/>
+              </a:ext>
+            </a:extLst>
+          </p:cNvPr>
+          <p:cNvSpPr>
+            <a:spLocks noGrp="1"/>
+          </p:cNvSpPr>
+          <p:nvPr>
+            <p:ph type="title"/>
+          </p:nvPr>
+        </p:nvSpPr>
+        <p:spPr/>
+        <p:txBody>
+          <a:bodyPr/>
+          <a:lstStyle/>
+          <a:p>
+            <a:r>
+              <a:rPr lang="zh-CN" altLang="en-US" dirty="0"/>
+              <a:t>手动创建地图对比测试</a:t>
+            </a:r>
+          </a:p>
+        </p:txBody>
+      </p:sp>
+      <p:sp>
+        <p:nvSpPr>
+          <p:cNvPr id="3" name="内容占位符 2">
+            <a:extLst>
+              <a:ext uri="{FF2B5EF4-FFF2-40B4-BE49-F238E27FC236}">
+                <a16:creationId xmlns:a16="http://schemas.microsoft.com/office/drawing/2014/main" id="{26503D97-76FB-4645-A7E9-A1B9B9E8BA5C}"/>
+              </a:ext>
+            </a:extLst>
+          </p:cNvPr>
+          <p:cNvSpPr>
+            <a:spLocks noGrp="1"/>
+          </p:cNvSpPr>
+          <p:nvPr>
+            <p:ph idx="1"/>
+          </p:nvPr>
+        </p:nvSpPr>
+        <p:spPr/>
+        <p:txBody>
+          <a:bodyPr/>
+          <a:lstStyle/>
+          <a:p>
+            <a:r>
+              <a:rPr lang="en-US" altLang="zh-CN" dirty="0"/>
+              <a:t>1. </a:t>
+            </a:r>
+            <a:r>
+              <a:rPr lang="zh-CN" altLang="en-US" dirty="0"/>
+              <a:t>实现思路：原本</a:t>
+            </a:r>
+            <a:r>
+              <a:rPr lang="en-US" altLang="zh-CN" dirty="0" err="1"/>
+              <a:t>dijkstra</a:t>
+            </a:r>
+            <a:r>
+              <a:rPr lang="en-US" altLang="zh-CN" dirty="0"/>
+              <a:t>+</a:t>
+            </a:r>
+            <a:r>
+              <a:rPr lang="zh-CN" altLang="en-US" dirty="0"/>
+              <a:t>合并</a:t>
+            </a:r>
+            <a:r>
+              <a:rPr lang="en-US" altLang="zh-CN" dirty="0"/>
+              <a:t>=&gt;MPH</a:t>
+            </a:r>
+            <a:r>
+              <a:rPr lang="zh-CN" altLang="en-US" dirty="0"/>
+              <a:t>算法</a:t>
+            </a:r>
+            <a:endParaRPr lang="en-US" altLang="zh-CN" dirty="0"/>
+          </a:p>
+          <a:p>
+            <a:r>
+              <a:rPr lang="en-US" altLang="zh-CN" dirty="0"/>
+              <a:t>2. </a:t>
+            </a:r>
+            <a:r>
+              <a:rPr lang="zh-CN" altLang="en-US" dirty="0"/>
+              <a:t>对比：</a:t>
+            </a:r>
+          </a:p>
+        </p:txBody>
+      </p:sp>
+      <p:pic>
+        <p:nvPicPr>
+          <p:cNvPr id="4" name="图片 3">
+            <a:extLst>
+              <a:ext uri="{FF2B5EF4-FFF2-40B4-BE49-F238E27FC236}">
+                <a16:creationId xmlns:a16="http://schemas.microsoft.com/office/drawing/2014/main" id="{D9A25248-914F-4DD6-B4DD-DDBC497940E0}"/>
+              </a:ext>
+            </a:extLst>
+          </p:cNvPr>
+          <p:cNvPicPr>
+            <a:picLocks noChangeAspect="1"/>
+          </p:cNvPicPr>
+          <p:nvPr/>
+        </p:nvPicPr>
+        <p:blipFill>
+          <a:blip r:embed="rId3"/>
+          <a:stretch>
+            <a:fillRect/>
+          </a:stretch>
+        </p:blipFill>
+        <p:spPr>
+          <a:xfrm>
+            <a:off x="909858" y="3296963"/>
+            <a:ext cx="2875631" cy="2880000"/>
+          </a:xfrm>
+          <a:prstGeom prst="rect">
+            <a:avLst/>
+          </a:prstGeom>
+        </p:spPr>
+      </p:pic>
+      <p:pic>
+        <p:nvPicPr>
+          <p:cNvPr id="5" name="图片 4">
+            <a:extLst>
+              <a:ext uri="{FF2B5EF4-FFF2-40B4-BE49-F238E27FC236}">
+                <a16:creationId xmlns:a16="http://schemas.microsoft.com/office/drawing/2014/main" id="{28CD1758-5E12-4CEC-8217-8537194ED3EC}"/>
+              </a:ext>
+            </a:extLst>
+          </p:cNvPr>
+          <p:cNvPicPr>
+            <a:picLocks noChangeAspect="1"/>
+          </p:cNvPicPr>
+          <p:nvPr/>
+        </p:nvPicPr>
+        <p:blipFill>
+          <a:blip r:embed="rId4"/>
+          <a:stretch>
+            <a:fillRect/>
+          </a:stretch>
+        </p:blipFill>
+        <p:spPr>
+          <a:xfrm>
+            <a:off x="3864767" y="3296963"/>
+            <a:ext cx="2875629" cy="2880000"/>
+          </a:xfrm>
+          <a:prstGeom prst="rect">
+            <a:avLst/>
+          </a:prstGeom>
+        </p:spPr>
+      </p:pic>
+    </p:spTree>
+    <p:extLst>
+      <p:ext uri="{BB962C8B-B14F-4D97-AF65-F5344CB8AC3E}">
+        <p14:creationId xmlns:p14="http://schemas.microsoft.com/office/powerpoint/2010/main" val="1986252107"/>
       </p:ext>
     </p:extLst>
   </p:cSld>

--- a/huawei/日志记录.pptx
+++ b/huawei/日志记录.pptx
@@ -248,7 +248,7 @@
           <a:p>
             <a:fld id="{07A1DCD4-BB14-438E-8CE0-FC12E2A73F1B}" type="datetimeFigureOut">
               <a:rPr lang="zh-CN" altLang="en-US" smtClean="0"/>
-              <a:t>2024/1/9</a:t>
+              <a:t>2024/1/10</a:t>
             </a:fld>
             <a:endParaRPr lang="zh-CN" altLang="en-US"/>
           </a:p>
@@ -2634,7 +2634,7 @@
           <a:p>
             <a:fld id="{0CCCBCAA-DE24-4869-907B-21FA432ED4EA}" type="datetimeFigureOut">
               <a:rPr lang="zh-CN" altLang="en-US" smtClean="0"/>
-              <a:t>2024/1/9</a:t>
+              <a:t>2024/1/10</a:t>
             </a:fld>
             <a:endParaRPr lang="zh-CN" altLang="en-US"/>
           </a:p>
@@ -2797,7 +2797,7 @@
           <a:p>
             <a:fld id="{0CCCBCAA-DE24-4869-907B-21FA432ED4EA}" type="datetimeFigureOut">
               <a:rPr lang="zh-CN" altLang="en-US" smtClean="0"/>
-              <a:t>2024/1/9</a:t>
+              <a:t>2024/1/10</a:t>
             </a:fld>
             <a:endParaRPr lang="zh-CN" altLang="en-US"/>
           </a:p>
@@ -2970,7 +2970,7 @@
           <a:p>
             <a:fld id="{0CCCBCAA-DE24-4869-907B-21FA432ED4EA}" type="datetimeFigureOut">
               <a:rPr lang="zh-CN" altLang="en-US" smtClean="0"/>
-              <a:t>2024/1/9</a:t>
+              <a:t>2024/1/10</a:t>
             </a:fld>
             <a:endParaRPr lang="zh-CN" altLang="en-US"/>
           </a:p>
@@ -3133,7 +3133,7 @@
           <a:p>
             <a:fld id="{0CCCBCAA-DE24-4869-907B-21FA432ED4EA}" type="datetimeFigureOut">
               <a:rPr lang="zh-CN" altLang="en-US" smtClean="0"/>
-              <a:t>2024/1/9</a:t>
+              <a:t>2024/1/10</a:t>
             </a:fld>
             <a:endParaRPr lang="zh-CN" altLang="en-US"/>
           </a:p>
@@ -3373,7 +3373,7 @@
           <a:p>
             <a:fld id="{0CCCBCAA-DE24-4869-907B-21FA432ED4EA}" type="datetimeFigureOut">
               <a:rPr lang="zh-CN" altLang="en-US" smtClean="0"/>
-              <a:t>2024/1/9</a:t>
+              <a:t>2024/1/10</a:t>
             </a:fld>
             <a:endParaRPr lang="zh-CN" altLang="en-US"/>
           </a:p>
@@ -3597,7 +3597,7 @@
           <a:p>
             <a:fld id="{0CCCBCAA-DE24-4869-907B-21FA432ED4EA}" type="datetimeFigureOut">
               <a:rPr lang="zh-CN" altLang="en-US" smtClean="0"/>
-              <a:t>2024/1/9</a:t>
+              <a:t>2024/1/10</a:t>
             </a:fld>
             <a:endParaRPr lang="zh-CN" altLang="en-US"/>
           </a:p>
@@ -3956,7 +3956,7 @@
           <a:p>
             <a:fld id="{0CCCBCAA-DE24-4869-907B-21FA432ED4EA}" type="datetimeFigureOut">
               <a:rPr lang="zh-CN" altLang="en-US" smtClean="0"/>
-              <a:t>2024/1/9</a:t>
+              <a:t>2024/1/10</a:t>
             </a:fld>
             <a:endParaRPr lang="zh-CN" altLang="en-US"/>
           </a:p>
@@ -4068,7 +4068,7 @@
           <a:p>
             <a:fld id="{0CCCBCAA-DE24-4869-907B-21FA432ED4EA}" type="datetimeFigureOut">
               <a:rPr lang="zh-CN" altLang="en-US" smtClean="0"/>
-              <a:t>2024/1/9</a:t>
+              <a:t>2024/1/10</a:t>
             </a:fld>
             <a:endParaRPr lang="zh-CN" altLang="en-US"/>
           </a:p>
@@ -4158,7 +4158,7 @@
           <a:p>
             <a:fld id="{0CCCBCAA-DE24-4869-907B-21FA432ED4EA}" type="datetimeFigureOut">
               <a:rPr lang="zh-CN" altLang="en-US" smtClean="0"/>
-              <a:t>2024/1/9</a:t>
+              <a:t>2024/1/10</a:t>
             </a:fld>
             <a:endParaRPr lang="zh-CN" altLang="en-US"/>
           </a:p>
@@ -4428,7 +4428,7 @@
           <a:p>
             <a:fld id="{0CCCBCAA-DE24-4869-907B-21FA432ED4EA}" type="datetimeFigureOut">
               <a:rPr lang="zh-CN" altLang="en-US" smtClean="0"/>
-              <a:t>2024/1/9</a:t>
+              <a:t>2024/1/10</a:t>
             </a:fld>
             <a:endParaRPr lang="zh-CN" altLang="en-US"/>
           </a:p>
@@ -4675,7 +4675,7 @@
           <a:p>
             <a:fld id="{0CCCBCAA-DE24-4869-907B-21FA432ED4EA}" type="datetimeFigureOut">
               <a:rPr lang="zh-CN" altLang="en-US" smtClean="0"/>
-              <a:t>2024/1/9</a:t>
+              <a:t>2024/1/10</a:t>
             </a:fld>
             <a:endParaRPr lang="zh-CN" altLang="en-US"/>
           </a:p>
@@ -4881,7 +4881,7 @@
           <a:p>
             <a:fld id="{0CCCBCAA-DE24-4869-907B-21FA432ED4EA}" type="datetimeFigureOut">
               <a:rPr lang="zh-CN" altLang="en-US" smtClean="0"/>
-              <a:t>2024/1/9</a:t>
+              <a:t>2024/1/10</a:t>
             </a:fld>
             <a:endParaRPr lang="zh-CN" altLang="en-US"/>
           </a:p>
@@ -34523,7 +34523,7 @@
           <a:graphicData uri="http://schemas.openxmlformats.org/presentationml/2006/ole">
             <mc:AlternateContent xmlns:mc="http://schemas.openxmlformats.org/markup-compatibility/2006">
               <mc:Choice xmlns:v="urn:schemas-microsoft-com:vml" Requires="v">
-                <p:oleObj spid="_x0000_s4213" name="Equation" r:id="rId4" imgW="104546400" imgH="9448800" progId="Equation.DSMT4">
+                <p:oleObj spid="_x0000_s4217" name="Equation" r:id="rId4" imgW="104546400" imgH="9448800" progId="Equation.DSMT4">
                   <p:embed/>
                 </p:oleObj>
               </mc:Choice>
@@ -34580,7 +34580,7 @@
           <a:graphicData uri="http://schemas.openxmlformats.org/presentationml/2006/ole">
             <mc:AlternateContent xmlns:mc="http://schemas.openxmlformats.org/markup-compatibility/2006">
               <mc:Choice xmlns:v="urn:schemas-microsoft-com:vml" Requires="v">
-                <p:oleObj spid="_x0000_s4214" name="Equation" r:id="rId6" imgW="3162240" imgH="787320" progId="Equation.DSMT4">
+                <p:oleObj spid="_x0000_s4218" name="Equation" r:id="rId6" imgW="3162240" imgH="787320" progId="Equation.DSMT4">
                   <p:embed/>
                 </p:oleObj>
               </mc:Choice>
@@ -36313,7 +36313,7 @@
             <a:graphicData uri="http://schemas.openxmlformats.org/presentationml/2006/ole">
               <mc:AlternateContent xmlns:mc="http://schemas.openxmlformats.org/markup-compatibility/2006">
                 <mc:Choice xmlns:v="urn:schemas-microsoft-com:vml" Requires="v">
-                  <p:oleObj spid="_x0000_s4215" name="Equation" r:id="rId8" imgW="8839200" imgH="5181600" progId="Equation.DSMT4">
+                  <p:oleObj spid="_x0000_s4219" name="Equation" r:id="rId8" imgW="8839200" imgH="5181600" progId="Equation.DSMT4">
                     <p:embed/>
                   </p:oleObj>
                 </mc:Choice>
@@ -37138,7 +37138,7 @@
           <a:graphicData uri="http://schemas.openxmlformats.org/presentationml/2006/ole">
             <mc:AlternateContent xmlns:mc="http://schemas.openxmlformats.org/markup-compatibility/2006">
               <mc:Choice xmlns:v="urn:schemas-microsoft-com:vml" Requires="v">
-                <p:oleObj spid="_x0000_s4216" name="Equation" r:id="rId11" imgW="50596800" imgH="3962400" progId="Equation.DSMT4">
+                <p:oleObj spid="_x0000_s4220" name="Equation" r:id="rId11" imgW="50596800" imgH="3962400" progId="Equation.DSMT4">
                   <p:embed/>
                 </p:oleObj>
               </mc:Choice>
@@ -43024,7 +43024,7 @@
                 <a:graphicData uri="http://schemas.openxmlformats.org/presentationml/2006/ole">
                   <mc:AlternateContent xmlns:mc="http://schemas.openxmlformats.org/markup-compatibility/2006">
                     <mc:Choice xmlns:v="urn:schemas-microsoft-com:vml" Requires="v">
-                      <p:oleObj spid="_x0000_s3312" name="Equation" r:id="rId7" imgW="1257120" imgH="545760" progId="Equation.DSMT4">
+                      <p:oleObj spid="_x0000_s3314" name="Equation" r:id="rId7" imgW="1257120" imgH="545760" progId="Equation.DSMT4">
                         <p:embed/>
                       </p:oleObj>
                     </mc:Choice>
@@ -43087,7 +43087,7 @@
                 <a:graphicData uri="http://schemas.openxmlformats.org/presentationml/2006/ole">
                   <mc:AlternateContent xmlns:mc="http://schemas.openxmlformats.org/markup-compatibility/2006">
                     <mc:Choice xmlns:v="urn:schemas-microsoft-com:vml" Requires="v">
-                      <p:oleObj spid="_x0000_s3313" name="Equation" r:id="rId9" imgW="1218960" imgH="215640" progId="Equation.DSMT4">
+                      <p:oleObj spid="_x0000_s3315" name="Equation" r:id="rId9" imgW="1218960" imgH="215640" progId="Equation.DSMT4">
                         <p:embed/>
                       </p:oleObj>
                     </mc:Choice>
@@ -48694,7 +48694,23 @@
             </a:r>
             <a:r>
               <a:rPr lang="zh-CN" altLang="en-US" dirty="0"/>
-              <a:t>实现思路：原本</a:t>
+              <a:t>实现思路：</a:t>
+            </a:r>
+            <a:endParaRPr lang="en-US" altLang="zh-CN" dirty="0"/>
+          </a:p>
+          <a:p>
+            <a:pPr lvl="1"/>
+            <a:r>
+              <a:rPr lang="zh-CN" altLang="en-US" dirty="0"/>
+              <a:t>（</a:t>
+            </a:r>
+            <a:r>
+              <a:rPr lang="en-US" altLang="zh-CN" dirty="0"/>
+              <a:t>1</a:t>
+            </a:r>
+            <a:r>
+              <a:rPr lang="zh-CN" altLang="en-US" dirty="0"/>
+              <a:t>）原本</a:t>
             </a:r>
             <a:r>
               <a:rPr lang="en-US" altLang="zh-CN" dirty="0" err="1"/>
@@ -48715,6 +48731,38 @@
             <a:r>
               <a:rPr lang="zh-CN" altLang="en-US" dirty="0"/>
               <a:t>算法</a:t>
+            </a:r>
+            <a:endParaRPr lang="en-US" altLang="zh-CN" dirty="0"/>
+          </a:p>
+          <a:p>
+            <a:pPr lvl="1"/>
+            <a:r>
+              <a:rPr lang="zh-CN" altLang="en-US" dirty="0"/>
+              <a:t>（</a:t>
+            </a:r>
+            <a:r>
+              <a:rPr lang="en-US" altLang="zh-CN" dirty="0"/>
+              <a:t>2</a:t>
+            </a:r>
+            <a:r>
+              <a:rPr lang="zh-CN" altLang="en-US" dirty="0"/>
+              <a:t>）原本的</a:t>
+            </a:r>
+            <a:r>
+              <a:rPr lang="en-US" altLang="zh-CN" dirty="0"/>
+              <a:t>A*+</a:t>
+            </a:r>
+            <a:r>
+              <a:rPr lang="zh-CN" altLang="en-US" dirty="0"/>
+              <a:t>转弯代价小</a:t>
+            </a:r>
+            <a:r>
+              <a:rPr lang="en-US" altLang="zh-CN" dirty="0"/>
+              <a:t>trick</a:t>
+            </a:r>
+            <a:r>
+              <a:rPr lang="zh-CN" altLang="en-US"/>
+              <a:t>都试一试</a:t>
             </a:r>
             <a:endParaRPr lang="en-US" altLang="zh-CN" dirty="0"/>
           </a:p>
@@ -48752,7 +48800,7 @@
         </p:blipFill>
         <p:spPr>
           <a:xfrm>
-            <a:off x="909858" y="3296963"/>
+            <a:off x="964020" y="3919347"/>
             <a:ext cx="2875631" cy="2880000"/>
           </a:xfrm>
           <a:prstGeom prst="rect">
@@ -48782,8 +48830,128 @@
         </p:blipFill>
         <p:spPr>
           <a:xfrm>
-            <a:off x="3864767" y="3296963"/>
+            <a:off x="6185992" y="3919347"/>
             <a:ext cx="2875629" cy="2880000"/>
+          </a:xfrm>
+          <a:prstGeom prst="rect">
+            <a:avLst/>
+          </a:prstGeom>
+        </p:spPr>
+      </p:pic>
+      <p:pic>
+        <p:nvPicPr>
+          <p:cNvPr id="6" name="图片 5">
+            <a:extLst>
+              <a:ext uri="{FF2B5EF4-FFF2-40B4-BE49-F238E27FC236}">
+                <a16:creationId xmlns:a16="http://schemas.microsoft.com/office/drawing/2014/main" id="{84543F34-CD1D-4607-B9FC-80E0B26989CC}"/>
+              </a:ext>
+            </a:extLst>
+          </p:cNvPr>
+          <p:cNvPicPr>
+            <a:picLocks noChangeAspect="1"/>
+          </p:cNvPicPr>
+          <p:nvPr/>
+        </p:nvPicPr>
+        <p:blipFill>
+          <a:blip r:embed="rId5"/>
+          <a:stretch>
+            <a:fillRect/>
+          </a:stretch>
+        </p:blipFill>
+        <p:spPr>
+          <a:xfrm>
+            <a:off x="3948060" y="3232486"/>
+            <a:ext cx="1802708" cy="2160000"/>
+          </a:xfrm>
+          <a:prstGeom prst="rect">
+            <a:avLst/>
+          </a:prstGeom>
+        </p:spPr>
+      </p:pic>
+      <p:pic>
+        <p:nvPicPr>
+          <p:cNvPr id="7" name="图片 6">
+            <a:extLst>
+              <a:ext uri="{FF2B5EF4-FFF2-40B4-BE49-F238E27FC236}">
+                <a16:creationId xmlns:a16="http://schemas.microsoft.com/office/drawing/2014/main" id="{94DBA7A9-DBEA-4C62-935B-3400A1D4EF29}"/>
+              </a:ext>
+            </a:extLst>
+          </p:cNvPr>
+          <p:cNvPicPr>
+            <a:picLocks noChangeAspect="1"/>
+          </p:cNvPicPr>
+          <p:nvPr/>
+        </p:nvPicPr>
+        <p:blipFill>
+          <a:blip r:embed="rId6"/>
+          <a:stretch>
+            <a:fillRect/>
+          </a:stretch>
+        </p:blipFill>
+        <p:spPr>
+          <a:xfrm>
+            <a:off x="3963915" y="5443908"/>
+            <a:ext cx="836756" cy="1440000"/>
+          </a:xfrm>
+          <a:prstGeom prst="rect">
+            <a:avLst/>
+          </a:prstGeom>
+        </p:spPr>
+      </p:pic>
+      <p:pic>
+        <p:nvPicPr>
+          <p:cNvPr id="8" name="图片 7">
+            <a:extLst>
+              <a:ext uri="{FF2B5EF4-FFF2-40B4-BE49-F238E27FC236}">
+                <a16:creationId xmlns:a16="http://schemas.microsoft.com/office/drawing/2014/main" id="{79636046-2080-4A84-A928-AB8EC45ED8E0}"/>
+              </a:ext>
+            </a:extLst>
+          </p:cNvPr>
+          <p:cNvPicPr>
+            <a:picLocks noChangeAspect="1"/>
+          </p:cNvPicPr>
+          <p:nvPr/>
+        </p:nvPicPr>
+        <p:blipFill>
+          <a:blip r:embed="rId7"/>
+          <a:stretch>
+            <a:fillRect/>
+          </a:stretch>
+        </p:blipFill>
+        <p:spPr>
+          <a:xfrm>
+            <a:off x="9191326" y="3232485"/>
+            <a:ext cx="1648193" cy="2160000"/>
+          </a:xfrm>
+          <a:prstGeom prst="rect">
+            <a:avLst/>
+          </a:prstGeom>
+        </p:spPr>
+      </p:pic>
+      <p:pic>
+        <p:nvPicPr>
+          <p:cNvPr id="9" name="图片 8">
+            <a:extLst>
+              <a:ext uri="{FF2B5EF4-FFF2-40B4-BE49-F238E27FC236}">
+                <a16:creationId xmlns:a16="http://schemas.microsoft.com/office/drawing/2014/main" id="{5A5C1FCE-4F04-4BEA-9C20-8F0D07338909}"/>
+              </a:ext>
+            </a:extLst>
+          </p:cNvPr>
+          <p:cNvPicPr>
+            <a:picLocks noChangeAspect="1"/>
+          </p:cNvPicPr>
+          <p:nvPr/>
+        </p:nvPicPr>
+        <p:blipFill>
+          <a:blip r:embed="rId8"/>
+          <a:stretch>
+            <a:fillRect/>
+          </a:stretch>
+        </p:blipFill>
+        <p:spPr>
+          <a:xfrm>
+            <a:off x="9191326" y="5443908"/>
+            <a:ext cx="824789" cy="1440000"/>
           </a:xfrm>
           <a:prstGeom prst="rect">
             <a:avLst/>
